--- a/java开发手册知识分享-李龙.pptx
+++ b/java开发手册知识分享-李龙.pptx
@@ -5,26 +5,30 @@
     <p:sldMasterId id="2147483648" r:id="rId1"/>
   </p:sldMasterIdLst>
   <p:notesMasterIdLst>
-    <p:notesMasterId r:id="rId16"/>
+    <p:notesMasterId r:id="rId4"/>
   </p:notesMasterIdLst>
   <p:handoutMasterIdLst>
-    <p:handoutMasterId r:id="rId17"/>
+    <p:handoutMasterId r:id="rId22"/>
   </p:handoutMasterIdLst>
   <p:sldIdLst>
-    <p:sldId id="334" r:id="rId2"/>
-    <p:sldId id="335" r:id="rId3"/>
-    <p:sldId id="340" r:id="rId4"/>
-    <p:sldId id="347" r:id="rId5"/>
-    <p:sldId id="346" r:id="rId6"/>
-    <p:sldId id="345" r:id="rId7"/>
-    <p:sldId id="348" r:id="rId8"/>
-    <p:sldId id="349" r:id="rId9"/>
-    <p:sldId id="350" r:id="rId10"/>
-    <p:sldId id="351" r:id="rId11"/>
-    <p:sldId id="352" r:id="rId12"/>
-    <p:sldId id="343" r:id="rId13"/>
-    <p:sldId id="353" r:id="rId14"/>
-    <p:sldId id="344" r:id="rId15"/>
+    <p:sldId id="334" r:id="rId3"/>
+    <p:sldId id="335" r:id="rId5"/>
+    <p:sldId id="359" r:id="rId6"/>
+    <p:sldId id="347" r:id="rId7"/>
+    <p:sldId id="346" r:id="rId8"/>
+    <p:sldId id="345" r:id="rId9"/>
+    <p:sldId id="348" r:id="rId10"/>
+    <p:sldId id="375" r:id="rId11"/>
+    <p:sldId id="350" r:id="rId12"/>
+    <p:sldId id="351" r:id="rId13"/>
+    <p:sldId id="352" r:id="rId14"/>
+    <p:sldId id="343" r:id="rId15"/>
+    <p:sldId id="353" r:id="rId16"/>
+    <p:sldId id="361" r:id="rId17"/>
+    <p:sldId id="362" r:id="rId18"/>
+    <p:sldId id="363" r:id="rId19"/>
+    <p:sldId id="364" r:id="rId20"/>
+    <p:sldId id="344" r:id="rId21"/>
   </p:sldIdLst>
   <p:sldSz cx="12192000" cy="6858000"/>
   <p:notesSz cx="6858000" cy="9144000"/>
@@ -123,22 +127,6 @@
       </a:defRPr>
     </a:lvl9pPr>
   </p:defaultTextStyle>
-  <p:extLst>
-    <p:ext uri="{EFAFB233-063F-42B5-8137-9DF3F51BA10A}">
-      <p15:sldGuideLst xmlns:p15="http://schemas.microsoft.com/office/powerpoint/2012/main">
-        <p15:guide id="1" orient="horz" pos="2160">
-          <p15:clr>
-            <a:srgbClr val="A4A3A4"/>
-          </p15:clr>
-        </p15:guide>
-        <p15:guide id="2" pos="3840">
-          <p15:clr>
-            <a:srgbClr val="A4A3A4"/>
-          </p15:clr>
-        </p15:guide>
-      </p15:sldGuideLst>
-    </p:ext>
-  </p:extLst>
 </p:presentation>
 </file>
 
@@ -224,7 +212,6 @@
           <a:p>
             <a:fld id="{654FF1B8-4857-A248-93C8-31FCEE7C1263}" type="datetimeFigureOut">
               <a:rPr kumimoji="1" lang="zh-CN" altLang="en-US" smtClean="0"/>
-              <a:t>2019/11/11</a:t>
             </a:fld>
             <a:endParaRPr kumimoji="1" lang="zh-CN" altLang="en-US"/>
           </a:p>
@@ -290,7 +277,6 @@
           <a:p>
             <a:fld id="{69F0F420-9289-D444-ADE5-B0D974BA552A}" type="slidenum">
               <a:rPr kumimoji="1" lang="zh-CN" altLang="en-US" smtClean="0"/>
-              <a:t>‹#›</a:t>
             </a:fld>
             <a:endParaRPr kumimoji="1" lang="zh-CN" altLang="en-US"/>
           </a:p>
@@ -385,7 +371,6 @@
           <a:p>
             <a:fld id="{FA1FE81B-35CB-4151-A4B4-589966BB5ABE}" type="datetimeFigureOut">
               <a:rPr lang="zh-CN" altLang="en-US" smtClean="0"/>
-              <a:t>2019/11/11</a:t>
             </a:fld>
             <a:endParaRPr lang="zh-CN" altLang="en-US"/>
           </a:p>
@@ -452,6 +437,7 @@
               <a:rPr lang="zh-CN" altLang="en-US"/>
               <a:t>编辑母版文本样式</a:t>
             </a:r>
+            <a:endParaRPr lang="zh-CN" altLang="en-US"/>
           </a:p>
           <a:p>
             <a:pPr lvl="1"/>
@@ -459,6 +445,7 @@
               <a:rPr lang="zh-CN" altLang="en-US"/>
               <a:t>第二级</a:t>
             </a:r>
+            <a:endParaRPr lang="zh-CN" altLang="en-US"/>
           </a:p>
           <a:p>
             <a:pPr lvl="2"/>
@@ -466,6 +453,7 @@
               <a:rPr lang="zh-CN" altLang="en-US"/>
               <a:t>第三级</a:t>
             </a:r>
+            <a:endParaRPr lang="zh-CN" altLang="en-US"/>
           </a:p>
           <a:p>
             <a:pPr lvl="3"/>
@@ -473,6 +461,7 @@
               <a:rPr lang="zh-CN" altLang="en-US"/>
               <a:t>第四级</a:t>
             </a:r>
+            <a:endParaRPr lang="zh-CN" altLang="en-US"/>
           </a:p>
           <a:p>
             <a:pPr lvl="4"/>
@@ -480,6 +469,7 @@
               <a:rPr lang="zh-CN" altLang="en-US"/>
               <a:t>第五级</a:t>
             </a:r>
+            <a:endParaRPr lang="zh-CN" altLang="en-US"/>
           </a:p>
         </p:txBody>
       </p:sp>
@@ -543,7 +533,6 @@
           <a:p>
             <a:fld id="{7D0FC134-E011-44C9-BD2B-F205F170FCF6}" type="slidenum">
               <a:rPr lang="zh-CN" altLang="en-US" smtClean="0"/>
-              <a:t>‹#›</a:t>
             </a:fld>
             <a:endParaRPr lang="zh-CN" altLang="en-US"/>
           </a:p>
@@ -701,11 +690,6 @@
         </p:txBody>
       </p:sp>
     </p:spTree>
-    <p:extLst>
-      <p:ext uri="{BB962C8B-B14F-4D97-AF65-F5344CB8AC3E}">
-        <p14:creationId xmlns:p14="http://schemas.microsoft.com/office/powerpoint/2010/main" val="942428080"/>
-      </p:ext>
-    </p:extLst>
   </p:cSld>
   <p:clrMapOvr>
     <a:masterClrMapping/>
@@ -757,49 +741,11 @@
           <a:bodyPr/>
           <a:lstStyle/>
           <a:p>
-            <a:r>
-              <a:rPr lang="zh-CN" altLang="en-US" dirty="0" smtClean="0"/>
-              <a:t>两个角度：你接手别人的代码，和别人接手你得代码。</a:t>
-            </a:r>
-            <a:endParaRPr lang="en-US" altLang="zh-CN" dirty="0" smtClean="0"/>
-          </a:p>
-          <a:p>
-            <a:r>
-              <a:rPr lang="zh-CN" altLang="en-US" dirty="0" smtClean="0"/>
-              <a:t>从</a:t>
-            </a:r>
-            <a:r>
-              <a:rPr lang="zh-CN" altLang="en-US" dirty="0"/>
-              <a:t>可读性上来说，高可读使得在后期维护时，能有效避免因逻辑、业务不清晰造成的编码错误，从而提升产品质量。</a:t>
-            </a:r>
-          </a:p>
-          <a:p>
-            <a:r>
-              <a:rPr lang="zh-CN" altLang="en-US" dirty="0"/>
-              <a:t>从输入、输出及异常处理上来说，规范引发我们思考各种输入 </a:t>
-            </a:r>
-            <a:r>
-              <a:rPr lang="en-US" altLang="zh-CN" dirty="0"/>
-              <a:t>case</a:t>
-            </a:r>
-            <a:r>
-              <a:rPr lang="zh-CN" altLang="en-US" dirty="0"/>
-              <a:t>、边界条件等，以及正确处理异常情况而非崩溃，如有必要辅以相应的日志用于排查问题，从整体上提升代码</a:t>
-            </a:r>
-            <a:r>
-              <a:rPr lang="zh-CN" altLang="en-US" dirty="0" smtClean="0"/>
-              <a:t>的健壮性。</a:t>
-            </a:r>
             <a:endParaRPr lang="zh-CN" altLang="en-US" dirty="0"/>
           </a:p>
         </p:txBody>
       </p:sp>
     </p:spTree>
-    <p:extLst>
-      <p:ext uri="{BB962C8B-B14F-4D97-AF65-F5344CB8AC3E}">
-        <p14:creationId xmlns:p14="http://schemas.microsoft.com/office/powerpoint/2010/main" val="3070882610"/>
-      </p:ext>
-    </p:extLst>
   </p:cSld>
   <p:clrMapOvr>
     <a:masterClrMapping/>
@@ -863,6 +809,15 @@
               </a:rPr>
               <a:t>公司层面应该定义一套自己的规范！</a:t>
             </a:r>
+            <a:endParaRPr lang="zh-CN" altLang="en-US" sz="1200" b="0" i="0" kern="1200" dirty="0" smtClean="0">
+              <a:solidFill>
+                <a:schemeClr val="tx1"/>
+              </a:solidFill>
+              <a:effectLst/>
+              <a:latin typeface="+mn-lt"/>
+              <a:ea typeface="+mn-ea"/>
+              <a:cs typeface="+mn-cs"/>
+            </a:endParaRPr>
           </a:p>
           <a:p>
             <a:r>
@@ -877,6 +832,15 @@
               </a:rPr>
               <a:t>特别说明，对于像一些涉及到能提升一门语言编程功底的约束，大家还是有必要有意识的去遵守一下。这些约束并不是说，约束了一个人编程的思想层面的东西。</a:t>
             </a:r>
+            <a:endParaRPr lang="zh-CN" altLang="en-US" sz="1200" b="0" i="0" kern="1200" dirty="0" smtClean="0">
+              <a:solidFill>
+                <a:schemeClr val="tx1"/>
+              </a:solidFill>
+              <a:effectLst/>
+              <a:latin typeface="+mn-lt"/>
+              <a:ea typeface="+mn-ea"/>
+              <a:cs typeface="+mn-cs"/>
+            </a:endParaRPr>
           </a:p>
           <a:p>
             <a:r>
@@ -891,6 +855,15 @@
               </a:rPr>
               <a:t>我理解的编程思想方面的东西是“我们在实现一个功能时候的程序设计”。</a:t>
             </a:r>
+            <a:endParaRPr lang="zh-CN" altLang="en-US" sz="1200" b="0" i="0" kern="1200" dirty="0" smtClean="0">
+              <a:solidFill>
+                <a:schemeClr val="tx1"/>
+              </a:solidFill>
+              <a:effectLst/>
+              <a:latin typeface="+mn-lt"/>
+              <a:ea typeface="+mn-ea"/>
+              <a:cs typeface="+mn-cs"/>
+            </a:endParaRPr>
           </a:p>
           <a:p>
             <a:endParaRPr lang="zh-CN" altLang="en-US" dirty="0"/>
@@ -898,11 +871,6 @@
         </p:txBody>
       </p:sp>
     </p:spTree>
-    <p:extLst>
-      <p:ext uri="{BB962C8B-B14F-4D97-AF65-F5344CB8AC3E}">
-        <p14:creationId xmlns:p14="http://schemas.microsoft.com/office/powerpoint/2010/main" val="1106897957"/>
-      </p:ext>
-    </p:extLst>
   </p:cSld>
   <p:clrMapOvr>
     <a:masterClrMapping/>
@@ -990,6 +958,7 @@
               <a:rPr lang="zh-CN" altLang="en-US"/>
               <a:t>编辑母版文本样式</a:t>
             </a:r>
+            <a:endParaRPr lang="zh-CN" altLang="en-US"/>
           </a:p>
           <a:p>
             <a:pPr lvl="1"/>
@@ -997,6 +966,7 @@
               <a:rPr lang="zh-CN" altLang="en-US"/>
               <a:t>第二级</a:t>
             </a:r>
+            <a:endParaRPr lang="zh-CN" altLang="en-US"/>
           </a:p>
           <a:p>
             <a:pPr lvl="2"/>
@@ -1004,6 +974,7 @@
               <a:rPr lang="zh-CN" altLang="en-US"/>
               <a:t>第三级</a:t>
             </a:r>
+            <a:endParaRPr lang="zh-CN" altLang="en-US"/>
           </a:p>
           <a:p>
             <a:pPr lvl="3"/>
@@ -1011,6 +982,7 @@
               <a:rPr lang="zh-CN" altLang="en-US"/>
               <a:t>第四级</a:t>
             </a:r>
+            <a:endParaRPr lang="zh-CN" altLang="en-US"/>
           </a:p>
           <a:p>
             <a:pPr lvl="4"/>
@@ -1018,6 +990,7 @@
               <a:rPr lang="zh-CN" altLang="en-US"/>
               <a:t>第五级</a:t>
             </a:r>
+            <a:endParaRPr lang="zh-CN" altLang="en-US"/>
           </a:p>
         </p:txBody>
       </p:sp>
@@ -1301,6 +1274,7 @@
               <a:rPr lang="zh-CN" altLang="en-US"/>
               <a:t>单击此处编辑母版标题样式</a:t>
             </a:r>
+            <a:endParaRPr lang="zh-CN" altLang="en-US"/>
           </a:p>
         </p:txBody>
       </p:sp>
@@ -1332,6 +1306,7 @@
               <a:rPr lang="zh-CN" altLang="en-US"/>
               <a:t>编辑母版文本样式</a:t>
             </a:r>
+            <a:endParaRPr lang="zh-CN" altLang="en-US"/>
           </a:p>
           <a:p>
             <a:pPr lvl="1"/>
@@ -1339,6 +1314,7 @@
               <a:rPr lang="zh-CN" altLang="en-US"/>
               <a:t>第二级</a:t>
             </a:r>
+            <a:endParaRPr lang="zh-CN" altLang="en-US"/>
           </a:p>
           <a:p>
             <a:pPr lvl="2"/>
@@ -1346,6 +1322,7 @@
               <a:rPr lang="zh-CN" altLang="en-US"/>
               <a:t>第三级</a:t>
             </a:r>
+            <a:endParaRPr lang="zh-CN" altLang="en-US"/>
           </a:p>
           <a:p>
             <a:pPr lvl="3"/>
@@ -1353,6 +1330,7 @@
               <a:rPr lang="zh-CN" altLang="en-US"/>
               <a:t>第四级</a:t>
             </a:r>
+            <a:endParaRPr lang="zh-CN" altLang="en-US"/>
           </a:p>
           <a:p>
             <a:pPr lvl="4"/>
@@ -1360,6 +1338,7 @@
               <a:rPr lang="zh-CN" altLang="en-US"/>
               <a:t>第五级</a:t>
             </a:r>
+            <a:endParaRPr lang="zh-CN" altLang="en-US"/>
           </a:p>
         </p:txBody>
       </p:sp>
@@ -2445,6 +2424,7 @@
               <a:rPr lang="zh-CN" altLang="en-US"/>
               <a:t>单击此处编辑母版标题样式</a:t>
             </a:r>
+            <a:endParaRPr lang="zh-CN" altLang="en-US"/>
           </a:p>
         </p:txBody>
       </p:sp>
@@ -2742,6 +2722,7 @@
               <a:rPr lang="zh-CN" altLang="en-US" dirty="0"/>
               <a:t>编辑母版文本样式</a:t>
             </a:r>
+            <a:endParaRPr lang="zh-CN" altLang="en-US" dirty="0"/>
           </a:p>
         </p:txBody>
       </p:sp>
@@ -2789,6 +2770,7 @@
               <a:rPr lang="zh-CN" altLang="en-US" dirty="0"/>
               <a:t>编辑母版文本样式</a:t>
             </a:r>
+            <a:endParaRPr lang="zh-CN" altLang="en-US" dirty="0"/>
           </a:p>
         </p:txBody>
       </p:sp>
@@ -2825,7 +2807,6 @@
                 <a:latin typeface="华文细黑" panose="02010600040101010101" pitchFamily="2" charset="-122"/>
                 <a:ea typeface="华文细黑" panose="02010600040101010101" pitchFamily="2" charset="-122"/>
               </a:rPr>
-              <a:t>‹#›</a:t>
             </a:fld>
             <a:endParaRPr lang="zh-CN" altLang="en-US" dirty="0">
               <a:solidFill>
@@ -3123,6 +3104,7 @@
               <a:rPr lang="zh-CN" altLang="en-US"/>
               <a:t>单击此处编辑母版标题样式</a:t>
             </a:r>
+            <a:endParaRPr lang="zh-CN" altLang="en-US"/>
           </a:p>
         </p:txBody>
       </p:sp>
@@ -3182,6 +3164,7 @@
               <a:rPr lang="zh-CN" altLang="en-US"/>
               <a:t>编辑母版文本样式</a:t>
             </a:r>
+            <a:endParaRPr lang="zh-CN" altLang="en-US"/>
           </a:p>
           <a:p>
             <a:pPr lvl="1"/>
@@ -3189,6 +3172,7 @@
               <a:rPr lang="zh-CN" altLang="en-US"/>
               <a:t>第二级</a:t>
             </a:r>
+            <a:endParaRPr lang="zh-CN" altLang="en-US"/>
           </a:p>
           <a:p>
             <a:pPr lvl="2"/>
@@ -3196,6 +3180,7 @@
               <a:rPr lang="zh-CN" altLang="en-US"/>
               <a:t>第三级</a:t>
             </a:r>
+            <a:endParaRPr lang="zh-CN" altLang="en-US"/>
           </a:p>
           <a:p>
             <a:pPr lvl="3"/>
@@ -3203,6 +3188,7 @@
               <a:rPr lang="zh-CN" altLang="en-US"/>
               <a:t>第四级</a:t>
             </a:r>
+            <a:endParaRPr lang="zh-CN" altLang="en-US"/>
           </a:p>
           <a:p>
             <a:pPr lvl="4"/>
@@ -3210,6 +3196,7 @@
               <a:rPr lang="zh-CN" altLang="en-US"/>
               <a:t>第五级</a:t>
             </a:r>
+            <a:endParaRPr lang="zh-CN" altLang="en-US"/>
           </a:p>
         </p:txBody>
       </p:sp>
@@ -3278,6 +3265,7 @@
               <a:rPr lang="zh-CN" altLang="en-US"/>
               <a:t>编辑母版文本样式</a:t>
             </a:r>
+            <a:endParaRPr lang="zh-CN" altLang="en-US"/>
           </a:p>
         </p:txBody>
       </p:sp>
@@ -3565,6 +3553,7 @@
               <a:rPr lang="zh-CN" altLang="en-US"/>
               <a:t>单击此处编辑母版标题样式</a:t>
             </a:r>
+            <a:endParaRPr lang="zh-CN" altLang="en-US"/>
           </a:p>
         </p:txBody>
       </p:sp>
@@ -3697,6 +3686,7 @@
               <a:rPr lang="zh-CN" altLang="en-US"/>
               <a:t>编辑母版文本样式</a:t>
             </a:r>
+            <a:endParaRPr lang="zh-CN" altLang="en-US"/>
           </a:p>
         </p:txBody>
       </p:sp>
@@ -4801,8 +4791,8 @@
         </p:nvSpPr>
         <p:spPr bwMode="auto">
           <a:xfrm>
-            <a:off x="3471710" y="3626594"/>
-            <a:ext cx="4923898" cy="338554"/>
+            <a:off x="3471710" y="4220954"/>
+            <a:ext cx="4923898" cy="337185"/>
           </a:xfrm>
           <a:prstGeom prst="rect">
             <a:avLst/>
@@ -5049,7 +5039,7 @@
                 </a:solidFill>
                 <a:cs typeface="Arial" panose="020B0604020202020204" pitchFamily="34" charset="0"/>
               </a:rPr>
-              <a:t>2019.11.11</a:t>
+              <a:t>2020.05.29</a:t>
             </a:r>
             <a:endParaRPr lang="zh-CN" altLang="en-US" sz="1600" cap="all" dirty="0">
               <a:solidFill>
@@ -5069,7 +5059,7 @@
           <p:nvPr/>
         </p:nvPicPr>
         <p:blipFill>
-          <a:blip r:embed="rId4" cstate="print">
+          <a:blip r:embed="rId1" cstate="print">
             <a:grayscl/>
             <a:extLst>
               <a:ext uri="{28A0092B-C50C-407E-A947-70E740481C1C}">
@@ -5092,19 +5082,56 @@
           <a:noFill/>
         </p:spPr>
       </p:pic>
+      <p:sp>
+        <p:nvSpPr>
+          <p:cNvPr id="8" name="文本框 7"/>
+          <p:cNvSpPr txBox="1"/>
+          <p:nvPr/>
+        </p:nvSpPr>
+        <p:spPr>
+          <a:xfrm>
+            <a:off x="5337175" y="3591560"/>
+            <a:ext cx="3661410" cy="398780"/>
+          </a:xfrm>
+          <a:prstGeom prst="rect">
+            <a:avLst/>
+          </a:prstGeom>
+          <a:noFill/>
+        </p:spPr>
+        <p:txBody>
+          <a:bodyPr wrap="square" rtlCol="0">
+            <a:spAutoFit/>
+          </a:bodyPr>
+          <a:p>
+            <a:r>
+              <a:rPr lang="zh-CN" altLang="en-US" sz="2000">
+                <a:solidFill>
+                  <a:schemeClr val="bg1"/>
+                </a:solidFill>
+              </a:rPr>
+              <a:t>基于阿里开发规范（华山版）</a:t>
+            </a:r>
+            <a:endParaRPr lang="zh-CN" altLang="en-US" sz="2000">
+              <a:solidFill>
+                <a:schemeClr val="bg1"/>
+              </a:solidFill>
+            </a:endParaRPr>
+          </a:p>
+        </p:txBody>
+      </p:sp>
     </p:spTree>
     <p:custDataLst>
-      <p:tags r:id="rId1"/>
+      <p:tags r:id="rId2"/>
     </p:custDataLst>
   </p:cSld>
   <p:clrMapOvr>
     <a:masterClrMapping/>
   </p:clrMapOvr>
-  <mc:AlternateContent xmlns:mc="http://schemas.openxmlformats.org/markup-compatibility/2006" xmlns:p14="http://schemas.microsoft.com/office/powerpoint/2010/main">
-    <mc:Choice Requires="p14">
+  <mc:AlternateContent xmlns:mc="http://schemas.openxmlformats.org/markup-compatibility/2006">
+    <mc:Choice xmlns:p14="http://schemas.microsoft.com/office/powerpoint/2010/main" Requires="p14">
       <p:transition p14:dur="0" advClick="0" advTm="4000"/>
     </mc:Choice>
-    <mc:Fallback xmlns="">
+    <mc:Fallback>
       <p:transition advClick="0" advTm="4000"/>
     </mc:Fallback>
   </mc:AlternateContent>
@@ -5180,7 +5207,7 @@
           <p:nvPr/>
         </p:nvPicPr>
         <p:blipFill>
-          <a:blip r:embed="rId2">
+          <a:blip r:embed="rId1">
             <a:extLst>
               <a:ext uri="{28A0092B-C50C-407E-A947-70E740481C1C}">
                 <a14:useLocalDpi xmlns:a14="http://schemas.microsoft.com/office/drawing/2010/main" val="0"/>
@@ -5202,11 +5229,6 @@
         </p:spPr>
       </p:pic>
     </p:spTree>
-    <p:extLst>
-      <p:ext uri="{BB962C8B-B14F-4D97-AF65-F5344CB8AC3E}">
-        <p14:creationId xmlns:p14="http://schemas.microsoft.com/office/powerpoint/2010/main" val="467247097"/>
-      </p:ext>
-    </p:extLst>
   </p:cSld>
   <p:clrMapOvr>
     <a:masterClrMapping/>
@@ -5283,7 +5305,7 @@
           <p:nvPr/>
         </p:nvPicPr>
         <p:blipFill>
-          <a:blip r:embed="rId2">
+          <a:blip r:embed="rId1">
             <a:extLst>
               <a:ext uri="{28A0092B-C50C-407E-A947-70E740481C1C}">
                 <a14:useLocalDpi xmlns:a14="http://schemas.microsoft.com/office/drawing/2010/main" val="0"/>
@@ -5307,6 +5329,36 @@
       <p:pic>
         <p:nvPicPr>
           <p:cNvPr id="4" name="图片 3"/>
+          <p:cNvPicPr>
+            <a:picLocks noChangeAspect="1"/>
+          </p:cNvPicPr>
+          <p:nvPr/>
+        </p:nvPicPr>
+        <p:blipFill>
+          <a:blip r:embed="rId2">
+            <a:extLst>
+              <a:ext uri="{28A0092B-C50C-407E-A947-70E740481C1C}">
+                <a14:useLocalDpi xmlns:a14="http://schemas.microsoft.com/office/drawing/2010/main" val="0"/>
+              </a:ext>
+            </a:extLst>
+          </a:blip>
+          <a:stretch>
+            <a:fillRect/>
+          </a:stretch>
+        </p:blipFill>
+        <p:spPr>
+          <a:xfrm>
+            <a:off x="755020" y="1929448"/>
+            <a:ext cx="6706536" cy="2067213"/>
+          </a:xfrm>
+          <a:prstGeom prst="rect">
+            <a:avLst/>
+          </a:prstGeom>
+        </p:spPr>
+      </p:pic>
+      <p:pic>
+        <p:nvPicPr>
+          <p:cNvPr id="5" name="图片 4"/>
           <p:cNvPicPr>
             <a:picLocks noChangeAspect="1"/>
           </p:cNvPicPr>
@@ -5326,8 +5378,8 @@
         </p:blipFill>
         <p:spPr>
           <a:xfrm>
-            <a:off x="755020" y="1929448"/>
-            <a:ext cx="6706536" cy="2067213"/>
+            <a:off x="1119214" y="3895828"/>
+            <a:ext cx="8240275" cy="971686"/>
           </a:xfrm>
           <a:prstGeom prst="rect">
             <a:avLst/>
@@ -5336,7 +5388,7 @@
       </p:pic>
       <p:pic>
         <p:nvPicPr>
-          <p:cNvPr id="5" name="图片 4"/>
+          <p:cNvPr id="6" name="图片 5"/>
           <p:cNvPicPr>
             <a:picLocks noChangeAspect="1"/>
           </p:cNvPicPr>
@@ -5356,36 +5408,6 @@
         </p:blipFill>
         <p:spPr>
           <a:xfrm>
-            <a:off x="1119214" y="3895828"/>
-            <a:ext cx="8240275" cy="971686"/>
-          </a:xfrm>
-          <a:prstGeom prst="rect">
-            <a:avLst/>
-          </a:prstGeom>
-        </p:spPr>
-      </p:pic>
-      <p:pic>
-        <p:nvPicPr>
-          <p:cNvPr id="6" name="图片 5"/>
-          <p:cNvPicPr>
-            <a:picLocks noChangeAspect="1"/>
-          </p:cNvPicPr>
-          <p:nvPr/>
-        </p:nvPicPr>
-        <p:blipFill>
-          <a:blip r:embed="rId5">
-            <a:extLst>
-              <a:ext uri="{28A0092B-C50C-407E-A947-70E740481C1C}">
-                <a14:useLocalDpi xmlns:a14="http://schemas.microsoft.com/office/drawing/2010/main" val="0"/>
-              </a:ext>
-            </a:extLst>
-          </a:blip>
-          <a:stretch>
-            <a:fillRect/>
-          </a:stretch>
-        </p:blipFill>
-        <p:spPr>
-          <a:xfrm>
             <a:off x="1119214" y="5092954"/>
             <a:ext cx="7373379" cy="1619476"/>
           </a:xfrm>
@@ -5395,11 +5417,6 @@
         </p:spPr>
       </p:pic>
     </p:spTree>
-    <p:extLst>
-      <p:ext uri="{BB962C8B-B14F-4D97-AF65-F5344CB8AC3E}">
-        <p14:creationId xmlns:p14="http://schemas.microsoft.com/office/powerpoint/2010/main" val="2807409364"/>
-      </p:ext>
-    </p:extLst>
   </p:cSld>
   <p:clrMapOvr>
     <a:masterClrMapping/>
@@ -5861,7 +5878,7 @@
           <p:nvPr/>
         </p:nvPicPr>
         <p:blipFill>
-          <a:blip r:embed="rId2">
+          <a:blip r:embed="rId1">
             <a:extLst>
               <a:ext uri="{28A0092B-C50C-407E-A947-70E740481C1C}">
                 <a14:useLocalDpi xmlns:a14="http://schemas.microsoft.com/office/drawing/2010/main" val="0"/>
@@ -5885,6 +5902,36 @@
       <p:pic>
         <p:nvPicPr>
           <p:cNvPr id="7" name="图片 6"/>
+          <p:cNvPicPr>
+            <a:picLocks noChangeAspect="1"/>
+          </p:cNvPicPr>
+          <p:nvPr/>
+        </p:nvPicPr>
+        <p:blipFill>
+          <a:blip r:embed="rId2">
+            <a:extLst>
+              <a:ext uri="{28A0092B-C50C-407E-A947-70E740481C1C}">
+                <a14:useLocalDpi xmlns:a14="http://schemas.microsoft.com/office/drawing/2010/main" val="0"/>
+              </a:ext>
+            </a:extLst>
+          </a:blip>
+          <a:stretch>
+            <a:fillRect/>
+          </a:stretch>
+        </p:blipFill>
+        <p:spPr>
+          <a:xfrm>
+            <a:off x="660411" y="3315487"/>
+            <a:ext cx="6077798" cy="2524477"/>
+          </a:xfrm>
+          <a:prstGeom prst="rect">
+            <a:avLst/>
+          </a:prstGeom>
+        </p:spPr>
+      </p:pic>
+      <p:pic>
+        <p:nvPicPr>
+          <p:cNvPr id="13" name="图片 12"/>
           <p:cNvPicPr>
             <a:picLocks noChangeAspect="1"/>
           </p:cNvPicPr>
@@ -5904,36 +5951,6 @@
         </p:blipFill>
         <p:spPr>
           <a:xfrm>
-            <a:off x="660411" y="3315487"/>
-            <a:ext cx="6077798" cy="2524477"/>
-          </a:xfrm>
-          <a:prstGeom prst="rect">
-            <a:avLst/>
-          </a:prstGeom>
-        </p:spPr>
-      </p:pic>
-      <p:pic>
-        <p:nvPicPr>
-          <p:cNvPr id="13" name="图片 12"/>
-          <p:cNvPicPr>
-            <a:picLocks noChangeAspect="1"/>
-          </p:cNvPicPr>
-          <p:nvPr/>
-        </p:nvPicPr>
-        <p:blipFill>
-          <a:blip r:embed="rId4">
-            <a:extLst>
-              <a:ext uri="{28A0092B-C50C-407E-A947-70E740481C1C}">
-                <a14:useLocalDpi xmlns:a14="http://schemas.microsoft.com/office/drawing/2010/main" val="0"/>
-              </a:ext>
-            </a:extLst>
-          </a:blip>
-          <a:stretch>
-            <a:fillRect/>
-          </a:stretch>
-        </p:blipFill>
-        <p:spPr>
-          <a:xfrm>
             <a:off x="5086351" y="2176928"/>
             <a:ext cx="7050102" cy="1184600"/>
           </a:xfrm>
@@ -5947,11 +5964,11 @@
   <p:clrMapOvr>
     <a:masterClrMapping/>
   </p:clrMapOvr>
-  <mc:AlternateContent xmlns:mc="http://schemas.openxmlformats.org/markup-compatibility/2006" xmlns:p14="http://schemas.microsoft.com/office/powerpoint/2010/main">
-    <mc:Choice Requires="p14">
+  <mc:AlternateContent xmlns:mc="http://schemas.openxmlformats.org/markup-compatibility/2006">
+    <mc:Choice xmlns:p14="http://schemas.microsoft.com/office/powerpoint/2010/main" Requires="p14">
       <p:transition p14:dur="0" advClick="0" advTm="4000"/>
     </mc:Choice>
-    <mc:Fallback xmlns="">
+    <mc:Fallback>
       <p:transition advClick="0" advTm="4000"/>
     </mc:Fallback>
   </mc:AlternateContent>
@@ -6039,7 +6056,7 @@
           <p:nvPr/>
         </p:nvPicPr>
         <p:blipFill>
-          <a:blip r:embed="rId2">
+          <a:blip r:embed="rId1">
             <a:extLst>
               <a:ext uri="{28A0092B-C50C-407E-A947-70E740481C1C}">
                 <a14:useLocalDpi xmlns:a14="http://schemas.microsoft.com/office/drawing/2010/main" val="0"/>
@@ -6063,6 +6080,36 @@
       <p:pic>
         <p:nvPicPr>
           <p:cNvPr id="4" name="图片 3"/>
+          <p:cNvPicPr>
+            <a:picLocks noChangeAspect="1"/>
+          </p:cNvPicPr>
+          <p:nvPr/>
+        </p:nvPicPr>
+        <p:blipFill>
+          <a:blip r:embed="rId2">
+            <a:extLst>
+              <a:ext uri="{28A0092B-C50C-407E-A947-70E740481C1C}">
+                <a14:useLocalDpi xmlns:a14="http://schemas.microsoft.com/office/drawing/2010/main" val="0"/>
+              </a:ext>
+            </a:extLst>
+          </a:blip>
+          <a:stretch>
+            <a:fillRect/>
+          </a:stretch>
+        </p:blipFill>
+        <p:spPr>
+          <a:xfrm>
+            <a:off x="812178" y="2468463"/>
+            <a:ext cx="6601746" cy="1228896"/>
+          </a:xfrm>
+          <a:prstGeom prst="rect">
+            <a:avLst/>
+          </a:prstGeom>
+        </p:spPr>
+      </p:pic>
+      <p:pic>
+        <p:nvPicPr>
+          <p:cNvPr id="5" name="图片 4"/>
           <p:cNvPicPr>
             <a:picLocks noChangeAspect="1"/>
           </p:cNvPicPr>
@@ -6082,36 +6129,6 @@
         </p:blipFill>
         <p:spPr>
           <a:xfrm>
-            <a:off x="812178" y="2468463"/>
-            <a:ext cx="6601746" cy="1228896"/>
-          </a:xfrm>
-          <a:prstGeom prst="rect">
-            <a:avLst/>
-          </a:prstGeom>
-        </p:spPr>
-      </p:pic>
-      <p:pic>
-        <p:nvPicPr>
-          <p:cNvPr id="5" name="图片 4"/>
-          <p:cNvPicPr>
-            <a:picLocks noChangeAspect="1"/>
-          </p:cNvPicPr>
-          <p:nvPr/>
-        </p:nvPicPr>
-        <p:blipFill>
-          <a:blip r:embed="rId4">
-            <a:extLst>
-              <a:ext uri="{28A0092B-C50C-407E-A947-70E740481C1C}">
-                <a14:useLocalDpi xmlns:a14="http://schemas.microsoft.com/office/drawing/2010/main" val="0"/>
-              </a:ext>
-            </a:extLst>
-          </a:blip>
-          <a:stretch>
-            <a:fillRect/>
-          </a:stretch>
-        </p:blipFill>
-        <p:spPr>
-          <a:xfrm>
             <a:off x="812178" y="3977724"/>
             <a:ext cx="6458851" cy="943107"/>
           </a:xfrm>
@@ -6121,11 +6138,6 @@
         </p:spPr>
       </p:pic>
     </p:spTree>
-    <p:extLst>
-      <p:ext uri="{BB962C8B-B14F-4D97-AF65-F5344CB8AC3E}">
-        <p14:creationId xmlns:p14="http://schemas.microsoft.com/office/powerpoint/2010/main" val="1917882728"/>
-      </p:ext>
-    </p:extLst>
   </p:cSld>
   <p:clrMapOvr>
     <a:masterClrMapping/>
@@ -6137,6 +6149,713 @@
 </file>
 
 <file path=ppt/slides/slide14.xml><?xml version="1.0" encoding="utf-8"?>
+<p:sld xmlns:a="http://schemas.openxmlformats.org/drawingml/2006/main" xmlns:r="http://schemas.openxmlformats.org/officeDocument/2006/relationships" xmlns:p="http://schemas.openxmlformats.org/presentationml/2006/main">
+  <p:cSld>
+    <p:spTree>
+      <p:nvGrpSpPr>
+        <p:cNvPr id="1" name=""/>
+        <p:cNvGrpSpPr/>
+        <p:nvPr/>
+      </p:nvGrpSpPr>
+      <p:grpSpPr>
+        <a:xfrm>
+          <a:off x="0" y="0"/>
+          <a:ext cx="0" cy="0"/>
+          <a:chOff x="0" y="0"/>
+          <a:chExt cx="0" cy="0"/>
+        </a:xfrm>
+      </p:grpSpPr>
+      <p:sp>
+        <p:nvSpPr>
+          <p:cNvPr id="2" name="文本框 1"/>
+          <p:cNvSpPr txBox="1"/>
+          <p:nvPr/>
+        </p:nvSpPr>
+        <p:spPr>
+          <a:xfrm>
+            <a:off x="755020" y="385774"/>
+            <a:ext cx="3458845" cy="460375"/>
+          </a:xfrm>
+          <a:prstGeom prst="rect">
+            <a:avLst/>
+          </a:prstGeom>
+          <a:noFill/>
+        </p:spPr>
+        <p:txBody>
+          <a:bodyPr wrap="none" rtlCol="0">
+            <a:spAutoFit/>
+          </a:bodyPr>
+          <a:lstStyle/>
+          <a:p>
+            <a:r>
+              <a:rPr kumimoji="1" lang="zh-CN" sz="2400" dirty="0">
+                <a:solidFill>
+                  <a:srgbClr val="1C2C44"/>
+                </a:solidFill>
+                <a:latin typeface="+mj-ea"/>
+                <a:ea typeface="+mj-ea"/>
+              </a:rPr>
+              <a:t>插件安装使用</a:t>
+            </a:r>
+            <a:r>
+              <a:rPr kumimoji="1" lang="en-US" altLang="zh-CN" sz="2400" dirty="0">
+                <a:solidFill>
+                  <a:srgbClr val="1C2C44"/>
+                </a:solidFill>
+                <a:latin typeface="+mj-ea"/>
+                <a:ea typeface="+mj-ea"/>
+              </a:rPr>
+              <a:t>-</a:t>
+            </a:r>
+            <a:r>
+              <a:rPr kumimoji="1" lang="zh-CN" altLang="en-US" sz="2400" dirty="0">
+                <a:solidFill>
+                  <a:srgbClr val="1C2C44"/>
+                </a:solidFill>
+                <a:latin typeface="+mj-ea"/>
+                <a:ea typeface="+mj-ea"/>
+              </a:rPr>
+              <a:t>基于</a:t>
+            </a:r>
+            <a:r>
+              <a:rPr kumimoji="1" lang="en-US" altLang="zh-CN" sz="2400" dirty="0">
+                <a:solidFill>
+                  <a:srgbClr val="1C2C44"/>
+                </a:solidFill>
+                <a:latin typeface="+mj-ea"/>
+                <a:ea typeface="+mj-ea"/>
+              </a:rPr>
+              <a:t>IDEA</a:t>
+            </a:r>
+            <a:endParaRPr kumimoji="1" lang="zh-CN" altLang="en-US" sz="2400" dirty="0">
+              <a:solidFill>
+                <a:srgbClr val="1C2C44"/>
+              </a:solidFill>
+              <a:latin typeface="+mj-ea"/>
+              <a:ea typeface="+mj-ea"/>
+            </a:endParaRPr>
+          </a:p>
+        </p:txBody>
+      </p:sp>
+      <p:sp>
+        <p:nvSpPr>
+          <p:cNvPr id="6" name="文本框 5"/>
+          <p:cNvSpPr txBox="1"/>
+          <p:nvPr/>
+        </p:nvSpPr>
+        <p:spPr>
+          <a:xfrm>
+            <a:off x="628015" y="1200785"/>
+            <a:ext cx="11053445" cy="645160"/>
+          </a:xfrm>
+          <a:prstGeom prst="rect">
+            <a:avLst/>
+          </a:prstGeom>
+          <a:noFill/>
+        </p:spPr>
+        <p:txBody>
+          <a:bodyPr wrap="square" rtlCol="0">
+            <a:spAutoFit/>
+          </a:bodyPr>
+          <a:p>
+            <a:r>
+              <a:rPr lang="zh-CN" altLang="en-US"/>
+              <a:t>打开 IDEA，选择 File - Settings - Plugins - Browse repositories 后，输入 alibaba 选中 Alibaba Java Coding Guidelines，点击 Install。确认安装完成后重启</a:t>
+            </a:r>
+            <a:r>
+              <a:rPr lang="en-US" altLang="zh-CN"/>
+              <a:t>idea</a:t>
+            </a:r>
+            <a:r>
+              <a:rPr lang="zh-CN" altLang="en-US"/>
+              <a:t>，安装完成！</a:t>
+            </a:r>
+            <a:endParaRPr lang="zh-CN" altLang="en-US"/>
+          </a:p>
+        </p:txBody>
+      </p:sp>
+      <p:pic>
+        <p:nvPicPr>
+          <p:cNvPr id="8" name="图片 7"/>
+          <p:cNvPicPr>
+            <a:picLocks noChangeAspect="1"/>
+          </p:cNvPicPr>
+          <p:nvPr>
+            <p:custDataLst>
+              <p:tags r:id="rId1"/>
+            </p:custDataLst>
+          </p:nvPr>
+        </p:nvPicPr>
+        <p:blipFill>
+          <a:blip r:embed="rId2"/>
+          <a:stretch>
+            <a:fillRect/>
+          </a:stretch>
+        </p:blipFill>
+        <p:spPr>
+          <a:xfrm>
+            <a:off x="1549400" y="1969770"/>
+            <a:ext cx="7978775" cy="4755515"/>
+          </a:xfrm>
+          <a:prstGeom prst="rect">
+            <a:avLst/>
+          </a:prstGeom>
+        </p:spPr>
+      </p:pic>
+    </p:spTree>
+  </p:cSld>
+  <p:clrMapOvr>
+    <a:masterClrMapping/>
+  </p:clrMapOvr>
+  <p:transition spd="slow" advClick="0" advTm="4000">
+    <p:wipe/>
+  </p:transition>
+</p:sld>
+</file>
+
+<file path=ppt/slides/slide15.xml><?xml version="1.0" encoding="utf-8"?>
+<p:sld xmlns:a="http://schemas.openxmlformats.org/drawingml/2006/main" xmlns:r="http://schemas.openxmlformats.org/officeDocument/2006/relationships" xmlns:p="http://schemas.openxmlformats.org/presentationml/2006/main">
+  <p:cSld>
+    <p:spTree>
+      <p:nvGrpSpPr>
+        <p:cNvPr id="1" name=""/>
+        <p:cNvGrpSpPr/>
+        <p:nvPr/>
+      </p:nvGrpSpPr>
+      <p:grpSpPr>
+        <a:xfrm>
+          <a:off x="0" y="0"/>
+          <a:ext cx="0" cy="0"/>
+          <a:chOff x="0" y="0"/>
+          <a:chExt cx="0" cy="0"/>
+        </a:xfrm>
+      </p:grpSpPr>
+      <p:sp>
+        <p:nvSpPr>
+          <p:cNvPr id="2" name="文本框 1"/>
+          <p:cNvSpPr txBox="1"/>
+          <p:nvPr/>
+        </p:nvSpPr>
+        <p:spPr>
+          <a:xfrm>
+            <a:off x="755020" y="385774"/>
+            <a:ext cx="3458845" cy="460375"/>
+          </a:xfrm>
+          <a:prstGeom prst="rect">
+            <a:avLst/>
+          </a:prstGeom>
+          <a:noFill/>
+        </p:spPr>
+        <p:txBody>
+          <a:bodyPr wrap="none" rtlCol="0">
+            <a:spAutoFit/>
+          </a:bodyPr>
+          <a:lstStyle/>
+          <a:p>
+            <a:r>
+              <a:rPr kumimoji="1" lang="zh-CN" sz="2400" dirty="0">
+                <a:solidFill>
+                  <a:srgbClr val="1C2C44"/>
+                </a:solidFill>
+                <a:latin typeface="+mj-ea"/>
+                <a:ea typeface="+mj-ea"/>
+              </a:rPr>
+              <a:t>插件安装使用</a:t>
+            </a:r>
+            <a:r>
+              <a:rPr kumimoji="1" lang="en-US" altLang="zh-CN" sz="2400" dirty="0">
+                <a:solidFill>
+                  <a:srgbClr val="1C2C44"/>
+                </a:solidFill>
+                <a:latin typeface="+mj-ea"/>
+                <a:ea typeface="+mj-ea"/>
+              </a:rPr>
+              <a:t>-</a:t>
+            </a:r>
+            <a:r>
+              <a:rPr kumimoji="1" lang="zh-CN" altLang="en-US" sz="2400" dirty="0">
+                <a:solidFill>
+                  <a:srgbClr val="1C2C44"/>
+                </a:solidFill>
+                <a:latin typeface="+mj-ea"/>
+                <a:ea typeface="+mj-ea"/>
+              </a:rPr>
+              <a:t>基于</a:t>
+            </a:r>
+            <a:r>
+              <a:rPr kumimoji="1" lang="en-US" altLang="zh-CN" sz="2400" dirty="0">
+                <a:solidFill>
+                  <a:srgbClr val="1C2C44"/>
+                </a:solidFill>
+                <a:latin typeface="+mj-ea"/>
+                <a:ea typeface="+mj-ea"/>
+              </a:rPr>
+              <a:t>IDEA</a:t>
+            </a:r>
+            <a:endParaRPr kumimoji="1" lang="zh-CN" altLang="en-US" sz="2400" dirty="0">
+              <a:solidFill>
+                <a:srgbClr val="1C2C44"/>
+              </a:solidFill>
+              <a:latin typeface="+mj-ea"/>
+              <a:ea typeface="+mj-ea"/>
+            </a:endParaRPr>
+          </a:p>
+        </p:txBody>
+      </p:sp>
+      <p:sp>
+        <p:nvSpPr>
+          <p:cNvPr id="6" name="文本框 5"/>
+          <p:cNvSpPr txBox="1"/>
+          <p:nvPr/>
+        </p:nvSpPr>
+        <p:spPr>
+          <a:xfrm>
+            <a:off x="628015" y="1200785"/>
+            <a:ext cx="4833620" cy="2030095"/>
+          </a:xfrm>
+          <a:prstGeom prst="rect">
+            <a:avLst/>
+          </a:prstGeom>
+          <a:noFill/>
+        </p:spPr>
+        <p:txBody>
+          <a:bodyPr wrap="square" rtlCol="0">
+            <a:spAutoFit/>
+          </a:bodyPr>
+          <a:p>
+            <a:r>
+              <a:rPr lang="zh-CN"/>
+              <a:t>选中想进行代码走查的包，右击选择</a:t>
+            </a:r>
+            <a:r>
+              <a:rPr lang="en-US" altLang="zh-CN"/>
+              <a:t>“</a:t>
+            </a:r>
+            <a:r>
+              <a:rPr lang="zh-CN" altLang="en-US"/>
+              <a:t>编码规约扫描</a:t>
+            </a:r>
+            <a:r>
+              <a:rPr lang="en-US" altLang="zh-CN"/>
+              <a:t>”</a:t>
+            </a:r>
+            <a:r>
+              <a:rPr lang="zh-CN" altLang="en-US"/>
+              <a:t>。</a:t>
+            </a:r>
+            <a:endParaRPr lang="zh-CN" altLang="en-US"/>
+          </a:p>
+          <a:p>
+            <a:r>
+              <a:rPr lang="zh-CN" altLang="en-US"/>
+              <a:t>插件会按照阿里规约规定的条约对指定包的代码进行检查。</a:t>
+            </a:r>
+            <a:endParaRPr lang="zh-CN" altLang="en-US"/>
+          </a:p>
+          <a:p>
+            <a:r>
+              <a:rPr lang="zh-CN" altLang="en-US"/>
+              <a:t>在持续集成部署中，代码走查是一个重要环节。原则上，代码走查不通过的代码是不允许进行发布使用的。</a:t>
+            </a:r>
+            <a:endParaRPr lang="zh-CN" altLang="en-US"/>
+          </a:p>
+        </p:txBody>
+      </p:sp>
+      <p:pic>
+        <p:nvPicPr>
+          <p:cNvPr id="3" name="图片 2"/>
+          <p:cNvPicPr>
+            <a:picLocks noChangeAspect="1"/>
+          </p:cNvPicPr>
+          <p:nvPr>
+            <p:custDataLst>
+              <p:tags r:id="rId1"/>
+            </p:custDataLst>
+          </p:nvPr>
+        </p:nvPicPr>
+        <p:blipFill>
+          <a:blip r:embed="rId2"/>
+          <a:stretch>
+            <a:fillRect/>
+          </a:stretch>
+        </p:blipFill>
+        <p:spPr>
+          <a:xfrm>
+            <a:off x="6253480" y="1025525"/>
+            <a:ext cx="4916805" cy="4587875"/>
+          </a:xfrm>
+          <a:prstGeom prst="rect">
+            <a:avLst/>
+          </a:prstGeom>
+        </p:spPr>
+      </p:pic>
+    </p:spTree>
+  </p:cSld>
+  <p:clrMapOvr>
+    <a:masterClrMapping/>
+  </p:clrMapOvr>
+  <p:transition spd="slow" advClick="0" advTm="4000">
+    <p:wipe/>
+  </p:transition>
+</p:sld>
+</file>
+
+<file path=ppt/slides/slide16.xml><?xml version="1.0" encoding="utf-8"?>
+<p:sld xmlns:a="http://schemas.openxmlformats.org/drawingml/2006/main" xmlns:r="http://schemas.openxmlformats.org/officeDocument/2006/relationships" xmlns:p="http://schemas.openxmlformats.org/presentationml/2006/main">
+  <p:cSld>
+    <p:spTree>
+      <p:nvGrpSpPr>
+        <p:cNvPr id="1" name=""/>
+        <p:cNvGrpSpPr/>
+        <p:nvPr/>
+      </p:nvGrpSpPr>
+      <p:grpSpPr>
+        <a:xfrm>
+          <a:off x="0" y="0"/>
+          <a:ext cx="0" cy="0"/>
+          <a:chOff x="0" y="0"/>
+          <a:chExt cx="0" cy="0"/>
+        </a:xfrm>
+      </p:grpSpPr>
+      <p:sp>
+        <p:nvSpPr>
+          <p:cNvPr id="2" name="文本框 1"/>
+          <p:cNvSpPr txBox="1"/>
+          <p:nvPr/>
+        </p:nvSpPr>
+        <p:spPr>
+          <a:xfrm>
+            <a:off x="755020" y="385774"/>
+            <a:ext cx="3458845" cy="460375"/>
+          </a:xfrm>
+          <a:prstGeom prst="rect">
+            <a:avLst/>
+          </a:prstGeom>
+          <a:noFill/>
+        </p:spPr>
+        <p:txBody>
+          <a:bodyPr wrap="none" rtlCol="0">
+            <a:spAutoFit/>
+          </a:bodyPr>
+          <a:lstStyle/>
+          <a:p>
+            <a:r>
+              <a:rPr kumimoji="1" lang="zh-CN" sz="2400" dirty="0">
+                <a:solidFill>
+                  <a:srgbClr val="1C2C44"/>
+                </a:solidFill>
+                <a:latin typeface="+mj-ea"/>
+                <a:ea typeface="+mj-ea"/>
+              </a:rPr>
+              <a:t>插件安装使用</a:t>
+            </a:r>
+            <a:r>
+              <a:rPr kumimoji="1" lang="en-US" altLang="zh-CN" sz="2400" dirty="0">
+                <a:solidFill>
+                  <a:srgbClr val="1C2C44"/>
+                </a:solidFill>
+                <a:latin typeface="+mj-ea"/>
+                <a:ea typeface="+mj-ea"/>
+              </a:rPr>
+              <a:t>-</a:t>
+            </a:r>
+            <a:r>
+              <a:rPr kumimoji="1" lang="zh-CN" altLang="en-US" sz="2400" dirty="0">
+                <a:solidFill>
+                  <a:srgbClr val="1C2C44"/>
+                </a:solidFill>
+                <a:latin typeface="+mj-ea"/>
+                <a:ea typeface="+mj-ea"/>
+              </a:rPr>
+              <a:t>基于</a:t>
+            </a:r>
+            <a:r>
+              <a:rPr kumimoji="1" lang="en-US" altLang="zh-CN" sz="2400" dirty="0">
+                <a:solidFill>
+                  <a:srgbClr val="1C2C44"/>
+                </a:solidFill>
+                <a:latin typeface="+mj-ea"/>
+                <a:ea typeface="+mj-ea"/>
+              </a:rPr>
+              <a:t>IDEA</a:t>
+            </a:r>
+            <a:endParaRPr kumimoji="1" lang="zh-CN" altLang="en-US" sz="2400" dirty="0">
+              <a:solidFill>
+                <a:srgbClr val="1C2C44"/>
+              </a:solidFill>
+              <a:latin typeface="+mj-ea"/>
+              <a:ea typeface="+mj-ea"/>
+            </a:endParaRPr>
+          </a:p>
+        </p:txBody>
+      </p:sp>
+      <p:sp>
+        <p:nvSpPr>
+          <p:cNvPr id="6" name="文本框 5"/>
+          <p:cNvSpPr txBox="1"/>
+          <p:nvPr/>
+        </p:nvSpPr>
+        <p:spPr>
+          <a:xfrm>
+            <a:off x="755015" y="957580"/>
+            <a:ext cx="11043920" cy="1014730"/>
+          </a:xfrm>
+          <a:prstGeom prst="rect">
+            <a:avLst/>
+          </a:prstGeom>
+          <a:noFill/>
+        </p:spPr>
+        <p:txBody>
+          <a:bodyPr wrap="square" rtlCol="0">
+            <a:spAutoFit/>
+          </a:bodyPr>
+          <a:p>
+            <a:r>
+              <a:rPr lang="zh-CN"/>
+              <a:t>扫描结果如下：</a:t>
+            </a:r>
+            <a:endParaRPr lang="zh-CN"/>
+          </a:p>
+          <a:p>
+            <a:r>
+              <a:rPr lang="en-US" altLang="zh-CN" sz="1400"/>
+              <a:t>1.Blocker</a:t>
+            </a:r>
+            <a:r>
+              <a:rPr lang="zh-CN" altLang="en-US" sz="1400"/>
+              <a:t>：代表严重，为必须解决的问题，涉及到代码运行安全；</a:t>
+            </a:r>
+            <a:endParaRPr lang="zh-CN" altLang="en-US" sz="1400"/>
+          </a:p>
+          <a:p>
+            <a:r>
+              <a:rPr lang="en-US" altLang="zh-CN" sz="1400"/>
+              <a:t>2.Critical</a:t>
+            </a:r>
+            <a:r>
+              <a:rPr lang="zh-CN" altLang="en-US" sz="1400"/>
+              <a:t>：标识警告，大部分需要处理</a:t>
+            </a:r>
+            <a:endParaRPr lang="zh-CN" altLang="en-US" sz="1400"/>
+          </a:p>
+          <a:p>
+            <a:r>
+              <a:rPr lang="en-US" altLang="zh-CN" sz="1400"/>
+              <a:t>3.Major</a:t>
+            </a:r>
+            <a:r>
+              <a:rPr lang="zh-CN" altLang="en-US" sz="1400"/>
+              <a:t>：   代表建议，按照项目需求选择性处理</a:t>
+            </a:r>
+            <a:endParaRPr lang="zh-CN" altLang="en-US" sz="1400"/>
+          </a:p>
+        </p:txBody>
+      </p:sp>
+      <p:pic>
+        <p:nvPicPr>
+          <p:cNvPr id="4" name="图片 3"/>
+          <p:cNvPicPr>
+            <a:picLocks noChangeAspect="1"/>
+          </p:cNvPicPr>
+          <p:nvPr/>
+        </p:nvPicPr>
+        <p:blipFill>
+          <a:blip r:embed="rId1"/>
+          <a:stretch>
+            <a:fillRect/>
+          </a:stretch>
+        </p:blipFill>
+        <p:spPr>
+          <a:xfrm>
+            <a:off x="428625" y="2270125"/>
+            <a:ext cx="11502390" cy="4201795"/>
+          </a:xfrm>
+          <a:prstGeom prst="rect">
+            <a:avLst/>
+          </a:prstGeom>
+        </p:spPr>
+      </p:pic>
+    </p:spTree>
+  </p:cSld>
+  <p:clrMapOvr>
+    <a:masterClrMapping/>
+  </p:clrMapOvr>
+  <p:transition spd="slow" advClick="0" advTm="4000">
+    <p:wipe/>
+  </p:transition>
+</p:sld>
+</file>
+
+<file path=ppt/slides/slide17.xml><?xml version="1.0" encoding="utf-8"?>
+<p:sld xmlns:a="http://schemas.openxmlformats.org/drawingml/2006/main" xmlns:r="http://schemas.openxmlformats.org/officeDocument/2006/relationships" xmlns:p="http://schemas.openxmlformats.org/presentationml/2006/main">
+  <p:cSld>
+    <p:spTree>
+      <p:nvGrpSpPr>
+        <p:cNvPr id="1" name=""/>
+        <p:cNvGrpSpPr/>
+        <p:nvPr/>
+      </p:nvGrpSpPr>
+      <p:grpSpPr>
+        <a:xfrm>
+          <a:off x="0" y="0"/>
+          <a:ext cx="0" cy="0"/>
+          <a:chOff x="0" y="0"/>
+          <a:chExt cx="0" cy="0"/>
+        </a:xfrm>
+      </p:grpSpPr>
+      <p:sp>
+        <p:nvSpPr>
+          <p:cNvPr id="2" name="文本框 1"/>
+          <p:cNvSpPr txBox="1"/>
+          <p:nvPr/>
+        </p:nvSpPr>
+        <p:spPr>
+          <a:xfrm>
+            <a:off x="755020" y="385774"/>
+            <a:ext cx="3458845" cy="460375"/>
+          </a:xfrm>
+          <a:prstGeom prst="rect">
+            <a:avLst/>
+          </a:prstGeom>
+          <a:noFill/>
+        </p:spPr>
+        <p:txBody>
+          <a:bodyPr wrap="none" rtlCol="0">
+            <a:spAutoFit/>
+          </a:bodyPr>
+          <a:lstStyle/>
+          <a:p>
+            <a:r>
+              <a:rPr kumimoji="1" lang="zh-CN" sz="2400" dirty="0">
+                <a:solidFill>
+                  <a:srgbClr val="1C2C44"/>
+                </a:solidFill>
+                <a:latin typeface="+mj-ea"/>
+                <a:ea typeface="+mj-ea"/>
+              </a:rPr>
+              <a:t>插件安装使用</a:t>
+            </a:r>
+            <a:r>
+              <a:rPr kumimoji="1" lang="en-US" altLang="zh-CN" sz="2400" dirty="0">
+                <a:solidFill>
+                  <a:srgbClr val="1C2C44"/>
+                </a:solidFill>
+                <a:latin typeface="+mj-ea"/>
+                <a:ea typeface="+mj-ea"/>
+              </a:rPr>
+              <a:t>-</a:t>
+            </a:r>
+            <a:r>
+              <a:rPr kumimoji="1" lang="zh-CN" altLang="en-US" sz="2400" dirty="0">
+                <a:solidFill>
+                  <a:srgbClr val="1C2C44"/>
+                </a:solidFill>
+                <a:latin typeface="+mj-ea"/>
+                <a:ea typeface="+mj-ea"/>
+              </a:rPr>
+              <a:t>基于</a:t>
+            </a:r>
+            <a:r>
+              <a:rPr kumimoji="1" lang="en-US" altLang="zh-CN" sz="2400" dirty="0">
+                <a:solidFill>
+                  <a:srgbClr val="1C2C44"/>
+                </a:solidFill>
+                <a:latin typeface="+mj-ea"/>
+                <a:ea typeface="+mj-ea"/>
+              </a:rPr>
+              <a:t>IDEA</a:t>
+            </a:r>
+            <a:endParaRPr kumimoji="1" lang="zh-CN" altLang="en-US" sz="2400" dirty="0">
+              <a:solidFill>
+                <a:srgbClr val="1C2C44"/>
+              </a:solidFill>
+              <a:latin typeface="+mj-ea"/>
+              <a:ea typeface="+mj-ea"/>
+            </a:endParaRPr>
+          </a:p>
+        </p:txBody>
+      </p:sp>
+      <p:sp>
+        <p:nvSpPr>
+          <p:cNvPr id="6" name="文本框 5"/>
+          <p:cNvSpPr txBox="1"/>
+          <p:nvPr/>
+        </p:nvSpPr>
+        <p:spPr>
+          <a:xfrm>
+            <a:off x="628015" y="1200785"/>
+            <a:ext cx="4833620" cy="645160"/>
+          </a:xfrm>
+          <a:prstGeom prst="rect">
+            <a:avLst/>
+          </a:prstGeom>
+          <a:noFill/>
+        </p:spPr>
+        <p:txBody>
+          <a:bodyPr wrap="square" rtlCol="0">
+            <a:spAutoFit/>
+          </a:bodyPr>
+          <a:p>
+            <a:r>
+              <a:rPr lang="zh-CN"/>
+              <a:t>在编码时候会有</a:t>
+            </a:r>
+            <a:r>
+              <a:rPr lang="en-US" altLang="zh-CN"/>
+              <a:t>“</a:t>
+            </a:r>
+            <a:r>
+              <a:rPr lang="zh-CN" altLang="en-US"/>
+              <a:t>友情提示</a:t>
+            </a:r>
+            <a:r>
+              <a:rPr lang="en-US" altLang="zh-CN"/>
+              <a:t>”</a:t>
+            </a:r>
+            <a:r>
+              <a:rPr lang="zh-CN" altLang="en-US"/>
+              <a:t>，时刻关注一些飘红的地方！</a:t>
+            </a:r>
+            <a:endParaRPr lang="zh-CN" altLang="en-US"/>
+          </a:p>
+        </p:txBody>
+      </p:sp>
+      <p:pic>
+        <p:nvPicPr>
+          <p:cNvPr id="4" name="图片 3"/>
+          <p:cNvPicPr>
+            <a:picLocks noChangeAspect="1"/>
+          </p:cNvPicPr>
+          <p:nvPr/>
+        </p:nvPicPr>
+        <p:blipFill>
+          <a:blip r:embed="rId1"/>
+          <a:stretch>
+            <a:fillRect/>
+          </a:stretch>
+        </p:blipFill>
+        <p:spPr>
+          <a:xfrm>
+            <a:off x="523875" y="2541905"/>
+            <a:ext cx="10753725" cy="1885950"/>
+          </a:xfrm>
+          <a:prstGeom prst="rect">
+            <a:avLst/>
+          </a:prstGeom>
+        </p:spPr>
+      </p:pic>
+    </p:spTree>
+  </p:cSld>
+  <p:clrMapOvr>
+    <a:masterClrMapping/>
+  </p:clrMapOvr>
+  <p:transition spd="slow" advClick="0" advTm="4000">
+    <p:wipe/>
+  </p:transition>
+</p:sld>
+</file>
+
+<file path=ppt/slides/slide18.xml><?xml version="1.0" encoding="utf-8"?>
 <p:sld xmlns:a="http://schemas.openxmlformats.org/drawingml/2006/main" xmlns:r="http://schemas.openxmlformats.org/officeDocument/2006/relationships" xmlns:p="http://schemas.openxmlformats.org/presentationml/2006/main">
   <p:cSld>
     <p:spTree>
@@ -6874,7 +7593,7 @@
                 </a:solidFill>
                 <a:latin typeface="+mj-ea"/>
               </a:rPr>
-              <a:t>2019</a:t>
+              <a:t>2020</a:t>
             </a:r>
             <a:r>
               <a:rPr lang="zh-CN" altLang="en-US" sz="3200" dirty="0" smtClean="0">
@@ -6894,6 +7613,12 @@
               </a:rPr>
               <a:t>青岛中瑞</a:t>
             </a:r>
+            <a:endParaRPr lang="zh-CN" altLang="en-US" sz="3200" dirty="0">
+              <a:solidFill>
+                <a:schemeClr val="bg1"/>
+              </a:solidFill>
+              <a:latin typeface="+mj-ea"/>
+            </a:endParaRPr>
           </a:p>
         </p:txBody>
       </p:sp>
@@ -6906,7 +7631,7 @@
           <p:nvPr/>
         </p:nvPicPr>
         <p:blipFill>
-          <a:blip r:embed="rId2" cstate="print">
+          <a:blip r:embed="rId1" cstate="print">
             <a:grayscl/>
             <a:extLst>
               <a:ext uri="{28A0092B-C50C-407E-A947-70E740481C1C}">
@@ -6934,11 +7659,11 @@
   <p:clrMapOvr>
     <a:masterClrMapping/>
   </p:clrMapOvr>
-  <mc:AlternateContent xmlns:mc="http://schemas.openxmlformats.org/markup-compatibility/2006" xmlns:p14="http://schemas.microsoft.com/office/powerpoint/2010/main">
-    <mc:Choice Requires="p14">
+  <mc:AlternateContent xmlns:mc="http://schemas.openxmlformats.org/markup-compatibility/2006">
+    <mc:Choice xmlns:p14="http://schemas.microsoft.com/office/powerpoint/2010/main" Requires="p14">
       <p:transition p14:dur="0" advClick="0" advTm="4000"/>
     </mc:Choice>
-    <mc:Fallback xmlns="">
+    <mc:Fallback>
       <p:transition advClick="0" advTm="4000"/>
     </mc:Fallback>
   </mc:AlternateContent>
@@ -7680,7 +8405,7 @@
         <p:spPr>
           <a:xfrm>
             <a:off x="5977868" y="3852845"/>
-            <a:ext cx="1107996" cy="458908"/>
+            <a:ext cx="1464310" cy="506730"/>
           </a:xfrm>
           <a:prstGeom prst="rect">
             <a:avLst/>
@@ -7711,8 +8436,12 @@
           <a:p>
             <a:pPr algn="l"/>
             <a:r>
-              <a:rPr lang="zh-CN" altLang="en-US" dirty="0" smtClean="0"/>
-              <a:t>建议探讨</a:t>
+              <a:rPr lang="en-US" altLang="zh-CN" dirty="0"/>
+              <a:t>IDE</a:t>
+            </a:r>
+            <a:r>
+              <a:rPr lang="zh-CN" altLang="en-US" dirty="0"/>
+              <a:t>插件安装</a:t>
             </a:r>
             <a:endParaRPr lang="zh-CN" altLang="en-US" dirty="0"/>
           </a:p>
@@ -8436,11 +9165,11 @@
   <p:clrMapOvr>
     <a:masterClrMapping/>
   </p:clrMapOvr>
-  <mc:AlternateContent xmlns:mc="http://schemas.openxmlformats.org/markup-compatibility/2006" xmlns:p14="http://schemas.microsoft.com/office/powerpoint/2010/main">
-    <mc:Choice Requires="p14">
+  <mc:AlternateContent xmlns:mc="http://schemas.openxmlformats.org/markup-compatibility/2006">
+    <mc:Choice xmlns:p14="http://schemas.microsoft.com/office/powerpoint/2010/main" Requires="p14">
       <p:transition p14:dur="0" advClick="0" advTm="4000"/>
     </mc:Choice>
-    <mc:Fallback xmlns="">
+    <mc:Fallback>
       <p:transition advClick="0" advTm="4000"/>
     </mc:Fallback>
   </mc:AlternateContent>
@@ -8455,6 +9184,1064 @@
 </file>
 
 <file path=ppt/slides/slide3.xml><?xml version="1.0" encoding="utf-8"?>
+<p:sld xmlns:a="http://schemas.openxmlformats.org/drawingml/2006/main" xmlns:r="http://schemas.openxmlformats.org/officeDocument/2006/relationships" xmlns:p="http://schemas.openxmlformats.org/presentationml/2006/main">
+  <p:cSld>
+    <p:spTree>
+      <p:nvGrpSpPr>
+        <p:cNvPr id="1" name=""/>
+        <p:cNvGrpSpPr/>
+        <p:nvPr/>
+      </p:nvGrpSpPr>
+      <p:grpSpPr>
+        <a:xfrm>
+          <a:off x="0" y="0"/>
+          <a:ext cx="0" cy="0"/>
+          <a:chOff x="0" y="0"/>
+          <a:chExt cx="0" cy="0"/>
+        </a:xfrm>
+      </p:grpSpPr>
+      <p:sp>
+        <p:nvSpPr>
+          <p:cNvPr id="2" name="文本框 1"/>
+          <p:cNvSpPr txBox="1"/>
+          <p:nvPr/>
+        </p:nvSpPr>
+        <p:spPr>
+          <a:xfrm>
+            <a:off x="788228" y="380341"/>
+            <a:ext cx="1402080" cy="460375"/>
+          </a:xfrm>
+          <a:prstGeom prst="rect">
+            <a:avLst/>
+          </a:prstGeom>
+          <a:noFill/>
+        </p:spPr>
+        <p:txBody>
+          <a:bodyPr wrap="none" rtlCol="0">
+            <a:spAutoFit/>
+          </a:bodyPr>
+          <a:lstStyle/>
+          <a:p>
+            <a:r>
+              <a:rPr kumimoji="1" lang="zh-CN" altLang="en-US" sz="2400" dirty="0">
+                <a:solidFill>
+                  <a:srgbClr val="1C2C44"/>
+                </a:solidFill>
+                <a:latin typeface="+mj-ea"/>
+                <a:ea typeface="+mj-ea"/>
+              </a:rPr>
+              <a:t>课程介绍</a:t>
+            </a:r>
+            <a:endParaRPr kumimoji="1" lang="zh-CN" altLang="en-US" sz="2400" dirty="0">
+              <a:solidFill>
+                <a:srgbClr val="1C2C44"/>
+              </a:solidFill>
+              <a:latin typeface="+mj-ea"/>
+              <a:ea typeface="+mj-ea"/>
+            </a:endParaRPr>
+          </a:p>
+        </p:txBody>
+      </p:sp>
+      <p:sp>
+        <p:nvSpPr>
+          <p:cNvPr id="3" name="文本框 2"/>
+          <p:cNvSpPr txBox="1"/>
+          <p:nvPr/>
+        </p:nvSpPr>
+        <p:spPr>
+          <a:xfrm>
+            <a:off x="883534" y="1297811"/>
+            <a:ext cx="11308466" cy="3830955"/>
+          </a:xfrm>
+          <a:prstGeom prst="rect">
+            <a:avLst/>
+          </a:prstGeom>
+          <a:noFill/>
+        </p:spPr>
+        <p:txBody>
+          <a:bodyPr wrap="square" rtlCol="0">
+            <a:spAutoFit/>
+          </a:bodyPr>
+          <a:p>
+            <a:pPr>
+              <a:lnSpc>
+                <a:spcPct val="150000"/>
+              </a:lnSpc>
+            </a:pPr>
+            <a:r>
+              <a:rPr lang="zh-CN" altLang="en-US" dirty="0" smtClean="0">
+                <a:latin typeface="微软雅黑" panose="020B0503020204020204" pitchFamily="34" charset="-122"/>
+                <a:ea typeface="微软雅黑" panose="020B0503020204020204" pitchFamily="34" charset="-122"/>
+              </a:rPr>
+              <a:t>课程目标：指导初级开发人员开发，提升项目代码质量</a:t>
+            </a:r>
+            <a:endParaRPr lang="en-US" altLang="zh-CN" dirty="0" smtClean="0">
+              <a:latin typeface="微软雅黑" panose="020B0503020204020204" pitchFamily="34" charset="-122"/>
+              <a:ea typeface="微软雅黑" panose="020B0503020204020204" pitchFamily="34" charset="-122"/>
+            </a:endParaRPr>
+          </a:p>
+          <a:p>
+            <a:pPr>
+              <a:lnSpc>
+                <a:spcPct val="150000"/>
+              </a:lnSpc>
+            </a:pPr>
+            <a:r>
+              <a:rPr lang="zh-CN" altLang="en-US" dirty="0" smtClean="0">
+                <a:latin typeface="微软雅黑" panose="020B0503020204020204" pitchFamily="34" charset="-122"/>
+                <a:ea typeface="微软雅黑" panose="020B0503020204020204" pitchFamily="34" charset="-122"/>
+              </a:rPr>
+              <a:t>课程维度：方法</a:t>
+            </a:r>
+            <a:endParaRPr lang="en-US" altLang="zh-CN" dirty="0" smtClean="0">
+              <a:latin typeface="微软雅黑" panose="020B0503020204020204" pitchFamily="34" charset="-122"/>
+              <a:ea typeface="微软雅黑" panose="020B0503020204020204" pitchFamily="34" charset="-122"/>
+            </a:endParaRPr>
+          </a:p>
+          <a:p>
+            <a:pPr>
+              <a:lnSpc>
+                <a:spcPct val="150000"/>
+              </a:lnSpc>
+            </a:pPr>
+            <a:r>
+              <a:rPr lang="zh-CN" altLang="en-US" dirty="0" smtClean="0">
+                <a:latin typeface="微软雅黑" panose="020B0503020204020204" pitchFamily="34" charset="-122"/>
+                <a:ea typeface="微软雅黑" panose="020B0503020204020204" pitchFamily="34" charset="-122"/>
+              </a:rPr>
+              <a:t>课程规划：计划内</a:t>
+            </a:r>
+            <a:br>
+              <a:rPr lang="en-US" altLang="zh-CN" dirty="0" smtClean="0">
+                <a:latin typeface="微软雅黑" panose="020B0503020204020204" pitchFamily="34" charset="-122"/>
+                <a:ea typeface="微软雅黑" panose="020B0503020204020204" pitchFamily="34" charset="-122"/>
+              </a:rPr>
+            </a:br>
+            <a:r>
+              <a:rPr lang="zh-CN" altLang="en-US" dirty="0" smtClean="0">
+                <a:latin typeface="微软雅黑" panose="020B0503020204020204" pitchFamily="34" charset="-122"/>
+                <a:ea typeface="微软雅黑" panose="020B0503020204020204" pitchFamily="34" charset="-122"/>
+              </a:rPr>
+              <a:t>课程时长：</a:t>
+            </a:r>
+            <a:r>
+              <a:rPr lang="en-US" altLang="zh-CN" dirty="0">
+                <a:latin typeface="微软雅黑" panose="020B0503020204020204" pitchFamily="34" charset="-122"/>
+                <a:ea typeface="微软雅黑" panose="020B0503020204020204" pitchFamily="34" charset="-122"/>
+              </a:rPr>
+              <a:t>2</a:t>
+            </a:r>
+            <a:r>
+              <a:rPr lang="zh-CN" altLang="en-US" dirty="0" smtClean="0">
+                <a:latin typeface="微软雅黑" panose="020B0503020204020204" pitchFamily="34" charset="-122"/>
+                <a:ea typeface="微软雅黑" panose="020B0503020204020204" pitchFamily="34" charset="-122"/>
+              </a:rPr>
+              <a:t>小时</a:t>
+            </a:r>
+            <a:endParaRPr lang="en-US" altLang="zh-CN" dirty="0" smtClean="0">
+              <a:latin typeface="微软雅黑" panose="020B0503020204020204" pitchFamily="34" charset="-122"/>
+              <a:ea typeface="微软雅黑" panose="020B0503020204020204" pitchFamily="34" charset="-122"/>
+            </a:endParaRPr>
+          </a:p>
+          <a:p>
+            <a:pPr>
+              <a:lnSpc>
+                <a:spcPct val="150000"/>
+              </a:lnSpc>
+            </a:pPr>
+            <a:r>
+              <a:rPr lang="zh-CN" altLang="en-US" dirty="0" smtClean="0">
+                <a:latin typeface="微软雅黑" panose="020B0503020204020204" pitchFamily="34" charset="-122"/>
+                <a:ea typeface="微软雅黑" panose="020B0503020204020204" pitchFamily="34" charset="-122"/>
+              </a:rPr>
+              <a:t>学分       ：</a:t>
+            </a:r>
+            <a:r>
+              <a:rPr lang="en-US" altLang="zh-CN" dirty="0">
+                <a:latin typeface="微软雅黑" panose="020B0503020204020204" pitchFamily="34" charset="-122"/>
+                <a:ea typeface="微软雅黑" panose="020B0503020204020204" pitchFamily="34" charset="-122"/>
+              </a:rPr>
+              <a:t>4</a:t>
+            </a:r>
+            <a:r>
+              <a:rPr lang="zh-CN" altLang="en-US" dirty="0" smtClean="0">
+                <a:latin typeface="微软雅黑" panose="020B0503020204020204" pitchFamily="34" charset="-122"/>
+                <a:ea typeface="微软雅黑" panose="020B0503020204020204" pitchFamily="34" charset="-122"/>
+              </a:rPr>
+              <a:t>学分</a:t>
+            </a:r>
+            <a:endParaRPr lang="en-US" altLang="zh-CN" dirty="0" smtClean="0">
+              <a:latin typeface="微软雅黑" panose="020B0503020204020204" pitchFamily="34" charset="-122"/>
+              <a:ea typeface="微软雅黑" panose="020B0503020204020204" pitchFamily="34" charset="-122"/>
+            </a:endParaRPr>
+          </a:p>
+          <a:p>
+            <a:pPr>
+              <a:lnSpc>
+                <a:spcPct val="150000"/>
+              </a:lnSpc>
+            </a:pPr>
+            <a:r>
+              <a:rPr lang="zh-CN" altLang="en-US" dirty="0" smtClean="0">
+                <a:latin typeface="微软雅黑" panose="020B0503020204020204" pitchFamily="34" charset="-122"/>
+                <a:ea typeface="微软雅黑" panose="020B0503020204020204" pitchFamily="34" charset="-122"/>
+              </a:rPr>
+              <a:t>面向群体：部门内同事</a:t>
+            </a:r>
+            <a:endParaRPr lang="en-US" altLang="zh-CN" dirty="0" smtClean="0">
+              <a:latin typeface="微软雅黑" panose="020B0503020204020204" pitchFamily="34" charset="-122"/>
+              <a:ea typeface="微软雅黑" panose="020B0503020204020204" pitchFamily="34" charset="-122"/>
+            </a:endParaRPr>
+          </a:p>
+          <a:p>
+            <a:pPr>
+              <a:lnSpc>
+                <a:spcPct val="150000"/>
+              </a:lnSpc>
+            </a:pPr>
+            <a:r>
+              <a:rPr lang="zh-CN" altLang="en-US" dirty="0" smtClean="0">
+                <a:latin typeface="微软雅黑" panose="020B0503020204020204" pitchFamily="34" charset="-122"/>
+                <a:ea typeface="微软雅黑" panose="020B0503020204020204" pitchFamily="34" charset="-122"/>
+              </a:rPr>
+              <a:t>面向</a:t>
+            </a:r>
+            <a:r>
+              <a:rPr lang="zh-CN" altLang="en-US" dirty="0">
+                <a:latin typeface="微软雅黑" panose="020B0503020204020204" pitchFamily="34" charset="-122"/>
+                <a:ea typeface="微软雅黑" panose="020B0503020204020204" pitchFamily="34" charset="-122"/>
+              </a:rPr>
+              <a:t>职等</a:t>
+            </a:r>
+            <a:r>
+              <a:rPr lang="zh-CN" altLang="en-US" dirty="0" smtClean="0">
+                <a:latin typeface="微软雅黑" panose="020B0503020204020204" pitchFamily="34" charset="-122"/>
+                <a:ea typeface="微软雅黑" panose="020B0503020204020204" pitchFamily="34" charset="-122"/>
+              </a:rPr>
+              <a:t>：</a:t>
+            </a:r>
+            <a:r>
+              <a:rPr lang="en-US" altLang="zh-CN" dirty="0" smtClean="0">
+                <a:latin typeface="微软雅黑" panose="020B0503020204020204" pitchFamily="34" charset="-122"/>
+                <a:ea typeface="微软雅黑" panose="020B0503020204020204" pitchFamily="34" charset="-122"/>
+              </a:rPr>
+              <a:t>4-6</a:t>
+            </a:r>
+            <a:r>
+              <a:rPr lang="zh-CN" altLang="en-US" dirty="0" smtClean="0">
+                <a:latin typeface="微软雅黑" panose="020B0503020204020204" pitchFamily="34" charset="-122"/>
+                <a:ea typeface="微软雅黑" panose="020B0503020204020204" pitchFamily="34" charset="-122"/>
+              </a:rPr>
+              <a:t>级</a:t>
+            </a:r>
+            <a:endParaRPr lang="en-US" altLang="zh-CN" dirty="0">
+              <a:latin typeface="微软雅黑" panose="020B0503020204020204" pitchFamily="34" charset="-122"/>
+              <a:ea typeface="微软雅黑" panose="020B0503020204020204" pitchFamily="34" charset="-122"/>
+            </a:endParaRPr>
+          </a:p>
+          <a:p>
+            <a:pPr>
+              <a:lnSpc>
+                <a:spcPct val="150000"/>
+              </a:lnSpc>
+            </a:pPr>
+            <a:r>
+              <a:rPr lang="zh-CN" altLang="en-US" dirty="0">
+                <a:latin typeface="微软雅黑" panose="020B0503020204020204" pitchFamily="34" charset="-122"/>
+                <a:ea typeface="微软雅黑" panose="020B0503020204020204" pitchFamily="34" charset="-122"/>
+              </a:rPr>
+              <a:t>授课形式：</a:t>
+            </a:r>
+            <a:r>
+              <a:rPr lang="zh-CN" altLang="en-US" dirty="0" smtClean="0">
+                <a:latin typeface="微软雅黑" panose="020B0503020204020204" pitchFamily="34" charset="-122"/>
+                <a:ea typeface="微软雅黑" panose="020B0503020204020204" pitchFamily="34" charset="-122"/>
+              </a:rPr>
+              <a:t>现场</a:t>
+            </a:r>
+            <a:r>
+              <a:rPr lang="en-US" altLang="zh-CN" dirty="0" smtClean="0">
+                <a:latin typeface="微软雅黑" panose="020B0503020204020204" pitchFamily="34" charset="-122"/>
+                <a:ea typeface="微软雅黑" panose="020B0503020204020204" pitchFamily="34" charset="-122"/>
+              </a:rPr>
+              <a:t>+</a:t>
+            </a:r>
+            <a:r>
+              <a:rPr lang="zh-CN" altLang="en-US" dirty="0" smtClean="0">
+                <a:latin typeface="微软雅黑" panose="020B0503020204020204" pitchFamily="34" charset="-122"/>
+                <a:ea typeface="微软雅黑" panose="020B0503020204020204" pitchFamily="34" charset="-122"/>
+              </a:rPr>
+              <a:t>演示</a:t>
+            </a:r>
+            <a:endParaRPr lang="en-US" altLang="zh-CN" dirty="0">
+              <a:latin typeface="微软雅黑" panose="020B0503020204020204" pitchFamily="34" charset="-122"/>
+              <a:ea typeface="微软雅黑" panose="020B0503020204020204" pitchFamily="34" charset="-122"/>
+            </a:endParaRPr>
+          </a:p>
+          <a:p>
+            <a:pPr>
+              <a:lnSpc>
+                <a:spcPct val="150000"/>
+              </a:lnSpc>
+            </a:pPr>
+            <a:r>
+              <a:rPr lang="zh-CN" altLang="en-US" dirty="0" smtClean="0">
+                <a:latin typeface="微软雅黑" panose="020B0503020204020204" pitchFamily="34" charset="-122"/>
+                <a:ea typeface="微软雅黑" panose="020B0503020204020204" pitchFamily="34" charset="-122"/>
+              </a:rPr>
+              <a:t>评估</a:t>
+            </a:r>
+            <a:r>
+              <a:rPr lang="zh-CN" altLang="en-US" dirty="0">
+                <a:latin typeface="微软雅黑" panose="020B0503020204020204" pitchFamily="34" charset="-122"/>
+                <a:ea typeface="微软雅黑" panose="020B0503020204020204" pitchFamily="34" charset="-122"/>
+              </a:rPr>
+              <a:t>方式</a:t>
+            </a:r>
+            <a:r>
+              <a:rPr lang="zh-CN" altLang="en-US" dirty="0" smtClean="0">
+                <a:latin typeface="微软雅黑" panose="020B0503020204020204" pitchFamily="34" charset="-122"/>
+                <a:ea typeface="微软雅黑" panose="020B0503020204020204" pitchFamily="34" charset="-122"/>
+              </a:rPr>
+              <a:t>：评估</a:t>
+            </a:r>
+            <a:endParaRPr lang="zh-CN" altLang="en-US" dirty="0">
+              <a:latin typeface="微软雅黑" panose="020B0503020204020204" pitchFamily="34" charset="-122"/>
+              <a:ea typeface="微软雅黑" panose="020B0503020204020204" pitchFamily="34" charset="-122"/>
+            </a:endParaRPr>
+          </a:p>
+        </p:txBody>
+      </p:sp>
+    </p:spTree>
+  </p:cSld>
+  <p:clrMapOvr>
+    <a:masterClrMapping/>
+  </p:clrMapOvr>
+  <p:transition spd="slow" advClick="0" advTm="4000">
+    <p:wipe/>
+  </p:transition>
+</p:sld>
+</file>
+
+<file path=ppt/slides/slide4.xml><?xml version="1.0" encoding="utf-8"?>
+<p:sld xmlns:a="http://schemas.openxmlformats.org/drawingml/2006/main" xmlns:r="http://schemas.openxmlformats.org/officeDocument/2006/relationships" xmlns:p="http://schemas.openxmlformats.org/presentationml/2006/main">
+  <p:cSld>
+    <p:spTree>
+      <p:nvGrpSpPr>
+        <p:cNvPr id="1" name=""/>
+        <p:cNvGrpSpPr/>
+        <p:nvPr/>
+      </p:nvGrpSpPr>
+      <p:grpSpPr>
+        <a:xfrm>
+          <a:off x="0" y="0"/>
+          <a:ext cx="0" cy="0"/>
+          <a:chOff x="0" y="0"/>
+          <a:chExt cx="0" cy="0"/>
+        </a:xfrm>
+      </p:grpSpPr>
+      <p:sp>
+        <p:nvSpPr>
+          <p:cNvPr id="2" name="文本框 1"/>
+          <p:cNvSpPr txBox="1"/>
+          <p:nvPr/>
+        </p:nvSpPr>
+        <p:spPr>
+          <a:xfrm>
+            <a:off x="788228" y="380341"/>
+            <a:ext cx="1415772" cy="461665"/>
+          </a:xfrm>
+          <a:prstGeom prst="rect">
+            <a:avLst/>
+          </a:prstGeom>
+          <a:noFill/>
+        </p:spPr>
+        <p:txBody>
+          <a:bodyPr wrap="none" rtlCol="0">
+            <a:spAutoFit/>
+          </a:bodyPr>
+          <a:lstStyle/>
+          <a:p>
+            <a:r>
+              <a:rPr kumimoji="1" lang="zh-CN" altLang="en-US" sz="2400" dirty="0" smtClean="0">
+                <a:solidFill>
+                  <a:srgbClr val="1C2C44"/>
+                </a:solidFill>
+                <a:latin typeface="+mj-ea"/>
+                <a:ea typeface="+mj-ea"/>
+              </a:rPr>
+              <a:t>学习目的</a:t>
+            </a:r>
+            <a:endParaRPr kumimoji="1" lang="zh-CN" altLang="en-US" sz="2400" dirty="0">
+              <a:solidFill>
+                <a:srgbClr val="1C2C44"/>
+              </a:solidFill>
+              <a:latin typeface="+mj-ea"/>
+              <a:ea typeface="+mj-ea"/>
+            </a:endParaRPr>
+          </a:p>
+        </p:txBody>
+      </p:sp>
+      <p:sp>
+        <p:nvSpPr>
+          <p:cNvPr id="4" name="原创设计师QQ：598969553              _3"/>
+          <p:cNvSpPr/>
+          <p:nvPr/>
+        </p:nvSpPr>
+        <p:spPr>
+          <a:xfrm>
+            <a:off x="788228" y="1597480"/>
+            <a:ext cx="693463" cy="670045"/>
+          </a:xfrm>
+          <a:prstGeom prst="rect">
+            <a:avLst/>
+          </a:prstGeom>
+          <a:ln>
+            <a:noFill/>
+          </a:ln>
+        </p:spPr>
+        <p:style>
+          <a:lnRef idx="2">
+            <a:schemeClr val="accent1">
+              <a:shade val="50000"/>
+            </a:schemeClr>
+          </a:lnRef>
+          <a:fillRef idx="1">
+            <a:schemeClr val="accent1"/>
+          </a:fillRef>
+          <a:effectRef idx="0">
+            <a:schemeClr val="accent1"/>
+          </a:effectRef>
+          <a:fontRef idx="minor">
+            <a:schemeClr val="lt1"/>
+          </a:fontRef>
+        </p:style>
+        <p:txBody>
+          <a:bodyPr rtlCol="0" anchor="ctr"/>
+          <a:lstStyle/>
+          <a:p>
+            <a:pPr algn="ctr"/>
+            <a:endParaRPr lang="zh-CN" altLang="en-US"/>
+          </a:p>
+        </p:txBody>
+      </p:sp>
+      <p:sp>
+        <p:nvSpPr>
+          <p:cNvPr id="5" name="原创设计师QQ：598969553              _7"/>
+          <p:cNvSpPr/>
+          <p:nvPr/>
+        </p:nvSpPr>
+        <p:spPr>
+          <a:xfrm>
+            <a:off x="820245" y="1625065"/>
+            <a:ext cx="687913" cy="646331"/>
+          </a:xfrm>
+          <a:prstGeom prst="rect">
+            <a:avLst/>
+          </a:prstGeom>
+          <a:noFill/>
+        </p:spPr>
+        <p:txBody>
+          <a:bodyPr wrap="square">
+            <a:spAutoFit/>
+          </a:bodyPr>
+          <a:lstStyle/>
+          <a:p>
+            <a:r>
+              <a:rPr lang="en-US" altLang="zh-CN" sz="3600" dirty="0" smtClean="0">
+                <a:solidFill>
+                  <a:schemeClr val="bg1"/>
+                </a:solidFill>
+                <a:latin typeface="华文细黑" panose="02010600040101010101" pitchFamily="2" charset="-122"/>
+                <a:ea typeface="华文细黑" panose="02010600040101010101" pitchFamily="2" charset="-122"/>
+                <a:cs typeface="Arial" panose="020B0604020202020204" pitchFamily="34" charset="0"/>
+              </a:rPr>
+              <a:t>1</a:t>
+            </a:r>
+            <a:endParaRPr lang="zh-CN" altLang="en-US" sz="4800" dirty="0">
+              <a:solidFill>
+                <a:schemeClr val="bg1"/>
+              </a:solidFill>
+              <a:latin typeface="华文细黑" panose="02010600040101010101" pitchFamily="2" charset="-122"/>
+              <a:ea typeface="华文细黑" panose="02010600040101010101" pitchFamily="2" charset="-122"/>
+            </a:endParaRPr>
+          </a:p>
+        </p:txBody>
+      </p:sp>
+      <p:sp>
+        <p:nvSpPr>
+          <p:cNvPr id="6" name="矩形 5"/>
+          <p:cNvSpPr/>
+          <p:nvPr/>
+        </p:nvSpPr>
+        <p:spPr>
+          <a:xfrm>
+            <a:off x="1540365" y="1311428"/>
+            <a:ext cx="4301650" cy="1338828"/>
+          </a:xfrm>
+          <a:prstGeom prst="rect">
+            <a:avLst/>
+          </a:prstGeom>
+        </p:spPr>
+        <p:txBody>
+          <a:bodyPr wrap="square">
+            <a:spAutoFit/>
+          </a:bodyPr>
+          <a:lstStyle/>
+          <a:p>
+            <a:pPr>
+              <a:lnSpc>
+                <a:spcPct val="150000"/>
+              </a:lnSpc>
+            </a:pPr>
+            <a:r>
+              <a:rPr lang="zh-CN" altLang="en-US" dirty="0" smtClean="0">
+                <a:solidFill>
+                  <a:srgbClr val="1D2D46"/>
+                </a:solidFill>
+                <a:latin typeface="微软雅黑" panose="020B0503020204020204" pitchFamily="34" charset="-122"/>
+                <a:ea typeface="微软雅黑" panose="020B0503020204020204" pitchFamily="34" charset="-122"/>
+              </a:rPr>
+              <a:t>一些编码规范不是硬性要求</a:t>
+            </a:r>
+            <a:endParaRPr lang="en-US" altLang="zh-CN" dirty="0" smtClean="0">
+              <a:solidFill>
+                <a:srgbClr val="1D2D46"/>
+              </a:solidFill>
+              <a:latin typeface="微软雅黑" panose="020B0503020204020204" pitchFamily="34" charset="-122"/>
+              <a:ea typeface="微软雅黑" panose="020B0503020204020204" pitchFamily="34" charset="-122"/>
+            </a:endParaRPr>
+          </a:p>
+          <a:p>
+            <a:pPr>
+              <a:lnSpc>
+                <a:spcPct val="150000"/>
+              </a:lnSpc>
+            </a:pPr>
+            <a:r>
+              <a:rPr lang="zh-CN" altLang="en-US" sz="1200" dirty="0" smtClean="0">
+                <a:solidFill>
+                  <a:srgbClr val="1D2D46"/>
+                </a:solidFill>
+                <a:latin typeface="微软雅黑" panose="020B0503020204020204" pitchFamily="34" charset="-122"/>
+                <a:ea typeface="微软雅黑" panose="020B0503020204020204" pitchFamily="34" charset="-122"/>
+              </a:rPr>
+              <a:t>规约</a:t>
+            </a:r>
+            <a:r>
+              <a:rPr lang="zh-CN" altLang="en-US" sz="1200" dirty="0">
+                <a:solidFill>
+                  <a:srgbClr val="1D2D46"/>
+                </a:solidFill>
+                <a:latin typeface="微软雅黑" panose="020B0503020204020204" pitchFamily="34" charset="-122"/>
+                <a:ea typeface="微软雅黑" panose="020B0503020204020204" pitchFamily="34" charset="-122"/>
+              </a:rPr>
+              <a:t>中有些约定只是一种建议和参考，并不影响程序的正常运行，具体怎么办，还是看公司和项目的</a:t>
+            </a:r>
+            <a:r>
+              <a:rPr lang="zh-CN" altLang="en-US" sz="1200" dirty="0" smtClean="0">
+                <a:solidFill>
+                  <a:srgbClr val="1D2D46"/>
+                </a:solidFill>
+                <a:latin typeface="微软雅黑" panose="020B0503020204020204" pitchFamily="34" charset="-122"/>
+                <a:ea typeface="微软雅黑" panose="020B0503020204020204" pitchFamily="34" charset="-122"/>
+              </a:rPr>
+              <a:t>需求。</a:t>
+            </a:r>
+            <a:r>
+              <a:rPr lang="en-US" altLang="zh-CN" sz="1200" dirty="0" smtClean="0">
+                <a:solidFill>
+                  <a:srgbClr val="1D2D46"/>
+                </a:solidFill>
+                <a:latin typeface="微软雅黑" panose="020B0503020204020204" pitchFamily="34" charset="-122"/>
+                <a:ea typeface="微软雅黑" panose="020B0503020204020204" pitchFamily="34" charset="-122"/>
+              </a:rPr>
+              <a:t>(</a:t>
+            </a:r>
+            <a:r>
+              <a:rPr lang="zh-CN" altLang="en-US" sz="1200" dirty="0" smtClean="0">
+                <a:solidFill>
+                  <a:srgbClr val="1D2D46"/>
+                </a:solidFill>
+                <a:latin typeface="微软雅黑" panose="020B0503020204020204" pitchFamily="34" charset="-122"/>
+                <a:ea typeface="微软雅黑" panose="020B0503020204020204" pitchFamily="34" charset="-122"/>
+              </a:rPr>
+              <a:t>由公司或者项目层面上做出灵活调整</a:t>
+            </a:r>
+            <a:r>
+              <a:rPr lang="en-US" altLang="zh-CN" sz="1200" dirty="0" smtClean="0">
+                <a:solidFill>
+                  <a:srgbClr val="1D2D46"/>
+                </a:solidFill>
+                <a:latin typeface="微软雅黑" panose="020B0503020204020204" pitchFamily="34" charset="-122"/>
+                <a:ea typeface="微软雅黑" panose="020B0503020204020204" pitchFamily="34" charset="-122"/>
+              </a:rPr>
+              <a:t>)</a:t>
+            </a:r>
+            <a:endParaRPr lang="en-US" altLang="zh-CN" sz="1200" dirty="0">
+              <a:solidFill>
+                <a:srgbClr val="1D2D46"/>
+              </a:solidFill>
+              <a:latin typeface="微软雅黑" panose="020B0503020204020204" pitchFamily="34" charset="-122"/>
+              <a:ea typeface="微软雅黑" panose="020B0503020204020204" pitchFamily="34" charset="-122"/>
+            </a:endParaRPr>
+          </a:p>
+        </p:txBody>
+      </p:sp>
+      <p:sp>
+        <p:nvSpPr>
+          <p:cNvPr id="9" name="原创设计师QQ：598969553              _4"/>
+          <p:cNvSpPr/>
+          <p:nvPr/>
+        </p:nvSpPr>
+        <p:spPr>
+          <a:xfrm>
+            <a:off x="778702" y="3182018"/>
+            <a:ext cx="693463" cy="670045"/>
+          </a:xfrm>
+          <a:prstGeom prst="rect">
+            <a:avLst/>
+          </a:prstGeom>
+          <a:solidFill>
+            <a:schemeClr val="accent2"/>
+          </a:solidFill>
+          <a:ln>
+            <a:noFill/>
+          </a:ln>
+        </p:spPr>
+        <p:style>
+          <a:lnRef idx="2">
+            <a:schemeClr val="accent1">
+              <a:shade val="50000"/>
+            </a:schemeClr>
+          </a:lnRef>
+          <a:fillRef idx="1">
+            <a:schemeClr val="accent1"/>
+          </a:fillRef>
+          <a:effectRef idx="0">
+            <a:schemeClr val="accent1"/>
+          </a:effectRef>
+          <a:fontRef idx="minor">
+            <a:schemeClr val="lt1"/>
+          </a:fontRef>
+        </p:style>
+        <p:txBody>
+          <a:bodyPr rtlCol="0" anchor="ctr"/>
+          <a:lstStyle/>
+          <a:p>
+            <a:pPr algn="ctr"/>
+            <a:endParaRPr lang="zh-CN" altLang="en-US"/>
+          </a:p>
+        </p:txBody>
+      </p:sp>
+      <p:sp>
+        <p:nvSpPr>
+          <p:cNvPr id="10" name="原创设计师QQ：598969553              _8"/>
+          <p:cNvSpPr/>
+          <p:nvPr/>
+        </p:nvSpPr>
+        <p:spPr>
+          <a:xfrm>
+            <a:off x="788228" y="3209680"/>
+            <a:ext cx="687913" cy="646331"/>
+          </a:xfrm>
+          <a:prstGeom prst="rect">
+            <a:avLst/>
+          </a:prstGeom>
+          <a:noFill/>
+        </p:spPr>
+        <p:txBody>
+          <a:bodyPr wrap="square">
+            <a:spAutoFit/>
+          </a:bodyPr>
+          <a:lstStyle/>
+          <a:p>
+            <a:r>
+              <a:rPr lang="en-US" altLang="zh-CN" sz="3600" dirty="0" smtClean="0">
+                <a:solidFill>
+                  <a:schemeClr val="bg1"/>
+                </a:solidFill>
+                <a:latin typeface="华文细黑" panose="02010600040101010101" pitchFamily="2" charset="-122"/>
+                <a:ea typeface="华文细黑" panose="02010600040101010101" pitchFamily="2" charset="-122"/>
+                <a:cs typeface="Arial" panose="020B0604020202020204" pitchFamily="34" charset="0"/>
+              </a:rPr>
+              <a:t>2</a:t>
+            </a:r>
+            <a:endParaRPr lang="zh-CN" altLang="en-US" sz="4800" dirty="0">
+              <a:solidFill>
+                <a:schemeClr val="bg1"/>
+              </a:solidFill>
+              <a:latin typeface="华文细黑" panose="02010600040101010101" pitchFamily="2" charset="-122"/>
+              <a:ea typeface="华文细黑" panose="02010600040101010101" pitchFamily="2" charset="-122"/>
+            </a:endParaRPr>
+          </a:p>
+        </p:txBody>
+      </p:sp>
+      <p:sp>
+        <p:nvSpPr>
+          <p:cNvPr id="11" name="矩形 10"/>
+          <p:cNvSpPr/>
+          <p:nvPr/>
+        </p:nvSpPr>
+        <p:spPr>
+          <a:xfrm>
+            <a:off x="1540365" y="3042195"/>
+            <a:ext cx="4301650" cy="1061829"/>
+          </a:xfrm>
+          <a:prstGeom prst="rect">
+            <a:avLst/>
+          </a:prstGeom>
+        </p:spPr>
+        <p:txBody>
+          <a:bodyPr wrap="square">
+            <a:spAutoFit/>
+          </a:bodyPr>
+          <a:lstStyle/>
+          <a:p>
+            <a:pPr>
+              <a:lnSpc>
+                <a:spcPct val="150000"/>
+              </a:lnSpc>
+            </a:pPr>
+            <a:r>
+              <a:rPr lang="zh-CN" altLang="en-US" dirty="0" smtClean="0">
+                <a:solidFill>
+                  <a:srgbClr val="1D2D46"/>
+                </a:solidFill>
+                <a:latin typeface="微软雅黑" panose="020B0503020204020204" pitchFamily="34" charset="-122"/>
+                <a:ea typeface="微软雅黑" panose="020B0503020204020204" pitchFamily="34" charset="-122"/>
+              </a:rPr>
+              <a:t>容易引起程序</a:t>
+            </a:r>
+            <a:r>
+              <a:rPr lang="en-US" altLang="zh-CN" dirty="0" smtClean="0">
+                <a:solidFill>
+                  <a:srgbClr val="1D2D46"/>
+                </a:solidFill>
+                <a:latin typeface="微软雅黑" panose="020B0503020204020204" pitchFamily="34" charset="-122"/>
+                <a:ea typeface="微软雅黑" panose="020B0503020204020204" pitchFamily="34" charset="-122"/>
+              </a:rPr>
+              <a:t>BUG</a:t>
+            </a:r>
+            <a:r>
+              <a:rPr lang="zh-CN" altLang="en-US" dirty="0" smtClean="0">
+                <a:solidFill>
+                  <a:srgbClr val="1D2D46"/>
+                </a:solidFill>
+                <a:latin typeface="微软雅黑" panose="020B0503020204020204" pitchFamily="34" charset="-122"/>
+                <a:ea typeface="微软雅黑" panose="020B0503020204020204" pitchFamily="34" charset="-122"/>
+              </a:rPr>
+              <a:t>的必须强制执行</a:t>
+            </a:r>
+            <a:endParaRPr lang="en-US" altLang="zh-CN" dirty="0" smtClean="0">
+              <a:solidFill>
+                <a:srgbClr val="1D2D46"/>
+              </a:solidFill>
+              <a:latin typeface="微软雅黑" panose="020B0503020204020204" pitchFamily="34" charset="-122"/>
+              <a:ea typeface="微软雅黑" panose="020B0503020204020204" pitchFamily="34" charset="-122"/>
+            </a:endParaRPr>
+          </a:p>
+          <a:p>
+            <a:pPr>
+              <a:lnSpc>
+                <a:spcPct val="150000"/>
+              </a:lnSpc>
+            </a:pPr>
+            <a:r>
+              <a:rPr lang="zh-CN" altLang="en-US" sz="1200" dirty="0">
+                <a:solidFill>
+                  <a:srgbClr val="1D2D46"/>
+                </a:solidFill>
+                <a:latin typeface="微软雅黑" panose="020B0503020204020204" pitchFamily="34" charset="-122"/>
+                <a:ea typeface="微软雅黑" panose="020B0503020204020204" pitchFamily="34" charset="-122"/>
+              </a:rPr>
+              <a:t>规约中还有一些必须强制执行的，如果不执行，会议留一些潜在</a:t>
+            </a:r>
+            <a:r>
+              <a:rPr lang="en-US" altLang="zh-CN" sz="1200" dirty="0">
+                <a:solidFill>
+                  <a:srgbClr val="1D2D46"/>
+                </a:solidFill>
+                <a:latin typeface="微软雅黑" panose="020B0503020204020204" pitchFamily="34" charset="-122"/>
+                <a:ea typeface="微软雅黑" panose="020B0503020204020204" pitchFamily="34" charset="-122"/>
+              </a:rPr>
+              <a:t>bug</a:t>
+            </a:r>
+            <a:r>
+              <a:rPr lang="zh-CN" altLang="en-US" sz="1200" dirty="0">
+                <a:solidFill>
+                  <a:srgbClr val="1D2D46"/>
+                </a:solidFill>
+                <a:latin typeface="微软雅黑" panose="020B0503020204020204" pitchFamily="34" charset="-122"/>
+                <a:ea typeface="微软雅黑" panose="020B0503020204020204" pitchFamily="34" charset="-122"/>
+              </a:rPr>
+              <a:t>，甚至会影响到代码运行。</a:t>
+            </a:r>
+            <a:endParaRPr lang="en-US" altLang="zh-CN" sz="1200" dirty="0">
+              <a:solidFill>
+                <a:srgbClr val="1D2D46"/>
+              </a:solidFill>
+              <a:latin typeface="微软雅黑" panose="020B0503020204020204" pitchFamily="34" charset="-122"/>
+              <a:ea typeface="微软雅黑" panose="020B0503020204020204" pitchFamily="34" charset="-122"/>
+            </a:endParaRPr>
+          </a:p>
+        </p:txBody>
+      </p:sp>
+      <p:sp>
+        <p:nvSpPr>
+          <p:cNvPr id="13" name="原创设计师QQ：598969553              _4"/>
+          <p:cNvSpPr/>
+          <p:nvPr/>
+        </p:nvSpPr>
+        <p:spPr>
+          <a:xfrm>
+            <a:off x="788228" y="4523648"/>
+            <a:ext cx="693463" cy="670045"/>
+          </a:xfrm>
+          <a:prstGeom prst="rect">
+            <a:avLst/>
+          </a:prstGeom>
+          <a:solidFill>
+            <a:srgbClr val="1C2C44"/>
+          </a:solidFill>
+          <a:ln>
+            <a:noFill/>
+          </a:ln>
+        </p:spPr>
+        <p:style>
+          <a:lnRef idx="2">
+            <a:schemeClr val="accent1">
+              <a:shade val="50000"/>
+            </a:schemeClr>
+          </a:lnRef>
+          <a:fillRef idx="1">
+            <a:schemeClr val="accent1"/>
+          </a:fillRef>
+          <a:effectRef idx="0">
+            <a:schemeClr val="accent1"/>
+          </a:effectRef>
+          <a:fontRef idx="minor">
+            <a:schemeClr val="lt1"/>
+          </a:fontRef>
+        </p:style>
+        <p:txBody>
+          <a:bodyPr rtlCol="0" anchor="ctr"/>
+          <a:lstStyle/>
+          <a:p>
+            <a:pPr algn="ctr"/>
+            <a:endParaRPr lang="zh-CN" altLang="en-US"/>
+          </a:p>
+        </p:txBody>
+      </p:sp>
+      <p:sp>
+        <p:nvSpPr>
+          <p:cNvPr id="14" name="原创设计师QQ：598969553              _8"/>
+          <p:cNvSpPr/>
+          <p:nvPr/>
+        </p:nvSpPr>
+        <p:spPr>
+          <a:xfrm>
+            <a:off x="797754" y="4551310"/>
+            <a:ext cx="687913" cy="646331"/>
+          </a:xfrm>
+          <a:prstGeom prst="rect">
+            <a:avLst/>
+          </a:prstGeom>
+          <a:noFill/>
+        </p:spPr>
+        <p:txBody>
+          <a:bodyPr wrap="square">
+            <a:spAutoFit/>
+          </a:bodyPr>
+          <a:lstStyle/>
+          <a:p>
+            <a:r>
+              <a:rPr lang="en-US" altLang="zh-CN" sz="3600" dirty="0">
+                <a:solidFill>
+                  <a:schemeClr val="bg1"/>
+                </a:solidFill>
+                <a:latin typeface="华文细黑" panose="02010600040101010101" pitchFamily="2" charset="-122"/>
+                <a:ea typeface="华文细黑" panose="02010600040101010101" pitchFamily="2" charset="-122"/>
+                <a:cs typeface="Arial" panose="020B0604020202020204" pitchFamily="34" charset="0"/>
+              </a:rPr>
+              <a:t>3</a:t>
+            </a:r>
+            <a:endParaRPr lang="zh-CN" altLang="en-US" sz="4800" dirty="0">
+              <a:solidFill>
+                <a:schemeClr val="bg1"/>
+              </a:solidFill>
+              <a:latin typeface="华文细黑" panose="02010600040101010101" pitchFamily="2" charset="-122"/>
+              <a:ea typeface="华文细黑" panose="02010600040101010101" pitchFamily="2" charset="-122"/>
+            </a:endParaRPr>
+          </a:p>
+        </p:txBody>
+      </p:sp>
+      <p:sp>
+        <p:nvSpPr>
+          <p:cNvPr id="15" name="矩形 14"/>
+          <p:cNvSpPr/>
+          <p:nvPr/>
+        </p:nvSpPr>
+        <p:spPr>
+          <a:xfrm>
+            <a:off x="1540365" y="4441499"/>
+            <a:ext cx="4301650" cy="1061829"/>
+          </a:xfrm>
+          <a:prstGeom prst="rect">
+            <a:avLst/>
+          </a:prstGeom>
+        </p:spPr>
+        <p:txBody>
+          <a:bodyPr wrap="square">
+            <a:spAutoFit/>
+          </a:bodyPr>
+          <a:lstStyle/>
+          <a:p>
+            <a:pPr>
+              <a:lnSpc>
+                <a:spcPct val="150000"/>
+              </a:lnSpc>
+            </a:pPr>
+            <a:r>
+              <a:rPr lang="zh-CN" altLang="en-US" dirty="0">
+                <a:solidFill>
+                  <a:srgbClr val="1D2D46"/>
+                </a:solidFill>
+                <a:latin typeface="微软雅黑" panose="020B0503020204020204" pitchFamily="34" charset="-122"/>
+                <a:ea typeface="微软雅黑" panose="020B0503020204020204" pitchFamily="34" charset="-122"/>
+              </a:rPr>
+              <a:t>可读性</a:t>
+            </a:r>
+            <a:r>
+              <a:rPr lang="zh-CN" altLang="en-US" dirty="0" smtClean="0">
+                <a:solidFill>
+                  <a:srgbClr val="1D2D46"/>
+                </a:solidFill>
+                <a:latin typeface="微软雅黑" panose="020B0503020204020204" pitchFamily="34" charset="-122"/>
+                <a:ea typeface="微软雅黑" panose="020B0503020204020204" pitchFamily="34" charset="-122"/>
+              </a:rPr>
+              <a:t>基本“</a:t>
+            </a:r>
+            <a:r>
+              <a:rPr lang="zh-CN" altLang="en-US" dirty="0">
+                <a:solidFill>
+                  <a:srgbClr val="1D2D46"/>
+                </a:solidFill>
+                <a:latin typeface="微软雅黑" panose="020B0503020204020204" pitchFamily="34" charset="-122"/>
+                <a:ea typeface="微软雅黑" panose="020B0503020204020204" pitchFamily="34" charset="-122"/>
+              </a:rPr>
+              <a:t>定理</a:t>
+            </a:r>
+            <a:r>
+              <a:rPr lang="zh-CN" altLang="en-US" dirty="0" smtClean="0">
+                <a:solidFill>
+                  <a:srgbClr val="1D2D46"/>
+                </a:solidFill>
+                <a:latin typeface="微软雅黑" panose="020B0503020204020204" pitchFamily="34" charset="-122"/>
+                <a:ea typeface="微软雅黑" panose="020B0503020204020204" pitchFamily="34" charset="-122"/>
+              </a:rPr>
+              <a:t>”</a:t>
+            </a:r>
+            <a:endParaRPr lang="en-US" altLang="zh-CN" dirty="0" smtClean="0">
+              <a:solidFill>
+                <a:srgbClr val="1D2D46"/>
+              </a:solidFill>
+              <a:latin typeface="微软雅黑" panose="020B0503020204020204" pitchFamily="34" charset="-122"/>
+              <a:ea typeface="微软雅黑" panose="020B0503020204020204" pitchFamily="34" charset="-122"/>
+            </a:endParaRPr>
+          </a:p>
+          <a:p>
+            <a:pPr>
+              <a:lnSpc>
+                <a:spcPct val="150000"/>
+              </a:lnSpc>
+            </a:pPr>
+            <a:r>
+              <a:rPr lang="zh-CN" altLang="en-US" sz="1200" dirty="0" smtClean="0">
+                <a:solidFill>
+                  <a:srgbClr val="1D2D46"/>
+                </a:solidFill>
+                <a:latin typeface="微软雅黑" panose="020B0503020204020204" pitchFamily="34" charset="-122"/>
+                <a:ea typeface="微软雅黑" panose="020B0503020204020204" pitchFamily="34" charset="-122"/>
+              </a:rPr>
+              <a:t>代码</a:t>
+            </a:r>
+            <a:r>
+              <a:rPr lang="zh-CN" altLang="en-US" sz="1200" dirty="0">
+                <a:solidFill>
+                  <a:srgbClr val="1D2D46"/>
+                </a:solidFill>
+                <a:latin typeface="微软雅黑" panose="020B0503020204020204" pitchFamily="34" charset="-122"/>
+                <a:ea typeface="微软雅黑" panose="020B0503020204020204" pitchFamily="34" charset="-122"/>
+              </a:rPr>
+              <a:t>的写法应当使别人理解它所需的时间最小</a:t>
+            </a:r>
+            <a:r>
+              <a:rPr lang="zh-CN" altLang="en-US" sz="1200" dirty="0" smtClean="0">
+                <a:solidFill>
+                  <a:srgbClr val="1D2D46"/>
+                </a:solidFill>
+                <a:latin typeface="微软雅黑" panose="020B0503020204020204" pitchFamily="34" charset="-122"/>
+                <a:ea typeface="微软雅黑" panose="020B0503020204020204" pitchFamily="34" charset="-122"/>
+              </a:rPr>
+              <a:t>化；</a:t>
+            </a:r>
+            <a:endParaRPr lang="en-US" altLang="zh-CN" sz="1200" dirty="0" smtClean="0">
+              <a:solidFill>
+                <a:srgbClr val="1D2D46"/>
+              </a:solidFill>
+              <a:latin typeface="微软雅黑" panose="020B0503020204020204" pitchFamily="34" charset="-122"/>
+              <a:ea typeface="微软雅黑" panose="020B0503020204020204" pitchFamily="34" charset="-122"/>
+            </a:endParaRPr>
+          </a:p>
+          <a:p>
+            <a:pPr>
+              <a:lnSpc>
+                <a:spcPct val="150000"/>
+              </a:lnSpc>
+            </a:pPr>
+            <a:r>
+              <a:rPr lang="zh-CN" altLang="en-US" sz="1200" dirty="0">
+                <a:solidFill>
+                  <a:srgbClr val="1D2D46"/>
+                </a:solidFill>
+                <a:latin typeface="微软雅黑" panose="020B0503020204020204" pitchFamily="34" charset="-122"/>
+                <a:ea typeface="微软雅黑" panose="020B0503020204020204" pitchFamily="34" charset="-122"/>
+              </a:rPr>
+              <a:t>编码时</a:t>
+            </a:r>
+            <a:r>
+              <a:rPr lang="zh-CN" altLang="en-US" sz="1200" dirty="0" smtClean="0">
+                <a:solidFill>
+                  <a:srgbClr val="1D2D46"/>
+                </a:solidFill>
+                <a:latin typeface="微软雅黑" panose="020B0503020204020204" pitchFamily="34" charset="-122"/>
+                <a:ea typeface="微软雅黑" panose="020B0503020204020204" pitchFamily="34" charset="-122"/>
+              </a:rPr>
+              <a:t>第一意识是如何做好代码可读性；</a:t>
+            </a:r>
+            <a:endParaRPr lang="en-US" altLang="zh-CN" sz="1200" dirty="0">
+              <a:solidFill>
+                <a:srgbClr val="1D2D46"/>
+              </a:solidFill>
+              <a:latin typeface="微软雅黑" panose="020B0503020204020204" pitchFamily="34" charset="-122"/>
+              <a:ea typeface="微软雅黑" panose="020B0503020204020204" pitchFamily="34" charset="-122"/>
+            </a:endParaRPr>
+          </a:p>
+        </p:txBody>
+      </p:sp>
+    </p:spTree>
+  </p:cSld>
+  <p:clrMapOvr>
+    <a:masterClrMapping/>
+  </p:clrMapOvr>
+  <p:transition spd="slow" advClick="0" advTm="4000">
+    <p:wipe/>
+  </p:transition>
+</p:sld>
+</file>
+
+<file path=ppt/slides/slide5.xml><?xml version="1.0" encoding="utf-8"?>
 <p:sld xmlns:a="http://schemas.openxmlformats.org/drawingml/2006/main" xmlns:r="http://schemas.openxmlformats.org/officeDocument/2006/relationships" xmlns:p="http://schemas.openxmlformats.org/presentationml/2006/main">
   <p:cSld>
     <p:spTree>
@@ -8879,14 +10666,8 @@
           <a:lstStyle/>
           <a:p>
             <a:r>
-              <a:rPr kumimoji="1" lang="zh-CN" altLang="en-US" sz="2400" dirty="0" smtClean="0">
-                <a:solidFill>
-                  <a:srgbClr val="1C2C44"/>
-                </a:solidFill>
-                <a:latin typeface="+mj-ea"/>
-                <a:ea typeface="+mj-ea"/>
-              </a:rPr>
-              <a:t>学习目的</a:t>
+              <a:rPr lang="zh-CN" altLang="en-US" sz="2400" dirty="0"/>
+              <a:t>编程规范</a:t>
             </a:r>
             <a:endParaRPr kumimoji="1" lang="zh-CN" altLang="en-US" sz="2400" dirty="0">
               <a:solidFill>
@@ -8900,61 +10681,365 @@
       </p:sp>
       <p:sp>
         <p:nvSpPr>
-          <p:cNvPr id="42" name="原创设计师QQ：598969553              _3"/>
+          <p:cNvPr id="43" name="任意多边形 15"/>
           <p:cNvSpPr/>
           <p:nvPr/>
         </p:nvSpPr>
-        <p:spPr>
+        <p:spPr bwMode="auto">
           <a:xfrm>
-            <a:off x="897203" y="1953615"/>
-            <a:ext cx="693463" cy="670045"/>
-          </a:xfrm>
-          <a:prstGeom prst="rect">
-            <a:avLst/>
-          </a:prstGeom>
+            <a:off x="754835" y="2337925"/>
+            <a:ext cx="1601788" cy="451378"/>
+          </a:xfrm>
+          <a:custGeom>
+            <a:avLst/>
+            <a:gdLst>
+              <a:gd name="connsiteX0" fmla="*/ 0 w 1602178"/>
+              <a:gd name="connsiteY0" fmla="*/ 0 h 640871"/>
+              <a:gd name="connsiteX1" fmla="*/ 1281743 w 1602178"/>
+              <a:gd name="connsiteY1" fmla="*/ 0 h 640871"/>
+              <a:gd name="connsiteX2" fmla="*/ 1602178 w 1602178"/>
+              <a:gd name="connsiteY2" fmla="*/ 320436 h 640871"/>
+              <a:gd name="connsiteX3" fmla="*/ 1281743 w 1602178"/>
+              <a:gd name="connsiteY3" fmla="*/ 640871 h 640871"/>
+              <a:gd name="connsiteX4" fmla="*/ 0 w 1602178"/>
+              <a:gd name="connsiteY4" fmla="*/ 640871 h 640871"/>
+              <a:gd name="connsiteX5" fmla="*/ 320436 w 1602178"/>
+              <a:gd name="connsiteY5" fmla="*/ 320436 h 640871"/>
+              <a:gd name="connsiteX6" fmla="*/ 0 w 1602178"/>
+              <a:gd name="connsiteY6" fmla="*/ 0 h 640871"/>
+            </a:gdLst>
+            <a:ahLst/>
+            <a:cxnLst>
+              <a:cxn ang="0">
+                <a:pos x="connsiteX0" y="connsiteY0"/>
+              </a:cxn>
+              <a:cxn ang="0">
+                <a:pos x="connsiteX1" y="connsiteY1"/>
+              </a:cxn>
+              <a:cxn ang="0">
+                <a:pos x="connsiteX2" y="connsiteY2"/>
+              </a:cxn>
+              <a:cxn ang="0">
+                <a:pos x="connsiteX3" y="connsiteY3"/>
+              </a:cxn>
+              <a:cxn ang="0">
+                <a:pos x="connsiteX4" y="connsiteY4"/>
+              </a:cxn>
+              <a:cxn ang="0">
+                <a:pos x="connsiteX5" y="connsiteY5"/>
+              </a:cxn>
+              <a:cxn ang="0">
+                <a:pos x="connsiteX6" y="connsiteY6"/>
+              </a:cxn>
+            </a:cxnLst>
+            <a:rect l="l" t="t" r="r" b="b"/>
+            <a:pathLst>
+              <a:path w="1602178" h="640871">
+                <a:moveTo>
+                  <a:pt x="0" y="0"/>
+                </a:moveTo>
+                <a:lnTo>
+                  <a:pt x="1281743" y="0"/>
+                </a:lnTo>
+                <a:lnTo>
+                  <a:pt x="1602178" y="320436"/>
+                </a:lnTo>
+                <a:lnTo>
+                  <a:pt x="1281743" y="640871"/>
+                </a:lnTo>
+                <a:lnTo>
+                  <a:pt x="0" y="640871"/>
+                </a:lnTo>
+                <a:lnTo>
+                  <a:pt x="320436" y="320436"/>
+                </a:lnTo>
+                <a:lnTo>
+                  <a:pt x="0" y="0"/>
+                </a:lnTo>
+                <a:close/>
+              </a:path>
+            </a:pathLst>
+          </a:custGeom>
+          <a:solidFill>
+            <a:schemeClr val="accent3"/>
+          </a:solidFill>
           <a:ln>
             <a:noFill/>
           </a:ln>
         </p:spPr>
         <p:style>
           <a:lnRef idx="2">
-            <a:schemeClr val="accent1">
-              <a:shade val="50000"/>
-            </a:schemeClr>
+            <a:scrgbClr r="0" g="0" b="0"/>
           </a:lnRef>
           <a:fillRef idx="1">
-            <a:schemeClr val="accent1"/>
+            <a:scrgbClr r="0" g="0" b="0"/>
           </a:fillRef>
           <a:effectRef idx="0">
-            <a:schemeClr val="accent1"/>
+            <a:schemeClr val="accent4">
+              <a:hueOff val="0"/>
+              <a:satOff val="0"/>
+              <a:lumOff val="0"/>
+              <a:alphaOff val="0"/>
+            </a:schemeClr>
           </a:effectRef>
           <a:fontRef idx="minor">
             <a:schemeClr val="lt1"/>
           </a:fontRef>
         </p:style>
         <p:txBody>
-          <a:bodyPr rtlCol="0" anchor="ctr"/>
+          <a:bodyPr lIns="330596" tIns="5080" rIns="320435" bIns="5080" spcCol="1270" anchor="ctr"/>
           <a:lstStyle/>
           <a:p>
-            <a:pPr algn="ctr"/>
-            <a:endParaRPr lang="zh-CN" altLang="en-US"/>
+            <a:pPr algn="ctr" defTabSz="355600">
+              <a:lnSpc>
+                <a:spcPct val="90000"/>
+              </a:lnSpc>
+              <a:spcAft>
+                <a:spcPct val="35000"/>
+              </a:spcAft>
+              <a:defRPr/>
+            </a:pPr>
+            <a:r>
+              <a:rPr lang="zh-CN" altLang="en-US" dirty="0">
+                <a:solidFill>
+                  <a:schemeClr val="bg1"/>
+                </a:solidFill>
+              </a:rPr>
+              <a:t>代码格式</a:t>
+            </a:r>
+            <a:endParaRPr lang="en-US" altLang="zh-CN" sz="2400" dirty="0">
+              <a:solidFill>
+                <a:schemeClr val="bg1"/>
+              </a:solidFill>
+            </a:endParaRPr>
           </a:p>
         </p:txBody>
       </p:sp>
       <p:sp>
         <p:nvSpPr>
-          <p:cNvPr id="43" name="原创设计师QQ：598969553              _4"/>
+          <p:cNvPr id="44" name="任意多边形 16"/>
           <p:cNvSpPr/>
           <p:nvPr/>
         </p:nvSpPr>
-        <p:spPr>
+        <p:spPr bwMode="auto">
           <a:xfrm>
-            <a:off x="897202" y="3096299"/>
-            <a:ext cx="693463" cy="670045"/>
-          </a:xfrm>
-          <a:prstGeom prst="rect">
-            <a:avLst/>
-          </a:prstGeom>
+            <a:off x="754835" y="3007438"/>
+            <a:ext cx="1601788" cy="467089"/>
+          </a:xfrm>
+          <a:custGeom>
+            <a:avLst/>
+            <a:gdLst>
+              <a:gd name="connsiteX0" fmla="*/ 0 w 1602178"/>
+              <a:gd name="connsiteY0" fmla="*/ 0 h 640871"/>
+              <a:gd name="connsiteX1" fmla="*/ 1281743 w 1602178"/>
+              <a:gd name="connsiteY1" fmla="*/ 0 h 640871"/>
+              <a:gd name="connsiteX2" fmla="*/ 1602178 w 1602178"/>
+              <a:gd name="connsiteY2" fmla="*/ 320436 h 640871"/>
+              <a:gd name="connsiteX3" fmla="*/ 1281743 w 1602178"/>
+              <a:gd name="connsiteY3" fmla="*/ 640871 h 640871"/>
+              <a:gd name="connsiteX4" fmla="*/ 0 w 1602178"/>
+              <a:gd name="connsiteY4" fmla="*/ 640871 h 640871"/>
+              <a:gd name="connsiteX5" fmla="*/ 320436 w 1602178"/>
+              <a:gd name="connsiteY5" fmla="*/ 320436 h 640871"/>
+              <a:gd name="connsiteX6" fmla="*/ 0 w 1602178"/>
+              <a:gd name="connsiteY6" fmla="*/ 0 h 640871"/>
+            </a:gdLst>
+            <a:ahLst/>
+            <a:cxnLst>
+              <a:cxn ang="0">
+                <a:pos x="connsiteX0" y="connsiteY0"/>
+              </a:cxn>
+              <a:cxn ang="0">
+                <a:pos x="connsiteX1" y="connsiteY1"/>
+              </a:cxn>
+              <a:cxn ang="0">
+                <a:pos x="connsiteX2" y="connsiteY2"/>
+              </a:cxn>
+              <a:cxn ang="0">
+                <a:pos x="connsiteX3" y="connsiteY3"/>
+              </a:cxn>
+              <a:cxn ang="0">
+                <a:pos x="connsiteX4" y="connsiteY4"/>
+              </a:cxn>
+              <a:cxn ang="0">
+                <a:pos x="connsiteX5" y="connsiteY5"/>
+              </a:cxn>
+              <a:cxn ang="0">
+                <a:pos x="connsiteX6" y="connsiteY6"/>
+              </a:cxn>
+            </a:cxnLst>
+            <a:rect l="l" t="t" r="r" b="b"/>
+            <a:pathLst>
+              <a:path w="1602178" h="640871">
+                <a:moveTo>
+                  <a:pt x="0" y="0"/>
+                </a:moveTo>
+                <a:lnTo>
+                  <a:pt x="1281743" y="0"/>
+                </a:lnTo>
+                <a:lnTo>
+                  <a:pt x="1602178" y="320436"/>
+                </a:lnTo>
+                <a:lnTo>
+                  <a:pt x="1281743" y="640871"/>
+                </a:lnTo>
+                <a:lnTo>
+                  <a:pt x="0" y="640871"/>
+                </a:lnTo>
+                <a:lnTo>
+                  <a:pt x="320436" y="320436"/>
+                </a:lnTo>
+                <a:lnTo>
+                  <a:pt x="0" y="0"/>
+                </a:lnTo>
+                <a:close/>
+              </a:path>
+            </a:pathLst>
+          </a:custGeom>
+          <a:solidFill>
+            <a:schemeClr val="accent4"/>
+          </a:solidFill>
+          <a:ln>
+            <a:noFill/>
+          </a:ln>
+        </p:spPr>
+        <p:style>
+          <a:lnRef idx="2">
+            <a:scrgbClr r="0" g="0" b="0"/>
+          </a:lnRef>
+          <a:fillRef idx="1">
+            <a:scrgbClr r="0" g="0" b="0"/>
+          </a:fillRef>
+          <a:effectRef idx="0">
+            <a:schemeClr val="accent5">
+              <a:hueOff val="0"/>
+              <a:satOff val="0"/>
+              <a:lumOff val="0"/>
+              <a:alphaOff val="0"/>
+            </a:schemeClr>
+          </a:effectRef>
+          <a:fontRef idx="minor">
+            <a:schemeClr val="lt1"/>
+          </a:fontRef>
+        </p:style>
+        <p:txBody>
+          <a:bodyPr lIns="330596" tIns="5080" rIns="320435" bIns="5080" spcCol="1270" anchor="ctr"/>
+          <a:lstStyle/>
+          <a:p>
+            <a:pPr algn="ctr" defTabSz="355600">
+              <a:lnSpc>
+                <a:spcPct val="90000"/>
+              </a:lnSpc>
+              <a:spcAft>
+                <a:spcPct val="35000"/>
+              </a:spcAft>
+              <a:defRPr/>
+            </a:pPr>
+            <a:r>
+              <a:rPr lang="en-US" altLang="zh-CN" sz="1600" b="1" dirty="0">
+                <a:solidFill>
+                  <a:schemeClr val="bg1"/>
+                </a:solidFill>
+              </a:rPr>
+              <a:t>OOP</a:t>
+            </a:r>
+            <a:r>
+              <a:rPr lang="zh-CN" altLang="en-US" sz="1600" b="1" dirty="0">
+                <a:solidFill>
+                  <a:schemeClr val="bg1"/>
+                </a:solidFill>
+              </a:rPr>
+              <a:t>规约</a:t>
+            </a:r>
+            <a:endParaRPr lang="en-US" sz="2400" b="1" dirty="0">
+              <a:solidFill>
+                <a:schemeClr val="bg1"/>
+              </a:solidFill>
+            </a:endParaRPr>
+          </a:p>
+        </p:txBody>
+      </p:sp>
+      <p:sp>
+        <p:nvSpPr>
+          <p:cNvPr id="45" name="任意多边形 14"/>
+          <p:cNvSpPr/>
+          <p:nvPr/>
+        </p:nvSpPr>
+        <p:spPr bwMode="auto">
+          <a:xfrm>
+            <a:off x="754835" y="1635038"/>
+            <a:ext cx="1601788" cy="444262"/>
+          </a:xfrm>
+          <a:custGeom>
+            <a:avLst/>
+            <a:gdLst>
+              <a:gd name="connsiteX0" fmla="*/ 0 w 1602178"/>
+              <a:gd name="connsiteY0" fmla="*/ 0 h 640871"/>
+              <a:gd name="connsiteX1" fmla="*/ 1281743 w 1602178"/>
+              <a:gd name="connsiteY1" fmla="*/ 0 h 640871"/>
+              <a:gd name="connsiteX2" fmla="*/ 1602178 w 1602178"/>
+              <a:gd name="connsiteY2" fmla="*/ 320436 h 640871"/>
+              <a:gd name="connsiteX3" fmla="*/ 1281743 w 1602178"/>
+              <a:gd name="connsiteY3" fmla="*/ 640871 h 640871"/>
+              <a:gd name="connsiteX4" fmla="*/ 0 w 1602178"/>
+              <a:gd name="connsiteY4" fmla="*/ 640871 h 640871"/>
+              <a:gd name="connsiteX5" fmla="*/ 320436 w 1602178"/>
+              <a:gd name="connsiteY5" fmla="*/ 320436 h 640871"/>
+              <a:gd name="connsiteX6" fmla="*/ 0 w 1602178"/>
+              <a:gd name="connsiteY6" fmla="*/ 0 h 640871"/>
+            </a:gdLst>
+            <a:ahLst/>
+            <a:cxnLst>
+              <a:cxn ang="0">
+                <a:pos x="connsiteX0" y="connsiteY0"/>
+              </a:cxn>
+              <a:cxn ang="0">
+                <a:pos x="connsiteX1" y="connsiteY1"/>
+              </a:cxn>
+              <a:cxn ang="0">
+                <a:pos x="connsiteX2" y="connsiteY2"/>
+              </a:cxn>
+              <a:cxn ang="0">
+                <a:pos x="connsiteX3" y="connsiteY3"/>
+              </a:cxn>
+              <a:cxn ang="0">
+                <a:pos x="connsiteX4" y="connsiteY4"/>
+              </a:cxn>
+              <a:cxn ang="0">
+                <a:pos x="connsiteX5" y="connsiteY5"/>
+              </a:cxn>
+              <a:cxn ang="0">
+                <a:pos x="connsiteX6" y="connsiteY6"/>
+              </a:cxn>
+            </a:cxnLst>
+            <a:rect l="l" t="t" r="r" b="b"/>
+            <a:pathLst>
+              <a:path w="1602178" h="640871">
+                <a:moveTo>
+                  <a:pt x="0" y="0"/>
+                </a:moveTo>
+                <a:lnTo>
+                  <a:pt x="1281743" y="0"/>
+                </a:lnTo>
+                <a:lnTo>
+                  <a:pt x="1602178" y="320436"/>
+                </a:lnTo>
+                <a:lnTo>
+                  <a:pt x="1281743" y="640871"/>
+                </a:lnTo>
+                <a:lnTo>
+                  <a:pt x="0" y="640871"/>
+                </a:lnTo>
+                <a:lnTo>
+                  <a:pt x="320436" y="320436"/>
+                </a:lnTo>
+                <a:lnTo>
+                  <a:pt x="0" y="0"/>
+                </a:lnTo>
+                <a:close/>
+              </a:path>
+            </a:pathLst>
+          </a:custGeom>
           <a:solidFill>
             <a:schemeClr val="accent2"/>
           </a:solidFill>
@@ -8964,191 +11049,184 @@
         </p:spPr>
         <p:style>
           <a:lnRef idx="2">
-            <a:schemeClr val="accent1">
-              <a:shade val="50000"/>
-            </a:schemeClr>
+            <a:scrgbClr r="0" g="0" b="0"/>
           </a:lnRef>
           <a:fillRef idx="1">
-            <a:schemeClr val="accent1"/>
+            <a:scrgbClr r="0" g="0" b="0"/>
           </a:fillRef>
           <a:effectRef idx="0">
-            <a:schemeClr val="accent1"/>
+            <a:schemeClr val="accent3">
+              <a:hueOff val="0"/>
+              <a:satOff val="0"/>
+              <a:lumOff val="0"/>
+              <a:alphaOff val="0"/>
+            </a:schemeClr>
           </a:effectRef>
           <a:fontRef idx="minor">
             <a:schemeClr val="lt1"/>
           </a:fontRef>
         </p:style>
         <p:txBody>
-          <a:bodyPr rtlCol="0" anchor="ctr"/>
+          <a:bodyPr lIns="330596" tIns="5080" rIns="320435" bIns="5080" spcCol="1270" anchor="ctr"/>
           <a:lstStyle/>
           <a:p>
-            <a:pPr algn="ctr"/>
-            <a:endParaRPr lang="zh-CN" altLang="en-US"/>
+            <a:pPr algn="ctr" defTabSz="355600">
+              <a:lnSpc>
+                <a:spcPct val="90000"/>
+              </a:lnSpc>
+              <a:spcAft>
+                <a:spcPct val="35000"/>
+              </a:spcAft>
+              <a:defRPr/>
+            </a:pPr>
+            <a:r>
+              <a:rPr lang="zh-CN" altLang="en-US" dirty="0">
+                <a:solidFill>
+                  <a:schemeClr val="bg1"/>
+                </a:solidFill>
+              </a:rPr>
+              <a:t>常量定义</a:t>
+            </a:r>
+            <a:endParaRPr lang="en-US" dirty="0">
+              <a:solidFill>
+                <a:schemeClr val="bg1"/>
+              </a:solidFill>
+            </a:endParaRPr>
           </a:p>
         </p:txBody>
       </p:sp>
       <p:sp>
         <p:nvSpPr>
-          <p:cNvPr id="44" name="原创设计师QQ：598969553              _7"/>
+          <p:cNvPr id="46" name="任意多边形 15"/>
           <p:cNvSpPr/>
           <p:nvPr/>
         </p:nvSpPr>
-        <p:spPr>
+        <p:spPr bwMode="auto">
           <a:xfrm>
-            <a:off x="929220" y="1981200"/>
-            <a:ext cx="687913" cy="646331"/>
-          </a:xfrm>
-          <a:prstGeom prst="rect">
-            <a:avLst/>
-          </a:prstGeom>
-          <a:noFill/>
-        </p:spPr>
+            <a:off x="754835" y="872968"/>
+            <a:ext cx="1601788" cy="421225"/>
+          </a:xfrm>
+          <a:custGeom>
+            <a:avLst/>
+            <a:gdLst>
+              <a:gd name="connsiteX0" fmla="*/ 0 w 1602178"/>
+              <a:gd name="connsiteY0" fmla="*/ 0 h 640871"/>
+              <a:gd name="connsiteX1" fmla="*/ 1281743 w 1602178"/>
+              <a:gd name="connsiteY1" fmla="*/ 0 h 640871"/>
+              <a:gd name="connsiteX2" fmla="*/ 1602178 w 1602178"/>
+              <a:gd name="connsiteY2" fmla="*/ 320436 h 640871"/>
+              <a:gd name="connsiteX3" fmla="*/ 1281743 w 1602178"/>
+              <a:gd name="connsiteY3" fmla="*/ 640871 h 640871"/>
+              <a:gd name="connsiteX4" fmla="*/ 0 w 1602178"/>
+              <a:gd name="connsiteY4" fmla="*/ 640871 h 640871"/>
+              <a:gd name="connsiteX5" fmla="*/ 320436 w 1602178"/>
+              <a:gd name="connsiteY5" fmla="*/ 320436 h 640871"/>
+              <a:gd name="connsiteX6" fmla="*/ 0 w 1602178"/>
+              <a:gd name="connsiteY6" fmla="*/ 0 h 640871"/>
+            </a:gdLst>
+            <a:ahLst/>
+            <a:cxnLst>
+              <a:cxn ang="0">
+                <a:pos x="connsiteX0" y="connsiteY0"/>
+              </a:cxn>
+              <a:cxn ang="0">
+                <a:pos x="connsiteX1" y="connsiteY1"/>
+              </a:cxn>
+              <a:cxn ang="0">
+                <a:pos x="connsiteX2" y="connsiteY2"/>
+              </a:cxn>
+              <a:cxn ang="0">
+                <a:pos x="connsiteX3" y="connsiteY3"/>
+              </a:cxn>
+              <a:cxn ang="0">
+                <a:pos x="connsiteX4" y="connsiteY4"/>
+              </a:cxn>
+              <a:cxn ang="0">
+                <a:pos x="connsiteX5" y="connsiteY5"/>
+              </a:cxn>
+              <a:cxn ang="0">
+                <a:pos x="connsiteX6" y="connsiteY6"/>
+              </a:cxn>
+            </a:cxnLst>
+            <a:rect l="l" t="t" r="r" b="b"/>
+            <a:pathLst>
+              <a:path w="1602178" h="640871">
+                <a:moveTo>
+                  <a:pt x="0" y="0"/>
+                </a:moveTo>
+                <a:lnTo>
+                  <a:pt x="1281743" y="0"/>
+                </a:lnTo>
+                <a:lnTo>
+                  <a:pt x="1602178" y="320436"/>
+                </a:lnTo>
+                <a:lnTo>
+                  <a:pt x="1281743" y="640871"/>
+                </a:lnTo>
+                <a:lnTo>
+                  <a:pt x="0" y="640871"/>
+                </a:lnTo>
+                <a:lnTo>
+                  <a:pt x="320436" y="320436"/>
+                </a:lnTo>
+                <a:lnTo>
+                  <a:pt x="0" y="0"/>
+                </a:lnTo>
+                <a:close/>
+              </a:path>
+            </a:pathLst>
+          </a:custGeom>
+          <a:solidFill>
+            <a:schemeClr val="accent3"/>
+          </a:solidFill>
+          <a:ln>
+            <a:noFill/>
+          </a:ln>
+        </p:spPr>
+        <p:style>
+          <a:lnRef idx="2">
+            <a:scrgbClr r="0" g="0" b="0"/>
+          </a:lnRef>
+          <a:fillRef idx="1">
+            <a:scrgbClr r="0" g="0" b="0"/>
+          </a:fillRef>
+          <a:effectRef idx="0">
+            <a:schemeClr val="accent4">
+              <a:hueOff val="0"/>
+              <a:satOff val="0"/>
+              <a:lumOff val="0"/>
+              <a:alphaOff val="0"/>
+            </a:schemeClr>
+          </a:effectRef>
+          <a:fontRef idx="minor">
+            <a:schemeClr val="lt1"/>
+          </a:fontRef>
+        </p:style>
         <p:txBody>
-          <a:bodyPr wrap="square">
-            <a:spAutoFit/>
-          </a:bodyPr>
+          <a:bodyPr lIns="330596" tIns="5080" rIns="320435" bIns="5080" spcCol="1270" anchor="ctr"/>
           <a:lstStyle/>
           <a:p>
-            <a:r>
-              <a:rPr lang="en-US" altLang="zh-CN" sz="3600" dirty="0" smtClean="0">
+            <a:pPr algn="ctr" defTabSz="355600" eaLnBrk="1" fontAlgn="auto" hangingPunct="1">
+              <a:lnSpc>
+                <a:spcPct val="90000"/>
+              </a:lnSpc>
+              <a:spcAft>
+                <a:spcPct val="35000"/>
+              </a:spcAft>
+              <a:defRPr/>
+            </a:pPr>
+            <a:r>
+              <a:rPr lang="zh-CN" altLang="en-US" dirty="0" smtClean="0">
                 <a:solidFill>
                   <a:schemeClr val="bg1"/>
                 </a:solidFill>
-                <a:latin typeface="华文细黑" panose="02010600040101010101" pitchFamily="2" charset="-122"/>
-                <a:ea typeface="华文细黑" panose="02010600040101010101" pitchFamily="2" charset="-122"/>
-                <a:cs typeface="Arial" panose="020B0604020202020204" pitchFamily="34" charset="0"/>
               </a:rPr>
-              <a:t>1</a:t>
-            </a:r>
-            <a:endParaRPr lang="zh-CN" altLang="en-US" sz="4800" dirty="0">
+              <a:t>命名风格</a:t>
+            </a:r>
+            <a:endParaRPr lang="en-US" altLang="zh-CN" dirty="0">
               <a:solidFill>
                 <a:schemeClr val="bg1"/>
               </a:solidFill>
-              <a:latin typeface="华文细黑" panose="02010600040101010101" pitchFamily="2" charset="-122"/>
-              <a:ea typeface="华文细黑" panose="02010600040101010101" pitchFamily="2" charset="-122"/>
-            </a:endParaRPr>
-          </a:p>
-        </p:txBody>
-      </p:sp>
-      <p:sp>
-        <p:nvSpPr>
-          <p:cNvPr id="45" name="原创设计师QQ：598969553              _8"/>
-          <p:cNvSpPr/>
-          <p:nvPr/>
-        </p:nvSpPr>
-        <p:spPr>
-          <a:xfrm>
-            <a:off x="906728" y="3123961"/>
-            <a:ext cx="687913" cy="646331"/>
-          </a:xfrm>
-          <a:prstGeom prst="rect">
-            <a:avLst/>
-          </a:prstGeom>
-          <a:noFill/>
-        </p:spPr>
-        <p:txBody>
-          <a:bodyPr wrap="square">
-            <a:spAutoFit/>
-          </a:bodyPr>
-          <a:lstStyle/>
-          <a:p>
-            <a:r>
-              <a:rPr lang="en-US" altLang="zh-CN" sz="3600" dirty="0" smtClean="0">
-                <a:solidFill>
-                  <a:schemeClr val="bg1"/>
-                </a:solidFill>
-                <a:latin typeface="华文细黑" panose="02010600040101010101" pitchFamily="2" charset="-122"/>
-                <a:ea typeface="华文细黑" panose="02010600040101010101" pitchFamily="2" charset="-122"/>
-                <a:cs typeface="Arial" panose="020B0604020202020204" pitchFamily="34" charset="0"/>
-              </a:rPr>
-              <a:t>2</a:t>
-            </a:r>
-            <a:endParaRPr lang="zh-CN" altLang="en-US" sz="4800" dirty="0">
-              <a:solidFill>
-                <a:schemeClr val="bg1"/>
-              </a:solidFill>
-              <a:latin typeface="华文细黑" panose="02010600040101010101" pitchFamily="2" charset="-122"/>
-              <a:ea typeface="华文细黑" panose="02010600040101010101" pitchFamily="2" charset="-122"/>
-            </a:endParaRPr>
-          </a:p>
-        </p:txBody>
-      </p:sp>
-      <p:sp>
-        <p:nvSpPr>
-          <p:cNvPr id="46" name="矩形 45"/>
-          <p:cNvSpPr/>
-          <p:nvPr/>
-        </p:nvSpPr>
-        <p:spPr>
-          <a:xfrm>
-            <a:off x="1658865" y="1804323"/>
-            <a:ext cx="4301650" cy="1061829"/>
-          </a:xfrm>
-          <a:prstGeom prst="rect">
-            <a:avLst/>
-          </a:prstGeom>
-        </p:spPr>
-        <p:txBody>
-          <a:bodyPr wrap="square">
-            <a:spAutoFit/>
-          </a:bodyPr>
-          <a:lstStyle/>
-          <a:p>
-            <a:pPr>
-              <a:lnSpc>
-                <a:spcPct val="150000"/>
-              </a:lnSpc>
-            </a:pPr>
-            <a:r>
-              <a:rPr lang="zh-CN" altLang="en-US" dirty="0">
-                <a:solidFill>
-                  <a:srgbClr val="1D2D46"/>
-                </a:solidFill>
-                <a:latin typeface="微软雅黑" panose="020B0503020204020204" pitchFamily="34" charset="-122"/>
-                <a:ea typeface="微软雅黑" panose="020B0503020204020204" pitchFamily="34" charset="-122"/>
-              </a:rPr>
-              <a:t>编码规范之于</a:t>
-            </a:r>
-            <a:r>
-              <a:rPr lang="zh-CN" altLang="en-US" dirty="0" smtClean="0">
-                <a:solidFill>
-                  <a:srgbClr val="1D2D46"/>
-                </a:solidFill>
-                <a:latin typeface="微软雅黑" panose="020B0503020204020204" pitchFamily="34" charset="-122"/>
-                <a:ea typeface="微软雅黑" panose="020B0503020204020204" pitchFamily="34" charset="-122"/>
-              </a:rPr>
-              <a:t>个人</a:t>
-            </a:r>
-            <a:endParaRPr lang="en-US" altLang="zh-CN" dirty="0" smtClean="0">
-              <a:solidFill>
-                <a:srgbClr val="1D2D46"/>
-              </a:solidFill>
-              <a:latin typeface="微软雅黑" panose="020B0503020204020204" pitchFamily="34" charset="-122"/>
-              <a:ea typeface="微软雅黑" panose="020B0503020204020204" pitchFamily="34" charset="-122"/>
-            </a:endParaRPr>
-          </a:p>
-          <a:p>
-            <a:pPr>
-              <a:lnSpc>
-                <a:spcPct val="150000"/>
-              </a:lnSpc>
-            </a:pPr>
-            <a:r>
-              <a:rPr lang="zh-CN" altLang="en-US" sz="1200" dirty="0">
-                <a:solidFill>
-                  <a:srgbClr val="1D2D46"/>
-                </a:solidFill>
-                <a:latin typeface="微软雅黑" panose="020B0503020204020204" pitchFamily="34" charset="-122"/>
-                <a:ea typeface="微软雅黑" panose="020B0503020204020204" pitchFamily="34" charset="-122"/>
-              </a:rPr>
-              <a:t>规范对为所欲为的人来说，是一种约束；而对于具备良好编码习惯的人来说，是一种认可的标准。</a:t>
-            </a:r>
-            <a:endParaRPr lang="en-US" altLang="zh-CN" sz="1200" dirty="0">
-              <a:solidFill>
-                <a:srgbClr val="1D2D46"/>
-              </a:solidFill>
-              <a:latin typeface="微软雅黑" panose="020B0503020204020204" pitchFamily="34" charset="-122"/>
-              <a:ea typeface="微软雅黑" panose="020B0503020204020204" pitchFamily="34" charset="-122"/>
             </a:endParaRPr>
           </a:p>
         </p:txBody>
@@ -9161,94 +11239,713 @@
         </p:nvSpPr>
         <p:spPr>
           <a:xfrm>
-            <a:off x="1658865" y="2956476"/>
-            <a:ext cx="4301650" cy="1061829"/>
+            <a:off x="2670976" y="879418"/>
+            <a:ext cx="6213766" cy="328936"/>
           </a:xfrm>
           <a:prstGeom prst="rect">
             <a:avLst/>
           </a:prstGeom>
+          <a:ln>
+            <a:noFill/>
+          </a:ln>
         </p:spPr>
         <p:txBody>
           <a:bodyPr wrap="square">
             <a:spAutoFit/>
+            <a:scene3d>
+              <a:camera prst="orthographicFront"/>
+              <a:lightRig rig="threePt" dir="t"/>
+            </a:scene3d>
+            <a:sp3d contourW="12700"/>
           </a:bodyPr>
-          <a:lstStyle/>
-          <a:p>
-            <a:pPr>
+          <a:lstStyle>
+            <a:defPPr>
+              <a:defRPr lang="zh-CN"/>
+            </a:defPPr>
+            <a:lvl1pPr marL="0" algn="l" defTabSz="914400" rtl="0" eaLnBrk="1" latinLnBrk="0" hangingPunct="1">
+              <a:defRPr sz="1800" kern="1200">
+                <a:solidFill>
+                  <a:schemeClr val="tx1"/>
+                </a:solidFill>
+                <a:latin typeface="+mn-lt"/>
+                <a:ea typeface="+mn-ea"/>
+                <a:cs typeface="+mn-cs"/>
+              </a:defRPr>
+            </a:lvl1pPr>
+            <a:lvl2pPr marL="457200" algn="l" defTabSz="914400" rtl="0" eaLnBrk="1" latinLnBrk="0" hangingPunct="1">
+              <a:defRPr sz="1800" kern="1200">
+                <a:solidFill>
+                  <a:schemeClr val="tx1"/>
+                </a:solidFill>
+                <a:latin typeface="+mn-lt"/>
+                <a:ea typeface="+mn-ea"/>
+                <a:cs typeface="+mn-cs"/>
+              </a:defRPr>
+            </a:lvl2pPr>
+            <a:lvl3pPr marL="914400" algn="l" defTabSz="914400" rtl="0" eaLnBrk="1" latinLnBrk="0" hangingPunct="1">
+              <a:defRPr sz="1800" kern="1200">
+                <a:solidFill>
+                  <a:schemeClr val="tx1"/>
+                </a:solidFill>
+                <a:latin typeface="+mn-lt"/>
+                <a:ea typeface="+mn-ea"/>
+                <a:cs typeface="+mn-cs"/>
+              </a:defRPr>
+            </a:lvl3pPr>
+            <a:lvl4pPr marL="1371600" algn="l" defTabSz="914400" rtl="0" eaLnBrk="1" latinLnBrk="0" hangingPunct="1">
+              <a:defRPr sz="1800" kern="1200">
+                <a:solidFill>
+                  <a:schemeClr val="tx1"/>
+                </a:solidFill>
+                <a:latin typeface="+mn-lt"/>
+                <a:ea typeface="+mn-ea"/>
+                <a:cs typeface="+mn-cs"/>
+              </a:defRPr>
+            </a:lvl4pPr>
+            <a:lvl5pPr marL="1828800" algn="l" defTabSz="914400" rtl="0" eaLnBrk="1" latinLnBrk="0" hangingPunct="1">
+              <a:defRPr sz="1800" kern="1200">
+                <a:solidFill>
+                  <a:schemeClr val="tx1"/>
+                </a:solidFill>
+                <a:latin typeface="+mn-lt"/>
+                <a:ea typeface="+mn-ea"/>
+                <a:cs typeface="+mn-cs"/>
+              </a:defRPr>
+            </a:lvl5pPr>
+            <a:lvl6pPr marL="2286000" algn="l" defTabSz="914400" rtl="0" eaLnBrk="1" latinLnBrk="0" hangingPunct="1">
+              <a:defRPr sz="1800" kern="1200">
+                <a:solidFill>
+                  <a:schemeClr val="tx1"/>
+                </a:solidFill>
+                <a:latin typeface="+mn-lt"/>
+                <a:ea typeface="+mn-ea"/>
+                <a:cs typeface="+mn-cs"/>
+              </a:defRPr>
+            </a:lvl6pPr>
+            <a:lvl7pPr marL="2743200" algn="l" defTabSz="914400" rtl="0" eaLnBrk="1" latinLnBrk="0" hangingPunct="1">
+              <a:defRPr sz="1800" kern="1200">
+                <a:solidFill>
+                  <a:schemeClr val="tx1"/>
+                </a:solidFill>
+                <a:latin typeface="+mn-lt"/>
+                <a:ea typeface="+mn-ea"/>
+                <a:cs typeface="+mn-cs"/>
+              </a:defRPr>
+            </a:lvl7pPr>
+            <a:lvl8pPr marL="3200400" algn="l" defTabSz="914400" rtl="0" eaLnBrk="1" latinLnBrk="0" hangingPunct="1">
+              <a:defRPr sz="1800" kern="1200">
+                <a:solidFill>
+                  <a:schemeClr val="tx1"/>
+                </a:solidFill>
+                <a:latin typeface="+mn-lt"/>
+                <a:ea typeface="+mn-ea"/>
+                <a:cs typeface="+mn-cs"/>
+              </a:defRPr>
+            </a:lvl8pPr>
+            <a:lvl9pPr marL="3657600" algn="l" defTabSz="914400" rtl="0" eaLnBrk="1" latinLnBrk="0" hangingPunct="1">
+              <a:defRPr sz="1800" kern="1200">
+                <a:solidFill>
+                  <a:schemeClr val="tx1"/>
+                </a:solidFill>
+                <a:latin typeface="+mn-lt"/>
+                <a:ea typeface="+mn-ea"/>
+                <a:cs typeface="+mn-cs"/>
+              </a:defRPr>
+            </a:lvl9pPr>
+          </a:lstStyle>
+          <a:p>
+            <a:pPr algn="just">
               <a:lnSpc>
-                <a:spcPct val="150000"/>
+                <a:spcPct val="120000"/>
               </a:lnSpc>
             </a:pPr>
             <a:r>
-              <a:rPr lang="zh-CN" altLang="en-US" dirty="0">
-                <a:solidFill>
-                  <a:srgbClr val="1D2D46"/>
-                </a:solidFill>
-                <a:latin typeface="微软雅黑" panose="020B0503020204020204" pitchFamily="34" charset="-122"/>
-                <a:ea typeface="微软雅黑" panose="020B0503020204020204" pitchFamily="34" charset="-122"/>
+              <a:rPr lang="zh-CN" altLang="en-US" sz="1400" dirty="0" smtClean="0">
+                <a:solidFill>
+                  <a:schemeClr val="tx1">
+                    <a:lumMod val="65000"/>
+                    <a:lumOff val="35000"/>
+                  </a:schemeClr>
+                </a:solidFill>
+                <a:latin typeface="+mn-ea"/>
               </a:rPr>
-              <a:t>编码规范之于</a:t>
-            </a:r>
-            <a:r>
-              <a:rPr lang="zh-CN" altLang="en-US" dirty="0" smtClean="0">
-                <a:solidFill>
-                  <a:srgbClr val="1D2D46"/>
-                </a:solidFill>
-                <a:latin typeface="微软雅黑" panose="020B0503020204020204" pitchFamily="34" charset="-122"/>
-                <a:ea typeface="微软雅黑" panose="020B0503020204020204" pitchFamily="34" charset="-122"/>
-              </a:rPr>
-              <a:t>质量</a:t>
-            </a:r>
-            <a:endParaRPr lang="en-US" altLang="zh-CN" dirty="0" smtClean="0">
+              <a:t>变量、类名（抽象类、接口、服务类）、方法名、常量名、属性名、包名</a:t>
+            </a:r>
+            <a:endParaRPr lang="zh-CN" altLang="en-US" sz="1400" dirty="0">
               <a:solidFill>
-                <a:srgbClr val="1D2D46"/>
+                <a:schemeClr val="tx1">
+                  <a:lumMod val="65000"/>
+                  <a:lumOff val="35000"/>
+                </a:schemeClr>
               </a:solidFill>
-              <a:latin typeface="微软雅黑" panose="020B0503020204020204" pitchFamily="34" charset="-122"/>
-              <a:ea typeface="微软雅黑" panose="020B0503020204020204" pitchFamily="34" charset="-122"/>
-            </a:endParaRPr>
-          </a:p>
-          <a:p>
-            <a:pPr>
-              <a:lnSpc>
-                <a:spcPct val="150000"/>
-              </a:lnSpc>
-            </a:pPr>
-            <a:r>
-              <a:rPr lang="zh-CN" altLang="en-US" sz="1200" dirty="0">
-                <a:solidFill>
-                  <a:srgbClr val="1D2D46"/>
-                </a:solidFill>
-                <a:latin typeface="微软雅黑" panose="020B0503020204020204" pitchFamily="34" charset="-122"/>
-                <a:ea typeface="微软雅黑" panose="020B0503020204020204" pitchFamily="34" charset="-122"/>
-              </a:rPr>
-              <a:t>规范的代码不仅意味着风格统一、可读性高，在细节上还要求我们规范输入、输出，以及可能的异常处理等。</a:t>
-            </a:r>
-            <a:endParaRPr lang="en-US" altLang="zh-CN" sz="1200" dirty="0">
-              <a:solidFill>
-                <a:srgbClr val="1D2D46"/>
-              </a:solidFill>
-              <a:latin typeface="微软雅黑" panose="020B0503020204020204" pitchFamily="34" charset="-122"/>
-              <a:ea typeface="微软雅黑" panose="020B0503020204020204" pitchFamily="34" charset="-122"/>
+              <a:latin typeface="+mn-ea"/>
             </a:endParaRPr>
           </a:p>
         </p:txBody>
       </p:sp>
       <p:sp>
         <p:nvSpPr>
-          <p:cNvPr id="25" name="原创设计师QQ：598969553              _4"/>
+          <p:cNvPr id="48" name="矩形 47"/>
           <p:cNvSpPr/>
           <p:nvPr/>
         </p:nvSpPr>
         <p:spPr>
           <a:xfrm>
-            <a:off x="897202" y="4274168"/>
-            <a:ext cx="693463" cy="670045"/>
+            <a:off x="2670976" y="1635038"/>
+            <a:ext cx="6213766" cy="328936"/>
           </a:xfrm>
           <a:prstGeom prst="rect">
             <a:avLst/>
           </a:prstGeom>
+          <a:ln>
+            <a:noFill/>
+          </a:ln>
+        </p:spPr>
+        <p:txBody>
+          <a:bodyPr wrap="square">
+            <a:spAutoFit/>
+            <a:scene3d>
+              <a:camera prst="orthographicFront"/>
+              <a:lightRig rig="threePt" dir="t"/>
+            </a:scene3d>
+            <a:sp3d contourW="12700"/>
+          </a:bodyPr>
+          <a:lstStyle>
+            <a:defPPr>
+              <a:defRPr lang="zh-CN"/>
+            </a:defPPr>
+            <a:lvl1pPr marL="0" algn="l" defTabSz="914400" rtl="0" eaLnBrk="1" latinLnBrk="0" hangingPunct="1">
+              <a:defRPr sz="1800" kern="1200">
+                <a:solidFill>
+                  <a:schemeClr val="tx1"/>
+                </a:solidFill>
+                <a:latin typeface="+mn-lt"/>
+                <a:ea typeface="+mn-ea"/>
+                <a:cs typeface="+mn-cs"/>
+              </a:defRPr>
+            </a:lvl1pPr>
+            <a:lvl2pPr marL="457200" algn="l" defTabSz="914400" rtl="0" eaLnBrk="1" latinLnBrk="0" hangingPunct="1">
+              <a:defRPr sz="1800" kern="1200">
+                <a:solidFill>
+                  <a:schemeClr val="tx1"/>
+                </a:solidFill>
+                <a:latin typeface="+mn-lt"/>
+                <a:ea typeface="+mn-ea"/>
+                <a:cs typeface="+mn-cs"/>
+              </a:defRPr>
+            </a:lvl2pPr>
+            <a:lvl3pPr marL="914400" algn="l" defTabSz="914400" rtl="0" eaLnBrk="1" latinLnBrk="0" hangingPunct="1">
+              <a:defRPr sz="1800" kern="1200">
+                <a:solidFill>
+                  <a:schemeClr val="tx1"/>
+                </a:solidFill>
+                <a:latin typeface="+mn-lt"/>
+                <a:ea typeface="+mn-ea"/>
+                <a:cs typeface="+mn-cs"/>
+              </a:defRPr>
+            </a:lvl3pPr>
+            <a:lvl4pPr marL="1371600" algn="l" defTabSz="914400" rtl="0" eaLnBrk="1" latinLnBrk="0" hangingPunct="1">
+              <a:defRPr sz="1800" kern="1200">
+                <a:solidFill>
+                  <a:schemeClr val="tx1"/>
+                </a:solidFill>
+                <a:latin typeface="+mn-lt"/>
+                <a:ea typeface="+mn-ea"/>
+                <a:cs typeface="+mn-cs"/>
+              </a:defRPr>
+            </a:lvl4pPr>
+            <a:lvl5pPr marL="1828800" algn="l" defTabSz="914400" rtl="0" eaLnBrk="1" latinLnBrk="0" hangingPunct="1">
+              <a:defRPr sz="1800" kern="1200">
+                <a:solidFill>
+                  <a:schemeClr val="tx1"/>
+                </a:solidFill>
+                <a:latin typeface="+mn-lt"/>
+                <a:ea typeface="+mn-ea"/>
+                <a:cs typeface="+mn-cs"/>
+              </a:defRPr>
+            </a:lvl5pPr>
+            <a:lvl6pPr marL="2286000" algn="l" defTabSz="914400" rtl="0" eaLnBrk="1" latinLnBrk="0" hangingPunct="1">
+              <a:defRPr sz="1800" kern="1200">
+                <a:solidFill>
+                  <a:schemeClr val="tx1"/>
+                </a:solidFill>
+                <a:latin typeface="+mn-lt"/>
+                <a:ea typeface="+mn-ea"/>
+                <a:cs typeface="+mn-cs"/>
+              </a:defRPr>
+            </a:lvl6pPr>
+            <a:lvl7pPr marL="2743200" algn="l" defTabSz="914400" rtl="0" eaLnBrk="1" latinLnBrk="0" hangingPunct="1">
+              <a:defRPr sz="1800" kern="1200">
+                <a:solidFill>
+                  <a:schemeClr val="tx1"/>
+                </a:solidFill>
+                <a:latin typeface="+mn-lt"/>
+                <a:ea typeface="+mn-ea"/>
+                <a:cs typeface="+mn-cs"/>
+              </a:defRPr>
+            </a:lvl7pPr>
+            <a:lvl8pPr marL="3200400" algn="l" defTabSz="914400" rtl="0" eaLnBrk="1" latinLnBrk="0" hangingPunct="1">
+              <a:defRPr sz="1800" kern="1200">
+                <a:solidFill>
+                  <a:schemeClr val="tx1"/>
+                </a:solidFill>
+                <a:latin typeface="+mn-lt"/>
+                <a:ea typeface="+mn-ea"/>
+                <a:cs typeface="+mn-cs"/>
+              </a:defRPr>
+            </a:lvl8pPr>
+            <a:lvl9pPr marL="3657600" algn="l" defTabSz="914400" rtl="0" eaLnBrk="1" latinLnBrk="0" hangingPunct="1">
+              <a:defRPr sz="1800" kern="1200">
+                <a:solidFill>
+                  <a:schemeClr val="tx1"/>
+                </a:solidFill>
+                <a:latin typeface="+mn-lt"/>
+                <a:ea typeface="+mn-ea"/>
+                <a:cs typeface="+mn-cs"/>
+              </a:defRPr>
+            </a:lvl9pPr>
+          </a:lstStyle>
+          <a:p>
+            <a:pPr algn="just">
+              <a:lnSpc>
+                <a:spcPct val="120000"/>
+              </a:lnSpc>
+            </a:pPr>
+            <a:r>
+              <a:rPr lang="zh-CN" altLang="en-US" sz="1400" dirty="0" smtClean="0">
+                <a:solidFill>
+                  <a:schemeClr val="tx1">
+                    <a:lumMod val="65000"/>
+                    <a:lumOff val="35000"/>
+                  </a:schemeClr>
+                </a:solidFill>
+                <a:latin typeface="+mn-ea"/>
+              </a:rPr>
+              <a:t>魔法值、枚举、常量类定义</a:t>
+            </a:r>
+            <a:endParaRPr lang="zh-CN" altLang="en-US" sz="1400" dirty="0">
+              <a:solidFill>
+                <a:schemeClr val="tx1">
+                  <a:lumMod val="65000"/>
+                  <a:lumOff val="35000"/>
+                </a:schemeClr>
+              </a:solidFill>
+              <a:latin typeface="+mn-ea"/>
+            </a:endParaRPr>
+          </a:p>
+        </p:txBody>
+      </p:sp>
+      <p:sp>
+        <p:nvSpPr>
+          <p:cNvPr id="49" name="矩形 48"/>
+          <p:cNvSpPr/>
+          <p:nvPr/>
+        </p:nvSpPr>
+        <p:spPr>
+          <a:xfrm>
+            <a:off x="2670976" y="2320544"/>
+            <a:ext cx="6213766" cy="328936"/>
+          </a:xfrm>
+          <a:prstGeom prst="rect">
+            <a:avLst/>
+          </a:prstGeom>
+          <a:ln>
+            <a:noFill/>
+          </a:ln>
+        </p:spPr>
+        <p:txBody>
+          <a:bodyPr wrap="square">
+            <a:spAutoFit/>
+            <a:scene3d>
+              <a:camera prst="orthographicFront"/>
+              <a:lightRig rig="threePt" dir="t"/>
+            </a:scene3d>
+            <a:sp3d contourW="12700"/>
+          </a:bodyPr>
+          <a:lstStyle>
+            <a:defPPr>
+              <a:defRPr lang="zh-CN"/>
+            </a:defPPr>
+            <a:lvl1pPr marL="0" algn="l" defTabSz="914400" rtl="0" eaLnBrk="1" latinLnBrk="0" hangingPunct="1">
+              <a:defRPr sz="1800" kern="1200">
+                <a:solidFill>
+                  <a:schemeClr val="tx1"/>
+                </a:solidFill>
+                <a:latin typeface="+mn-lt"/>
+                <a:ea typeface="+mn-ea"/>
+                <a:cs typeface="+mn-cs"/>
+              </a:defRPr>
+            </a:lvl1pPr>
+            <a:lvl2pPr marL="457200" algn="l" defTabSz="914400" rtl="0" eaLnBrk="1" latinLnBrk="0" hangingPunct="1">
+              <a:defRPr sz="1800" kern="1200">
+                <a:solidFill>
+                  <a:schemeClr val="tx1"/>
+                </a:solidFill>
+                <a:latin typeface="+mn-lt"/>
+                <a:ea typeface="+mn-ea"/>
+                <a:cs typeface="+mn-cs"/>
+              </a:defRPr>
+            </a:lvl2pPr>
+            <a:lvl3pPr marL="914400" algn="l" defTabSz="914400" rtl="0" eaLnBrk="1" latinLnBrk="0" hangingPunct="1">
+              <a:defRPr sz="1800" kern="1200">
+                <a:solidFill>
+                  <a:schemeClr val="tx1"/>
+                </a:solidFill>
+                <a:latin typeface="+mn-lt"/>
+                <a:ea typeface="+mn-ea"/>
+                <a:cs typeface="+mn-cs"/>
+              </a:defRPr>
+            </a:lvl3pPr>
+            <a:lvl4pPr marL="1371600" algn="l" defTabSz="914400" rtl="0" eaLnBrk="1" latinLnBrk="0" hangingPunct="1">
+              <a:defRPr sz="1800" kern="1200">
+                <a:solidFill>
+                  <a:schemeClr val="tx1"/>
+                </a:solidFill>
+                <a:latin typeface="+mn-lt"/>
+                <a:ea typeface="+mn-ea"/>
+                <a:cs typeface="+mn-cs"/>
+              </a:defRPr>
+            </a:lvl4pPr>
+            <a:lvl5pPr marL="1828800" algn="l" defTabSz="914400" rtl="0" eaLnBrk="1" latinLnBrk="0" hangingPunct="1">
+              <a:defRPr sz="1800" kern="1200">
+                <a:solidFill>
+                  <a:schemeClr val="tx1"/>
+                </a:solidFill>
+                <a:latin typeface="+mn-lt"/>
+                <a:ea typeface="+mn-ea"/>
+                <a:cs typeface="+mn-cs"/>
+              </a:defRPr>
+            </a:lvl5pPr>
+            <a:lvl6pPr marL="2286000" algn="l" defTabSz="914400" rtl="0" eaLnBrk="1" latinLnBrk="0" hangingPunct="1">
+              <a:defRPr sz="1800" kern="1200">
+                <a:solidFill>
+                  <a:schemeClr val="tx1"/>
+                </a:solidFill>
+                <a:latin typeface="+mn-lt"/>
+                <a:ea typeface="+mn-ea"/>
+                <a:cs typeface="+mn-cs"/>
+              </a:defRPr>
+            </a:lvl6pPr>
+            <a:lvl7pPr marL="2743200" algn="l" defTabSz="914400" rtl="0" eaLnBrk="1" latinLnBrk="0" hangingPunct="1">
+              <a:defRPr sz="1800" kern="1200">
+                <a:solidFill>
+                  <a:schemeClr val="tx1"/>
+                </a:solidFill>
+                <a:latin typeface="+mn-lt"/>
+                <a:ea typeface="+mn-ea"/>
+                <a:cs typeface="+mn-cs"/>
+              </a:defRPr>
+            </a:lvl7pPr>
+            <a:lvl8pPr marL="3200400" algn="l" defTabSz="914400" rtl="0" eaLnBrk="1" latinLnBrk="0" hangingPunct="1">
+              <a:defRPr sz="1800" kern="1200">
+                <a:solidFill>
+                  <a:schemeClr val="tx1"/>
+                </a:solidFill>
+                <a:latin typeface="+mn-lt"/>
+                <a:ea typeface="+mn-ea"/>
+                <a:cs typeface="+mn-cs"/>
+              </a:defRPr>
+            </a:lvl8pPr>
+            <a:lvl9pPr marL="3657600" algn="l" defTabSz="914400" rtl="0" eaLnBrk="1" latinLnBrk="0" hangingPunct="1">
+              <a:defRPr sz="1800" kern="1200">
+                <a:solidFill>
+                  <a:schemeClr val="tx1"/>
+                </a:solidFill>
+                <a:latin typeface="+mn-lt"/>
+                <a:ea typeface="+mn-ea"/>
+                <a:cs typeface="+mn-cs"/>
+              </a:defRPr>
+            </a:lvl9pPr>
+          </a:lstStyle>
+          <a:p>
+            <a:pPr algn="just">
+              <a:lnSpc>
+                <a:spcPct val="120000"/>
+              </a:lnSpc>
+            </a:pPr>
+            <a:r>
+              <a:rPr lang="zh-CN" altLang="en-US" sz="1400" dirty="0" smtClean="0">
+                <a:solidFill>
+                  <a:schemeClr val="tx1">
+                    <a:lumMod val="65000"/>
+                    <a:lumOff val="35000"/>
+                  </a:schemeClr>
+                </a:solidFill>
+                <a:latin typeface="+mn-ea"/>
+              </a:rPr>
+              <a:t>一些空格和大括号</a:t>
+            </a:r>
+            <a:r>
+              <a:rPr lang="en-US" altLang="zh-CN" sz="1400" dirty="0" smtClean="0">
+                <a:solidFill>
+                  <a:schemeClr val="tx1">
+                    <a:lumMod val="65000"/>
+                    <a:lumOff val="35000"/>
+                  </a:schemeClr>
+                </a:solidFill>
+                <a:latin typeface="+mn-ea"/>
+              </a:rPr>
+              <a:t>/</a:t>
+            </a:r>
+            <a:r>
+              <a:rPr lang="zh-CN" altLang="en-US" sz="1400" dirty="0" smtClean="0">
+                <a:solidFill>
+                  <a:schemeClr val="tx1">
+                    <a:lumMod val="65000"/>
+                    <a:lumOff val="35000"/>
+                  </a:schemeClr>
+                </a:solidFill>
+                <a:latin typeface="+mn-ea"/>
+              </a:rPr>
+              <a:t>小括号的使用问题</a:t>
+            </a:r>
+            <a:endParaRPr lang="zh-CN" altLang="en-US" sz="1400" dirty="0">
+              <a:solidFill>
+                <a:schemeClr val="tx1">
+                  <a:lumMod val="65000"/>
+                  <a:lumOff val="35000"/>
+                </a:schemeClr>
+              </a:solidFill>
+              <a:latin typeface="+mn-ea"/>
+            </a:endParaRPr>
+          </a:p>
+        </p:txBody>
+      </p:sp>
+      <p:sp>
+        <p:nvSpPr>
+          <p:cNvPr id="50" name="矩形 49"/>
+          <p:cNvSpPr/>
+          <p:nvPr/>
+        </p:nvSpPr>
+        <p:spPr>
+          <a:xfrm>
+            <a:off x="2670976" y="3087426"/>
+            <a:ext cx="6213766" cy="350865"/>
+          </a:xfrm>
+          <a:prstGeom prst="rect">
+            <a:avLst/>
+          </a:prstGeom>
+          <a:ln>
+            <a:noFill/>
+          </a:ln>
+        </p:spPr>
+        <p:txBody>
+          <a:bodyPr wrap="square">
+            <a:spAutoFit/>
+            <a:scene3d>
+              <a:camera prst="orthographicFront"/>
+              <a:lightRig rig="threePt" dir="t"/>
+            </a:scene3d>
+            <a:sp3d contourW="12700"/>
+          </a:bodyPr>
+          <a:lstStyle>
+            <a:defPPr>
+              <a:defRPr lang="zh-CN"/>
+            </a:defPPr>
+            <a:lvl1pPr marL="0" algn="l" defTabSz="914400" rtl="0" eaLnBrk="1" latinLnBrk="0" hangingPunct="1">
+              <a:defRPr sz="1800" kern="1200">
+                <a:solidFill>
+                  <a:schemeClr val="tx1"/>
+                </a:solidFill>
+                <a:latin typeface="+mn-lt"/>
+                <a:ea typeface="+mn-ea"/>
+                <a:cs typeface="+mn-cs"/>
+              </a:defRPr>
+            </a:lvl1pPr>
+            <a:lvl2pPr marL="457200" algn="l" defTabSz="914400" rtl="0" eaLnBrk="1" latinLnBrk="0" hangingPunct="1">
+              <a:defRPr sz="1800" kern="1200">
+                <a:solidFill>
+                  <a:schemeClr val="tx1"/>
+                </a:solidFill>
+                <a:latin typeface="+mn-lt"/>
+                <a:ea typeface="+mn-ea"/>
+                <a:cs typeface="+mn-cs"/>
+              </a:defRPr>
+            </a:lvl2pPr>
+            <a:lvl3pPr marL="914400" algn="l" defTabSz="914400" rtl="0" eaLnBrk="1" latinLnBrk="0" hangingPunct="1">
+              <a:defRPr sz="1800" kern="1200">
+                <a:solidFill>
+                  <a:schemeClr val="tx1"/>
+                </a:solidFill>
+                <a:latin typeface="+mn-lt"/>
+                <a:ea typeface="+mn-ea"/>
+                <a:cs typeface="+mn-cs"/>
+              </a:defRPr>
+            </a:lvl3pPr>
+            <a:lvl4pPr marL="1371600" algn="l" defTabSz="914400" rtl="0" eaLnBrk="1" latinLnBrk="0" hangingPunct="1">
+              <a:defRPr sz="1800" kern="1200">
+                <a:solidFill>
+                  <a:schemeClr val="tx1"/>
+                </a:solidFill>
+                <a:latin typeface="+mn-lt"/>
+                <a:ea typeface="+mn-ea"/>
+                <a:cs typeface="+mn-cs"/>
+              </a:defRPr>
+            </a:lvl4pPr>
+            <a:lvl5pPr marL="1828800" algn="l" defTabSz="914400" rtl="0" eaLnBrk="1" latinLnBrk="0" hangingPunct="1">
+              <a:defRPr sz="1800" kern="1200">
+                <a:solidFill>
+                  <a:schemeClr val="tx1"/>
+                </a:solidFill>
+                <a:latin typeface="+mn-lt"/>
+                <a:ea typeface="+mn-ea"/>
+                <a:cs typeface="+mn-cs"/>
+              </a:defRPr>
+            </a:lvl5pPr>
+            <a:lvl6pPr marL="2286000" algn="l" defTabSz="914400" rtl="0" eaLnBrk="1" latinLnBrk="0" hangingPunct="1">
+              <a:defRPr sz="1800" kern="1200">
+                <a:solidFill>
+                  <a:schemeClr val="tx1"/>
+                </a:solidFill>
+                <a:latin typeface="+mn-lt"/>
+                <a:ea typeface="+mn-ea"/>
+                <a:cs typeface="+mn-cs"/>
+              </a:defRPr>
+            </a:lvl6pPr>
+            <a:lvl7pPr marL="2743200" algn="l" defTabSz="914400" rtl="0" eaLnBrk="1" latinLnBrk="0" hangingPunct="1">
+              <a:defRPr sz="1800" kern="1200">
+                <a:solidFill>
+                  <a:schemeClr val="tx1"/>
+                </a:solidFill>
+                <a:latin typeface="+mn-lt"/>
+                <a:ea typeface="+mn-ea"/>
+                <a:cs typeface="+mn-cs"/>
+              </a:defRPr>
+            </a:lvl7pPr>
+            <a:lvl8pPr marL="3200400" algn="l" defTabSz="914400" rtl="0" eaLnBrk="1" latinLnBrk="0" hangingPunct="1">
+              <a:defRPr sz="1800" kern="1200">
+                <a:solidFill>
+                  <a:schemeClr val="tx1"/>
+                </a:solidFill>
+                <a:latin typeface="+mn-lt"/>
+                <a:ea typeface="+mn-ea"/>
+                <a:cs typeface="+mn-cs"/>
+              </a:defRPr>
+            </a:lvl8pPr>
+            <a:lvl9pPr marL="3657600" algn="l" defTabSz="914400" rtl="0" eaLnBrk="1" latinLnBrk="0" hangingPunct="1">
+              <a:defRPr sz="1800" kern="1200">
+                <a:solidFill>
+                  <a:schemeClr val="tx1"/>
+                </a:solidFill>
+                <a:latin typeface="+mn-lt"/>
+                <a:ea typeface="+mn-ea"/>
+                <a:cs typeface="+mn-cs"/>
+              </a:defRPr>
+            </a:lvl9pPr>
+          </a:lstStyle>
+          <a:p>
+            <a:pPr algn="just">
+              <a:lnSpc>
+                <a:spcPct val="120000"/>
+              </a:lnSpc>
+            </a:pPr>
+            <a:r>
+              <a:rPr lang="zh-CN" altLang="en-US" sz="1400" dirty="0" smtClean="0">
+                <a:solidFill>
+                  <a:schemeClr val="tx1">
+                    <a:lumMod val="65000"/>
+                    <a:lumOff val="35000"/>
+                  </a:schemeClr>
+                </a:solidFill>
+                <a:latin typeface="+mn-ea"/>
+              </a:rPr>
+              <a:t>面向对象编程的规约：约束一些对象之前的使用规范。</a:t>
+            </a:r>
+            <a:endParaRPr lang="zh-CN" altLang="en-US" sz="1400" dirty="0">
+              <a:solidFill>
+                <a:schemeClr val="tx1">
+                  <a:lumMod val="65000"/>
+                  <a:lumOff val="35000"/>
+                </a:schemeClr>
+              </a:solidFill>
+              <a:latin typeface="+mn-ea"/>
+            </a:endParaRPr>
+          </a:p>
+        </p:txBody>
+      </p:sp>
+      <p:sp>
+        <p:nvSpPr>
+          <p:cNvPr id="51" name="任意多边形 15"/>
+          <p:cNvSpPr/>
+          <p:nvPr/>
+        </p:nvSpPr>
+        <p:spPr bwMode="auto">
+          <a:xfrm>
+            <a:off x="782329" y="3793451"/>
+            <a:ext cx="1601788" cy="432610"/>
+          </a:xfrm>
+          <a:custGeom>
+            <a:avLst/>
+            <a:gdLst>
+              <a:gd name="connsiteX0" fmla="*/ 0 w 1602178"/>
+              <a:gd name="connsiteY0" fmla="*/ 0 h 640871"/>
+              <a:gd name="connsiteX1" fmla="*/ 1281743 w 1602178"/>
+              <a:gd name="connsiteY1" fmla="*/ 0 h 640871"/>
+              <a:gd name="connsiteX2" fmla="*/ 1602178 w 1602178"/>
+              <a:gd name="connsiteY2" fmla="*/ 320436 h 640871"/>
+              <a:gd name="connsiteX3" fmla="*/ 1281743 w 1602178"/>
+              <a:gd name="connsiteY3" fmla="*/ 640871 h 640871"/>
+              <a:gd name="connsiteX4" fmla="*/ 0 w 1602178"/>
+              <a:gd name="connsiteY4" fmla="*/ 640871 h 640871"/>
+              <a:gd name="connsiteX5" fmla="*/ 320436 w 1602178"/>
+              <a:gd name="connsiteY5" fmla="*/ 320436 h 640871"/>
+              <a:gd name="connsiteX6" fmla="*/ 0 w 1602178"/>
+              <a:gd name="connsiteY6" fmla="*/ 0 h 640871"/>
+            </a:gdLst>
+            <a:ahLst/>
+            <a:cxnLst>
+              <a:cxn ang="0">
+                <a:pos x="connsiteX0" y="connsiteY0"/>
+              </a:cxn>
+              <a:cxn ang="0">
+                <a:pos x="connsiteX1" y="connsiteY1"/>
+              </a:cxn>
+              <a:cxn ang="0">
+                <a:pos x="connsiteX2" y="connsiteY2"/>
+              </a:cxn>
+              <a:cxn ang="0">
+                <a:pos x="connsiteX3" y="connsiteY3"/>
+              </a:cxn>
+              <a:cxn ang="0">
+                <a:pos x="connsiteX4" y="connsiteY4"/>
+              </a:cxn>
+              <a:cxn ang="0">
+                <a:pos x="connsiteX5" y="connsiteY5"/>
+              </a:cxn>
+              <a:cxn ang="0">
+                <a:pos x="connsiteX6" y="connsiteY6"/>
+              </a:cxn>
+            </a:cxnLst>
+            <a:rect l="l" t="t" r="r" b="b"/>
+            <a:pathLst>
+              <a:path w="1602178" h="640871">
+                <a:moveTo>
+                  <a:pt x="0" y="0"/>
+                </a:moveTo>
+                <a:lnTo>
+                  <a:pt x="1281743" y="0"/>
+                </a:lnTo>
+                <a:lnTo>
+                  <a:pt x="1602178" y="320436"/>
+                </a:lnTo>
+                <a:lnTo>
+                  <a:pt x="1281743" y="640871"/>
+                </a:lnTo>
+                <a:lnTo>
+                  <a:pt x="0" y="640871"/>
+                </a:lnTo>
+                <a:lnTo>
+                  <a:pt x="320436" y="320436"/>
+                </a:lnTo>
+                <a:lnTo>
+                  <a:pt x="0" y="0"/>
+                </a:lnTo>
+                <a:close/>
+              </a:path>
+            </a:pathLst>
+          </a:custGeom>
           <a:solidFill>
-            <a:srgbClr val="1C2C44"/>
+            <a:schemeClr val="accent3"/>
           </a:solidFill>
           <a:ln>
             <a:noFill/>
@@ -9256,185 +11953,909 @@
         </p:spPr>
         <p:style>
           <a:lnRef idx="2">
-            <a:schemeClr val="accent1">
-              <a:shade val="50000"/>
-            </a:schemeClr>
+            <a:scrgbClr r="0" g="0" b="0"/>
           </a:lnRef>
           <a:fillRef idx="1">
-            <a:schemeClr val="accent1"/>
+            <a:scrgbClr r="0" g="0" b="0"/>
           </a:fillRef>
           <a:effectRef idx="0">
-            <a:schemeClr val="accent1"/>
+            <a:schemeClr val="accent4">
+              <a:hueOff val="0"/>
+              <a:satOff val="0"/>
+              <a:lumOff val="0"/>
+              <a:alphaOff val="0"/>
+            </a:schemeClr>
           </a:effectRef>
           <a:fontRef idx="minor">
             <a:schemeClr val="lt1"/>
           </a:fontRef>
         </p:style>
         <p:txBody>
-          <a:bodyPr rtlCol="0" anchor="ctr"/>
+          <a:bodyPr lIns="330596" tIns="5080" rIns="320435" bIns="5080" spcCol="1270" anchor="ctr"/>
           <a:lstStyle/>
           <a:p>
-            <a:pPr algn="ctr"/>
-            <a:endParaRPr lang="zh-CN" altLang="en-US"/>
+            <a:pPr algn="ctr" defTabSz="355600">
+              <a:lnSpc>
+                <a:spcPct val="90000"/>
+              </a:lnSpc>
+              <a:spcAft>
+                <a:spcPct val="35000"/>
+              </a:spcAft>
+              <a:defRPr/>
+            </a:pPr>
+            <a:r>
+              <a:rPr lang="zh-CN" altLang="en-US" dirty="0">
+                <a:solidFill>
+                  <a:schemeClr val="bg1"/>
+                </a:solidFill>
+              </a:rPr>
+              <a:t>集合处理</a:t>
+            </a:r>
+            <a:endParaRPr lang="en-US" altLang="zh-CN" sz="2400" dirty="0">
+              <a:solidFill>
+                <a:schemeClr val="bg1"/>
+              </a:solidFill>
+            </a:endParaRPr>
           </a:p>
         </p:txBody>
       </p:sp>
       <p:sp>
         <p:nvSpPr>
-          <p:cNvPr id="26" name="原创设计师QQ：598969553              _8"/>
+          <p:cNvPr id="52" name="任意多边形 16"/>
+          <p:cNvSpPr/>
+          <p:nvPr/>
+        </p:nvSpPr>
+        <p:spPr bwMode="auto">
+          <a:xfrm>
+            <a:off x="782329" y="4518259"/>
+            <a:ext cx="1601788" cy="394762"/>
+          </a:xfrm>
+          <a:custGeom>
+            <a:avLst/>
+            <a:gdLst>
+              <a:gd name="connsiteX0" fmla="*/ 0 w 1602178"/>
+              <a:gd name="connsiteY0" fmla="*/ 0 h 640871"/>
+              <a:gd name="connsiteX1" fmla="*/ 1281743 w 1602178"/>
+              <a:gd name="connsiteY1" fmla="*/ 0 h 640871"/>
+              <a:gd name="connsiteX2" fmla="*/ 1602178 w 1602178"/>
+              <a:gd name="connsiteY2" fmla="*/ 320436 h 640871"/>
+              <a:gd name="connsiteX3" fmla="*/ 1281743 w 1602178"/>
+              <a:gd name="connsiteY3" fmla="*/ 640871 h 640871"/>
+              <a:gd name="connsiteX4" fmla="*/ 0 w 1602178"/>
+              <a:gd name="connsiteY4" fmla="*/ 640871 h 640871"/>
+              <a:gd name="connsiteX5" fmla="*/ 320436 w 1602178"/>
+              <a:gd name="connsiteY5" fmla="*/ 320436 h 640871"/>
+              <a:gd name="connsiteX6" fmla="*/ 0 w 1602178"/>
+              <a:gd name="connsiteY6" fmla="*/ 0 h 640871"/>
+            </a:gdLst>
+            <a:ahLst/>
+            <a:cxnLst>
+              <a:cxn ang="0">
+                <a:pos x="connsiteX0" y="connsiteY0"/>
+              </a:cxn>
+              <a:cxn ang="0">
+                <a:pos x="connsiteX1" y="connsiteY1"/>
+              </a:cxn>
+              <a:cxn ang="0">
+                <a:pos x="connsiteX2" y="connsiteY2"/>
+              </a:cxn>
+              <a:cxn ang="0">
+                <a:pos x="connsiteX3" y="connsiteY3"/>
+              </a:cxn>
+              <a:cxn ang="0">
+                <a:pos x="connsiteX4" y="connsiteY4"/>
+              </a:cxn>
+              <a:cxn ang="0">
+                <a:pos x="connsiteX5" y="connsiteY5"/>
+              </a:cxn>
+              <a:cxn ang="0">
+                <a:pos x="connsiteX6" y="connsiteY6"/>
+              </a:cxn>
+            </a:cxnLst>
+            <a:rect l="l" t="t" r="r" b="b"/>
+            <a:pathLst>
+              <a:path w="1602178" h="640871">
+                <a:moveTo>
+                  <a:pt x="0" y="0"/>
+                </a:moveTo>
+                <a:lnTo>
+                  <a:pt x="1281743" y="0"/>
+                </a:lnTo>
+                <a:lnTo>
+                  <a:pt x="1602178" y="320436"/>
+                </a:lnTo>
+                <a:lnTo>
+                  <a:pt x="1281743" y="640871"/>
+                </a:lnTo>
+                <a:lnTo>
+                  <a:pt x="0" y="640871"/>
+                </a:lnTo>
+                <a:lnTo>
+                  <a:pt x="320436" y="320436"/>
+                </a:lnTo>
+                <a:lnTo>
+                  <a:pt x="0" y="0"/>
+                </a:lnTo>
+                <a:close/>
+              </a:path>
+            </a:pathLst>
+          </a:custGeom>
+          <a:solidFill>
+            <a:schemeClr val="accent4"/>
+          </a:solidFill>
+          <a:ln>
+            <a:noFill/>
+          </a:ln>
+        </p:spPr>
+        <p:style>
+          <a:lnRef idx="2">
+            <a:scrgbClr r="0" g="0" b="0"/>
+          </a:lnRef>
+          <a:fillRef idx="1">
+            <a:scrgbClr r="0" g="0" b="0"/>
+          </a:fillRef>
+          <a:effectRef idx="0">
+            <a:schemeClr val="accent5">
+              <a:hueOff val="0"/>
+              <a:satOff val="0"/>
+              <a:lumOff val="0"/>
+              <a:alphaOff val="0"/>
+            </a:schemeClr>
+          </a:effectRef>
+          <a:fontRef idx="minor">
+            <a:schemeClr val="lt1"/>
+          </a:fontRef>
+        </p:style>
+        <p:txBody>
+          <a:bodyPr lIns="330596" tIns="5080" rIns="320435" bIns="5080" spcCol="1270" anchor="ctr"/>
+          <a:lstStyle/>
+          <a:p>
+            <a:pPr algn="ctr" defTabSz="355600">
+              <a:lnSpc>
+                <a:spcPct val="90000"/>
+              </a:lnSpc>
+              <a:spcAft>
+                <a:spcPct val="35000"/>
+              </a:spcAft>
+              <a:defRPr/>
+            </a:pPr>
+            <a:r>
+              <a:rPr lang="zh-CN" altLang="en-US" sz="1600" b="1" dirty="0" smtClean="0">
+                <a:solidFill>
+                  <a:schemeClr val="bg1"/>
+                </a:solidFill>
+              </a:rPr>
+              <a:t>并发处理</a:t>
+            </a:r>
+            <a:endParaRPr lang="en-US" sz="2400" b="1" dirty="0">
+              <a:solidFill>
+                <a:schemeClr val="bg1"/>
+              </a:solidFill>
+            </a:endParaRPr>
+          </a:p>
+        </p:txBody>
+      </p:sp>
+      <p:sp>
+        <p:nvSpPr>
+          <p:cNvPr id="53" name="矩形 52"/>
           <p:cNvSpPr/>
           <p:nvPr/>
         </p:nvSpPr>
         <p:spPr>
           <a:xfrm>
-            <a:off x="906728" y="4301830"/>
-            <a:ext cx="687913" cy="646331"/>
+            <a:off x="2670976" y="3833035"/>
+            <a:ext cx="6213766" cy="328936"/>
           </a:xfrm>
           <a:prstGeom prst="rect">
             <a:avLst/>
           </a:prstGeom>
-          <a:noFill/>
+          <a:ln>
+            <a:noFill/>
+          </a:ln>
         </p:spPr>
         <p:txBody>
           <a:bodyPr wrap="square">
             <a:spAutoFit/>
+            <a:scene3d>
+              <a:camera prst="orthographicFront"/>
+              <a:lightRig rig="threePt" dir="t"/>
+            </a:scene3d>
+            <a:sp3d contourW="12700"/>
           </a:bodyPr>
-          <a:lstStyle/>
-          <a:p>
-            <a:r>
-              <a:rPr lang="en-US" altLang="zh-CN" sz="3600" dirty="0">
-                <a:solidFill>
-                  <a:schemeClr val="bg1"/>
-                </a:solidFill>
-                <a:latin typeface="华文细黑" panose="02010600040101010101" pitchFamily="2" charset="-122"/>
-                <a:ea typeface="华文细黑" panose="02010600040101010101" pitchFamily="2" charset="-122"/>
-                <a:cs typeface="Arial" panose="020B0604020202020204" pitchFamily="34" charset="0"/>
+          <a:lstStyle>
+            <a:defPPr>
+              <a:defRPr lang="zh-CN"/>
+            </a:defPPr>
+            <a:lvl1pPr marL="0" algn="l" defTabSz="914400" rtl="0" eaLnBrk="1" latinLnBrk="0" hangingPunct="1">
+              <a:defRPr sz="1800" kern="1200">
+                <a:solidFill>
+                  <a:schemeClr val="tx1"/>
+                </a:solidFill>
+                <a:latin typeface="+mn-lt"/>
+                <a:ea typeface="+mn-ea"/>
+                <a:cs typeface="+mn-cs"/>
+              </a:defRPr>
+            </a:lvl1pPr>
+            <a:lvl2pPr marL="457200" algn="l" defTabSz="914400" rtl="0" eaLnBrk="1" latinLnBrk="0" hangingPunct="1">
+              <a:defRPr sz="1800" kern="1200">
+                <a:solidFill>
+                  <a:schemeClr val="tx1"/>
+                </a:solidFill>
+                <a:latin typeface="+mn-lt"/>
+                <a:ea typeface="+mn-ea"/>
+                <a:cs typeface="+mn-cs"/>
+              </a:defRPr>
+            </a:lvl2pPr>
+            <a:lvl3pPr marL="914400" algn="l" defTabSz="914400" rtl="0" eaLnBrk="1" latinLnBrk="0" hangingPunct="1">
+              <a:defRPr sz="1800" kern="1200">
+                <a:solidFill>
+                  <a:schemeClr val="tx1"/>
+                </a:solidFill>
+                <a:latin typeface="+mn-lt"/>
+                <a:ea typeface="+mn-ea"/>
+                <a:cs typeface="+mn-cs"/>
+              </a:defRPr>
+            </a:lvl3pPr>
+            <a:lvl4pPr marL="1371600" algn="l" defTabSz="914400" rtl="0" eaLnBrk="1" latinLnBrk="0" hangingPunct="1">
+              <a:defRPr sz="1800" kern="1200">
+                <a:solidFill>
+                  <a:schemeClr val="tx1"/>
+                </a:solidFill>
+                <a:latin typeface="+mn-lt"/>
+                <a:ea typeface="+mn-ea"/>
+                <a:cs typeface="+mn-cs"/>
+              </a:defRPr>
+            </a:lvl4pPr>
+            <a:lvl5pPr marL="1828800" algn="l" defTabSz="914400" rtl="0" eaLnBrk="1" latinLnBrk="0" hangingPunct="1">
+              <a:defRPr sz="1800" kern="1200">
+                <a:solidFill>
+                  <a:schemeClr val="tx1"/>
+                </a:solidFill>
+                <a:latin typeface="+mn-lt"/>
+                <a:ea typeface="+mn-ea"/>
+                <a:cs typeface="+mn-cs"/>
+              </a:defRPr>
+            </a:lvl5pPr>
+            <a:lvl6pPr marL="2286000" algn="l" defTabSz="914400" rtl="0" eaLnBrk="1" latinLnBrk="0" hangingPunct="1">
+              <a:defRPr sz="1800" kern="1200">
+                <a:solidFill>
+                  <a:schemeClr val="tx1"/>
+                </a:solidFill>
+                <a:latin typeface="+mn-lt"/>
+                <a:ea typeface="+mn-ea"/>
+                <a:cs typeface="+mn-cs"/>
+              </a:defRPr>
+            </a:lvl6pPr>
+            <a:lvl7pPr marL="2743200" algn="l" defTabSz="914400" rtl="0" eaLnBrk="1" latinLnBrk="0" hangingPunct="1">
+              <a:defRPr sz="1800" kern="1200">
+                <a:solidFill>
+                  <a:schemeClr val="tx1"/>
+                </a:solidFill>
+                <a:latin typeface="+mn-lt"/>
+                <a:ea typeface="+mn-ea"/>
+                <a:cs typeface="+mn-cs"/>
+              </a:defRPr>
+            </a:lvl7pPr>
+            <a:lvl8pPr marL="3200400" algn="l" defTabSz="914400" rtl="0" eaLnBrk="1" latinLnBrk="0" hangingPunct="1">
+              <a:defRPr sz="1800" kern="1200">
+                <a:solidFill>
+                  <a:schemeClr val="tx1"/>
+                </a:solidFill>
+                <a:latin typeface="+mn-lt"/>
+                <a:ea typeface="+mn-ea"/>
+                <a:cs typeface="+mn-cs"/>
+              </a:defRPr>
+            </a:lvl8pPr>
+            <a:lvl9pPr marL="3657600" algn="l" defTabSz="914400" rtl="0" eaLnBrk="1" latinLnBrk="0" hangingPunct="1">
+              <a:defRPr sz="1800" kern="1200">
+                <a:solidFill>
+                  <a:schemeClr val="tx1"/>
+                </a:solidFill>
+                <a:latin typeface="+mn-lt"/>
+                <a:ea typeface="+mn-ea"/>
+                <a:cs typeface="+mn-cs"/>
+              </a:defRPr>
+            </a:lvl9pPr>
+          </a:lstStyle>
+          <a:p>
+            <a:pPr algn="just">
+              <a:lnSpc>
+                <a:spcPct val="120000"/>
+              </a:lnSpc>
+            </a:pPr>
+            <a:r>
+              <a:rPr lang="en-US" altLang="zh-CN" sz="1400" dirty="0" smtClean="0">
+                <a:solidFill>
+                  <a:schemeClr val="tx1">
+                    <a:lumMod val="65000"/>
+                    <a:lumOff val="35000"/>
+                  </a:schemeClr>
+                </a:solidFill>
+                <a:latin typeface="+mn-ea"/>
               </a:rPr>
-              <a:t>3</a:t>
-            </a:r>
-            <a:endParaRPr lang="zh-CN" altLang="en-US" sz="4800" dirty="0">
+              <a:t>List</a:t>
+            </a:r>
+            <a:r>
+              <a:rPr lang="zh-CN" altLang="en-US" sz="1400" dirty="0" smtClean="0">
+                <a:solidFill>
+                  <a:schemeClr val="tx1">
+                    <a:lumMod val="65000"/>
+                    <a:lumOff val="35000"/>
+                  </a:schemeClr>
+                </a:solidFill>
+                <a:latin typeface="+mn-ea"/>
+              </a:rPr>
+              <a:t>、</a:t>
+            </a:r>
+            <a:r>
+              <a:rPr lang="en-US" altLang="zh-CN" sz="1400" dirty="0" smtClean="0">
+                <a:solidFill>
+                  <a:schemeClr val="tx1">
+                    <a:lumMod val="65000"/>
+                    <a:lumOff val="35000"/>
+                  </a:schemeClr>
+                </a:solidFill>
+                <a:latin typeface="+mn-ea"/>
+              </a:rPr>
+              <a:t>Map</a:t>
+            </a:r>
+            <a:r>
+              <a:rPr lang="zh-CN" altLang="en-US" sz="1400" dirty="0" smtClean="0">
+                <a:solidFill>
+                  <a:schemeClr val="tx1">
+                    <a:lumMod val="65000"/>
+                    <a:lumOff val="35000"/>
+                  </a:schemeClr>
+                </a:solidFill>
+                <a:latin typeface="+mn-ea"/>
+              </a:rPr>
+              <a:t>增删改查</a:t>
+            </a:r>
+            <a:endParaRPr lang="zh-CN" altLang="en-US" sz="1400" dirty="0">
               <a:solidFill>
-                <a:schemeClr val="bg1"/>
+                <a:schemeClr val="tx1">
+                  <a:lumMod val="65000"/>
+                  <a:lumOff val="35000"/>
+                </a:schemeClr>
               </a:solidFill>
-              <a:latin typeface="华文细黑" panose="02010600040101010101" pitchFamily="2" charset="-122"/>
-              <a:ea typeface="华文细黑" panose="02010600040101010101" pitchFamily="2" charset="-122"/>
+              <a:latin typeface="+mn-ea"/>
             </a:endParaRPr>
           </a:p>
         </p:txBody>
       </p:sp>
       <p:sp>
         <p:nvSpPr>
-          <p:cNvPr id="27" name="矩形 26"/>
+          <p:cNvPr id="54" name="矩形 53"/>
           <p:cNvSpPr/>
           <p:nvPr/>
         </p:nvSpPr>
         <p:spPr>
           <a:xfrm>
-            <a:off x="1658865" y="4134345"/>
-            <a:ext cx="4301650" cy="1338828"/>
+            <a:off x="2670976" y="4518259"/>
+            <a:ext cx="6213766" cy="350865"/>
           </a:xfrm>
           <a:prstGeom prst="rect">
             <a:avLst/>
           </a:prstGeom>
+          <a:ln>
+            <a:noFill/>
+          </a:ln>
         </p:spPr>
         <p:txBody>
           <a:bodyPr wrap="square">
             <a:spAutoFit/>
+            <a:scene3d>
+              <a:camera prst="orthographicFront"/>
+              <a:lightRig rig="threePt" dir="t"/>
+            </a:scene3d>
+            <a:sp3d contourW="12700"/>
           </a:bodyPr>
-          <a:lstStyle/>
-          <a:p>
-            <a:pPr>
+          <a:lstStyle>
+            <a:defPPr>
+              <a:defRPr lang="zh-CN"/>
+            </a:defPPr>
+            <a:lvl1pPr marL="0" algn="l" defTabSz="914400" rtl="0" eaLnBrk="1" latinLnBrk="0" hangingPunct="1">
+              <a:defRPr sz="1800" kern="1200">
+                <a:solidFill>
+                  <a:schemeClr val="tx1"/>
+                </a:solidFill>
+                <a:latin typeface="+mn-lt"/>
+                <a:ea typeface="+mn-ea"/>
+                <a:cs typeface="+mn-cs"/>
+              </a:defRPr>
+            </a:lvl1pPr>
+            <a:lvl2pPr marL="457200" algn="l" defTabSz="914400" rtl="0" eaLnBrk="1" latinLnBrk="0" hangingPunct="1">
+              <a:defRPr sz="1800" kern="1200">
+                <a:solidFill>
+                  <a:schemeClr val="tx1"/>
+                </a:solidFill>
+                <a:latin typeface="+mn-lt"/>
+                <a:ea typeface="+mn-ea"/>
+                <a:cs typeface="+mn-cs"/>
+              </a:defRPr>
+            </a:lvl2pPr>
+            <a:lvl3pPr marL="914400" algn="l" defTabSz="914400" rtl="0" eaLnBrk="1" latinLnBrk="0" hangingPunct="1">
+              <a:defRPr sz="1800" kern="1200">
+                <a:solidFill>
+                  <a:schemeClr val="tx1"/>
+                </a:solidFill>
+                <a:latin typeface="+mn-lt"/>
+                <a:ea typeface="+mn-ea"/>
+                <a:cs typeface="+mn-cs"/>
+              </a:defRPr>
+            </a:lvl3pPr>
+            <a:lvl4pPr marL="1371600" algn="l" defTabSz="914400" rtl="0" eaLnBrk="1" latinLnBrk="0" hangingPunct="1">
+              <a:defRPr sz="1800" kern="1200">
+                <a:solidFill>
+                  <a:schemeClr val="tx1"/>
+                </a:solidFill>
+                <a:latin typeface="+mn-lt"/>
+                <a:ea typeface="+mn-ea"/>
+                <a:cs typeface="+mn-cs"/>
+              </a:defRPr>
+            </a:lvl4pPr>
+            <a:lvl5pPr marL="1828800" algn="l" defTabSz="914400" rtl="0" eaLnBrk="1" latinLnBrk="0" hangingPunct="1">
+              <a:defRPr sz="1800" kern="1200">
+                <a:solidFill>
+                  <a:schemeClr val="tx1"/>
+                </a:solidFill>
+                <a:latin typeface="+mn-lt"/>
+                <a:ea typeface="+mn-ea"/>
+                <a:cs typeface="+mn-cs"/>
+              </a:defRPr>
+            </a:lvl5pPr>
+            <a:lvl6pPr marL="2286000" algn="l" defTabSz="914400" rtl="0" eaLnBrk="1" latinLnBrk="0" hangingPunct="1">
+              <a:defRPr sz="1800" kern="1200">
+                <a:solidFill>
+                  <a:schemeClr val="tx1"/>
+                </a:solidFill>
+                <a:latin typeface="+mn-lt"/>
+                <a:ea typeface="+mn-ea"/>
+                <a:cs typeface="+mn-cs"/>
+              </a:defRPr>
+            </a:lvl6pPr>
+            <a:lvl7pPr marL="2743200" algn="l" defTabSz="914400" rtl="0" eaLnBrk="1" latinLnBrk="0" hangingPunct="1">
+              <a:defRPr sz="1800" kern="1200">
+                <a:solidFill>
+                  <a:schemeClr val="tx1"/>
+                </a:solidFill>
+                <a:latin typeface="+mn-lt"/>
+                <a:ea typeface="+mn-ea"/>
+                <a:cs typeface="+mn-cs"/>
+              </a:defRPr>
+            </a:lvl7pPr>
+            <a:lvl8pPr marL="3200400" algn="l" defTabSz="914400" rtl="0" eaLnBrk="1" latinLnBrk="0" hangingPunct="1">
+              <a:defRPr sz="1800" kern="1200">
+                <a:solidFill>
+                  <a:schemeClr val="tx1"/>
+                </a:solidFill>
+                <a:latin typeface="+mn-lt"/>
+                <a:ea typeface="+mn-ea"/>
+                <a:cs typeface="+mn-cs"/>
+              </a:defRPr>
+            </a:lvl8pPr>
+            <a:lvl9pPr marL="3657600" algn="l" defTabSz="914400" rtl="0" eaLnBrk="1" latinLnBrk="0" hangingPunct="1">
+              <a:defRPr sz="1800" kern="1200">
+                <a:solidFill>
+                  <a:schemeClr val="tx1"/>
+                </a:solidFill>
+                <a:latin typeface="+mn-lt"/>
+                <a:ea typeface="+mn-ea"/>
+                <a:cs typeface="+mn-cs"/>
+              </a:defRPr>
+            </a:lvl9pPr>
+          </a:lstStyle>
+          <a:p>
+            <a:pPr algn="just">
               <a:lnSpc>
-                <a:spcPct val="150000"/>
+                <a:spcPct val="120000"/>
               </a:lnSpc>
             </a:pPr>
             <a:r>
-              <a:rPr lang="zh-CN" altLang="en-US" dirty="0">
-                <a:solidFill>
-                  <a:srgbClr val="1D2D46"/>
-                </a:solidFill>
-                <a:latin typeface="微软雅黑" panose="020B0503020204020204" pitchFamily="34" charset="-122"/>
-                <a:ea typeface="微软雅黑" panose="020B0503020204020204" pitchFamily="34" charset="-122"/>
+              <a:rPr lang="zh-CN" altLang="en-US" sz="1400" dirty="0" smtClean="0">
+                <a:solidFill>
+                  <a:schemeClr val="tx1">
+                    <a:lumMod val="65000"/>
+                    <a:lumOff val="35000"/>
+                  </a:schemeClr>
+                </a:solidFill>
+                <a:latin typeface="+mn-ea"/>
               </a:rPr>
-              <a:t>编码规范之于团队</a:t>
-            </a:r>
-            <a:endParaRPr lang="en-US" altLang="zh-CN" dirty="0" smtClean="0">
+              <a:t>线程以及线程池的使用，目前很少用到</a:t>
+            </a:r>
+            <a:endParaRPr lang="zh-CN" altLang="en-US" sz="1400" dirty="0">
               <a:solidFill>
-                <a:srgbClr val="1D2D46"/>
+                <a:schemeClr val="tx1">
+                  <a:lumMod val="65000"/>
+                  <a:lumOff val="35000"/>
+                </a:schemeClr>
               </a:solidFill>
-              <a:latin typeface="微软雅黑" panose="020B0503020204020204" pitchFamily="34" charset="-122"/>
-              <a:ea typeface="微软雅黑" panose="020B0503020204020204" pitchFamily="34" charset="-122"/>
-            </a:endParaRPr>
-          </a:p>
-          <a:p>
-            <a:pPr>
-              <a:lnSpc>
-                <a:spcPct val="150000"/>
-              </a:lnSpc>
-            </a:pPr>
-            <a:r>
-              <a:rPr lang="zh-CN" altLang="en-US" sz="1200" dirty="0">
-                <a:solidFill>
-                  <a:srgbClr val="1D2D46"/>
-                </a:solidFill>
-                <a:latin typeface="微软雅黑" panose="020B0503020204020204" pitchFamily="34" charset="-122"/>
-                <a:ea typeface="微软雅黑" panose="020B0503020204020204" pitchFamily="34" charset="-122"/>
-              </a:rPr>
-              <a:t>多人协作的项目，如果大家编码毫无规范、风格迥异，毫无疑问，势必引发可读性差的问题，徒增后期维护成本，甚至无法维护。</a:t>
-            </a:r>
-            <a:endParaRPr lang="en-US" altLang="zh-CN" sz="1200" dirty="0">
-              <a:solidFill>
-                <a:srgbClr val="1D2D46"/>
-              </a:solidFill>
-              <a:latin typeface="微软雅黑" panose="020B0503020204020204" pitchFamily="34" charset="-122"/>
-              <a:ea typeface="微软雅黑" panose="020B0503020204020204" pitchFamily="34" charset="-122"/>
+              <a:latin typeface="+mn-ea"/>
             </a:endParaRPr>
           </a:p>
         </p:txBody>
       </p:sp>
       <p:sp>
         <p:nvSpPr>
-          <p:cNvPr id="2" name="文本框 1"/>
-          <p:cNvSpPr txBox="1"/>
+          <p:cNvPr id="55" name="任意多边形 15"/>
+          <p:cNvSpPr/>
+          <p:nvPr/>
+        </p:nvSpPr>
+        <p:spPr bwMode="auto">
+          <a:xfrm>
+            <a:off x="713386" y="5340893"/>
+            <a:ext cx="1601788" cy="432610"/>
+          </a:xfrm>
+          <a:custGeom>
+            <a:avLst/>
+            <a:gdLst>
+              <a:gd name="connsiteX0" fmla="*/ 0 w 1602178"/>
+              <a:gd name="connsiteY0" fmla="*/ 0 h 640871"/>
+              <a:gd name="connsiteX1" fmla="*/ 1281743 w 1602178"/>
+              <a:gd name="connsiteY1" fmla="*/ 0 h 640871"/>
+              <a:gd name="connsiteX2" fmla="*/ 1602178 w 1602178"/>
+              <a:gd name="connsiteY2" fmla="*/ 320436 h 640871"/>
+              <a:gd name="connsiteX3" fmla="*/ 1281743 w 1602178"/>
+              <a:gd name="connsiteY3" fmla="*/ 640871 h 640871"/>
+              <a:gd name="connsiteX4" fmla="*/ 0 w 1602178"/>
+              <a:gd name="connsiteY4" fmla="*/ 640871 h 640871"/>
+              <a:gd name="connsiteX5" fmla="*/ 320436 w 1602178"/>
+              <a:gd name="connsiteY5" fmla="*/ 320436 h 640871"/>
+              <a:gd name="connsiteX6" fmla="*/ 0 w 1602178"/>
+              <a:gd name="connsiteY6" fmla="*/ 0 h 640871"/>
+            </a:gdLst>
+            <a:ahLst/>
+            <a:cxnLst>
+              <a:cxn ang="0">
+                <a:pos x="connsiteX0" y="connsiteY0"/>
+              </a:cxn>
+              <a:cxn ang="0">
+                <a:pos x="connsiteX1" y="connsiteY1"/>
+              </a:cxn>
+              <a:cxn ang="0">
+                <a:pos x="connsiteX2" y="connsiteY2"/>
+              </a:cxn>
+              <a:cxn ang="0">
+                <a:pos x="connsiteX3" y="connsiteY3"/>
+              </a:cxn>
+              <a:cxn ang="0">
+                <a:pos x="connsiteX4" y="connsiteY4"/>
+              </a:cxn>
+              <a:cxn ang="0">
+                <a:pos x="connsiteX5" y="connsiteY5"/>
+              </a:cxn>
+              <a:cxn ang="0">
+                <a:pos x="connsiteX6" y="connsiteY6"/>
+              </a:cxn>
+            </a:cxnLst>
+            <a:rect l="l" t="t" r="r" b="b"/>
+            <a:pathLst>
+              <a:path w="1602178" h="640871">
+                <a:moveTo>
+                  <a:pt x="0" y="0"/>
+                </a:moveTo>
+                <a:lnTo>
+                  <a:pt x="1281743" y="0"/>
+                </a:lnTo>
+                <a:lnTo>
+                  <a:pt x="1602178" y="320436"/>
+                </a:lnTo>
+                <a:lnTo>
+                  <a:pt x="1281743" y="640871"/>
+                </a:lnTo>
+                <a:lnTo>
+                  <a:pt x="0" y="640871"/>
+                </a:lnTo>
+                <a:lnTo>
+                  <a:pt x="320436" y="320436"/>
+                </a:lnTo>
+                <a:lnTo>
+                  <a:pt x="0" y="0"/>
+                </a:lnTo>
+                <a:close/>
+              </a:path>
+            </a:pathLst>
+          </a:custGeom>
+          <a:solidFill>
+            <a:schemeClr val="accent3"/>
+          </a:solidFill>
+          <a:ln>
+            <a:noFill/>
+          </a:ln>
+        </p:spPr>
+        <p:style>
+          <a:lnRef idx="2">
+            <a:scrgbClr r="0" g="0" b="0"/>
+          </a:lnRef>
+          <a:fillRef idx="1">
+            <a:scrgbClr r="0" g="0" b="0"/>
+          </a:fillRef>
+          <a:effectRef idx="0">
+            <a:schemeClr val="accent4">
+              <a:hueOff val="0"/>
+              <a:satOff val="0"/>
+              <a:lumOff val="0"/>
+              <a:alphaOff val="0"/>
+            </a:schemeClr>
+          </a:effectRef>
+          <a:fontRef idx="minor">
+            <a:schemeClr val="lt1"/>
+          </a:fontRef>
+        </p:style>
+        <p:txBody>
+          <a:bodyPr lIns="330596" tIns="5080" rIns="320435" bIns="5080" spcCol="1270" anchor="ctr"/>
+          <a:lstStyle/>
+          <a:p>
+            <a:pPr algn="ctr" defTabSz="355600">
+              <a:lnSpc>
+                <a:spcPct val="90000"/>
+              </a:lnSpc>
+              <a:spcAft>
+                <a:spcPct val="35000"/>
+              </a:spcAft>
+              <a:defRPr/>
+            </a:pPr>
+            <a:r>
+              <a:rPr lang="zh-CN" altLang="en-US" dirty="0" smtClean="0">
+                <a:solidFill>
+                  <a:schemeClr val="bg1"/>
+                </a:solidFill>
+              </a:rPr>
+              <a:t>控制语句</a:t>
+            </a:r>
+            <a:endParaRPr lang="en-US" altLang="zh-CN" sz="2400" dirty="0">
+              <a:solidFill>
+                <a:schemeClr val="bg1"/>
+              </a:solidFill>
+            </a:endParaRPr>
+          </a:p>
+        </p:txBody>
+      </p:sp>
+      <p:sp>
+        <p:nvSpPr>
+          <p:cNvPr id="56" name="矩形 55"/>
+          <p:cNvSpPr/>
           <p:nvPr/>
         </p:nvSpPr>
         <p:spPr>
           <a:xfrm>
-            <a:off x="755020" y="862264"/>
-            <a:ext cx="4758266" cy="338554"/>
+            <a:off x="2602033" y="5380477"/>
+            <a:ext cx="6213766" cy="328936"/>
           </a:xfrm>
           <a:prstGeom prst="rect">
             <a:avLst/>
           </a:prstGeom>
-          <a:noFill/>
+          <a:ln>
+            <a:noFill/>
+          </a:ln>
         </p:spPr>
         <p:txBody>
-          <a:bodyPr wrap="square" rtlCol="0">
+          <a:bodyPr wrap="square">
             <a:spAutoFit/>
+            <a:scene3d>
+              <a:camera prst="orthographicFront"/>
+              <a:lightRig rig="threePt" dir="t"/>
+            </a:scene3d>
+            <a:sp3d contourW="12700"/>
           </a:bodyPr>
-          <a:lstStyle/>
-          <a:p>
-            <a:r>
-              <a:rPr lang="en-US" altLang="zh-CN" sz="1600" dirty="0"/>
-              <a:t>——</a:t>
-            </a:r>
-            <a:r>
-              <a:rPr lang="en-US" altLang="zh-CN" sz="1600" dirty="0" smtClean="0"/>
-              <a:t>“</a:t>
-            </a:r>
-            <a:r>
-              <a:rPr lang="zh-CN" altLang="en-US" sz="1600" dirty="0"/>
-              <a:t>成全自己，成就</a:t>
-            </a:r>
-            <a:r>
-              <a:rPr lang="zh-CN" altLang="en-US" sz="1600" dirty="0" smtClean="0"/>
-              <a:t>他人，成就项目</a:t>
-            </a:r>
-            <a:r>
-              <a:rPr lang="en-US" altLang="zh-CN" sz="1600" dirty="0" smtClean="0"/>
-              <a:t>!”</a:t>
-            </a:r>
-            <a:endParaRPr lang="zh-CN" altLang="en-US" sz="1600" dirty="0"/>
+          <a:lstStyle>
+            <a:defPPr>
+              <a:defRPr lang="zh-CN"/>
+            </a:defPPr>
+            <a:lvl1pPr marL="0" algn="l" defTabSz="914400" rtl="0" eaLnBrk="1" latinLnBrk="0" hangingPunct="1">
+              <a:defRPr sz="1800" kern="1200">
+                <a:solidFill>
+                  <a:schemeClr val="tx1"/>
+                </a:solidFill>
+                <a:latin typeface="+mn-lt"/>
+                <a:ea typeface="+mn-ea"/>
+                <a:cs typeface="+mn-cs"/>
+              </a:defRPr>
+            </a:lvl1pPr>
+            <a:lvl2pPr marL="457200" algn="l" defTabSz="914400" rtl="0" eaLnBrk="1" latinLnBrk="0" hangingPunct="1">
+              <a:defRPr sz="1800" kern="1200">
+                <a:solidFill>
+                  <a:schemeClr val="tx1"/>
+                </a:solidFill>
+                <a:latin typeface="+mn-lt"/>
+                <a:ea typeface="+mn-ea"/>
+                <a:cs typeface="+mn-cs"/>
+              </a:defRPr>
+            </a:lvl2pPr>
+            <a:lvl3pPr marL="914400" algn="l" defTabSz="914400" rtl="0" eaLnBrk="1" latinLnBrk="0" hangingPunct="1">
+              <a:defRPr sz="1800" kern="1200">
+                <a:solidFill>
+                  <a:schemeClr val="tx1"/>
+                </a:solidFill>
+                <a:latin typeface="+mn-lt"/>
+                <a:ea typeface="+mn-ea"/>
+                <a:cs typeface="+mn-cs"/>
+              </a:defRPr>
+            </a:lvl3pPr>
+            <a:lvl4pPr marL="1371600" algn="l" defTabSz="914400" rtl="0" eaLnBrk="1" latinLnBrk="0" hangingPunct="1">
+              <a:defRPr sz="1800" kern="1200">
+                <a:solidFill>
+                  <a:schemeClr val="tx1"/>
+                </a:solidFill>
+                <a:latin typeface="+mn-lt"/>
+                <a:ea typeface="+mn-ea"/>
+                <a:cs typeface="+mn-cs"/>
+              </a:defRPr>
+            </a:lvl4pPr>
+            <a:lvl5pPr marL="1828800" algn="l" defTabSz="914400" rtl="0" eaLnBrk="1" latinLnBrk="0" hangingPunct="1">
+              <a:defRPr sz="1800" kern="1200">
+                <a:solidFill>
+                  <a:schemeClr val="tx1"/>
+                </a:solidFill>
+                <a:latin typeface="+mn-lt"/>
+                <a:ea typeface="+mn-ea"/>
+                <a:cs typeface="+mn-cs"/>
+              </a:defRPr>
+            </a:lvl5pPr>
+            <a:lvl6pPr marL="2286000" algn="l" defTabSz="914400" rtl="0" eaLnBrk="1" latinLnBrk="0" hangingPunct="1">
+              <a:defRPr sz="1800" kern="1200">
+                <a:solidFill>
+                  <a:schemeClr val="tx1"/>
+                </a:solidFill>
+                <a:latin typeface="+mn-lt"/>
+                <a:ea typeface="+mn-ea"/>
+                <a:cs typeface="+mn-cs"/>
+              </a:defRPr>
+            </a:lvl6pPr>
+            <a:lvl7pPr marL="2743200" algn="l" defTabSz="914400" rtl="0" eaLnBrk="1" latinLnBrk="0" hangingPunct="1">
+              <a:defRPr sz="1800" kern="1200">
+                <a:solidFill>
+                  <a:schemeClr val="tx1"/>
+                </a:solidFill>
+                <a:latin typeface="+mn-lt"/>
+                <a:ea typeface="+mn-ea"/>
+                <a:cs typeface="+mn-cs"/>
+              </a:defRPr>
+            </a:lvl7pPr>
+            <a:lvl8pPr marL="3200400" algn="l" defTabSz="914400" rtl="0" eaLnBrk="1" latinLnBrk="0" hangingPunct="1">
+              <a:defRPr sz="1800" kern="1200">
+                <a:solidFill>
+                  <a:schemeClr val="tx1"/>
+                </a:solidFill>
+                <a:latin typeface="+mn-lt"/>
+                <a:ea typeface="+mn-ea"/>
+                <a:cs typeface="+mn-cs"/>
+              </a:defRPr>
+            </a:lvl8pPr>
+            <a:lvl9pPr marL="3657600" algn="l" defTabSz="914400" rtl="0" eaLnBrk="1" latinLnBrk="0" hangingPunct="1">
+              <a:defRPr sz="1800" kern="1200">
+                <a:solidFill>
+                  <a:schemeClr val="tx1"/>
+                </a:solidFill>
+                <a:latin typeface="+mn-lt"/>
+                <a:ea typeface="+mn-ea"/>
+                <a:cs typeface="+mn-cs"/>
+              </a:defRPr>
+            </a:lvl9pPr>
+          </a:lstStyle>
+          <a:p>
+            <a:pPr algn="just">
+              <a:lnSpc>
+                <a:spcPct val="120000"/>
+              </a:lnSpc>
+            </a:pPr>
+            <a:r>
+              <a:rPr lang="en-US" altLang="zh-CN" sz="1400" dirty="0" smtClean="0">
+                <a:solidFill>
+                  <a:schemeClr val="tx1">
+                    <a:lumMod val="65000"/>
+                    <a:lumOff val="35000"/>
+                  </a:schemeClr>
+                </a:solidFill>
+                <a:latin typeface="+mn-ea"/>
+              </a:rPr>
+              <a:t>If-else</a:t>
+            </a:r>
+            <a:r>
+              <a:rPr lang="zh-CN" altLang="en-US" sz="1400" dirty="0" smtClean="0">
+                <a:solidFill>
+                  <a:schemeClr val="tx1">
+                    <a:lumMod val="65000"/>
+                    <a:lumOff val="35000"/>
+                  </a:schemeClr>
+                </a:solidFill>
+                <a:latin typeface="+mn-ea"/>
+              </a:rPr>
+              <a:t>、</a:t>
+            </a:r>
+            <a:r>
+              <a:rPr lang="en-US" altLang="zh-CN" sz="1400" dirty="0" smtClean="0">
+                <a:solidFill>
+                  <a:schemeClr val="tx1">
+                    <a:lumMod val="65000"/>
+                    <a:lumOff val="35000"/>
+                  </a:schemeClr>
+                </a:solidFill>
+                <a:latin typeface="+mn-ea"/>
+              </a:rPr>
+              <a:t>switch-case</a:t>
+            </a:r>
+            <a:r>
+              <a:rPr lang="zh-CN" altLang="en-US" sz="1400" dirty="0" smtClean="0">
+                <a:solidFill>
+                  <a:schemeClr val="tx1">
+                    <a:lumMod val="65000"/>
+                    <a:lumOff val="35000"/>
+                  </a:schemeClr>
+                </a:solidFill>
+                <a:latin typeface="+mn-ea"/>
+              </a:rPr>
+              <a:t>、</a:t>
+            </a:r>
+            <a:r>
+              <a:rPr lang="en-US" altLang="zh-CN" sz="1400" dirty="0" smtClean="0">
+                <a:solidFill>
+                  <a:schemeClr val="tx1">
+                    <a:lumMod val="65000"/>
+                    <a:lumOff val="35000"/>
+                  </a:schemeClr>
+                </a:solidFill>
+                <a:latin typeface="+mn-ea"/>
+              </a:rPr>
+              <a:t>while</a:t>
+            </a:r>
+            <a:r>
+              <a:rPr lang="zh-CN" altLang="en-US" sz="1400" dirty="0" smtClean="0">
+                <a:solidFill>
+                  <a:schemeClr val="tx1">
+                    <a:lumMod val="65000"/>
+                    <a:lumOff val="35000"/>
+                  </a:schemeClr>
+                </a:solidFill>
+                <a:latin typeface="+mn-ea"/>
+              </a:rPr>
+              <a:t>、</a:t>
+            </a:r>
+            <a:r>
+              <a:rPr lang="en-US" altLang="zh-CN" sz="1400" dirty="0" smtClean="0">
+                <a:solidFill>
+                  <a:schemeClr val="tx1">
+                    <a:lumMod val="65000"/>
+                    <a:lumOff val="35000"/>
+                  </a:schemeClr>
+                </a:solidFill>
+                <a:latin typeface="+mn-ea"/>
+              </a:rPr>
+              <a:t>for</a:t>
+            </a:r>
+            <a:r>
+              <a:rPr lang="zh-CN" altLang="en-US" sz="1400" dirty="0" smtClean="0">
+                <a:solidFill>
+                  <a:schemeClr val="tx1">
+                    <a:lumMod val="65000"/>
+                    <a:lumOff val="35000"/>
+                  </a:schemeClr>
+                </a:solidFill>
+                <a:latin typeface="+mn-ea"/>
+              </a:rPr>
+              <a:t>、</a:t>
+            </a:r>
+            <a:r>
+              <a:rPr lang="en-US" altLang="zh-CN" sz="1400" dirty="0" smtClean="0">
+                <a:solidFill>
+                  <a:schemeClr val="tx1">
+                    <a:lumMod val="65000"/>
+                    <a:lumOff val="35000"/>
+                  </a:schemeClr>
+                </a:solidFill>
+                <a:latin typeface="+mn-ea"/>
+              </a:rPr>
+              <a:t>for-each</a:t>
+            </a:r>
+            <a:endParaRPr lang="zh-CN" altLang="en-US" sz="1400" dirty="0">
+              <a:solidFill>
+                <a:schemeClr val="tx1">
+                  <a:lumMod val="65000"/>
+                  <a:lumOff val="35000"/>
+                </a:schemeClr>
+              </a:solidFill>
+              <a:latin typeface="+mn-ea"/>
+            </a:endParaRPr>
           </a:p>
         </p:txBody>
       </p:sp>
@@ -9443,11 +12864,11 @@
   <p:clrMapOvr>
     <a:masterClrMapping/>
   </p:clrMapOvr>
-  <mc:AlternateContent xmlns:mc="http://schemas.openxmlformats.org/markup-compatibility/2006" xmlns:p14="http://schemas.microsoft.com/office/powerpoint/2010/main">
-    <mc:Choice Requires="p14">
+  <mc:AlternateContent xmlns:mc="http://schemas.openxmlformats.org/markup-compatibility/2006">
+    <mc:Choice xmlns:p14="http://schemas.microsoft.com/office/powerpoint/2010/main" Requires="p14">
       <p:transition p14:dur="0" advClick="0" advTm="4000"/>
     </mc:Choice>
-    <mc:Fallback xmlns="">
+    <mc:Fallback>
       <p:transition advClick="0" advTm="4000"/>
     </mc:Fallback>
   </mc:AlternateContent>
@@ -9461,760 +12882,7 @@
 </p:sld>
 </file>
 
-<file path=ppt/slides/slide4.xml><?xml version="1.0" encoding="utf-8"?>
-<p:sld xmlns:a="http://schemas.openxmlformats.org/drawingml/2006/main" xmlns:r="http://schemas.openxmlformats.org/officeDocument/2006/relationships" xmlns:p="http://schemas.openxmlformats.org/presentationml/2006/main">
-  <p:cSld>
-    <p:spTree>
-      <p:nvGrpSpPr>
-        <p:cNvPr id="1" name=""/>
-        <p:cNvGrpSpPr/>
-        <p:nvPr/>
-      </p:nvGrpSpPr>
-      <p:grpSpPr>
-        <a:xfrm>
-          <a:off x="0" y="0"/>
-          <a:ext cx="0" cy="0"/>
-          <a:chOff x="0" y="0"/>
-          <a:chExt cx="0" cy="0"/>
-        </a:xfrm>
-      </p:grpSpPr>
-      <p:sp>
-        <p:nvSpPr>
-          <p:cNvPr id="2" name="文本框 1"/>
-          <p:cNvSpPr txBox="1"/>
-          <p:nvPr/>
-        </p:nvSpPr>
-        <p:spPr>
-          <a:xfrm>
-            <a:off x="788228" y="380341"/>
-            <a:ext cx="1415772" cy="461665"/>
-          </a:xfrm>
-          <a:prstGeom prst="rect">
-            <a:avLst/>
-          </a:prstGeom>
-          <a:noFill/>
-        </p:spPr>
-        <p:txBody>
-          <a:bodyPr wrap="none" rtlCol="0">
-            <a:spAutoFit/>
-          </a:bodyPr>
-          <a:lstStyle/>
-          <a:p>
-            <a:r>
-              <a:rPr kumimoji="1" lang="zh-CN" altLang="en-US" sz="2400" dirty="0" smtClean="0">
-                <a:solidFill>
-                  <a:srgbClr val="1C2C44"/>
-                </a:solidFill>
-                <a:latin typeface="+mj-ea"/>
-                <a:ea typeface="+mj-ea"/>
-              </a:rPr>
-              <a:t>学习目的</a:t>
-            </a:r>
-            <a:endParaRPr kumimoji="1" lang="zh-CN" altLang="en-US" sz="2400" dirty="0">
-              <a:solidFill>
-                <a:srgbClr val="1C2C44"/>
-              </a:solidFill>
-              <a:latin typeface="+mj-ea"/>
-              <a:ea typeface="+mj-ea"/>
-            </a:endParaRPr>
-          </a:p>
-        </p:txBody>
-      </p:sp>
-      <p:sp>
-        <p:nvSpPr>
-          <p:cNvPr id="4" name="原创设计师QQ：598969553              _3"/>
-          <p:cNvSpPr/>
-          <p:nvPr/>
-        </p:nvSpPr>
-        <p:spPr>
-          <a:xfrm>
-            <a:off x="788228" y="1597480"/>
-            <a:ext cx="693463" cy="670045"/>
-          </a:xfrm>
-          <a:prstGeom prst="rect">
-            <a:avLst/>
-          </a:prstGeom>
-          <a:ln>
-            <a:noFill/>
-          </a:ln>
-        </p:spPr>
-        <p:style>
-          <a:lnRef idx="2">
-            <a:schemeClr val="accent1">
-              <a:shade val="50000"/>
-            </a:schemeClr>
-          </a:lnRef>
-          <a:fillRef idx="1">
-            <a:schemeClr val="accent1"/>
-          </a:fillRef>
-          <a:effectRef idx="0">
-            <a:schemeClr val="accent1"/>
-          </a:effectRef>
-          <a:fontRef idx="minor">
-            <a:schemeClr val="lt1"/>
-          </a:fontRef>
-        </p:style>
-        <p:txBody>
-          <a:bodyPr rtlCol="0" anchor="ctr"/>
-          <a:lstStyle/>
-          <a:p>
-            <a:pPr algn="ctr"/>
-            <a:endParaRPr lang="zh-CN" altLang="en-US"/>
-          </a:p>
-        </p:txBody>
-      </p:sp>
-      <p:sp>
-        <p:nvSpPr>
-          <p:cNvPr id="5" name="原创设计师QQ：598969553              _7"/>
-          <p:cNvSpPr/>
-          <p:nvPr/>
-        </p:nvSpPr>
-        <p:spPr>
-          <a:xfrm>
-            <a:off x="820245" y="1625065"/>
-            <a:ext cx="687913" cy="646331"/>
-          </a:xfrm>
-          <a:prstGeom prst="rect">
-            <a:avLst/>
-          </a:prstGeom>
-          <a:noFill/>
-        </p:spPr>
-        <p:txBody>
-          <a:bodyPr wrap="square">
-            <a:spAutoFit/>
-          </a:bodyPr>
-          <a:lstStyle/>
-          <a:p>
-            <a:r>
-              <a:rPr lang="en-US" altLang="zh-CN" sz="3600" dirty="0" smtClean="0">
-                <a:solidFill>
-                  <a:schemeClr val="bg1"/>
-                </a:solidFill>
-                <a:latin typeface="华文细黑" panose="02010600040101010101" pitchFamily="2" charset="-122"/>
-                <a:ea typeface="华文细黑" panose="02010600040101010101" pitchFamily="2" charset="-122"/>
-                <a:cs typeface="Arial" panose="020B0604020202020204" pitchFamily="34" charset="0"/>
-              </a:rPr>
-              <a:t>1</a:t>
-            </a:r>
-            <a:endParaRPr lang="zh-CN" altLang="en-US" sz="4800" dirty="0">
-              <a:solidFill>
-                <a:schemeClr val="bg1"/>
-              </a:solidFill>
-              <a:latin typeface="华文细黑" panose="02010600040101010101" pitchFamily="2" charset="-122"/>
-              <a:ea typeface="华文细黑" panose="02010600040101010101" pitchFamily="2" charset="-122"/>
-            </a:endParaRPr>
-          </a:p>
-        </p:txBody>
-      </p:sp>
-      <p:sp>
-        <p:nvSpPr>
-          <p:cNvPr id="6" name="矩形 5"/>
-          <p:cNvSpPr/>
-          <p:nvPr/>
-        </p:nvSpPr>
-        <p:spPr>
-          <a:xfrm>
-            <a:off x="1540365" y="1311428"/>
-            <a:ext cx="4301650" cy="1338828"/>
-          </a:xfrm>
-          <a:prstGeom prst="rect">
-            <a:avLst/>
-          </a:prstGeom>
-        </p:spPr>
-        <p:txBody>
-          <a:bodyPr wrap="square">
-            <a:spAutoFit/>
-          </a:bodyPr>
-          <a:lstStyle/>
-          <a:p>
-            <a:pPr>
-              <a:lnSpc>
-                <a:spcPct val="150000"/>
-              </a:lnSpc>
-            </a:pPr>
-            <a:r>
-              <a:rPr lang="zh-CN" altLang="en-US" dirty="0" smtClean="0">
-                <a:solidFill>
-                  <a:srgbClr val="1D2D46"/>
-                </a:solidFill>
-                <a:latin typeface="微软雅黑" panose="020B0503020204020204" pitchFamily="34" charset="-122"/>
-                <a:ea typeface="微软雅黑" panose="020B0503020204020204" pitchFamily="34" charset="-122"/>
-              </a:rPr>
-              <a:t>一些编码规范不是硬性要求</a:t>
-            </a:r>
-            <a:endParaRPr lang="en-US" altLang="zh-CN" dirty="0" smtClean="0">
-              <a:solidFill>
-                <a:srgbClr val="1D2D46"/>
-              </a:solidFill>
-              <a:latin typeface="微软雅黑" panose="020B0503020204020204" pitchFamily="34" charset="-122"/>
-              <a:ea typeface="微软雅黑" panose="020B0503020204020204" pitchFamily="34" charset="-122"/>
-            </a:endParaRPr>
-          </a:p>
-          <a:p>
-            <a:pPr>
-              <a:lnSpc>
-                <a:spcPct val="150000"/>
-              </a:lnSpc>
-            </a:pPr>
-            <a:r>
-              <a:rPr lang="zh-CN" altLang="en-US" sz="1200" dirty="0" smtClean="0">
-                <a:solidFill>
-                  <a:srgbClr val="1D2D46"/>
-                </a:solidFill>
-                <a:latin typeface="微软雅黑" panose="020B0503020204020204" pitchFamily="34" charset="-122"/>
-                <a:ea typeface="微软雅黑" panose="020B0503020204020204" pitchFamily="34" charset="-122"/>
-              </a:rPr>
-              <a:t>规约</a:t>
-            </a:r>
-            <a:r>
-              <a:rPr lang="zh-CN" altLang="en-US" sz="1200" dirty="0">
-                <a:solidFill>
-                  <a:srgbClr val="1D2D46"/>
-                </a:solidFill>
-                <a:latin typeface="微软雅黑" panose="020B0503020204020204" pitchFamily="34" charset="-122"/>
-                <a:ea typeface="微软雅黑" panose="020B0503020204020204" pitchFamily="34" charset="-122"/>
-              </a:rPr>
-              <a:t>中有些约定只是一种建议和参考，并不影响程序的正常运行，具体怎么办，还是看公司和项目的</a:t>
-            </a:r>
-            <a:r>
-              <a:rPr lang="zh-CN" altLang="en-US" sz="1200" dirty="0" smtClean="0">
-                <a:solidFill>
-                  <a:srgbClr val="1D2D46"/>
-                </a:solidFill>
-                <a:latin typeface="微软雅黑" panose="020B0503020204020204" pitchFamily="34" charset="-122"/>
-                <a:ea typeface="微软雅黑" panose="020B0503020204020204" pitchFamily="34" charset="-122"/>
-              </a:rPr>
-              <a:t>需求。</a:t>
-            </a:r>
-            <a:r>
-              <a:rPr lang="en-US" altLang="zh-CN" sz="1200" dirty="0" smtClean="0">
-                <a:solidFill>
-                  <a:srgbClr val="1D2D46"/>
-                </a:solidFill>
-                <a:latin typeface="微软雅黑" panose="020B0503020204020204" pitchFamily="34" charset="-122"/>
-                <a:ea typeface="微软雅黑" panose="020B0503020204020204" pitchFamily="34" charset="-122"/>
-              </a:rPr>
-              <a:t>(</a:t>
-            </a:r>
-            <a:r>
-              <a:rPr lang="zh-CN" altLang="en-US" sz="1200" dirty="0" smtClean="0">
-                <a:solidFill>
-                  <a:srgbClr val="1D2D46"/>
-                </a:solidFill>
-                <a:latin typeface="微软雅黑" panose="020B0503020204020204" pitchFamily="34" charset="-122"/>
-                <a:ea typeface="微软雅黑" panose="020B0503020204020204" pitchFamily="34" charset="-122"/>
-              </a:rPr>
-              <a:t>由公司或者项目层面上做出灵活调整</a:t>
-            </a:r>
-            <a:r>
-              <a:rPr lang="en-US" altLang="zh-CN" sz="1200" dirty="0" smtClean="0">
-                <a:solidFill>
-                  <a:srgbClr val="1D2D46"/>
-                </a:solidFill>
-                <a:latin typeface="微软雅黑" panose="020B0503020204020204" pitchFamily="34" charset="-122"/>
-                <a:ea typeface="微软雅黑" panose="020B0503020204020204" pitchFamily="34" charset="-122"/>
-              </a:rPr>
-              <a:t>)</a:t>
-            </a:r>
-            <a:endParaRPr lang="en-US" altLang="zh-CN" sz="1200" dirty="0">
-              <a:solidFill>
-                <a:srgbClr val="1D2D46"/>
-              </a:solidFill>
-              <a:latin typeface="微软雅黑" panose="020B0503020204020204" pitchFamily="34" charset="-122"/>
-              <a:ea typeface="微软雅黑" panose="020B0503020204020204" pitchFamily="34" charset="-122"/>
-            </a:endParaRPr>
-          </a:p>
-        </p:txBody>
-      </p:sp>
-      <p:sp>
-        <p:nvSpPr>
-          <p:cNvPr id="7" name="文本框 6"/>
-          <p:cNvSpPr txBox="1"/>
-          <p:nvPr/>
-        </p:nvSpPr>
-        <p:spPr>
-          <a:xfrm>
-            <a:off x="788228" y="972874"/>
-            <a:ext cx="3215881" cy="338554"/>
-          </a:xfrm>
-          <a:prstGeom prst="rect">
-            <a:avLst/>
-          </a:prstGeom>
-          <a:noFill/>
-        </p:spPr>
-        <p:txBody>
-          <a:bodyPr wrap="square" rtlCol="0">
-            <a:spAutoFit/>
-          </a:bodyPr>
-          <a:lstStyle/>
-          <a:p>
-            <a:r>
-              <a:rPr lang="zh-CN" altLang="en-US" sz="1600" dirty="0" smtClean="0"/>
-              <a:t>简单说明</a:t>
-            </a:r>
-            <a:endParaRPr lang="zh-CN" altLang="en-US" sz="1600" dirty="0"/>
-          </a:p>
-        </p:txBody>
-      </p:sp>
-      <p:sp>
-        <p:nvSpPr>
-          <p:cNvPr id="9" name="原创设计师QQ：598969553              _4"/>
-          <p:cNvSpPr/>
-          <p:nvPr/>
-        </p:nvSpPr>
-        <p:spPr>
-          <a:xfrm>
-            <a:off x="778702" y="3182018"/>
-            <a:ext cx="693463" cy="670045"/>
-          </a:xfrm>
-          <a:prstGeom prst="rect">
-            <a:avLst/>
-          </a:prstGeom>
-          <a:solidFill>
-            <a:schemeClr val="accent2"/>
-          </a:solidFill>
-          <a:ln>
-            <a:noFill/>
-          </a:ln>
-        </p:spPr>
-        <p:style>
-          <a:lnRef idx="2">
-            <a:schemeClr val="accent1">
-              <a:shade val="50000"/>
-            </a:schemeClr>
-          </a:lnRef>
-          <a:fillRef idx="1">
-            <a:schemeClr val="accent1"/>
-          </a:fillRef>
-          <a:effectRef idx="0">
-            <a:schemeClr val="accent1"/>
-          </a:effectRef>
-          <a:fontRef idx="minor">
-            <a:schemeClr val="lt1"/>
-          </a:fontRef>
-        </p:style>
-        <p:txBody>
-          <a:bodyPr rtlCol="0" anchor="ctr"/>
-          <a:lstStyle/>
-          <a:p>
-            <a:pPr algn="ctr"/>
-            <a:endParaRPr lang="zh-CN" altLang="en-US"/>
-          </a:p>
-        </p:txBody>
-      </p:sp>
-      <p:sp>
-        <p:nvSpPr>
-          <p:cNvPr id="10" name="原创设计师QQ：598969553              _8"/>
-          <p:cNvSpPr/>
-          <p:nvPr/>
-        </p:nvSpPr>
-        <p:spPr>
-          <a:xfrm>
-            <a:off x="788228" y="3209680"/>
-            <a:ext cx="687913" cy="646331"/>
-          </a:xfrm>
-          <a:prstGeom prst="rect">
-            <a:avLst/>
-          </a:prstGeom>
-          <a:noFill/>
-        </p:spPr>
-        <p:txBody>
-          <a:bodyPr wrap="square">
-            <a:spAutoFit/>
-          </a:bodyPr>
-          <a:lstStyle/>
-          <a:p>
-            <a:r>
-              <a:rPr lang="en-US" altLang="zh-CN" sz="3600" dirty="0" smtClean="0">
-                <a:solidFill>
-                  <a:schemeClr val="bg1"/>
-                </a:solidFill>
-                <a:latin typeface="华文细黑" panose="02010600040101010101" pitchFamily="2" charset="-122"/>
-                <a:ea typeface="华文细黑" panose="02010600040101010101" pitchFamily="2" charset="-122"/>
-                <a:cs typeface="Arial" panose="020B0604020202020204" pitchFamily="34" charset="0"/>
-              </a:rPr>
-              <a:t>2</a:t>
-            </a:r>
-            <a:endParaRPr lang="zh-CN" altLang="en-US" sz="4800" dirty="0">
-              <a:solidFill>
-                <a:schemeClr val="bg1"/>
-              </a:solidFill>
-              <a:latin typeface="华文细黑" panose="02010600040101010101" pitchFamily="2" charset="-122"/>
-              <a:ea typeface="华文细黑" panose="02010600040101010101" pitchFamily="2" charset="-122"/>
-            </a:endParaRPr>
-          </a:p>
-        </p:txBody>
-      </p:sp>
-      <p:sp>
-        <p:nvSpPr>
-          <p:cNvPr id="11" name="矩形 10"/>
-          <p:cNvSpPr/>
-          <p:nvPr/>
-        </p:nvSpPr>
-        <p:spPr>
-          <a:xfrm>
-            <a:off x="1540365" y="3042195"/>
-            <a:ext cx="4301650" cy="1061829"/>
-          </a:xfrm>
-          <a:prstGeom prst="rect">
-            <a:avLst/>
-          </a:prstGeom>
-        </p:spPr>
-        <p:txBody>
-          <a:bodyPr wrap="square">
-            <a:spAutoFit/>
-          </a:bodyPr>
-          <a:lstStyle/>
-          <a:p>
-            <a:pPr>
-              <a:lnSpc>
-                <a:spcPct val="150000"/>
-              </a:lnSpc>
-            </a:pPr>
-            <a:r>
-              <a:rPr lang="zh-CN" altLang="en-US" dirty="0" smtClean="0">
-                <a:solidFill>
-                  <a:srgbClr val="1D2D46"/>
-                </a:solidFill>
-                <a:latin typeface="微软雅黑" panose="020B0503020204020204" pitchFamily="34" charset="-122"/>
-                <a:ea typeface="微软雅黑" panose="020B0503020204020204" pitchFamily="34" charset="-122"/>
-              </a:rPr>
-              <a:t>容易引起程序</a:t>
-            </a:r>
-            <a:r>
-              <a:rPr lang="en-US" altLang="zh-CN" dirty="0" smtClean="0">
-                <a:solidFill>
-                  <a:srgbClr val="1D2D46"/>
-                </a:solidFill>
-                <a:latin typeface="微软雅黑" panose="020B0503020204020204" pitchFamily="34" charset="-122"/>
-                <a:ea typeface="微软雅黑" panose="020B0503020204020204" pitchFamily="34" charset="-122"/>
-              </a:rPr>
-              <a:t>BUG</a:t>
-            </a:r>
-            <a:r>
-              <a:rPr lang="zh-CN" altLang="en-US" dirty="0" smtClean="0">
-                <a:solidFill>
-                  <a:srgbClr val="1D2D46"/>
-                </a:solidFill>
-                <a:latin typeface="微软雅黑" panose="020B0503020204020204" pitchFamily="34" charset="-122"/>
-                <a:ea typeface="微软雅黑" panose="020B0503020204020204" pitchFamily="34" charset="-122"/>
-              </a:rPr>
-              <a:t>的必须强制执行</a:t>
-            </a:r>
-            <a:endParaRPr lang="en-US" altLang="zh-CN" dirty="0" smtClean="0">
-              <a:solidFill>
-                <a:srgbClr val="1D2D46"/>
-              </a:solidFill>
-              <a:latin typeface="微软雅黑" panose="020B0503020204020204" pitchFamily="34" charset="-122"/>
-              <a:ea typeface="微软雅黑" panose="020B0503020204020204" pitchFamily="34" charset="-122"/>
-            </a:endParaRPr>
-          </a:p>
-          <a:p>
-            <a:pPr>
-              <a:lnSpc>
-                <a:spcPct val="150000"/>
-              </a:lnSpc>
-            </a:pPr>
-            <a:r>
-              <a:rPr lang="zh-CN" altLang="en-US" sz="1200" dirty="0">
-                <a:solidFill>
-                  <a:srgbClr val="1D2D46"/>
-                </a:solidFill>
-                <a:latin typeface="微软雅黑" panose="020B0503020204020204" pitchFamily="34" charset="-122"/>
-                <a:ea typeface="微软雅黑" panose="020B0503020204020204" pitchFamily="34" charset="-122"/>
-              </a:rPr>
-              <a:t>规约中还有一些必须强制执行的，如果不执行，会议留一些潜在</a:t>
-            </a:r>
-            <a:r>
-              <a:rPr lang="en-US" altLang="zh-CN" sz="1200" dirty="0">
-                <a:solidFill>
-                  <a:srgbClr val="1D2D46"/>
-                </a:solidFill>
-                <a:latin typeface="微软雅黑" panose="020B0503020204020204" pitchFamily="34" charset="-122"/>
-                <a:ea typeface="微软雅黑" panose="020B0503020204020204" pitchFamily="34" charset="-122"/>
-              </a:rPr>
-              <a:t>bug</a:t>
-            </a:r>
-            <a:r>
-              <a:rPr lang="zh-CN" altLang="en-US" sz="1200" dirty="0">
-                <a:solidFill>
-                  <a:srgbClr val="1D2D46"/>
-                </a:solidFill>
-                <a:latin typeface="微软雅黑" panose="020B0503020204020204" pitchFamily="34" charset="-122"/>
-                <a:ea typeface="微软雅黑" panose="020B0503020204020204" pitchFamily="34" charset="-122"/>
-              </a:rPr>
-              <a:t>，甚至会影响到代码运行。</a:t>
-            </a:r>
-            <a:endParaRPr lang="en-US" altLang="zh-CN" sz="1200" dirty="0">
-              <a:solidFill>
-                <a:srgbClr val="1D2D46"/>
-              </a:solidFill>
-              <a:latin typeface="微软雅黑" panose="020B0503020204020204" pitchFamily="34" charset="-122"/>
-              <a:ea typeface="微软雅黑" panose="020B0503020204020204" pitchFamily="34" charset="-122"/>
-            </a:endParaRPr>
-          </a:p>
-        </p:txBody>
-      </p:sp>
-      <p:sp>
-        <p:nvSpPr>
-          <p:cNvPr id="13" name="原创设计师QQ：598969553              _4"/>
-          <p:cNvSpPr/>
-          <p:nvPr/>
-        </p:nvSpPr>
-        <p:spPr>
-          <a:xfrm>
-            <a:off x="788228" y="4523648"/>
-            <a:ext cx="693463" cy="670045"/>
-          </a:xfrm>
-          <a:prstGeom prst="rect">
-            <a:avLst/>
-          </a:prstGeom>
-          <a:solidFill>
-            <a:srgbClr val="1C2C44"/>
-          </a:solidFill>
-          <a:ln>
-            <a:noFill/>
-          </a:ln>
-        </p:spPr>
-        <p:style>
-          <a:lnRef idx="2">
-            <a:schemeClr val="accent1">
-              <a:shade val="50000"/>
-            </a:schemeClr>
-          </a:lnRef>
-          <a:fillRef idx="1">
-            <a:schemeClr val="accent1"/>
-          </a:fillRef>
-          <a:effectRef idx="0">
-            <a:schemeClr val="accent1"/>
-          </a:effectRef>
-          <a:fontRef idx="minor">
-            <a:schemeClr val="lt1"/>
-          </a:fontRef>
-        </p:style>
-        <p:txBody>
-          <a:bodyPr rtlCol="0" anchor="ctr"/>
-          <a:lstStyle/>
-          <a:p>
-            <a:pPr algn="ctr"/>
-            <a:endParaRPr lang="zh-CN" altLang="en-US"/>
-          </a:p>
-        </p:txBody>
-      </p:sp>
-      <p:sp>
-        <p:nvSpPr>
-          <p:cNvPr id="14" name="原创设计师QQ：598969553              _8"/>
-          <p:cNvSpPr/>
-          <p:nvPr/>
-        </p:nvSpPr>
-        <p:spPr>
-          <a:xfrm>
-            <a:off x="797754" y="4551310"/>
-            <a:ext cx="687913" cy="646331"/>
-          </a:xfrm>
-          <a:prstGeom prst="rect">
-            <a:avLst/>
-          </a:prstGeom>
-          <a:noFill/>
-        </p:spPr>
-        <p:txBody>
-          <a:bodyPr wrap="square">
-            <a:spAutoFit/>
-          </a:bodyPr>
-          <a:lstStyle/>
-          <a:p>
-            <a:r>
-              <a:rPr lang="en-US" altLang="zh-CN" sz="3600" dirty="0">
-                <a:solidFill>
-                  <a:schemeClr val="bg1"/>
-                </a:solidFill>
-                <a:latin typeface="华文细黑" panose="02010600040101010101" pitchFamily="2" charset="-122"/>
-                <a:ea typeface="华文细黑" panose="02010600040101010101" pitchFamily="2" charset="-122"/>
-                <a:cs typeface="Arial" panose="020B0604020202020204" pitchFamily="34" charset="0"/>
-              </a:rPr>
-              <a:t>3</a:t>
-            </a:r>
-            <a:endParaRPr lang="zh-CN" altLang="en-US" sz="4800" dirty="0">
-              <a:solidFill>
-                <a:schemeClr val="bg1"/>
-              </a:solidFill>
-              <a:latin typeface="华文细黑" panose="02010600040101010101" pitchFamily="2" charset="-122"/>
-              <a:ea typeface="华文细黑" panose="02010600040101010101" pitchFamily="2" charset="-122"/>
-            </a:endParaRPr>
-          </a:p>
-        </p:txBody>
-      </p:sp>
-      <p:sp>
-        <p:nvSpPr>
-          <p:cNvPr id="15" name="矩形 14"/>
-          <p:cNvSpPr/>
-          <p:nvPr/>
-        </p:nvSpPr>
-        <p:spPr>
-          <a:xfrm>
-            <a:off x="1540365" y="4441499"/>
-            <a:ext cx="4301650" cy="1061829"/>
-          </a:xfrm>
-          <a:prstGeom prst="rect">
-            <a:avLst/>
-          </a:prstGeom>
-        </p:spPr>
-        <p:txBody>
-          <a:bodyPr wrap="square">
-            <a:spAutoFit/>
-          </a:bodyPr>
-          <a:lstStyle/>
-          <a:p>
-            <a:pPr>
-              <a:lnSpc>
-                <a:spcPct val="150000"/>
-              </a:lnSpc>
-            </a:pPr>
-            <a:r>
-              <a:rPr lang="zh-CN" altLang="en-US" dirty="0">
-                <a:solidFill>
-                  <a:srgbClr val="1D2D46"/>
-                </a:solidFill>
-                <a:latin typeface="微软雅黑" panose="020B0503020204020204" pitchFamily="34" charset="-122"/>
-                <a:ea typeface="微软雅黑" panose="020B0503020204020204" pitchFamily="34" charset="-122"/>
-              </a:rPr>
-              <a:t>可读性</a:t>
-            </a:r>
-            <a:r>
-              <a:rPr lang="zh-CN" altLang="en-US" dirty="0" smtClean="0">
-                <a:solidFill>
-                  <a:srgbClr val="1D2D46"/>
-                </a:solidFill>
-                <a:latin typeface="微软雅黑" panose="020B0503020204020204" pitchFamily="34" charset="-122"/>
-                <a:ea typeface="微软雅黑" panose="020B0503020204020204" pitchFamily="34" charset="-122"/>
-              </a:rPr>
-              <a:t>基本“</a:t>
-            </a:r>
-            <a:r>
-              <a:rPr lang="zh-CN" altLang="en-US" dirty="0">
-                <a:solidFill>
-                  <a:srgbClr val="1D2D46"/>
-                </a:solidFill>
-                <a:latin typeface="微软雅黑" panose="020B0503020204020204" pitchFamily="34" charset="-122"/>
-                <a:ea typeface="微软雅黑" panose="020B0503020204020204" pitchFamily="34" charset="-122"/>
-              </a:rPr>
-              <a:t>定理</a:t>
-            </a:r>
-            <a:r>
-              <a:rPr lang="zh-CN" altLang="en-US" dirty="0" smtClean="0">
-                <a:solidFill>
-                  <a:srgbClr val="1D2D46"/>
-                </a:solidFill>
-                <a:latin typeface="微软雅黑" panose="020B0503020204020204" pitchFamily="34" charset="-122"/>
-                <a:ea typeface="微软雅黑" panose="020B0503020204020204" pitchFamily="34" charset="-122"/>
-              </a:rPr>
-              <a:t>”</a:t>
-            </a:r>
-            <a:endParaRPr lang="en-US" altLang="zh-CN" dirty="0" smtClean="0">
-              <a:solidFill>
-                <a:srgbClr val="1D2D46"/>
-              </a:solidFill>
-              <a:latin typeface="微软雅黑" panose="020B0503020204020204" pitchFamily="34" charset="-122"/>
-              <a:ea typeface="微软雅黑" panose="020B0503020204020204" pitchFamily="34" charset="-122"/>
-            </a:endParaRPr>
-          </a:p>
-          <a:p>
-            <a:pPr>
-              <a:lnSpc>
-                <a:spcPct val="150000"/>
-              </a:lnSpc>
-            </a:pPr>
-            <a:r>
-              <a:rPr lang="zh-CN" altLang="en-US" sz="1200" dirty="0" smtClean="0">
-                <a:solidFill>
-                  <a:srgbClr val="1D2D46"/>
-                </a:solidFill>
-                <a:latin typeface="微软雅黑" panose="020B0503020204020204" pitchFamily="34" charset="-122"/>
-                <a:ea typeface="微软雅黑" panose="020B0503020204020204" pitchFamily="34" charset="-122"/>
-              </a:rPr>
-              <a:t>代码</a:t>
-            </a:r>
-            <a:r>
-              <a:rPr lang="zh-CN" altLang="en-US" sz="1200" dirty="0">
-                <a:solidFill>
-                  <a:srgbClr val="1D2D46"/>
-                </a:solidFill>
-                <a:latin typeface="微软雅黑" panose="020B0503020204020204" pitchFamily="34" charset="-122"/>
-                <a:ea typeface="微软雅黑" panose="020B0503020204020204" pitchFamily="34" charset="-122"/>
-              </a:rPr>
-              <a:t>的写法应当使别人理解它所需的时间最小</a:t>
-            </a:r>
-            <a:r>
-              <a:rPr lang="zh-CN" altLang="en-US" sz="1200" dirty="0" smtClean="0">
-                <a:solidFill>
-                  <a:srgbClr val="1D2D46"/>
-                </a:solidFill>
-                <a:latin typeface="微软雅黑" panose="020B0503020204020204" pitchFamily="34" charset="-122"/>
-                <a:ea typeface="微软雅黑" panose="020B0503020204020204" pitchFamily="34" charset="-122"/>
-              </a:rPr>
-              <a:t>化；</a:t>
-            </a:r>
-            <a:endParaRPr lang="en-US" altLang="zh-CN" sz="1200" dirty="0" smtClean="0">
-              <a:solidFill>
-                <a:srgbClr val="1D2D46"/>
-              </a:solidFill>
-              <a:latin typeface="微软雅黑" panose="020B0503020204020204" pitchFamily="34" charset="-122"/>
-              <a:ea typeface="微软雅黑" panose="020B0503020204020204" pitchFamily="34" charset="-122"/>
-            </a:endParaRPr>
-          </a:p>
-          <a:p>
-            <a:pPr>
-              <a:lnSpc>
-                <a:spcPct val="150000"/>
-              </a:lnSpc>
-            </a:pPr>
-            <a:r>
-              <a:rPr lang="zh-CN" altLang="en-US" sz="1200" dirty="0">
-                <a:solidFill>
-                  <a:srgbClr val="1D2D46"/>
-                </a:solidFill>
-                <a:latin typeface="微软雅黑" panose="020B0503020204020204" pitchFamily="34" charset="-122"/>
-                <a:ea typeface="微软雅黑" panose="020B0503020204020204" pitchFamily="34" charset="-122"/>
-              </a:rPr>
-              <a:t>编码时</a:t>
-            </a:r>
-            <a:r>
-              <a:rPr lang="zh-CN" altLang="en-US" sz="1200" dirty="0" smtClean="0">
-                <a:solidFill>
-                  <a:srgbClr val="1D2D46"/>
-                </a:solidFill>
-                <a:latin typeface="微软雅黑" panose="020B0503020204020204" pitchFamily="34" charset="-122"/>
-                <a:ea typeface="微软雅黑" panose="020B0503020204020204" pitchFamily="34" charset="-122"/>
-              </a:rPr>
-              <a:t>第一意识是如何做好代码可读性；</a:t>
-            </a:r>
-            <a:endParaRPr lang="en-US" altLang="zh-CN" sz="1200" dirty="0">
-              <a:solidFill>
-                <a:srgbClr val="1D2D46"/>
-              </a:solidFill>
-              <a:latin typeface="微软雅黑" panose="020B0503020204020204" pitchFamily="34" charset="-122"/>
-              <a:ea typeface="微软雅黑" panose="020B0503020204020204" pitchFamily="34" charset="-122"/>
-            </a:endParaRPr>
-          </a:p>
-        </p:txBody>
-      </p:sp>
-    </p:spTree>
-    <p:extLst>
-      <p:ext uri="{BB962C8B-B14F-4D97-AF65-F5344CB8AC3E}">
-        <p14:creationId xmlns:p14="http://schemas.microsoft.com/office/powerpoint/2010/main" val="2827168303"/>
-      </p:ext>
-    </p:extLst>
-  </p:cSld>
-  <p:clrMapOvr>
-    <a:masterClrMapping/>
-  </p:clrMapOvr>
-  <p:transition spd="slow" advClick="0" advTm="4000">
-    <p:wipe/>
-  </p:transition>
-</p:sld>
-</file>
-
-<file path=ppt/slides/slide5.xml><?xml version="1.0" encoding="utf-8"?>
+<file path=ppt/slides/slide6.xml><?xml version="1.0" encoding="utf-8"?>
 <p:sld xmlns:a="http://schemas.openxmlformats.org/drawingml/2006/main" xmlns:r="http://schemas.openxmlformats.org/officeDocument/2006/relationships" xmlns:p="http://schemas.openxmlformats.org/presentationml/2006/main">
   <p:cSld>
     <p:spTree>
@@ -10618,2647 +13286,6 @@
       </p:sp>
       <p:sp>
         <p:nvSpPr>
-          <p:cNvPr id="23" name="文本框 22"/>
-          <p:cNvSpPr txBox="1"/>
-          <p:nvPr/>
-        </p:nvSpPr>
-        <p:spPr>
-          <a:xfrm>
-            <a:off x="788228" y="380341"/>
-            <a:ext cx="1415772" cy="461665"/>
-          </a:xfrm>
-          <a:prstGeom prst="rect">
-            <a:avLst/>
-          </a:prstGeom>
-          <a:noFill/>
-        </p:spPr>
-        <p:txBody>
-          <a:bodyPr wrap="none" rtlCol="0">
-            <a:spAutoFit/>
-          </a:bodyPr>
-          <a:lstStyle/>
-          <a:p>
-            <a:r>
-              <a:rPr lang="zh-CN" altLang="en-US" sz="2400" dirty="0"/>
-              <a:t>编程规范</a:t>
-            </a:r>
-            <a:endParaRPr kumimoji="1" lang="zh-CN" altLang="en-US" sz="2400" dirty="0">
-              <a:solidFill>
-                <a:srgbClr val="1C2C44"/>
-              </a:solidFill>
-              <a:latin typeface="+mj-ea"/>
-              <a:ea typeface="+mj-ea"/>
-            </a:endParaRPr>
-          </a:p>
-        </p:txBody>
-      </p:sp>
-      <p:sp>
-        <p:nvSpPr>
-          <p:cNvPr id="43" name="任意多边形 15"/>
-          <p:cNvSpPr/>
-          <p:nvPr/>
-        </p:nvSpPr>
-        <p:spPr bwMode="auto">
-          <a:xfrm>
-            <a:off x="754835" y="2337925"/>
-            <a:ext cx="1601788" cy="451378"/>
-          </a:xfrm>
-          <a:custGeom>
-            <a:avLst/>
-            <a:gdLst>
-              <a:gd name="connsiteX0" fmla="*/ 0 w 1602178"/>
-              <a:gd name="connsiteY0" fmla="*/ 0 h 640871"/>
-              <a:gd name="connsiteX1" fmla="*/ 1281743 w 1602178"/>
-              <a:gd name="connsiteY1" fmla="*/ 0 h 640871"/>
-              <a:gd name="connsiteX2" fmla="*/ 1602178 w 1602178"/>
-              <a:gd name="connsiteY2" fmla="*/ 320436 h 640871"/>
-              <a:gd name="connsiteX3" fmla="*/ 1281743 w 1602178"/>
-              <a:gd name="connsiteY3" fmla="*/ 640871 h 640871"/>
-              <a:gd name="connsiteX4" fmla="*/ 0 w 1602178"/>
-              <a:gd name="connsiteY4" fmla="*/ 640871 h 640871"/>
-              <a:gd name="connsiteX5" fmla="*/ 320436 w 1602178"/>
-              <a:gd name="connsiteY5" fmla="*/ 320436 h 640871"/>
-              <a:gd name="connsiteX6" fmla="*/ 0 w 1602178"/>
-              <a:gd name="connsiteY6" fmla="*/ 0 h 640871"/>
-            </a:gdLst>
-            <a:ahLst/>
-            <a:cxnLst>
-              <a:cxn ang="0">
-                <a:pos x="connsiteX0" y="connsiteY0"/>
-              </a:cxn>
-              <a:cxn ang="0">
-                <a:pos x="connsiteX1" y="connsiteY1"/>
-              </a:cxn>
-              <a:cxn ang="0">
-                <a:pos x="connsiteX2" y="connsiteY2"/>
-              </a:cxn>
-              <a:cxn ang="0">
-                <a:pos x="connsiteX3" y="connsiteY3"/>
-              </a:cxn>
-              <a:cxn ang="0">
-                <a:pos x="connsiteX4" y="connsiteY4"/>
-              </a:cxn>
-              <a:cxn ang="0">
-                <a:pos x="connsiteX5" y="connsiteY5"/>
-              </a:cxn>
-              <a:cxn ang="0">
-                <a:pos x="connsiteX6" y="connsiteY6"/>
-              </a:cxn>
-            </a:cxnLst>
-            <a:rect l="l" t="t" r="r" b="b"/>
-            <a:pathLst>
-              <a:path w="1602178" h="640871">
-                <a:moveTo>
-                  <a:pt x="0" y="0"/>
-                </a:moveTo>
-                <a:lnTo>
-                  <a:pt x="1281743" y="0"/>
-                </a:lnTo>
-                <a:lnTo>
-                  <a:pt x="1602178" y="320436"/>
-                </a:lnTo>
-                <a:lnTo>
-                  <a:pt x="1281743" y="640871"/>
-                </a:lnTo>
-                <a:lnTo>
-                  <a:pt x="0" y="640871"/>
-                </a:lnTo>
-                <a:lnTo>
-                  <a:pt x="320436" y="320436"/>
-                </a:lnTo>
-                <a:lnTo>
-                  <a:pt x="0" y="0"/>
-                </a:lnTo>
-                <a:close/>
-              </a:path>
-            </a:pathLst>
-          </a:custGeom>
-          <a:solidFill>
-            <a:schemeClr val="accent3"/>
-          </a:solidFill>
-          <a:ln>
-            <a:noFill/>
-          </a:ln>
-        </p:spPr>
-        <p:style>
-          <a:lnRef idx="2">
-            <a:scrgbClr r="0" g="0" b="0"/>
-          </a:lnRef>
-          <a:fillRef idx="1">
-            <a:scrgbClr r="0" g="0" b="0"/>
-          </a:fillRef>
-          <a:effectRef idx="0">
-            <a:schemeClr val="accent4">
-              <a:hueOff val="0"/>
-              <a:satOff val="0"/>
-              <a:lumOff val="0"/>
-              <a:alphaOff val="0"/>
-            </a:schemeClr>
-          </a:effectRef>
-          <a:fontRef idx="minor">
-            <a:schemeClr val="lt1"/>
-          </a:fontRef>
-        </p:style>
-        <p:txBody>
-          <a:bodyPr lIns="330596" tIns="5080" rIns="320435" bIns="5080" spcCol="1270" anchor="ctr"/>
-          <a:lstStyle/>
-          <a:p>
-            <a:pPr algn="ctr" defTabSz="355600">
-              <a:lnSpc>
-                <a:spcPct val="90000"/>
-              </a:lnSpc>
-              <a:spcAft>
-                <a:spcPct val="35000"/>
-              </a:spcAft>
-              <a:defRPr/>
-            </a:pPr>
-            <a:r>
-              <a:rPr lang="zh-CN" altLang="en-US" dirty="0">
-                <a:solidFill>
-                  <a:schemeClr val="bg1"/>
-                </a:solidFill>
-              </a:rPr>
-              <a:t>代码格式</a:t>
-            </a:r>
-            <a:endParaRPr lang="en-US" altLang="zh-CN" sz="2400" dirty="0">
-              <a:solidFill>
-                <a:schemeClr val="bg1"/>
-              </a:solidFill>
-            </a:endParaRPr>
-          </a:p>
-        </p:txBody>
-      </p:sp>
-      <p:sp>
-        <p:nvSpPr>
-          <p:cNvPr id="44" name="任意多边形 16"/>
-          <p:cNvSpPr/>
-          <p:nvPr/>
-        </p:nvSpPr>
-        <p:spPr bwMode="auto">
-          <a:xfrm>
-            <a:off x="754835" y="3007438"/>
-            <a:ext cx="1601788" cy="467089"/>
-          </a:xfrm>
-          <a:custGeom>
-            <a:avLst/>
-            <a:gdLst>
-              <a:gd name="connsiteX0" fmla="*/ 0 w 1602178"/>
-              <a:gd name="connsiteY0" fmla="*/ 0 h 640871"/>
-              <a:gd name="connsiteX1" fmla="*/ 1281743 w 1602178"/>
-              <a:gd name="connsiteY1" fmla="*/ 0 h 640871"/>
-              <a:gd name="connsiteX2" fmla="*/ 1602178 w 1602178"/>
-              <a:gd name="connsiteY2" fmla="*/ 320436 h 640871"/>
-              <a:gd name="connsiteX3" fmla="*/ 1281743 w 1602178"/>
-              <a:gd name="connsiteY3" fmla="*/ 640871 h 640871"/>
-              <a:gd name="connsiteX4" fmla="*/ 0 w 1602178"/>
-              <a:gd name="connsiteY4" fmla="*/ 640871 h 640871"/>
-              <a:gd name="connsiteX5" fmla="*/ 320436 w 1602178"/>
-              <a:gd name="connsiteY5" fmla="*/ 320436 h 640871"/>
-              <a:gd name="connsiteX6" fmla="*/ 0 w 1602178"/>
-              <a:gd name="connsiteY6" fmla="*/ 0 h 640871"/>
-            </a:gdLst>
-            <a:ahLst/>
-            <a:cxnLst>
-              <a:cxn ang="0">
-                <a:pos x="connsiteX0" y="connsiteY0"/>
-              </a:cxn>
-              <a:cxn ang="0">
-                <a:pos x="connsiteX1" y="connsiteY1"/>
-              </a:cxn>
-              <a:cxn ang="0">
-                <a:pos x="connsiteX2" y="connsiteY2"/>
-              </a:cxn>
-              <a:cxn ang="0">
-                <a:pos x="connsiteX3" y="connsiteY3"/>
-              </a:cxn>
-              <a:cxn ang="0">
-                <a:pos x="connsiteX4" y="connsiteY4"/>
-              </a:cxn>
-              <a:cxn ang="0">
-                <a:pos x="connsiteX5" y="connsiteY5"/>
-              </a:cxn>
-              <a:cxn ang="0">
-                <a:pos x="connsiteX6" y="connsiteY6"/>
-              </a:cxn>
-            </a:cxnLst>
-            <a:rect l="l" t="t" r="r" b="b"/>
-            <a:pathLst>
-              <a:path w="1602178" h="640871">
-                <a:moveTo>
-                  <a:pt x="0" y="0"/>
-                </a:moveTo>
-                <a:lnTo>
-                  <a:pt x="1281743" y="0"/>
-                </a:lnTo>
-                <a:lnTo>
-                  <a:pt x="1602178" y="320436"/>
-                </a:lnTo>
-                <a:lnTo>
-                  <a:pt x="1281743" y="640871"/>
-                </a:lnTo>
-                <a:lnTo>
-                  <a:pt x="0" y="640871"/>
-                </a:lnTo>
-                <a:lnTo>
-                  <a:pt x="320436" y="320436"/>
-                </a:lnTo>
-                <a:lnTo>
-                  <a:pt x="0" y="0"/>
-                </a:lnTo>
-                <a:close/>
-              </a:path>
-            </a:pathLst>
-          </a:custGeom>
-          <a:solidFill>
-            <a:schemeClr val="accent4"/>
-          </a:solidFill>
-          <a:ln>
-            <a:noFill/>
-          </a:ln>
-        </p:spPr>
-        <p:style>
-          <a:lnRef idx="2">
-            <a:scrgbClr r="0" g="0" b="0"/>
-          </a:lnRef>
-          <a:fillRef idx="1">
-            <a:scrgbClr r="0" g="0" b="0"/>
-          </a:fillRef>
-          <a:effectRef idx="0">
-            <a:schemeClr val="accent5">
-              <a:hueOff val="0"/>
-              <a:satOff val="0"/>
-              <a:lumOff val="0"/>
-              <a:alphaOff val="0"/>
-            </a:schemeClr>
-          </a:effectRef>
-          <a:fontRef idx="minor">
-            <a:schemeClr val="lt1"/>
-          </a:fontRef>
-        </p:style>
-        <p:txBody>
-          <a:bodyPr lIns="330596" tIns="5080" rIns="320435" bIns="5080" spcCol="1270" anchor="ctr"/>
-          <a:lstStyle/>
-          <a:p>
-            <a:pPr algn="ctr" defTabSz="355600">
-              <a:lnSpc>
-                <a:spcPct val="90000"/>
-              </a:lnSpc>
-              <a:spcAft>
-                <a:spcPct val="35000"/>
-              </a:spcAft>
-              <a:defRPr/>
-            </a:pPr>
-            <a:r>
-              <a:rPr lang="en-US" altLang="zh-CN" sz="1600" b="1" dirty="0">
-                <a:solidFill>
-                  <a:schemeClr val="bg1"/>
-                </a:solidFill>
-              </a:rPr>
-              <a:t>OOP</a:t>
-            </a:r>
-            <a:r>
-              <a:rPr lang="zh-CN" altLang="en-US" sz="1600" b="1" dirty="0">
-                <a:solidFill>
-                  <a:schemeClr val="bg1"/>
-                </a:solidFill>
-              </a:rPr>
-              <a:t>规约</a:t>
-            </a:r>
-            <a:endParaRPr lang="en-US" sz="2400" b="1" dirty="0">
-              <a:solidFill>
-                <a:schemeClr val="bg1"/>
-              </a:solidFill>
-            </a:endParaRPr>
-          </a:p>
-        </p:txBody>
-      </p:sp>
-      <p:sp>
-        <p:nvSpPr>
-          <p:cNvPr id="45" name="任意多边形 14"/>
-          <p:cNvSpPr/>
-          <p:nvPr/>
-        </p:nvSpPr>
-        <p:spPr bwMode="auto">
-          <a:xfrm>
-            <a:off x="754835" y="1635038"/>
-            <a:ext cx="1601788" cy="444262"/>
-          </a:xfrm>
-          <a:custGeom>
-            <a:avLst/>
-            <a:gdLst>
-              <a:gd name="connsiteX0" fmla="*/ 0 w 1602178"/>
-              <a:gd name="connsiteY0" fmla="*/ 0 h 640871"/>
-              <a:gd name="connsiteX1" fmla="*/ 1281743 w 1602178"/>
-              <a:gd name="connsiteY1" fmla="*/ 0 h 640871"/>
-              <a:gd name="connsiteX2" fmla="*/ 1602178 w 1602178"/>
-              <a:gd name="connsiteY2" fmla="*/ 320436 h 640871"/>
-              <a:gd name="connsiteX3" fmla="*/ 1281743 w 1602178"/>
-              <a:gd name="connsiteY3" fmla="*/ 640871 h 640871"/>
-              <a:gd name="connsiteX4" fmla="*/ 0 w 1602178"/>
-              <a:gd name="connsiteY4" fmla="*/ 640871 h 640871"/>
-              <a:gd name="connsiteX5" fmla="*/ 320436 w 1602178"/>
-              <a:gd name="connsiteY5" fmla="*/ 320436 h 640871"/>
-              <a:gd name="connsiteX6" fmla="*/ 0 w 1602178"/>
-              <a:gd name="connsiteY6" fmla="*/ 0 h 640871"/>
-            </a:gdLst>
-            <a:ahLst/>
-            <a:cxnLst>
-              <a:cxn ang="0">
-                <a:pos x="connsiteX0" y="connsiteY0"/>
-              </a:cxn>
-              <a:cxn ang="0">
-                <a:pos x="connsiteX1" y="connsiteY1"/>
-              </a:cxn>
-              <a:cxn ang="0">
-                <a:pos x="connsiteX2" y="connsiteY2"/>
-              </a:cxn>
-              <a:cxn ang="0">
-                <a:pos x="connsiteX3" y="connsiteY3"/>
-              </a:cxn>
-              <a:cxn ang="0">
-                <a:pos x="connsiteX4" y="connsiteY4"/>
-              </a:cxn>
-              <a:cxn ang="0">
-                <a:pos x="connsiteX5" y="connsiteY5"/>
-              </a:cxn>
-              <a:cxn ang="0">
-                <a:pos x="connsiteX6" y="connsiteY6"/>
-              </a:cxn>
-            </a:cxnLst>
-            <a:rect l="l" t="t" r="r" b="b"/>
-            <a:pathLst>
-              <a:path w="1602178" h="640871">
-                <a:moveTo>
-                  <a:pt x="0" y="0"/>
-                </a:moveTo>
-                <a:lnTo>
-                  <a:pt x="1281743" y="0"/>
-                </a:lnTo>
-                <a:lnTo>
-                  <a:pt x="1602178" y="320436"/>
-                </a:lnTo>
-                <a:lnTo>
-                  <a:pt x="1281743" y="640871"/>
-                </a:lnTo>
-                <a:lnTo>
-                  <a:pt x="0" y="640871"/>
-                </a:lnTo>
-                <a:lnTo>
-                  <a:pt x="320436" y="320436"/>
-                </a:lnTo>
-                <a:lnTo>
-                  <a:pt x="0" y="0"/>
-                </a:lnTo>
-                <a:close/>
-              </a:path>
-            </a:pathLst>
-          </a:custGeom>
-          <a:solidFill>
-            <a:schemeClr val="accent2"/>
-          </a:solidFill>
-          <a:ln>
-            <a:noFill/>
-          </a:ln>
-        </p:spPr>
-        <p:style>
-          <a:lnRef idx="2">
-            <a:scrgbClr r="0" g="0" b="0"/>
-          </a:lnRef>
-          <a:fillRef idx="1">
-            <a:scrgbClr r="0" g="0" b="0"/>
-          </a:fillRef>
-          <a:effectRef idx="0">
-            <a:schemeClr val="accent3">
-              <a:hueOff val="0"/>
-              <a:satOff val="0"/>
-              <a:lumOff val="0"/>
-              <a:alphaOff val="0"/>
-            </a:schemeClr>
-          </a:effectRef>
-          <a:fontRef idx="minor">
-            <a:schemeClr val="lt1"/>
-          </a:fontRef>
-        </p:style>
-        <p:txBody>
-          <a:bodyPr lIns="330596" tIns="5080" rIns="320435" bIns="5080" spcCol="1270" anchor="ctr"/>
-          <a:lstStyle/>
-          <a:p>
-            <a:pPr algn="ctr" defTabSz="355600">
-              <a:lnSpc>
-                <a:spcPct val="90000"/>
-              </a:lnSpc>
-              <a:spcAft>
-                <a:spcPct val="35000"/>
-              </a:spcAft>
-              <a:defRPr/>
-            </a:pPr>
-            <a:r>
-              <a:rPr lang="zh-CN" altLang="en-US" dirty="0">
-                <a:solidFill>
-                  <a:schemeClr val="bg1"/>
-                </a:solidFill>
-              </a:rPr>
-              <a:t>常量定义</a:t>
-            </a:r>
-            <a:endParaRPr lang="en-US" dirty="0">
-              <a:solidFill>
-                <a:schemeClr val="bg1"/>
-              </a:solidFill>
-            </a:endParaRPr>
-          </a:p>
-        </p:txBody>
-      </p:sp>
-      <p:sp>
-        <p:nvSpPr>
-          <p:cNvPr id="46" name="任意多边形 15"/>
-          <p:cNvSpPr/>
-          <p:nvPr/>
-        </p:nvSpPr>
-        <p:spPr bwMode="auto">
-          <a:xfrm>
-            <a:off x="754835" y="872968"/>
-            <a:ext cx="1601788" cy="421225"/>
-          </a:xfrm>
-          <a:custGeom>
-            <a:avLst/>
-            <a:gdLst>
-              <a:gd name="connsiteX0" fmla="*/ 0 w 1602178"/>
-              <a:gd name="connsiteY0" fmla="*/ 0 h 640871"/>
-              <a:gd name="connsiteX1" fmla="*/ 1281743 w 1602178"/>
-              <a:gd name="connsiteY1" fmla="*/ 0 h 640871"/>
-              <a:gd name="connsiteX2" fmla="*/ 1602178 w 1602178"/>
-              <a:gd name="connsiteY2" fmla="*/ 320436 h 640871"/>
-              <a:gd name="connsiteX3" fmla="*/ 1281743 w 1602178"/>
-              <a:gd name="connsiteY3" fmla="*/ 640871 h 640871"/>
-              <a:gd name="connsiteX4" fmla="*/ 0 w 1602178"/>
-              <a:gd name="connsiteY4" fmla="*/ 640871 h 640871"/>
-              <a:gd name="connsiteX5" fmla="*/ 320436 w 1602178"/>
-              <a:gd name="connsiteY5" fmla="*/ 320436 h 640871"/>
-              <a:gd name="connsiteX6" fmla="*/ 0 w 1602178"/>
-              <a:gd name="connsiteY6" fmla="*/ 0 h 640871"/>
-            </a:gdLst>
-            <a:ahLst/>
-            <a:cxnLst>
-              <a:cxn ang="0">
-                <a:pos x="connsiteX0" y="connsiteY0"/>
-              </a:cxn>
-              <a:cxn ang="0">
-                <a:pos x="connsiteX1" y="connsiteY1"/>
-              </a:cxn>
-              <a:cxn ang="0">
-                <a:pos x="connsiteX2" y="connsiteY2"/>
-              </a:cxn>
-              <a:cxn ang="0">
-                <a:pos x="connsiteX3" y="connsiteY3"/>
-              </a:cxn>
-              <a:cxn ang="0">
-                <a:pos x="connsiteX4" y="connsiteY4"/>
-              </a:cxn>
-              <a:cxn ang="0">
-                <a:pos x="connsiteX5" y="connsiteY5"/>
-              </a:cxn>
-              <a:cxn ang="0">
-                <a:pos x="connsiteX6" y="connsiteY6"/>
-              </a:cxn>
-            </a:cxnLst>
-            <a:rect l="l" t="t" r="r" b="b"/>
-            <a:pathLst>
-              <a:path w="1602178" h="640871">
-                <a:moveTo>
-                  <a:pt x="0" y="0"/>
-                </a:moveTo>
-                <a:lnTo>
-                  <a:pt x="1281743" y="0"/>
-                </a:lnTo>
-                <a:lnTo>
-                  <a:pt x="1602178" y="320436"/>
-                </a:lnTo>
-                <a:lnTo>
-                  <a:pt x="1281743" y="640871"/>
-                </a:lnTo>
-                <a:lnTo>
-                  <a:pt x="0" y="640871"/>
-                </a:lnTo>
-                <a:lnTo>
-                  <a:pt x="320436" y="320436"/>
-                </a:lnTo>
-                <a:lnTo>
-                  <a:pt x="0" y="0"/>
-                </a:lnTo>
-                <a:close/>
-              </a:path>
-            </a:pathLst>
-          </a:custGeom>
-          <a:solidFill>
-            <a:schemeClr val="accent3"/>
-          </a:solidFill>
-          <a:ln>
-            <a:noFill/>
-          </a:ln>
-        </p:spPr>
-        <p:style>
-          <a:lnRef idx="2">
-            <a:scrgbClr r="0" g="0" b="0"/>
-          </a:lnRef>
-          <a:fillRef idx="1">
-            <a:scrgbClr r="0" g="0" b="0"/>
-          </a:fillRef>
-          <a:effectRef idx="0">
-            <a:schemeClr val="accent4">
-              <a:hueOff val="0"/>
-              <a:satOff val="0"/>
-              <a:lumOff val="0"/>
-              <a:alphaOff val="0"/>
-            </a:schemeClr>
-          </a:effectRef>
-          <a:fontRef idx="minor">
-            <a:schemeClr val="lt1"/>
-          </a:fontRef>
-        </p:style>
-        <p:txBody>
-          <a:bodyPr lIns="330596" tIns="5080" rIns="320435" bIns="5080" spcCol="1270" anchor="ctr"/>
-          <a:lstStyle/>
-          <a:p>
-            <a:pPr algn="ctr" defTabSz="355600" eaLnBrk="1" fontAlgn="auto" hangingPunct="1">
-              <a:lnSpc>
-                <a:spcPct val="90000"/>
-              </a:lnSpc>
-              <a:spcAft>
-                <a:spcPct val="35000"/>
-              </a:spcAft>
-              <a:defRPr/>
-            </a:pPr>
-            <a:r>
-              <a:rPr lang="zh-CN" altLang="en-US" dirty="0" smtClean="0">
-                <a:solidFill>
-                  <a:schemeClr val="bg1"/>
-                </a:solidFill>
-              </a:rPr>
-              <a:t>命名风格</a:t>
-            </a:r>
-            <a:endParaRPr lang="en-US" altLang="zh-CN" dirty="0">
-              <a:solidFill>
-                <a:schemeClr val="bg1"/>
-              </a:solidFill>
-            </a:endParaRPr>
-          </a:p>
-        </p:txBody>
-      </p:sp>
-      <p:sp>
-        <p:nvSpPr>
-          <p:cNvPr id="47" name="矩形 46"/>
-          <p:cNvSpPr/>
-          <p:nvPr/>
-        </p:nvSpPr>
-        <p:spPr>
-          <a:xfrm>
-            <a:off x="2670976" y="879418"/>
-            <a:ext cx="6213766" cy="328936"/>
-          </a:xfrm>
-          <a:prstGeom prst="rect">
-            <a:avLst/>
-          </a:prstGeom>
-          <a:ln>
-            <a:noFill/>
-          </a:ln>
-        </p:spPr>
-        <p:txBody>
-          <a:bodyPr wrap="square">
-            <a:spAutoFit/>
-            <a:scene3d>
-              <a:camera prst="orthographicFront"/>
-              <a:lightRig rig="threePt" dir="t"/>
-            </a:scene3d>
-            <a:sp3d contourW="12700"/>
-          </a:bodyPr>
-          <a:lstStyle>
-            <a:defPPr>
-              <a:defRPr lang="zh-CN"/>
-            </a:defPPr>
-            <a:lvl1pPr marL="0" algn="l" defTabSz="914400" rtl="0" eaLnBrk="1" latinLnBrk="0" hangingPunct="1">
-              <a:defRPr sz="1800" kern="1200">
-                <a:solidFill>
-                  <a:schemeClr val="tx1"/>
-                </a:solidFill>
-                <a:latin typeface="+mn-lt"/>
-                <a:ea typeface="+mn-ea"/>
-                <a:cs typeface="+mn-cs"/>
-              </a:defRPr>
-            </a:lvl1pPr>
-            <a:lvl2pPr marL="457200" algn="l" defTabSz="914400" rtl="0" eaLnBrk="1" latinLnBrk="0" hangingPunct="1">
-              <a:defRPr sz="1800" kern="1200">
-                <a:solidFill>
-                  <a:schemeClr val="tx1"/>
-                </a:solidFill>
-                <a:latin typeface="+mn-lt"/>
-                <a:ea typeface="+mn-ea"/>
-                <a:cs typeface="+mn-cs"/>
-              </a:defRPr>
-            </a:lvl2pPr>
-            <a:lvl3pPr marL="914400" algn="l" defTabSz="914400" rtl="0" eaLnBrk="1" latinLnBrk="0" hangingPunct="1">
-              <a:defRPr sz="1800" kern="1200">
-                <a:solidFill>
-                  <a:schemeClr val="tx1"/>
-                </a:solidFill>
-                <a:latin typeface="+mn-lt"/>
-                <a:ea typeface="+mn-ea"/>
-                <a:cs typeface="+mn-cs"/>
-              </a:defRPr>
-            </a:lvl3pPr>
-            <a:lvl4pPr marL="1371600" algn="l" defTabSz="914400" rtl="0" eaLnBrk="1" latinLnBrk="0" hangingPunct="1">
-              <a:defRPr sz="1800" kern="1200">
-                <a:solidFill>
-                  <a:schemeClr val="tx1"/>
-                </a:solidFill>
-                <a:latin typeface="+mn-lt"/>
-                <a:ea typeface="+mn-ea"/>
-                <a:cs typeface="+mn-cs"/>
-              </a:defRPr>
-            </a:lvl4pPr>
-            <a:lvl5pPr marL="1828800" algn="l" defTabSz="914400" rtl="0" eaLnBrk="1" latinLnBrk="0" hangingPunct="1">
-              <a:defRPr sz="1800" kern="1200">
-                <a:solidFill>
-                  <a:schemeClr val="tx1"/>
-                </a:solidFill>
-                <a:latin typeface="+mn-lt"/>
-                <a:ea typeface="+mn-ea"/>
-                <a:cs typeface="+mn-cs"/>
-              </a:defRPr>
-            </a:lvl5pPr>
-            <a:lvl6pPr marL="2286000" algn="l" defTabSz="914400" rtl="0" eaLnBrk="1" latinLnBrk="0" hangingPunct="1">
-              <a:defRPr sz="1800" kern="1200">
-                <a:solidFill>
-                  <a:schemeClr val="tx1"/>
-                </a:solidFill>
-                <a:latin typeface="+mn-lt"/>
-                <a:ea typeface="+mn-ea"/>
-                <a:cs typeface="+mn-cs"/>
-              </a:defRPr>
-            </a:lvl6pPr>
-            <a:lvl7pPr marL="2743200" algn="l" defTabSz="914400" rtl="0" eaLnBrk="1" latinLnBrk="0" hangingPunct="1">
-              <a:defRPr sz="1800" kern="1200">
-                <a:solidFill>
-                  <a:schemeClr val="tx1"/>
-                </a:solidFill>
-                <a:latin typeface="+mn-lt"/>
-                <a:ea typeface="+mn-ea"/>
-                <a:cs typeface="+mn-cs"/>
-              </a:defRPr>
-            </a:lvl7pPr>
-            <a:lvl8pPr marL="3200400" algn="l" defTabSz="914400" rtl="0" eaLnBrk="1" latinLnBrk="0" hangingPunct="1">
-              <a:defRPr sz="1800" kern="1200">
-                <a:solidFill>
-                  <a:schemeClr val="tx1"/>
-                </a:solidFill>
-                <a:latin typeface="+mn-lt"/>
-                <a:ea typeface="+mn-ea"/>
-                <a:cs typeface="+mn-cs"/>
-              </a:defRPr>
-            </a:lvl8pPr>
-            <a:lvl9pPr marL="3657600" algn="l" defTabSz="914400" rtl="0" eaLnBrk="1" latinLnBrk="0" hangingPunct="1">
-              <a:defRPr sz="1800" kern="1200">
-                <a:solidFill>
-                  <a:schemeClr val="tx1"/>
-                </a:solidFill>
-                <a:latin typeface="+mn-lt"/>
-                <a:ea typeface="+mn-ea"/>
-                <a:cs typeface="+mn-cs"/>
-              </a:defRPr>
-            </a:lvl9pPr>
-          </a:lstStyle>
-          <a:p>
-            <a:pPr algn="just">
-              <a:lnSpc>
-                <a:spcPct val="120000"/>
-              </a:lnSpc>
-            </a:pPr>
-            <a:r>
-              <a:rPr lang="zh-CN" altLang="en-US" sz="1400" dirty="0" smtClean="0">
-                <a:solidFill>
-                  <a:schemeClr val="tx1">
-                    <a:lumMod val="65000"/>
-                    <a:lumOff val="35000"/>
-                  </a:schemeClr>
-                </a:solidFill>
-                <a:latin typeface="+mn-ea"/>
-              </a:rPr>
-              <a:t>变量、类名（抽象类、接口、服务类）、方法名、常量名、属性名、包名</a:t>
-            </a:r>
-            <a:endParaRPr lang="zh-CN" altLang="en-US" sz="1400" dirty="0">
-              <a:solidFill>
-                <a:schemeClr val="tx1">
-                  <a:lumMod val="65000"/>
-                  <a:lumOff val="35000"/>
-                </a:schemeClr>
-              </a:solidFill>
-              <a:latin typeface="+mn-ea"/>
-            </a:endParaRPr>
-          </a:p>
-        </p:txBody>
-      </p:sp>
-      <p:sp>
-        <p:nvSpPr>
-          <p:cNvPr id="48" name="矩形 47"/>
-          <p:cNvSpPr/>
-          <p:nvPr/>
-        </p:nvSpPr>
-        <p:spPr>
-          <a:xfrm>
-            <a:off x="2670976" y="1635038"/>
-            <a:ext cx="6213766" cy="328936"/>
-          </a:xfrm>
-          <a:prstGeom prst="rect">
-            <a:avLst/>
-          </a:prstGeom>
-          <a:ln>
-            <a:noFill/>
-          </a:ln>
-        </p:spPr>
-        <p:txBody>
-          <a:bodyPr wrap="square">
-            <a:spAutoFit/>
-            <a:scene3d>
-              <a:camera prst="orthographicFront"/>
-              <a:lightRig rig="threePt" dir="t"/>
-            </a:scene3d>
-            <a:sp3d contourW="12700"/>
-          </a:bodyPr>
-          <a:lstStyle>
-            <a:defPPr>
-              <a:defRPr lang="zh-CN"/>
-            </a:defPPr>
-            <a:lvl1pPr marL="0" algn="l" defTabSz="914400" rtl="0" eaLnBrk="1" latinLnBrk="0" hangingPunct="1">
-              <a:defRPr sz="1800" kern="1200">
-                <a:solidFill>
-                  <a:schemeClr val="tx1"/>
-                </a:solidFill>
-                <a:latin typeface="+mn-lt"/>
-                <a:ea typeface="+mn-ea"/>
-                <a:cs typeface="+mn-cs"/>
-              </a:defRPr>
-            </a:lvl1pPr>
-            <a:lvl2pPr marL="457200" algn="l" defTabSz="914400" rtl="0" eaLnBrk="1" latinLnBrk="0" hangingPunct="1">
-              <a:defRPr sz="1800" kern="1200">
-                <a:solidFill>
-                  <a:schemeClr val="tx1"/>
-                </a:solidFill>
-                <a:latin typeface="+mn-lt"/>
-                <a:ea typeface="+mn-ea"/>
-                <a:cs typeface="+mn-cs"/>
-              </a:defRPr>
-            </a:lvl2pPr>
-            <a:lvl3pPr marL="914400" algn="l" defTabSz="914400" rtl="0" eaLnBrk="1" latinLnBrk="0" hangingPunct="1">
-              <a:defRPr sz="1800" kern="1200">
-                <a:solidFill>
-                  <a:schemeClr val="tx1"/>
-                </a:solidFill>
-                <a:latin typeface="+mn-lt"/>
-                <a:ea typeface="+mn-ea"/>
-                <a:cs typeface="+mn-cs"/>
-              </a:defRPr>
-            </a:lvl3pPr>
-            <a:lvl4pPr marL="1371600" algn="l" defTabSz="914400" rtl="0" eaLnBrk="1" latinLnBrk="0" hangingPunct="1">
-              <a:defRPr sz="1800" kern="1200">
-                <a:solidFill>
-                  <a:schemeClr val="tx1"/>
-                </a:solidFill>
-                <a:latin typeface="+mn-lt"/>
-                <a:ea typeface="+mn-ea"/>
-                <a:cs typeface="+mn-cs"/>
-              </a:defRPr>
-            </a:lvl4pPr>
-            <a:lvl5pPr marL="1828800" algn="l" defTabSz="914400" rtl="0" eaLnBrk="1" latinLnBrk="0" hangingPunct="1">
-              <a:defRPr sz="1800" kern="1200">
-                <a:solidFill>
-                  <a:schemeClr val="tx1"/>
-                </a:solidFill>
-                <a:latin typeface="+mn-lt"/>
-                <a:ea typeface="+mn-ea"/>
-                <a:cs typeface="+mn-cs"/>
-              </a:defRPr>
-            </a:lvl5pPr>
-            <a:lvl6pPr marL="2286000" algn="l" defTabSz="914400" rtl="0" eaLnBrk="1" latinLnBrk="0" hangingPunct="1">
-              <a:defRPr sz="1800" kern="1200">
-                <a:solidFill>
-                  <a:schemeClr val="tx1"/>
-                </a:solidFill>
-                <a:latin typeface="+mn-lt"/>
-                <a:ea typeface="+mn-ea"/>
-                <a:cs typeface="+mn-cs"/>
-              </a:defRPr>
-            </a:lvl6pPr>
-            <a:lvl7pPr marL="2743200" algn="l" defTabSz="914400" rtl="0" eaLnBrk="1" latinLnBrk="0" hangingPunct="1">
-              <a:defRPr sz="1800" kern="1200">
-                <a:solidFill>
-                  <a:schemeClr val="tx1"/>
-                </a:solidFill>
-                <a:latin typeface="+mn-lt"/>
-                <a:ea typeface="+mn-ea"/>
-                <a:cs typeface="+mn-cs"/>
-              </a:defRPr>
-            </a:lvl7pPr>
-            <a:lvl8pPr marL="3200400" algn="l" defTabSz="914400" rtl="0" eaLnBrk="1" latinLnBrk="0" hangingPunct="1">
-              <a:defRPr sz="1800" kern="1200">
-                <a:solidFill>
-                  <a:schemeClr val="tx1"/>
-                </a:solidFill>
-                <a:latin typeface="+mn-lt"/>
-                <a:ea typeface="+mn-ea"/>
-                <a:cs typeface="+mn-cs"/>
-              </a:defRPr>
-            </a:lvl8pPr>
-            <a:lvl9pPr marL="3657600" algn="l" defTabSz="914400" rtl="0" eaLnBrk="1" latinLnBrk="0" hangingPunct="1">
-              <a:defRPr sz="1800" kern="1200">
-                <a:solidFill>
-                  <a:schemeClr val="tx1"/>
-                </a:solidFill>
-                <a:latin typeface="+mn-lt"/>
-                <a:ea typeface="+mn-ea"/>
-                <a:cs typeface="+mn-cs"/>
-              </a:defRPr>
-            </a:lvl9pPr>
-          </a:lstStyle>
-          <a:p>
-            <a:pPr algn="just">
-              <a:lnSpc>
-                <a:spcPct val="120000"/>
-              </a:lnSpc>
-            </a:pPr>
-            <a:r>
-              <a:rPr lang="zh-CN" altLang="en-US" sz="1400" dirty="0" smtClean="0">
-                <a:solidFill>
-                  <a:schemeClr val="tx1">
-                    <a:lumMod val="65000"/>
-                    <a:lumOff val="35000"/>
-                  </a:schemeClr>
-                </a:solidFill>
-                <a:latin typeface="+mn-ea"/>
-              </a:rPr>
-              <a:t>魔法值、枚举、常量类定义</a:t>
-            </a:r>
-            <a:endParaRPr lang="zh-CN" altLang="en-US" sz="1400" dirty="0">
-              <a:solidFill>
-                <a:schemeClr val="tx1">
-                  <a:lumMod val="65000"/>
-                  <a:lumOff val="35000"/>
-                </a:schemeClr>
-              </a:solidFill>
-              <a:latin typeface="+mn-ea"/>
-            </a:endParaRPr>
-          </a:p>
-        </p:txBody>
-      </p:sp>
-      <p:sp>
-        <p:nvSpPr>
-          <p:cNvPr id="49" name="矩形 48"/>
-          <p:cNvSpPr/>
-          <p:nvPr/>
-        </p:nvSpPr>
-        <p:spPr>
-          <a:xfrm>
-            <a:off x="2670976" y="2320544"/>
-            <a:ext cx="6213766" cy="328936"/>
-          </a:xfrm>
-          <a:prstGeom prst="rect">
-            <a:avLst/>
-          </a:prstGeom>
-          <a:ln>
-            <a:noFill/>
-          </a:ln>
-        </p:spPr>
-        <p:txBody>
-          <a:bodyPr wrap="square">
-            <a:spAutoFit/>
-            <a:scene3d>
-              <a:camera prst="orthographicFront"/>
-              <a:lightRig rig="threePt" dir="t"/>
-            </a:scene3d>
-            <a:sp3d contourW="12700"/>
-          </a:bodyPr>
-          <a:lstStyle>
-            <a:defPPr>
-              <a:defRPr lang="zh-CN"/>
-            </a:defPPr>
-            <a:lvl1pPr marL="0" algn="l" defTabSz="914400" rtl="0" eaLnBrk="1" latinLnBrk="0" hangingPunct="1">
-              <a:defRPr sz="1800" kern="1200">
-                <a:solidFill>
-                  <a:schemeClr val="tx1"/>
-                </a:solidFill>
-                <a:latin typeface="+mn-lt"/>
-                <a:ea typeface="+mn-ea"/>
-                <a:cs typeface="+mn-cs"/>
-              </a:defRPr>
-            </a:lvl1pPr>
-            <a:lvl2pPr marL="457200" algn="l" defTabSz="914400" rtl="0" eaLnBrk="1" latinLnBrk="0" hangingPunct="1">
-              <a:defRPr sz="1800" kern="1200">
-                <a:solidFill>
-                  <a:schemeClr val="tx1"/>
-                </a:solidFill>
-                <a:latin typeface="+mn-lt"/>
-                <a:ea typeface="+mn-ea"/>
-                <a:cs typeface="+mn-cs"/>
-              </a:defRPr>
-            </a:lvl2pPr>
-            <a:lvl3pPr marL="914400" algn="l" defTabSz="914400" rtl="0" eaLnBrk="1" latinLnBrk="0" hangingPunct="1">
-              <a:defRPr sz="1800" kern="1200">
-                <a:solidFill>
-                  <a:schemeClr val="tx1"/>
-                </a:solidFill>
-                <a:latin typeface="+mn-lt"/>
-                <a:ea typeface="+mn-ea"/>
-                <a:cs typeface="+mn-cs"/>
-              </a:defRPr>
-            </a:lvl3pPr>
-            <a:lvl4pPr marL="1371600" algn="l" defTabSz="914400" rtl="0" eaLnBrk="1" latinLnBrk="0" hangingPunct="1">
-              <a:defRPr sz="1800" kern="1200">
-                <a:solidFill>
-                  <a:schemeClr val="tx1"/>
-                </a:solidFill>
-                <a:latin typeface="+mn-lt"/>
-                <a:ea typeface="+mn-ea"/>
-                <a:cs typeface="+mn-cs"/>
-              </a:defRPr>
-            </a:lvl4pPr>
-            <a:lvl5pPr marL="1828800" algn="l" defTabSz="914400" rtl="0" eaLnBrk="1" latinLnBrk="0" hangingPunct="1">
-              <a:defRPr sz="1800" kern="1200">
-                <a:solidFill>
-                  <a:schemeClr val="tx1"/>
-                </a:solidFill>
-                <a:latin typeface="+mn-lt"/>
-                <a:ea typeface="+mn-ea"/>
-                <a:cs typeface="+mn-cs"/>
-              </a:defRPr>
-            </a:lvl5pPr>
-            <a:lvl6pPr marL="2286000" algn="l" defTabSz="914400" rtl="0" eaLnBrk="1" latinLnBrk="0" hangingPunct="1">
-              <a:defRPr sz="1800" kern="1200">
-                <a:solidFill>
-                  <a:schemeClr val="tx1"/>
-                </a:solidFill>
-                <a:latin typeface="+mn-lt"/>
-                <a:ea typeface="+mn-ea"/>
-                <a:cs typeface="+mn-cs"/>
-              </a:defRPr>
-            </a:lvl6pPr>
-            <a:lvl7pPr marL="2743200" algn="l" defTabSz="914400" rtl="0" eaLnBrk="1" latinLnBrk="0" hangingPunct="1">
-              <a:defRPr sz="1800" kern="1200">
-                <a:solidFill>
-                  <a:schemeClr val="tx1"/>
-                </a:solidFill>
-                <a:latin typeface="+mn-lt"/>
-                <a:ea typeface="+mn-ea"/>
-                <a:cs typeface="+mn-cs"/>
-              </a:defRPr>
-            </a:lvl7pPr>
-            <a:lvl8pPr marL="3200400" algn="l" defTabSz="914400" rtl="0" eaLnBrk="1" latinLnBrk="0" hangingPunct="1">
-              <a:defRPr sz="1800" kern="1200">
-                <a:solidFill>
-                  <a:schemeClr val="tx1"/>
-                </a:solidFill>
-                <a:latin typeface="+mn-lt"/>
-                <a:ea typeface="+mn-ea"/>
-                <a:cs typeface="+mn-cs"/>
-              </a:defRPr>
-            </a:lvl8pPr>
-            <a:lvl9pPr marL="3657600" algn="l" defTabSz="914400" rtl="0" eaLnBrk="1" latinLnBrk="0" hangingPunct="1">
-              <a:defRPr sz="1800" kern="1200">
-                <a:solidFill>
-                  <a:schemeClr val="tx1"/>
-                </a:solidFill>
-                <a:latin typeface="+mn-lt"/>
-                <a:ea typeface="+mn-ea"/>
-                <a:cs typeface="+mn-cs"/>
-              </a:defRPr>
-            </a:lvl9pPr>
-          </a:lstStyle>
-          <a:p>
-            <a:pPr algn="just">
-              <a:lnSpc>
-                <a:spcPct val="120000"/>
-              </a:lnSpc>
-            </a:pPr>
-            <a:r>
-              <a:rPr lang="zh-CN" altLang="en-US" sz="1400" dirty="0" smtClean="0">
-                <a:solidFill>
-                  <a:schemeClr val="tx1">
-                    <a:lumMod val="65000"/>
-                    <a:lumOff val="35000"/>
-                  </a:schemeClr>
-                </a:solidFill>
-                <a:latin typeface="+mn-ea"/>
-              </a:rPr>
-              <a:t>一些空格和大括号</a:t>
-            </a:r>
-            <a:r>
-              <a:rPr lang="en-US" altLang="zh-CN" sz="1400" dirty="0" smtClean="0">
-                <a:solidFill>
-                  <a:schemeClr val="tx1">
-                    <a:lumMod val="65000"/>
-                    <a:lumOff val="35000"/>
-                  </a:schemeClr>
-                </a:solidFill>
-                <a:latin typeface="+mn-ea"/>
-              </a:rPr>
-              <a:t>/</a:t>
-            </a:r>
-            <a:r>
-              <a:rPr lang="zh-CN" altLang="en-US" sz="1400" dirty="0" smtClean="0">
-                <a:solidFill>
-                  <a:schemeClr val="tx1">
-                    <a:lumMod val="65000"/>
-                    <a:lumOff val="35000"/>
-                  </a:schemeClr>
-                </a:solidFill>
-                <a:latin typeface="+mn-ea"/>
-              </a:rPr>
-              <a:t>小括号的使用问题</a:t>
-            </a:r>
-            <a:endParaRPr lang="zh-CN" altLang="en-US" sz="1400" dirty="0">
-              <a:solidFill>
-                <a:schemeClr val="tx1">
-                  <a:lumMod val="65000"/>
-                  <a:lumOff val="35000"/>
-                </a:schemeClr>
-              </a:solidFill>
-              <a:latin typeface="+mn-ea"/>
-            </a:endParaRPr>
-          </a:p>
-        </p:txBody>
-      </p:sp>
-      <p:sp>
-        <p:nvSpPr>
-          <p:cNvPr id="50" name="矩形 49"/>
-          <p:cNvSpPr/>
-          <p:nvPr/>
-        </p:nvSpPr>
-        <p:spPr>
-          <a:xfrm>
-            <a:off x="2670976" y="3087426"/>
-            <a:ext cx="6213766" cy="350865"/>
-          </a:xfrm>
-          <a:prstGeom prst="rect">
-            <a:avLst/>
-          </a:prstGeom>
-          <a:ln>
-            <a:noFill/>
-          </a:ln>
-        </p:spPr>
-        <p:txBody>
-          <a:bodyPr wrap="square">
-            <a:spAutoFit/>
-            <a:scene3d>
-              <a:camera prst="orthographicFront"/>
-              <a:lightRig rig="threePt" dir="t"/>
-            </a:scene3d>
-            <a:sp3d contourW="12700"/>
-          </a:bodyPr>
-          <a:lstStyle>
-            <a:defPPr>
-              <a:defRPr lang="zh-CN"/>
-            </a:defPPr>
-            <a:lvl1pPr marL="0" algn="l" defTabSz="914400" rtl="0" eaLnBrk="1" latinLnBrk="0" hangingPunct="1">
-              <a:defRPr sz="1800" kern="1200">
-                <a:solidFill>
-                  <a:schemeClr val="tx1"/>
-                </a:solidFill>
-                <a:latin typeface="+mn-lt"/>
-                <a:ea typeface="+mn-ea"/>
-                <a:cs typeface="+mn-cs"/>
-              </a:defRPr>
-            </a:lvl1pPr>
-            <a:lvl2pPr marL="457200" algn="l" defTabSz="914400" rtl="0" eaLnBrk="1" latinLnBrk="0" hangingPunct="1">
-              <a:defRPr sz="1800" kern="1200">
-                <a:solidFill>
-                  <a:schemeClr val="tx1"/>
-                </a:solidFill>
-                <a:latin typeface="+mn-lt"/>
-                <a:ea typeface="+mn-ea"/>
-                <a:cs typeface="+mn-cs"/>
-              </a:defRPr>
-            </a:lvl2pPr>
-            <a:lvl3pPr marL="914400" algn="l" defTabSz="914400" rtl="0" eaLnBrk="1" latinLnBrk="0" hangingPunct="1">
-              <a:defRPr sz="1800" kern="1200">
-                <a:solidFill>
-                  <a:schemeClr val="tx1"/>
-                </a:solidFill>
-                <a:latin typeface="+mn-lt"/>
-                <a:ea typeface="+mn-ea"/>
-                <a:cs typeface="+mn-cs"/>
-              </a:defRPr>
-            </a:lvl3pPr>
-            <a:lvl4pPr marL="1371600" algn="l" defTabSz="914400" rtl="0" eaLnBrk="1" latinLnBrk="0" hangingPunct="1">
-              <a:defRPr sz="1800" kern="1200">
-                <a:solidFill>
-                  <a:schemeClr val="tx1"/>
-                </a:solidFill>
-                <a:latin typeface="+mn-lt"/>
-                <a:ea typeface="+mn-ea"/>
-                <a:cs typeface="+mn-cs"/>
-              </a:defRPr>
-            </a:lvl4pPr>
-            <a:lvl5pPr marL="1828800" algn="l" defTabSz="914400" rtl="0" eaLnBrk="1" latinLnBrk="0" hangingPunct="1">
-              <a:defRPr sz="1800" kern="1200">
-                <a:solidFill>
-                  <a:schemeClr val="tx1"/>
-                </a:solidFill>
-                <a:latin typeface="+mn-lt"/>
-                <a:ea typeface="+mn-ea"/>
-                <a:cs typeface="+mn-cs"/>
-              </a:defRPr>
-            </a:lvl5pPr>
-            <a:lvl6pPr marL="2286000" algn="l" defTabSz="914400" rtl="0" eaLnBrk="1" latinLnBrk="0" hangingPunct="1">
-              <a:defRPr sz="1800" kern="1200">
-                <a:solidFill>
-                  <a:schemeClr val="tx1"/>
-                </a:solidFill>
-                <a:latin typeface="+mn-lt"/>
-                <a:ea typeface="+mn-ea"/>
-                <a:cs typeface="+mn-cs"/>
-              </a:defRPr>
-            </a:lvl6pPr>
-            <a:lvl7pPr marL="2743200" algn="l" defTabSz="914400" rtl="0" eaLnBrk="1" latinLnBrk="0" hangingPunct="1">
-              <a:defRPr sz="1800" kern="1200">
-                <a:solidFill>
-                  <a:schemeClr val="tx1"/>
-                </a:solidFill>
-                <a:latin typeface="+mn-lt"/>
-                <a:ea typeface="+mn-ea"/>
-                <a:cs typeface="+mn-cs"/>
-              </a:defRPr>
-            </a:lvl7pPr>
-            <a:lvl8pPr marL="3200400" algn="l" defTabSz="914400" rtl="0" eaLnBrk="1" latinLnBrk="0" hangingPunct="1">
-              <a:defRPr sz="1800" kern="1200">
-                <a:solidFill>
-                  <a:schemeClr val="tx1"/>
-                </a:solidFill>
-                <a:latin typeface="+mn-lt"/>
-                <a:ea typeface="+mn-ea"/>
-                <a:cs typeface="+mn-cs"/>
-              </a:defRPr>
-            </a:lvl8pPr>
-            <a:lvl9pPr marL="3657600" algn="l" defTabSz="914400" rtl="0" eaLnBrk="1" latinLnBrk="0" hangingPunct="1">
-              <a:defRPr sz="1800" kern="1200">
-                <a:solidFill>
-                  <a:schemeClr val="tx1"/>
-                </a:solidFill>
-                <a:latin typeface="+mn-lt"/>
-                <a:ea typeface="+mn-ea"/>
-                <a:cs typeface="+mn-cs"/>
-              </a:defRPr>
-            </a:lvl9pPr>
-          </a:lstStyle>
-          <a:p>
-            <a:pPr algn="just">
-              <a:lnSpc>
-                <a:spcPct val="120000"/>
-              </a:lnSpc>
-            </a:pPr>
-            <a:r>
-              <a:rPr lang="zh-CN" altLang="en-US" sz="1400" dirty="0" smtClean="0">
-                <a:solidFill>
-                  <a:schemeClr val="tx1">
-                    <a:lumMod val="65000"/>
-                    <a:lumOff val="35000"/>
-                  </a:schemeClr>
-                </a:solidFill>
-                <a:latin typeface="+mn-ea"/>
-              </a:rPr>
-              <a:t>面向对象编程的规约：约束一些对象之前的使用规范。</a:t>
-            </a:r>
-            <a:endParaRPr lang="zh-CN" altLang="en-US" sz="1400" dirty="0">
-              <a:solidFill>
-                <a:schemeClr val="tx1">
-                  <a:lumMod val="65000"/>
-                  <a:lumOff val="35000"/>
-                </a:schemeClr>
-              </a:solidFill>
-              <a:latin typeface="+mn-ea"/>
-            </a:endParaRPr>
-          </a:p>
-        </p:txBody>
-      </p:sp>
-      <p:sp>
-        <p:nvSpPr>
-          <p:cNvPr id="51" name="任意多边形 15"/>
-          <p:cNvSpPr/>
-          <p:nvPr/>
-        </p:nvSpPr>
-        <p:spPr bwMode="auto">
-          <a:xfrm>
-            <a:off x="782329" y="3793451"/>
-            <a:ext cx="1601788" cy="432610"/>
-          </a:xfrm>
-          <a:custGeom>
-            <a:avLst/>
-            <a:gdLst>
-              <a:gd name="connsiteX0" fmla="*/ 0 w 1602178"/>
-              <a:gd name="connsiteY0" fmla="*/ 0 h 640871"/>
-              <a:gd name="connsiteX1" fmla="*/ 1281743 w 1602178"/>
-              <a:gd name="connsiteY1" fmla="*/ 0 h 640871"/>
-              <a:gd name="connsiteX2" fmla="*/ 1602178 w 1602178"/>
-              <a:gd name="connsiteY2" fmla="*/ 320436 h 640871"/>
-              <a:gd name="connsiteX3" fmla="*/ 1281743 w 1602178"/>
-              <a:gd name="connsiteY3" fmla="*/ 640871 h 640871"/>
-              <a:gd name="connsiteX4" fmla="*/ 0 w 1602178"/>
-              <a:gd name="connsiteY4" fmla="*/ 640871 h 640871"/>
-              <a:gd name="connsiteX5" fmla="*/ 320436 w 1602178"/>
-              <a:gd name="connsiteY5" fmla="*/ 320436 h 640871"/>
-              <a:gd name="connsiteX6" fmla="*/ 0 w 1602178"/>
-              <a:gd name="connsiteY6" fmla="*/ 0 h 640871"/>
-            </a:gdLst>
-            <a:ahLst/>
-            <a:cxnLst>
-              <a:cxn ang="0">
-                <a:pos x="connsiteX0" y="connsiteY0"/>
-              </a:cxn>
-              <a:cxn ang="0">
-                <a:pos x="connsiteX1" y="connsiteY1"/>
-              </a:cxn>
-              <a:cxn ang="0">
-                <a:pos x="connsiteX2" y="connsiteY2"/>
-              </a:cxn>
-              <a:cxn ang="0">
-                <a:pos x="connsiteX3" y="connsiteY3"/>
-              </a:cxn>
-              <a:cxn ang="0">
-                <a:pos x="connsiteX4" y="connsiteY4"/>
-              </a:cxn>
-              <a:cxn ang="0">
-                <a:pos x="connsiteX5" y="connsiteY5"/>
-              </a:cxn>
-              <a:cxn ang="0">
-                <a:pos x="connsiteX6" y="connsiteY6"/>
-              </a:cxn>
-            </a:cxnLst>
-            <a:rect l="l" t="t" r="r" b="b"/>
-            <a:pathLst>
-              <a:path w="1602178" h="640871">
-                <a:moveTo>
-                  <a:pt x="0" y="0"/>
-                </a:moveTo>
-                <a:lnTo>
-                  <a:pt x="1281743" y="0"/>
-                </a:lnTo>
-                <a:lnTo>
-                  <a:pt x="1602178" y="320436"/>
-                </a:lnTo>
-                <a:lnTo>
-                  <a:pt x="1281743" y="640871"/>
-                </a:lnTo>
-                <a:lnTo>
-                  <a:pt x="0" y="640871"/>
-                </a:lnTo>
-                <a:lnTo>
-                  <a:pt x="320436" y="320436"/>
-                </a:lnTo>
-                <a:lnTo>
-                  <a:pt x="0" y="0"/>
-                </a:lnTo>
-                <a:close/>
-              </a:path>
-            </a:pathLst>
-          </a:custGeom>
-          <a:solidFill>
-            <a:schemeClr val="accent3"/>
-          </a:solidFill>
-          <a:ln>
-            <a:noFill/>
-          </a:ln>
-        </p:spPr>
-        <p:style>
-          <a:lnRef idx="2">
-            <a:scrgbClr r="0" g="0" b="0"/>
-          </a:lnRef>
-          <a:fillRef idx="1">
-            <a:scrgbClr r="0" g="0" b="0"/>
-          </a:fillRef>
-          <a:effectRef idx="0">
-            <a:schemeClr val="accent4">
-              <a:hueOff val="0"/>
-              <a:satOff val="0"/>
-              <a:lumOff val="0"/>
-              <a:alphaOff val="0"/>
-            </a:schemeClr>
-          </a:effectRef>
-          <a:fontRef idx="minor">
-            <a:schemeClr val="lt1"/>
-          </a:fontRef>
-        </p:style>
-        <p:txBody>
-          <a:bodyPr lIns="330596" tIns="5080" rIns="320435" bIns="5080" spcCol="1270" anchor="ctr"/>
-          <a:lstStyle/>
-          <a:p>
-            <a:pPr algn="ctr" defTabSz="355600">
-              <a:lnSpc>
-                <a:spcPct val="90000"/>
-              </a:lnSpc>
-              <a:spcAft>
-                <a:spcPct val="35000"/>
-              </a:spcAft>
-              <a:defRPr/>
-            </a:pPr>
-            <a:r>
-              <a:rPr lang="zh-CN" altLang="en-US" dirty="0">
-                <a:solidFill>
-                  <a:schemeClr val="bg1"/>
-                </a:solidFill>
-              </a:rPr>
-              <a:t>集合处理</a:t>
-            </a:r>
-            <a:endParaRPr lang="en-US" altLang="zh-CN" sz="2400" dirty="0">
-              <a:solidFill>
-                <a:schemeClr val="bg1"/>
-              </a:solidFill>
-            </a:endParaRPr>
-          </a:p>
-        </p:txBody>
-      </p:sp>
-      <p:sp>
-        <p:nvSpPr>
-          <p:cNvPr id="52" name="任意多边形 16"/>
-          <p:cNvSpPr/>
-          <p:nvPr/>
-        </p:nvSpPr>
-        <p:spPr bwMode="auto">
-          <a:xfrm>
-            <a:off x="782329" y="4518259"/>
-            <a:ext cx="1601788" cy="394762"/>
-          </a:xfrm>
-          <a:custGeom>
-            <a:avLst/>
-            <a:gdLst>
-              <a:gd name="connsiteX0" fmla="*/ 0 w 1602178"/>
-              <a:gd name="connsiteY0" fmla="*/ 0 h 640871"/>
-              <a:gd name="connsiteX1" fmla="*/ 1281743 w 1602178"/>
-              <a:gd name="connsiteY1" fmla="*/ 0 h 640871"/>
-              <a:gd name="connsiteX2" fmla="*/ 1602178 w 1602178"/>
-              <a:gd name="connsiteY2" fmla="*/ 320436 h 640871"/>
-              <a:gd name="connsiteX3" fmla="*/ 1281743 w 1602178"/>
-              <a:gd name="connsiteY3" fmla="*/ 640871 h 640871"/>
-              <a:gd name="connsiteX4" fmla="*/ 0 w 1602178"/>
-              <a:gd name="connsiteY4" fmla="*/ 640871 h 640871"/>
-              <a:gd name="connsiteX5" fmla="*/ 320436 w 1602178"/>
-              <a:gd name="connsiteY5" fmla="*/ 320436 h 640871"/>
-              <a:gd name="connsiteX6" fmla="*/ 0 w 1602178"/>
-              <a:gd name="connsiteY6" fmla="*/ 0 h 640871"/>
-            </a:gdLst>
-            <a:ahLst/>
-            <a:cxnLst>
-              <a:cxn ang="0">
-                <a:pos x="connsiteX0" y="connsiteY0"/>
-              </a:cxn>
-              <a:cxn ang="0">
-                <a:pos x="connsiteX1" y="connsiteY1"/>
-              </a:cxn>
-              <a:cxn ang="0">
-                <a:pos x="connsiteX2" y="connsiteY2"/>
-              </a:cxn>
-              <a:cxn ang="0">
-                <a:pos x="connsiteX3" y="connsiteY3"/>
-              </a:cxn>
-              <a:cxn ang="0">
-                <a:pos x="connsiteX4" y="connsiteY4"/>
-              </a:cxn>
-              <a:cxn ang="0">
-                <a:pos x="connsiteX5" y="connsiteY5"/>
-              </a:cxn>
-              <a:cxn ang="0">
-                <a:pos x="connsiteX6" y="connsiteY6"/>
-              </a:cxn>
-            </a:cxnLst>
-            <a:rect l="l" t="t" r="r" b="b"/>
-            <a:pathLst>
-              <a:path w="1602178" h="640871">
-                <a:moveTo>
-                  <a:pt x="0" y="0"/>
-                </a:moveTo>
-                <a:lnTo>
-                  <a:pt x="1281743" y="0"/>
-                </a:lnTo>
-                <a:lnTo>
-                  <a:pt x="1602178" y="320436"/>
-                </a:lnTo>
-                <a:lnTo>
-                  <a:pt x="1281743" y="640871"/>
-                </a:lnTo>
-                <a:lnTo>
-                  <a:pt x="0" y="640871"/>
-                </a:lnTo>
-                <a:lnTo>
-                  <a:pt x="320436" y="320436"/>
-                </a:lnTo>
-                <a:lnTo>
-                  <a:pt x="0" y="0"/>
-                </a:lnTo>
-                <a:close/>
-              </a:path>
-            </a:pathLst>
-          </a:custGeom>
-          <a:solidFill>
-            <a:schemeClr val="accent4"/>
-          </a:solidFill>
-          <a:ln>
-            <a:noFill/>
-          </a:ln>
-        </p:spPr>
-        <p:style>
-          <a:lnRef idx="2">
-            <a:scrgbClr r="0" g="0" b="0"/>
-          </a:lnRef>
-          <a:fillRef idx="1">
-            <a:scrgbClr r="0" g="0" b="0"/>
-          </a:fillRef>
-          <a:effectRef idx="0">
-            <a:schemeClr val="accent5">
-              <a:hueOff val="0"/>
-              <a:satOff val="0"/>
-              <a:lumOff val="0"/>
-              <a:alphaOff val="0"/>
-            </a:schemeClr>
-          </a:effectRef>
-          <a:fontRef idx="minor">
-            <a:schemeClr val="lt1"/>
-          </a:fontRef>
-        </p:style>
-        <p:txBody>
-          <a:bodyPr lIns="330596" tIns="5080" rIns="320435" bIns="5080" spcCol="1270" anchor="ctr"/>
-          <a:lstStyle/>
-          <a:p>
-            <a:pPr algn="ctr" defTabSz="355600">
-              <a:lnSpc>
-                <a:spcPct val="90000"/>
-              </a:lnSpc>
-              <a:spcAft>
-                <a:spcPct val="35000"/>
-              </a:spcAft>
-              <a:defRPr/>
-            </a:pPr>
-            <a:r>
-              <a:rPr lang="zh-CN" altLang="en-US" sz="1600" b="1" dirty="0" smtClean="0">
-                <a:solidFill>
-                  <a:schemeClr val="bg1"/>
-                </a:solidFill>
-              </a:rPr>
-              <a:t>并发处理</a:t>
-            </a:r>
-            <a:endParaRPr lang="en-US" sz="2400" b="1" dirty="0">
-              <a:solidFill>
-                <a:schemeClr val="bg1"/>
-              </a:solidFill>
-            </a:endParaRPr>
-          </a:p>
-        </p:txBody>
-      </p:sp>
-      <p:sp>
-        <p:nvSpPr>
-          <p:cNvPr id="53" name="矩形 52"/>
-          <p:cNvSpPr/>
-          <p:nvPr/>
-        </p:nvSpPr>
-        <p:spPr>
-          <a:xfrm>
-            <a:off x="2670976" y="3833035"/>
-            <a:ext cx="6213766" cy="328936"/>
-          </a:xfrm>
-          <a:prstGeom prst="rect">
-            <a:avLst/>
-          </a:prstGeom>
-          <a:ln>
-            <a:noFill/>
-          </a:ln>
-        </p:spPr>
-        <p:txBody>
-          <a:bodyPr wrap="square">
-            <a:spAutoFit/>
-            <a:scene3d>
-              <a:camera prst="orthographicFront"/>
-              <a:lightRig rig="threePt" dir="t"/>
-            </a:scene3d>
-            <a:sp3d contourW="12700"/>
-          </a:bodyPr>
-          <a:lstStyle>
-            <a:defPPr>
-              <a:defRPr lang="zh-CN"/>
-            </a:defPPr>
-            <a:lvl1pPr marL="0" algn="l" defTabSz="914400" rtl="0" eaLnBrk="1" latinLnBrk="0" hangingPunct="1">
-              <a:defRPr sz="1800" kern="1200">
-                <a:solidFill>
-                  <a:schemeClr val="tx1"/>
-                </a:solidFill>
-                <a:latin typeface="+mn-lt"/>
-                <a:ea typeface="+mn-ea"/>
-                <a:cs typeface="+mn-cs"/>
-              </a:defRPr>
-            </a:lvl1pPr>
-            <a:lvl2pPr marL="457200" algn="l" defTabSz="914400" rtl="0" eaLnBrk="1" latinLnBrk="0" hangingPunct="1">
-              <a:defRPr sz="1800" kern="1200">
-                <a:solidFill>
-                  <a:schemeClr val="tx1"/>
-                </a:solidFill>
-                <a:latin typeface="+mn-lt"/>
-                <a:ea typeface="+mn-ea"/>
-                <a:cs typeface="+mn-cs"/>
-              </a:defRPr>
-            </a:lvl2pPr>
-            <a:lvl3pPr marL="914400" algn="l" defTabSz="914400" rtl="0" eaLnBrk="1" latinLnBrk="0" hangingPunct="1">
-              <a:defRPr sz="1800" kern="1200">
-                <a:solidFill>
-                  <a:schemeClr val="tx1"/>
-                </a:solidFill>
-                <a:latin typeface="+mn-lt"/>
-                <a:ea typeface="+mn-ea"/>
-                <a:cs typeface="+mn-cs"/>
-              </a:defRPr>
-            </a:lvl3pPr>
-            <a:lvl4pPr marL="1371600" algn="l" defTabSz="914400" rtl="0" eaLnBrk="1" latinLnBrk="0" hangingPunct="1">
-              <a:defRPr sz="1800" kern="1200">
-                <a:solidFill>
-                  <a:schemeClr val="tx1"/>
-                </a:solidFill>
-                <a:latin typeface="+mn-lt"/>
-                <a:ea typeface="+mn-ea"/>
-                <a:cs typeface="+mn-cs"/>
-              </a:defRPr>
-            </a:lvl4pPr>
-            <a:lvl5pPr marL="1828800" algn="l" defTabSz="914400" rtl="0" eaLnBrk="1" latinLnBrk="0" hangingPunct="1">
-              <a:defRPr sz="1800" kern="1200">
-                <a:solidFill>
-                  <a:schemeClr val="tx1"/>
-                </a:solidFill>
-                <a:latin typeface="+mn-lt"/>
-                <a:ea typeface="+mn-ea"/>
-                <a:cs typeface="+mn-cs"/>
-              </a:defRPr>
-            </a:lvl5pPr>
-            <a:lvl6pPr marL="2286000" algn="l" defTabSz="914400" rtl="0" eaLnBrk="1" latinLnBrk="0" hangingPunct="1">
-              <a:defRPr sz="1800" kern="1200">
-                <a:solidFill>
-                  <a:schemeClr val="tx1"/>
-                </a:solidFill>
-                <a:latin typeface="+mn-lt"/>
-                <a:ea typeface="+mn-ea"/>
-                <a:cs typeface="+mn-cs"/>
-              </a:defRPr>
-            </a:lvl6pPr>
-            <a:lvl7pPr marL="2743200" algn="l" defTabSz="914400" rtl="0" eaLnBrk="1" latinLnBrk="0" hangingPunct="1">
-              <a:defRPr sz="1800" kern="1200">
-                <a:solidFill>
-                  <a:schemeClr val="tx1"/>
-                </a:solidFill>
-                <a:latin typeface="+mn-lt"/>
-                <a:ea typeface="+mn-ea"/>
-                <a:cs typeface="+mn-cs"/>
-              </a:defRPr>
-            </a:lvl7pPr>
-            <a:lvl8pPr marL="3200400" algn="l" defTabSz="914400" rtl="0" eaLnBrk="1" latinLnBrk="0" hangingPunct="1">
-              <a:defRPr sz="1800" kern="1200">
-                <a:solidFill>
-                  <a:schemeClr val="tx1"/>
-                </a:solidFill>
-                <a:latin typeface="+mn-lt"/>
-                <a:ea typeface="+mn-ea"/>
-                <a:cs typeface="+mn-cs"/>
-              </a:defRPr>
-            </a:lvl8pPr>
-            <a:lvl9pPr marL="3657600" algn="l" defTabSz="914400" rtl="0" eaLnBrk="1" latinLnBrk="0" hangingPunct="1">
-              <a:defRPr sz="1800" kern="1200">
-                <a:solidFill>
-                  <a:schemeClr val="tx1"/>
-                </a:solidFill>
-                <a:latin typeface="+mn-lt"/>
-                <a:ea typeface="+mn-ea"/>
-                <a:cs typeface="+mn-cs"/>
-              </a:defRPr>
-            </a:lvl9pPr>
-          </a:lstStyle>
-          <a:p>
-            <a:pPr algn="just">
-              <a:lnSpc>
-                <a:spcPct val="120000"/>
-              </a:lnSpc>
-            </a:pPr>
-            <a:r>
-              <a:rPr lang="en-US" altLang="zh-CN" sz="1400" dirty="0" smtClean="0">
-                <a:solidFill>
-                  <a:schemeClr val="tx1">
-                    <a:lumMod val="65000"/>
-                    <a:lumOff val="35000"/>
-                  </a:schemeClr>
-                </a:solidFill>
-                <a:latin typeface="+mn-ea"/>
-              </a:rPr>
-              <a:t>List</a:t>
-            </a:r>
-            <a:r>
-              <a:rPr lang="zh-CN" altLang="en-US" sz="1400" dirty="0" smtClean="0">
-                <a:solidFill>
-                  <a:schemeClr val="tx1">
-                    <a:lumMod val="65000"/>
-                    <a:lumOff val="35000"/>
-                  </a:schemeClr>
-                </a:solidFill>
-                <a:latin typeface="+mn-ea"/>
-              </a:rPr>
-              <a:t>、</a:t>
-            </a:r>
-            <a:r>
-              <a:rPr lang="en-US" altLang="zh-CN" sz="1400" dirty="0" smtClean="0">
-                <a:solidFill>
-                  <a:schemeClr val="tx1">
-                    <a:lumMod val="65000"/>
-                    <a:lumOff val="35000"/>
-                  </a:schemeClr>
-                </a:solidFill>
-                <a:latin typeface="+mn-ea"/>
-              </a:rPr>
-              <a:t>Map</a:t>
-            </a:r>
-            <a:r>
-              <a:rPr lang="zh-CN" altLang="en-US" sz="1400" dirty="0" smtClean="0">
-                <a:solidFill>
-                  <a:schemeClr val="tx1">
-                    <a:lumMod val="65000"/>
-                    <a:lumOff val="35000"/>
-                  </a:schemeClr>
-                </a:solidFill>
-                <a:latin typeface="+mn-ea"/>
-              </a:rPr>
-              <a:t>增删改查</a:t>
-            </a:r>
-            <a:endParaRPr lang="zh-CN" altLang="en-US" sz="1400" dirty="0">
-              <a:solidFill>
-                <a:schemeClr val="tx1">
-                  <a:lumMod val="65000"/>
-                  <a:lumOff val="35000"/>
-                </a:schemeClr>
-              </a:solidFill>
-              <a:latin typeface="+mn-ea"/>
-            </a:endParaRPr>
-          </a:p>
-        </p:txBody>
-      </p:sp>
-      <p:sp>
-        <p:nvSpPr>
-          <p:cNvPr id="54" name="矩形 53"/>
-          <p:cNvSpPr/>
-          <p:nvPr/>
-        </p:nvSpPr>
-        <p:spPr>
-          <a:xfrm>
-            <a:off x="2670976" y="4518259"/>
-            <a:ext cx="6213766" cy="350865"/>
-          </a:xfrm>
-          <a:prstGeom prst="rect">
-            <a:avLst/>
-          </a:prstGeom>
-          <a:ln>
-            <a:noFill/>
-          </a:ln>
-        </p:spPr>
-        <p:txBody>
-          <a:bodyPr wrap="square">
-            <a:spAutoFit/>
-            <a:scene3d>
-              <a:camera prst="orthographicFront"/>
-              <a:lightRig rig="threePt" dir="t"/>
-            </a:scene3d>
-            <a:sp3d contourW="12700"/>
-          </a:bodyPr>
-          <a:lstStyle>
-            <a:defPPr>
-              <a:defRPr lang="zh-CN"/>
-            </a:defPPr>
-            <a:lvl1pPr marL="0" algn="l" defTabSz="914400" rtl="0" eaLnBrk="1" latinLnBrk="0" hangingPunct="1">
-              <a:defRPr sz="1800" kern="1200">
-                <a:solidFill>
-                  <a:schemeClr val="tx1"/>
-                </a:solidFill>
-                <a:latin typeface="+mn-lt"/>
-                <a:ea typeface="+mn-ea"/>
-                <a:cs typeface="+mn-cs"/>
-              </a:defRPr>
-            </a:lvl1pPr>
-            <a:lvl2pPr marL="457200" algn="l" defTabSz="914400" rtl="0" eaLnBrk="1" latinLnBrk="0" hangingPunct="1">
-              <a:defRPr sz="1800" kern="1200">
-                <a:solidFill>
-                  <a:schemeClr val="tx1"/>
-                </a:solidFill>
-                <a:latin typeface="+mn-lt"/>
-                <a:ea typeface="+mn-ea"/>
-                <a:cs typeface="+mn-cs"/>
-              </a:defRPr>
-            </a:lvl2pPr>
-            <a:lvl3pPr marL="914400" algn="l" defTabSz="914400" rtl="0" eaLnBrk="1" latinLnBrk="0" hangingPunct="1">
-              <a:defRPr sz="1800" kern="1200">
-                <a:solidFill>
-                  <a:schemeClr val="tx1"/>
-                </a:solidFill>
-                <a:latin typeface="+mn-lt"/>
-                <a:ea typeface="+mn-ea"/>
-                <a:cs typeface="+mn-cs"/>
-              </a:defRPr>
-            </a:lvl3pPr>
-            <a:lvl4pPr marL="1371600" algn="l" defTabSz="914400" rtl="0" eaLnBrk="1" latinLnBrk="0" hangingPunct="1">
-              <a:defRPr sz="1800" kern="1200">
-                <a:solidFill>
-                  <a:schemeClr val="tx1"/>
-                </a:solidFill>
-                <a:latin typeface="+mn-lt"/>
-                <a:ea typeface="+mn-ea"/>
-                <a:cs typeface="+mn-cs"/>
-              </a:defRPr>
-            </a:lvl4pPr>
-            <a:lvl5pPr marL="1828800" algn="l" defTabSz="914400" rtl="0" eaLnBrk="1" latinLnBrk="0" hangingPunct="1">
-              <a:defRPr sz="1800" kern="1200">
-                <a:solidFill>
-                  <a:schemeClr val="tx1"/>
-                </a:solidFill>
-                <a:latin typeface="+mn-lt"/>
-                <a:ea typeface="+mn-ea"/>
-                <a:cs typeface="+mn-cs"/>
-              </a:defRPr>
-            </a:lvl5pPr>
-            <a:lvl6pPr marL="2286000" algn="l" defTabSz="914400" rtl="0" eaLnBrk="1" latinLnBrk="0" hangingPunct="1">
-              <a:defRPr sz="1800" kern="1200">
-                <a:solidFill>
-                  <a:schemeClr val="tx1"/>
-                </a:solidFill>
-                <a:latin typeface="+mn-lt"/>
-                <a:ea typeface="+mn-ea"/>
-                <a:cs typeface="+mn-cs"/>
-              </a:defRPr>
-            </a:lvl6pPr>
-            <a:lvl7pPr marL="2743200" algn="l" defTabSz="914400" rtl="0" eaLnBrk="1" latinLnBrk="0" hangingPunct="1">
-              <a:defRPr sz="1800" kern="1200">
-                <a:solidFill>
-                  <a:schemeClr val="tx1"/>
-                </a:solidFill>
-                <a:latin typeface="+mn-lt"/>
-                <a:ea typeface="+mn-ea"/>
-                <a:cs typeface="+mn-cs"/>
-              </a:defRPr>
-            </a:lvl7pPr>
-            <a:lvl8pPr marL="3200400" algn="l" defTabSz="914400" rtl="0" eaLnBrk="1" latinLnBrk="0" hangingPunct="1">
-              <a:defRPr sz="1800" kern="1200">
-                <a:solidFill>
-                  <a:schemeClr val="tx1"/>
-                </a:solidFill>
-                <a:latin typeface="+mn-lt"/>
-                <a:ea typeface="+mn-ea"/>
-                <a:cs typeface="+mn-cs"/>
-              </a:defRPr>
-            </a:lvl8pPr>
-            <a:lvl9pPr marL="3657600" algn="l" defTabSz="914400" rtl="0" eaLnBrk="1" latinLnBrk="0" hangingPunct="1">
-              <a:defRPr sz="1800" kern="1200">
-                <a:solidFill>
-                  <a:schemeClr val="tx1"/>
-                </a:solidFill>
-                <a:latin typeface="+mn-lt"/>
-                <a:ea typeface="+mn-ea"/>
-                <a:cs typeface="+mn-cs"/>
-              </a:defRPr>
-            </a:lvl9pPr>
-          </a:lstStyle>
-          <a:p>
-            <a:pPr algn="just">
-              <a:lnSpc>
-                <a:spcPct val="120000"/>
-              </a:lnSpc>
-            </a:pPr>
-            <a:r>
-              <a:rPr lang="zh-CN" altLang="en-US" sz="1400" dirty="0" smtClean="0">
-                <a:solidFill>
-                  <a:schemeClr val="tx1">
-                    <a:lumMod val="65000"/>
-                    <a:lumOff val="35000"/>
-                  </a:schemeClr>
-                </a:solidFill>
-                <a:latin typeface="+mn-ea"/>
-              </a:rPr>
-              <a:t>线程以及线程池的使用，目前很少用到</a:t>
-            </a:r>
-            <a:endParaRPr lang="zh-CN" altLang="en-US" sz="1400" dirty="0">
-              <a:solidFill>
-                <a:schemeClr val="tx1">
-                  <a:lumMod val="65000"/>
-                  <a:lumOff val="35000"/>
-                </a:schemeClr>
-              </a:solidFill>
-              <a:latin typeface="+mn-ea"/>
-            </a:endParaRPr>
-          </a:p>
-        </p:txBody>
-      </p:sp>
-      <p:sp>
-        <p:nvSpPr>
-          <p:cNvPr id="55" name="任意多边形 15"/>
-          <p:cNvSpPr/>
-          <p:nvPr/>
-        </p:nvSpPr>
-        <p:spPr bwMode="auto">
-          <a:xfrm>
-            <a:off x="713386" y="5340893"/>
-            <a:ext cx="1601788" cy="432610"/>
-          </a:xfrm>
-          <a:custGeom>
-            <a:avLst/>
-            <a:gdLst>
-              <a:gd name="connsiteX0" fmla="*/ 0 w 1602178"/>
-              <a:gd name="connsiteY0" fmla="*/ 0 h 640871"/>
-              <a:gd name="connsiteX1" fmla="*/ 1281743 w 1602178"/>
-              <a:gd name="connsiteY1" fmla="*/ 0 h 640871"/>
-              <a:gd name="connsiteX2" fmla="*/ 1602178 w 1602178"/>
-              <a:gd name="connsiteY2" fmla="*/ 320436 h 640871"/>
-              <a:gd name="connsiteX3" fmla="*/ 1281743 w 1602178"/>
-              <a:gd name="connsiteY3" fmla="*/ 640871 h 640871"/>
-              <a:gd name="connsiteX4" fmla="*/ 0 w 1602178"/>
-              <a:gd name="connsiteY4" fmla="*/ 640871 h 640871"/>
-              <a:gd name="connsiteX5" fmla="*/ 320436 w 1602178"/>
-              <a:gd name="connsiteY5" fmla="*/ 320436 h 640871"/>
-              <a:gd name="connsiteX6" fmla="*/ 0 w 1602178"/>
-              <a:gd name="connsiteY6" fmla="*/ 0 h 640871"/>
-            </a:gdLst>
-            <a:ahLst/>
-            <a:cxnLst>
-              <a:cxn ang="0">
-                <a:pos x="connsiteX0" y="connsiteY0"/>
-              </a:cxn>
-              <a:cxn ang="0">
-                <a:pos x="connsiteX1" y="connsiteY1"/>
-              </a:cxn>
-              <a:cxn ang="0">
-                <a:pos x="connsiteX2" y="connsiteY2"/>
-              </a:cxn>
-              <a:cxn ang="0">
-                <a:pos x="connsiteX3" y="connsiteY3"/>
-              </a:cxn>
-              <a:cxn ang="0">
-                <a:pos x="connsiteX4" y="connsiteY4"/>
-              </a:cxn>
-              <a:cxn ang="0">
-                <a:pos x="connsiteX5" y="connsiteY5"/>
-              </a:cxn>
-              <a:cxn ang="0">
-                <a:pos x="connsiteX6" y="connsiteY6"/>
-              </a:cxn>
-            </a:cxnLst>
-            <a:rect l="l" t="t" r="r" b="b"/>
-            <a:pathLst>
-              <a:path w="1602178" h="640871">
-                <a:moveTo>
-                  <a:pt x="0" y="0"/>
-                </a:moveTo>
-                <a:lnTo>
-                  <a:pt x="1281743" y="0"/>
-                </a:lnTo>
-                <a:lnTo>
-                  <a:pt x="1602178" y="320436"/>
-                </a:lnTo>
-                <a:lnTo>
-                  <a:pt x="1281743" y="640871"/>
-                </a:lnTo>
-                <a:lnTo>
-                  <a:pt x="0" y="640871"/>
-                </a:lnTo>
-                <a:lnTo>
-                  <a:pt x="320436" y="320436"/>
-                </a:lnTo>
-                <a:lnTo>
-                  <a:pt x="0" y="0"/>
-                </a:lnTo>
-                <a:close/>
-              </a:path>
-            </a:pathLst>
-          </a:custGeom>
-          <a:solidFill>
-            <a:schemeClr val="accent3"/>
-          </a:solidFill>
-          <a:ln>
-            <a:noFill/>
-          </a:ln>
-        </p:spPr>
-        <p:style>
-          <a:lnRef idx="2">
-            <a:scrgbClr r="0" g="0" b="0"/>
-          </a:lnRef>
-          <a:fillRef idx="1">
-            <a:scrgbClr r="0" g="0" b="0"/>
-          </a:fillRef>
-          <a:effectRef idx="0">
-            <a:schemeClr val="accent4">
-              <a:hueOff val="0"/>
-              <a:satOff val="0"/>
-              <a:lumOff val="0"/>
-              <a:alphaOff val="0"/>
-            </a:schemeClr>
-          </a:effectRef>
-          <a:fontRef idx="minor">
-            <a:schemeClr val="lt1"/>
-          </a:fontRef>
-        </p:style>
-        <p:txBody>
-          <a:bodyPr lIns="330596" tIns="5080" rIns="320435" bIns="5080" spcCol="1270" anchor="ctr"/>
-          <a:lstStyle/>
-          <a:p>
-            <a:pPr algn="ctr" defTabSz="355600">
-              <a:lnSpc>
-                <a:spcPct val="90000"/>
-              </a:lnSpc>
-              <a:spcAft>
-                <a:spcPct val="35000"/>
-              </a:spcAft>
-              <a:defRPr/>
-            </a:pPr>
-            <a:r>
-              <a:rPr lang="zh-CN" altLang="en-US" dirty="0" smtClean="0">
-                <a:solidFill>
-                  <a:schemeClr val="bg1"/>
-                </a:solidFill>
-              </a:rPr>
-              <a:t>控制语句</a:t>
-            </a:r>
-            <a:endParaRPr lang="en-US" altLang="zh-CN" sz="2400" dirty="0">
-              <a:solidFill>
-                <a:schemeClr val="bg1"/>
-              </a:solidFill>
-            </a:endParaRPr>
-          </a:p>
-        </p:txBody>
-      </p:sp>
-      <p:sp>
-        <p:nvSpPr>
-          <p:cNvPr id="56" name="矩形 55"/>
-          <p:cNvSpPr/>
-          <p:nvPr/>
-        </p:nvSpPr>
-        <p:spPr>
-          <a:xfrm>
-            <a:off x="2602033" y="5380477"/>
-            <a:ext cx="6213766" cy="328936"/>
-          </a:xfrm>
-          <a:prstGeom prst="rect">
-            <a:avLst/>
-          </a:prstGeom>
-          <a:ln>
-            <a:noFill/>
-          </a:ln>
-        </p:spPr>
-        <p:txBody>
-          <a:bodyPr wrap="square">
-            <a:spAutoFit/>
-            <a:scene3d>
-              <a:camera prst="orthographicFront"/>
-              <a:lightRig rig="threePt" dir="t"/>
-            </a:scene3d>
-            <a:sp3d contourW="12700"/>
-          </a:bodyPr>
-          <a:lstStyle>
-            <a:defPPr>
-              <a:defRPr lang="zh-CN"/>
-            </a:defPPr>
-            <a:lvl1pPr marL="0" algn="l" defTabSz="914400" rtl="0" eaLnBrk="1" latinLnBrk="0" hangingPunct="1">
-              <a:defRPr sz="1800" kern="1200">
-                <a:solidFill>
-                  <a:schemeClr val="tx1"/>
-                </a:solidFill>
-                <a:latin typeface="+mn-lt"/>
-                <a:ea typeface="+mn-ea"/>
-                <a:cs typeface="+mn-cs"/>
-              </a:defRPr>
-            </a:lvl1pPr>
-            <a:lvl2pPr marL="457200" algn="l" defTabSz="914400" rtl="0" eaLnBrk="1" latinLnBrk="0" hangingPunct="1">
-              <a:defRPr sz="1800" kern="1200">
-                <a:solidFill>
-                  <a:schemeClr val="tx1"/>
-                </a:solidFill>
-                <a:latin typeface="+mn-lt"/>
-                <a:ea typeface="+mn-ea"/>
-                <a:cs typeface="+mn-cs"/>
-              </a:defRPr>
-            </a:lvl2pPr>
-            <a:lvl3pPr marL="914400" algn="l" defTabSz="914400" rtl="0" eaLnBrk="1" latinLnBrk="0" hangingPunct="1">
-              <a:defRPr sz="1800" kern="1200">
-                <a:solidFill>
-                  <a:schemeClr val="tx1"/>
-                </a:solidFill>
-                <a:latin typeface="+mn-lt"/>
-                <a:ea typeface="+mn-ea"/>
-                <a:cs typeface="+mn-cs"/>
-              </a:defRPr>
-            </a:lvl3pPr>
-            <a:lvl4pPr marL="1371600" algn="l" defTabSz="914400" rtl="0" eaLnBrk="1" latinLnBrk="0" hangingPunct="1">
-              <a:defRPr sz="1800" kern="1200">
-                <a:solidFill>
-                  <a:schemeClr val="tx1"/>
-                </a:solidFill>
-                <a:latin typeface="+mn-lt"/>
-                <a:ea typeface="+mn-ea"/>
-                <a:cs typeface="+mn-cs"/>
-              </a:defRPr>
-            </a:lvl4pPr>
-            <a:lvl5pPr marL="1828800" algn="l" defTabSz="914400" rtl="0" eaLnBrk="1" latinLnBrk="0" hangingPunct="1">
-              <a:defRPr sz="1800" kern="1200">
-                <a:solidFill>
-                  <a:schemeClr val="tx1"/>
-                </a:solidFill>
-                <a:latin typeface="+mn-lt"/>
-                <a:ea typeface="+mn-ea"/>
-                <a:cs typeface="+mn-cs"/>
-              </a:defRPr>
-            </a:lvl5pPr>
-            <a:lvl6pPr marL="2286000" algn="l" defTabSz="914400" rtl="0" eaLnBrk="1" latinLnBrk="0" hangingPunct="1">
-              <a:defRPr sz="1800" kern="1200">
-                <a:solidFill>
-                  <a:schemeClr val="tx1"/>
-                </a:solidFill>
-                <a:latin typeface="+mn-lt"/>
-                <a:ea typeface="+mn-ea"/>
-                <a:cs typeface="+mn-cs"/>
-              </a:defRPr>
-            </a:lvl6pPr>
-            <a:lvl7pPr marL="2743200" algn="l" defTabSz="914400" rtl="0" eaLnBrk="1" latinLnBrk="0" hangingPunct="1">
-              <a:defRPr sz="1800" kern="1200">
-                <a:solidFill>
-                  <a:schemeClr val="tx1"/>
-                </a:solidFill>
-                <a:latin typeface="+mn-lt"/>
-                <a:ea typeface="+mn-ea"/>
-                <a:cs typeface="+mn-cs"/>
-              </a:defRPr>
-            </a:lvl7pPr>
-            <a:lvl8pPr marL="3200400" algn="l" defTabSz="914400" rtl="0" eaLnBrk="1" latinLnBrk="0" hangingPunct="1">
-              <a:defRPr sz="1800" kern="1200">
-                <a:solidFill>
-                  <a:schemeClr val="tx1"/>
-                </a:solidFill>
-                <a:latin typeface="+mn-lt"/>
-                <a:ea typeface="+mn-ea"/>
-                <a:cs typeface="+mn-cs"/>
-              </a:defRPr>
-            </a:lvl8pPr>
-            <a:lvl9pPr marL="3657600" algn="l" defTabSz="914400" rtl="0" eaLnBrk="1" latinLnBrk="0" hangingPunct="1">
-              <a:defRPr sz="1800" kern="1200">
-                <a:solidFill>
-                  <a:schemeClr val="tx1"/>
-                </a:solidFill>
-                <a:latin typeface="+mn-lt"/>
-                <a:ea typeface="+mn-ea"/>
-                <a:cs typeface="+mn-cs"/>
-              </a:defRPr>
-            </a:lvl9pPr>
-          </a:lstStyle>
-          <a:p>
-            <a:pPr algn="just">
-              <a:lnSpc>
-                <a:spcPct val="120000"/>
-              </a:lnSpc>
-            </a:pPr>
-            <a:r>
-              <a:rPr lang="en-US" altLang="zh-CN" sz="1400" dirty="0" smtClean="0">
-                <a:solidFill>
-                  <a:schemeClr val="tx1">
-                    <a:lumMod val="65000"/>
-                    <a:lumOff val="35000"/>
-                  </a:schemeClr>
-                </a:solidFill>
-                <a:latin typeface="+mn-ea"/>
-              </a:rPr>
-              <a:t>If-else</a:t>
-            </a:r>
-            <a:r>
-              <a:rPr lang="zh-CN" altLang="en-US" sz="1400" dirty="0" smtClean="0">
-                <a:solidFill>
-                  <a:schemeClr val="tx1">
-                    <a:lumMod val="65000"/>
-                    <a:lumOff val="35000"/>
-                  </a:schemeClr>
-                </a:solidFill>
-                <a:latin typeface="+mn-ea"/>
-              </a:rPr>
-              <a:t>、</a:t>
-            </a:r>
-            <a:r>
-              <a:rPr lang="en-US" altLang="zh-CN" sz="1400" dirty="0" smtClean="0">
-                <a:solidFill>
-                  <a:schemeClr val="tx1">
-                    <a:lumMod val="65000"/>
-                    <a:lumOff val="35000"/>
-                  </a:schemeClr>
-                </a:solidFill>
-                <a:latin typeface="+mn-ea"/>
-              </a:rPr>
-              <a:t>switch-case</a:t>
-            </a:r>
-            <a:r>
-              <a:rPr lang="zh-CN" altLang="en-US" sz="1400" dirty="0" smtClean="0">
-                <a:solidFill>
-                  <a:schemeClr val="tx1">
-                    <a:lumMod val="65000"/>
-                    <a:lumOff val="35000"/>
-                  </a:schemeClr>
-                </a:solidFill>
-                <a:latin typeface="+mn-ea"/>
-              </a:rPr>
-              <a:t>、</a:t>
-            </a:r>
-            <a:r>
-              <a:rPr lang="en-US" altLang="zh-CN" sz="1400" dirty="0" smtClean="0">
-                <a:solidFill>
-                  <a:schemeClr val="tx1">
-                    <a:lumMod val="65000"/>
-                    <a:lumOff val="35000"/>
-                  </a:schemeClr>
-                </a:solidFill>
-                <a:latin typeface="+mn-ea"/>
-              </a:rPr>
-              <a:t>while</a:t>
-            </a:r>
-            <a:r>
-              <a:rPr lang="zh-CN" altLang="en-US" sz="1400" dirty="0" smtClean="0">
-                <a:solidFill>
-                  <a:schemeClr val="tx1">
-                    <a:lumMod val="65000"/>
-                    <a:lumOff val="35000"/>
-                  </a:schemeClr>
-                </a:solidFill>
-                <a:latin typeface="+mn-ea"/>
-              </a:rPr>
-              <a:t>、</a:t>
-            </a:r>
-            <a:r>
-              <a:rPr lang="en-US" altLang="zh-CN" sz="1400" dirty="0" smtClean="0">
-                <a:solidFill>
-                  <a:schemeClr val="tx1">
-                    <a:lumMod val="65000"/>
-                    <a:lumOff val="35000"/>
-                  </a:schemeClr>
-                </a:solidFill>
-                <a:latin typeface="+mn-ea"/>
-              </a:rPr>
-              <a:t>for</a:t>
-            </a:r>
-            <a:r>
-              <a:rPr lang="zh-CN" altLang="en-US" sz="1400" dirty="0" smtClean="0">
-                <a:solidFill>
-                  <a:schemeClr val="tx1">
-                    <a:lumMod val="65000"/>
-                    <a:lumOff val="35000"/>
-                  </a:schemeClr>
-                </a:solidFill>
-                <a:latin typeface="+mn-ea"/>
-              </a:rPr>
-              <a:t>、</a:t>
-            </a:r>
-            <a:r>
-              <a:rPr lang="en-US" altLang="zh-CN" sz="1400" dirty="0" smtClean="0">
-                <a:solidFill>
-                  <a:schemeClr val="tx1">
-                    <a:lumMod val="65000"/>
-                    <a:lumOff val="35000"/>
-                  </a:schemeClr>
-                </a:solidFill>
-                <a:latin typeface="+mn-ea"/>
-              </a:rPr>
-              <a:t>for-each</a:t>
-            </a:r>
-            <a:endParaRPr lang="zh-CN" altLang="en-US" sz="1400" dirty="0">
-              <a:solidFill>
-                <a:schemeClr val="tx1">
-                  <a:lumMod val="65000"/>
-                  <a:lumOff val="35000"/>
-                </a:schemeClr>
-              </a:solidFill>
-              <a:latin typeface="+mn-ea"/>
-            </a:endParaRPr>
-          </a:p>
-        </p:txBody>
-      </p:sp>
-    </p:spTree>
-  </p:cSld>
-  <p:clrMapOvr>
-    <a:masterClrMapping/>
-  </p:clrMapOvr>
-  <mc:AlternateContent xmlns:mc="http://schemas.openxmlformats.org/markup-compatibility/2006" xmlns:p14="http://schemas.microsoft.com/office/powerpoint/2010/main">
-    <mc:Choice Requires="p14">
-      <p:transition p14:dur="0" advClick="0" advTm="4000"/>
-    </mc:Choice>
-    <mc:Fallback xmlns="">
-      <p:transition advClick="0" advTm="4000"/>
-    </mc:Fallback>
-  </mc:AlternateContent>
-  <p:timing>
-    <p:tnLst>
-      <p:par>
-        <p:cTn id="1" dur="indefinite" restart="never" nodeType="tmRoot"/>
-      </p:par>
-    </p:tnLst>
-  </p:timing>
-</p:sld>
-</file>
-
-<file path=ppt/slides/slide6.xml><?xml version="1.0" encoding="utf-8"?>
-<p:sld xmlns:a="http://schemas.openxmlformats.org/drawingml/2006/main" xmlns:r="http://schemas.openxmlformats.org/officeDocument/2006/relationships" xmlns:p="http://schemas.openxmlformats.org/presentationml/2006/main">
-  <p:cSld>
-    <p:spTree>
-      <p:nvGrpSpPr>
-        <p:cNvPr id="1" name=""/>
-        <p:cNvGrpSpPr/>
-        <p:nvPr/>
-      </p:nvGrpSpPr>
-      <p:grpSpPr>
-        <a:xfrm>
-          <a:off x="0" y="0"/>
-          <a:ext cx="0" cy="0"/>
-          <a:chOff x="0" y="0"/>
-          <a:chExt cx="0" cy="0"/>
-        </a:xfrm>
-      </p:grpSpPr>
-      <p:grpSp>
-        <p:nvGrpSpPr>
-          <p:cNvPr id="16" name="组 15"/>
-          <p:cNvGrpSpPr/>
-          <p:nvPr/>
-        </p:nvGrpSpPr>
-        <p:grpSpPr>
-          <a:xfrm>
-            <a:off x="2" y="6212532"/>
-            <a:ext cx="12191998" cy="377411"/>
-            <a:chOff x="2" y="6212532"/>
-            <a:chExt cx="12191998" cy="377411"/>
-          </a:xfrm>
-        </p:grpSpPr>
-        <p:sp>
-          <p:nvSpPr>
-            <p:cNvPr id="17" name="文本框 16"/>
-            <p:cNvSpPr txBox="1"/>
-            <p:nvPr/>
-          </p:nvSpPr>
-          <p:spPr>
-            <a:xfrm>
-              <a:off x="10229856" y="6212532"/>
-              <a:ext cx="1348446" cy="377411"/>
-            </a:xfrm>
-            <a:prstGeom prst="rect">
-              <a:avLst/>
-            </a:prstGeom>
-            <a:noFill/>
-          </p:spPr>
-          <p:txBody>
-            <a:bodyPr wrap="none" rtlCol="0">
-              <a:spAutoFit/>
-            </a:bodyPr>
-            <a:lstStyle>
-              <a:defPPr>
-                <a:defRPr lang="zh-CN"/>
-              </a:defPPr>
-              <a:lvl1pPr algn="ctr">
-                <a:lnSpc>
-                  <a:spcPct val="150000"/>
-                </a:lnSpc>
-                <a:defRPr>
-                  <a:solidFill>
-                    <a:schemeClr val="accent1"/>
-                  </a:solidFill>
-                  <a:latin typeface="微软雅黑" panose="020B0503020204020204" pitchFamily="34" charset="-122"/>
-                  <a:ea typeface="微软雅黑" panose="020B0503020204020204" pitchFamily="34" charset="-122"/>
-                </a:defRPr>
-              </a:lvl1pPr>
-            </a:lstStyle>
-            <a:p>
-              <a:pPr algn="l"/>
-              <a:r>
-                <a:rPr lang="zh-CN" altLang="en-US" sz="1400" dirty="0" smtClean="0">
-                  <a:solidFill>
-                    <a:srgbClr val="C00000"/>
-                  </a:solidFill>
-                </a:rPr>
-                <a:t>诚信</a:t>
-              </a:r>
-              <a:r>
-                <a:rPr lang="en-US" altLang="zh-CN" sz="1400" dirty="0" smtClean="0">
-                  <a:solidFill>
-                    <a:srgbClr val="C00000"/>
-                  </a:solidFill>
-                </a:rPr>
-                <a:t>·</a:t>
-              </a:r>
-              <a:r>
-                <a:rPr lang="zh-CN" altLang="en-US" sz="1400" dirty="0" smtClean="0">
-                  <a:solidFill>
-                    <a:srgbClr val="C00000"/>
-                  </a:solidFill>
-                </a:rPr>
-                <a:t>坚毅</a:t>
-              </a:r>
-              <a:r>
-                <a:rPr lang="en-US" altLang="zh-CN" sz="1400" dirty="0" smtClean="0">
-                  <a:solidFill>
-                    <a:srgbClr val="C00000"/>
-                  </a:solidFill>
-                </a:rPr>
-                <a:t>·</a:t>
-              </a:r>
-              <a:r>
-                <a:rPr lang="zh-CN" altLang="en-US" sz="1400" dirty="0" smtClean="0">
-                  <a:solidFill>
-                    <a:srgbClr val="C00000"/>
-                  </a:solidFill>
-                </a:rPr>
-                <a:t>创新</a:t>
-              </a:r>
-              <a:endParaRPr lang="zh-CN" altLang="en-US" sz="1400" dirty="0">
-                <a:solidFill>
-                  <a:srgbClr val="C00000"/>
-                </a:solidFill>
-              </a:endParaRPr>
-            </a:p>
-          </p:txBody>
-        </p:sp>
-        <p:cxnSp>
-          <p:nvCxnSpPr>
-            <p:cNvPr id="18" name="直线连接符 17"/>
-            <p:cNvCxnSpPr/>
-            <p:nvPr/>
-          </p:nvCxnSpPr>
-          <p:spPr>
-            <a:xfrm flipH="1" flipV="1">
-              <a:off x="2" y="6428144"/>
-              <a:ext cx="10172698" cy="10036"/>
-            </a:xfrm>
-            <a:prstGeom prst="line">
-              <a:avLst/>
-            </a:prstGeom>
-            <a:ln w="190500">
-              <a:solidFill>
-                <a:srgbClr val="C61127"/>
-              </a:solidFill>
-            </a:ln>
-          </p:spPr>
-          <p:style>
-            <a:lnRef idx="1">
-              <a:schemeClr val="accent1"/>
-            </a:lnRef>
-            <a:fillRef idx="0">
-              <a:schemeClr val="accent1"/>
-            </a:fillRef>
-            <a:effectRef idx="0">
-              <a:schemeClr val="accent1"/>
-            </a:effectRef>
-            <a:fontRef idx="minor">
-              <a:schemeClr val="tx1"/>
-            </a:fontRef>
-          </p:style>
-        </p:cxnSp>
-        <p:cxnSp>
-          <p:nvCxnSpPr>
-            <p:cNvPr id="19" name="直线连接符 18"/>
-            <p:cNvCxnSpPr/>
-            <p:nvPr/>
-          </p:nvCxnSpPr>
-          <p:spPr>
-            <a:xfrm flipH="1">
-              <a:off x="11583152" y="6432650"/>
-              <a:ext cx="608848" cy="0"/>
-            </a:xfrm>
-            <a:prstGeom prst="line">
-              <a:avLst/>
-            </a:prstGeom>
-            <a:ln w="190500">
-              <a:solidFill>
-                <a:srgbClr val="C61127"/>
-              </a:solidFill>
-            </a:ln>
-          </p:spPr>
-          <p:style>
-            <a:lnRef idx="1">
-              <a:schemeClr val="accent1"/>
-            </a:lnRef>
-            <a:fillRef idx="0">
-              <a:schemeClr val="accent1"/>
-            </a:fillRef>
-            <a:effectRef idx="0">
-              <a:schemeClr val="accent1"/>
-            </a:effectRef>
-            <a:fontRef idx="minor">
-              <a:schemeClr val="tx1"/>
-            </a:fontRef>
-          </p:style>
-        </p:cxnSp>
-      </p:grpSp>
-      <p:sp>
-        <p:nvSpPr>
-          <p:cNvPr id="21" name="自由: 形状 32"/>
-          <p:cNvSpPr/>
-          <p:nvPr/>
-        </p:nvSpPr>
-        <p:spPr>
-          <a:xfrm rot="16200000">
-            <a:off x="98246" y="239098"/>
-            <a:ext cx="558527" cy="755019"/>
-          </a:xfrm>
-          <a:custGeom>
-            <a:avLst/>
-            <a:gdLst>
-              <a:gd name="connsiteX0" fmla="*/ 558527 w 558527"/>
-              <a:gd name="connsiteY0" fmla="*/ 0 h 755019"/>
-              <a:gd name="connsiteX1" fmla="*/ 558527 w 558527"/>
-              <a:gd name="connsiteY1" fmla="*/ 525460 h 755019"/>
-              <a:gd name="connsiteX2" fmla="*/ 279263 w 558527"/>
-              <a:gd name="connsiteY2" fmla="*/ 755019 h 755019"/>
-              <a:gd name="connsiteX3" fmla="*/ 0 w 558527"/>
-              <a:gd name="connsiteY3" fmla="*/ 525460 h 755019"/>
-              <a:gd name="connsiteX4" fmla="*/ 0 w 558527"/>
-              <a:gd name="connsiteY4" fmla="*/ 0 h 755019"/>
-            </a:gdLst>
-            <a:ahLst/>
-            <a:cxnLst>
-              <a:cxn ang="0">
-                <a:pos x="connsiteX0" y="connsiteY0"/>
-              </a:cxn>
-              <a:cxn ang="0">
-                <a:pos x="connsiteX1" y="connsiteY1"/>
-              </a:cxn>
-              <a:cxn ang="0">
-                <a:pos x="connsiteX2" y="connsiteY2"/>
-              </a:cxn>
-              <a:cxn ang="0">
-                <a:pos x="connsiteX3" y="connsiteY3"/>
-              </a:cxn>
-              <a:cxn ang="0">
-                <a:pos x="connsiteX4" y="connsiteY4"/>
-              </a:cxn>
-            </a:cxnLst>
-            <a:rect l="l" t="t" r="r" b="b"/>
-            <a:pathLst>
-              <a:path w="558527" h="755019">
-                <a:moveTo>
-                  <a:pt x="558527" y="0"/>
-                </a:moveTo>
-                <a:lnTo>
-                  <a:pt x="558527" y="525460"/>
-                </a:lnTo>
-                <a:lnTo>
-                  <a:pt x="279263" y="755019"/>
-                </a:lnTo>
-                <a:lnTo>
-                  <a:pt x="0" y="525460"/>
-                </a:lnTo>
-                <a:lnTo>
-                  <a:pt x="0" y="0"/>
-                </a:lnTo>
-                <a:close/>
-              </a:path>
-            </a:pathLst>
-          </a:custGeom>
-          <a:solidFill>
-            <a:srgbClr val="1C2C44"/>
-          </a:solidFill>
-          <a:ln>
-            <a:noFill/>
-          </a:ln>
-        </p:spPr>
-        <p:style>
-          <a:lnRef idx="2">
-            <a:schemeClr val="accent1">
-              <a:shade val="50000"/>
-            </a:schemeClr>
-          </a:lnRef>
-          <a:fillRef idx="1">
-            <a:schemeClr val="accent1"/>
-          </a:fillRef>
-          <a:effectRef idx="0">
-            <a:schemeClr val="accent1"/>
-          </a:effectRef>
-          <a:fontRef idx="minor">
-            <a:schemeClr val="lt1"/>
-          </a:fontRef>
-        </p:style>
-        <p:txBody>
-          <a:bodyPr wrap="square" rtlCol="0" anchor="ctr">
-            <a:noAutofit/>
-          </a:bodyPr>
-          <a:lstStyle/>
-          <a:p>
-            <a:pPr lvl="0" algn="ctr"/>
-            <a:endParaRPr lang="zh-CN" altLang="en-US" sz="3600">
-              <a:solidFill>
-                <a:prstClr val="white"/>
-              </a:solidFill>
-              <a:latin typeface="微软雅黑" panose="020B0503020204020204" pitchFamily="34" charset="-122"/>
-              <a:ea typeface="微软雅黑" panose="020B0503020204020204" pitchFamily="34" charset="-122"/>
-            </a:endParaRPr>
-          </a:p>
-        </p:txBody>
-      </p:sp>
-      <p:sp>
-        <p:nvSpPr>
-          <p:cNvPr id="22" name="自由: 形状 31"/>
-          <p:cNvSpPr/>
-          <p:nvPr/>
-        </p:nvSpPr>
-        <p:spPr>
-          <a:xfrm rot="16200000">
-            <a:off x="4766" y="332578"/>
-            <a:ext cx="558527" cy="568058"/>
-          </a:xfrm>
-          <a:custGeom>
-            <a:avLst/>
-            <a:gdLst>
-              <a:gd name="connsiteX0" fmla="*/ 558527 w 558527"/>
-              <a:gd name="connsiteY0" fmla="*/ 0 h 568058"/>
-              <a:gd name="connsiteX1" fmla="*/ 558527 w 558527"/>
-              <a:gd name="connsiteY1" fmla="*/ 338499 h 568058"/>
-              <a:gd name="connsiteX2" fmla="*/ 279263 w 558527"/>
-              <a:gd name="connsiteY2" fmla="*/ 568058 h 568058"/>
-              <a:gd name="connsiteX3" fmla="*/ 0 w 558527"/>
-              <a:gd name="connsiteY3" fmla="*/ 338499 h 568058"/>
-              <a:gd name="connsiteX4" fmla="*/ 0 w 558527"/>
-              <a:gd name="connsiteY4" fmla="*/ 0 h 568058"/>
-            </a:gdLst>
-            <a:ahLst/>
-            <a:cxnLst>
-              <a:cxn ang="0">
-                <a:pos x="connsiteX0" y="connsiteY0"/>
-              </a:cxn>
-              <a:cxn ang="0">
-                <a:pos x="connsiteX1" y="connsiteY1"/>
-              </a:cxn>
-              <a:cxn ang="0">
-                <a:pos x="connsiteX2" y="connsiteY2"/>
-              </a:cxn>
-              <a:cxn ang="0">
-                <a:pos x="connsiteX3" y="connsiteY3"/>
-              </a:cxn>
-              <a:cxn ang="0">
-                <a:pos x="connsiteX4" y="connsiteY4"/>
-              </a:cxn>
-            </a:cxnLst>
-            <a:rect l="l" t="t" r="r" b="b"/>
-            <a:pathLst>
-              <a:path w="558527" h="568058">
-                <a:moveTo>
-                  <a:pt x="558527" y="0"/>
-                </a:moveTo>
-                <a:lnTo>
-                  <a:pt x="558527" y="338499"/>
-                </a:lnTo>
-                <a:lnTo>
-                  <a:pt x="279263" y="568058"/>
-                </a:lnTo>
-                <a:lnTo>
-                  <a:pt x="0" y="338499"/>
-                </a:lnTo>
-                <a:lnTo>
-                  <a:pt x="0" y="0"/>
-                </a:lnTo>
-                <a:close/>
-              </a:path>
-            </a:pathLst>
-          </a:custGeom>
-          <a:pattFill prst="pct70">
-            <a:fgClr>
-              <a:srgbClr val="C61027"/>
-            </a:fgClr>
-            <a:bgClr>
-              <a:srgbClr val="E76278"/>
-            </a:bgClr>
-          </a:pattFill>
-          <a:ln>
-            <a:noFill/>
-          </a:ln>
-        </p:spPr>
-        <p:style>
-          <a:lnRef idx="2">
-            <a:schemeClr val="accent1">
-              <a:shade val="50000"/>
-            </a:schemeClr>
-          </a:lnRef>
-          <a:fillRef idx="1">
-            <a:schemeClr val="accent1"/>
-          </a:fillRef>
-          <a:effectRef idx="0">
-            <a:schemeClr val="accent1"/>
-          </a:effectRef>
-          <a:fontRef idx="minor">
-            <a:schemeClr val="lt1"/>
-          </a:fontRef>
-        </p:style>
-        <p:txBody>
-          <a:bodyPr wrap="square" rtlCol="0" anchor="ctr">
-            <a:noAutofit/>
-          </a:bodyPr>
-          <a:lstStyle/>
-          <a:p>
-            <a:pPr lvl="0" algn="ctr"/>
-            <a:endParaRPr lang="zh-CN" altLang="en-US">
-              <a:solidFill>
-                <a:prstClr val="white"/>
-              </a:solidFill>
-            </a:endParaRPr>
-          </a:p>
-        </p:txBody>
-      </p:sp>
-      <p:sp>
-        <p:nvSpPr>
           <p:cNvPr id="25" name="文本框 24"/>
           <p:cNvSpPr txBox="1"/>
           <p:nvPr/>
@@ -13296,6 +13323,66 @@
       <p:pic>
         <p:nvPicPr>
           <p:cNvPr id="2" name="图片 1"/>
+          <p:cNvPicPr>
+            <a:picLocks noChangeAspect="1"/>
+          </p:cNvPicPr>
+          <p:nvPr/>
+        </p:nvPicPr>
+        <p:blipFill>
+          <a:blip r:embed="rId1">
+            <a:extLst>
+              <a:ext uri="{28A0092B-C50C-407E-A947-70E740481C1C}">
+                <a14:useLocalDpi xmlns:a14="http://schemas.microsoft.com/office/drawing/2010/main" val="0"/>
+              </a:ext>
+            </a:extLst>
+          </a:blip>
+          <a:stretch>
+            <a:fillRect/>
+          </a:stretch>
+        </p:blipFill>
+        <p:spPr>
+          <a:xfrm>
+            <a:off x="678018" y="1694238"/>
+            <a:ext cx="6782747" cy="1438476"/>
+          </a:xfrm>
+          <a:prstGeom prst="rect">
+            <a:avLst/>
+          </a:prstGeom>
+        </p:spPr>
+      </p:pic>
+      <p:sp>
+        <p:nvSpPr>
+          <p:cNvPr id="20" name="文本框 19"/>
+          <p:cNvSpPr txBox="1"/>
+          <p:nvPr/>
+        </p:nvSpPr>
+        <p:spPr>
+          <a:xfrm>
+            <a:off x="755020" y="955249"/>
+            <a:ext cx="5900286" cy="369332"/>
+          </a:xfrm>
+          <a:prstGeom prst="rect">
+            <a:avLst/>
+          </a:prstGeom>
+          <a:noFill/>
+        </p:spPr>
+        <p:txBody>
+          <a:bodyPr wrap="square" rtlCol="0">
+            <a:spAutoFit/>
+          </a:bodyPr>
+          <a:lstStyle/>
+          <a:p>
+            <a:r>
+              <a:rPr lang="zh-CN" altLang="en-US" dirty="0" smtClean="0"/>
+              <a:t>下面只挑选一些强制要求的来说一下</a:t>
+            </a:r>
+            <a:endParaRPr lang="zh-CN" altLang="en-US" dirty="0"/>
+          </a:p>
+        </p:txBody>
+      </p:sp>
+      <p:pic>
+        <p:nvPicPr>
+          <p:cNvPr id="26" name="图片 25"/>
           <p:cNvPicPr>
             <a:picLocks noChangeAspect="1"/>
           </p:cNvPicPr>
@@ -13315,47 +13402,17 @@
         </p:blipFill>
         <p:spPr>
           <a:xfrm>
-            <a:off x="678018" y="1694238"/>
-            <a:ext cx="6782747" cy="1438476"/>
+            <a:off x="755020" y="3771240"/>
+            <a:ext cx="5772956" cy="876422"/>
           </a:xfrm>
           <a:prstGeom prst="rect">
             <a:avLst/>
           </a:prstGeom>
         </p:spPr>
       </p:pic>
-      <p:sp>
-        <p:nvSpPr>
-          <p:cNvPr id="20" name="文本框 19"/>
-          <p:cNvSpPr txBox="1"/>
-          <p:nvPr/>
-        </p:nvSpPr>
-        <p:spPr>
-          <a:xfrm>
-            <a:off x="755020" y="955249"/>
-            <a:ext cx="5900286" cy="369332"/>
-          </a:xfrm>
-          <a:prstGeom prst="rect">
-            <a:avLst/>
-          </a:prstGeom>
-          <a:noFill/>
-        </p:spPr>
-        <p:txBody>
-          <a:bodyPr wrap="square" rtlCol="0">
-            <a:spAutoFit/>
-          </a:bodyPr>
-          <a:lstStyle/>
-          <a:p>
-            <a:r>
-              <a:rPr lang="zh-CN" altLang="en-US" dirty="0" smtClean="0"/>
-              <a:t>下面只挑选一些强制要求的来说一下</a:t>
-            </a:r>
-            <a:endParaRPr lang="zh-CN" altLang="en-US" dirty="0"/>
-          </a:p>
-        </p:txBody>
-      </p:sp>
       <p:pic>
         <p:nvPicPr>
-          <p:cNvPr id="26" name="图片 25"/>
+          <p:cNvPr id="27" name="图片 26"/>
           <p:cNvPicPr>
             <a:picLocks noChangeAspect="1"/>
           </p:cNvPicPr>
@@ -13375,36 +13432,6 @@
         </p:blipFill>
         <p:spPr>
           <a:xfrm>
-            <a:off x="755020" y="3771240"/>
-            <a:ext cx="5772956" cy="876422"/>
-          </a:xfrm>
-          <a:prstGeom prst="rect">
-            <a:avLst/>
-          </a:prstGeom>
-        </p:spPr>
-      </p:pic>
-      <p:pic>
-        <p:nvPicPr>
-          <p:cNvPr id="27" name="图片 26"/>
-          <p:cNvPicPr>
-            <a:picLocks noChangeAspect="1"/>
-          </p:cNvPicPr>
-          <p:nvPr/>
-        </p:nvPicPr>
-        <p:blipFill>
-          <a:blip r:embed="rId4">
-            <a:extLst>
-              <a:ext uri="{28A0092B-C50C-407E-A947-70E740481C1C}">
-                <a14:useLocalDpi xmlns:a14="http://schemas.microsoft.com/office/drawing/2010/main" val="0"/>
-              </a:ext>
-            </a:extLst>
-          </a:blip>
-          <a:stretch>
-            <a:fillRect/>
-          </a:stretch>
-        </p:blipFill>
-        <p:spPr>
-          <a:xfrm>
             <a:off x="6760498" y="2953643"/>
             <a:ext cx="4817804" cy="3222348"/>
           </a:xfrm>
@@ -13418,11 +13445,11 @@
   <p:clrMapOvr>
     <a:masterClrMapping/>
   </p:clrMapOvr>
-  <mc:AlternateContent xmlns:mc="http://schemas.openxmlformats.org/markup-compatibility/2006" xmlns:p14="http://schemas.microsoft.com/office/powerpoint/2010/main">
-    <mc:Choice Requires="p14">
+  <mc:AlternateContent xmlns:mc="http://schemas.openxmlformats.org/markup-compatibility/2006">
+    <mc:Choice xmlns:p14="http://schemas.microsoft.com/office/powerpoint/2010/main" Requires="p14">
       <p:transition p14:dur="0" advClick="0" advTm="4000"/>
     </mc:Choice>
-    <mc:Fallback xmlns="">
+    <mc:Fallback>
       <p:transition advClick="0" advTm="4000"/>
     </mc:Fallback>
   </mc:AlternateContent>
@@ -13498,6 +13525,36 @@
           <p:nvPr/>
         </p:nvPicPr>
         <p:blipFill>
+          <a:blip r:embed="rId1">
+            <a:extLst>
+              <a:ext uri="{28A0092B-C50C-407E-A947-70E740481C1C}">
+                <a14:useLocalDpi xmlns:a14="http://schemas.microsoft.com/office/drawing/2010/main" val="0"/>
+              </a:ext>
+            </a:extLst>
+          </a:blip>
+          <a:stretch>
+            <a:fillRect/>
+          </a:stretch>
+        </p:blipFill>
+        <p:spPr>
+          <a:xfrm>
+            <a:off x="495138" y="4609207"/>
+            <a:ext cx="7535327" cy="1390844"/>
+          </a:xfrm>
+          <a:prstGeom prst="rect">
+            <a:avLst/>
+          </a:prstGeom>
+        </p:spPr>
+      </p:pic>
+      <p:pic>
+        <p:nvPicPr>
+          <p:cNvPr id="4" name="图片 3"/>
+          <p:cNvPicPr>
+            <a:picLocks noChangeAspect="1"/>
+          </p:cNvPicPr>
+          <p:nvPr/>
+        </p:nvPicPr>
+        <p:blipFill>
           <a:blip r:embed="rId2">
             <a:extLst>
               <a:ext uri="{28A0092B-C50C-407E-A947-70E740481C1C}">
@@ -13511,8 +13568,8 @@
         </p:blipFill>
         <p:spPr>
           <a:xfrm>
-            <a:off x="495138" y="2624832"/>
-            <a:ext cx="7535327" cy="1390844"/>
+            <a:off x="495138" y="1049948"/>
+            <a:ext cx="6468378" cy="1467055"/>
           </a:xfrm>
           <a:prstGeom prst="rect">
             <a:avLst/>
@@ -13521,7 +13578,7 @@
       </p:pic>
       <p:pic>
         <p:nvPicPr>
-          <p:cNvPr id="4" name="图片 3"/>
+          <p:cNvPr id="5" name="图片 4"/>
           <p:cNvPicPr>
             <a:picLocks noChangeAspect="1"/>
           </p:cNvPicPr>
@@ -13541,8 +13598,8 @@
         </p:blipFill>
         <p:spPr>
           <a:xfrm>
-            <a:off x="495138" y="1049948"/>
-            <a:ext cx="6468378" cy="1467055"/>
+            <a:off x="703819" y="3122397"/>
+            <a:ext cx="4772691" cy="819264"/>
           </a:xfrm>
           <a:prstGeom prst="rect">
             <a:avLst/>
@@ -13551,58 +13608,22 @@
       </p:pic>
       <p:pic>
         <p:nvPicPr>
-          <p:cNvPr id="5" name="图片 4"/>
+          <p:cNvPr id="9" name="图片 8"/>
           <p:cNvPicPr>
             <a:picLocks noChangeAspect="1"/>
           </p:cNvPicPr>
           <p:nvPr/>
         </p:nvPicPr>
         <p:blipFill>
-          <a:blip r:embed="rId4">
-            <a:extLst>
-              <a:ext uri="{28A0092B-C50C-407E-A947-70E740481C1C}">
-                <a14:useLocalDpi xmlns:a14="http://schemas.microsoft.com/office/drawing/2010/main" val="0"/>
-              </a:ext>
-            </a:extLst>
-          </a:blip>
+          <a:blip r:embed="rId4"/>
           <a:stretch>
             <a:fillRect/>
           </a:stretch>
         </p:blipFill>
         <p:spPr>
           <a:xfrm>
-            <a:off x="6009879" y="1627607"/>
-            <a:ext cx="4772691" cy="819264"/>
-          </a:xfrm>
-          <a:prstGeom prst="rect">
-            <a:avLst/>
-          </a:prstGeom>
-        </p:spPr>
-      </p:pic>
-      <p:pic>
-        <p:nvPicPr>
-          <p:cNvPr id="6" name="图片 5"/>
-          <p:cNvPicPr>
-            <a:picLocks noChangeAspect="1"/>
-          </p:cNvPicPr>
-          <p:nvPr/>
-        </p:nvPicPr>
-        <p:blipFill>
-          <a:blip r:embed="rId5">
-            <a:extLst>
-              <a:ext uri="{28A0092B-C50C-407E-A947-70E740481C1C}">
-                <a14:useLocalDpi xmlns:a14="http://schemas.microsoft.com/office/drawing/2010/main" val="0"/>
-              </a:ext>
-            </a:extLst>
-          </a:blip>
-          <a:stretch>
-            <a:fillRect/>
-          </a:stretch>
-        </p:blipFill>
-        <p:spPr>
-          <a:xfrm>
-            <a:off x="361517" y="4371598"/>
-            <a:ext cx="6906589" cy="1286054"/>
+            <a:off x="7192010" y="1452880"/>
+            <a:ext cx="4391025" cy="2667000"/>
           </a:xfrm>
           <a:prstGeom prst="rect">
             <a:avLst/>
@@ -13610,11 +13631,6 @@
         </p:spPr>
       </p:pic>
     </p:spTree>
-    <p:extLst>
-      <p:ext uri="{BB962C8B-B14F-4D97-AF65-F5344CB8AC3E}">
-        <p14:creationId xmlns:p14="http://schemas.microsoft.com/office/powerpoint/2010/main" val="954767592"/>
-      </p:ext>
-    </p:extLst>
   </p:cSld>
   <p:clrMapOvr>
     <a:masterClrMapping/>
@@ -13642,16 +13658,52 @@
           <a:chExt cx="0" cy="0"/>
         </a:xfrm>
       </p:grpSpPr>
+      <p:sp>
+        <p:nvSpPr>
+          <p:cNvPr id="2" name="文本框 1"/>
+          <p:cNvSpPr txBox="1"/>
+          <p:nvPr/>
+        </p:nvSpPr>
+        <p:spPr>
+          <a:xfrm>
+            <a:off x="755020" y="385774"/>
+            <a:ext cx="1415772" cy="461665"/>
+          </a:xfrm>
+          <a:prstGeom prst="rect">
+            <a:avLst/>
+          </a:prstGeom>
+          <a:noFill/>
+        </p:spPr>
+        <p:txBody>
+          <a:bodyPr wrap="none" rtlCol="0">
+            <a:spAutoFit/>
+          </a:bodyPr>
+          <a:lstStyle/>
+          <a:p>
+            <a:r>
+              <a:rPr lang="zh-CN" altLang="en-US" sz="2400" dirty="0"/>
+              <a:t>编程规范</a:t>
+            </a:r>
+            <a:endParaRPr kumimoji="1" lang="zh-CN" altLang="en-US" sz="2400" dirty="0">
+              <a:solidFill>
+                <a:srgbClr val="1C2C44"/>
+              </a:solidFill>
+              <a:latin typeface="+mj-ea"/>
+              <a:ea typeface="+mj-ea"/>
+            </a:endParaRPr>
+          </a:p>
+        </p:txBody>
+      </p:sp>
       <p:pic>
         <p:nvPicPr>
-          <p:cNvPr id="2" name="图片 1"/>
+          <p:cNvPr id="6" name="图片 5"/>
           <p:cNvPicPr>
             <a:picLocks noChangeAspect="1"/>
           </p:cNvPicPr>
           <p:nvPr/>
         </p:nvPicPr>
         <p:blipFill>
-          <a:blip r:embed="rId2">
+          <a:blip r:embed="rId1">
             <a:extLst>
               <a:ext uri="{28A0092B-C50C-407E-A947-70E740481C1C}">
                 <a14:useLocalDpi xmlns:a14="http://schemas.microsoft.com/office/drawing/2010/main" val="0"/>
@@ -13664,56 +13716,63 @@
         </p:blipFill>
         <p:spPr>
           <a:xfrm>
-            <a:off x="755020" y="1057862"/>
-            <a:ext cx="6563641" cy="3067478"/>
+            <a:off x="435177" y="1077853"/>
+            <a:ext cx="6906589" cy="1286054"/>
           </a:xfrm>
           <a:prstGeom prst="rect">
             <a:avLst/>
           </a:prstGeom>
         </p:spPr>
       </p:pic>
-      <p:sp>
-        <p:nvSpPr>
-          <p:cNvPr id="3" name="文本框 2"/>
-          <p:cNvSpPr txBox="1"/>
+      <p:pic>
+        <p:nvPicPr>
+          <p:cNvPr id="7" name="图片 6"/>
+          <p:cNvPicPr>
+            <a:picLocks noChangeAspect="1"/>
+          </p:cNvPicPr>
           <p:nvPr/>
-        </p:nvSpPr>
+        </p:nvPicPr>
+        <p:blipFill>
+          <a:blip r:embed="rId2"/>
+          <a:stretch>
+            <a:fillRect/>
+          </a:stretch>
+        </p:blipFill>
         <p:spPr>
           <a:xfrm>
-            <a:off x="755020" y="385774"/>
-            <a:ext cx="1415772" cy="461665"/>
+            <a:off x="434975" y="2576195"/>
+            <a:ext cx="7191375" cy="1809750"/>
           </a:xfrm>
           <a:prstGeom prst="rect">
             <a:avLst/>
           </a:prstGeom>
-          <a:noFill/>
-        </p:spPr>
-        <p:txBody>
-          <a:bodyPr wrap="none" rtlCol="0">
-            <a:spAutoFit/>
-          </a:bodyPr>
-          <a:lstStyle/>
-          <a:p>
-            <a:r>
-              <a:rPr lang="zh-CN" altLang="en-US" sz="2400" dirty="0"/>
-              <a:t>编程规范</a:t>
-            </a:r>
-            <a:endParaRPr kumimoji="1" lang="zh-CN" altLang="en-US" sz="2400" dirty="0">
-              <a:solidFill>
-                <a:srgbClr val="1C2C44"/>
-              </a:solidFill>
-              <a:latin typeface="+mj-ea"/>
-              <a:ea typeface="+mj-ea"/>
-            </a:endParaRPr>
-          </a:p>
-        </p:txBody>
-      </p:sp>
+        </p:spPr>
+      </p:pic>
+      <p:pic>
+        <p:nvPicPr>
+          <p:cNvPr id="8" name="图片 7"/>
+          <p:cNvPicPr>
+            <a:picLocks noChangeAspect="1"/>
+          </p:cNvPicPr>
+          <p:nvPr/>
+        </p:nvPicPr>
+        <p:blipFill>
+          <a:blip r:embed="rId3"/>
+          <a:stretch>
+            <a:fillRect/>
+          </a:stretch>
+        </p:blipFill>
+        <p:spPr>
+          <a:xfrm>
+            <a:off x="669290" y="4549140"/>
+            <a:ext cx="4371975" cy="1419225"/>
+          </a:xfrm>
+          <a:prstGeom prst="rect">
+            <a:avLst/>
+          </a:prstGeom>
+        </p:spPr>
+      </p:pic>
     </p:spTree>
-    <p:extLst>
-      <p:ext uri="{BB962C8B-B14F-4D97-AF65-F5344CB8AC3E}">
-        <p14:creationId xmlns:p14="http://schemas.microsoft.com/office/powerpoint/2010/main" val="3845654139"/>
-      </p:ext>
-    </p:extLst>
   </p:cSld>
   <p:clrMapOvr>
     <a:masterClrMapping/>
@@ -13750,7 +13809,7 @@
           <p:nvPr/>
         </p:nvPicPr>
         <p:blipFill>
-          <a:blip r:embed="rId2">
+          <a:blip r:embed="rId1">
             <a:extLst>
               <a:ext uri="{28A0092B-C50C-407E-A947-70E740481C1C}">
                 <a14:useLocalDpi xmlns:a14="http://schemas.microsoft.com/office/drawing/2010/main" val="0"/>
@@ -13808,11 +13867,6 @@
         </p:txBody>
       </p:sp>
     </p:spTree>
-    <p:extLst>
-      <p:ext uri="{BB962C8B-B14F-4D97-AF65-F5344CB8AC3E}">
-        <p14:creationId xmlns:p14="http://schemas.microsoft.com/office/powerpoint/2010/main" val="3799213845"/>
-      </p:ext>
-    </p:extLst>
   </p:cSld>
   <p:clrMapOvr>
     <a:masterClrMapping/>
@@ -13824,12 +13878,26 @@
 </file>
 
 <file path=ppt/tags/tag1.xml><?xml version="1.0" encoding="utf-8"?>
-<p:tagLst xmlns:a="http://schemas.openxmlformats.org/drawingml/2006/main" xmlns:r="http://schemas.openxmlformats.org/officeDocument/2006/relationships" xmlns:p="http://schemas.openxmlformats.org/presentationml/2006/main">
+<p:tagLst xmlns:p="http://schemas.openxmlformats.org/presentationml/2006/main">
   <p:tag name="KSO_WM_TEMPLATE_TOPIC_ID" val="2869567"/>
   <p:tag name="KSO_WM_TEMPLATE_OUTLINE_ID" val="15"/>
   <p:tag name="KSO_WM_TEMPLATE_SCENE_ID" val="1"/>
   <p:tag name="KSO_WM_TEMPLATE_JOB_ID" val="2"/>
   <p:tag name="KSO_WM_TEMPLATE_TOPIC_DEFAULT" val="1"/>
+</p:tagLst>
+</file>
+
+<file path=ppt/tags/tag2.xml><?xml version="1.0" encoding="utf-8"?>
+<p:tagLst xmlns:p="http://schemas.openxmlformats.org/presentationml/2006/main">
+  <p:tag name="REFSHAPE" val="374486980"/>
+  <p:tag name="KSO_WM_UNIT_PLACING_PICTURE_USER_VIEWPORT" val="{&quot;height&quot;:10755,&quot;width&quot;:18045}"/>
+</p:tagLst>
+</file>
+
+<file path=ppt/tags/tag3.xml><?xml version="1.0" encoding="utf-8"?>
+<p:tagLst xmlns:p="http://schemas.openxmlformats.org/presentationml/2006/main">
+  <p:tag name="REFSHAPE" val="374487524"/>
+  <p:tag name="KSO_WM_UNIT_PLACING_PICTURE_USER_VIEWPORT" val="{&quot;height&quot;:10455,&quot;width&quot;:11205}"/>
 </p:tagLst>
 </file>
 
@@ -13841,7 +13909,7 @@
         <a:sysClr val="windowText" lastClr="000000"/>
       </a:dk1>
       <a:lt1>
-        <a:sysClr val="window" lastClr="CCE8CF"/>
+        <a:sysClr val="window" lastClr="FFFFFF"/>
       </a:lt1>
       <a:dk2>
         <a:srgbClr val="44546A"/>
@@ -14067,7 +14135,6 @@
       </a:style>
     </a:spDef>
   </a:objectDefaults>
-  <a:extraClrSchemeLst/>
   <a:extLst>
     <a:ext uri="{05A4C25C-085E-4340-85A3-A5531E510DB2}">
       <thm15:themeFamily xmlns:thm15="http://schemas.microsoft.com/office/thememl/2012/main" name="Office Theme" id="{62F939B6-93AF-4DB8-9C6B-D6C7DFDC589F}" vid="{4A3C46E8-61CC-4603-A589-7422A47A8E4A}"/>
@@ -14084,7 +14151,7 @@
         <a:sysClr val="windowText" lastClr="000000"/>
       </a:dk1>
       <a:lt1>
-        <a:sysClr val="window" lastClr="CCE8CF"/>
+        <a:sysClr val="window" lastClr="FFFFFF"/>
       </a:lt1>
       <a:dk2>
         <a:srgbClr val="44546A"/>
@@ -14327,8 +14394,6 @@
       </a:bgFillStyleLst>
     </a:fmtScheme>
   </a:themeElements>
-  <a:objectDefaults/>
-  <a:extraClrSchemeLst/>
   <a:extLst>
     <a:ext uri="{05A4C25C-085E-4340-85A3-A5531E510DB2}">
       <thm15:themeFamily xmlns:thm15="http://schemas.microsoft.com/office/thememl/2012/main" name="Office Theme" id="{62F939B6-93AF-4DB8-9C6B-D6C7DFDC589F}" vid="{4A3C46E8-61CC-4603-A589-7422A47A8E4A}"/>
@@ -14345,7 +14410,7 @@
         <a:sysClr val="windowText" lastClr="000000"/>
       </a:dk1>
       <a:lt1>
-        <a:sysClr val="window" lastClr="CCE8CF"/>
+        <a:sysClr val="window" lastClr="FFFFFF"/>
       </a:lt1>
       <a:dk2>
         <a:srgbClr val="44546A"/>
@@ -14588,8 +14653,6 @@
       </a:bgFillStyleLst>
     </a:fmtScheme>
   </a:themeElements>
-  <a:objectDefaults/>
-  <a:extraClrSchemeLst/>
   <a:extLst>
     <a:ext uri="{05A4C25C-085E-4340-85A3-A5531E510DB2}">
       <thm15:themeFamily xmlns:thm15="http://schemas.microsoft.com/office/thememl/2012/main" name="Office Theme" id="{62F939B6-93AF-4DB8-9C6B-D6C7DFDC589F}" vid="{4A3C46E8-61CC-4603-A589-7422A47A8E4A}"/>

--- a/java开发手册知识分享-李龙.pptx
+++ b/java开发手册知识分享-李龙.pptx
@@ -8,7 +8,7 @@
     <p:notesMasterId r:id="rId4"/>
   </p:notesMasterIdLst>
   <p:handoutMasterIdLst>
-    <p:handoutMasterId r:id="rId22"/>
+    <p:handoutMasterId r:id="rId32"/>
   </p:handoutMasterIdLst>
   <p:sldIdLst>
     <p:sldId id="334" r:id="rId3"/>
@@ -17,18 +17,28 @@
     <p:sldId id="347" r:id="rId7"/>
     <p:sldId id="346" r:id="rId8"/>
     <p:sldId id="345" r:id="rId9"/>
-    <p:sldId id="348" r:id="rId10"/>
-    <p:sldId id="375" r:id="rId11"/>
-    <p:sldId id="350" r:id="rId12"/>
-    <p:sldId id="351" r:id="rId13"/>
-    <p:sldId id="352" r:id="rId14"/>
-    <p:sldId id="343" r:id="rId15"/>
-    <p:sldId id="353" r:id="rId16"/>
-    <p:sldId id="361" r:id="rId17"/>
-    <p:sldId id="362" r:id="rId18"/>
-    <p:sldId id="363" r:id="rId19"/>
-    <p:sldId id="364" r:id="rId20"/>
-    <p:sldId id="344" r:id="rId21"/>
+    <p:sldId id="390" r:id="rId10"/>
+    <p:sldId id="348" r:id="rId11"/>
+    <p:sldId id="375" r:id="rId12"/>
+    <p:sldId id="386" r:id="rId13"/>
+    <p:sldId id="387" r:id="rId14"/>
+    <p:sldId id="389" r:id="rId15"/>
+    <p:sldId id="391" r:id="rId16"/>
+    <p:sldId id="392" r:id="rId17"/>
+    <p:sldId id="350" r:id="rId18"/>
+    <p:sldId id="393" r:id="rId19"/>
+    <p:sldId id="394" r:id="rId20"/>
+    <p:sldId id="395" r:id="rId21"/>
+    <p:sldId id="396" r:id="rId22"/>
+    <p:sldId id="351" r:id="rId23"/>
+    <p:sldId id="352" r:id="rId24"/>
+    <p:sldId id="343" r:id="rId25"/>
+    <p:sldId id="353" r:id="rId26"/>
+    <p:sldId id="361" r:id="rId27"/>
+    <p:sldId id="362" r:id="rId28"/>
+    <p:sldId id="363" r:id="rId29"/>
+    <p:sldId id="364" r:id="rId30"/>
+    <p:sldId id="344" r:id="rId31"/>
   </p:sldIdLst>
   <p:sldSz cx="12192000" cy="6858000"/>
   <p:notesSz cx="6858000" cy="9144000"/>
@@ -697,6 +707,321 @@
 </p:notes>
 </file>
 
+<file path=ppt/notesSlides/notesSlide10.xml><?xml version="1.0" encoding="utf-8"?>
+<p:notes xmlns:a="http://schemas.openxmlformats.org/drawingml/2006/main" xmlns:r="http://schemas.openxmlformats.org/officeDocument/2006/relationships" xmlns:p="http://schemas.openxmlformats.org/presentationml/2006/main">
+  <p:cSld>
+    <p:spTree>
+      <p:nvGrpSpPr>
+        <p:cNvPr id="1" name=""/>
+        <p:cNvGrpSpPr/>
+        <p:nvPr/>
+      </p:nvGrpSpPr>
+      <p:grpSpPr/>
+      <p:sp>
+        <p:nvSpPr>
+          <p:cNvPr id="2" name="幻灯片图像占位符 1"/>
+          <p:cNvSpPr/>
+          <p:nvPr>
+            <p:ph type="sldImg" idx="2"/>
+          </p:nvPr>
+        </p:nvSpPr>
+        <p:spPr/>
+      </p:sp>
+      <p:sp>
+        <p:nvSpPr>
+          <p:cNvPr id="3" name="文本占位符 2"/>
+          <p:cNvSpPr/>
+          <p:nvPr>
+            <p:ph type="body" idx="3"/>
+          </p:nvPr>
+        </p:nvSpPr>
+        <p:spPr/>
+        <p:txBody>
+          <a:bodyPr/>
+          <a:p>
+            <a:r>
+              <a:rPr lang="en-US" altLang="zh-CN"/>
+              <a:t>Test07</a:t>
+            </a:r>
+            <a:endParaRPr lang="en-US" altLang="zh-CN"/>
+          </a:p>
+          <a:p>
+            <a:r>
+              <a:rPr lang="en-US" altLang="zh-CN"/>
+              <a:t>https://www.cnblogs.com/zhuyeshen/p/10956822.html</a:t>
+            </a:r>
+            <a:endParaRPr lang="en-US" altLang="zh-CN"/>
+          </a:p>
+          <a:p>
+            <a:r>
+              <a:rPr lang="zh-CN" altLang="en-US"/>
+              <a:t>（</a:t>
+            </a:r>
+            <a:r>
+              <a:rPr lang="en-US" altLang="zh-CN"/>
+              <a:t>2</a:t>
+            </a:r>
+            <a:r>
+              <a:rPr lang="zh-CN" altLang="en-US"/>
+              <a:t>）关键点就在于：调用list.remove()方法导致modCount和expectedModCount的值不一致。</a:t>
+            </a:r>
+            <a:endParaRPr lang="zh-CN" altLang="en-US"/>
+          </a:p>
+          <a:p>
+            <a:endParaRPr lang="zh-CN" altLang="en-US"/>
+          </a:p>
+        </p:txBody>
+      </p:sp>
+    </p:spTree>
+  </p:cSld>
+  <p:clrMapOvr>
+    <a:masterClrMapping/>
+  </p:clrMapOvr>
+</p:notes>
+</file>
+
+<file path=ppt/notesSlides/notesSlide11.xml><?xml version="1.0" encoding="utf-8"?>
+<p:notes xmlns:a="http://schemas.openxmlformats.org/drawingml/2006/main" xmlns:r="http://schemas.openxmlformats.org/officeDocument/2006/relationships" xmlns:p="http://schemas.openxmlformats.org/presentationml/2006/main">
+  <p:cSld>
+    <p:spTree>
+      <p:nvGrpSpPr>
+        <p:cNvPr id="1" name=""/>
+        <p:cNvGrpSpPr/>
+        <p:nvPr/>
+      </p:nvGrpSpPr>
+      <p:grpSpPr/>
+      <p:sp>
+        <p:nvSpPr>
+          <p:cNvPr id="2" name="幻灯片图像占位符 1"/>
+          <p:cNvSpPr/>
+          <p:nvPr>
+            <p:ph type="sldImg" idx="2"/>
+          </p:nvPr>
+        </p:nvSpPr>
+        <p:spPr/>
+      </p:sp>
+      <p:sp>
+        <p:nvSpPr>
+          <p:cNvPr id="3" name="文本占位符 2"/>
+          <p:cNvSpPr/>
+          <p:nvPr>
+            <p:ph type="body" idx="3"/>
+          </p:nvPr>
+        </p:nvSpPr>
+        <p:spPr/>
+        <p:txBody>
+          <a:bodyPr/>
+          <a:p>
+            <a:r>
+              <a:rPr lang="zh-CN" altLang="en-US"/>
+              <a:t>Test08</a:t>
+            </a:r>
+            <a:endParaRPr lang="zh-CN" altLang="en-US"/>
+          </a:p>
+          <a:p>
+            <a:r>
+              <a:rPr lang="en-US" altLang="zh-CN"/>
+              <a:t>Test09</a:t>
+            </a:r>
+            <a:endParaRPr lang="zh-CN" altLang="en-US"/>
+          </a:p>
+          <a:p>
+            <a:r>
+              <a:rPr lang="zh-CN" altLang="en-US"/>
+              <a:t>原因在于，虽然Vector的方法采用了synchronized进行了同步，但是实际上通过Iterator访问的情况下，每个线程里面返回的是不同的iterator，也即是说expectedModCount是每个线程私有。假若此时有2个线程，线程1在进行遍历，线程2在进行修改，那么很有可能导致线程2修改后导致Vector中的modCount自增了，线程2的expectedModCount也自增了，但是线程1的expectedModCount没有自增，此时线程1遍历时就会出现expectedModCount不等于modCount的情况了。</a:t>
+            </a:r>
+            <a:endParaRPr lang="zh-CN" altLang="en-US"/>
+          </a:p>
+        </p:txBody>
+      </p:sp>
+    </p:spTree>
+  </p:cSld>
+  <p:clrMapOvr>
+    <a:masterClrMapping/>
+  </p:clrMapOvr>
+</p:notes>
+</file>
+
+<file path=ppt/notesSlides/notesSlide12.xml><?xml version="1.0" encoding="utf-8"?>
+<p:notes xmlns:a="http://schemas.openxmlformats.org/drawingml/2006/main" xmlns:r="http://schemas.openxmlformats.org/officeDocument/2006/relationships" xmlns:p="http://schemas.openxmlformats.org/presentationml/2006/main">
+  <p:cSld>
+    <p:spTree>
+      <p:nvGrpSpPr>
+        <p:cNvPr id="1" name=""/>
+        <p:cNvGrpSpPr/>
+        <p:nvPr/>
+      </p:nvGrpSpPr>
+      <p:grpSpPr/>
+      <p:sp>
+        <p:nvSpPr>
+          <p:cNvPr id="2" name="幻灯片图像占位符 1"/>
+          <p:cNvSpPr/>
+          <p:nvPr>
+            <p:ph type="sldImg" idx="2"/>
+          </p:nvPr>
+        </p:nvSpPr>
+        <p:spPr/>
+      </p:sp>
+      <p:sp>
+        <p:nvSpPr>
+          <p:cNvPr id="3" name="文本占位符 2"/>
+          <p:cNvSpPr/>
+          <p:nvPr>
+            <p:ph type="body" idx="3"/>
+          </p:nvPr>
+        </p:nvSpPr>
+        <p:spPr/>
+        <p:txBody>
+          <a:bodyPr/>
+          <a:p>
+            <a:endParaRPr lang="zh-CN" altLang="en-US"/>
+          </a:p>
+        </p:txBody>
+      </p:sp>
+    </p:spTree>
+  </p:cSld>
+  <p:clrMapOvr>
+    <a:masterClrMapping/>
+  </p:clrMapOvr>
+</p:notes>
+</file>
+
+<file path=ppt/notesSlides/notesSlide13.xml><?xml version="1.0" encoding="utf-8"?>
+<p:notes xmlns:a="http://schemas.openxmlformats.org/drawingml/2006/main" xmlns:r="http://schemas.openxmlformats.org/officeDocument/2006/relationships" xmlns:p="http://schemas.openxmlformats.org/presentationml/2006/main">
+  <p:cSld>
+    <p:spTree>
+      <p:nvGrpSpPr>
+        <p:cNvPr id="1" name=""/>
+        <p:cNvGrpSpPr/>
+        <p:nvPr/>
+      </p:nvGrpSpPr>
+      <p:grpSpPr/>
+      <p:sp>
+        <p:nvSpPr>
+          <p:cNvPr id="2" name="幻灯片图像占位符 1"/>
+          <p:cNvSpPr/>
+          <p:nvPr>
+            <p:ph type="sldImg" idx="2"/>
+          </p:nvPr>
+        </p:nvSpPr>
+        <p:spPr/>
+      </p:sp>
+      <p:sp>
+        <p:nvSpPr>
+          <p:cNvPr id="3" name="文本占位符 2"/>
+          <p:cNvSpPr/>
+          <p:nvPr>
+            <p:ph type="body" idx="3"/>
+          </p:nvPr>
+        </p:nvSpPr>
+        <p:spPr/>
+        <p:txBody>
+          <a:bodyPr/>
+          <a:p>
+            <a:endParaRPr lang="zh-CN" altLang="en-US"/>
+          </a:p>
+        </p:txBody>
+      </p:sp>
+    </p:spTree>
+  </p:cSld>
+  <p:clrMapOvr>
+    <a:masterClrMapping/>
+  </p:clrMapOvr>
+</p:notes>
+</file>
+
+<file path=ppt/notesSlides/notesSlide14.xml><?xml version="1.0" encoding="utf-8"?>
+<p:notes xmlns:a="http://schemas.openxmlformats.org/drawingml/2006/main" xmlns:r="http://schemas.openxmlformats.org/officeDocument/2006/relationships" xmlns:p="http://schemas.openxmlformats.org/presentationml/2006/main">
+  <p:cSld>
+    <p:spTree>
+      <p:nvGrpSpPr>
+        <p:cNvPr id="1" name=""/>
+        <p:cNvGrpSpPr/>
+        <p:nvPr/>
+      </p:nvGrpSpPr>
+      <p:grpSpPr/>
+      <p:sp>
+        <p:nvSpPr>
+          <p:cNvPr id="2" name="幻灯片图像占位符 1"/>
+          <p:cNvSpPr/>
+          <p:nvPr>
+            <p:ph type="sldImg" idx="2"/>
+          </p:nvPr>
+        </p:nvSpPr>
+        <p:spPr/>
+      </p:sp>
+      <p:sp>
+        <p:nvSpPr>
+          <p:cNvPr id="3" name="文本占位符 2"/>
+          <p:cNvSpPr/>
+          <p:nvPr>
+            <p:ph type="body" idx="3"/>
+          </p:nvPr>
+        </p:nvSpPr>
+        <p:spPr/>
+        <p:txBody>
+          <a:bodyPr/>
+          <a:p>
+            <a:r>
+              <a:rPr lang="zh-CN" altLang="en-US"/>
+              <a:t>https://blog.csdn.net/hello_worldee/article/details/77934244</a:t>
+            </a:r>
+            <a:endParaRPr lang="zh-CN" altLang="en-US"/>
+          </a:p>
+        </p:txBody>
+      </p:sp>
+    </p:spTree>
+  </p:cSld>
+  <p:clrMapOvr>
+    <a:masterClrMapping/>
+  </p:clrMapOvr>
+</p:notes>
+</file>
+
+<file path=ppt/notesSlides/notesSlide15.xml><?xml version="1.0" encoding="utf-8"?>
+<p:notes xmlns:a="http://schemas.openxmlformats.org/drawingml/2006/main" xmlns:r="http://schemas.openxmlformats.org/officeDocument/2006/relationships" xmlns:p="http://schemas.openxmlformats.org/presentationml/2006/main">
+  <p:cSld>
+    <p:spTree>
+      <p:nvGrpSpPr>
+        <p:cNvPr id="1" name=""/>
+        <p:cNvGrpSpPr/>
+        <p:nvPr/>
+      </p:nvGrpSpPr>
+      <p:grpSpPr/>
+      <p:sp>
+        <p:nvSpPr>
+          <p:cNvPr id="2" name="幻灯片图像占位符 1"/>
+          <p:cNvSpPr/>
+          <p:nvPr>
+            <p:ph type="sldImg" idx="2"/>
+          </p:nvPr>
+        </p:nvSpPr>
+        <p:spPr/>
+      </p:sp>
+      <p:sp>
+        <p:nvSpPr>
+          <p:cNvPr id="3" name="文本占位符 2"/>
+          <p:cNvSpPr/>
+          <p:nvPr>
+            <p:ph type="body" idx="3"/>
+          </p:nvPr>
+        </p:nvSpPr>
+        <p:spPr/>
+        <p:txBody>
+          <a:bodyPr/>
+          <a:p>
+            <a:endParaRPr lang="zh-CN" altLang="en-US"/>
+          </a:p>
+        </p:txBody>
+      </p:sp>
+    </p:spTree>
+  </p:cSld>
+  <p:clrMapOvr>
+    <a:masterClrMapping/>
+  </p:clrMapOvr>
+</p:notes>
+</file>
+
 <file path=ppt/notesSlides/notesSlide2.xml><?xml version="1.0" encoding="utf-8"?>
 <p:notes xmlns:a="http://schemas.openxmlformats.org/drawingml/2006/main" xmlns:r="http://schemas.openxmlformats.org/officeDocument/2006/relationships" xmlns:p="http://schemas.openxmlformats.org/presentationml/2006/main">
   <p:cSld>
@@ -867,6 +1192,374 @@
           </a:p>
           <a:p>
             <a:endParaRPr lang="zh-CN" altLang="en-US" dirty="0"/>
+          </a:p>
+        </p:txBody>
+      </p:sp>
+    </p:spTree>
+  </p:cSld>
+  <p:clrMapOvr>
+    <a:masterClrMapping/>
+  </p:clrMapOvr>
+</p:notes>
+</file>
+
+<file path=ppt/notesSlides/notesSlide4.xml><?xml version="1.0" encoding="utf-8"?>
+<p:notes xmlns:a="http://schemas.openxmlformats.org/drawingml/2006/main" xmlns:r="http://schemas.openxmlformats.org/officeDocument/2006/relationships" xmlns:p="http://schemas.openxmlformats.org/presentationml/2006/main">
+  <p:cSld>
+    <p:spTree>
+      <p:nvGrpSpPr>
+        <p:cNvPr id="1" name=""/>
+        <p:cNvGrpSpPr/>
+        <p:nvPr/>
+      </p:nvGrpSpPr>
+      <p:grpSpPr/>
+      <p:sp>
+        <p:nvSpPr>
+          <p:cNvPr id="2" name="幻灯片图像占位符 1"/>
+          <p:cNvSpPr/>
+          <p:nvPr>
+            <p:ph type="sldImg" idx="2"/>
+          </p:nvPr>
+        </p:nvSpPr>
+        <p:spPr/>
+      </p:sp>
+      <p:sp>
+        <p:nvSpPr>
+          <p:cNvPr id="3" name="文本占位符 2"/>
+          <p:cNvSpPr/>
+          <p:nvPr>
+            <p:ph type="body" idx="3"/>
+          </p:nvPr>
+        </p:nvSpPr>
+        <p:spPr/>
+        <p:txBody>
+          <a:bodyPr/>
+          <a:p>
+            <a:r>
+              <a:rPr lang="zh-CN" altLang="en-US"/>
+              <a:t>Test02</a:t>
+            </a:r>
+            <a:endParaRPr lang="zh-CN" altLang="en-US"/>
+          </a:p>
+          <a:p>
+            <a:r>
+              <a:rPr lang="zh-CN" altLang="en-US"/>
+              <a:t>Test0</a:t>
+            </a:r>
+            <a:r>
+              <a:rPr lang="en-US" altLang="zh-CN"/>
+              <a:t>3</a:t>
+            </a:r>
+            <a:endParaRPr lang="en-US" altLang="zh-CN"/>
+          </a:p>
+        </p:txBody>
+      </p:sp>
+    </p:spTree>
+  </p:cSld>
+  <p:clrMapOvr>
+    <a:masterClrMapping/>
+  </p:clrMapOvr>
+</p:notes>
+</file>
+
+<file path=ppt/notesSlides/notesSlide5.xml><?xml version="1.0" encoding="utf-8"?>
+<p:notes xmlns:a="http://schemas.openxmlformats.org/drawingml/2006/main" xmlns:r="http://schemas.openxmlformats.org/officeDocument/2006/relationships" xmlns:p="http://schemas.openxmlformats.org/presentationml/2006/main">
+  <p:cSld>
+    <p:spTree>
+      <p:nvGrpSpPr>
+        <p:cNvPr id="1" name=""/>
+        <p:cNvGrpSpPr/>
+        <p:nvPr/>
+      </p:nvGrpSpPr>
+      <p:grpSpPr/>
+      <p:sp>
+        <p:nvSpPr>
+          <p:cNvPr id="2" name="幻灯片图像占位符 1"/>
+          <p:cNvSpPr/>
+          <p:nvPr>
+            <p:ph type="sldImg" idx="2"/>
+          </p:nvPr>
+        </p:nvSpPr>
+        <p:spPr/>
+      </p:sp>
+      <p:sp>
+        <p:nvSpPr>
+          <p:cNvPr id="3" name="文本占位符 2"/>
+          <p:cNvSpPr/>
+          <p:nvPr>
+            <p:ph type="body" idx="3"/>
+          </p:nvPr>
+        </p:nvSpPr>
+        <p:spPr/>
+        <p:txBody>
+          <a:bodyPr/>
+          <a:p>
+            <a:r>
+              <a:rPr lang="zh-CN" altLang="en-US"/>
+              <a:t>Test01</a:t>
+            </a:r>
+            <a:endParaRPr lang="zh-CN" altLang="en-US"/>
+          </a:p>
+        </p:txBody>
+      </p:sp>
+    </p:spTree>
+  </p:cSld>
+  <p:clrMapOvr>
+    <a:masterClrMapping/>
+  </p:clrMapOvr>
+</p:notes>
+</file>
+
+<file path=ppt/notesSlides/notesSlide6.xml><?xml version="1.0" encoding="utf-8"?>
+<p:notes xmlns:a="http://schemas.openxmlformats.org/drawingml/2006/main" xmlns:r="http://schemas.openxmlformats.org/officeDocument/2006/relationships" xmlns:p="http://schemas.openxmlformats.org/presentationml/2006/main">
+  <p:cSld>
+    <p:spTree>
+      <p:nvGrpSpPr>
+        <p:cNvPr id="1" name=""/>
+        <p:cNvGrpSpPr/>
+        <p:nvPr/>
+      </p:nvGrpSpPr>
+      <p:grpSpPr/>
+      <p:sp>
+        <p:nvSpPr>
+          <p:cNvPr id="2" name="幻灯片图像占位符 1"/>
+          <p:cNvSpPr/>
+          <p:nvPr>
+            <p:ph type="sldImg" idx="2"/>
+          </p:nvPr>
+        </p:nvSpPr>
+        <p:spPr/>
+      </p:sp>
+      <p:sp>
+        <p:nvSpPr>
+          <p:cNvPr id="3" name="文本占位符 2"/>
+          <p:cNvSpPr/>
+          <p:nvPr>
+            <p:ph type="body" idx="3"/>
+          </p:nvPr>
+        </p:nvSpPr>
+        <p:spPr/>
+        <p:txBody>
+          <a:bodyPr/>
+          <a:p>
+            <a:r>
+              <a:rPr lang="zh-CN" altLang="en-US"/>
+              <a:t>Test04</a:t>
+            </a:r>
+            <a:endParaRPr lang="zh-CN" altLang="en-US"/>
+          </a:p>
+          <a:p>
+            <a:r>
+              <a:rPr lang="zh-CN" altLang="en-US"/>
+              <a:t>反编译命令： javap -c -l Test</a:t>
+            </a:r>
+            <a:r>
+              <a:rPr lang="en-US" altLang="zh-CN"/>
+              <a:t>04.class</a:t>
+            </a:r>
+            <a:endParaRPr lang="en-US" altLang="zh-CN"/>
+          </a:p>
+          <a:p>
+            <a:r>
+              <a:rPr lang="zh-CN" altLang="en-US"/>
+              <a:t>汇编指令参考： https://www.jianshu.com/p/d8574d813039</a:t>
+            </a:r>
+            <a:endParaRPr lang="zh-CN" altLang="en-US"/>
+          </a:p>
+          <a:p>
+            <a:r>
+              <a:rPr lang="zh-CN" altLang="en-US"/>
+              <a:t>题目： https://blog.csdn.net/weixin_38004638/article/details/102096647</a:t>
+            </a:r>
+            <a:endParaRPr lang="zh-CN" altLang="en-US"/>
+          </a:p>
+        </p:txBody>
+      </p:sp>
+    </p:spTree>
+  </p:cSld>
+  <p:clrMapOvr>
+    <a:masterClrMapping/>
+  </p:clrMapOvr>
+</p:notes>
+</file>
+
+<file path=ppt/notesSlides/notesSlide7.xml><?xml version="1.0" encoding="utf-8"?>
+<p:notes xmlns:a="http://schemas.openxmlformats.org/drawingml/2006/main" xmlns:r="http://schemas.openxmlformats.org/officeDocument/2006/relationships" xmlns:p="http://schemas.openxmlformats.org/presentationml/2006/main">
+  <p:cSld>
+    <p:spTree>
+      <p:nvGrpSpPr>
+        <p:cNvPr id="1" name=""/>
+        <p:cNvGrpSpPr/>
+        <p:nvPr/>
+      </p:nvGrpSpPr>
+      <p:grpSpPr/>
+      <p:sp>
+        <p:nvSpPr>
+          <p:cNvPr id="2" name="幻灯片图像占位符 1"/>
+          <p:cNvSpPr/>
+          <p:nvPr>
+            <p:ph type="sldImg" idx="2"/>
+          </p:nvPr>
+        </p:nvSpPr>
+        <p:spPr/>
+      </p:sp>
+      <p:sp>
+        <p:nvSpPr>
+          <p:cNvPr id="3" name="文本占位符 2"/>
+          <p:cNvSpPr/>
+          <p:nvPr>
+            <p:ph type="body" idx="3"/>
+          </p:nvPr>
+        </p:nvSpPr>
+        <p:spPr/>
+        <p:txBody>
+          <a:bodyPr/>
+          <a:p>
+            <a:r>
+              <a:rPr lang="zh-CN" altLang="en-US"/>
+              <a:t>Test05</a:t>
+            </a:r>
+            <a:endParaRPr lang="zh-CN" altLang="en-US"/>
+          </a:p>
+          <a:p>
+            <a:r>
+              <a:rPr lang="zh-CN" altLang="en-US"/>
+              <a:t>反编译命令 javap -c -l Test</a:t>
+            </a:r>
+            <a:r>
+              <a:rPr lang="en-US" altLang="zh-CN"/>
+              <a:t>04.class</a:t>
+            </a:r>
+            <a:endParaRPr lang="en-US" altLang="zh-CN"/>
+          </a:p>
+        </p:txBody>
+      </p:sp>
+    </p:spTree>
+  </p:cSld>
+  <p:clrMapOvr>
+    <a:masterClrMapping/>
+  </p:clrMapOvr>
+</p:notes>
+</file>
+
+<file path=ppt/notesSlides/notesSlide8.xml><?xml version="1.0" encoding="utf-8"?>
+<p:notes xmlns:a="http://schemas.openxmlformats.org/drawingml/2006/main" xmlns:r="http://schemas.openxmlformats.org/officeDocument/2006/relationships" xmlns:p="http://schemas.openxmlformats.org/presentationml/2006/main">
+  <p:cSld>
+    <p:spTree>
+      <p:nvGrpSpPr>
+        <p:cNvPr id="1" name=""/>
+        <p:cNvGrpSpPr/>
+        <p:nvPr/>
+      </p:nvGrpSpPr>
+      <p:grpSpPr/>
+      <p:sp>
+        <p:nvSpPr>
+          <p:cNvPr id="2" name="幻灯片图像占位符 1"/>
+          <p:cNvSpPr/>
+          <p:nvPr>
+            <p:ph type="sldImg" idx="2"/>
+          </p:nvPr>
+        </p:nvSpPr>
+        <p:spPr/>
+      </p:sp>
+      <p:sp>
+        <p:nvSpPr>
+          <p:cNvPr id="3" name="文本占位符 2"/>
+          <p:cNvSpPr/>
+          <p:nvPr>
+            <p:ph type="body" idx="3"/>
+          </p:nvPr>
+        </p:nvSpPr>
+        <p:spPr/>
+        <p:txBody>
+          <a:bodyPr/>
+          <a:p>
+            <a:r>
+              <a:rPr lang="en-US" altLang="zh-CN"/>
+              <a:t>Test06</a:t>
+            </a:r>
+            <a:endParaRPr lang="en-US" altLang="zh-CN"/>
+          </a:p>
+        </p:txBody>
+      </p:sp>
+    </p:spTree>
+  </p:cSld>
+  <p:clrMapOvr>
+    <a:masterClrMapping/>
+  </p:clrMapOvr>
+</p:notes>
+</file>
+
+<file path=ppt/notesSlides/notesSlide9.xml><?xml version="1.0" encoding="utf-8"?>
+<p:notes xmlns:a="http://schemas.openxmlformats.org/drawingml/2006/main" xmlns:r="http://schemas.openxmlformats.org/officeDocument/2006/relationships" xmlns:p="http://schemas.openxmlformats.org/presentationml/2006/main">
+  <p:cSld>
+    <p:spTree>
+      <p:nvGrpSpPr>
+        <p:cNvPr id="1" name=""/>
+        <p:cNvGrpSpPr/>
+        <p:nvPr/>
+      </p:nvGrpSpPr>
+      <p:grpSpPr/>
+      <p:sp>
+        <p:nvSpPr>
+          <p:cNvPr id="2" name="幻灯片图像占位符 1"/>
+          <p:cNvSpPr/>
+          <p:nvPr>
+            <p:ph type="sldImg" idx="2"/>
+          </p:nvPr>
+        </p:nvSpPr>
+        <p:spPr/>
+      </p:sp>
+      <p:sp>
+        <p:nvSpPr>
+          <p:cNvPr id="3" name="文本占位符 2"/>
+          <p:cNvSpPr/>
+          <p:nvPr>
+            <p:ph type="body" idx="3"/>
+          </p:nvPr>
+        </p:nvSpPr>
+        <p:spPr/>
+        <p:txBody>
+          <a:bodyPr/>
+          <a:p>
+            <a:r>
+              <a:rPr lang="en-US" altLang="zh-CN"/>
+              <a:t>Test07</a:t>
+            </a:r>
+            <a:endParaRPr lang="en-US" altLang="zh-CN"/>
+          </a:p>
+          <a:p>
+            <a:r>
+              <a:rPr lang="en-US" altLang="zh-CN"/>
+              <a:t>https://www.cnblogs.com/zhuyeshen/p/10956822.html</a:t>
+            </a:r>
+            <a:endParaRPr lang="en-US" altLang="zh-CN"/>
+          </a:p>
+          <a:p>
+            <a:r>
+              <a:rPr lang="zh-CN" altLang="en-US"/>
+              <a:t>（</a:t>
+            </a:r>
+            <a:r>
+              <a:rPr lang="en-US" altLang="zh-CN"/>
+              <a:t>1</a:t>
+            </a:r>
+            <a:r>
+              <a:rPr lang="zh-CN" altLang="en-US"/>
+              <a:t>）</a:t>
+            </a:r>
+            <a:r>
+              <a:rPr lang="en-US" altLang="zh-CN"/>
+              <a:t>调用subList方法返回的集合保存了ArrayList的modCount</a:t>
+            </a:r>
+            <a:r>
+              <a:rPr lang="zh-CN" altLang="en-US"/>
+              <a:t>；当对原list进行add/remove时，导致modCount++；访问子集合时，加了checkForComodification()校验</a:t>
+            </a:r>
+            <a:endParaRPr lang="zh-CN" altLang="en-US"/>
+          </a:p>
+          <a:p>
+            <a:endParaRPr lang="zh-CN" altLang="en-US"/>
           </a:p>
         </p:txBody>
       </p:sp>
@@ -5200,34 +5893,451 @@
       </p:sp>
       <p:pic>
         <p:nvPicPr>
-          <p:cNvPr id="3" name="图片 2"/>
+          <p:cNvPr id="4" name="图片 3"/>
           <p:cNvPicPr>
             <a:picLocks noChangeAspect="1"/>
           </p:cNvPicPr>
           <p:nvPr/>
         </p:nvPicPr>
         <p:blipFill>
-          <a:blip r:embed="rId1">
-            <a:extLst>
-              <a:ext uri="{28A0092B-C50C-407E-A947-70E740481C1C}">
-                <a14:useLocalDpi xmlns:a14="http://schemas.microsoft.com/office/drawing/2010/main" val="0"/>
-              </a:ext>
-            </a:extLst>
-          </a:blip>
+          <a:blip r:embed="rId1"/>
           <a:stretch>
             <a:fillRect/>
           </a:stretch>
         </p:blipFill>
         <p:spPr>
           <a:xfrm>
-            <a:off x="2891775" y="470184"/>
-            <a:ext cx="6677957" cy="5744377"/>
+            <a:off x="997585" y="1142365"/>
+            <a:ext cx="7086600" cy="2028825"/>
           </a:xfrm>
           <a:prstGeom prst="rect">
             <a:avLst/>
           </a:prstGeom>
         </p:spPr>
       </p:pic>
+      <p:pic>
+        <p:nvPicPr>
+          <p:cNvPr id="5" name="图片 4"/>
+          <p:cNvPicPr>
+            <a:picLocks noChangeAspect="1"/>
+          </p:cNvPicPr>
+          <p:nvPr/>
+        </p:nvPicPr>
+        <p:blipFill>
+          <a:blip r:embed="rId2"/>
+          <a:stretch>
+            <a:fillRect/>
+          </a:stretch>
+        </p:blipFill>
+        <p:spPr>
+          <a:xfrm>
+            <a:off x="1339215" y="2092325"/>
+            <a:ext cx="3714750" cy="1304925"/>
+          </a:xfrm>
+          <a:prstGeom prst="rect">
+            <a:avLst/>
+          </a:prstGeom>
+        </p:spPr>
+      </p:pic>
+      <p:pic>
+        <p:nvPicPr>
+          <p:cNvPr id="9" name="图片 8"/>
+          <p:cNvPicPr>
+            <a:picLocks noChangeAspect="1"/>
+          </p:cNvPicPr>
+          <p:nvPr/>
+        </p:nvPicPr>
+        <p:blipFill>
+          <a:blip r:embed="rId3"/>
+          <a:stretch>
+            <a:fillRect/>
+          </a:stretch>
+        </p:blipFill>
+        <p:spPr>
+          <a:xfrm>
+            <a:off x="511810" y="3744595"/>
+            <a:ext cx="4542155" cy="1393190"/>
+          </a:xfrm>
+          <a:prstGeom prst="rect">
+            <a:avLst/>
+          </a:prstGeom>
+        </p:spPr>
+      </p:pic>
+      <p:pic>
+        <p:nvPicPr>
+          <p:cNvPr id="10" name="图片 9"/>
+          <p:cNvPicPr>
+            <a:picLocks noChangeAspect="1"/>
+          </p:cNvPicPr>
+          <p:nvPr/>
+        </p:nvPicPr>
+        <p:blipFill>
+          <a:blip r:embed="rId4"/>
+          <a:stretch>
+            <a:fillRect/>
+          </a:stretch>
+        </p:blipFill>
+        <p:spPr>
+          <a:xfrm>
+            <a:off x="6957060" y="3744595"/>
+            <a:ext cx="4618990" cy="2080895"/>
+          </a:xfrm>
+          <a:prstGeom prst="rect">
+            <a:avLst/>
+          </a:prstGeom>
+        </p:spPr>
+      </p:pic>
+      <p:pic>
+        <p:nvPicPr>
+          <p:cNvPr id="11" name="图片 10"/>
+          <p:cNvPicPr>
+            <a:picLocks noChangeAspect="1"/>
+          </p:cNvPicPr>
+          <p:nvPr/>
+        </p:nvPicPr>
+        <p:blipFill>
+          <a:blip r:embed="rId5"/>
+          <a:stretch>
+            <a:fillRect/>
+          </a:stretch>
+        </p:blipFill>
+        <p:spPr>
+          <a:xfrm>
+            <a:off x="6957060" y="2035175"/>
+            <a:ext cx="4619625" cy="1362075"/>
+          </a:xfrm>
+          <a:prstGeom prst="rect">
+            <a:avLst/>
+          </a:prstGeom>
+        </p:spPr>
+      </p:pic>
+      <p:cxnSp>
+        <p:nvCxnSpPr>
+          <p:cNvPr id="12" name="直接连接符 11"/>
+          <p:cNvCxnSpPr/>
+          <p:nvPr/>
+        </p:nvCxnSpPr>
+        <p:spPr>
+          <a:xfrm>
+            <a:off x="6005195" y="2070735"/>
+            <a:ext cx="8890" cy="4176395"/>
+          </a:xfrm>
+          <a:prstGeom prst="line">
+            <a:avLst/>
+          </a:prstGeom>
+        </p:spPr>
+        <p:style>
+          <a:lnRef idx="3">
+            <a:schemeClr val="accent3"/>
+          </a:lnRef>
+          <a:fillRef idx="0">
+            <a:schemeClr val="accent3"/>
+          </a:fillRef>
+          <a:effectRef idx="2">
+            <a:schemeClr val="accent3"/>
+          </a:effectRef>
+          <a:fontRef idx="minor">
+            <a:schemeClr val="tx1"/>
+          </a:fontRef>
+        </p:style>
+      </p:cxnSp>
+      <p:sp>
+        <p:nvSpPr>
+          <p:cNvPr id="13" name="左箭头 12"/>
+          <p:cNvSpPr/>
+          <p:nvPr/>
+        </p:nvSpPr>
+        <p:spPr>
+          <a:xfrm>
+            <a:off x="5228590" y="2546350"/>
+            <a:ext cx="776605" cy="678815"/>
+          </a:xfrm>
+          <a:prstGeom prst="leftArrow">
+            <a:avLst/>
+          </a:prstGeom>
+          <a:gradFill>
+            <a:gsLst>
+              <a:gs pos="0">
+                <a:srgbClr val="FE4444"/>
+              </a:gs>
+              <a:gs pos="100000">
+                <a:srgbClr val="832B2B"/>
+              </a:gs>
+            </a:gsLst>
+            <a:lin ang="5400000" scaled="0"/>
+          </a:gradFill>
+        </p:spPr>
+        <p:style>
+          <a:lnRef idx="1">
+            <a:schemeClr val="accent2"/>
+          </a:lnRef>
+          <a:fillRef idx="2">
+            <a:schemeClr val="accent2"/>
+          </a:fillRef>
+          <a:effectRef idx="1">
+            <a:schemeClr val="accent2"/>
+          </a:effectRef>
+          <a:fontRef idx="minor">
+            <a:schemeClr val="dk1"/>
+          </a:fontRef>
+        </p:style>
+        <p:txBody>
+          <a:bodyPr rtlCol="0" anchor="ctr"/>
+          <a:p>
+            <a:pPr algn="ctr"/>
+            <a:r>
+              <a:rPr lang="zh-CN" altLang="en-US" sz="1000">
+                <a:solidFill>
+                  <a:prstClr val="white"/>
+                </a:solidFill>
+              </a:rPr>
+              <a:t>反例</a:t>
+            </a:r>
+            <a:endParaRPr lang="zh-CN" altLang="en-US" sz="1000">
+              <a:solidFill>
+                <a:prstClr val="white"/>
+              </a:solidFill>
+            </a:endParaRPr>
+          </a:p>
+        </p:txBody>
+      </p:sp>
+      <p:sp>
+        <p:nvSpPr>
+          <p:cNvPr id="14" name="右箭头 13"/>
+          <p:cNvSpPr/>
+          <p:nvPr/>
+        </p:nvSpPr>
+        <p:spPr>
+          <a:xfrm>
+            <a:off x="6014085" y="2152015"/>
+            <a:ext cx="779780" cy="613410"/>
+          </a:xfrm>
+          <a:prstGeom prst="rightArrow">
+            <a:avLst/>
+          </a:prstGeom>
+          <a:gradFill>
+            <a:gsLst>
+              <a:gs pos="0">
+                <a:srgbClr val="14CD68"/>
+              </a:gs>
+              <a:gs pos="100000">
+                <a:srgbClr val="0B6E38"/>
+              </a:gs>
+            </a:gsLst>
+            <a:lin ang="5400000" scaled="0"/>
+          </a:gradFill>
+          <a:ln>
+            <a:noFill/>
+          </a:ln>
+        </p:spPr>
+        <p:style>
+          <a:lnRef idx="2">
+            <a:schemeClr val="accent1">
+              <a:shade val="50000"/>
+            </a:schemeClr>
+          </a:lnRef>
+          <a:fillRef idx="1">
+            <a:schemeClr val="accent1"/>
+          </a:fillRef>
+          <a:effectRef idx="0">
+            <a:schemeClr val="accent1"/>
+          </a:effectRef>
+          <a:fontRef idx="minor">
+            <a:schemeClr val="lt1"/>
+          </a:fontRef>
+        </p:style>
+        <p:txBody>
+          <a:bodyPr rtlCol="0" anchor="ctr"/>
+          <a:p>
+            <a:pPr algn="ctr"/>
+            <a:r>
+              <a:rPr lang="zh-CN" altLang="en-US" sz="1000">
+                <a:solidFill>
+                  <a:prstClr val="white"/>
+                </a:solidFill>
+              </a:rPr>
+              <a:t>正例</a:t>
+            </a:r>
+            <a:endParaRPr lang="zh-CN" altLang="en-US" sz="1000">
+              <a:solidFill>
+                <a:prstClr val="white"/>
+              </a:solidFill>
+            </a:endParaRPr>
+          </a:p>
+        </p:txBody>
+      </p:sp>
+      <p:grpSp>
+        <p:nvGrpSpPr>
+          <p:cNvPr id="16" name="组 15"/>
+          <p:cNvGrpSpPr/>
+          <p:nvPr/>
+        </p:nvGrpSpPr>
+        <p:grpSpPr>
+          <a:xfrm>
+            <a:off x="2" y="6212532"/>
+            <a:ext cx="12191998" cy="377411"/>
+            <a:chOff x="2" y="6212532"/>
+            <a:chExt cx="12191998" cy="377411"/>
+          </a:xfrm>
+        </p:grpSpPr>
+        <p:sp>
+          <p:nvSpPr>
+            <p:cNvPr id="17" name="文本框 16"/>
+            <p:cNvSpPr txBox="1"/>
+            <p:nvPr/>
+          </p:nvSpPr>
+          <p:spPr>
+            <a:xfrm>
+              <a:off x="10229856" y="6212532"/>
+              <a:ext cx="1348446" cy="377411"/>
+            </a:xfrm>
+            <a:prstGeom prst="rect">
+              <a:avLst/>
+            </a:prstGeom>
+            <a:noFill/>
+          </p:spPr>
+          <p:txBody>
+            <a:bodyPr wrap="none" rtlCol="0">
+              <a:spAutoFit/>
+            </a:bodyPr>
+            <a:lstStyle>
+              <a:defPPr>
+                <a:defRPr lang="zh-CN"/>
+              </a:defPPr>
+              <a:lvl1pPr algn="ctr">
+                <a:lnSpc>
+                  <a:spcPct val="150000"/>
+                </a:lnSpc>
+                <a:defRPr>
+                  <a:solidFill>
+                    <a:schemeClr val="accent1"/>
+                  </a:solidFill>
+                  <a:latin typeface="微软雅黑" panose="020B0503020204020204" pitchFamily="34" charset="-122"/>
+                  <a:ea typeface="微软雅黑" panose="020B0503020204020204" pitchFamily="34" charset="-122"/>
+                </a:defRPr>
+              </a:lvl1pPr>
+            </a:lstStyle>
+            <a:p>
+              <a:pPr algn="l"/>
+              <a:r>
+                <a:rPr lang="zh-CN" altLang="en-US" sz="1400" dirty="0" smtClean="0">
+                  <a:solidFill>
+                    <a:srgbClr val="C00000"/>
+                  </a:solidFill>
+                </a:rPr>
+                <a:t>诚信</a:t>
+              </a:r>
+              <a:r>
+                <a:rPr lang="en-US" altLang="zh-CN" sz="1400" dirty="0" smtClean="0">
+                  <a:solidFill>
+                    <a:srgbClr val="C00000"/>
+                  </a:solidFill>
+                </a:rPr>
+                <a:t>·</a:t>
+              </a:r>
+              <a:r>
+                <a:rPr lang="zh-CN" altLang="en-US" sz="1400" dirty="0" smtClean="0">
+                  <a:solidFill>
+                    <a:srgbClr val="C00000"/>
+                  </a:solidFill>
+                </a:rPr>
+                <a:t>坚毅</a:t>
+              </a:r>
+              <a:r>
+                <a:rPr lang="en-US" altLang="zh-CN" sz="1400" dirty="0" smtClean="0">
+                  <a:solidFill>
+                    <a:srgbClr val="C00000"/>
+                  </a:solidFill>
+                </a:rPr>
+                <a:t>·</a:t>
+              </a:r>
+              <a:r>
+                <a:rPr lang="zh-CN" altLang="en-US" sz="1400" dirty="0" smtClean="0">
+                  <a:solidFill>
+                    <a:srgbClr val="C00000"/>
+                  </a:solidFill>
+                </a:rPr>
+                <a:t>创新</a:t>
+              </a:r>
+              <a:endParaRPr lang="zh-CN" altLang="en-US" sz="1400" dirty="0">
+                <a:solidFill>
+                  <a:srgbClr val="C00000"/>
+                </a:solidFill>
+              </a:endParaRPr>
+            </a:p>
+          </p:txBody>
+        </p:sp>
+        <p:cxnSp>
+          <p:nvCxnSpPr>
+            <p:cNvPr id="18" name="直线连接符 17"/>
+            <p:cNvCxnSpPr/>
+            <p:nvPr/>
+          </p:nvCxnSpPr>
+          <p:spPr>
+            <a:xfrm flipH="1" flipV="1">
+              <a:off x="2" y="6428144"/>
+              <a:ext cx="10172698" cy="10036"/>
+            </a:xfrm>
+            <a:prstGeom prst="line">
+              <a:avLst/>
+            </a:prstGeom>
+            <a:ln w="190500">
+              <a:solidFill>
+                <a:srgbClr val="C61127"/>
+              </a:solidFill>
+            </a:ln>
+          </p:spPr>
+          <p:style>
+            <a:lnRef idx="1">
+              <a:schemeClr val="accent1"/>
+            </a:lnRef>
+            <a:fillRef idx="0">
+              <a:schemeClr val="accent1"/>
+            </a:fillRef>
+            <a:effectRef idx="0">
+              <a:schemeClr val="accent1"/>
+            </a:effectRef>
+            <a:fontRef idx="minor">
+              <a:schemeClr val="tx1"/>
+            </a:fontRef>
+          </p:style>
+        </p:cxnSp>
+        <p:cxnSp>
+          <p:nvCxnSpPr>
+            <p:cNvPr id="19" name="直线连接符 18"/>
+            <p:cNvCxnSpPr/>
+            <p:nvPr/>
+          </p:nvCxnSpPr>
+          <p:spPr>
+            <a:xfrm flipH="1">
+              <a:off x="11583152" y="6432650"/>
+              <a:ext cx="608848" cy="0"/>
+            </a:xfrm>
+            <a:prstGeom prst="line">
+              <a:avLst/>
+            </a:prstGeom>
+            <a:ln w="190500">
+              <a:solidFill>
+                <a:srgbClr val="C61127"/>
+              </a:solidFill>
+            </a:ln>
+          </p:spPr>
+          <p:style>
+            <a:lnRef idx="1">
+              <a:schemeClr val="accent1"/>
+            </a:lnRef>
+            <a:fillRef idx="0">
+              <a:schemeClr val="accent1"/>
+            </a:fillRef>
+            <a:effectRef idx="0">
+              <a:schemeClr val="accent1"/>
+            </a:effectRef>
+            <a:fontRef idx="minor">
+              <a:schemeClr val="tx1"/>
+            </a:fontRef>
+          </p:style>
+        </p:cxnSp>
+      </p:grpSp>
     </p:spTree>
   </p:cSld>
   <p:clrMapOvr>
@@ -5280,6 +6390,5583 @@
           <a:p>
             <a:r>
               <a:rPr lang="zh-CN" altLang="en-US" sz="2400" dirty="0"/>
+              <a:t>编程规范</a:t>
+            </a:r>
+            <a:endParaRPr kumimoji="1" lang="zh-CN" altLang="en-US" sz="2400" dirty="0">
+              <a:solidFill>
+                <a:srgbClr val="1C2C44"/>
+              </a:solidFill>
+              <a:latin typeface="+mj-ea"/>
+              <a:ea typeface="+mj-ea"/>
+            </a:endParaRPr>
+          </a:p>
+        </p:txBody>
+      </p:sp>
+      <p:pic>
+        <p:nvPicPr>
+          <p:cNvPr id="3" name="图片 2"/>
+          <p:cNvPicPr>
+            <a:picLocks noChangeAspect="1"/>
+          </p:cNvPicPr>
+          <p:nvPr/>
+        </p:nvPicPr>
+        <p:blipFill>
+          <a:blip r:embed="rId1"/>
+          <a:stretch>
+            <a:fillRect/>
+          </a:stretch>
+        </p:blipFill>
+        <p:spPr>
+          <a:xfrm>
+            <a:off x="657860" y="1560830"/>
+            <a:ext cx="7267575" cy="1343025"/>
+          </a:xfrm>
+          <a:prstGeom prst="rect">
+            <a:avLst/>
+          </a:prstGeom>
+        </p:spPr>
+      </p:pic>
+      <p:pic>
+        <p:nvPicPr>
+          <p:cNvPr id="6" name="图片 5"/>
+          <p:cNvPicPr>
+            <a:picLocks noChangeAspect="1"/>
+          </p:cNvPicPr>
+          <p:nvPr/>
+        </p:nvPicPr>
+        <p:blipFill>
+          <a:blip r:embed="rId2"/>
+          <a:stretch>
+            <a:fillRect/>
+          </a:stretch>
+        </p:blipFill>
+        <p:spPr>
+          <a:xfrm>
+            <a:off x="988695" y="2756535"/>
+            <a:ext cx="5076825" cy="2671445"/>
+          </a:xfrm>
+          <a:prstGeom prst="rect">
+            <a:avLst/>
+          </a:prstGeom>
+        </p:spPr>
+      </p:pic>
+      <p:sp>
+        <p:nvSpPr>
+          <p:cNvPr id="20" name="文本框 19"/>
+          <p:cNvSpPr txBox="1"/>
+          <p:nvPr/>
+        </p:nvSpPr>
+        <p:spPr>
+          <a:xfrm>
+            <a:off x="834395" y="945089"/>
+            <a:ext cx="5900286" cy="368300"/>
+          </a:xfrm>
+          <a:prstGeom prst="rect">
+            <a:avLst/>
+          </a:prstGeom>
+          <a:noFill/>
+        </p:spPr>
+        <p:txBody>
+          <a:bodyPr wrap="square" rtlCol="0">
+            <a:spAutoFit/>
+          </a:bodyPr>
+          <a:p>
+            <a:r>
+              <a:rPr lang="zh-CN" altLang="en-US" dirty="0" smtClean="0"/>
+              <a:t>集合规范篇</a:t>
+            </a:r>
+            <a:endParaRPr lang="zh-CN" altLang="en-US" dirty="0"/>
+          </a:p>
+        </p:txBody>
+      </p:sp>
+      <p:pic>
+        <p:nvPicPr>
+          <p:cNvPr id="7" name="图片 6"/>
+          <p:cNvPicPr>
+            <a:picLocks noChangeAspect="1"/>
+          </p:cNvPicPr>
+          <p:nvPr/>
+        </p:nvPicPr>
+        <p:blipFill>
+          <a:blip r:embed="rId3"/>
+          <a:stretch>
+            <a:fillRect/>
+          </a:stretch>
+        </p:blipFill>
+        <p:spPr>
+          <a:xfrm>
+            <a:off x="988695" y="5593715"/>
+            <a:ext cx="5619115" cy="618490"/>
+          </a:xfrm>
+          <a:prstGeom prst="rect">
+            <a:avLst/>
+          </a:prstGeom>
+        </p:spPr>
+      </p:pic>
+      <p:grpSp>
+        <p:nvGrpSpPr>
+          <p:cNvPr id="16" name="组 15"/>
+          <p:cNvGrpSpPr/>
+          <p:nvPr/>
+        </p:nvGrpSpPr>
+        <p:grpSpPr>
+          <a:xfrm>
+            <a:off x="2" y="6212532"/>
+            <a:ext cx="12191998" cy="377411"/>
+            <a:chOff x="2" y="6212532"/>
+            <a:chExt cx="12191998" cy="377411"/>
+          </a:xfrm>
+        </p:grpSpPr>
+        <p:sp>
+          <p:nvSpPr>
+            <p:cNvPr id="17" name="文本框 16"/>
+            <p:cNvSpPr txBox="1"/>
+            <p:nvPr/>
+          </p:nvSpPr>
+          <p:spPr>
+            <a:xfrm>
+              <a:off x="10229856" y="6212532"/>
+              <a:ext cx="1348446" cy="377411"/>
+            </a:xfrm>
+            <a:prstGeom prst="rect">
+              <a:avLst/>
+            </a:prstGeom>
+            <a:noFill/>
+          </p:spPr>
+          <p:txBody>
+            <a:bodyPr wrap="none" rtlCol="0">
+              <a:spAutoFit/>
+            </a:bodyPr>
+            <a:lstStyle>
+              <a:defPPr>
+                <a:defRPr lang="zh-CN"/>
+              </a:defPPr>
+              <a:lvl1pPr algn="ctr">
+                <a:lnSpc>
+                  <a:spcPct val="150000"/>
+                </a:lnSpc>
+                <a:defRPr>
+                  <a:solidFill>
+                    <a:schemeClr val="accent1"/>
+                  </a:solidFill>
+                  <a:latin typeface="微软雅黑" panose="020B0503020204020204" pitchFamily="34" charset="-122"/>
+                  <a:ea typeface="微软雅黑" panose="020B0503020204020204" pitchFamily="34" charset="-122"/>
+                </a:defRPr>
+              </a:lvl1pPr>
+            </a:lstStyle>
+            <a:p>
+              <a:pPr algn="l"/>
+              <a:r>
+                <a:rPr lang="zh-CN" altLang="en-US" sz="1400" dirty="0" smtClean="0">
+                  <a:solidFill>
+                    <a:srgbClr val="C00000"/>
+                  </a:solidFill>
+                </a:rPr>
+                <a:t>诚信</a:t>
+              </a:r>
+              <a:r>
+                <a:rPr lang="en-US" altLang="zh-CN" sz="1400" dirty="0" smtClean="0">
+                  <a:solidFill>
+                    <a:srgbClr val="C00000"/>
+                  </a:solidFill>
+                </a:rPr>
+                <a:t>·</a:t>
+              </a:r>
+              <a:r>
+                <a:rPr lang="zh-CN" altLang="en-US" sz="1400" dirty="0" smtClean="0">
+                  <a:solidFill>
+                    <a:srgbClr val="C00000"/>
+                  </a:solidFill>
+                </a:rPr>
+                <a:t>坚毅</a:t>
+              </a:r>
+              <a:r>
+                <a:rPr lang="en-US" altLang="zh-CN" sz="1400" dirty="0" smtClean="0">
+                  <a:solidFill>
+                    <a:srgbClr val="C00000"/>
+                  </a:solidFill>
+                </a:rPr>
+                <a:t>·</a:t>
+              </a:r>
+              <a:r>
+                <a:rPr lang="zh-CN" altLang="en-US" sz="1400" dirty="0" smtClean="0">
+                  <a:solidFill>
+                    <a:srgbClr val="C00000"/>
+                  </a:solidFill>
+                </a:rPr>
+                <a:t>创新</a:t>
+              </a:r>
+              <a:endParaRPr lang="zh-CN" altLang="en-US" sz="1400" dirty="0">
+                <a:solidFill>
+                  <a:srgbClr val="C00000"/>
+                </a:solidFill>
+              </a:endParaRPr>
+            </a:p>
+          </p:txBody>
+        </p:sp>
+        <p:cxnSp>
+          <p:nvCxnSpPr>
+            <p:cNvPr id="18" name="直线连接符 17"/>
+            <p:cNvCxnSpPr/>
+            <p:nvPr/>
+          </p:nvCxnSpPr>
+          <p:spPr>
+            <a:xfrm flipH="1" flipV="1">
+              <a:off x="2" y="6428144"/>
+              <a:ext cx="10172698" cy="10036"/>
+            </a:xfrm>
+            <a:prstGeom prst="line">
+              <a:avLst/>
+            </a:prstGeom>
+            <a:ln w="190500">
+              <a:solidFill>
+                <a:srgbClr val="C61127"/>
+              </a:solidFill>
+            </a:ln>
+          </p:spPr>
+          <p:style>
+            <a:lnRef idx="1">
+              <a:schemeClr val="accent1"/>
+            </a:lnRef>
+            <a:fillRef idx="0">
+              <a:schemeClr val="accent1"/>
+            </a:fillRef>
+            <a:effectRef idx="0">
+              <a:schemeClr val="accent1"/>
+            </a:effectRef>
+            <a:fontRef idx="minor">
+              <a:schemeClr val="tx1"/>
+            </a:fontRef>
+          </p:style>
+        </p:cxnSp>
+        <p:cxnSp>
+          <p:nvCxnSpPr>
+            <p:cNvPr id="19" name="直线连接符 18"/>
+            <p:cNvCxnSpPr/>
+            <p:nvPr/>
+          </p:nvCxnSpPr>
+          <p:spPr>
+            <a:xfrm flipH="1">
+              <a:off x="11583152" y="6432650"/>
+              <a:ext cx="608848" cy="0"/>
+            </a:xfrm>
+            <a:prstGeom prst="line">
+              <a:avLst/>
+            </a:prstGeom>
+            <a:ln w="190500">
+              <a:solidFill>
+                <a:srgbClr val="C61127"/>
+              </a:solidFill>
+            </a:ln>
+          </p:spPr>
+          <p:style>
+            <a:lnRef idx="1">
+              <a:schemeClr val="accent1"/>
+            </a:lnRef>
+            <a:fillRef idx="0">
+              <a:schemeClr val="accent1"/>
+            </a:fillRef>
+            <a:effectRef idx="0">
+              <a:schemeClr val="accent1"/>
+            </a:effectRef>
+            <a:fontRef idx="minor">
+              <a:schemeClr val="tx1"/>
+            </a:fontRef>
+          </p:style>
+        </p:cxnSp>
+      </p:grpSp>
+    </p:spTree>
+  </p:cSld>
+  <p:clrMapOvr>
+    <a:masterClrMapping/>
+  </p:clrMapOvr>
+  <p:transition spd="slow" advClick="0" advTm="4000">
+    <p:wipe/>
+  </p:transition>
+</p:sld>
+</file>
+
+<file path=ppt/slides/slide12.xml><?xml version="1.0" encoding="utf-8"?>
+<p:sld xmlns:a="http://schemas.openxmlformats.org/drawingml/2006/main" xmlns:r="http://schemas.openxmlformats.org/officeDocument/2006/relationships" xmlns:p="http://schemas.openxmlformats.org/presentationml/2006/main">
+  <p:cSld>
+    <p:spTree>
+      <p:nvGrpSpPr>
+        <p:cNvPr id="1" name=""/>
+        <p:cNvGrpSpPr/>
+        <p:nvPr/>
+      </p:nvGrpSpPr>
+      <p:grpSpPr>
+        <a:xfrm>
+          <a:off x="0" y="0"/>
+          <a:ext cx="0" cy="0"/>
+          <a:chOff x="0" y="0"/>
+          <a:chExt cx="0" cy="0"/>
+        </a:xfrm>
+      </p:grpSpPr>
+      <p:sp>
+        <p:nvSpPr>
+          <p:cNvPr id="2" name="文本框 1"/>
+          <p:cNvSpPr txBox="1"/>
+          <p:nvPr/>
+        </p:nvSpPr>
+        <p:spPr>
+          <a:xfrm>
+            <a:off x="755020" y="385774"/>
+            <a:ext cx="1415772" cy="461665"/>
+          </a:xfrm>
+          <a:prstGeom prst="rect">
+            <a:avLst/>
+          </a:prstGeom>
+          <a:noFill/>
+        </p:spPr>
+        <p:txBody>
+          <a:bodyPr wrap="none" rtlCol="0">
+            <a:spAutoFit/>
+          </a:bodyPr>
+          <a:lstStyle/>
+          <a:p>
+            <a:r>
+              <a:rPr lang="zh-CN" altLang="en-US" sz="2400" dirty="0"/>
+              <a:t>编程规范</a:t>
+            </a:r>
+            <a:endParaRPr kumimoji="1" lang="zh-CN" altLang="en-US" sz="2400" dirty="0">
+              <a:solidFill>
+                <a:srgbClr val="1C2C44"/>
+              </a:solidFill>
+              <a:latin typeface="+mj-ea"/>
+              <a:ea typeface="+mj-ea"/>
+            </a:endParaRPr>
+          </a:p>
+        </p:txBody>
+      </p:sp>
+      <p:grpSp>
+        <p:nvGrpSpPr>
+          <p:cNvPr id="16" name="组 15"/>
+          <p:cNvGrpSpPr/>
+          <p:nvPr/>
+        </p:nvGrpSpPr>
+        <p:grpSpPr>
+          <a:xfrm>
+            <a:off x="2" y="6212532"/>
+            <a:ext cx="12191998" cy="377411"/>
+            <a:chOff x="2" y="6212532"/>
+            <a:chExt cx="12191998" cy="377411"/>
+          </a:xfrm>
+        </p:grpSpPr>
+        <p:sp>
+          <p:nvSpPr>
+            <p:cNvPr id="17" name="文本框 16"/>
+            <p:cNvSpPr txBox="1"/>
+            <p:nvPr/>
+          </p:nvSpPr>
+          <p:spPr>
+            <a:xfrm>
+              <a:off x="10229856" y="6212532"/>
+              <a:ext cx="1348446" cy="377411"/>
+            </a:xfrm>
+            <a:prstGeom prst="rect">
+              <a:avLst/>
+            </a:prstGeom>
+            <a:noFill/>
+          </p:spPr>
+          <p:txBody>
+            <a:bodyPr wrap="none" rtlCol="0">
+              <a:spAutoFit/>
+            </a:bodyPr>
+            <a:lstStyle>
+              <a:defPPr>
+                <a:defRPr lang="zh-CN"/>
+              </a:defPPr>
+              <a:lvl1pPr algn="ctr">
+                <a:lnSpc>
+                  <a:spcPct val="150000"/>
+                </a:lnSpc>
+                <a:defRPr>
+                  <a:solidFill>
+                    <a:schemeClr val="accent1"/>
+                  </a:solidFill>
+                  <a:latin typeface="微软雅黑" panose="020B0503020204020204" pitchFamily="34" charset="-122"/>
+                  <a:ea typeface="微软雅黑" panose="020B0503020204020204" pitchFamily="34" charset="-122"/>
+                </a:defRPr>
+              </a:lvl1pPr>
+            </a:lstStyle>
+            <a:p>
+              <a:pPr algn="l"/>
+              <a:r>
+                <a:rPr lang="zh-CN" altLang="en-US" sz="1400" dirty="0" smtClean="0">
+                  <a:solidFill>
+                    <a:srgbClr val="C00000"/>
+                  </a:solidFill>
+                </a:rPr>
+                <a:t>诚信</a:t>
+              </a:r>
+              <a:r>
+                <a:rPr lang="en-US" altLang="zh-CN" sz="1400" dirty="0" smtClean="0">
+                  <a:solidFill>
+                    <a:srgbClr val="C00000"/>
+                  </a:solidFill>
+                </a:rPr>
+                <a:t>·</a:t>
+              </a:r>
+              <a:r>
+                <a:rPr lang="zh-CN" altLang="en-US" sz="1400" dirty="0" smtClean="0">
+                  <a:solidFill>
+                    <a:srgbClr val="C00000"/>
+                  </a:solidFill>
+                </a:rPr>
+                <a:t>坚毅</a:t>
+              </a:r>
+              <a:r>
+                <a:rPr lang="en-US" altLang="zh-CN" sz="1400" dirty="0" smtClean="0">
+                  <a:solidFill>
+                    <a:srgbClr val="C00000"/>
+                  </a:solidFill>
+                </a:rPr>
+                <a:t>·</a:t>
+              </a:r>
+              <a:r>
+                <a:rPr lang="zh-CN" altLang="en-US" sz="1400" dirty="0" smtClean="0">
+                  <a:solidFill>
+                    <a:srgbClr val="C00000"/>
+                  </a:solidFill>
+                </a:rPr>
+                <a:t>创新</a:t>
+              </a:r>
+              <a:endParaRPr lang="zh-CN" altLang="en-US" sz="1400" dirty="0">
+                <a:solidFill>
+                  <a:srgbClr val="C00000"/>
+                </a:solidFill>
+              </a:endParaRPr>
+            </a:p>
+          </p:txBody>
+        </p:sp>
+        <p:cxnSp>
+          <p:nvCxnSpPr>
+            <p:cNvPr id="18" name="直线连接符 17"/>
+            <p:cNvCxnSpPr/>
+            <p:nvPr/>
+          </p:nvCxnSpPr>
+          <p:spPr>
+            <a:xfrm flipH="1" flipV="1">
+              <a:off x="2" y="6428144"/>
+              <a:ext cx="10172698" cy="10036"/>
+            </a:xfrm>
+            <a:prstGeom prst="line">
+              <a:avLst/>
+            </a:prstGeom>
+            <a:ln w="190500">
+              <a:solidFill>
+                <a:srgbClr val="C61127"/>
+              </a:solidFill>
+            </a:ln>
+          </p:spPr>
+          <p:style>
+            <a:lnRef idx="1">
+              <a:schemeClr val="accent1"/>
+            </a:lnRef>
+            <a:fillRef idx="0">
+              <a:schemeClr val="accent1"/>
+            </a:fillRef>
+            <a:effectRef idx="0">
+              <a:schemeClr val="accent1"/>
+            </a:effectRef>
+            <a:fontRef idx="minor">
+              <a:schemeClr val="tx1"/>
+            </a:fontRef>
+          </p:style>
+        </p:cxnSp>
+        <p:cxnSp>
+          <p:nvCxnSpPr>
+            <p:cNvPr id="19" name="直线连接符 18"/>
+            <p:cNvCxnSpPr/>
+            <p:nvPr/>
+          </p:nvCxnSpPr>
+          <p:spPr>
+            <a:xfrm flipH="1">
+              <a:off x="11583152" y="6432650"/>
+              <a:ext cx="608848" cy="0"/>
+            </a:xfrm>
+            <a:prstGeom prst="line">
+              <a:avLst/>
+            </a:prstGeom>
+            <a:ln w="190500">
+              <a:solidFill>
+                <a:srgbClr val="C61127"/>
+              </a:solidFill>
+            </a:ln>
+          </p:spPr>
+          <p:style>
+            <a:lnRef idx="1">
+              <a:schemeClr val="accent1"/>
+            </a:lnRef>
+            <a:fillRef idx="0">
+              <a:schemeClr val="accent1"/>
+            </a:fillRef>
+            <a:effectRef idx="0">
+              <a:schemeClr val="accent1"/>
+            </a:effectRef>
+            <a:fontRef idx="minor">
+              <a:schemeClr val="tx1"/>
+            </a:fontRef>
+          </p:style>
+        </p:cxnSp>
+      </p:grpSp>
+      <p:pic>
+        <p:nvPicPr>
+          <p:cNvPr id="4" name="图片 3"/>
+          <p:cNvPicPr>
+            <a:picLocks noChangeAspect="1"/>
+          </p:cNvPicPr>
+          <p:nvPr/>
+        </p:nvPicPr>
+        <p:blipFill>
+          <a:blip r:embed="rId1"/>
+          <a:stretch>
+            <a:fillRect/>
+          </a:stretch>
+        </p:blipFill>
+        <p:spPr>
+          <a:xfrm>
+            <a:off x="755015" y="969645"/>
+            <a:ext cx="7258050" cy="1943100"/>
+          </a:xfrm>
+          <a:prstGeom prst="rect">
+            <a:avLst/>
+          </a:prstGeom>
+        </p:spPr>
+      </p:pic>
+      <p:pic>
+        <p:nvPicPr>
+          <p:cNvPr id="8" name="图片 7"/>
+          <p:cNvPicPr>
+            <a:picLocks noChangeAspect="1"/>
+          </p:cNvPicPr>
+          <p:nvPr/>
+        </p:nvPicPr>
+        <p:blipFill>
+          <a:blip r:embed="rId2"/>
+          <a:stretch>
+            <a:fillRect/>
+          </a:stretch>
+        </p:blipFill>
+        <p:spPr>
+          <a:xfrm>
+            <a:off x="807720" y="5288915"/>
+            <a:ext cx="5410200" cy="923925"/>
+          </a:xfrm>
+          <a:prstGeom prst="rect">
+            <a:avLst/>
+          </a:prstGeom>
+        </p:spPr>
+      </p:pic>
+      <p:pic>
+        <p:nvPicPr>
+          <p:cNvPr id="9" name="图片 8"/>
+          <p:cNvPicPr>
+            <a:picLocks noChangeAspect="1"/>
+          </p:cNvPicPr>
+          <p:nvPr/>
+        </p:nvPicPr>
+        <p:blipFill>
+          <a:blip r:embed="rId3"/>
+          <a:stretch>
+            <a:fillRect/>
+          </a:stretch>
+        </p:blipFill>
+        <p:spPr>
+          <a:xfrm>
+            <a:off x="807720" y="2814955"/>
+            <a:ext cx="7019925" cy="1228725"/>
+          </a:xfrm>
+          <a:prstGeom prst="rect">
+            <a:avLst/>
+          </a:prstGeom>
+        </p:spPr>
+      </p:pic>
+      <p:pic>
+        <p:nvPicPr>
+          <p:cNvPr id="7" name="图片 6"/>
+          <p:cNvPicPr>
+            <a:picLocks noChangeAspect="1"/>
+          </p:cNvPicPr>
+          <p:nvPr/>
+        </p:nvPicPr>
+        <p:blipFill>
+          <a:blip r:embed="rId4"/>
+          <a:stretch>
+            <a:fillRect/>
+          </a:stretch>
+        </p:blipFill>
+        <p:spPr>
+          <a:xfrm>
+            <a:off x="6694805" y="4069715"/>
+            <a:ext cx="4086225" cy="2143125"/>
+          </a:xfrm>
+          <a:prstGeom prst="rect">
+            <a:avLst/>
+          </a:prstGeom>
+        </p:spPr>
+      </p:pic>
+      <p:pic>
+        <p:nvPicPr>
+          <p:cNvPr id="5" name="图片 4"/>
+          <p:cNvPicPr>
+            <a:picLocks noChangeAspect="1"/>
+          </p:cNvPicPr>
+          <p:nvPr/>
+        </p:nvPicPr>
+        <p:blipFill>
+          <a:blip r:embed="rId5"/>
+          <a:stretch>
+            <a:fillRect/>
+          </a:stretch>
+        </p:blipFill>
+        <p:spPr>
+          <a:xfrm>
+            <a:off x="807720" y="3964940"/>
+            <a:ext cx="4305300" cy="1323975"/>
+          </a:xfrm>
+          <a:prstGeom prst="rect">
+            <a:avLst/>
+          </a:prstGeom>
+        </p:spPr>
+      </p:pic>
+      <p:sp>
+        <p:nvSpPr>
+          <p:cNvPr id="10" name="文本框 9"/>
+          <p:cNvSpPr txBox="1"/>
+          <p:nvPr/>
+        </p:nvSpPr>
+        <p:spPr>
+          <a:xfrm>
+            <a:off x="8013700" y="1487170"/>
+            <a:ext cx="4046220" cy="368300"/>
+          </a:xfrm>
+          <a:prstGeom prst="rect">
+            <a:avLst/>
+          </a:prstGeom>
+          <a:noFill/>
+        </p:spPr>
+        <p:txBody>
+          <a:bodyPr wrap="square" rtlCol="0">
+            <a:spAutoFit/>
+          </a:bodyPr>
+          <a:p>
+            <a:r>
+              <a:rPr lang="zh-CN" altLang="en-US">
+                <a:solidFill>
+                  <a:srgbClr val="FF0000"/>
+                </a:solidFill>
+              </a:rPr>
+              <a:t>UnsupportedOperationException</a:t>
+            </a:r>
+            <a:endParaRPr lang="zh-CN" altLang="en-US">
+              <a:solidFill>
+                <a:srgbClr val="FF0000"/>
+              </a:solidFill>
+            </a:endParaRPr>
+          </a:p>
+        </p:txBody>
+      </p:sp>
+    </p:spTree>
+  </p:cSld>
+  <p:clrMapOvr>
+    <a:masterClrMapping/>
+  </p:clrMapOvr>
+  <p:transition spd="slow" advClick="0" advTm="4000">
+    <p:wipe/>
+  </p:transition>
+</p:sld>
+</file>
+
+<file path=ppt/slides/slide13.xml><?xml version="1.0" encoding="utf-8"?>
+<p:sld xmlns:a="http://schemas.openxmlformats.org/drawingml/2006/main" xmlns:r="http://schemas.openxmlformats.org/officeDocument/2006/relationships" xmlns:p="http://schemas.openxmlformats.org/presentationml/2006/main">
+  <p:cSld>
+    <p:spTree>
+      <p:nvGrpSpPr>
+        <p:cNvPr id="1" name=""/>
+        <p:cNvGrpSpPr/>
+        <p:nvPr/>
+      </p:nvGrpSpPr>
+      <p:grpSpPr>
+        <a:xfrm>
+          <a:off x="0" y="0"/>
+          <a:ext cx="0" cy="0"/>
+          <a:chOff x="0" y="0"/>
+          <a:chExt cx="0" cy="0"/>
+        </a:xfrm>
+      </p:grpSpPr>
+      <p:sp>
+        <p:nvSpPr>
+          <p:cNvPr id="2" name="文本框 1"/>
+          <p:cNvSpPr txBox="1"/>
+          <p:nvPr/>
+        </p:nvSpPr>
+        <p:spPr>
+          <a:xfrm>
+            <a:off x="755020" y="385774"/>
+            <a:ext cx="1415772" cy="461665"/>
+          </a:xfrm>
+          <a:prstGeom prst="rect">
+            <a:avLst/>
+          </a:prstGeom>
+          <a:noFill/>
+        </p:spPr>
+        <p:txBody>
+          <a:bodyPr wrap="none" rtlCol="0">
+            <a:spAutoFit/>
+          </a:bodyPr>
+          <a:lstStyle/>
+          <a:p>
+            <a:r>
+              <a:rPr lang="zh-CN" altLang="en-US" sz="2400" dirty="0"/>
+              <a:t>编程规范</a:t>
+            </a:r>
+            <a:endParaRPr kumimoji="1" lang="zh-CN" altLang="en-US" sz="2400" dirty="0">
+              <a:solidFill>
+                <a:srgbClr val="1C2C44"/>
+              </a:solidFill>
+              <a:latin typeface="+mj-ea"/>
+              <a:ea typeface="+mj-ea"/>
+            </a:endParaRPr>
+          </a:p>
+        </p:txBody>
+      </p:sp>
+      <p:grpSp>
+        <p:nvGrpSpPr>
+          <p:cNvPr id="16" name="组 15"/>
+          <p:cNvGrpSpPr/>
+          <p:nvPr/>
+        </p:nvGrpSpPr>
+        <p:grpSpPr>
+          <a:xfrm>
+            <a:off x="2" y="6212532"/>
+            <a:ext cx="12191998" cy="377411"/>
+            <a:chOff x="2" y="6212532"/>
+            <a:chExt cx="12191998" cy="377411"/>
+          </a:xfrm>
+        </p:grpSpPr>
+        <p:sp>
+          <p:nvSpPr>
+            <p:cNvPr id="17" name="文本框 16"/>
+            <p:cNvSpPr txBox="1"/>
+            <p:nvPr/>
+          </p:nvSpPr>
+          <p:spPr>
+            <a:xfrm>
+              <a:off x="10229856" y="6212532"/>
+              <a:ext cx="1348446" cy="377411"/>
+            </a:xfrm>
+            <a:prstGeom prst="rect">
+              <a:avLst/>
+            </a:prstGeom>
+            <a:noFill/>
+          </p:spPr>
+          <p:txBody>
+            <a:bodyPr wrap="none" rtlCol="0">
+              <a:spAutoFit/>
+            </a:bodyPr>
+            <a:lstStyle>
+              <a:defPPr>
+                <a:defRPr lang="zh-CN"/>
+              </a:defPPr>
+              <a:lvl1pPr algn="ctr">
+                <a:lnSpc>
+                  <a:spcPct val="150000"/>
+                </a:lnSpc>
+                <a:defRPr>
+                  <a:solidFill>
+                    <a:schemeClr val="accent1"/>
+                  </a:solidFill>
+                  <a:latin typeface="微软雅黑" panose="020B0503020204020204" pitchFamily="34" charset="-122"/>
+                  <a:ea typeface="微软雅黑" panose="020B0503020204020204" pitchFamily="34" charset="-122"/>
+                </a:defRPr>
+              </a:lvl1pPr>
+            </a:lstStyle>
+            <a:p>
+              <a:pPr algn="l"/>
+              <a:r>
+                <a:rPr lang="zh-CN" altLang="en-US" sz="1400" dirty="0" smtClean="0">
+                  <a:solidFill>
+                    <a:srgbClr val="C00000"/>
+                  </a:solidFill>
+                </a:rPr>
+                <a:t>诚信</a:t>
+              </a:r>
+              <a:r>
+                <a:rPr lang="en-US" altLang="zh-CN" sz="1400" dirty="0" smtClean="0">
+                  <a:solidFill>
+                    <a:srgbClr val="C00000"/>
+                  </a:solidFill>
+                </a:rPr>
+                <a:t>·</a:t>
+              </a:r>
+              <a:r>
+                <a:rPr lang="zh-CN" altLang="en-US" sz="1400" dirty="0" smtClean="0">
+                  <a:solidFill>
+                    <a:srgbClr val="C00000"/>
+                  </a:solidFill>
+                </a:rPr>
+                <a:t>坚毅</a:t>
+              </a:r>
+              <a:r>
+                <a:rPr lang="en-US" altLang="zh-CN" sz="1400" dirty="0" smtClean="0">
+                  <a:solidFill>
+                    <a:srgbClr val="C00000"/>
+                  </a:solidFill>
+                </a:rPr>
+                <a:t>·</a:t>
+              </a:r>
+              <a:r>
+                <a:rPr lang="zh-CN" altLang="en-US" sz="1400" dirty="0" smtClean="0">
+                  <a:solidFill>
+                    <a:srgbClr val="C00000"/>
+                  </a:solidFill>
+                </a:rPr>
+                <a:t>创新</a:t>
+              </a:r>
+              <a:endParaRPr lang="zh-CN" altLang="en-US" sz="1400" dirty="0">
+                <a:solidFill>
+                  <a:srgbClr val="C00000"/>
+                </a:solidFill>
+              </a:endParaRPr>
+            </a:p>
+          </p:txBody>
+        </p:sp>
+        <p:cxnSp>
+          <p:nvCxnSpPr>
+            <p:cNvPr id="18" name="直线连接符 17"/>
+            <p:cNvCxnSpPr/>
+            <p:nvPr/>
+          </p:nvCxnSpPr>
+          <p:spPr>
+            <a:xfrm flipH="1" flipV="1">
+              <a:off x="2" y="6428144"/>
+              <a:ext cx="10172698" cy="10036"/>
+            </a:xfrm>
+            <a:prstGeom prst="line">
+              <a:avLst/>
+            </a:prstGeom>
+            <a:ln w="190500">
+              <a:solidFill>
+                <a:srgbClr val="C61127"/>
+              </a:solidFill>
+            </a:ln>
+          </p:spPr>
+          <p:style>
+            <a:lnRef idx="1">
+              <a:schemeClr val="accent1"/>
+            </a:lnRef>
+            <a:fillRef idx="0">
+              <a:schemeClr val="accent1"/>
+            </a:fillRef>
+            <a:effectRef idx="0">
+              <a:schemeClr val="accent1"/>
+            </a:effectRef>
+            <a:fontRef idx="minor">
+              <a:schemeClr val="tx1"/>
+            </a:fontRef>
+          </p:style>
+        </p:cxnSp>
+        <p:cxnSp>
+          <p:nvCxnSpPr>
+            <p:cNvPr id="19" name="直线连接符 18"/>
+            <p:cNvCxnSpPr/>
+            <p:nvPr/>
+          </p:nvCxnSpPr>
+          <p:spPr>
+            <a:xfrm flipH="1">
+              <a:off x="11583152" y="6432650"/>
+              <a:ext cx="608848" cy="0"/>
+            </a:xfrm>
+            <a:prstGeom prst="line">
+              <a:avLst/>
+            </a:prstGeom>
+            <a:ln w="190500">
+              <a:solidFill>
+                <a:srgbClr val="C61127"/>
+              </a:solidFill>
+            </a:ln>
+          </p:spPr>
+          <p:style>
+            <a:lnRef idx="1">
+              <a:schemeClr val="accent1"/>
+            </a:lnRef>
+            <a:fillRef idx="0">
+              <a:schemeClr val="accent1"/>
+            </a:fillRef>
+            <a:effectRef idx="0">
+              <a:schemeClr val="accent1"/>
+            </a:effectRef>
+            <a:fontRef idx="minor">
+              <a:schemeClr val="tx1"/>
+            </a:fontRef>
+          </p:style>
+        </p:cxnSp>
+      </p:grpSp>
+      <p:pic>
+        <p:nvPicPr>
+          <p:cNvPr id="3" name="图片 2"/>
+          <p:cNvPicPr>
+            <a:picLocks noChangeAspect="1"/>
+          </p:cNvPicPr>
+          <p:nvPr/>
+        </p:nvPicPr>
+        <p:blipFill>
+          <a:blip r:embed="rId1"/>
+          <a:stretch>
+            <a:fillRect/>
+          </a:stretch>
+        </p:blipFill>
+        <p:spPr>
+          <a:xfrm>
+            <a:off x="755015" y="1018540"/>
+            <a:ext cx="7067550" cy="752475"/>
+          </a:xfrm>
+          <a:prstGeom prst="rect">
+            <a:avLst/>
+          </a:prstGeom>
+        </p:spPr>
+      </p:pic>
+      <p:pic>
+        <p:nvPicPr>
+          <p:cNvPr id="6" name="图片 5"/>
+          <p:cNvPicPr>
+            <a:picLocks noChangeAspect="1"/>
+          </p:cNvPicPr>
+          <p:nvPr/>
+        </p:nvPicPr>
+        <p:blipFill>
+          <a:blip r:embed="rId2"/>
+          <a:stretch>
+            <a:fillRect/>
+          </a:stretch>
+        </p:blipFill>
+        <p:spPr>
+          <a:xfrm>
+            <a:off x="755015" y="1771015"/>
+            <a:ext cx="6800850" cy="704850"/>
+          </a:xfrm>
+          <a:prstGeom prst="rect">
+            <a:avLst/>
+          </a:prstGeom>
+        </p:spPr>
+      </p:pic>
+      <p:pic>
+        <p:nvPicPr>
+          <p:cNvPr id="9" name="图片 8"/>
+          <p:cNvPicPr>
+            <a:picLocks noChangeAspect="1"/>
+          </p:cNvPicPr>
+          <p:nvPr/>
+        </p:nvPicPr>
+        <p:blipFill>
+          <a:blip r:embed="rId3"/>
+          <a:stretch>
+            <a:fillRect/>
+          </a:stretch>
+        </p:blipFill>
+        <p:spPr>
+          <a:xfrm>
+            <a:off x="834390" y="3050540"/>
+            <a:ext cx="4229100" cy="2019300"/>
+          </a:xfrm>
+          <a:prstGeom prst="rect">
+            <a:avLst/>
+          </a:prstGeom>
+        </p:spPr>
+      </p:pic>
+      <p:sp>
+        <p:nvSpPr>
+          <p:cNvPr id="11" name="文本框 10"/>
+          <p:cNvSpPr txBox="1"/>
+          <p:nvPr/>
+        </p:nvSpPr>
+        <p:spPr>
+          <a:xfrm>
+            <a:off x="6224270" y="3050540"/>
+            <a:ext cx="4005580" cy="368300"/>
+          </a:xfrm>
+          <a:prstGeom prst="rect">
+            <a:avLst/>
+          </a:prstGeom>
+          <a:noFill/>
+        </p:spPr>
+        <p:txBody>
+          <a:bodyPr wrap="square" rtlCol="0">
+            <a:spAutoFit/>
+          </a:bodyPr>
+          <a:p>
+            <a:r>
+              <a:rPr lang="zh-CN" altLang="en-US">
+                <a:solidFill>
+                  <a:srgbClr val="FF0000"/>
+                </a:solidFill>
+              </a:rPr>
+              <a:t>ConcurrentModificationException</a:t>
+            </a:r>
+            <a:endParaRPr lang="zh-CN" altLang="en-US">
+              <a:solidFill>
+                <a:srgbClr val="FF0000"/>
+              </a:solidFill>
+            </a:endParaRPr>
+          </a:p>
+        </p:txBody>
+      </p:sp>
+    </p:spTree>
+  </p:cSld>
+  <p:clrMapOvr>
+    <a:masterClrMapping/>
+  </p:clrMapOvr>
+  <p:transition spd="slow" advClick="0" advTm="4000">
+    <p:wipe/>
+  </p:transition>
+</p:sld>
+</file>
+
+<file path=ppt/slides/slide14.xml><?xml version="1.0" encoding="utf-8"?>
+<p:sld xmlns:a="http://schemas.openxmlformats.org/drawingml/2006/main" xmlns:r="http://schemas.openxmlformats.org/officeDocument/2006/relationships" xmlns:p="http://schemas.openxmlformats.org/presentationml/2006/main">
+  <p:cSld>
+    <p:spTree>
+      <p:nvGrpSpPr>
+        <p:cNvPr id="1" name=""/>
+        <p:cNvGrpSpPr/>
+        <p:nvPr/>
+      </p:nvGrpSpPr>
+      <p:grpSpPr>
+        <a:xfrm>
+          <a:off x="0" y="0"/>
+          <a:ext cx="0" cy="0"/>
+          <a:chOff x="0" y="0"/>
+          <a:chExt cx="0" cy="0"/>
+        </a:xfrm>
+      </p:grpSpPr>
+      <p:sp>
+        <p:nvSpPr>
+          <p:cNvPr id="2" name="文本框 1"/>
+          <p:cNvSpPr txBox="1"/>
+          <p:nvPr/>
+        </p:nvSpPr>
+        <p:spPr>
+          <a:xfrm>
+            <a:off x="755020" y="385774"/>
+            <a:ext cx="1415772" cy="461665"/>
+          </a:xfrm>
+          <a:prstGeom prst="rect">
+            <a:avLst/>
+          </a:prstGeom>
+          <a:noFill/>
+        </p:spPr>
+        <p:txBody>
+          <a:bodyPr wrap="none" rtlCol="0">
+            <a:spAutoFit/>
+          </a:bodyPr>
+          <a:lstStyle/>
+          <a:p>
+            <a:r>
+              <a:rPr lang="zh-CN" altLang="en-US" sz="2400" dirty="0"/>
+              <a:t>编程规范</a:t>
+            </a:r>
+            <a:endParaRPr kumimoji="1" lang="zh-CN" altLang="en-US" sz="2400" dirty="0">
+              <a:solidFill>
+                <a:srgbClr val="1C2C44"/>
+              </a:solidFill>
+              <a:latin typeface="+mj-ea"/>
+              <a:ea typeface="+mj-ea"/>
+            </a:endParaRPr>
+          </a:p>
+        </p:txBody>
+      </p:sp>
+      <p:grpSp>
+        <p:nvGrpSpPr>
+          <p:cNvPr id="16" name="组 15"/>
+          <p:cNvGrpSpPr/>
+          <p:nvPr/>
+        </p:nvGrpSpPr>
+        <p:grpSpPr>
+          <a:xfrm>
+            <a:off x="2" y="6212532"/>
+            <a:ext cx="12191998" cy="377411"/>
+            <a:chOff x="2" y="6212532"/>
+            <a:chExt cx="12191998" cy="377411"/>
+          </a:xfrm>
+        </p:grpSpPr>
+        <p:sp>
+          <p:nvSpPr>
+            <p:cNvPr id="17" name="文本框 16"/>
+            <p:cNvSpPr txBox="1"/>
+            <p:nvPr/>
+          </p:nvSpPr>
+          <p:spPr>
+            <a:xfrm>
+              <a:off x="10229856" y="6212532"/>
+              <a:ext cx="1348446" cy="377411"/>
+            </a:xfrm>
+            <a:prstGeom prst="rect">
+              <a:avLst/>
+            </a:prstGeom>
+            <a:noFill/>
+          </p:spPr>
+          <p:txBody>
+            <a:bodyPr wrap="none" rtlCol="0">
+              <a:spAutoFit/>
+            </a:bodyPr>
+            <a:lstStyle>
+              <a:defPPr>
+                <a:defRPr lang="zh-CN"/>
+              </a:defPPr>
+              <a:lvl1pPr algn="ctr">
+                <a:lnSpc>
+                  <a:spcPct val="150000"/>
+                </a:lnSpc>
+                <a:defRPr>
+                  <a:solidFill>
+                    <a:schemeClr val="accent1"/>
+                  </a:solidFill>
+                  <a:latin typeface="微软雅黑" panose="020B0503020204020204" pitchFamily="34" charset="-122"/>
+                  <a:ea typeface="微软雅黑" panose="020B0503020204020204" pitchFamily="34" charset="-122"/>
+                </a:defRPr>
+              </a:lvl1pPr>
+            </a:lstStyle>
+            <a:p>
+              <a:pPr algn="l"/>
+              <a:r>
+                <a:rPr lang="zh-CN" altLang="en-US" sz="1400" dirty="0" smtClean="0">
+                  <a:solidFill>
+                    <a:srgbClr val="C00000"/>
+                  </a:solidFill>
+                </a:rPr>
+                <a:t>诚信</a:t>
+              </a:r>
+              <a:r>
+                <a:rPr lang="en-US" altLang="zh-CN" sz="1400" dirty="0" smtClean="0">
+                  <a:solidFill>
+                    <a:srgbClr val="C00000"/>
+                  </a:solidFill>
+                </a:rPr>
+                <a:t>·</a:t>
+              </a:r>
+              <a:r>
+                <a:rPr lang="zh-CN" altLang="en-US" sz="1400" dirty="0" smtClean="0">
+                  <a:solidFill>
+                    <a:srgbClr val="C00000"/>
+                  </a:solidFill>
+                </a:rPr>
+                <a:t>坚毅</a:t>
+              </a:r>
+              <a:r>
+                <a:rPr lang="en-US" altLang="zh-CN" sz="1400" dirty="0" smtClean="0">
+                  <a:solidFill>
+                    <a:srgbClr val="C00000"/>
+                  </a:solidFill>
+                </a:rPr>
+                <a:t>·</a:t>
+              </a:r>
+              <a:r>
+                <a:rPr lang="zh-CN" altLang="en-US" sz="1400" dirty="0" smtClean="0">
+                  <a:solidFill>
+                    <a:srgbClr val="C00000"/>
+                  </a:solidFill>
+                </a:rPr>
+                <a:t>创新</a:t>
+              </a:r>
+              <a:endParaRPr lang="zh-CN" altLang="en-US" sz="1400" dirty="0">
+                <a:solidFill>
+                  <a:srgbClr val="C00000"/>
+                </a:solidFill>
+              </a:endParaRPr>
+            </a:p>
+          </p:txBody>
+        </p:sp>
+        <p:cxnSp>
+          <p:nvCxnSpPr>
+            <p:cNvPr id="18" name="直线连接符 17"/>
+            <p:cNvCxnSpPr/>
+            <p:nvPr/>
+          </p:nvCxnSpPr>
+          <p:spPr>
+            <a:xfrm flipH="1" flipV="1">
+              <a:off x="2" y="6428144"/>
+              <a:ext cx="10172698" cy="10036"/>
+            </a:xfrm>
+            <a:prstGeom prst="line">
+              <a:avLst/>
+            </a:prstGeom>
+            <a:ln w="190500">
+              <a:solidFill>
+                <a:srgbClr val="C61127"/>
+              </a:solidFill>
+            </a:ln>
+          </p:spPr>
+          <p:style>
+            <a:lnRef idx="1">
+              <a:schemeClr val="accent1"/>
+            </a:lnRef>
+            <a:fillRef idx="0">
+              <a:schemeClr val="accent1"/>
+            </a:fillRef>
+            <a:effectRef idx="0">
+              <a:schemeClr val="accent1"/>
+            </a:effectRef>
+            <a:fontRef idx="minor">
+              <a:schemeClr val="tx1"/>
+            </a:fontRef>
+          </p:style>
+        </p:cxnSp>
+        <p:cxnSp>
+          <p:nvCxnSpPr>
+            <p:cNvPr id="19" name="直线连接符 18"/>
+            <p:cNvCxnSpPr/>
+            <p:nvPr/>
+          </p:nvCxnSpPr>
+          <p:spPr>
+            <a:xfrm flipH="1">
+              <a:off x="11583152" y="6432650"/>
+              <a:ext cx="608848" cy="0"/>
+            </a:xfrm>
+            <a:prstGeom prst="line">
+              <a:avLst/>
+            </a:prstGeom>
+            <a:ln w="190500">
+              <a:solidFill>
+                <a:srgbClr val="C61127"/>
+              </a:solidFill>
+            </a:ln>
+          </p:spPr>
+          <p:style>
+            <a:lnRef idx="1">
+              <a:schemeClr val="accent1"/>
+            </a:lnRef>
+            <a:fillRef idx="0">
+              <a:schemeClr val="accent1"/>
+            </a:fillRef>
+            <a:effectRef idx="0">
+              <a:schemeClr val="accent1"/>
+            </a:effectRef>
+            <a:fontRef idx="minor">
+              <a:schemeClr val="tx1"/>
+            </a:fontRef>
+          </p:style>
+        </p:cxnSp>
+      </p:grpSp>
+      <p:pic>
+        <p:nvPicPr>
+          <p:cNvPr id="12" name="图片 11"/>
+          <p:cNvPicPr>
+            <a:picLocks noChangeAspect="1"/>
+          </p:cNvPicPr>
+          <p:nvPr/>
+        </p:nvPicPr>
+        <p:blipFill>
+          <a:blip r:embed="rId1"/>
+          <a:stretch>
+            <a:fillRect/>
+          </a:stretch>
+        </p:blipFill>
+        <p:spPr>
+          <a:xfrm>
+            <a:off x="533400" y="1369060"/>
+            <a:ext cx="4410075" cy="2428875"/>
+          </a:xfrm>
+          <a:prstGeom prst="rect">
+            <a:avLst/>
+          </a:prstGeom>
+        </p:spPr>
+      </p:pic>
+      <p:pic>
+        <p:nvPicPr>
+          <p:cNvPr id="4" name="图片 3"/>
+          <p:cNvPicPr>
+            <a:picLocks noChangeAspect="1"/>
+          </p:cNvPicPr>
+          <p:nvPr/>
+        </p:nvPicPr>
+        <p:blipFill>
+          <a:blip r:embed="rId2"/>
+          <a:stretch>
+            <a:fillRect/>
+          </a:stretch>
+        </p:blipFill>
+        <p:spPr>
+          <a:xfrm>
+            <a:off x="6227445" y="1392555"/>
+            <a:ext cx="4895850" cy="2381250"/>
+          </a:xfrm>
+          <a:prstGeom prst="rect">
+            <a:avLst/>
+          </a:prstGeom>
+        </p:spPr>
+      </p:pic>
+      <p:cxnSp>
+        <p:nvCxnSpPr>
+          <p:cNvPr id="5" name="直接连接符 4"/>
+          <p:cNvCxnSpPr/>
+          <p:nvPr/>
+        </p:nvCxnSpPr>
+        <p:spPr>
+          <a:xfrm flipH="1">
+            <a:off x="5606415" y="1442720"/>
+            <a:ext cx="17780" cy="4269740"/>
+          </a:xfrm>
+          <a:prstGeom prst="line">
+            <a:avLst/>
+          </a:prstGeom>
+        </p:spPr>
+        <p:style>
+          <a:lnRef idx="3">
+            <a:schemeClr val="accent3"/>
+          </a:lnRef>
+          <a:fillRef idx="0">
+            <a:schemeClr val="accent3"/>
+          </a:fillRef>
+          <a:effectRef idx="2">
+            <a:schemeClr val="accent3"/>
+          </a:effectRef>
+          <a:fontRef idx="minor">
+            <a:schemeClr val="tx1"/>
+          </a:fontRef>
+        </p:style>
+      </p:cxnSp>
+      <p:sp>
+        <p:nvSpPr>
+          <p:cNvPr id="7" name="文本框 6"/>
+          <p:cNvSpPr txBox="1"/>
+          <p:nvPr/>
+        </p:nvSpPr>
+        <p:spPr>
+          <a:xfrm>
+            <a:off x="755015" y="923925"/>
+            <a:ext cx="2315210" cy="306705"/>
+          </a:xfrm>
+          <a:prstGeom prst="rect">
+            <a:avLst/>
+          </a:prstGeom>
+          <a:noFill/>
+        </p:spPr>
+        <p:txBody>
+          <a:bodyPr wrap="square" rtlCol="0">
+            <a:spAutoFit/>
+          </a:bodyPr>
+          <a:p>
+            <a:r>
+              <a:rPr lang="zh-CN" altLang="en-US" sz="1400"/>
+              <a:t>单线程情景</a:t>
+            </a:r>
+            <a:endParaRPr lang="zh-CN" altLang="en-US" sz="1400"/>
+          </a:p>
+        </p:txBody>
+      </p:sp>
+      <p:sp>
+        <p:nvSpPr>
+          <p:cNvPr id="8" name="文本框 7"/>
+          <p:cNvSpPr txBox="1"/>
+          <p:nvPr/>
+        </p:nvSpPr>
+        <p:spPr>
+          <a:xfrm>
+            <a:off x="533400" y="5937250"/>
+            <a:ext cx="4084955" cy="275590"/>
+          </a:xfrm>
+          <a:prstGeom prst="rect">
+            <a:avLst/>
+          </a:prstGeom>
+          <a:noFill/>
+        </p:spPr>
+        <p:txBody>
+          <a:bodyPr wrap="square" rtlCol="0">
+            <a:spAutoFit/>
+          </a:bodyPr>
+          <a:p>
+            <a:r>
+              <a:rPr lang="zh-CN" altLang="en-US" sz="1200">
+                <a:solidFill>
+                  <a:srgbClr val="FF0000"/>
+                </a:solidFill>
+              </a:rPr>
+              <a:t>注意，像使用for-each进行迭代实际上也会出现这种问题。</a:t>
+            </a:r>
+            <a:endParaRPr lang="zh-CN" altLang="en-US" sz="1200">
+              <a:solidFill>
+                <a:srgbClr val="FF0000"/>
+              </a:solidFill>
+            </a:endParaRPr>
+          </a:p>
+        </p:txBody>
+      </p:sp>
+      <p:pic>
+        <p:nvPicPr>
+          <p:cNvPr id="10" name="图片 9"/>
+          <p:cNvPicPr>
+            <a:picLocks noChangeAspect="1"/>
+          </p:cNvPicPr>
+          <p:nvPr/>
+        </p:nvPicPr>
+        <p:blipFill>
+          <a:blip r:embed="rId3"/>
+          <a:stretch>
+            <a:fillRect/>
+          </a:stretch>
+        </p:blipFill>
+        <p:spPr>
+          <a:xfrm>
+            <a:off x="533400" y="3930650"/>
+            <a:ext cx="4410075" cy="1853565"/>
+          </a:xfrm>
+          <a:prstGeom prst="rect">
+            <a:avLst/>
+          </a:prstGeom>
+        </p:spPr>
+      </p:pic>
+      <p:pic>
+        <p:nvPicPr>
+          <p:cNvPr id="13" name="图片 12"/>
+          <p:cNvPicPr>
+            <a:picLocks noChangeAspect="1"/>
+          </p:cNvPicPr>
+          <p:nvPr/>
+        </p:nvPicPr>
+        <p:blipFill>
+          <a:blip r:embed="rId4"/>
+          <a:stretch>
+            <a:fillRect/>
+          </a:stretch>
+        </p:blipFill>
+        <p:spPr>
+          <a:xfrm>
+            <a:off x="6227445" y="4144645"/>
+            <a:ext cx="4981575" cy="1190625"/>
+          </a:xfrm>
+          <a:prstGeom prst="rect">
+            <a:avLst/>
+          </a:prstGeom>
+        </p:spPr>
+      </p:pic>
+      <p:sp>
+        <p:nvSpPr>
+          <p:cNvPr id="14" name="左右箭头 13"/>
+          <p:cNvSpPr/>
+          <p:nvPr/>
+        </p:nvSpPr>
+        <p:spPr>
+          <a:xfrm>
+            <a:off x="5078730" y="2226310"/>
+            <a:ext cx="1073785" cy="369570"/>
+          </a:xfrm>
+          <a:prstGeom prst="leftRightArrow">
+            <a:avLst/>
+          </a:prstGeom>
+          <a:solidFill>
+            <a:schemeClr val="accent2">
+              <a:lumMod val="20000"/>
+              <a:lumOff val="80000"/>
+            </a:schemeClr>
+          </a:solidFill>
+          <a:ln>
+            <a:noFill/>
+          </a:ln>
+        </p:spPr>
+        <p:style>
+          <a:lnRef idx="2">
+            <a:schemeClr val="accent1">
+              <a:shade val="50000"/>
+            </a:schemeClr>
+          </a:lnRef>
+          <a:fillRef idx="1">
+            <a:schemeClr val="accent1"/>
+          </a:fillRef>
+          <a:effectRef idx="0">
+            <a:schemeClr val="accent1"/>
+          </a:effectRef>
+          <a:fontRef idx="minor">
+            <a:schemeClr val="lt1"/>
+          </a:fontRef>
+        </p:style>
+        <p:txBody>
+          <a:bodyPr rtlCol="0" anchor="ctr"/>
+          <a:p>
+            <a:pPr algn="ctr"/>
+            <a:r>
+              <a:rPr lang="zh-CN" altLang="en-US" sz="1200">
+                <a:solidFill>
+                  <a:schemeClr val="accent1"/>
+                </a:solidFill>
+              </a:rPr>
+              <a:t>对比</a:t>
+            </a:r>
+            <a:endParaRPr lang="zh-CN" altLang="en-US" sz="1200">
+              <a:solidFill>
+                <a:schemeClr val="accent1"/>
+              </a:solidFill>
+            </a:endParaRPr>
+          </a:p>
+        </p:txBody>
+      </p:sp>
+      <p:sp>
+        <p:nvSpPr>
+          <p:cNvPr id="15" name="文本框 14"/>
+          <p:cNvSpPr txBox="1"/>
+          <p:nvPr/>
+        </p:nvSpPr>
+        <p:spPr>
+          <a:xfrm>
+            <a:off x="3992245" y="1000760"/>
+            <a:ext cx="951230" cy="368300"/>
+          </a:xfrm>
+          <a:prstGeom prst="rect">
+            <a:avLst/>
+          </a:prstGeom>
+          <a:noFill/>
+        </p:spPr>
+        <p:txBody>
+          <a:bodyPr wrap="square" rtlCol="0">
+            <a:spAutoFit/>
+          </a:bodyPr>
+          <a:p>
+            <a:r>
+              <a:rPr lang="en-US" altLang="zh-CN">
+                <a:solidFill>
+                  <a:schemeClr val="accent6"/>
+                </a:solidFill>
+              </a:rPr>
+              <a:t>Error</a:t>
+            </a:r>
+            <a:endParaRPr lang="en-US" altLang="zh-CN">
+              <a:solidFill>
+                <a:schemeClr val="accent6"/>
+              </a:solidFill>
+            </a:endParaRPr>
+          </a:p>
+        </p:txBody>
+      </p:sp>
+      <p:sp>
+        <p:nvSpPr>
+          <p:cNvPr id="20" name="文本框 19"/>
+          <p:cNvSpPr txBox="1"/>
+          <p:nvPr/>
+        </p:nvSpPr>
+        <p:spPr>
+          <a:xfrm>
+            <a:off x="6227445" y="1000760"/>
+            <a:ext cx="1047115" cy="368300"/>
+          </a:xfrm>
+          <a:prstGeom prst="rect">
+            <a:avLst/>
+          </a:prstGeom>
+          <a:noFill/>
+        </p:spPr>
+        <p:txBody>
+          <a:bodyPr wrap="square" rtlCol="0">
+            <a:spAutoFit/>
+          </a:bodyPr>
+          <a:p>
+            <a:r>
+              <a:rPr lang="en-US" altLang="zh-CN">
+                <a:solidFill>
+                  <a:srgbClr val="00B050"/>
+                </a:solidFill>
+              </a:rPr>
+              <a:t>Correct</a:t>
+            </a:r>
+            <a:endParaRPr lang="en-US" altLang="zh-CN">
+              <a:solidFill>
+                <a:srgbClr val="00B050"/>
+              </a:solidFill>
+            </a:endParaRPr>
+          </a:p>
+        </p:txBody>
+      </p:sp>
+    </p:spTree>
+  </p:cSld>
+  <p:clrMapOvr>
+    <a:masterClrMapping/>
+  </p:clrMapOvr>
+  <p:transition spd="slow" advClick="0" advTm="4000">
+    <p:wipe/>
+  </p:transition>
+</p:sld>
+</file>
+
+<file path=ppt/slides/slide15.xml><?xml version="1.0" encoding="utf-8"?>
+<p:sld xmlns:a="http://schemas.openxmlformats.org/drawingml/2006/main" xmlns:r="http://schemas.openxmlformats.org/officeDocument/2006/relationships" xmlns:p="http://schemas.openxmlformats.org/presentationml/2006/main">
+  <p:cSld>
+    <p:spTree>
+      <p:nvGrpSpPr>
+        <p:cNvPr id="1" name=""/>
+        <p:cNvGrpSpPr/>
+        <p:nvPr/>
+      </p:nvGrpSpPr>
+      <p:grpSpPr>
+        <a:xfrm>
+          <a:off x="0" y="0"/>
+          <a:ext cx="0" cy="0"/>
+          <a:chOff x="0" y="0"/>
+          <a:chExt cx="0" cy="0"/>
+        </a:xfrm>
+      </p:grpSpPr>
+      <p:sp>
+        <p:nvSpPr>
+          <p:cNvPr id="3" name="文本框 2"/>
+          <p:cNvSpPr txBox="1"/>
+          <p:nvPr/>
+        </p:nvSpPr>
+        <p:spPr>
+          <a:xfrm>
+            <a:off x="755020" y="385774"/>
+            <a:ext cx="1415772" cy="461665"/>
+          </a:xfrm>
+          <a:prstGeom prst="rect">
+            <a:avLst/>
+          </a:prstGeom>
+          <a:noFill/>
+        </p:spPr>
+        <p:txBody>
+          <a:bodyPr wrap="none" rtlCol="0">
+            <a:spAutoFit/>
+          </a:bodyPr>
+          <a:lstStyle/>
+          <a:p>
+            <a:r>
+              <a:rPr lang="zh-CN" altLang="en-US" sz="2400" dirty="0"/>
+              <a:t>编程规范</a:t>
+            </a:r>
+            <a:endParaRPr kumimoji="1" lang="zh-CN" altLang="en-US" sz="2400" dirty="0">
+              <a:solidFill>
+                <a:srgbClr val="1C2C44"/>
+              </a:solidFill>
+              <a:latin typeface="+mj-ea"/>
+              <a:ea typeface="+mj-ea"/>
+            </a:endParaRPr>
+          </a:p>
+        </p:txBody>
+      </p:sp>
+      <p:grpSp>
+        <p:nvGrpSpPr>
+          <p:cNvPr id="16" name="组 15"/>
+          <p:cNvGrpSpPr/>
+          <p:nvPr/>
+        </p:nvGrpSpPr>
+        <p:grpSpPr>
+          <a:xfrm>
+            <a:off x="2" y="6212532"/>
+            <a:ext cx="12191998" cy="377411"/>
+            <a:chOff x="2" y="6212532"/>
+            <a:chExt cx="12191998" cy="377411"/>
+          </a:xfrm>
+        </p:grpSpPr>
+        <p:sp>
+          <p:nvSpPr>
+            <p:cNvPr id="17" name="文本框 16"/>
+            <p:cNvSpPr txBox="1"/>
+            <p:nvPr/>
+          </p:nvSpPr>
+          <p:spPr>
+            <a:xfrm>
+              <a:off x="10229856" y="6212532"/>
+              <a:ext cx="1348446" cy="377411"/>
+            </a:xfrm>
+            <a:prstGeom prst="rect">
+              <a:avLst/>
+            </a:prstGeom>
+            <a:noFill/>
+          </p:spPr>
+          <p:txBody>
+            <a:bodyPr wrap="none" rtlCol="0">
+              <a:spAutoFit/>
+            </a:bodyPr>
+            <a:lstStyle>
+              <a:defPPr>
+                <a:defRPr lang="zh-CN"/>
+              </a:defPPr>
+              <a:lvl1pPr algn="ctr">
+                <a:lnSpc>
+                  <a:spcPct val="150000"/>
+                </a:lnSpc>
+                <a:defRPr>
+                  <a:solidFill>
+                    <a:schemeClr val="accent1"/>
+                  </a:solidFill>
+                  <a:latin typeface="微软雅黑" panose="020B0503020204020204" pitchFamily="34" charset="-122"/>
+                  <a:ea typeface="微软雅黑" panose="020B0503020204020204" pitchFamily="34" charset="-122"/>
+                </a:defRPr>
+              </a:lvl1pPr>
+            </a:lstStyle>
+            <a:p>
+              <a:pPr algn="l"/>
+              <a:r>
+                <a:rPr lang="zh-CN" altLang="en-US" sz="1400" dirty="0" smtClean="0">
+                  <a:solidFill>
+                    <a:srgbClr val="C00000"/>
+                  </a:solidFill>
+                </a:rPr>
+                <a:t>诚信</a:t>
+              </a:r>
+              <a:r>
+                <a:rPr lang="en-US" altLang="zh-CN" sz="1400" dirty="0" smtClean="0">
+                  <a:solidFill>
+                    <a:srgbClr val="C00000"/>
+                  </a:solidFill>
+                </a:rPr>
+                <a:t>·</a:t>
+              </a:r>
+              <a:r>
+                <a:rPr lang="zh-CN" altLang="en-US" sz="1400" dirty="0" smtClean="0">
+                  <a:solidFill>
+                    <a:srgbClr val="C00000"/>
+                  </a:solidFill>
+                </a:rPr>
+                <a:t>坚毅</a:t>
+              </a:r>
+              <a:r>
+                <a:rPr lang="en-US" altLang="zh-CN" sz="1400" dirty="0" smtClean="0">
+                  <a:solidFill>
+                    <a:srgbClr val="C00000"/>
+                  </a:solidFill>
+                </a:rPr>
+                <a:t>·</a:t>
+              </a:r>
+              <a:r>
+                <a:rPr lang="zh-CN" altLang="en-US" sz="1400" dirty="0" smtClean="0">
+                  <a:solidFill>
+                    <a:srgbClr val="C00000"/>
+                  </a:solidFill>
+                </a:rPr>
+                <a:t>创新</a:t>
+              </a:r>
+              <a:endParaRPr lang="zh-CN" altLang="en-US" sz="1400" dirty="0">
+                <a:solidFill>
+                  <a:srgbClr val="C00000"/>
+                </a:solidFill>
+              </a:endParaRPr>
+            </a:p>
+          </p:txBody>
+        </p:sp>
+        <p:cxnSp>
+          <p:nvCxnSpPr>
+            <p:cNvPr id="18" name="直线连接符 17"/>
+            <p:cNvCxnSpPr/>
+            <p:nvPr/>
+          </p:nvCxnSpPr>
+          <p:spPr>
+            <a:xfrm flipH="1" flipV="1">
+              <a:off x="2" y="6428144"/>
+              <a:ext cx="10172698" cy="10036"/>
+            </a:xfrm>
+            <a:prstGeom prst="line">
+              <a:avLst/>
+            </a:prstGeom>
+            <a:ln w="190500">
+              <a:solidFill>
+                <a:srgbClr val="C61127"/>
+              </a:solidFill>
+            </a:ln>
+          </p:spPr>
+          <p:style>
+            <a:lnRef idx="1">
+              <a:schemeClr val="accent1"/>
+            </a:lnRef>
+            <a:fillRef idx="0">
+              <a:schemeClr val="accent1"/>
+            </a:fillRef>
+            <a:effectRef idx="0">
+              <a:schemeClr val="accent1"/>
+            </a:effectRef>
+            <a:fontRef idx="minor">
+              <a:schemeClr val="tx1"/>
+            </a:fontRef>
+          </p:style>
+        </p:cxnSp>
+        <p:cxnSp>
+          <p:nvCxnSpPr>
+            <p:cNvPr id="19" name="直线连接符 18"/>
+            <p:cNvCxnSpPr/>
+            <p:nvPr/>
+          </p:nvCxnSpPr>
+          <p:spPr>
+            <a:xfrm flipH="1">
+              <a:off x="11583152" y="6432650"/>
+              <a:ext cx="608848" cy="0"/>
+            </a:xfrm>
+            <a:prstGeom prst="line">
+              <a:avLst/>
+            </a:prstGeom>
+            <a:ln w="190500">
+              <a:solidFill>
+                <a:srgbClr val="C61127"/>
+              </a:solidFill>
+            </a:ln>
+          </p:spPr>
+          <p:style>
+            <a:lnRef idx="1">
+              <a:schemeClr val="accent1"/>
+            </a:lnRef>
+            <a:fillRef idx="0">
+              <a:schemeClr val="accent1"/>
+            </a:fillRef>
+            <a:effectRef idx="0">
+              <a:schemeClr val="accent1"/>
+            </a:effectRef>
+            <a:fontRef idx="minor">
+              <a:schemeClr val="tx1"/>
+            </a:fontRef>
+          </p:style>
+        </p:cxnSp>
+      </p:grpSp>
+      <p:pic>
+        <p:nvPicPr>
+          <p:cNvPr id="4" name="图片 3"/>
+          <p:cNvPicPr>
+            <a:picLocks noChangeAspect="1"/>
+          </p:cNvPicPr>
+          <p:nvPr/>
+        </p:nvPicPr>
+        <p:blipFill>
+          <a:blip r:embed="rId1"/>
+          <a:stretch>
+            <a:fillRect/>
+          </a:stretch>
+        </p:blipFill>
+        <p:spPr>
+          <a:xfrm>
+            <a:off x="549275" y="1433830"/>
+            <a:ext cx="5629275" cy="3990975"/>
+          </a:xfrm>
+          <a:prstGeom prst="rect">
+            <a:avLst/>
+          </a:prstGeom>
+        </p:spPr>
+      </p:pic>
+      <p:pic>
+        <p:nvPicPr>
+          <p:cNvPr id="5" name="图片 4"/>
+          <p:cNvPicPr>
+            <a:picLocks noChangeAspect="1"/>
+          </p:cNvPicPr>
+          <p:nvPr/>
+        </p:nvPicPr>
+        <p:blipFill>
+          <a:blip r:embed="rId2"/>
+          <a:stretch>
+            <a:fillRect/>
+          </a:stretch>
+        </p:blipFill>
+        <p:spPr>
+          <a:xfrm>
+            <a:off x="6317615" y="1433830"/>
+            <a:ext cx="5172075" cy="3371850"/>
+          </a:xfrm>
+          <a:prstGeom prst="rect">
+            <a:avLst/>
+          </a:prstGeom>
+        </p:spPr>
+      </p:pic>
+      <p:sp>
+        <p:nvSpPr>
+          <p:cNvPr id="6" name="文本框 5"/>
+          <p:cNvSpPr txBox="1"/>
+          <p:nvPr/>
+        </p:nvSpPr>
+        <p:spPr>
+          <a:xfrm>
+            <a:off x="6487160" y="5042535"/>
+            <a:ext cx="4832985" cy="645160"/>
+          </a:xfrm>
+          <a:prstGeom prst="rect">
+            <a:avLst/>
+          </a:prstGeom>
+          <a:noFill/>
+        </p:spPr>
+        <p:txBody>
+          <a:bodyPr wrap="square" rtlCol="0">
+            <a:spAutoFit/>
+          </a:bodyPr>
+          <a:p>
+            <a:r>
+              <a:rPr lang="zh-CN" altLang="en-US" sz="1200"/>
+              <a:t>解决办法：</a:t>
+            </a:r>
+            <a:endParaRPr lang="zh-CN" altLang="en-US" sz="1200"/>
+          </a:p>
+          <a:p>
+            <a:r>
+              <a:rPr lang="zh-CN" altLang="en-US" sz="1200"/>
+              <a:t>1）在使用iterator迭代的时候使用synchronized或者Lock进行同步；</a:t>
+            </a:r>
+            <a:endParaRPr lang="zh-CN" altLang="en-US" sz="1200"/>
+          </a:p>
+          <a:p>
+            <a:r>
+              <a:rPr lang="zh-CN" altLang="en-US" sz="1200"/>
+              <a:t>2）使用并发容器CopyOnWriteArrayList代替ArrayList和Vector。</a:t>
+            </a:r>
+            <a:endParaRPr lang="zh-CN" altLang="en-US" sz="1200"/>
+          </a:p>
+        </p:txBody>
+      </p:sp>
+      <p:sp>
+        <p:nvSpPr>
+          <p:cNvPr id="7" name="文本框 6"/>
+          <p:cNvSpPr txBox="1"/>
+          <p:nvPr/>
+        </p:nvSpPr>
+        <p:spPr>
+          <a:xfrm>
+            <a:off x="755015" y="923925"/>
+            <a:ext cx="2315210" cy="306705"/>
+          </a:xfrm>
+          <a:prstGeom prst="rect">
+            <a:avLst/>
+          </a:prstGeom>
+          <a:noFill/>
+        </p:spPr>
+        <p:txBody>
+          <a:bodyPr wrap="square" rtlCol="0">
+            <a:spAutoFit/>
+          </a:bodyPr>
+          <a:p>
+            <a:r>
+              <a:rPr lang="zh-CN" altLang="en-US" sz="1400"/>
+              <a:t>多线程情景</a:t>
+            </a:r>
+            <a:endParaRPr lang="zh-CN" altLang="en-US" sz="1400"/>
+          </a:p>
+        </p:txBody>
+      </p:sp>
+    </p:spTree>
+  </p:cSld>
+  <p:clrMapOvr>
+    <a:masterClrMapping/>
+  </p:clrMapOvr>
+  <p:transition spd="slow" advClick="0" advTm="4000">
+    <p:wipe/>
+  </p:transition>
+</p:sld>
+</file>
+
+<file path=ppt/slides/slide16.xml><?xml version="1.0" encoding="utf-8"?>
+<p:sld xmlns:a="http://schemas.openxmlformats.org/drawingml/2006/main" xmlns:r="http://schemas.openxmlformats.org/officeDocument/2006/relationships" xmlns:p="http://schemas.openxmlformats.org/presentationml/2006/main">
+  <p:cSld>
+    <p:spTree>
+      <p:nvGrpSpPr>
+        <p:cNvPr id="1" name=""/>
+        <p:cNvGrpSpPr/>
+        <p:nvPr/>
+      </p:nvGrpSpPr>
+      <p:grpSpPr>
+        <a:xfrm>
+          <a:off x="0" y="0"/>
+          <a:ext cx="0" cy="0"/>
+          <a:chOff x="0" y="0"/>
+          <a:chExt cx="0" cy="0"/>
+        </a:xfrm>
+      </p:grpSpPr>
+      <p:sp>
+        <p:nvSpPr>
+          <p:cNvPr id="3" name="文本框 2"/>
+          <p:cNvSpPr txBox="1"/>
+          <p:nvPr/>
+        </p:nvSpPr>
+        <p:spPr>
+          <a:xfrm>
+            <a:off x="755020" y="385774"/>
+            <a:ext cx="1415772" cy="461665"/>
+          </a:xfrm>
+          <a:prstGeom prst="rect">
+            <a:avLst/>
+          </a:prstGeom>
+          <a:noFill/>
+        </p:spPr>
+        <p:txBody>
+          <a:bodyPr wrap="none" rtlCol="0">
+            <a:spAutoFit/>
+          </a:bodyPr>
+          <a:lstStyle/>
+          <a:p>
+            <a:r>
+              <a:rPr lang="zh-CN" altLang="en-US" sz="2400" dirty="0"/>
+              <a:t>编程规范</a:t>
+            </a:r>
+            <a:endParaRPr kumimoji="1" lang="zh-CN" altLang="en-US" sz="2400" dirty="0">
+              <a:solidFill>
+                <a:srgbClr val="1C2C44"/>
+              </a:solidFill>
+              <a:latin typeface="+mj-ea"/>
+              <a:ea typeface="+mj-ea"/>
+            </a:endParaRPr>
+          </a:p>
+        </p:txBody>
+      </p:sp>
+      <p:grpSp>
+        <p:nvGrpSpPr>
+          <p:cNvPr id="16" name="组 15"/>
+          <p:cNvGrpSpPr/>
+          <p:nvPr/>
+        </p:nvGrpSpPr>
+        <p:grpSpPr>
+          <a:xfrm>
+            <a:off x="2" y="6212532"/>
+            <a:ext cx="12191998" cy="377411"/>
+            <a:chOff x="2" y="6212532"/>
+            <a:chExt cx="12191998" cy="377411"/>
+          </a:xfrm>
+        </p:grpSpPr>
+        <p:sp>
+          <p:nvSpPr>
+            <p:cNvPr id="17" name="文本框 16"/>
+            <p:cNvSpPr txBox="1"/>
+            <p:nvPr/>
+          </p:nvSpPr>
+          <p:spPr>
+            <a:xfrm>
+              <a:off x="10229856" y="6212532"/>
+              <a:ext cx="1348446" cy="377411"/>
+            </a:xfrm>
+            <a:prstGeom prst="rect">
+              <a:avLst/>
+            </a:prstGeom>
+            <a:noFill/>
+          </p:spPr>
+          <p:txBody>
+            <a:bodyPr wrap="none" rtlCol="0">
+              <a:spAutoFit/>
+            </a:bodyPr>
+            <a:lstStyle>
+              <a:defPPr>
+                <a:defRPr lang="zh-CN"/>
+              </a:defPPr>
+              <a:lvl1pPr algn="ctr">
+                <a:lnSpc>
+                  <a:spcPct val="150000"/>
+                </a:lnSpc>
+                <a:defRPr>
+                  <a:solidFill>
+                    <a:schemeClr val="accent1"/>
+                  </a:solidFill>
+                  <a:latin typeface="微软雅黑" panose="020B0503020204020204" pitchFamily="34" charset="-122"/>
+                  <a:ea typeface="微软雅黑" panose="020B0503020204020204" pitchFamily="34" charset="-122"/>
+                </a:defRPr>
+              </a:lvl1pPr>
+            </a:lstStyle>
+            <a:p>
+              <a:pPr algn="l"/>
+              <a:r>
+                <a:rPr lang="zh-CN" altLang="en-US" sz="1400" dirty="0" smtClean="0">
+                  <a:solidFill>
+                    <a:srgbClr val="C00000"/>
+                  </a:solidFill>
+                </a:rPr>
+                <a:t>诚信</a:t>
+              </a:r>
+              <a:r>
+                <a:rPr lang="en-US" altLang="zh-CN" sz="1400" dirty="0" smtClean="0">
+                  <a:solidFill>
+                    <a:srgbClr val="C00000"/>
+                  </a:solidFill>
+                </a:rPr>
+                <a:t>·</a:t>
+              </a:r>
+              <a:r>
+                <a:rPr lang="zh-CN" altLang="en-US" sz="1400" dirty="0" smtClean="0">
+                  <a:solidFill>
+                    <a:srgbClr val="C00000"/>
+                  </a:solidFill>
+                </a:rPr>
+                <a:t>坚毅</a:t>
+              </a:r>
+              <a:r>
+                <a:rPr lang="en-US" altLang="zh-CN" sz="1400" dirty="0" smtClean="0">
+                  <a:solidFill>
+                    <a:srgbClr val="C00000"/>
+                  </a:solidFill>
+                </a:rPr>
+                <a:t>·</a:t>
+              </a:r>
+              <a:r>
+                <a:rPr lang="zh-CN" altLang="en-US" sz="1400" dirty="0" smtClean="0">
+                  <a:solidFill>
+                    <a:srgbClr val="C00000"/>
+                  </a:solidFill>
+                </a:rPr>
+                <a:t>创新</a:t>
+              </a:r>
+              <a:endParaRPr lang="zh-CN" altLang="en-US" sz="1400" dirty="0">
+                <a:solidFill>
+                  <a:srgbClr val="C00000"/>
+                </a:solidFill>
+              </a:endParaRPr>
+            </a:p>
+          </p:txBody>
+        </p:sp>
+        <p:cxnSp>
+          <p:nvCxnSpPr>
+            <p:cNvPr id="18" name="直线连接符 17"/>
+            <p:cNvCxnSpPr/>
+            <p:nvPr/>
+          </p:nvCxnSpPr>
+          <p:spPr>
+            <a:xfrm flipH="1" flipV="1">
+              <a:off x="2" y="6428144"/>
+              <a:ext cx="10172698" cy="10036"/>
+            </a:xfrm>
+            <a:prstGeom prst="line">
+              <a:avLst/>
+            </a:prstGeom>
+            <a:ln w="190500">
+              <a:solidFill>
+                <a:srgbClr val="C61127"/>
+              </a:solidFill>
+            </a:ln>
+          </p:spPr>
+          <p:style>
+            <a:lnRef idx="1">
+              <a:schemeClr val="accent1"/>
+            </a:lnRef>
+            <a:fillRef idx="0">
+              <a:schemeClr val="accent1"/>
+            </a:fillRef>
+            <a:effectRef idx="0">
+              <a:schemeClr val="accent1"/>
+            </a:effectRef>
+            <a:fontRef idx="minor">
+              <a:schemeClr val="tx1"/>
+            </a:fontRef>
+          </p:style>
+        </p:cxnSp>
+        <p:cxnSp>
+          <p:nvCxnSpPr>
+            <p:cNvPr id="19" name="直线连接符 18"/>
+            <p:cNvCxnSpPr/>
+            <p:nvPr/>
+          </p:nvCxnSpPr>
+          <p:spPr>
+            <a:xfrm flipH="1">
+              <a:off x="11583152" y="6432650"/>
+              <a:ext cx="608848" cy="0"/>
+            </a:xfrm>
+            <a:prstGeom prst="line">
+              <a:avLst/>
+            </a:prstGeom>
+            <a:ln w="190500">
+              <a:solidFill>
+                <a:srgbClr val="C61127"/>
+              </a:solidFill>
+            </a:ln>
+          </p:spPr>
+          <p:style>
+            <a:lnRef idx="1">
+              <a:schemeClr val="accent1"/>
+            </a:lnRef>
+            <a:fillRef idx="0">
+              <a:schemeClr val="accent1"/>
+            </a:fillRef>
+            <a:effectRef idx="0">
+              <a:schemeClr val="accent1"/>
+            </a:effectRef>
+            <a:fontRef idx="minor">
+              <a:schemeClr val="tx1"/>
+            </a:fontRef>
+          </p:style>
+        </p:cxnSp>
+      </p:grpSp>
+      <p:pic>
+        <p:nvPicPr>
+          <p:cNvPr id="8" name="图片 7"/>
+          <p:cNvPicPr>
+            <a:picLocks noChangeAspect="1"/>
+          </p:cNvPicPr>
+          <p:nvPr/>
+        </p:nvPicPr>
+        <p:blipFill>
+          <a:blip r:embed="rId1"/>
+          <a:stretch>
+            <a:fillRect/>
+          </a:stretch>
+        </p:blipFill>
+        <p:spPr>
+          <a:xfrm>
+            <a:off x="866775" y="942975"/>
+            <a:ext cx="7267575" cy="4743450"/>
+          </a:xfrm>
+          <a:prstGeom prst="rect">
+            <a:avLst/>
+          </a:prstGeom>
+        </p:spPr>
+      </p:pic>
+    </p:spTree>
+  </p:cSld>
+  <p:clrMapOvr>
+    <a:masterClrMapping/>
+  </p:clrMapOvr>
+  <p:transition spd="slow" advClick="0" advTm="4000">
+    <p:wipe/>
+  </p:transition>
+</p:sld>
+</file>
+
+<file path=ppt/slides/slide17.xml><?xml version="1.0" encoding="utf-8"?>
+<p:sld xmlns:a="http://schemas.openxmlformats.org/drawingml/2006/main" xmlns:r="http://schemas.openxmlformats.org/officeDocument/2006/relationships" xmlns:p="http://schemas.openxmlformats.org/presentationml/2006/main">
+  <p:cSld>
+    <p:spTree>
+      <p:nvGrpSpPr>
+        <p:cNvPr id="1" name=""/>
+        <p:cNvGrpSpPr/>
+        <p:nvPr/>
+      </p:nvGrpSpPr>
+      <p:grpSpPr>
+        <a:xfrm>
+          <a:off x="0" y="0"/>
+          <a:ext cx="0" cy="0"/>
+          <a:chOff x="0" y="0"/>
+          <a:chExt cx="0" cy="0"/>
+        </a:xfrm>
+      </p:grpSpPr>
+      <p:sp>
+        <p:nvSpPr>
+          <p:cNvPr id="3" name="文本框 2"/>
+          <p:cNvSpPr txBox="1"/>
+          <p:nvPr/>
+        </p:nvSpPr>
+        <p:spPr>
+          <a:xfrm>
+            <a:off x="755020" y="385774"/>
+            <a:ext cx="1415772" cy="461665"/>
+          </a:xfrm>
+          <a:prstGeom prst="rect">
+            <a:avLst/>
+          </a:prstGeom>
+          <a:noFill/>
+        </p:spPr>
+        <p:txBody>
+          <a:bodyPr wrap="none" rtlCol="0">
+            <a:spAutoFit/>
+          </a:bodyPr>
+          <a:lstStyle/>
+          <a:p>
+            <a:r>
+              <a:rPr lang="zh-CN" altLang="en-US" sz="2400" dirty="0"/>
+              <a:t>编程规范</a:t>
+            </a:r>
+            <a:endParaRPr kumimoji="1" lang="zh-CN" altLang="en-US" sz="2400" dirty="0">
+              <a:solidFill>
+                <a:srgbClr val="1C2C44"/>
+              </a:solidFill>
+              <a:latin typeface="+mj-ea"/>
+              <a:ea typeface="+mj-ea"/>
+            </a:endParaRPr>
+          </a:p>
+        </p:txBody>
+      </p:sp>
+      <p:grpSp>
+        <p:nvGrpSpPr>
+          <p:cNvPr id="16" name="组 15"/>
+          <p:cNvGrpSpPr/>
+          <p:nvPr/>
+        </p:nvGrpSpPr>
+        <p:grpSpPr>
+          <a:xfrm>
+            <a:off x="2" y="6212532"/>
+            <a:ext cx="12191998" cy="377411"/>
+            <a:chOff x="2" y="6212532"/>
+            <a:chExt cx="12191998" cy="377411"/>
+          </a:xfrm>
+        </p:grpSpPr>
+        <p:sp>
+          <p:nvSpPr>
+            <p:cNvPr id="17" name="文本框 16"/>
+            <p:cNvSpPr txBox="1"/>
+            <p:nvPr/>
+          </p:nvSpPr>
+          <p:spPr>
+            <a:xfrm>
+              <a:off x="10229856" y="6212532"/>
+              <a:ext cx="1348446" cy="377411"/>
+            </a:xfrm>
+            <a:prstGeom prst="rect">
+              <a:avLst/>
+            </a:prstGeom>
+            <a:noFill/>
+          </p:spPr>
+          <p:txBody>
+            <a:bodyPr wrap="none" rtlCol="0">
+              <a:spAutoFit/>
+            </a:bodyPr>
+            <a:lstStyle>
+              <a:defPPr>
+                <a:defRPr lang="zh-CN"/>
+              </a:defPPr>
+              <a:lvl1pPr algn="ctr">
+                <a:lnSpc>
+                  <a:spcPct val="150000"/>
+                </a:lnSpc>
+                <a:defRPr>
+                  <a:solidFill>
+                    <a:schemeClr val="accent1"/>
+                  </a:solidFill>
+                  <a:latin typeface="微软雅黑" panose="020B0503020204020204" pitchFamily="34" charset="-122"/>
+                  <a:ea typeface="微软雅黑" panose="020B0503020204020204" pitchFamily="34" charset="-122"/>
+                </a:defRPr>
+              </a:lvl1pPr>
+            </a:lstStyle>
+            <a:p>
+              <a:pPr algn="l"/>
+              <a:r>
+                <a:rPr lang="zh-CN" altLang="en-US" sz="1400" dirty="0" smtClean="0">
+                  <a:solidFill>
+                    <a:srgbClr val="C00000"/>
+                  </a:solidFill>
+                </a:rPr>
+                <a:t>诚信</a:t>
+              </a:r>
+              <a:r>
+                <a:rPr lang="en-US" altLang="zh-CN" sz="1400" dirty="0" smtClean="0">
+                  <a:solidFill>
+                    <a:srgbClr val="C00000"/>
+                  </a:solidFill>
+                </a:rPr>
+                <a:t>·</a:t>
+              </a:r>
+              <a:r>
+                <a:rPr lang="zh-CN" altLang="en-US" sz="1400" dirty="0" smtClean="0">
+                  <a:solidFill>
+                    <a:srgbClr val="C00000"/>
+                  </a:solidFill>
+                </a:rPr>
+                <a:t>坚毅</a:t>
+              </a:r>
+              <a:r>
+                <a:rPr lang="en-US" altLang="zh-CN" sz="1400" dirty="0" smtClean="0">
+                  <a:solidFill>
+                    <a:srgbClr val="C00000"/>
+                  </a:solidFill>
+                </a:rPr>
+                <a:t>·</a:t>
+              </a:r>
+              <a:r>
+                <a:rPr lang="zh-CN" altLang="en-US" sz="1400" dirty="0" smtClean="0">
+                  <a:solidFill>
+                    <a:srgbClr val="C00000"/>
+                  </a:solidFill>
+                </a:rPr>
+                <a:t>创新</a:t>
+              </a:r>
+              <a:endParaRPr lang="zh-CN" altLang="en-US" sz="1400" dirty="0">
+                <a:solidFill>
+                  <a:srgbClr val="C00000"/>
+                </a:solidFill>
+              </a:endParaRPr>
+            </a:p>
+          </p:txBody>
+        </p:sp>
+        <p:cxnSp>
+          <p:nvCxnSpPr>
+            <p:cNvPr id="18" name="直线连接符 17"/>
+            <p:cNvCxnSpPr/>
+            <p:nvPr/>
+          </p:nvCxnSpPr>
+          <p:spPr>
+            <a:xfrm flipH="1" flipV="1">
+              <a:off x="2" y="6428144"/>
+              <a:ext cx="10172698" cy="10036"/>
+            </a:xfrm>
+            <a:prstGeom prst="line">
+              <a:avLst/>
+            </a:prstGeom>
+            <a:ln w="190500">
+              <a:solidFill>
+                <a:srgbClr val="C61127"/>
+              </a:solidFill>
+            </a:ln>
+          </p:spPr>
+          <p:style>
+            <a:lnRef idx="1">
+              <a:schemeClr val="accent1"/>
+            </a:lnRef>
+            <a:fillRef idx="0">
+              <a:schemeClr val="accent1"/>
+            </a:fillRef>
+            <a:effectRef idx="0">
+              <a:schemeClr val="accent1"/>
+            </a:effectRef>
+            <a:fontRef idx="minor">
+              <a:schemeClr val="tx1"/>
+            </a:fontRef>
+          </p:style>
+        </p:cxnSp>
+        <p:cxnSp>
+          <p:nvCxnSpPr>
+            <p:cNvPr id="19" name="直线连接符 18"/>
+            <p:cNvCxnSpPr/>
+            <p:nvPr/>
+          </p:nvCxnSpPr>
+          <p:spPr>
+            <a:xfrm flipH="1">
+              <a:off x="11583152" y="6432650"/>
+              <a:ext cx="608848" cy="0"/>
+            </a:xfrm>
+            <a:prstGeom prst="line">
+              <a:avLst/>
+            </a:prstGeom>
+            <a:ln w="190500">
+              <a:solidFill>
+                <a:srgbClr val="C61127"/>
+              </a:solidFill>
+            </a:ln>
+          </p:spPr>
+          <p:style>
+            <a:lnRef idx="1">
+              <a:schemeClr val="accent1"/>
+            </a:lnRef>
+            <a:fillRef idx="0">
+              <a:schemeClr val="accent1"/>
+            </a:fillRef>
+            <a:effectRef idx="0">
+              <a:schemeClr val="accent1"/>
+            </a:effectRef>
+            <a:fontRef idx="minor">
+              <a:schemeClr val="tx1"/>
+            </a:fontRef>
+          </p:style>
+        </p:cxnSp>
+      </p:grpSp>
+      <p:pic>
+        <p:nvPicPr>
+          <p:cNvPr id="2" name="图片 1"/>
+          <p:cNvPicPr>
+            <a:picLocks noChangeAspect="1"/>
+          </p:cNvPicPr>
+          <p:nvPr/>
+        </p:nvPicPr>
+        <p:blipFill>
+          <a:blip r:embed="rId1"/>
+          <a:stretch>
+            <a:fillRect/>
+          </a:stretch>
+        </p:blipFill>
+        <p:spPr>
+          <a:xfrm>
+            <a:off x="755015" y="932815"/>
+            <a:ext cx="7229475" cy="1362075"/>
+          </a:xfrm>
+          <a:prstGeom prst="rect">
+            <a:avLst/>
+          </a:prstGeom>
+        </p:spPr>
+      </p:pic>
+    </p:spTree>
+  </p:cSld>
+  <p:clrMapOvr>
+    <a:masterClrMapping/>
+  </p:clrMapOvr>
+  <p:transition spd="slow" advClick="0" advTm="4000">
+    <p:wipe/>
+  </p:transition>
+</p:sld>
+</file>
+
+<file path=ppt/slides/slide18.xml><?xml version="1.0" encoding="utf-8"?>
+<p:sld xmlns:a="http://schemas.openxmlformats.org/drawingml/2006/main" xmlns:r="http://schemas.openxmlformats.org/officeDocument/2006/relationships" xmlns:p="http://schemas.openxmlformats.org/presentationml/2006/main">
+  <p:cSld>
+    <p:spTree>
+      <p:nvGrpSpPr>
+        <p:cNvPr id="1" name=""/>
+        <p:cNvGrpSpPr/>
+        <p:nvPr/>
+      </p:nvGrpSpPr>
+      <p:grpSpPr>
+        <a:xfrm>
+          <a:off x="0" y="0"/>
+          <a:ext cx="0" cy="0"/>
+          <a:chOff x="0" y="0"/>
+          <a:chExt cx="0" cy="0"/>
+        </a:xfrm>
+      </p:grpSpPr>
+      <p:sp>
+        <p:nvSpPr>
+          <p:cNvPr id="3" name="文本框 2"/>
+          <p:cNvSpPr txBox="1"/>
+          <p:nvPr/>
+        </p:nvSpPr>
+        <p:spPr>
+          <a:xfrm>
+            <a:off x="755020" y="385774"/>
+            <a:ext cx="1415772" cy="461665"/>
+          </a:xfrm>
+          <a:prstGeom prst="rect">
+            <a:avLst/>
+          </a:prstGeom>
+          <a:noFill/>
+        </p:spPr>
+        <p:txBody>
+          <a:bodyPr wrap="none" rtlCol="0">
+            <a:spAutoFit/>
+          </a:bodyPr>
+          <a:lstStyle/>
+          <a:p>
+            <a:r>
+              <a:rPr lang="zh-CN" altLang="en-US" sz="2400" dirty="0"/>
+              <a:t>编程规范</a:t>
+            </a:r>
+            <a:endParaRPr kumimoji="1" lang="zh-CN" altLang="en-US" sz="2400" dirty="0">
+              <a:solidFill>
+                <a:srgbClr val="1C2C44"/>
+              </a:solidFill>
+              <a:latin typeface="+mj-ea"/>
+              <a:ea typeface="+mj-ea"/>
+            </a:endParaRPr>
+          </a:p>
+        </p:txBody>
+      </p:sp>
+      <p:grpSp>
+        <p:nvGrpSpPr>
+          <p:cNvPr id="16" name="组 15"/>
+          <p:cNvGrpSpPr/>
+          <p:nvPr/>
+        </p:nvGrpSpPr>
+        <p:grpSpPr>
+          <a:xfrm>
+            <a:off x="2" y="6212532"/>
+            <a:ext cx="12191998" cy="377411"/>
+            <a:chOff x="2" y="6212532"/>
+            <a:chExt cx="12191998" cy="377411"/>
+          </a:xfrm>
+        </p:grpSpPr>
+        <p:sp>
+          <p:nvSpPr>
+            <p:cNvPr id="17" name="文本框 16"/>
+            <p:cNvSpPr txBox="1"/>
+            <p:nvPr/>
+          </p:nvSpPr>
+          <p:spPr>
+            <a:xfrm>
+              <a:off x="10229856" y="6212532"/>
+              <a:ext cx="1348446" cy="377411"/>
+            </a:xfrm>
+            <a:prstGeom prst="rect">
+              <a:avLst/>
+            </a:prstGeom>
+            <a:noFill/>
+          </p:spPr>
+          <p:txBody>
+            <a:bodyPr wrap="none" rtlCol="0">
+              <a:spAutoFit/>
+            </a:bodyPr>
+            <a:lstStyle>
+              <a:defPPr>
+                <a:defRPr lang="zh-CN"/>
+              </a:defPPr>
+              <a:lvl1pPr algn="ctr">
+                <a:lnSpc>
+                  <a:spcPct val="150000"/>
+                </a:lnSpc>
+                <a:defRPr>
+                  <a:solidFill>
+                    <a:schemeClr val="accent1"/>
+                  </a:solidFill>
+                  <a:latin typeface="微软雅黑" panose="020B0503020204020204" pitchFamily="34" charset="-122"/>
+                  <a:ea typeface="微软雅黑" panose="020B0503020204020204" pitchFamily="34" charset="-122"/>
+                </a:defRPr>
+              </a:lvl1pPr>
+            </a:lstStyle>
+            <a:p>
+              <a:pPr algn="l"/>
+              <a:r>
+                <a:rPr lang="zh-CN" altLang="en-US" sz="1400" dirty="0" smtClean="0">
+                  <a:solidFill>
+                    <a:srgbClr val="C00000"/>
+                  </a:solidFill>
+                </a:rPr>
+                <a:t>诚信</a:t>
+              </a:r>
+              <a:r>
+                <a:rPr lang="en-US" altLang="zh-CN" sz="1400" dirty="0" smtClean="0">
+                  <a:solidFill>
+                    <a:srgbClr val="C00000"/>
+                  </a:solidFill>
+                </a:rPr>
+                <a:t>·</a:t>
+              </a:r>
+              <a:r>
+                <a:rPr lang="zh-CN" altLang="en-US" sz="1400" dirty="0" smtClean="0">
+                  <a:solidFill>
+                    <a:srgbClr val="C00000"/>
+                  </a:solidFill>
+                </a:rPr>
+                <a:t>坚毅</a:t>
+              </a:r>
+              <a:r>
+                <a:rPr lang="en-US" altLang="zh-CN" sz="1400" dirty="0" smtClean="0">
+                  <a:solidFill>
+                    <a:srgbClr val="C00000"/>
+                  </a:solidFill>
+                </a:rPr>
+                <a:t>·</a:t>
+              </a:r>
+              <a:r>
+                <a:rPr lang="zh-CN" altLang="en-US" sz="1400" dirty="0" smtClean="0">
+                  <a:solidFill>
+                    <a:srgbClr val="C00000"/>
+                  </a:solidFill>
+                </a:rPr>
+                <a:t>创新</a:t>
+              </a:r>
+              <a:endParaRPr lang="zh-CN" altLang="en-US" sz="1400" dirty="0">
+                <a:solidFill>
+                  <a:srgbClr val="C00000"/>
+                </a:solidFill>
+              </a:endParaRPr>
+            </a:p>
+          </p:txBody>
+        </p:sp>
+        <p:cxnSp>
+          <p:nvCxnSpPr>
+            <p:cNvPr id="18" name="直线连接符 17"/>
+            <p:cNvCxnSpPr/>
+            <p:nvPr/>
+          </p:nvCxnSpPr>
+          <p:spPr>
+            <a:xfrm flipH="1" flipV="1">
+              <a:off x="2" y="6428144"/>
+              <a:ext cx="10172698" cy="10036"/>
+            </a:xfrm>
+            <a:prstGeom prst="line">
+              <a:avLst/>
+            </a:prstGeom>
+            <a:ln w="190500">
+              <a:solidFill>
+                <a:srgbClr val="C61127"/>
+              </a:solidFill>
+            </a:ln>
+          </p:spPr>
+          <p:style>
+            <a:lnRef idx="1">
+              <a:schemeClr val="accent1"/>
+            </a:lnRef>
+            <a:fillRef idx="0">
+              <a:schemeClr val="accent1"/>
+            </a:fillRef>
+            <a:effectRef idx="0">
+              <a:schemeClr val="accent1"/>
+            </a:effectRef>
+            <a:fontRef idx="minor">
+              <a:schemeClr val="tx1"/>
+            </a:fontRef>
+          </p:style>
+        </p:cxnSp>
+        <p:cxnSp>
+          <p:nvCxnSpPr>
+            <p:cNvPr id="19" name="直线连接符 18"/>
+            <p:cNvCxnSpPr/>
+            <p:nvPr/>
+          </p:nvCxnSpPr>
+          <p:spPr>
+            <a:xfrm flipH="1">
+              <a:off x="11583152" y="6432650"/>
+              <a:ext cx="608848" cy="0"/>
+            </a:xfrm>
+            <a:prstGeom prst="line">
+              <a:avLst/>
+            </a:prstGeom>
+            <a:ln w="190500">
+              <a:solidFill>
+                <a:srgbClr val="C61127"/>
+              </a:solidFill>
+            </a:ln>
+          </p:spPr>
+          <p:style>
+            <a:lnRef idx="1">
+              <a:schemeClr val="accent1"/>
+            </a:lnRef>
+            <a:fillRef idx="0">
+              <a:schemeClr val="accent1"/>
+            </a:fillRef>
+            <a:effectRef idx="0">
+              <a:schemeClr val="accent1"/>
+            </a:effectRef>
+            <a:fontRef idx="minor">
+              <a:schemeClr val="tx1"/>
+            </a:fontRef>
+          </p:style>
+        </p:cxnSp>
+      </p:grpSp>
+      <p:sp>
+        <p:nvSpPr>
+          <p:cNvPr id="8" name="文本框 7"/>
+          <p:cNvSpPr txBox="1"/>
+          <p:nvPr/>
+        </p:nvSpPr>
+        <p:spPr>
+          <a:xfrm>
+            <a:off x="855980" y="2305685"/>
+            <a:ext cx="10480675" cy="1168400"/>
+          </a:xfrm>
+          <a:prstGeom prst="rect">
+            <a:avLst/>
+          </a:prstGeom>
+          <a:noFill/>
+        </p:spPr>
+        <p:txBody>
+          <a:bodyPr wrap="square" rtlCol="0">
+            <a:spAutoFit/>
+          </a:bodyPr>
+          <a:p>
+            <a:r>
+              <a:rPr lang="zh-CN" altLang="en-US" sz="1400"/>
+              <a:t>当我们用get方法时我们其实是在获取集合里内部的元素，但是我们的集合的数据类型还没有确定，但是我们可以获得一些明确的已知条件，那就是在&lt;? extends E&gt;中最大的类型是E，而且这个E最大是Object，所以我们可以利用这一点，那么我们就可以清楚地了解到该集合里面的获取的元素肯定是E或者Object的子类，他们的范围肯定小于E或者Object，那么我们就可以用Object和E这两个范围比集合里面的元素大的类去接收集合里面的元素。</a:t>
+            </a:r>
+            <a:endParaRPr lang="zh-CN" altLang="en-US" sz="1400"/>
+          </a:p>
+          <a:p>
+            <a:endParaRPr lang="zh-CN" altLang="en-US" sz="1400"/>
+          </a:p>
+        </p:txBody>
+      </p:sp>
+      <p:sp>
+        <p:nvSpPr>
+          <p:cNvPr id="9" name="文本框 8"/>
+          <p:cNvSpPr txBox="1"/>
+          <p:nvPr/>
+        </p:nvSpPr>
+        <p:spPr>
+          <a:xfrm>
+            <a:off x="755015" y="1159510"/>
+            <a:ext cx="3514725" cy="368300"/>
+          </a:xfrm>
+          <a:prstGeom prst="rect">
+            <a:avLst/>
+          </a:prstGeom>
+          <a:noFill/>
+        </p:spPr>
+        <p:txBody>
+          <a:bodyPr wrap="square" rtlCol="0">
+            <a:spAutoFit/>
+          </a:bodyPr>
+          <a:p>
+            <a:pPr algn="l"/>
+            <a:r>
+              <a:rPr lang="zh-CN" altLang="en-US"/>
+              <a:t>上界通配符 &lt;? extends E&gt; </a:t>
+            </a:r>
+            <a:endParaRPr lang="zh-CN" altLang="en-US"/>
+          </a:p>
+        </p:txBody>
+      </p:sp>
+      <p:sp>
+        <p:nvSpPr>
+          <p:cNvPr id="10" name="文本框 9"/>
+          <p:cNvSpPr txBox="1"/>
+          <p:nvPr/>
+        </p:nvSpPr>
+        <p:spPr>
+          <a:xfrm>
+            <a:off x="953770" y="4333875"/>
+            <a:ext cx="10131425" cy="737235"/>
+          </a:xfrm>
+          <a:prstGeom prst="rect">
+            <a:avLst/>
+          </a:prstGeom>
+          <a:noFill/>
+        </p:spPr>
+        <p:txBody>
+          <a:bodyPr wrap="square" rtlCol="0">
+            <a:spAutoFit/>
+          </a:bodyPr>
+          <a:p>
+            <a:r>
+              <a:rPr lang="zh-CN" altLang="en-US" sz="1400"/>
+              <a:t>&lt;? extends E&gt;作为形参时例如List&lt;? extends E&gt;这时最大类型是E和Object,但是我们不清楚最小的类型是什么，因为此时</a:t>
+            </a:r>
+            <a:r>
+              <a:rPr lang="en-US" altLang="zh-CN" sz="1400"/>
+              <a:t>?</a:t>
+            </a:r>
+            <a:r>
+              <a:rPr lang="zh-CN" altLang="en-US" sz="1400"/>
+              <a:t>这个通配符没有被赋值，我们调用add方法是要添加集合元素或者集合元素的子类，但是我们没法明确肯定该集合元素类型，或者比该集合元素范围更小的子类，那么Java就不会允许添加元素。</a:t>
+            </a:r>
+            <a:endParaRPr lang="zh-CN" altLang="en-US" sz="1400"/>
+          </a:p>
+        </p:txBody>
+      </p:sp>
+      <p:sp>
+        <p:nvSpPr>
+          <p:cNvPr id="45" name="任意多边形 14"/>
+          <p:cNvSpPr/>
+          <p:nvPr/>
+        </p:nvSpPr>
+        <p:spPr bwMode="auto">
+          <a:xfrm>
+            <a:off x="855980" y="3817620"/>
+            <a:ext cx="2498090" cy="444500"/>
+          </a:xfrm>
+          <a:custGeom>
+            <a:avLst/>
+            <a:gdLst>
+              <a:gd name="connsiteX0" fmla="*/ 0 w 1602178"/>
+              <a:gd name="connsiteY0" fmla="*/ 0 h 640871"/>
+              <a:gd name="connsiteX1" fmla="*/ 1281743 w 1602178"/>
+              <a:gd name="connsiteY1" fmla="*/ 0 h 640871"/>
+              <a:gd name="connsiteX2" fmla="*/ 1602178 w 1602178"/>
+              <a:gd name="connsiteY2" fmla="*/ 320436 h 640871"/>
+              <a:gd name="connsiteX3" fmla="*/ 1281743 w 1602178"/>
+              <a:gd name="connsiteY3" fmla="*/ 640871 h 640871"/>
+              <a:gd name="connsiteX4" fmla="*/ 0 w 1602178"/>
+              <a:gd name="connsiteY4" fmla="*/ 640871 h 640871"/>
+              <a:gd name="connsiteX5" fmla="*/ 320436 w 1602178"/>
+              <a:gd name="connsiteY5" fmla="*/ 320436 h 640871"/>
+              <a:gd name="connsiteX6" fmla="*/ 0 w 1602178"/>
+              <a:gd name="connsiteY6" fmla="*/ 0 h 640871"/>
+            </a:gdLst>
+            <a:ahLst/>
+            <a:cxnLst>
+              <a:cxn ang="0">
+                <a:pos x="connsiteX0" y="connsiteY0"/>
+              </a:cxn>
+              <a:cxn ang="0">
+                <a:pos x="connsiteX1" y="connsiteY1"/>
+              </a:cxn>
+              <a:cxn ang="0">
+                <a:pos x="connsiteX2" y="connsiteY2"/>
+              </a:cxn>
+              <a:cxn ang="0">
+                <a:pos x="connsiteX3" y="connsiteY3"/>
+              </a:cxn>
+              <a:cxn ang="0">
+                <a:pos x="connsiteX4" y="connsiteY4"/>
+              </a:cxn>
+              <a:cxn ang="0">
+                <a:pos x="connsiteX5" y="connsiteY5"/>
+              </a:cxn>
+              <a:cxn ang="0">
+                <a:pos x="connsiteX6" y="connsiteY6"/>
+              </a:cxn>
+            </a:cxnLst>
+            <a:rect l="l" t="t" r="r" b="b"/>
+            <a:pathLst>
+              <a:path w="1602178" h="640871">
+                <a:moveTo>
+                  <a:pt x="0" y="0"/>
+                </a:moveTo>
+                <a:lnTo>
+                  <a:pt x="1281743" y="0"/>
+                </a:lnTo>
+                <a:lnTo>
+                  <a:pt x="1602178" y="320436"/>
+                </a:lnTo>
+                <a:lnTo>
+                  <a:pt x="1281743" y="640871"/>
+                </a:lnTo>
+                <a:lnTo>
+                  <a:pt x="0" y="640871"/>
+                </a:lnTo>
+                <a:lnTo>
+                  <a:pt x="320436" y="320436"/>
+                </a:lnTo>
+                <a:lnTo>
+                  <a:pt x="0" y="0"/>
+                </a:lnTo>
+                <a:close/>
+              </a:path>
+            </a:pathLst>
+          </a:custGeom>
+          <a:solidFill>
+            <a:schemeClr val="accent2"/>
+          </a:solidFill>
+          <a:ln>
+            <a:noFill/>
+          </a:ln>
+        </p:spPr>
+        <p:style>
+          <a:lnRef idx="2">
+            <a:scrgbClr r="0" g="0" b="0"/>
+          </a:lnRef>
+          <a:fillRef idx="1">
+            <a:scrgbClr r="0" g="0" b="0"/>
+          </a:fillRef>
+          <a:effectRef idx="0">
+            <a:schemeClr val="accent3">
+              <a:hueOff val="0"/>
+              <a:satOff val="0"/>
+              <a:lumOff val="0"/>
+              <a:alphaOff val="0"/>
+            </a:schemeClr>
+          </a:effectRef>
+          <a:fontRef idx="minor">
+            <a:schemeClr val="lt1"/>
+          </a:fontRef>
+        </p:style>
+        <p:txBody>
+          <a:bodyPr lIns="330596" tIns="5080" rIns="320435" bIns="5080" spcCol="1270" anchor="ctr"/>
+          <a:p>
+            <a:pPr algn="ctr" defTabSz="355600">
+              <a:lnSpc>
+                <a:spcPct val="90000"/>
+              </a:lnSpc>
+              <a:spcAft>
+                <a:spcPct val="35000"/>
+              </a:spcAft>
+              <a:defRPr/>
+            </a:pPr>
+            <a:r>
+              <a:rPr lang="zh-CN" altLang="en-US" dirty="0">
+                <a:solidFill>
+                  <a:schemeClr val="bg1"/>
+                </a:solidFill>
+              </a:rPr>
+              <a:t>禁止</a:t>
+            </a:r>
+            <a:r>
+              <a:rPr lang="en-US" altLang="zh-CN" dirty="0">
+                <a:solidFill>
+                  <a:schemeClr val="bg1"/>
+                </a:solidFill>
+              </a:rPr>
+              <a:t>Add</a:t>
+            </a:r>
+            <a:r>
+              <a:rPr lang="zh-CN" altLang="en-US" dirty="0">
+                <a:solidFill>
+                  <a:schemeClr val="bg1"/>
+                </a:solidFill>
+              </a:rPr>
+              <a:t>操作</a:t>
+            </a:r>
+            <a:endParaRPr lang="zh-CN" altLang="en-US" dirty="0">
+              <a:solidFill>
+                <a:schemeClr val="bg1"/>
+              </a:solidFill>
+            </a:endParaRPr>
+          </a:p>
+        </p:txBody>
+      </p:sp>
+      <p:sp>
+        <p:nvSpPr>
+          <p:cNvPr id="11" name="任意多边形 14"/>
+          <p:cNvSpPr/>
+          <p:nvPr/>
+        </p:nvSpPr>
+        <p:spPr bwMode="auto">
+          <a:xfrm>
+            <a:off x="953770" y="1744345"/>
+            <a:ext cx="2498090" cy="444500"/>
+          </a:xfrm>
+          <a:custGeom>
+            <a:avLst/>
+            <a:gdLst>
+              <a:gd name="connsiteX0" fmla="*/ 0 w 1602178"/>
+              <a:gd name="connsiteY0" fmla="*/ 0 h 640871"/>
+              <a:gd name="connsiteX1" fmla="*/ 1281743 w 1602178"/>
+              <a:gd name="connsiteY1" fmla="*/ 0 h 640871"/>
+              <a:gd name="connsiteX2" fmla="*/ 1602178 w 1602178"/>
+              <a:gd name="connsiteY2" fmla="*/ 320436 h 640871"/>
+              <a:gd name="connsiteX3" fmla="*/ 1281743 w 1602178"/>
+              <a:gd name="connsiteY3" fmla="*/ 640871 h 640871"/>
+              <a:gd name="connsiteX4" fmla="*/ 0 w 1602178"/>
+              <a:gd name="connsiteY4" fmla="*/ 640871 h 640871"/>
+              <a:gd name="connsiteX5" fmla="*/ 320436 w 1602178"/>
+              <a:gd name="connsiteY5" fmla="*/ 320436 h 640871"/>
+              <a:gd name="connsiteX6" fmla="*/ 0 w 1602178"/>
+              <a:gd name="connsiteY6" fmla="*/ 0 h 640871"/>
+            </a:gdLst>
+            <a:ahLst/>
+            <a:cxnLst>
+              <a:cxn ang="0">
+                <a:pos x="connsiteX0" y="connsiteY0"/>
+              </a:cxn>
+              <a:cxn ang="0">
+                <a:pos x="connsiteX1" y="connsiteY1"/>
+              </a:cxn>
+              <a:cxn ang="0">
+                <a:pos x="connsiteX2" y="connsiteY2"/>
+              </a:cxn>
+              <a:cxn ang="0">
+                <a:pos x="connsiteX3" y="connsiteY3"/>
+              </a:cxn>
+              <a:cxn ang="0">
+                <a:pos x="connsiteX4" y="connsiteY4"/>
+              </a:cxn>
+              <a:cxn ang="0">
+                <a:pos x="connsiteX5" y="connsiteY5"/>
+              </a:cxn>
+              <a:cxn ang="0">
+                <a:pos x="connsiteX6" y="connsiteY6"/>
+              </a:cxn>
+            </a:cxnLst>
+            <a:rect l="l" t="t" r="r" b="b"/>
+            <a:pathLst>
+              <a:path w="1602178" h="640871">
+                <a:moveTo>
+                  <a:pt x="0" y="0"/>
+                </a:moveTo>
+                <a:lnTo>
+                  <a:pt x="1281743" y="0"/>
+                </a:lnTo>
+                <a:lnTo>
+                  <a:pt x="1602178" y="320436"/>
+                </a:lnTo>
+                <a:lnTo>
+                  <a:pt x="1281743" y="640871"/>
+                </a:lnTo>
+                <a:lnTo>
+                  <a:pt x="0" y="640871"/>
+                </a:lnTo>
+                <a:lnTo>
+                  <a:pt x="320436" y="320436"/>
+                </a:lnTo>
+                <a:lnTo>
+                  <a:pt x="0" y="0"/>
+                </a:lnTo>
+                <a:close/>
+              </a:path>
+            </a:pathLst>
+          </a:custGeom>
+          <a:solidFill>
+            <a:schemeClr val="accent2"/>
+          </a:solidFill>
+          <a:ln>
+            <a:noFill/>
+          </a:ln>
+        </p:spPr>
+        <p:style>
+          <a:lnRef idx="2">
+            <a:scrgbClr r="0" g="0" b="0"/>
+          </a:lnRef>
+          <a:fillRef idx="1">
+            <a:scrgbClr r="0" g="0" b="0"/>
+          </a:fillRef>
+          <a:effectRef idx="0">
+            <a:schemeClr val="accent3">
+              <a:hueOff val="0"/>
+              <a:satOff val="0"/>
+              <a:lumOff val="0"/>
+              <a:alphaOff val="0"/>
+            </a:schemeClr>
+          </a:effectRef>
+          <a:fontRef idx="minor">
+            <a:schemeClr val="lt1"/>
+          </a:fontRef>
+        </p:style>
+        <p:txBody>
+          <a:bodyPr lIns="330596" tIns="5080" rIns="320435" bIns="5080" spcCol="1270" anchor="ctr"/>
+          <a:p>
+            <a:pPr algn="ctr" defTabSz="355600">
+              <a:lnSpc>
+                <a:spcPct val="90000"/>
+              </a:lnSpc>
+              <a:spcAft>
+                <a:spcPct val="35000"/>
+              </a:spcAft>
+              <a:defRPr/>
+            </a:pPr>
+            <a:r>
+              <a:rPr lang="zh-CN" altLang="en-US" dirty="0">
+                <a:solidFill>
+                  <a:schemeClr val="bg1"/>
+                </a:solidFill>
+              </a:rPr>
+              <a:t>允许</a:t>
+            </a:r>
+            <a:r>
+              <a:rPr lang="en-US" altLang="zh-CN" dirty="0">
+                <a:solidFill>
+                  <a:schemeClr val="bg1"/>
+                </a:solidFill>
+              </a:rPr>
+              <a:t>Get</a:t>
+            </a:r>
+            <a:r>
+              <a:rPr lang="zh-CN" altLang="en-US" dirty="0">
+                <a:solidFill>
+                  <a:schemeClr val="bg1"/>
+                </a:solidFill>
+              </a:rPr>
+              <a:t>操作</a:t>
+            </a:r>
+            <a:endParaRPr lang="zh-CN" altLang="en-US" dirty="0">
+              <a:solidFill>
+                <a:schemeClr val="bg1"/>
+              </a:solidFill>
+            </a:endParaRPr>
+          </a:p>
+        </p:txBody>
+      </p:sp>
+    </p:spTree>
+  </p:cSld>
+  <p:clrMapOvr>
+    <a:masterClrMapping/>
+  </p:clrMapOvr>
+  <p:transition spd="slow" advClick="0" advTm="4000">
+    <p:wipe/>
+  </p:transition>
+</p:sld>
+</file>
+
+<file path=ppt/slides/slide19.xml><?xml version="1.0" encoding="utf-8"?>
+<p:sld xmlns:a="http://schemas.openxmlformats.org/drawingml/2006/main" xmlns:r="http://schemas.openxmlformats.org/officeDocument/2006/relationships" xmlns:p="http://schemas.openxmlformats.org/presentationml/2006/main">
+  <p:cSld>
+    <p:spTree>
+      <p:nvGrpSpPr>
+        <p:cNvPr id="1" name=""/>
+        <p:cNvGrpSpPr/>
+        <p:nvPr/>
+      </p:nvGrpSpPr>
+      <p:grpSpPr>
+        <a:xfrm>
+          <a:off x="0" y="0"/>
+          <a:ext cx="0" cy="0"/>
+          <a:chOff x="0" y="0"/>
+          <a:chExt cx="0" cy="0"/>
+        </a:xfrm>
+      </p:grpSpPr>
+      <p:sp>
+        <p:nvSpPr>
+          <p:cNvPr id="3" name="文本框 2"/>
+          <p:cNvSpPr txBox="1"/>
+          <p:nvPr/>
+        </p:nvSpPr>
+        <p:spPr>
+          <a:xfrm>
+            <a:off x="755020" y="385774"/>
+            <a:ext cx="1415772" cy="461665"/>
+          </a:xfrm>
+          <a:prstGeom prst="rect">
+            <a:avLst/>
+          </a:prstGeom>
+          <a:noFill/>
+        </p:spPr>
+        <p:txBody>
+          <a:bodyPr wrap="none" rtlCol="0">
+            <a:spAutoFit/>
+          </a:bodyPr>
+          <a:lstStyle/>
+          <a:p>
+            <a:r>
+              <a:rPr lang="zh-CN" altLang="en-US" sz="2400" dirty="0"/>
+              <a:t>编程规范</a:t>
+            </a:r>
+            <a:endParaRPr kumimoji="1" lang="zh-CN" altLang="en-US" sz="2400" dirty="0">
+              <a:solidFill>
+                <a:srgbClr val="1C2C44"/>
+              </a:solidFill>
+              <a:latin typeface="+mj-ea"/>
+              <a:ea typeface="+mj-ea"/>
+            </a:endParaRPr>
+          </a:p>
+        </p:txBody>
+      </p:sp>
+      <p:grpSp>
+        <p:nvGrpSpPr>
+          <p:cNvPr id="16" name="组 15"/>
+          <p:cNvGrpSpPr/>
+          <p:nvPr/>
+        </p:nvGrpSpPr>
+        <p:grpSpPr>
+          <a:xfrm>
+            <a:off x="2" y="6212532"/>
+            <a:ext cx="12191998" cy="377411"/>
+            <a:chOff x="2" y="6212532"/>
+            <a:chExt cx="12191998" cy="377411"/>
+          </a:xfrm>
+        </p:grpSpPr>
+        <p:sp>
+          <p:nvSpPr>
+            <p:cNvPr id="17" name="文本框 16"/>
+            <p:cNvSpPr txBox="1"/>
+            <p:nvPr/>
+          </p:nvSpPr>
+          <p:spPr>
+            <a:xfrm>
+              <a:off x="10229856" y="6212532"/>
+              <a:ext cx="1348446" cy="377411"/>
+            </a:xfrm>
+            <a:prstGeom prst="rect">
+              <a:avLst/>
+            </a:prstGeom>
+            <a:noFill/>
+          </p:spPr>
+          <p:txBody>
+            <a:bodyPr wrap="none" rtlCol="0">
+              <a:spAutoFit/>
+            </a:bodyPr>
+            <a:lstStyle>
+              <a:defPPr>
+                <a:defRPr lang="zh-CN"/>
+              </a:defPPr>
+              <a:lvl1pPr algn="ctr">
+                <a:lnSpc>
+                  <a:spcPct val="150000"/>
+                </a:lnSpc>
+                <a:defRPr>
+                  <a:solidFill>
+                    <a:schemeClr val="accent1"/>
+                  </a:solidFill>
+                  <a:latin typeface="微软雅黑" panose="020B0503020204020204" pitchFamily="34" charset="-122"/>
+                  <a:ea typeface="微软雅黑" panose="020B0503020204020204" pitchFamily="34" charset="-122"/>
+                </a:defRPr>
+              </a:lvl1pPr>
+            </a:lstStyle>
+            <a:p>
+              <a:pPr algn="l"/>
+              <a:r>
+                <a:rPr lang="zh-CN" altLang="en-US" sz="1400" dirty="0" smtClean="0">
+                  <a:solidFill>
+                    <a:srgbClr val="C00000"/>
+                  </a:solidFill>
+                </a:rPr>
+                <a:t>诚信</a:t>
+              </a:r>
+              <a:r>
+                <a:rPr lang="en-US" altLang="zh-CN" sz="1400" dirty="0" smtClean="0">
+                  <a:solidFill>
+                    <a:srgbClr val="C00000"/>
+                  </a:solidFill>
+                </a:rPr>
+                <a:t>·</a:t>
+              </a:r>
+              <a:r>
+                <a:rPr lang="zh-CN" altLang="en-US" sz="1400" dirty="0" smtClean="0">
+                  <a:solidFill>
+                    <a:srgbClr val="C00000"/>
+                  </a:solidFill>
+                </a:rPr>
+                <a:t>坚毅</a:t>
+              </a:r>
+              <a:r>
+                <a:rPr lang="en-US" altLang="zh-CN" sz="1400" dirty="0" smtClean="0">
+                  <a:solidFill>
+                    <a:srgbClr val="C00000"/>
+                  </a:solidFill>
+                </a:rPr>
+                <a:t>·</a:t>
+              </a:r>
+              <a:r>
+                <a:rPr lang="zh-CN" altLang="en-US" sz="1400" dirty="0" smtClean="0">
+                  <a:solidFill>
+                    <a:srgbClr val="C00000"/>
+                  </a:solidFill>
+                </a:rPr>
+                <a:t>创新</a:t>
+              </a:r>
+              <a:endParaRPr lang="zh-CN" altLang="en-US" sz="1400" dirty="0">
+                <a:solidFill>
+                  <a:srgbClr val="C00000"/>
+                </a:solidFill>
+              </a:endParaRPr>
+            </a:p>
+          </p:txBody>
+        </p:sp>
+        <p:cxnSp>
+          <p:nvCxnSpPr>
+            <p:cNvPr id="18" name="直线连接符 17"/>
+            <p:cNvCxnSpPr/>
+            <p:nvPr/>
+          </p:nvCxnSpPr>
+          <p:spPr>
+            <a:xfrm flipH="1" flipV="1">
+              <a:off x="2" y="6428144"/>
+              <a:ext cx="10172698" cy="10036"/>
+            </a:xfrm>
+            <a:prstGeom prst="line">
+              <a:avLst/>
+            </a:prstGeom>
+            <a:ln w="190500">
+              <a:solidFill>
+                <a:srgbClr val="C61127"/>
+              </a:solidFill>
+            </a:ln>
+          </p:spPr>
+          <p:style>
+            <a:lnRef idx="1">
+              <a:schemeClr val="accent1"/>
+            </a:lnRef>
+            <a:fillRef idx="0">
+              <a:schemeClr val="accent1"/>
+            </a:fillRef>
+            <a:effectRef idx="0">
+              <a:schemeClr val="accent1"/>
+            </a:effectRef>
+            <a:fontRef idx="minor">
+              <a:schemeClr val="tx1"/>
+            </a:fontRef>
+          </p:style>
+        </p:cxnSp>
+        <p:cxnSp>
+          <p:nvCxnSpPr>
+            <p:cNvPr id="19" name="直线连接符 18"/>
+            <p:cNvCxnSpPr/>
+            <p:nvPr/>
+          </p:nvCxnSpPr>
+          <p:spPr>
+            <a:xfrm flipH="1">
+              <a:off x="11583152" y="6432650"/>
+              <a:ext cx="608848" cy="0"/>
+            </a:xfrm>
+            <a:prstGeom prst="line">
+              <a:avLst/>
+            </a:prstGeom>
+            <a:ln w="190500">
+              <a:solidFill>
+                <a:srgbClr val="C61127"/>
+              </a:solidFill>
+            </a:ln>
+          </p:spPr>
+          <p:style>
+            <a:lnRef idx="1">
+              <a:schemeClr val="accent1"/>
+            </a:lnRef>
+            <a:fillRef idx="0">
+              <a:schemeClr val="accent1"/>
+            </a:fillRef>
+            <a:effectRef idx="0">
+              <a:schemeClr val="accent1"/>
+            </a:effectRef>
+            <a:fontRef idx="minor">
+              <a:schemeClr val="tx1"/>
+            </a:fontRef>
+          </p:style>
+        </p:cxnSp>
+      </p:grpSp>
+      <p:sp>
+        <p:nvSpPr>
+          <p:cNvPr id="7" name="文本框 6"/>
+          <p:cNvSpPr txBox="1"/>
+          <p:nvPr/>
+        </p:nvSpPr>
+        <p:spPr>
+          <a:xfrm>
+            <a:off x="755015" y="1169670"/>
+            <a:ext cx="3514725" cy="368300"/>
+          </a:xfrm>
+          <a:prstGeom prst="rect">
+            <a:avLst/>
+          </a:prstGeom>
+          <a:noFill/>
+        </p:spPr>
+        <p:txBody>
+          <a:bodyPr wrap="square" rtlCol="0">
+            <a:spAutoFit/>
+          </a:bodyPr>
+          <a:p>
+            <a:pPr algn="l"/>
+            <a:r>
+              <a:rPr lang="zh-CN" altLang="en-US"/>
+              <a:t>下界通配符 &lt;? super E&gt;</a:t>
+            </a:r>
+            <a:endParaRPr lang="zh-CN" altLang="en-US"/>
+          </a:p>
+        </p:txBody>
+      </p:sp>
+      <p:sp>
+        <p:nvSpPr>
+          <p:cNvPr id="10" name="文本框 9"/>
+          <p:cNvSpPr txBox="1"/>
+          <p:nvPr/>
+        </p:nvSpPr>
+        <p:spPr>
+          <a:xfrm>
+            <a:off x="953770" y="4333875"/>
+            <a:ext cx="10131425" cy="737235"/>
+          </a:xfrm>
+          <a:prstGeom prst="rect">
+            <a:avLst/>
+          </a:prstGeom>
+          <a:noFill/>
+        </p:spPr>
+        <p:txBody>
+          <a:bodyPr wrap="square" rtlCol="0">
+            <a:spAutoFit/>
+          </a:bodyPr>
+          <a:p>
+            <a:r>
+              <a:rPr sz="1400"/>
+              <a:t>在使用get方法的时候，此时类型没有明确还是问号？我们只能明确其最大父类或者接口时，我们才能接收，但是我们只能明白&lt;? super E&gt;作为形参时例如List&lt;? super E&gt;时，只能明确Object是最大父类，其他的一概不知，所以只能Object o = list.get(0)。 </a:t>
+            </a:r>
+            <a:endParaRPr sz="1400"/>
+          </a:p>
+        </p:txBody>
+      </p:sp>
+      <p:sp>
+        <p:nvSpPr>
+          <p:cNvPr id="45" name="任意多边形 14"/>
+          <p:cNvSpPr/>
+          <p:nvPr/>
+        </p:nvSpPr>
+        <p:spPr bwMode="auto">
+          <a:xfrm>
+            <a:off x="855980" y="3817620"/>
+            <a:ext cx="2498090" cy="444500"/>
+          </a:xfrm>
+          <a:custGeom>
+            <a:avLst/>
+            <a:gdLst>
+              <a:gd name="connsiteX0" fmla="*/ 0 w 1602178"/>
+              <a:gd name="connsiteY0" fmla="*/ 0 h 640871"/>
+              <a:gd name="connsiteX1" fmla="*/ 1281743 w 1602178"/>
+              <a:gd name="connsiteY1" fmla="*/ 0 h 640871"/>
+              <a:gd name="connsiteX2" fmla="*/ 1602178 w 1602178"/>
+              <a:gd name="connsiteY2" fmla="*/ 320436 h 640871"/>
+              <a:gd name="connsiteX3" fmla="*/ 1281743 w 1602178"/>
+              <a:gd name="connsiteY3" fmla="*/ 640871 h 640871"/>
+              <a:gd name="connsiteX4" fmla="*/ 0 w 1602178"/>
+              <a:gd name="connsiteY4" fmla="*/ 640871 h 640871"/>
+              <a:gd name="connsiteX5" fmla="*/ 320436 w 1602178"/>
+              <a:gd name="connsiteY5" fmla="*/ 320436 h 640871"/>
+              <a:gd name="connsiteX6" fmla="*/ 0 w 1602178"/>
+              <a:gd name="connsiteY6" fmla="*/ 0 h 640871"/>
+            </a:gdLst>
+            <a:ahLst/>
+            <a:cxnLst>
+              <a:cxn ang="0">
+                <a:pos x="connsiteX0" y="connsiteY0"/>
+              </a:cxn>
+              <a:cxn ang="0">
+                <a:pos x="connsiteX1" y="connsiteY1"/>
+              </a:cxn>
+              <a:cxn ang="0">
+                <a:pos x="connsiteX2" y="connsiteY2"/>
+              </a:cxn>
+              <a:cxn ang="0">
+                <a:pos x="connsiteX3" y="connsiteY3"/>
+              </a:cxn>
+              <a:cxn ang="0">
+                <a:pos x="connsiteX4" y="connsiteY4"/>
+              </a:cxn>
+              <a:cxn ang="0">
+                <a:pos x="connsiteX5" y="connsiteY5"/>
+              </a:cxn>
+              <a:cxn ang="0">
+                <a:pos x="connsiteX6" y="connsiteY6"/>
+              </a:cxn>
+            </a:cxnLst>
+            <a:rect l="l" t="t" r="r" b="b"/>
+            <a:pathLst>
+              <a:path w="1602178" h="640871">
+                <a:moveTo>
+                  <a:pt x="0" y="0"/>
+                </a:moveTo>
+                <a:lnTo>
+                  <a:pt x="1281743" y="0"/>
+                </a:lnTo>
+                <a:lnTo>
+                  <a:pt x="1602178" y="320436"/>
+                </a:lnTo>
+                <a:lnTo>
+                  <a:pt x="1281743" y="640871"/>
+                </a:lnTo>
+                <a:lnTo>
+                  <a:pt x="0" y="640871"/>
+                </a:lnTo>
+                <a:lnTo>
+                  <a:pt x="320436" y="320436"/>
+                </a:lnTo>
+                <a:lnTo>
+                  <a:pt x="0" y="0"/>
+                </a:lnTo>
+                <a:close/>
+              </a:path>
+            </a:pathLst>
+          </a:custGeom>
+          <a:solidFill>
+            <a:schemeClr val="accent2"/>
+          </a:solidFill>
+          <a:ln>
+            <a:noFill/>
+          </a:ln>
+        </p:spPr>
+        <p:style>
+          <a:lnRef idx="2">
+            <a:scrgbClr r="0" g="0" b="0"/>
+          </a:lnRef>
+          <a:fillRef idx="1">
+            <a:scrgbClr r="0" g="0" b="0"/>
+          </a:fillRef>
+          <a:effectRef idx="0">
+            <a:schemeClr val="accent3">
+              <a:hueOff val="0"/>
+              <a:satOff val="0"/>
+              <a:lumOff val="0"/>
+              <a:alphaOff val="0"/>
+            </a:schemeClr>
+          </a:effectRef>
+          <a:fontRef idx="minor">
+            <a:schemeClr val="lt1"/>
+          </a:fontRef>
+        </p:style>
+        <p:txBody>
+          <a:bodyPr lIns="330596" tIns="5080" rIns="320435" bIns="5080" spcCol="1270" anchor="ctr"/>
+          <a:p>
+            <a:pPr algn="ctr" defTabSz="355600">
+              <a:lnSpc>
+                <a:spcPct val="90000"/>
+              </a:lnSpc>
+              <a:spcAft>
+                <a:spcPct val="35000"/>
+              </a:spcAft>
+              <a:defRPr/>
+            </a:pPr>
+            <a:r>
+              <a:rPr lang="zh-CN" altLang="en-US" dirty="0">
+                <a:solidFill>
+                  <a:schemeClr val="bg1"/>
+                </a:solidFill>
+              </a:rPr>
+              <a:t>禁止</a:t>
+            </a:r>
+            <a:r>
+              <a:rPr lang="en-US" altLang="zh-CN" dirty="0">
+                <a:solidFill>
+                  <a:schemeClr val="bg1"/>
+                </a:solidFill>
+              </a:rPr>
+              <a:t>Get</a:t>
+            </a:r>
+            <a:r>
+              <a:rPr lang="zh-CN" altLang="en-US" dirty="0">
+                <a:solidFill>
+                  <a:schemeClr val="bg1"/>
+                </a:solidFill>
+              </a:rPr>
+              <a:t>操作</a:t>
+            </a:r>
+            <a:endParaRPr lang="zh-CN" altLang="en-US" dirty="0">
+              <a:solidFill>
+                <a:schemeClr val="bg1"/>
+              </a:solidFill>
+            </a:endParaRPr>
+          </a:p>
+        </p:txBody>
+      </p:sp>
+      <p:sp>
+        <p:nvSpPr>
+          <p:cNvPr id="11" name="任意多边形 14"/>
+          <p:cNvSpPr/>
+          <p:nvPr/>
+        </p:nvSpPr>
+        <p:spPr bwMode="auto">
+          <a:xfrm>
+            <a:off x="953770" y="1744345"/>
+            <a:ext cx="2498090" cy="444500"/>
+          </a:xfrm>
+          <a:custGeom>
+            <a:avLst/>
+            <a:gdLst>
+              <a:gd name="connsiteX0" fmla="*/ 0 w 1602178"/>
+              <a:gd name="connsiteY0" fmla="*/ 0 h 640871"/>
+              <a:gd name="connsiteX1" fmla="*/ 1281743 w 1602178"/>
+              <a:gd name="connsiteY1" fmla="*/ 0 h 640871"/>
+              <a:gd name="connsiteX2" fmla="*/ 1602178 w 1602178"/>
+              <a:gd name="connsiteY2" fmla="*/ 320436 h 640871"/>
+              <a:gd name="connsiteX3" fmla="*/ 1281743 w 1602178"/>
+              <a:gd name="connsiteY3" fmla="*/ 640871 h 640871"/>
+              <a:gd name="connsiteX4" fmla="*/ 0 w 1602178"/>
+              <a:gd name="connsiteY4" fmla="*/ 640871 h 640871"/>
+              <a:gd name="connsiteX5" fmla="*/ 320436 w 1602178"/>
+              <a:gd name="connsiteY5" fmla="*/ 320436 h 640871"/>
+              <a:gd name="connsiteX6" fmla="*/ 0 w 1602178"/>
+              <a:gd name="connsiteY6" fmla="*/ 0 h 640871"/>
+            </a:gdLst>
+            <a:ahLst/>
+            <a:cxnLst>
+              <a:cxn ang="0">
+                <a:pos x="connsiteX0" y="connsiteY0"/>
+              </a:cxn>
+              <a:cxn ang="0">
+                <a:pos x="connsiteX1" y="connsiteY1"/>
+              </a:cxn>
+              <a:cxn ang="0">
+                <a:pos x="connsiteX2" y="connsiteY2"/>
+              </a:cxn>
+              <a:cxn ang="0">
+                <a:pos x="connsiteX3" y="connsiteY3"/>
+              </a:cxn>
+              <a:cxn ang="0">
+                <a:pos x="connsiteX4" y="connsiteY4"/>
+              </a:cxn>
+              <a:cxn ang="0">
+                <a:pos x="connsiteX5" y="connsiteY5"/>
+              </a:cxn>
+              <a:cxn ang="0">
+                <a:pos x="connsiteX6" y="connsiteY6"/>
+              </a:cxn>
+            </a:cxnLst>
+            <a:rect l="l" t="t" r="r" b="b"/>
+            <a:pathLst>
+              <a:path w="1602178" h="640871">
+                <a:moveTo>
+                  <a:pt x="0" y="0"/>
+                </a:moveTo>
+                <a:lnTo>
+                  <a:pt x="1281743" y="0"/>
+                </a:lnTo>
+                <a:lnTo>
+                  <a:pt x="1602178" y="320436"/>
+                </a:lnTo>
+                <a:lnTo>
+                  <a:pt x="1281743" y="640871"/>
+                </a:lnTo>
+                <a:lnTo>
+                  <a:pt x="0" y="640871"/>
+                </a:lnTo>
+                <a:lnTo>
+                  <a:pt x="320436" y="320436"/>
+                </a:lnTo>
+                <a:lnTo>
+                  <a:pt x="0" y="0"/>
+                </a:lnTo>
+                <a:close/>
+              </a:path>
+            </a:pathLst>
+          </a:custGeom>
+          <a:solidFill>
+            <a:schemeClr val="accent2"/>
+          </a:solidFill>
+          <a:ln>
+            <a:noFill/>
+          </a:ln>
+        </p:spPr>
+        <p:style>
+          <a:lnRef idx="2">
+            <a:scrgbClr r="0" g="0" b="0"/>
+          </a:lnRef>
+          <a:fillRef idx="1">
+            <a:scrgbClr r="0" g="0" b="0"/>
+          </a:fillRef>
+          <a:effectRef idx="0">
+            <a:schemeClr val="accent3">
+              <a:hueOff val="0"/>
+              <a:satOff val="0"/>
+              <a:lumOff val="0"/>
+              <a:alphaOff val="0"/>
+            </a:schemeClr>
+          </a:effectRef>
+          <a:fontRef idx="minor">
+            <a:schemeClr val="lt1"/>
+          </a:fontRef>
+        </p:style>
+        <p:txBody>
+          <a:bodyPr lIns="330596" tIns="5080" rIns="320435" bIns="5080" spcCol="1270" anchor="ctr"/>
+          <a:p>
+            <a:pPr algn="ctr" defTabSz="355600">
+              <a:lnSpc>
+                <a:spcPct val="90000"/>
+              </a:lnSpc>
+              <a:spcAft>
+                <a:spcPct val="35000"/>
+              </a:spcAft>
+              <a:defRPr/>
+            </a:pPr>
+            <a:r>
+              <a:rPr lang="zh-CN" altLang="en-US" dirty="0">
+                <a:solidFill>
+                  <a:schemeClr val="bg1"/>
+                </a:solidFill>
+              </a:rPr>
+              <a:t>允许</a:t>
+            </a:r>
+            <a:r>
+              <a:rPr lang="en-US" altLang="zh-CN" dirty="0">
+                <a:solidFill>
+                  <a:schemeClr val="bg1"/>
+                </a:solidFill>
+              </a:rPr>
+              <a:t>Add</a:t>
+            </a:r>
+            <a:r>
+              <a:rPr lang="zh-CN" altLang="en-US" dirty="0">
+                <a:solidFill>
+                  <a:schemeClr val="bg1"/>
+                </a:solidFill>
+              </a:rPr>
+              <a:t>操作</a:t>
+            </a:r>
+            <a:endParaRPr lang="zh-CN" altLang="en-US" dirty="0">
+              <a:solidFill>
+                <a:schemeClr val="bg1"/>
+              </a:solidFill>
+            </a:endParaRPr>
+          </a:p>
+        </p:txBody>
+      </p:sp>
+      <p:sp>
+        <p:nvSpPr>
+          <p:cNvPr id="2" name="文本框 1"/>
+          <p:cNvSpPr txBox="1"/>
+          <p:nvPr/>
+        </p:nvSpPr>
+        <p:spPr>
+          <a:xfrm>
+            <a:off x="855980" y="2305685"/>
+            <a:ext cx="10480675" cy="737235"/>
+          </a:xfrm>
+          <a:prstGeom prst="rect">
+            <a:avLst/>
+          </a:prstGeom>
+          <a:noFill/>
+        </p:spPr>
+        <p:txBody>
+          <a:bodyPr wrap="square" rtlCol="0">
+            <a:spAutoFit/>
+          </a:bodyPr>
+          <a:p>
+            <a:r>
+              <a:rPr lang="zh-CN" altLang="en-US" sz="1400"/>
+              <a:t>add方法添加元素时，？类型不确定就要明确该？类型的最小子类，只要比可能存在的最小子类或者子接口小的任意引用数据类型的对象，我们都可以将其添加，而下界通配符&lt;? super E&gt;当作形参时例如List&lt;? super E&gt;，此时E就是最小子类，此时add方法可以添加E或者E的父类或者接口。</a:t>
+            </a:r>
+            <a:endParaRPr lang="zh-CN" altLang="en-US" sz="1400"/>
+          </a:p>
+        </p:txBody>
+      </p:sp>
+    </p:spTree>
+  </p:cSld>
+  <p:clrMapOvr>
+    <a:masterClrMapping/>
+  </p:clrMapOvr>
+  <p:transition spd="slow" advClick="0" advTm="4000">
+    <p:wipe/>
+  </p:transition>
+</p:sld>
+</file>
+
+<file path=ppt/slides/slide2.xml><?xml version="1.0" encoding="utf-8"?>
+<p:sld xmlns:a="http://schemas.openxmlformats.org/drawingml/2006/main" xmlns:r="http://schemas.openxmlformats.org/officeDocument/2006/relationships" xmlns:p="http://schemas.openxmlformats.org/presentationml/2006/main">
+  <p:cSld>
+    <p:spTree>
+      <p:nvGrpSpPr>
+        <p:cNvPr id="1" name=""/>
+        <p:cNvGrpSpPr/>
+        <p:nvPr/>
+      </p:nvGrpSpPr>
+      <p:grpSpPr>
+        <a:xfrm>
+          <a:off x="0" y="0"/>
+          <a:ext cx="0" cy="0"/>
+          <a:chOff x="0" y="0"/>
+          <a:chExt cx="0" cy="0"/>
+        </a:xfrm>
+      </p:grpSpPr>
+      <p:sp>
+        <p:nvSpPr>
+          <p:cNvPr id="10" name="自由: 形状 58"/>
+          <p:cNvSpPr/>
+          <p:nvPr/>
+        </p:nvSpPr>
+        <p:spPr bwMode="auto">
+          <a:xfrm>
+            <a:off x="0" y="5378624"/>
+            <a:ext cx="12192000" cy="1495763"/>
+          </a:xfrm>
+          <a:custGeom>
+            <a:avLst/>
+            <a:gdLst>
+              <a:gd name="connsiteX0" fmla="*/ 12192000 w 12192000"/>
+              <a:gd name="connsiteY0" fmla="*/ 0 h 1495763"/>
+              <a:gd name="connsiteX1" fmla="*/ 12192000 w 12192000"/>
+              <a:gd name="connsiteY1" fmla="*/ 1377707 h 1495763"/>
+              <a:gd name="connsiteX2" fmla="*/ 12192000 w 12192000"/>
+              <a:gd name="connsiteY2" fmla="*/ 1495763 h 1495763"/>
+              <a:gd name="connsiteX3" fmla="*/ 0 w 12192000"/>
+              <a:gd name="connsiteY3" fmla="*/ 1495763 h 1495763"/>
+              <a:gd name="connsiteX4" fmla="*/ 0 w 12192000"/>
+              <a:gd name="connsiteY4" fmla="*/ 1418386 h 1495763"/>
+              <a:gd name="connsiteX5" fmla="*/ 0 w 12192000"/>
+              <a:gd name="connsiteY5" fmla="*/ 147020 h 1495763"/>
+              <a:gd name="connsiteX6" fmla="*/ 5889320 w 12192000"/>
+              <a:gd name="connsiteY6" fmla="*/ 1061100 h 1495763"/>
+              <a:gd name="connsiteX7" fmla="*/ 12192000 w 12192000"/>
+              <a:gd name="connsiteY7" fmla="*/ 0 h 1495763"/>
+            </a:gdLst>
+            <a:ahLst/>
+            <a:cxnLst>
+              <a:cxn ang="0">
+                <a:pos x="connsiteX0" y="connsiteY0"/>
+              </a:cxn>
+              <a:cxn ang="0">
+                <a:pos x="connsiteX1" y="connsiteY1"/>
+              </a:cxn>
+              <a:cxn ang="0">
+                <a:pos x="connsiteX2" y="connsiteY2"/>
+              </a:cxn>
+              <a:cxn ang="0">
+                <a:pos x="connsiteX3" y="connsiteY3"/>
+              </a:cxn>
+              <a:cxn ang="0">
+                <a:pos x="connsiteX4" y="connsiteY4"/>
+              </a:cxn>
+              <a:cxn ang="0">
+                <a:pos x="connsiteX5" y="connsiteY5"/>
+              </a:cxn>
+              <a:cxn ang="0">
+                <a:pos x="connsiteX6" y="connsiteY6"/>
+              </a:cxn>
+              <a:cxn ang="0">
+                <a:pos x="connsiteX7" y="connsiteY7"/>
+              </a:cxn>
+            </a:cxnLst>
+            <a:rect l="l" t="t" r="r" b="b"/>
+            <a:pathLst>
+              <a:path w="12192000" h="1495763">
+                <a:moveTo>
+                  <a:pt x="12192000" y="0"/>
+                </a:moveTo>
+                <a:cubicBezTo>
+                  <a:pt x="12192000" y="0"/>
+                  <a:pt x="12192000" y="0"/>
+                  <a:pt x="12192000" y="1377707"/>
+                </a:cubicBezTo>
+                <a:lnTo>
+                  <a:pt x="12192000" y="1495763"/>
+                </a:lnTo>
+                <a:lnTo>
+                  <a:pt x="0" y="1495763"/>
+                </a:lnTo>
+                <a:lnTo>
+                  <a:pt x="0" y="1418386"/>
+                </a:lnTo>
+                <a:cubicBezTo>
+                  <a:pt x="0" y="1078954"/>
+                  <a:pt x="0" y="661190"/>
+                  <a:pt x="0" y="147020"/>
+                </a:cubicBezTo>
+                <a:cubicBezTo>
+                  <a:pt x="1794070" y="757472"/>
+                  <a:pt x="3758597" y="1061100"/>
+                  <a:pt x="5889320" y="1061100"/>
+                </a:cubicBezTo>
+                <a:cubicBezTo>
+                  <a:pt x="8186240" y="1061100"/>
+                  <a:pt x="10287133" y="706335"/>
+                  <a:pt x="12192000" y="0"/>
+                </a:cubicBezTo>
+                <a:close/>
+              </a:path>
+            </a:pathLst>
+          </a:custGeom>
+          <a:solidFill>
+            <a:srgbClr val="1C2C44"/>
+          </a:solidFill>
+          <a:ln>
+            <a:noFill/>
+          </a:ln>
+        </p:spPr>
+        <p:style>
+          <a:lnRef idx="2">
+            <a:schemeClr val="accent1">
+              <a:shade val="50000"/>
+            </a:schemeClr>
+          </a:lnRef>
+          <a:fillRef idx="1">
+            <a:schemeClr val="accent1"/>
+          </a:fillRef>
+          <a:effectRef idx="0">
+            <a:schemeClr val="accent1"/>
+          </a:effectRef>
+          <a:fontRef idx="minor">
+            <a:schemeClr val="lt1"/>
+          </a:fontRef>
+        </p:style>
+        <p:txBody>
+          <a:bodyPr wrap="square" rtlCol="0" anchor="ctr">
+            <a:noAutofit/>
+          </a:bodyPr>
+          <a:lstStyle/>
+          <a:p>
+            <a:pPr algn="ctr"/>
+            <a:endParaRPr lang="zh-CN" altLang="en-US">
+              <a:solidFill>
+                <a:srgbClr val="1C2C44"/>
+              </a:solidFill>
+            </a:endParaRPr>
+          </a:p>
+        </p:txBody>
+      </p:sp>
+      <p:sp>
+        <p:nvSpPr>
+          <p:cNvPr id="11" name="Freeform 27"/>
+          <p:cNvSpPr/>
+          <p:nvPr/>
+        </p:nvSpPr>
+        <p:spPr bwMode="auto">
+          <a:xfrm>
+            <a:off x="0" y="4558254"/>
+            <a:ext cx="12192000" cy="1780219"/>
+          </a:xfrm>
+          <a:custGeom>
+            <a:avLst/>
+            <a:gdLst/>
+            <a:ahLst/>
+            <a:cxnLst>
+              <a:cxn ang="0">
+                <a:pos x="2861" y="225"/>
+              </a:cxn>
+              <a:cxn ang="0">
+                <a:pos x="2861" y="0"/>
+              </a:cxn>
+              <a:cxn ang="0">
+                <a:pos x="1415" y="516"/>
+              </a:cxn>
+              <a:cxn ang="0">
+                <a:pos x="0" y="25"/>
+              </a:cxn>
+              <a:cxn ang="0">
+                <a:pos x="0" y="271"/>
+              </a:cxn>
+              <a:cxn ang="0">
+                <a:pos x="1382" y="557"/>
+              </a:cxn>
+              <a:cxn ang="0">
+                <a:pos x="2861" y="225"/>
+              </a:cxn>
+            </a:cxnLst>
+            <a:rect l="0" t="0" r="r" b="b"/>
+            <a:pathLst>
+              <a:path w="2861" h="557">
+                <a:moveTo>
+                  <a:pt x="2861" y="225"/>
+                </a:moveTo>
+                <a:cubicBezTo>
+                  <a:pt x="2861" y="0"/>
+                  <a:pt x="2861" y="0"/>
+                  <a:pt x="2861" y="0"/>
+                </a:cubicBezTo>
+                <a:cubicBezTo>
+                  <a:pt x="2436" y="344"/>
+                  <a:pt x="1954" y="516"/>
+                  <a:pt x="1415" y="516"/>
+                </a:cubicBezTo>
+                <a:cubicBezTo>
+                  <a:pt x="889" y="516"/>
+                  <a:pt x="417" y="352"/>
+                  <a:pt x="0" y="25"/>
+                </a:cubicBezTo>
+                <a:cubicBezTo>
+                  <a:pt x="0" y="271"/>
+                  <a:pt x="0" y="271"/>
+                  <a:pt x="0" y="271"/>
+                </a:cubicBezTo>
+                <a:cubicBezTo>
+                  <a:pt x="421" y="462"/>
+                  <a:pt x="882" y="557"/>
+                  <a:pt x="1382" y="557"/>
+                </a:cubicBezTo>
+                <a:cubicBezTo>
+                  <a:pt x="1921" y="557"/>
+                  <a:pt x="2414" y="446"/>
+                  <a:pt x="2861" y="225"/>
+                </a:cubicBezTo>
+                <a:close/>
+              </a:path>
+            </a:pathLst>
+          </a:custGeom>
+          <a:pattFill prst="pct70">
+            <a:fgClr>
+              <a:srgbClr val="C61027"/>
+            </a:fgClr>
+            <a:bgClr>
+              <a:srgbClr val="E76278"/>
+            </a:bgClr>
+          </a:pattFill>
+          <a:ln>
+            <a:noFill/>
+          </a:ln>
+        </p:spPr>
+        <p:style>
+          <a:lnRef idx="2">
+            <a:schemeClr val="accent1">
+              <a:shade val="50000"/>
+            </a:schemeClr>
+          </a:lnRef>
+          <a:fillRef idx="1">
+            <a:schemeClr val="accent1"/>
+          </a:fillRef>
+          <a:effectRef idx="0">
+            <a:schemeClr val="accent1"/>
+          </a:effectRef>
+          <a:fontRef idx="minor">
+            <a:schemeClr val="lt1"/>
+          </a:fontRef>
+        </p:style>
+        <p:txBody>
+          <a:bodyPr wrap="square" rtlCol="0" anchor="ctr">
+            <a:noAutofit/>
+          </a:bodyPr>
+          <a:lstStyle/>
+          <a:p>
+            <a:pPr algn="ctr"/>
+            <a:endParaRPr lang="zh-CN" altLang="en-US">
+              <a:solidFill>
+                <a:prstClr val="white"/>
+              </a:solidFill>
+            </a:endParaRPr>
+          </a:p>
+        </p:txBody>
+      </p:sp>
+      <p:sp>
+        <p:nvSpPr>
+          <p:cNvPr id="12" name="Freeform 28"/>
+          <p:cNvSpPr/>
+          <p:nvPr/>
+        </p:nvSpPr>
+        <p:spPr bwMode="auto">
+          <a:xfrm>
+            <a:off x="0" y="5250170"/>
+            <a:ext cx="12192000" cy="1188944"/>
+          </a:xfrm>
+          <a:custGeom>
+            <a:avLst/>
+            <a:gdLst/>
+            <a:ahLst/>
+            <a:cxnLst>
+              <a:cxn ang="0">
+                <a:pos x="2861" y="40"/>
+              </a:cxn>
+              <a:cxn ang="0">
+                <a:pos x="2861" y="0"/>
+              </a:cxn>
+              <a:cxn ang="0">
+                <a:pos x="1382" y="332"/>
+              </a:cxn>
+              <a:cxn ang="0">
+                <a:pos x="0" y="46"/>
+              </a:cxn>
+              <a:cxn ang="0">
+                <a:pos x="0" y="86"/>
+              </a:cxn>
+              <a:cxn ang="0">
+                <a:pos x="1382" y="372"/>
+              </a:cxn>
+              <a:cxn ang="0">
+                <a:pos x="2861" y="40"/>
+              </a:cxn>
+            </a:cxnLst>
+            <a:rect l="0" t="0" r="r" b="b"/>
+            <a:pathLst>
+              <a:path w="2861" h="372">
+                <a:moveTo>
+                  <a:pt x="2861" y="40"/>
+                </a:moveTo>
+                <a:cubicBezTo>
+                  <a:pt x="2861" y="0"/>
+                  <a:pt x="2861" y="0"/>
+                  <a:pt x="2861" y="0"/>
+                </a:cubicBezTo>
+                <a:cubicBezTo>
+                  <a:pt x="2414" y="221"/>
+                  <a:pt x="1921" y="332"/>
+                  <a:pt x="1382" y="332"/>
+                </a:cubicBezTo>
+                <a:cubicBezTo>
+                  <a:pt x="882" y="332"/>
+                  <a:pt x="421" y="237"/>
+                  <a:pt x="0" y="46"/>
+                </a:cubicBezTo>
+                <a:cubicBezTo>
+                  <a:pt x="0" y="86"/>
+                  <a:pt x="0" y="86"/>
+                  <a:pt x="0" y="86"/>
+                </a:cubicBezTo>
+                <a:cubicBezTo>
+                  <a:pt x="421" y="277"/>
+                  <a:pt x="882" y="372"/>
+                  <a:pt x="1382" y="372"/>
+                </a:cubicBezTo>
+                <a:cubicBezTo>
+                  <a:pt x="1921" y="372"/>
+                  <a:pt x="2414" y="261"/>
+                  <a:pt x="2861" y="40"/>
+                </a:cubicBezTo>
+                <a:close/>
+              </a:path>
+            </a:pathLst>
+          </a:custGeom>
+          <a:pattFill prst="pct75">
+            <a:fgClr>
+              <a:srgbClr val="FBF4D9"/>
+            </a:fgClr>
+            <a:bgClr>
+              <a:schemeClr val="bg1">
+                <a:lumMod val="95000"/>
+              </a:schemeClr>
+            </a:bgClr>
+          </a:pattFill>
+          <a:ln>
+            <a:noFill/>
+          </a:ln>
+        </p:spPr>
+        <p:style>
+          <a:lnRef idx="2">
+            <a:schemeClr val="accent1">
+              <a:shade val="50000"/>
+            </a:schemeClr>
+          </a:lnRef>
+          <a:fillRef idx="1">
+            <a:schemeClr val="accent1"/>
+          </a:fillRef>
+          <a:effectRef idx="0">
+            <a:schemeClr val="accent1"/>
+          </a:effectRef>
+          <a:fontRef idx="minor">
+            <a:schemeClr val="lt1"/>
+          </a:fontRef>
+        </p:style>
+        <p:txBody>
+          <a:bodyPr wrap="square" rtlCol="0" anchor="ctr">
+            <a:noAutofit/>
+          </a:bodyPr>
+          <a:lstStyle/>
+          <a:p>
+            <a:pPr algn="ctr"/>
+            <a:endParaRPr lang="zh-CN" altLang="en-US">
+              <a:solidFill>
+                <a:prstClr val="white"/>
+              </a:solidFill>
+            </a:endParaRPr>
+          </a:p>
+        </p:txBody>
+      </p:sp>
+      <p:sp>
+        <p:nvSpPr>
+          <p:cNvPr id="13" name="文本框 6"/>
+          <p:cNvSpPr txBox="1">
+            <a:spLocks noChangeArrowheads="1"/>
+          </p:cNvSpPr>
+          <p:nvPr/>
+        </p:nvSpPr>
+        <p:spPr bwMode="auto">
+          <a:xfrm>
+            <a:off x="838164" y="279477"/>
+            <a:ext cx="3404906" cy="646331"/>
+          </a:xfrm>
+          <a:prstGeom prst="rect">
+            <a:avLst/>
+          </a:prstGeom>
+          <a:noFill/>
+          <a:ln>
+            <a:noFill/>
+          </a:ln>
+          <a:extLst>
+            <a:ext uri="{909E8E84-426E-40DD-AFC4-6F175D3DCCD1}">
+              <a14:hiddenFill xmlns:a14="http://schemas.microsoft.com/office/drawing/2010/main">
+                <a:solidFill>
+                  <a:srgbClr val="FFFFFF"/>
+                </a:solidFill>
+              </a14:hiddenFill>
+            </a:ext>
+            <a:ext uri="{91240B29-F687-4F45-9708-019B960494DF}">
+              <a14:hiddenLine xmlns:a14="http://schemas.microsoft.com/office/drawing/2010/main" w="9525">
+                <a:solidFill>
+                  <a:srgbClr val="000000"/>
+                </a:solidFill>
+                <a:miter lim="800000"/>
+                <a:headEnd/>
+                <a:tailEnd/>
+              </a14:hiddenLine>
+            </a:ext>
+          </a:extLst>
+        </p:spPr>
+        <p:txBody>
+          <a:bodyPr wrap="none">
+            <a:spAutoFit/>
+          </a:bodyPr>
+          <a:lstStyle>
+            <a:lvl1pPr>
+              <a:defRPr sz="1300">
+                <a:solidFill>
+                  <a:schemeClr val="tx1"/>
+                </a:solidFill>
+                <a:latin typeface="Calibri Light" panose="020F0302020204030204" pitchFamily="34" charset="0"/>
+                <a:ea typeface="方正宋刻本秀楷简体" panose="02000000000000000000" pitchFamily="2" charset="-122"/>
+              </a:defRPr>
+            </a:lvl1pPr>
+            <a:lvl2pPr marL="742950" indent="-285750">
+              <a:defRPr sz="1300">
+                <a:solidFill>
+                  <a:schemeClr val="tx1"/>
+                </a:solidFill>
+                <a:latin typeface="Calibri Light" panose="020F0302020204030204" pitchFamily="34" charset="0"/>
+                <a:ea typeface="方正宋刻本秀楷简体" panose="02000000000000000000" pitchFamily="2" charset="-122"/>
+              </a:defRPr>
+            </a:lvl2pPr>
+            <a:lvl3pPr marL="1143000" indent="-228600">
+              <a:defRPr sz="1300">
+                <a:solidFill>
+                  <a:schemeClr val="tx1"/>
+                </a:solidFill>
+                <a:latin typeface="Calibri Light" panose="020F0302020204030204" pitchFamily="34" charset="0"/>
+                <a:ea typeface="方正宋刻本秀楷简体" panose="02000000000000000000" pitchFamily="2" charset="-122"/>
+              </a:defRPr>
+            </a:lvl3pPr>
+            <a:lvl4pPr marL="1600200" indent="-228600">
+              <a:defRPr sz="1300">
+                <a:solidFill>
+                  <a:schemeClr val="tx1"/>
+                </a:solidFill>
+                <a:latin typeface="Calibri Light" panose="020F0302020204030204" pitchFamily="34" charset="0"/>
+                <a:ea typeface="方正宋刻本秀楷简体" panose="02000000000000000000" pitchFamily="2" charset="-122"/>
+              </a:defRPr>
+            </a:lvl4pPr>
+            <a:lvl5pPr marL="2057400" indent="-228600">
+              <a:defRPr sz="1300">
+                <a:solidFill>
+                  <a:schemeClr val="tx1"/>
+                </a:solidFill>
+                <a:latin typeface="Calibri Light" panose="020F0302020204030204" pitchFamily="34" charset="0"/>
+                <a:ea typeface="方正宋刻本秀楷简体" panose="02000000000000000000" pitchFamily="2" charset="-122"/>
+              </a:defRPr>
+            </a:lvl5pPr>
+            <a:lvl6pPr marL="2514600" indent="-228600" defTabSz="685800" eaLnBrk="0" fontAlgn="base" hangingPunct="0">
+              <a:spcBef>
+                <a:spcPct val="0"/>
+              </a:spcBef>
+              <a:spcAft>
+                <a:spcPct val="0"/>
+              </a:spcAft>
+              <a:defRPr sz="1300">
+                <a:solidFill>
+                  <a:schemeClr val="tx1"/>
+                </a:solidFill>
+                <a:latin typeface="Calibri Light" panose="020F0302020204030204" pitchFamily="34" charset="0"/>
+                <a:ea typeface="方正宋刻本秀楷简体" panose="02000000000000000000" pitchFamily="2" charset="-122"/>
+              </a:defRPr>
+            </a:lvl6pPr>
+            <a:lvl7pPr marL="2971800" indent="-228600" defTabSz="685800" eaLnBrk="0" fontAlgn="base" hangingPunct="0">
+              <a:spcBef>
+                <a:spcPct val="0"/>
+              </a:spcBef>
+              <a:spcAft>
+                <a:spcPct val="0"/>
+              </a:spcAft>
+              <a:defRPr sz="1300">
+                <a:solidFill>
+                  <a:schemeClr val="tx1"/>
+                </a:solidFill>
+                <a:latin typeface="Calibri Light" panose="020F0302020204030204" pitchFamily="34" charset="0"/>
+                <a:ea typeface="方正宋刻本秀楷简体" panose="02000000000000000000" pitchFamily="2" charset="-122"/>
+              </a:defRPr>
+            </a:lvl7pPr>
+            <a:lvl8pPr marL="3429000" indent="-228600" defTabSz="685800" eaLnBrk="0" fontAlgn="base" hangingPunct="0">
+              <a:spcBef>
+                <a:spcPct val="0"/>
+              </a:spcBef>
+              <a:spcAft>
+                <a:spcPct val="0"/>
+              </a:spcAft>
+              <a:defRPr sz="1300">
+                <a:solidFill>
+                  <a:schemeClr val="tx1"/>
+                </a:solidFill>
+                <a:latin typeface="Calibri Light" panose="020F0302020204030204" pitchFamily="34" charset="0"/>
+                <a:ea typeface="方正宋刻本秀楷简体" panose="02000000000000000000" pitchFamily="2" charset="-122"/>
+              </a:defRPr>
+            </a:lvl8pPr>
+            <a:lvl9pPr marL="3886200" indent="-228600" defTabSz="685800" eaLnBrk="0" fontAlgn="base" hangingPunct="0">
+              <a:spcBef>
+                <a:spcPct val="0"/>
+              </a:spcBef>
+              <a:spcAft>
+                <a:spcPct val="0"/>
+              </a:spcAft>
+              <a:defRPr sz="1300">
+                <a:solidFill>
+                  <a:schemeClr val="tx1"/>
+                </a:solidFill>
+                <a:latin typeface="Calibri Light" panose="020F0302020204030204" pitchFamily="34" charset="0"/>
+                <a:ea typeface="方正宋刻本秀楷简体" panose="02000000000000000000" pitchFamily="2" charset="-122"/>
+              </a:defRPr>
+            </a:lvl9pPr>
+          </a:lstStyle>
+          <a:p>
+            <a:pPr fontAlgn="base">
+              <a:spcBef>
+                <a:spcPct val="0"/>
+              </a:spcBef>
+              <a:spcAft>
+                <a:spcPct val="0"/>
+              </a:spcAft>
+              <a:defRPr/>
+            </a:pPr>
+            <a:r>
+              <a:rPr lang="zh-CN" altLang="en-US" sz="3600" b="1" dirty="0" smtClean="0">
+                <a:solidFill>
+                  <a:schemeClr val="accent2"/>
+                </a:solidFill>
+                <a:latin typeface="+mj-ea"/>
+                <a:ea typeface="+mj-ea"/>
+              </a:rPr>
+              <a:t>目录 </a:t>
+            </a:r>
+            <a:r>
+              <a:rPr lang="en-US" altLang="zh-CN" sz="2800" dirty="0" smtClean="0">
+                <a:solidFill>
+                  <a:schemeClr val="bg1">
+                    <a:lumMod val="65000"/>
+                  </a:schemeClr>
+                </a:solidFill>
+                <a:latin typeface="+mj-ea"/>
+                <a:ea typeface="+mj-ea"/>
+              </a:rPr>
+              <a:t>|</a:t>
+            </a:r>
+            <a:r>
+              <a:rPr lang="zh-CN" altLang="en-US" sz="3600" dirty="0" smtClean="0">
+                <a:solidFill>
+                  <a:schemeClr val="bg1">
+                    <a:lumMod val="65000"/>
+                  </a:schemeClr>
+                </a:solidFill>
+                <a:latin typeface="+mj-ea"/>
+                <a:ea typeface="+mj-ea"/>
+              </a:rPr>
+              <a:t> </a:t>
+            </a:r>
+            <a:r>
+              <a:rPr lang="en-US" altLang="zh-CN" sz="2800" dirty="0" smtClean="0">
+                <a:solidFill>
+                  <a:schemeClr val="bg1">
+                    <a:lumMod val="65000"/>
+                  </a:schemeClr>
+                </a:solidFill>
+                <a:latin typeface="+mj-ea"/>
+                <a:ea typeface="+mj-ea"/>
+              </a:rPr>
+              <a:t>CONTENTS</a:t>
+            </a:r>
+            <a:endParaRPr lang="en-US" altLang="zh-CN" sz="2800" dirty="0">
+              <a:solidFill>
+                <a:schemeClr val="bg1">
+                  <a:lumMod val="65000"/>
+                </a:schemeClr>
+              </a:solidFill>
+              <a:latin typeface="+mj-ea"/>
+              <a:ea typeface="+mj-ea"/>
+            </a:endParaRPr>
+          </a:p>
+        </p:txBody>
+      </p:sp>
+      <p:sp>
+        <p:nvSpPr>
+          <p:cNvPr id="14" name="自由: 形状 3"/>
+          <p:cNvSpPr/>
+          <p:nvPr/>
+        </p:nvSpPr>
+        <p:spPr>
+          <a:xfrm>
+            <a:off x="1866557" y="2249827"/>
+            <a:ext cx="951907" cy="951908"/>
+          </a:xfrm>
+          <a:custGeom>
+            <a:avLst/>
+            <a:gdLst>
+              <a:gd name="connsiteX0" fmla="*/ 475953 w 951907"/>
+              <a:gd name="connsiteY0" fmla="*/ 0 h 951908"/>
+              <a:gd name="connsiteX1" fmla="*/ 951907 w 951907"/>
+              <a:gd name="connsiteY1" fmla="*/ 475954 h 951908"/>
+              <a:gd name="connsiteX2" fmla="*/ 475953 w 951907"/>
+              <a:gd name="connsiteY2" fmla="*/ 951908 h 951908"/>
+              <a:gd name="connsiteX3" fmla="*/ 0 w 951907"/>
+              <a:gd name="connsiteY3" fmla="*/ 475954 h 951908"/>
+              <a:gd name="connsiteX4" fmla="*/ 475953 w 951907"/>
+              <a:gd name="connsiteY4" fmla="*/ 0 h 951908"/>
+            </a:gdLst>
+            <a:ahLst/>
+            <a:cxnLst>
+              <a:cxn ang="0">
+                <a:pos x="connsiteX0" y="connsiteY0"/>
+              </a:cxn>
+              <a:cxn ang="0">
+                <a:pos x="connsiteX1" y="connsiteY1"/>
+              </a:cxn>
+              <a:cxn ang="0">
+                <a:pos x="connsiteX2" y="connsiteY2"/>
+              </a:cxn>
+              <a:cxn ang="0">
+                <a:pos x="connsiteX3" y="connsiteY3"/>
+              </a:cxn>
+              <a:cxn ang="0">
+                <a:pos x="connsiteX4" y="connsiteY4"/>
+              </a:cxn>
+            </a:cxnLst>
+            <a:rect l="l" t="t" r="r" b="b"/>
+            <a:pathLst>
+              <a:path w="951907" h="951908">
+                <a:moveTo>
+                  <a:pt x="475953" y="0"/>
+                </a:moveTo>
+                <a:lnTo>
+                  <a:pt x="951907" y="475954"/>
+                </a:lnTo>
+                <a:lnTo>
+                  <a:pt x="475953" y="951908"/>
+                </a:lnTo>
+                <a:lnTo>
+                  <a:pt x="0" y="475954"/>
+                </a:lnTo>
+                <a:lnTo>
+                  <a:pt x="475953" y="0"/>
+                </a:lnTo>
+                <a:close/>
+              </a:path>
+            </a:pathLst>
+          </a:custGeom>
+          <a:ln>
+            <a:noFill/>
+          </a:ln>
+        </p:spPr>
+        <p:style>
+          <a:lnRef idx="2">
+            <a:schemeClr val="accent1">
+              <a:shade val="50000"/>
+            </a:schemeClr>
+          </a:lnRef>
+          <a:fillRef idx="1">
+            <a:schemeClr val="accent1"/>
+          </a:fillRef>
+          <a:effectRef idx="0">
+            <a:schemeClr val="accent1"/>
+          </a:effectRef>
+          <a:fontRef idx="minor">
+            <a:schemeClr val="lt1"/>
+          </a:fontRef>
+        </p:style>
+        <p:txBody>
+          <a:bodyPr rtlCol="0" anchor="ctr"/>
+          <a:lstStyle/>
+          <a:p>
+            <a:pPr algn="ctr"/>
+            <a:r>
+              <a:rPr lang="en-US" altLang="zh-CN" sz="2400" dirty="0">
+                <a:latin typeface="华文细黑" panose="02010600040101010101" pitchFamily="2" charset="-122"/>
+                <a:ea typeface="华文细黑" panose="02010600040101010101" pitchFamily="2" charset="-122"/>
+              </a:rPr>
+              <a:t>01</a:t>
+            </a:r>
+            <a:endParaRPr lang="zh-CN" altLang="en-US" sz="2400" dirty="0">
+              <a:latin typeface="华文细黑" panose="02010600040101010101" pitchFamily="2" charset="-122"/>
+              <a:ea typeface="华文细黑" panose="02010600040101010101" pitchFamily="2" charset="-122"/>
+            </a:endParaRPr>
+          </a:p>
+        </p:txBody>
+      </p:sp>
+      <p:sp>
+        <p:nvSpPr>
+          <p:cNvPr id="15" name="文本框 14"/>
+          <p:cNvSpPr txBox="1"/>
+          <p:nvPr/>
+        </p:nvSpPr>
+        <p:spPr>
+          <a:xfrm>
+            <a:off x="5977868" y="3852845"/>
+            <a:ext cx="1464310" cy="506730"/>
+          </a:xfrm>
+          <a:prstGeom prst="rect">
+            <a:avLst/>
+          </a:prstGeom>
+          <a:noFill/>
+        </p:spPr>
+        <p:txBody>
+          <a:bodyPr wrap="none" rtlCol="0">
+            <a:spAutoFit/>
+          </a:bodyPr>
+          <a:lstStyle>
+            <a:defPPr>
+              <a:defRPr lang="zh-CN"/>
+            </a:defPPr>
+            <a:lvl1pPr algn="ctr">
+              <a:lnSpc>
+                <a:spcPct val="150000"/>
+              </a:lnSpc>
+              <a:defRPr>
+                <a:solidFill>
+                  <a:schemeClr val="accent1"/>
+                </a:solidFill>
+                <a:latin typeface="微软雅黑" panose="020B0503020204020204" pitchFamily="34" charset="-122"/>
+                <a:ea typeface="微软雅黑" panose="020B0503020204020204" pitchFamily="34" charset="-122"/>
+              </a:defRPr>
+            </a:lvl1pPr>
+          </a:lstStyle>
+          <a:p>
+            <a:pPr algn="l"/>
+            <a:r>
+              <a:rPr lang="en-US" altLang="zh-CN" dirty="0"/>
+              <a:t>IDE</a:t>
+            </a:r>
+            <a:r>
+              <a:rPr lang="zh-CN" altLang="en-US" dirty="0"/>
+              <a:t>插件安装</a:t>
+            </a:r>
+            <a:endParaRPr lang="zh-CN" altLang="en-US" dirty="0"/>
+          </a:p>
+        </p:txBody>
+      </p:sp>
+      <p:sp>
+        <p:nvSpPr>
+          <p:cNvPr id="16" name="文本框 15"/>
+          <p:cNvSpPr txBox="1"/>
+          <p:nvPr/>
+        </p:nvSpPr>
+        <p:spPr>
+          <a:xfrm>
+            <a:off x="2818464" y="3828384"/>
+            <a:ext cx="1107996" cy="507831"/>
+          </a:xfrm>
+          <a:prstGeom prst="rect">
+            <a:avLst/>
+          </a:prstGeom>
+          <a:noFill/>
+        </p:spPr>
+        <p:txBody>
+          <a:bodyPr wrap="none" rtlCol="0">
+            <a:spAutoFit/>
+          </a:bodyPr>
+          <a:lstStyle>
+            <a:defPPr>
+              <a:defRPr lang="zh-CN"/>
+            </a:defPPr>
+            <a:lvl1pPr algn="ctr">
+              <a:lnSpc>
+                <a:spcPct val="150000"/>
+              </a:lnSpc>
+              <a:defRPr>
+                <a:solidFill>
+                  <a:schemeClr val="accent1"/>
+                </a:solidFill>
+                <a:latin typeface="微软雅黑" panose="020B0503020204020204" pitchFamily="34" charset="-122"/>
+                <a:ea typeface="微软雅黑" panose="020B0503020204020204" pitchFamily="34" charset="-122"/>
+              </a:defRPr>
+            </a:lvl1pPr>
+          </a:lstStyle>
+          <a:p>
+            <a:pPr algn="l"/>
+            <a:r>
+              <a:rPr lang="zh-CN" altLang="en-US" dirty="0" smtClean="0"/>
+              <a:t>日志规范</a:t>
+            </a:r>
+            <a:endParaRPr lang="zh-CN" altLang="en-US" dirty="0"/>
+          </a:p>
+        </p:txBody>
+      </p:sp>
+      <p:sp>
+        <p:nvSpPr>
+          <p:cNvPr id="17" name="文本框 16"/>
+          <p:cNvSpPr txBox="1"/>
+          <p:nvPr/>
+        </p:nvSpPr>
+        <p:spPr>
+          <a:xfrm>
+            <a:off x="5931307" y="2471865"/>
+            <a:ext cx="1107996" cy="507831"/>
+          </a:xfrm>
+          <a:prstGeom prst="rect">
+            <a:avLst/>
+          </a:prstGeom>
+          <a:noFill/>
+        </p:spPr>
+        <p:txBody>
+          <a:bodyPr wrap="none" rtlCol="0">
+            <a:spAutoFit/>
+          </a:bodyPr>
+          <a:lstStyle>
+            <a:defPPr>
+              <a:defRPr lang="zh-CN"/>
+            </a:defPPr>
+            <a:lvl1pPr algn="ctr">
+              <a:lnSpc>
+                <a:spcPct val="150000"/>
+              </a:lnSpc>
+              <a:defRPr>
+                <a:solidFill>
+                  <a:schemeClr val="accent1"/>
+                </a:solidFill>
+                <a:latin typeface="微软雅黑" panose="020B0503020204020204" pitchFamily="34" charset="-122"/>
+                <a:ea typeface="微软雅黑" panose="020B0503020204020204" pitchFamily="34" charset="-122"/>
+              </a:defRPr>
+            </a:lvl1pPr>
+          </a:lstStyle>
+          <a:p>
+            <a:pPr algn="l"/>
+            <a:r>
+              <a:rPr lang="zh-CN" altLang="en-US" dirty="0" smtClean="0"/>
+              <a:t>编程规范</a:t>
+            </a:r>
+            <a:endParaRPr lang="zh-CN" altLang="en-US" dirty="0"/>
+          </a:p>
+        </p:txBody>
+      </p:sp>
+      <p:sp>
+        <p:nvSpPr>
+          <p:cNvPr id="18" name="文本框 17"/>
+          <p:cNvSpPr txBox="1"/>
+          <p:nvPr/>
+        </p:nvSpPr>
+        <p:spPr>
+          <a:xfrm>
+            <a:off x="2818464" y="2429518"/>
+            <a:ext cx="1107996" cy="507831"/>
+          </a:xfrm>
+          <a:prstGeom prst="rect">
+            <a:avLst/>
+          </a:prstGeom>
+          <a:noFill/>
+        </p:spPr>
+        <p:txBody>
+          <a:bodyPr wrap="none" rtlCol="0">
+            <a:spAutoFit/>
+          </a:bodyPr>
+          <a:lstStyle>
+            <a:defPPr>
+              <a:defRPr lang="zh-CN"/>
+            </a:defPPr>
+            <a:lvl1pPr algn="ctr">
+              <a:lnSpc>
+                <a:spcPct val="150000"/>
+              </a:lnSpc>
+              <a:defRPr sz="2400">
+                <a:solidFill>
+                  <a:schemeClr val="bg1"/>
+                </a:solidFill>
+                <a:latin typeface="微软雅黑" panose="020B0503020204020204" pitchFamily="34" charset="-122"/>
+                <a:ea typeface="微软雅黑" panose="020B0503020204020204" pitchFamily="34" charset="-122"/>
+              </a:defRPr>
+            </a:lvl1pPr>
+          </a:lstStyle>
+          <a:p>
+            <a:pPr algn="l"/>
+            <a:r>
+              <a:rPr lang="zh-CN" altLang="en-US" sz="1800" dirty="0" smtClean="0">
+                <a:solidFill>
+                  <a:schemeClr val="accent1"/>
+                </a:solidFill>
+              </a:rPr>
+              <a:t>学习目的</a:t>
+            </a:r>
+            <a:endParaRPr lang="zh-CN" altLang="en-US" sz="1800" dirty="0">
+              <a:solidFill>
+                <a:schemeClr val="accent1"/>
+              </a:solidFill>
+            </a:endParaRPr>
+          </a:p>
+        </p:txBody>
+      </p:sp>
+      <p:sp>
+        <p:nvSpPr>
+          <p:cNvPr id="19" name="自由: 形状 21"/>
+          <p:cNvSpPr/>
+          <p:nvPr/>
+        </p:nvSpPr>
+        <p:spPr>
+          <a:xfrm>
+            <a:off x="1866557" y="3606346"/>
+            <a:ext cx="951907" cy="951908"/>
+          </a:xfrm>
+          <a:custGeom>
+            <a:avLst/>
+            <a:gdLst>
+              <a:gd name="connsiteX0" fmla="*/ 475953 w 951907"/>
+              <a:gd name="connsiteY0" fmla="*/ 0 h 951908"/>
+              <a:gd name="connsiteX1" fmla="*/ 951907 w 951907"/>
+              <a:gd name="connsiteY1" fmla="*/ 475954 h 951908"/>
+              <a:gd name="connsiteX2" fmla="*/ 475953 w 951907"/>
+              <a:gd name="connsiteY2" fmla="*/ 951908 h 951908"/>
+              <a:gd name="connsiteX3" fmla="*/ 0 w 951907"/>
+              <a:gd name="connsiteY3" fmla="*/ 475954 h 951908"/>
+              <a:gd name="connsiteX4" fmla="*/ 475953 w 951907"/>
+              <a:gd name="connsiteY4" fmla="*/ 0 h 951908"/>
+            </a:gdLst>
+            <a:ahLst/>
+            <a:cxnLst>
+              <a:cxn ang="0">
+                <a:pos x="connsiteX0" y="connsiteY0"/>
+              </a:cxn>
+              <a:cxn ang="0">
+                <a:pos x="connsiteX1" y="connsiteY1"/>
+              </a:cxn>
+              <a:cxn ang="0">
+                <a:pos x="connsiteX2" y="connsiteY2"/>
+              </a:cxn>
+              <a:cxn ang="0">
+                <a:pos x="connsiteX3" y="connsiteY3"/>
+              </a:cxn>
+              <a:cxn ang="0">
+                <a:pos x="connsiteX4" y="connsiteY4"/>
+              </a:cxn>
+            </a:cxnLst>
+            <a:rect l="l" t="t" r="r" b="b"/>
+            <a:pathLst>
+              <a:path w="951907" h="951908">
+                <a:moveTo>
+                  <a:pt x="475953" y="0"/>
+                </a:moveTo>
+                <a:lnTo>
+                  <a:pt x="951907" y="475954"/>
+                </a:lnTo>
+                <a:lnTo>
+                  <a:pt x="475953" y="951908"/>
+                </a:lnTo>
+                <a:lnTo>
+                  <a:pt x="0" y="475954"/>
+                </a:lnTo>
+                <a:lnTo>
+                  <a:pt x="475953" y="0"/>
+                </a:lnTo>
+                <a:close/>
+              </a:path>
+            </a:pathLst>
+          </a:custGeom>
+          <a:solidFill>
+            <a:schemeClr val="accent2"/>
+          </a:solidFill>
+          <a:ln>
+            <a:noFill/>
+          </a:ln>
+        </p:spPr>
+        <p:style>
+          <a:lnRef idx="2">
+            <a:schemeClr val="accent1">
+              <a:shade val="50000"/>
+            </a:schemeClr>
+          </a:lnRef>
+          <a:fillRef idx="1">
+            <a:schemeClr val="accent1"/>
+          </a:fillRef>
+          <a:effectRef idx="0">
+            <a:schemeClr val="accent1"/>
+          </a:effectRef>
+          <a:fontRef idx="minor">
+            <a:schemeClr val="lt1"/>
+          </a:fontRef>
+        </p:style>
+        <p:txBody>
+          <a:bodyPr rtlCol="0" anchor="ctr"/>
+          <a:lstStyle/>
+          <a:p>
+            <a:pPr algn="ctr"/>
+            <a:r>
+              <a:rPr lang="en-US" altLang="zh-CN" sz="2400" dirty="0" smtClean="0">
+                <a:latin typeface="华文细黑" panose="02010600040101010101" pitchFamily="2" charset="-122"/>
+                <a:ea typeface="华文细黑" panose="02010600040101010101" pitchFamily="2" charset="-122"/>
+              </a:rPr>
+              <a:t>04</a:t>
+            </a:r>
+            <a:endParaRPr lang="zh-CN" altLang="en-US" sz="2400" dirty="0">
+              <a:latin typeface="华文细黑" panose="02010600040101010101" pitchFamily="2" charset="-122"/>
+              <a:ea typeface="华文细黑" panose="02010600040101010101" pitchFamily="2" charset="-122"/>
+            </a:endParaRPr>
+          </a:p>
+        </p:txBody>
+      </p:sp>
+      <p:sp>
+        <p:nvSpPr>
+          <p:cNvPr id="20" name="自由: 形状 22"/>
+          <p:cNvSpPr/>
+          <p:nvPr/>
+        </p:nvSpPr>
+        <p:spPr>
+          <a:xfrm>
+            <a:off x="4960777" y="2249827"/>
+            <a:ext cx="951907" cy="951908"/>
+          </a:xfrm>
+          <a:custGeom>
+            <a:avLst/>
+            <a:gdLst>
+              <a:gd name="connsiteX0" fmla="*/ 475953 w 951907"/>
+              <a:gd name="connsiteY0" fmla="*/ 0 h 951908"/>
+              <a:gd name="connsiteX1" fmla="*/ 951907 w 951907"/>
+              <a:gd name="connsiteY1" fmla="*/ 475954 h 951908"/>
+              <a:gd name="connsiteX2" fmla="*/ 475953 w 951907"/>
+              <a:gd name="connsiteY2" fmla="*/ 951908 h 951908"/>
+              <a:gd name="connsiteX3" fmla="*/ 0 w 951907"/>
+              <a:gd name="connsiteY3" fmla="*/ 475954 h 951908"/>
+              <a:gd name="connsiteX4" fmla="*/ 475953 w 951907"/>
+              <a:gd name="connsiteY4" fmla="*/ 0 h 951908"/>
+            </a:gdLst>
+            <a:ahLst/>
+            <a:cxnLst>
+              <a:cxn ang="0">
+                <a:pos x="connsiteX0" y="connsiteY0"/>
+              </a:cxn>
+              <a:cxn ang="0">
+                <a:pos x="connsiteX1" y="connsiteY1"/>
+              </a:cxn>
+              <a:cxn ang="0">
+                <a:pos x="connsiteX2" y="connsiteY2"/>
+              </a:cxn>
+              <a:cxn ang="0">
+                <a:pos x="connsiteX3" y="connsiteY3"/>
+              </a:cxn>
+              <a:cxn ang="0">
+                <a:pos x="connsiteX4" y="connsiteY4"/>
+              </a:cxn>
+            </a:cxnLst>
+            <a:rect l="l" t="t" r="r" b="b"/>
+            <a:pathLst>
+              <a:path w="951907" h="951908">
+                <a:moveTo>
+                  <a:pt x="475953" y="0"/>
+                </a:moveTo>
+                <a:lnTo>
+                  <a:pt x="951907" y="475954"/>
+                </a:lnTo>
+                <a:lnTo>
+                  <a:pt x="475953" y="951908"/>
+                </a:lnTo>
+                <a:lnTo>
+                  <a:pt x="0" y="475954"/>
+                </a:lnTo>
+                <a:lnTo>
+                  <a:pt x="475953" y="0"/>
+                </a:lnTo>
+                <a:close/>
+              </a:path>
+            </a:pathLst>
+          </a:custGeom>
+          <a:solidFill>
+            <a:schemeClr val="accent2"/>
+          </a:solidFill>
+          <a:ln>
+            <a:noFill/>
+          </a:ln>
+        </p:spPr>
+        <p:style>
+          <a:lnRef idx="2">
+            <a:schemeClr val="accent1">
+              <a:shade val="50000"/>
+            </a:schemeClr>
+          </a:lnRef>
+          <a:fillRef idx="1">
+            <a:schemeClr val="accent1"/>
+          </a:fillRef>
+          <a:effectRef idx="0">
+            <a:schemeClr val="accent1"/>
+          </a:effectRef>
+          <a:fontRef idx="minor">
+            <a:schemeClr val="lt1"/>
+          </a:fontRef>
+        </p:style>
+        <p:txBody>
+          <a:bodyPr rtlCol="0" anchor="ctr"/>
+          <a:lstStyle/>
+          <a:p>
+            <a:pPr algn="ctr"/>
+            <a:r>
+              <a:rPr lang="en-US" altLang="zh-CN" sz="2400" dirty="0">
+                <a:latin typeface="华文细黑" panose="02010600040101010101" pitchFamily="2" charset="-122"/>
+                <a:ea typeface="华文细黑" panose="02010600040101010101" pitchFamily="2" charset="-122"/>
+              </a:rPr>
+              <a:t>02</a:t>
+            </a:r>
+            <a:endParaRPr lang="zh-CN" altLang="en-US" sz="2400" dirty="0">
+              <a:latin typeface="华文细黑" panose="02010600040101010101" pitchFamily="2" charset="-122"/>
+              <a:ea typeface="华文细黑" panose="02010600040101010101" pitchFamily="2" charset="-122"/>
+            </a:endParaRPr>
+          </a:p>
+        </p:txBody>
+      </p:sp>
+      <p:sp>
+        <p:nvSpPr>
+          <p:cNvPr id="21" name="自由: 形状 23"/>
+          <p:cNvSpPr/>
+          <p:nvPr/>
+        </p:nvSpPr>
+        <p:spPr>
+          <a:xfrm>
+            <a:off x="4960777" y="3606346"/>
+            <a:ext cx="951907" cy="951908"/>
+          </a:xfrm>
+          <a:custGeom>
+            <a:avLst/>
+            <a:gdLst>
+              <a:gd name="connsiteX0" fmla="*/ 475953 w 951907"/>
+              <a:gd name="connsiteY0" fmla="*/ 0 h 951908"/>
+              <a:gd name="connsiteX1" fmla="*/ 951907 w 951907"/>
+              <a:gd name="connsiteY1" fmla="*/ 475954 h 951908"/>
+              <a:gd name="connsiteX2" fmla="*/ 475953 w 951907"/>
+              <a:gd name="connsiteY2" fmla="*/ 951908 h 951908"/>
+              <a:gd name="connsiteX3" fmla="*/ 0 w 951907"/>
+              <a:gd name="connsiteY3" fmla="*/ 475954 h 951908"/>
+              <a:gd name="connsiteX4" fmla="*/ 475953 w 951907"/>
+              <a:gd name="connsiteY4" fmla="*/ 0 h 951908"/>
+            </a:gdLst>
+            <a:ahLst/>
+            <a:cxnLst>
+              <a:cxn ang="0">
+                <a:pos x="connsiteX0" y="connsiteY0"/>
+              </a:cxn>
+              <a:cxn ang="0">
+                <a:pos x="connsiteX1" y="connsiteY1"/>
+              </a:cxn>
+              <a:cxn ang="0">
+                <a:pos x="connsiteX2" y="connsiteY2"/>
+              </a:cxn>
+              <a:cxn ang="0">
+                <a:pos x="connsiteX3" y="connsiteY3"/>
+              </a:cxn>
+              <a:cxn ang="0">
+                <a:pos x="connsiteX4" y="connsiteY4"/>
+              </a:cxn>
+            </a:cxnLst>
+            <a:rect l="l" t="t" r="r" b="b"/>
+            <a:pathLst>
+              <a:path w="951907" h="951908">
+                <a:moveTo>
+                  <a:pt x="475953" y="0"/>
+                </a:moveTo>
+                <a:lnTo>
+                  <a:pt x="951907" y="475954"/>
+                </a:lnTo>
+                <a:lnTo>
+                  <a:pt x="475953" y="951908"/>
+                </a:lnTo>
+                <a:lnTo>
+                  <a:pt x="0" y="475954"/>
+                </a:lnTo>
+                <a:lnTo>
+                  <a:pt x="475953" y="0"/>
+                </a:lnTo>
+                <a:close/>
+              </a:path>
+            </a:pathLst>
+          </a:custGeom>
+          <a:ln>
+            <a:noFill/>
+          </a:ln>
+        </p:spPr>
+        <p:style>
+          <a:lnRef idx="2">
+            <a:schemeClr val="accent1">
+              <a:shade val="50000"/>
+            </a:schemeClr>
+          </a:lnRef>
+          <a:fillRef idx="1">
+            <a:schemeClr val="accent1"/>
+          </a:fillRef>
+          <a:effectRef idx="0">
+            <a:schemeClr val="accent1"/>
+          </a:effectRef>
+          <a:fontRef idx="minor">
+            <a:schemeClr val="lt1"/>
+          </a:fontRef>
+        </p:style>
+        <p:txBody>
+          <a:bodyPr rtlCol="0" anchor="ctr"/>
+          <a:lstStyle/>
+          <a:p>
+            <a:pPr algn="ctr"/>
+            <a:r>
+              <a:rPr lang="en-US" altLang="zh-CN" sz="2400" dirty="0" smtClean="0">
+                <a:latin typeface="华文细黑" panose="02010600040101010101" pitchFamily="2" charset="-122"/>
+                <a:ea typeface="华文细黑" panose="02010600040101010101" pitchFamily="2" charset="-122"/>
+              </a:rPr>
+              <a:t>05</a:t>
+            </a:r>
+            <a:endParaRPr lang="zh-CN" altLang="en-US" sz="2400" dirty="0">
+              <a:latin typeface="华文细黑" panose="02010600040101010101" pitchFamily="2" charset="-122"/>
+              <a:ea typeface="华文细黑" panose="02010600040101010101" pitchFamily="2" charset="-122"/>
+            </a:endParaRPr>
+          </a:p>
+        </p:txBody>
+      </p:sp>
+      <p:sp>
+        <p:nvSpPr>
+          <p:cNvPr id="23" name="文本框 22"/>
+          <p:cNvSpPr txBox="1"/>
+          <p:nvPr/>
+        </p:nvSpPr>
+        <p:spPr>
+          <a:xfrm>
+            <a:off x="9881869" y="6139533"/>
+            <a:ext cx="1822935" cy="418191"/>
+          </a:xfrm>
+          <a:prstGeom prst="rect">
+            <a:avLst/>
+          </a:prstGeom>
+          <a:noFill/>
+        </p:spPr>
+        <p:txBody>
+          <a:bodyPr wrap="none" rtlCol="0">
+            <a:spAutoFit/>
+          </a:bodyPr>
+          <a:lstStyle>
+            <a:defPPr>
+              <a:defRPr lang="zh-CN"/>
+            </a:defPPr>
+            <a:lvl1pPr algn="ctr">
+              <a:lnSpc>
+                <a:spcPct val="150000"/>
+              </a:lnSpc>
+              <a:defRPr>
+                <a:solidFill>
+                  <a:schemeClr val="accent1"/>
+                </a:solidFill>
+                <a:latin typeface="微软雅黑" panose="020B0503020204020204" pitchFamily="34" charset="-122"/>
+                <a:ea typeface="微软雅黑" panose="020B0503020204020204" pitchFamily="34" charset="-122"/>
+              </a:defRPr>
+            </a:lvl1pPr>
+          </a:lstStyle>
+          <a:p>
+            <a:pPr algn="l"/>
+            <a:r>
+              <a:rPr lang="zh-CN" altLang="en-US" sz="1600" spc="300" dirty="0" smtClean="0">
+                <a:solidFill>
+                  <a:schemeClr val="bg1"/>
+                </a:solidFill>
+              </a:rPr>
+              <a:t>诚信</a:t>
+            </a:r>
+            <a:r>
+              <a:rPr lang="en-US" altLang="zh-CN" sz="1600" spc="300" dirty="0" smtClean="0">
+                <a:solidFill>
+                  <a:schemeClr val="bg1"/>
+                </a:solidFill>
+              </a:rPr>
+              <a:t>·</a:t>
+            </a:r>
+            <a:r>
+              <a:rPr lang="zh-CN" altLang="en-US" sz="1600" spc="300" dirty="0" smtClean="0">
+                <a:solidFill>
+                  <a:schemeClr val="bg1"/>
+                </a:solidFill>
+              </a:rPr>
+              <a:t>坚毅</a:t>
+            </a:r>
+            <a:r>
+              <a:rPr lang="en-US" altLang="zh-CN" sz="1600" spc="300" dirty="0" smtClean="0">
+                <a:solidFill>
+                  <a:schemeClr val="bg1"/>
+                </a:solidFill>
+              </a:rPr>
+              <a:t>·</a:t>
+            </a:r>
+            <a:r>
+              <a:rPr lang="zh-CN" altLang="en-US" sz="1600" spc="300" dirty="0" smtClean="0">
+                <a:solidFill>
+                  <a:schemeClr val="bg1"/>
+                </a:solidFill>
+              </a:rPr>
+              <a:t>创新</a:t>
+            </a:r>
+            <a:endParaRPr lang="zh-CN" altLang="en-US" sz="1600" spc="300" dirty="0">
+              <a:solidFill>
+                <a:schemeClr val="bg1"/>
+              </a:solidFill>
+            </a:endParaRPr>
+          </a:p>
+        </p:txBody>
+      </p:sp>
+      <p:sp>
+        <p:nvSpPr>
+          <p:cNvPr id="22" name="自由: 形状 3"/>
+          <p:cNvSpPr/>
+          <p:nvPr/>
+        </p:nvSpPr>
+        <p:spPr>
+          <a:xfrm>
+            <a:off x="8096884" y="2249827"/>
+            <a:ext cx="951907" cy="951908"/>
+          </a:xfrm>
+          <a:custGeom>
+            <a:avLst/>
+            <a:gdLst>
+              <a:gd name="connsiteX0" fmla="*/ 475953 w 951907"/>
+              <a:gd name="connsiteY0" fmla="*/ 0 h 951908"/>
+              <a:gd name="connsiteX1" fmla="*/ 951907 w 951907"/>
+              <a:gd name="connsiteY1" fmla="*/ 475954 h 951908"/>
+              <a:gd name="connsiteX2" fmla="*/ 475953 w 951907"/>
+              <a:gd name="connsiteY2" fmla="*/ 951908 h 951908"/>
+              <a:gd name="connsiteX3" fmla="*/ 0 w 951907"/>
+              <a:gd name="connsiteY3" fmla="*/ 475954 h 951908"/>
+              <a:gd name="connsiteX4" fmla="*/ 475953 w 951907"/>
+              <a:gd name="connsiteY4" fmla="*/ 0 h 951908"/>
+            </a:gdLst>
+            <a:ahLst/>
+            <a:cxnLst>
+              <a:cxn ang="0">
+                <a:pos x="connsiteX0" y="connsiteY0"/>
+              </a:cxn>
+              <a:cxn ang="0">
+                <a:pos x="connsiteX1" y="connsiteY1"/>
+              </a:cxn>
+              <a:cxn ang="0">
+                <a:pos x="connsiteX2" y="connsiteY2"/>
+              </a:cxn>
+              <a:cxn ang="0">
+                <a:pos x="connsiteX3" y="connsiteY3"/>
+              </a:cxn>
+              <a:cxn ang="0">
+                <a:pos x="connsiteX4" y="connsiteY4"/>
+              </a:cxn>
+            </a:cxnLst>
+            <a:rect l="l" t="t" r="r" b="b"/>
+            <a:pathLst>
+              <a:path w="951907" h="951908">
+                <a:moveTo>
+                  <a:pt x="475953" y="0"/>
+                </a:moveTo>
+                <a:lnTo>
+                  <a:pt x="951907" y="475954"/>
+                </a:lnTo>
+                <a:lnTo>
+                  <a:pt x="475953" y="951908"/>
+                </a:lnTo>
+                <a:lnTo>
+                  <a:pt x="0" y="475954"/>
+                </a:lnTo>
+                <a:lnTo>
+                  <a:pt x="475953" y="0"/>
+                </a:lnTo>
+                <a:close/>
+              </a:path>
+            </a:pathLst>
+          </a:custGeom>
+          <a:ln>
+            <a:noFill/>
+          </a:ln>
+        </p:spPr>
+        <p:style>
+          <a:lnRef idx="2">
+            <a:schemeClr val="accent1">
+              <a:shade val="50000"/>
+            </a:schemeClr>
+          </a:lnRef>
+          <a:fillRef idx="1">
+            <a:schemeClr val="accent1"/>
+          </a:fillRef>
+          <a:effectRef idx="0">
+            <a:schemeClr val="accent1"/>
+          </a:effectRef>
+          <a:fontRef idx="minor">
+            <a:schemeClr val="lt1"/>
+          </a:fontRef>
+        </p:style>
+        <p:txBody>
+          <a:bodyPr rtlCol="0" anchor="ctr"/>
+          <a:lstStyle/>
+          <a:p>
+            <a:pPr algn="ctr"/>
+            <a:r>
+              <a:rPr lang="en-US" altLang="zh-CN" sz="2400" dirty="0" smtClean="0">
+                <a:latin typeface="华文细黑" panose="02010600040101010101" pitchFamily="2" charset="-122"/>
+                <a:ea typeface="华文细黑" panose="02010600040101010101" pitchFamily="2" charset="-122"/>
+              </a:rPr>
+              <a:t>03</a:t>
+            </a:r>
+            <a:endParaRPr lang="zh-CN" altLang="en-US" sz="2400" dirty="0">
+              <a:latin typeface="华文细黑" panose="02010600040101010101" pitchFamily="2" charset="-122"/>
+              <a:ea typeface="华文细黑" panose="02010600040101010101" pitchFamily="2" charset="-122"/>
+            </a:endParaRPr>
+          </a:p>
+        </p:txBody>
+      </p:sp>
+      <p:sp>
+        <p:nvSpPr>
+          <p:cNvPr id="25" name="文本框 24"/>
+          <p:cNvSpPr txBox="1"/>
+          <p:nvPr/>
+        </p:nvSpPr>
+        <p:spPr>
+          <a:xfrm>
+            <a:off x="9048791" y="2429518"/>
+            <a:ext cx="1107996" cy="507831"/>
+          </a:xfrm>
+          <a:prstGeom prst="rect">
+            <a:avLst/>
+          </a:prstGeom>
+          <a:noFill/>
+        </p:spPr>
+        <p:txBody>
+          <a:bodyPr wrap="none" rtlCol="0">
+            <a:spAutoFit/>
+          </a:bodyPr>
+          <a:lstStyle>
+            <a:defPPr>
+              <a:defRPr lang="zh-CN"/>
+            </a:defPPr>
+            <a:lvl1pPr algn="ctr">
+              <a:lnSpc>
+                <a:spcPct val="150000"/>
+              </a:lnSpc>
+              <a:defRPr sz="2400">
+                <a:solidFill>
+                  <a:schemeClr val="bg1"/>
+                </a:solidFill>
+                <a:latin typeface="微软雅黑" panose="020B0503020204020204" pitchFamily="34" charset="-122"/>
+                <a:ea typeface="微软雅黑" panose="020B0503020204020204" pitchFamily="34" charset="-122"/>
+              </a:defRPr>
+            </a:lvl1pPr>
+          </a:lstStyle>
+          <a:p>
+            <a:pPr algn="l"/>
+            <a:r>
+              <a:rPr lang="zh-CN" altLang="en-US" sz="1800" dirty="0" smtClean="0">
+                <a:solidFill>
+                  <a:schemeClr val="accent1"/>
+                </a:solidFill>
+              </a:rPr>
+              <a:t>异常规范</a:t>
+            </a:r>
+            <a:endParaRPr lang="zh-CN" altLang="en-US" sz="1800" dirty="0">
+              <a:solidFill>
+                <a:schemeClr val="accent1"/>
+              </a:solidFill>
+            </a:endParaRPr>
+          </a:p>
+        </p:txBody>
+      </p:sp>
+    </p:spTree>
+  </p:cSld>
+  <p:clrMapOvr>
+    <a:masterClrMapping/>
+  </p:clrMapOvr>
+  <mc:AlternateContent xmlns:mc="http://schemas.openxmlformats.org/markup-compatibility/2006">
+    <mc:Choice xmlns:p14="http://schemas.microsoft.com/office/powerpoint/2010/main" Requires="p14">
+      <p:transition p14:dur="0" advClick="0" advTm="4000"/>
+    </mc:Choice>
+    <mc:Fallback>
+      <p:transition advClick="0" advTm="4000"/>
+    </mc:Fallback>
+  </mc:AlternateContent>
+  <p:timing>
+    <p:tnLst>
+      <p:par>
+        <p:cTn id="1" dur="indefinite" restart="never" nodeType="tmRoot"/>
+      </p:par>
+    </p:tnLst>
+  </p:timing>
+</p:sld>
+</file>
+
+<file path=ppt/slides/slide20.xml><?xml version="1.0" encoding="utf-8"?>
+<p:sld xmlns:a="http://schemas.openxmlformats.org/drawingml/2006/main" xmlns:r="http://schemas.openxmlformats.org/officeDocument/2006/relationships" xmlns:p="http://schemas.openxmlformats.org/presentationml/2006/main">
+  <p:cSld>
+    <p:spTree>
+      <p:nvGrpSpPr>
+        <p:cNvPr id="1" name=""/>
+        <p:cNvGrpSpPr/>
+        <p:nvPr/>
+      </p:nvGrpSpPr>
+      <p:grpSpPr>
+        <a:xfrm>
+          <a:off x="0" y="0"/>
+          <a:ext cx="0" cy="0"/>
+          <a:chOff x="0" y="0"/>
+          <a:chExt cx="0" cy="0"/>
+        </a:xfrm>
+      </p:grpSpPr>
+      <p:sp>
+        <p:nvSpPr>
+          <p:cNvPr id="2" name="文本框 1"/>
+          <p:cNvSpPr txBox="1"/>
+          <p:nvPr/>
+        </p:nvSpPr>
+        <p:spPr>
+          <a:xfrm>
+            <a:off x="755020" y="385774"/>
+            <a:ext cx="1415772" cy="461665"/>
+          </a:xfrm>
+          <a:prstGeom prst="rect">
+            <a:avLst/>
+          </a:prstGeom>
+          <a:noFill/>
+        </p:spPr>
+        <p:txBody>
+          <a:bodyPr wrap="none" rtlCol="0">
+            <a:spAutoFit/>
+          </a:bodyPr>
+          <a:lstStyle/>
+          <a:p>
+            <a:r>
+              <a:rPr lang="zh-CN" altLang="en-US" sz="2400" dirty="0"/>
+              <a:t>编程规范</a:t>
+            </a:r>
+            <a:endParaRPr kumimoji="1" lang="zh-CN" altLang="en-US" sz="2400" dirty="0">
+              <a:solidFill>
+                <a:srgbClr val="1C2C44"/>
+              </a:solidFill>
+              <a:latin typeface="+mj-ea"/>
+              <a:ea typeface="+mj-ea"/>
+            </a:endParaRPr>
+          </a:p>
+        </p:txBody>
+      </p:sp>
+      <p:pic>
+        <p:nvPicPr>
+          <p:cNvPr id="3" name="图片 2"/>
+          <p:cNvPicPr>
+            <a:picLocks noChangeAspect="1"/>
+          </p:cNvPicPr>
+          <p:nvPr/>
+        </p:nvPicPr>
+        <p:blipFill>
+          <a:blip r:embed="rId1">
+            <a:extLst>
+              <a:ext uri="{28A0092B-C50C-407E-A947-70E740481C1C}">
+                <a14:useLocalDpi xmlns:a14="http://schemas.microsoft.com/office/drawing/2010/main" val="0"/>
+              </a:ext>
+            </a:extLst>
+          </a:blip>
+          <a:stretch>
+            <a:fillRect/>
+          </a:stretch>
+        </p:blipFill>
+        <p:spPr>
+          <a:xfrm>
+            <a:off x="2891775" y="470184"/>
+            <a:ext cx="6677957" cy="5744377"/>
+          </a:xfrm>
+          <a:prstGeom prst="rect">
+            <a:avLst/>
+          </a:prstGeom>
+        </p:spPr>
+      </p:pic>
+      <p:grpSp>
+        <p:nvGrpSpPr>
+          <p:cNvPr id="16" name="组 15"/>
+          <p:cNvGrpSpPr/>
+          <p:nvPr/>
+        </p:nvGrpSpPr>
+        <p:grpSpPr>
+          <a:xfrm>
+            <a:off x="2" y="6212532"/>
+            <a:ext cx="12191998" cy="377411"/>
+            <a:chOff x="2" y="6212532"/>
+            <a:chExt cx="12191998" cy="377411"/>
+          </a:xfrm>
+        </p:grpSpPr>
+        <p:sp>
+          <p:nvSpPr>
+            <p:cNvPr id="17" name="文本框 16"/>
+            <p:cNvSpPr txBox="1"/>
+            <p:nvPr/>
+          </p:nvSpPr>
+          <p:spPr>
+            <a:xfrm>
+              <a:off x="10229856" y="6212532"/>
+              <a:ext cx="1348446" cy="377411"/>
+            </a:xfrm>
+            <a:prstGeom prst="rect">
+              <a:avLst/>
+            </a:prstGeom>
+            <a:noFill/>
+          </p:spPr>
+          <p:txBody>
+            <a:bodyPr wrap="none" rtlCol="0">
+              <a:spAutoFit/>
+            </a:bodyPr>
+            <a:lstStyle>
+              <a:defPPr>
+                <a:defRPr lang="zh-CN"/>
+              </a:defPPr>
+              <a:lvl1pPr algn="ctr">
+                <a:lnSpc>
+                  <a:spcPct val="150000"/>
+                </a:lnSpc>
+                <a:defRPr>
+                  <a:solidFill>
+                    <a:schemeClr val="accent1"/>
+                  </a:solidFill>
+                  <a:latin typeface="微软雅黑" panose="020B0503020204020204" pitchFamily="34" charset="-122"/>
+                  <a:ea typeface="微软雅黑" panose="020B0503020204020204" pitchFamily="34" charset="-122"/>
+                </a:defRPr>
+              </a:lvl1pPr>
+            </a:lstStyle>
+            <a:p>
+              <a:pPr algn="l"/>
+              <a:r>
+                <a:rPr lang="zh-CN" altLang="en-US" sz="1400" dirty="0" smtClean="0">
+                  <a:solidFill>
+                    <a:srgbClr val="C00000"/>
+                  </a:solidFill>
+                </a:rPr>
+                <a:t>诚信</a:t>
+              </a:r>
+              <a:r>
+                <a:rPr lang="en-US" altLang="zh-CN" sz="1400" dirty="0" smtClean="0">
+                  <a:solidFill>
+                    <a:srgbClr val="C00000"/>
+                  </a:solidFill>
+                </a:rPr>
+                <a:t>·</a:t>
+              </a:r>
+              <a:r>
+                <a:rPr lang="zh-CN" altLang="en-US" sz="1400" dirty="0" smtClean="0">
+                  <a:solidFill>
+                    <a:srgbClr val="C00000"/>
+                  </a:solidFill>
+                </a:rPr>
+                <a:t>坚毅</a:t>
+              </a:r>
+              <a:r>
+                <a:rPr lang="en-US" altLang="zh-CN" sz="1400" dirty="0" smtClean="0">
+                  <a:solidFill>
+                    <a:srgbClr val="C00000"/>
+                  </a:solidFill>
+                </a:rPr>
+                <a:t>·</a:t>
+              </a:r>
+              <a:r>
+                <a:rPr lang="zh-CN" altLang="en-US" sz="1400" dirty="0" smtClean="0">
+                  <a:solidFill>
+                    <a:srgbClr val="C00000"/>
+                  </a:solidFill>
+                </a:rPr>
+                <a:t>创新</a:t>
+              </a:r>
+              <a:endParaRPr lang="zh-CN" altLang="en-US" sz="1400" dirty="0">
+                <a:solidFill>
+                  <a:srgbClr val="C00000"/>
+                </a:solidFill>
+              </a:endParaRPr>
+            </a:p>
+          </p:txBody>
+        </p:sp>
+        <p:cxnSp>
+          <p:nvCxnSpPr>
+            <p:cNvPr id="18" name="直线连接符 17"/>
+            <p:cNvCxnSpPr/>
+            <p:nvPr/>
+          </p:nvCxnSpPr>
+          <p:spPr>
+            <a:xfrm flipH="1" flipV="1">
+              <a:off x="2" y="6428144"/>
+              <a:ext cx="10172698" cy="10036"/>
+            </a:xfrm>
+            <a:prstGeom prst="line">
+              <a:avLst/>
+            </a:prstGeom>
+            <a:ln w="190500">
+              <a:solidFill>
+                <a:srgbClr val="C61127"/>
+              </a:solidFill>
+            </a:ln>
+          </p:spPr>
+          <p:style>
+            <a:lnRef idx="1">
+              <a:schemeClr val="accent1"/>
+            </a:lnRef>
+            <a:fillRef idx="0">
+              <a:schemeClr val="accent1"/>
+            </a:fillRef>
+            <a:effectRef idx="0">
+              <a:schemeClr val="accent1"/>
+            </a:effectRef>
+            <a:fontRef idx="minor">
+              <a:schemeClr val="tx1"/>
+            </a:fontRef>
+          </p:style>
+        </p:cxnSp>
+        <p:cxnSp>
+          <p:nvCxnSpPr>
+            <p:cNvPr id="19" name="直线连接符 18"/>
+            <p:cNvCxnSpPr/>
+            <p:nvPr/>
+          </p:nvCxnSpPr>
+          <p:spPr>
+            <a:xfrm flipH="1">
+              <a:off x="11583152" y="6432650"/>
+              <a:ext cx="608848" cy="0"/>
+            </a:xfrm>
+            <a:prstGeom prst="line">
+              <a:avLst/>
+            </a:prstGeom>
+            <a:ln w="190500">
+              <a:solidFill>
+                <a:srgbClr val="C61127"/>
+              </a:solidFill>
+            </a:ln>
+          </p:spPr>
+          <p:style>
+            <a:lnRef idx="1">
+              <a:schemeClr val="accent1"/>
+            </a:lnRef>
+            <a:fillRef idx="0">
+              <a:schemeClr val="accent1"/>
+            </a:fillRef>
+            <a:effectRef idx="0">
+              <a:schemeClr val="accent1"/>
+            </a:effectRef>
+            <a:fontRef idx="minor">
+              <a:schemeClr val="tx1"/>
+            </a:fontRef>
+          </p:style>
+        </p:cxnSp>
+      </p:grpSp>
+      <p:sp>
+        <p:nvSpPr>
+          <p:cNvPr id="4" name="文本框 3"/>
+          <p:cNvSpPr txBox="1"/>
+          <p:nvPr/>
+        </p:nvSpPr>
+        <p:spPr>
+          <a:xfrm>
+            <a:off x="755015" y="1021715"/>
+            <a:ext cx="1671320" cy="306705"/>
+          </a:xfrm>
+          <a:prstGeom prst="rect">
+            <a:avLst/>
+          </a:prstGeom>
+          <a:noFill/>
+        </p:spPr>
+        <p:txBody>
+          <a:bodyPr wrap="square" rtlCol="0">
+            <a:spAutoFit/>
+          </a:bodyPr>
+          <a:p>
+            <a:r>
+              <a:rPr lang="zh-CN" altLang="en-US" sz="1400"/>
+              <a:t>并发篇</a:t>
+            </a:r>
+            <a:endParaRPr lang="zh-CN" altLang="en-US" sz="1400"/>
+          </a:p>
+        </p:txBody>
+      </p:sp>
+    </p:spTree>
+  </p:cSld>
+  <p:clrMapOvr>
+    <a:masterClrMapping/>
+  </p:clrMapOvr>
+  <p:transition spd="slow" advClick="0" advTm="4000">
+    <p:wipe/>
+  </p:transition>
+</p:sld>
+</file>
+
+<file path=ppt/slides/slide21.xml><?xml version="1.0" encoding="utf-8"?>
+<p:sld xmlns:a="http://schemas.openxmlformats.org/drawingml/2006/main" xmlns:r="http://schemas.openxmlformats.org/officeDocument/2006/relationships" xmlns:p="http://schemas.openxmlformats.org/presentationml/2006/main">
+  <p:cSld>
+    <p:spTree>
+      <p:nvGrpSpPr>
+        <p:cNvPr id="1" name=""/>
+        <p:cNvGrpSpPr/>
+        <p:nvPr/>
+      </p:nvGrpSpPr>
+      <p:grpSpPr>
+        <a:xfrm>
+          <a:off x="0" y="0"/>
+          <a:ext cx="0" cy="0"/>
+          <a:chOff x="0" y="0"/>
+          <a:chExt cx="0" cy="0"/>
+        </a:xfrm>
+      </p:grpSpPr>
+      <p:sp>
+        <p:nvSpPr>
+          <p:cNvPr id="2" name="文本框 1"/>
+          <p:cNvSpPr txBox="1"/>
+          <p:nvPr/>
+        </p:nvSpPr>
+        <p:spPr>
+          <a:xfrm>
+            <a:off x="755020" y="385774"/>
+            <a:ext cx="1415772" cy="461665"/>
+          </a:xfrm>
+          <a:prstGeom prst="rect">
+            <a:avLst/>
+          </a:prstGeom>
+          <a:noFill/>
+        </p:spPr>
+        <p:txBody>
+          <a:bodyPr wrap="none" rtlCol="0">
+            <a:spAutoFit/>
+          </a:bodyPr>
+          <a:lstStyle/>
+          <a:p>
+            <a:r>
+              <a:rPr lang="zh-CN" altLang="en-US" sz="2400" dirty="0"/>
               <a:t>异常</a:t>
             </a:r>
             <a:r>
@@ -5427,7 +12114,7 @@
 </p:sld>
 </file>
 
-<file path=ppt/slides/slide12.xml><?xml version="1.0" encoding="utf-8"?>
+<file path=ppt/slides/slide22.xml><?xml version="1.0" encoding="utf-8"?>
 <p:sld xmlns:a="http://schemas.openxmlformats.org/drawingml/2006/main" xmlns:r="http://schemas.openxmlformats.org/officeDocument/2006/relationships" xmlns:p="http://schemas.openxmlformats.org/presentationml/2006/main">
   <p:cSld>
     <p:spTree>
@@ -5982,7 +12669,7 @@
 </p:sld>
 </file>
 
-<file path=ppt/slides/slide13.xml><?xml version="1.0" encoding="utf-8"?>
+<file path=ppt/slides/slide23.xml><?xml version="1.0" encoding="utf-8"?>
 <p:sld xmlns:a="http://schemas.openxmlformats.org/drawingml/2006/main" xmlns:r="http://schemas.openxmlformats.org/officeDocument/2006/relationships" xmlns:p="http://schemas.openxmlformats.org/presentationml/2006/main">
   <p:cSld>
     <p:spTree>
@@ -6148,7 +12835,7 @@
 </p:sld>
 </file>
 
-<file path=ppt/slides/slide14.xml><?xml version="1.0" encoding="utf-8"?>
+<file path=ppt/slides/slide24.xml><?xml version="1.0" encoding="utf-8"?>
 <p:sld xmlns:a="http://schemas.openxmlformats.org/drawingml/2006/main" xmlns:r="http://schemas.openxmlformats.org/officeDocument/2006/relationships" xmlns:p="http://schemas.openxmlformats.org/presentationml/2006/main">
   <p:cSld>
     <p:spTree>
@@ -6313,7 +13000,7 @@
 </p:sld>
 </file>
 
-<file path=ppt/slides/slide15.xml><?xml version="1.0" encoding="utf-8"?>
+<file path=ppt/slides/slide25.xml><?xml version="1.0" encoding="utf-8"?>
 <p:sld xmlns:a="http://schemas.openxmlformats.org/drawingml/2006/main" xmlns:r="http://schemas.openxmlformats.org/officeDocument/2006/relationships" xmlns:p="http://schemas.openxmlformats.org/presentationml/2006/main">
   <p:cSld>
     <p:spTree>
@@ -6500,7 +13187,7 @@
 </p:sld>
 </file>
 
-<file path=ppt/slides/slide16.xml><?xml version="1.0" encoding="utf-8"?>
+<file path=ppt/slides/slide26.xml><?xml version="1.0" encoding="utf-8"?>
 <p:sld xmlns:a="http://schemas.openxmlformats.org/drawingml/2006/main" xmlns:r="http://schemas.openxmlformats.org/officeDocument/2006/relationships" xmlns:p="http://schemas.openxmlformats.org/presentationml/2006/main">
   <p:cSld>
     <p:spTree>
@@ -6686,7 +13373,7 @@
 </p:sld>
 </file>
 
-<file path=ppt/slides/slide17.xml><?xml version="1.0" encoding="utf-8"?>
+<file path=ppt/slides/slide27.xml><?xml version="1.0" encoding="utf-8"?>
 <p:sld xmlns:a="http://schemas.openxmlformats.org/drawingml/2006/main" xmlns:r="http://schemas.openxmlformats.org/officeDocument/2006/relationships" xmlns:p="http://schemas.openxmlformats.org/presentationml/2006/main">
   <p:cSld>
     <p:spTree>
@@ -6855,7 +13542,7 @@
 </p:sld>
 </file>
 
-<file path=ppt/slides/slide18.xml><?xml version="1.0" encoding="utf-8"?>
+<file path=ppt/slides/slide28.xml><?xml version="1.0" encoding="utf-8"?>
 <p:sld xmlns:a="http://schemas.openxmlformats.org/drawingml/2006/main" xmlns:r="http://schemas.openxmlformats.org/officeDocument/2006/relationships" xmlns:p="http://schemas.openxmlformats.org/presentationml/2006/main">
   <p:cSld>
     <p:spTree>
@@ -7654,1512 +14341,6 @@
           <a:noFill/>
         </p:spPr>
       </p:pic>
-    </p:spTree>
-  </p:cSld>
-  <p:clrMapOvr>
-    <a:masterClrMapping/>
-  </p:clrMapOvr>
-  <mc:AlternateContent xmlns:mc="http://schemas.openxmlformats.org/markup-compatibility/2006">
-    <mc:Choice xmlns:p14="http://schemas.microsoft.com/office/powerpoint/2010/main" Requires="p14">
-      <p:transition p14:dur="0" advClick="0" advTm="4000"/>
-    </mc:Choice>
-    <mc:Fallback>
-      <p:transition advClick="0" advTm="4000"/>
-    </mc:Fallback>
-  </mc:AlternateContent>
-  <p:timing>
-    <p:tnLst>
-      <p:par>
-        <p:cTn id="1" dur="indefinite" restart="never" nodeType="tmRoot"/>
-      </p:par>
-    </p:tnLst>
-  </p:timing>
-</p:sld>
-</file>
-
-<file path=ppt/slides/slide2.xml><?xml version="1.0" encoding="utf-8"?>
-<p:sld xmlns:a="http://schemas.openxmlformats.org/drawingml/2006/main" xmlns:r="http://schemas.openxmlformats.org/officeDocument/2006/relationships" xmlns:p="http://schemas.openxmlformats.org/presentationml/2006/main">
-  <p:cSld>
-    <p:spTree>
-      <p:nvGrpSpPr>
-        <p:cNvPr id="1" name=""/>
-        <p:cNvGrpSpPr/>
-        <p:nvPr/>
-      </p:nvGrpSpPr>
-      <p:grpSpPr>
-        <a:xfrm>
-          <a:off x="0" y="0"/>
-          <a:ext cx="0" cy="0"/>
-          <a:chOff x="0" y="0"/>
-          <a:chExt cx="0" cy="0"/>
-        </a:xfrm>
-      </p:grpSpPr>
-      <p:sp>
-        <p:nvSpPr>
-          <p:cNvPr id="10" name="自由: 形状 58"/>
-          <p:cNvSpPr/>
-          <p:nvPr/>
-        </p:nvSpPr>
-        <p:spPr bwMode="auto">
-          <a:xfrm>
-            <a:off x="0" y="5378624"/>
-            <a:ext cx="12192000" cy="1495763"/>
-          </a:xfrm>
-          <a:custGeom>
-            <a:avLst/>
-            <a:gdLst>
-              <a:gd name="connsiteX0" fmla="*/ 12192000 w 12192000"/>
-              <a:gd name="connsiteY0" fmla="*/ 0 h 1495763"/>
-              <a:gd name="connsiteX1" fmla="*/ 12192000 w 12192000"/>
-              <a:gd name="connsiteY1" fmla="*/ 1377707 h 1495763"/>
-              <a:gd name="connsiteX2" fmla="*/ 12192000 w 12192000"/>
-              <a:gd name="connsiteY2" fmla="*/ 1495763 h 1495763"/>
-              <a:gd name="connsiteX3" fmla="*/ 0 w 12192000"/>
-              <a:gd name="connsiteY3" fmla="*/ 1495763 h 1495763"/>
-              <a:gd name="connsiteX4" fmla="*/ 0 w 12192000"/>
-              <a:gd name="connsiteY4" fmla="*/ 1418386 h 1495763"/>
-              <a:gd name="connsiteX5" fmla="*/ 0 w 12192000"/>
-              <a:gd name="connsiteY5" fmla="*/ 147020 h 1495763"/>
-              <a:gd name="connsiteX6" fmla="*/ 5889320 w 12192000"/>
-              <a:gd name="connsiteY6" fmla="*/ 1061100 h 1495763"/>
-              <a:gd name="connsiteX7" fmla="*/ 12192000 w 12192000"/>
-              <a:gd name="connsiteY7" fmla="*/ 0 h 1495763"/>
-            </a:gdLst>
-            <a:ahLst/>
-            <a:cxnLst>
-              <a:cxn ang="0">
-                <a:pos x="connsiteX0" y="connsiteY0"/>
-              </a:cxn>
-              <a:cxn ang="0">
-                <a:pos x="connsiteX1" y="connsiteY1"/>
-              </a:cxn>
-              <a:cxn ang="0">
-                <a:pos x="connsiteX2" y="connsiteY2"/>
-              </a:cxn>
-              <a:cxn ang="0">
-                <a:pos x="connsiteX3" y="connsiteY3"/>
-              </a:cxn>
-              <a:cxn ang="0">
-                <a:pos x="connsiteX4" y="connsiteY4"/>
-              </a:cxn>
-              <a:cxn ang="0">
-                <a:pos x="connsiteX5" y="connsiteY5"/>
-              </a:cxn>
-              <a:cxn ang="0">
-                <a:pos x="connsiteX6" y="connsiteY6"/>
-              </a:cxn>
-              <a:cxn ang="0">
-                <a:pos x="connsiteX7" y="connsiteY7"/>
-              </a:cxn>
-            </a:cxnLst>
-            <a:rect l="l" t="t" r="r" b="b"/>
-            <a:pathLst>
-              <a:path w="12192000" h="1495763">
-                <a:moveTo>
-                  <a:pt x="12192000" y="0"/>
-                </a:moveTo>
-                <a:cubicBezTo>
-                  <a:pt x="12192000" y="0"/>
-                  <a:pt x="12192000" y="0"/>
-                  <a:pt x="12192000" y="1377707"/>
-                </a:cubicBezTo>
-                <a:lnTo>
-                  <a:pt x="12192000" y="1495763"/>
-                </a:lnTo>
-                <a:lnTo>
-                  <a:pt x="0" y="1495763"/>
-                </a:lnTo>
-                <a:lnTo>
-                  <a:pt x="0" y="1418386"/>
-                </a:lnTo>
-                <a:cubicBezTo>
-                  <a:pt x="0" y="1078954"/>
-                  <a:pt x="0" y="661190"/>
-                  <a:pt x="0" y="147020"/>
-                </a:cubicBezTo>
-                <a:cubicBezTo>
-                  <a:pt x="1794070" y="757472"/>
-                  <a:pt x="3758597" y="1061100"/>
-                  <a:pt x="5889320" y="1061100"/>
-                </a:cubicBezTo>
-                <a:cubicBezTo>
-                  <a:pt x="8186240" y="1061100"/>
-                  <a:pt x="10287133" y="706335"/>
-                  <a:pt x="12192000" y="0"/>
-                </a:cubicBezTo>
-                <a:close/>
-              </a:path>
-            </a:pathLst>
-          </a:custGeom>
-          <a:solidFill>
-            <a:srgbClr val="1C2C44"/>
-          </a:solidFill>
-          <a:ln>
-            <a:noFill/>
-          </a:ln>
-        </p:spPr>
-        <p:style>
-          <a:lnRef idx="2">
-            <a:schemeClr val="accent1">
-              <a:shade val="50000"/>
-            </a:schemeClr>
-          </a:lnRef>
-          <a:fillRef idx="1">
-            <a:schemeClr val="accent1"/>
-          </a:fillRef>
-          <a:effectRef idx="0">
-            <a:schemeClr val="accent1"/>
-          </a:effectRef>
-          <a:fontRef idx="minor">
-            <a:schemeClr val="lt1"/>
-          </a:fontRef>
-        </p:style>
-        <p:txBody>
-          <a:bodyPr wrap="square" rtlCol="0" anchor="ctr">
-            <a:noAutofit/>
-          </a:bodyPr>
-          <a:lstStyle/>
-          <a:p>
-            <a:pPr algn="ctr"/>
-            <a:endParaRPr lang="zh-CN" altLang="en-US">
-              <a:solidFill>
-                <a:srgbClr val="1C2C44"/>
-              </a:solidFill>
-            </a:endParaRPr>
-          </a:p>
-        </p:txBody>
-      </p:sp>
-      <p:sp>
-        <p:nvSpPr>
-          <p:cNvPr id="11" name="Freeform 27"/>
-          <p:cNvSpPr/>
-          <p:nvPr/>
-        </p:nvSpPr>
-        <p:spPr bwMode="auto">
-          <a:xfrm>
-            <a:off x="0" y="4558254"/>
-            <a:ext cx="12192000" cy="1780219"/>
-          </a:xfrm>
-          <a:custGeom>
-            <a:avLst/>
-            <a:gdLst/>
-            <a:ahLst/>
-            <a:cxnLst>
-              <a:cxn ang="0">
-                <a:pos x="2861" y="225"/>
-              </a:cxn>
-              <a:cxn ang="0">
-                <a:pos x="2861" y="0"/>
-              </a:cxn>
-              <a:cxn ang="0">
-                <a:pos x="1415" y="516"/>
-              </a:cxn>
-              <a:cxn ang="0">
-                <a:pos x="0" y="25"/>
-              </a:cxn>
-              <a:cxn ang="0">
-                <a:pos x="0" y="271"/>
-              </a:cxn>
-              <a:cxn ang="0">
-                <a:pos x="1382" y="557"/>
-              </a:cxn>
-              <a:cxn ang="0">
-                <a:pos x="2861" y="225"/>
-              </a:cxn>
-            </a:cxnLst>
-            <a:rect l="0" t="0" r="r" b="b"/>
-            <a:pathLst>
-              <a:path w="2861" h="557">
-                <a:moveTo>
-                  <a:pt x="2861" y="225"/>
-                </a:moveTo>
-                <a:cubicBezTo>
-                  <a:pt x="2861" y="0"/>
-                  <a:pt x="2861" y="0"/>
-                  <a:pt x="2861" y="0"/>
-                </a:cubicBezTo>
-                <a:cubicBezTo>
-                  <a:pt x="2436" y="344"/>
-                  <a:pt x="1954" y="516"/>
-                  <a:pt x="1415" y="516"/>
-                </a:cubicBezTo>
-                <a:cubicBezTo>
-                  <a:pt x="889" y="516"/>
-                  <a:pt x="417" y="352"/>
-                  <a:pt x="0" y="25"/>
-                </a:cubicBezTo>
-                <a:cubicBezTo>
-                  <a:pt x="0" y="271"/>
-                  <a:pt x="0" y="271"/>
-                  <a:pt x="0" y="271"/>
-                </a:cubicBezTo>
-                <a:cubicBezTo>
-                  <a:pt x="421" y="462"/>
-                  <a:pt x="882" y="557"/>
-                  <a:pt x="1382" y="557"/>
-                </a:cubicBezTo>
-                <a:cubicBezTo>
-                  <a:pt x="1921" y="557"/>
-                  <a:pt x="2414" y="446"/>
-                  <a:pt x="2861" y="225"/>
-                </a:cubicBezTo>
-                <a:close/>
-              </a:path>
-            </a:pathLst>
-          </a:custGeom>
-          <a:pattFill prst="pct70">
-            <a:fgClr>
-              <a:srgbClr val="C61027"/>
-            </a:fgClr>
-            <a:bgClr>
-              <a:srgbClr val="E76278"/>
-            </a:bgClr>
-          </a:pattFill>
-          <a:ln>
-            <a:noFill/>
-          </a:ln>
-        </p:spPr>
-        <p:style>
-          <a:lnRef idx="2">
-            <a:schemeClr val="accent1">
-              <a:shade val="50000"/>
-            </a:schemeClr>
-          </a:lnRef>
-          <a:fillRef idx="1">
-            <a:schemeClr val="accent1"/>
-          </a:fillRef>
-          <a:effectRef idx="0">
-            <a:schemeClr val="accent1"/>
-          </a:effectRef>
-          <a:fontRef idx="minor">
-            <a:schemeClr val="lt1"/>
-          </a:fontRef>
-        </p:style>
-        <p:txBody>
-          <a:bodyPr wrap="square" rtlCol="0" anchor="ctr">
-            <a:noAutofit/>
-          </a:bodyPr>
-          <a:lstStyle/>
-          <a:p>
-            <a:pPr algn="ctr"/>
-            <a:endParaRPr lang="zh-CN" altLang="en-US">
-              <a:solidFill>
-                <a:prstClr val="white"/>
-              </a:solidFill>
-            </a:endParaRPr>
-          </a:p>
-        </p:txBody>
-      </p:sp>
-      <p:sp>
-        <p:nvSpPr>
-          <p:cNvPr id="12" name="Freeform 28"/>
-          <p:cNvSpPr/>
-          <p:nvPr/>
-        </p:nvSpPr>
-        <p:spPr bwMode="auto">
-          <a:xfrm>
-            <a:off x="0" y="5250170"/>
-            <a:ext cx="12192000" cy="1188944"/>
-          </a:xfrm>
-          <a:custGeom>
-            <a:avLst/>
-            <a:gdLst/>
-            <a:ahLst/>
-            <a:cxnLst>
-              <a:cxn ang="0">
-                <a:pos x="2861" y="40"/>
-              </a:cxn>
-              <a:cxn ang="0">
-                <a:pos x="2861" y="0"/>
-              </a:cxn>
-              <a:cxn ang="0">
-                <a:pos x="1382" y="332"/>
-              </a:cxn>
-              <a:cxn ang="0">
-                <a:pos x="0" y="46"/>
-              </a:cxn>
-              <a:cxn ang="0">
-                <a:pos x="0" y="86"/>
-              </a:cxn>
-              <a:cxn ang="0">
-                <a:pos x="1382" y="372"/>
-              </a:cxn>
-              <a:cxn ang="0">
-                <a:pos x="2861" y="40"/>
-              </a:cxn>
-            </a:cxnLst>
-            <a:rect l="0" t="0" r="r" b="b"/>
-            <a:pathLst>
-              <a:path w="2861" h="372">
-                <a:moveTo>
-                  <a:pt x="2861" y="40"/>
-                </a:moveTo>
-                <a:cubicBezTo>
-                  <a:pt x="2861" y="0"/>
-                  <a:pt x="2861" y="0"/>
-                  <a:pt x="2861" y="0"/>
-                </a:cubicBezTo>
-                <a:cubicBezTo>
-                  <a:pt x="2414" y="221"/>
-                  <a:pt x="1921" y="332"/>
-                  <a:pt x="1382" y="332"/>
-                </a:cubicBezTo>
-                <a:cubicBezTo>
-                  <a:pt x="882" y="332"/>
-                  <a:pt x="421" y="237"/>
-                  <a:pt x="0" y="46"/>
-                </a:cubicBezTo>
-                <a:cubicBezTo>
-                  <a:pt x="0" y="86"/>
-                  <a:pt x="0" y="86"/>
-                  <a:pt x="0" y="86"/>
-                </a:cubicBezTo>
-                <a:cubicBezTo>
-                  <a:pt x="421" y="277"/>
-                  <a:pt x="882" y="372"/>
-                  <a:pt x="1382" y="372"/>
-                </a:cubicBezTo>
-                <a:cubicBezTo>
-                  <a:pt x="1921" y="372"/>
-                  <a:pt x="2414" y="261"/>
-                  <a:pt x="2861" y="40"/>
-                </a:cubicBezTo>
-                <a:close/>
-              </a:path>
-            </a:pathLst>
-          </a:custGeom>
-          <a:pattFill prst="pct75">
-            <a:fgClr>
-              <a:srgbClr val="FBF4D9"/>
-            </a:fgClr>
-            <a:bgClr>
-              <a:schemeClr val="bg1">
-                <a:lumMod val="95000"/>
-              </a:schemeClr>
-            </a:bgClr>
-          </a:pattFill>
-          <a:ln>
-            <a:noFill/>
-          </a:ln>
-        </p:spPr>
-        <p:style>
-          <a:lnRef idx="2">
-            <a:schemeClr val="accent1">
-              <a:shade val="50000"/>
-            </a:schemeClr>
-          </a:lnRef>
-          <a:fillRef idx="1">
-            <a:schemeClr val="accent1"/>
-          </a:fillRef>
-          <a:effectRef idx="0">
-            <a:schemeClr val="accent1"/>
-          </a:effectRef>
-          <a:fontRef idx="minor">
-            <a:schemeClr val="lt1"/>
-          </a:fontRef>
-        </p:style>
-        <p:txBody>
-          <a:bodyPr wrap="square" rtlCol="0" anchor="ctr">
-            <a:noAutofit/>
-          </a:bodyPr>
-          <a:lstStyle/>
-          <a:p>
-            <a:pPr algn="ctr"/>
-            <a:endParaRPr lang="zh-CN" altLang="en-US">
-              <a:solidFill>
-                <a:prstClr val="white"/>
-              </a:solidFill>
-            </a:endParaRPr>
-          </a:p>
-        </p:txBody>
-      </p:sp>
-      <p:sp>
-        <p:nvSpPr>
-          <p:cNvPr id="13" name="文本框 6"/>
-          <p:cNvSpPr txBox="1">
-            <a:spLocks noChangeArrowheads="1"/>
-          </p:cNvSpPr>
-          <p:nvPr/>
-        </p:nvSpPr>
-        <p:spPr bwMode="auto">
-          <a:xfrm>
-            <a:off x="838164" y="279477"/>
-            <a:ext cx="3404906" cy="646331"/>
-          </a:xfrm>
-          <a:prstGeom prst="rect">
-            <a:avLst/>
-          </a:prstGeom>
-          <a:noFill/>
-          <a:ln>
-            <a:noFill/>
-          </a:ln>
-          <a:extLst>
-            <a:ext uri="{909E8E84-426E-40DD-AFC4-6F175D3DCCD1}">
-              <a14:hiddenFill xmlns:a14="http://schemas.microsoft.com/office/drawing/2010/main">
-                <a:solidFill>
-                  <a:srgbClr val="FFFFFF"/>
-                </a:solidFill>
-              </a14:hiddenFill>
-            </a:ext>
-            <a:ext uri="{91240B29-F687-4F45-9708-019B960494DF}">
-              <a14:hiddenLine xmlns:a14="http://schemas.microsoft.com/office/drawing/2010/main" w="9525">
-                <a:solidFill>
-                  <a:srgbClr val="000000"/>
-                </a:solidFill>
-                <a:miter lim="800000"/>
-                <a:headEnd/>
-                <a:tailEnd/>
-              </a14:hiddenLine>
-            </a:ext>
-          </a:extLst>
-        </p:spPr>
-        <p:txBody>
-          <a:bodyPr wrap="none">
-            <a:spAutoFit/>
-          </a:bodyPr>
-          <a:lstStyle>
-            <a:lvl1pPr>
-              <a:defRPr sz="1300">
-                <a:solidFill>
-                  <a:schemeClr val="tx1"/>
-                </a:solidFill>
-                <a:latin typeface="Calibri Light" panose="020F0302020204030204" pitchFamily="34" charset="0"/>
-                <a:ea typeface="方正宋刻本秀楷简体" panose="02000000000000000000" pitchFamily="2" charset="-122"/>
-              </a:defRPr>
-            </a:lvl1pPr>
-            <a:lvl2pPr marL="742950" indent="-285750">
-              <a:defRPr sz="1300">
-                <a:solidFill>
-                  <a:schemeClr val="tx1"/>
-                </a:solidFill>
-                <a:latin typeface="Calibri Light" panose="020F0302020204030204" pitchFamily="34" charset="0"/>
-                <a:ea typeface="方正宋刻本秀楷简体" panose="02000000000000000000" pitchFamily="2" charset="-122"/>
-              </a:defRPr>
-            </a:lvl2pPr>
-            <a:lvl3pPr marL="1143000" indent="-228600">
-              <a:defRPr sz="1300">
-                <a:solidFill>
-                  <a:schemeClr val="tx1"/>
-                </a:solidFill>
-                <a:latin typeface="Calibri Light" panose="020F0302020204030204" pitchFamily="34" charset="0"/>
-                <a:ea typeface="方正宋刻本秀楷简体" panose="02000000000000000000" pitchFamily="2" charset="-122"/>
-              </a:defRPr>
-            </a:lvl3pPr>
-            <a:lvl4pPr marL="1600200" indent="-228600">
-              <a:defRPr sz="1300">
-                <a:solidFill>
-                  <a:schemeClr val="tx1"/>
-                </a:solidFill>
-                <a:latin typeface="Calibri Light" panose="020F0302020204030204" pitchFamily="34" charset="0"/>
-                <a:ea typeface="方正宋刻本秀楷简体" panose="02000000000000000000" pitchFamily="2" charset="-122"/>
-              </a:defRPr>
-            </a:lvl4pPr>
-            <a:lvl5pPr marL="2057400" indent="-228600">
-              <a:defRPr sz="1300">
-                <a:solidFill>
-                  <a:schemeClr val="tx1"/>
-                </a:solidFill>
-                <a:latin typeface="Calibri Light" panose="020F0302020204030204" pitchFamily="34" charset="0"/>
-                <a:ea typeface="方正宋刻本秀楷简体" panose="02000000000000000000" pitchFamily="2" charset="-122"/>
-              </a:defRPr>
-            </a:lvl5pPr>
-            <a:lvl6pPr marL="2514600" indent="-228600" defTabSz="685800" eaLnBrk="0" fontAlgn="base" hangingPunct="0">
-              <a:spcBef>
-                <a:spcPct val="0"/>
-              </a:spcBef>
-              <a:spcAft>
-                <a:spcPct val="0"/>
-              </a:spcAft>
-              <a:defRPr sz="1300">
-                <a:solidFill>
-                  <a:schemeClr val="tx1"/>
-                </a:solidFill>
-                <a:latin typeface="Calibri Light" panose="020F0302020204030204" pitchFamily="34" charset="0"/>
-                <a:ea typeface="方正宋刻本秀楷简体" panose="02000000000000000000" pitchFamily="2" charset="-122"/>
-              </a:defRPr>
-            </a:lvl6pPr>
-            <a:lvl7pPr marL="2971800" indent="-228600" defTabSz="685800" eaLnBrk="0" fontAlgn="base" hangingPunct="0">
-              <a:spcBef>
-                <a:spcPct val="0"/>
-              </a:spcBef>
-              <a:spcAft>
-                <a:spcPct val="0"/>
-              </a:spcAft>
-              <a:defRPr sz="1300">
-                <a:solidFill>
-                  <a:schemeClr val="tx1"/>
-                </a:solidFill>
-                <a:latin typeface="Calibri Light" panose="020F0302020204030204" pitchFamily="34" charset="0"/>
-                <a:ea typeface="方正宋刻本秀楷简体" panose="02000000000000000000" pitchFamily="2" charset="-122"/>
-              </a:defRPr>
-            </a:lvl7pPr>
-            <a:lvl8pPr marL="3429000" indent="-228600" defTabSz="685800" eaLnBrk="0" fontAlgn="base" hangingPunct="0">
-              <a:spcBef>
-                <a:spcPct val="0"/>
-              </a:spcBef>
-              <a:spcAft>
-                <a:spcPct val="0"/>
-              </a:spcAft>
-              <a:defRPr sz="1300">
-                <a:solidFill>
-                  <a:schemeClr val="tx1"/>
-                </a:solidFill>
-                <a:latin typeface="Calibri Light" panose="020F0302020204030204" pitchFamily="34" charset="0"/>
-                <a:ea typeface="方正宋刻本秀楷简体" panose="02000000000000000000" pitchFamily="2" charset="-122"/>
-              </a:defRPr>
-            </a:lvl8pPr>
-            <a:lvl9pPr marL="3886200" indent="-228600" defTabSz="685800" eaLnBrk="0" fontAlgn="base" hangingPunct="0">
-              <a:spcBef>
-                <a:spcPct val="0"/>
-              </a:spcBef>
-              <a:spcAft>
-                <a:spcPct val="0"/>
-              </a:spcAft>
-              <a:defRPr sz="1300">
-                <a:solidFill>
-                  <a:schemeClr val="tx1"/>
-                </a:solidFill>
-                <a:latin typeface="Calibri Light" panose="020F0302020204030204" pitchFamily="34" charset="0"/>
-                <a:ea typeface="方正宋刻本秀楷简体" panose="02000000000000000000" pitchFamily="2" charset="-122"/>
-              </a:defRPr>
-            </a:lvl9pPr>
-          </a:lstStyle>
-          <a:p>
-            <a:pPr fontAlgn="base">
-              <a:spcBef>
-                <a:spcPct val="0"/>
-              </a:spcBef>
-              <a:spcAft>
-                <a:spcPct val="0"/>
-              </a:spcAft>
-              <a:defRPr/>
-            </a:pPr>
-            <a:r>
-              <a:rPr lang="zh-CN" altLang="en-US" sz="3600" b="1" dirty="0" smtClean="0">
-                <a:solidFill>
-                  <a:schemeClr val="accent2"/>
-                </a:solidFill>
-                <a:latin typeface="+mj-ea"/>
-                <a:ea typeface="+mj-ea"/>
-              </a:rPr>
-              <a:t>目录 </a:t>
-            </a:r>
-            <a:r>
-              <a:rPr lang="en-US" altLang="zh-CN" sz="2800" dirty="0" smtClean="0">
-                <a:solidFill>
-                  <a:schemeClr val="bg1">
-                    <a:lumMod val="65000"/>
-                  </a:schemeClr>
-                </a:solidFill>
-                <a:latin typeface="+mj-ea"/>
-                <a:ea typeface="+mj-ea"/>
-              </a:rPr>
-              <a:t>|</a:t>
-            </a:r>
-            <a:r>
-              <a:rPr lang="zh-CN" altLang="en-US" sz="3600" dirty="0" smtClean="0">
-                <a:solidFill>
-                  <a:schemeClr val="bg1">
-                    <a:lumMod val="65000"/>
-                  </a:schemeClr>
-                </a:solidFill>
-                <a:latin typeface="+mj-ea"/>
-                <a:ea typeface="+mj-ea"/>
-              </a:rPr>
-              <a:t> </a:t>
-            </a:r>
-            <a:r>
-              <a:rPr lang="en-US" altLang="zh-CN" sz="2800" dirty="0" smtClean="0">
-                <a:solidFill>
-                  <a:schemeClr val="bg1">
-                    <a:lumMod val="65000"/>
-                  </a:schemeClr>
-                </a:solidFill>
-                <a:latin typeface="+mj-ea"/>
-                <a:ea typeface="+mj-ea"/>
-              </a:rPr>
-              <a:t>CONTENTS</a:t>
-            </a:r>
-            <a:endParaRPr lang="en-US" altLang="zh-CN" sz="2800" dirty="0">
-              <a:solidFill>
-                <a:schemeClr val="bg1">
-                  <a:lumMod val="65000"/>
-                </a:schemeClr>
-              </a:solidFill>
-              <a:latin typeface="+mj-ea"/>
-              <a:ea typeface="+mj-ea"/>
-            </a:endParaRPr>
-          </a:p>
-        </p:txBody>
-      </p:sp>
-      <p:sp>
-        <p:nvSpPr>
-          <p:cNvPr id="14" name="自由: 形状 3"/>
-          <p:cNvSpPr/>
-          <p:nvPr/>
-        </p:nvSpPr>
-        <p:spPr>
-          <a:xfrm>
-            <a:off x="1866557" y="2249827"/>
-            <a:ext cx="951907" cy="951908"/>
-          </a:xfrm>
-          <a:custGeom>
-            <a:avLst/>
-            <a:gdLst>
-              <a:gd name="connsiteX0" fmla="*/ 475953 w 951907"/>
-              <a:gd name="connsiteY0" fmla="*/ 0 h 951908"/>
-              <a:gd name="connsiteX1" fmla="*/ 951907 w 951907"/>
-              <a:gd name="connsiteY1" fmla="*/ 475954 h 951908"/>
-              <a:gd name="connsiteX2" fmla="*/ 475953 w 951907"/>
-              <a:gd name="connsiteY2" fmla="*/ 951908 h 951908"/>
-              <a:gd name="connsiteX3" fmla="*/ 0 w 951907"/>
-              <a:gd name="connsiteY3" fmla="*/ 475954 h 951908"/>
-              <a:gd name="connsiteX4" fmla="*/ 475953 w 951907"/>
-              <a:gd name="connsiteY4" fmla="*/ 0 h 951908"/>
-            </a:gdLst>
-            <a:ahLst/>
-            <a:cxnLst>
-              <a:cxn ang="0">
-                <a:pos x="connsiteX0" y="connsiteY0"/>
-              </a:cxn>
-              <a:cxn ang="0">
-                <a:pos x="connsiteX1" y="connsiteY1"/>
-              </a:cxn>
-              <a:cxn ang="0">
-                <a:pos x="connsiteX2" y="connsiteY2"/>
-              </a:cxn>
-              <a:cxn ang="0">
-                <a:pos x="connsiteX3" y="connsiteY3"/>
-              </a:cxn>
-              <a:cxn ang="0">
-                <a:pos x="connsiteX4" y="connsiteY4"/>
-              </a:cxn>
-            </a:cxnLst>
-            <a:rect l="l" t="t" r="r" b="b"/>
-            <a:pathLst>
-              <a:path w="951907" h="951908">
-                <a:moveTo>
-                  <a:pt x="475953" y="0"/>
-                </a:moveTo>
-                <a:lnTo>
-                  <a:pt x="951907" y="475954"/>
-                </a:lnTo>
-                <a:lnTo>
-                  <a:pt x="475953" y="951908"/>
-                </a:lnTo>
-                <a:lnTo>
-                  <a:pt x="0" y="475954"/>
-                </a:lnTo>
-                <a:lnTo>
-                  <a:pt x="475953" y="0"/>
-                </a:lnTo>
-                <a:close/>
-              </a:path>
-            </a:pathLst>
-          </a:custGeom>
-          <a:ln>
-            <a:noFill/>
-          </a:ln>
-        </p:spPr>
-        <p:style>
-          <a:lnRef idx="2">
-            <a:schemeClr val="accent1">
-              <a:shade val="50000"/>
-            </a:schemeClr>
-          </a:lnRef>
-          <a:fillRef idx="1">
-            <a:schemeClr val="accent1"/>
-          </a:fillRef>
-          <a:effectRef idx="0">
-            <a:schemeClr val="accent1"/>
-          </a:effectRef>
-          <a:fontRef idx="minor">
-            <a:schemeClr val="lt1"/>
-          </a:fontRef>
-        </p:style>
-        <p:txBody>
-          <a:bodyPr rtlCol="0" anchor="ctr"/>
-          <a:lstStyle/>
-          <a:p>
-            <a:pPr algn="ctr"/>
-            <a:r>
-              <a:rPr lang="en-US" altLang="zh-CN" sz="2400" dirty="0">
-                <a:latin typeface="华文细黑" panose="02010600040101010101" pitchFamily="2" charset="-122"/>
-                <a:ea typeface="华文细黑" panose="02010600040101010101" pitchFamily="2" charset="-122"/>
-              </a:rPr>
-              <a:t>01</a:t>
-            </a:r>
-            <a:endParaRPr lang="zh-CN" altLang="en-US" sz="2400" dirty="0">
-              <a:latin typeface="华文细黑" panose="02010600040101010101" pitchFamily="2" charset="-122"/>
-              <a:ea typeface="华文细黑" panose="02010600040101010101" pitchFamily="2" charset="-122"/>
-            </a:endParaRPr>
-          </a:p>
-        </p:txBody>
-      </p:sp>
-      <p:sp>
-        <p:nvSpPr>
-          <p:cNvPr id="15" name="文本框 14"/>
-          <p:cNvSpPr txBox="1"/>
-          <p:nvPr/>
-        </p:nvSpPr>
-        <p:spPr>
-          <a:xfrm>
-            <a:off x="5977868" y="3852845"/>
-            <a:ext cx="1464310" cy="506730"/>
-          </a:xfrm>
-          <a:prstGeom prst="rect">
-            <a:avLst/>
-          </a:prstGeom>
-          <a:noFill/>
-        </p:spPr>
-        <p:txBody>
-          <a:bodyPr wrap="none" rtlCol="0">
-            <a:spAutoFit/>
-          </a:bodyPr>
-          <a:lstStyle>
-            <a:defPPr>
-              <a:defRPr lang="zh-CN"/>
-            </a:defPPr>
-            <a:lvl1pPr algn="ctr">
-              <a:lnSpc>
-                <a:spcPct val="150000"/>
-              </a:lnSpc>
-              <a:defRPr>
-                <a:solidFill>
-                  <a:schemeClr val="accent1"/>
-                </a:solidFill>
-                <a:latin typeface="微软雅黑" panose="020B0503020204020204" pitchFamily="34" charset="-122"/>
-                <a:ea typeface="微软雅黑" panose="020B0503020204020204" pitchFamily="34" charset="-122"/>
-              </a:defRPr>
-            </a:lvl1pPr>
-          </a:lstStyle>
-          <a:p>
-            <a:pPr algn="l"/>
-            <a:r>
-              <a:rPr lang="en-US" altLang="zh-CN" dirty="0"/>
-              <a:t>IDE</a:t>
-            </a:r>
-            <a:r>
-              <a:rPr lang="zh-CN" altLang="en-US" dirty="0"/>
-              <a:t>插件安装</a:t>
-            </a:r>
-            <a:endParaRPr lang="zh-CN" altLang="en-US" dirty="0"/>
-          </a:p>
-        </p:txBody>
-      </p:sp>
-      <p:sp>
-        <p:nvSpPr>
-          <p:cNvPr id="16" name="文本框 15"/>
-          <p:cNvSpPr txBox="1"/>
-          <p:nvPr/>
-        </p:nvSpPr>
-        <p:spPr>
-          <a:xfrm>
-            <a:off x="2818464" y="3828384"/>
-            <a:ext cx="1107996" cy="507831"/>
-          </a:xfrm>
-          <a:prstGeom prst="rect">
-            <a:avLst/>
-          </a:prstGeom>
-          <a:noFill/>
-        </p:spPr>
-        <p:txBody>
-          <a:bodyPr wrap="none" rtlCol="0">
-            <a:spAutoFit/>
-          </a:bodyPr>
-          <a:lstStyle>
-            <a:defPPr>
-              <a:defRPr lang="zh-CN"/>
-            </a:defPPr>
-            <a:lvl1pPr algn="ctr">
-              <a:lnSpc>
-                <a:spcPct val="150000"/>
-              </a:lnSpc>
-              <a:defRPr>
-                <a:solidFill>
-                  <a:schemeClr val="accent1"/>
-                </a:solidFill>
-                <a:latin typeface="微软雅黑" panose="020B0503020204020204" pitchFamily="34" charset="-122"/>
-                <a:ea typeface="微软雅黑" panose="020B0503020204020204" pitchFamily="34" charset="-122"/>
-              </a:defRPr>
-            </a:lvl1pPr>
-          </a:lstStyle>
-          <a:p>
-            <a:pPr algn="l"/>
-            <a:r>
-              <a:rPr lang="zh-CN" altLang="en-US" dirty="0" smtClean="0"/>
-              <a:t>日志规范</a:t>
-            </a:r>
-            <a:endParaRPr lang="zh-CN" altLang="en-US" dirty="0"/>
-          </a:p>
-        </p:txBody>
-      </p:sp>
-      <p:sp>
-        <p:nvSpPr>
-          <p:cNvPr id="17" name="文本框 16"/>
-          <p:cNvSpPr txBox="1"/>
-          <p:nvPr/>
-        </p:nvSpPr>
-        <p:spPr>
-          <a:xfrm>
-            <a:off x="5931307" y="2471865"/>
-            <a:ext cx="1107996" cy="507831"/>
-          </a:xfrm>
-          <a:prstGeom prst="rect">
-            <a:avLst/>
-          </a:prstGeom>
-          <a:noFill/>
-        </p:spPr>
-        <p:txBody>
-          <a:bodyPr wrap="none" rtlCol="0">
-            <a:spAutoFit/>
-          </a:bodyPr>
-          <a:lstStyle>
-            <a:defPPr>
-              <a:defRPr lang="zh-CN"/>
-            </a:defPPr>
-            <a:lvl1pPr algn="ctr">
-              <a:lnSpc>
-                <a:spcPct val="150000"/>
-              </a:lnSpc>
-              <a:defRPr>
-                <a:solidFill>
-                  <a:schemeClr val="accent1"/>
-                </a:solidFill>
-                <a:latin typeface="微软雅黑" panose="020B0503020204020204" pitchFamily="34" charset="-122"/>
-                <a:ea typeface="微软雅黑" panose="020B0503020204020204" pitchFamily="34" charset="-122"/>
-              </a:defRPr>
-            </a:lvl1pPr>
-          </a:lstStyle>
-          <a:p>
-            <a:pPr algn="l"/>
-            <a:r>
-              <a:rPr lang="zh-CN" altLang="en-US" dirty="0" smtClean="0"/>
-              <a:t>编程规范</a:t>
-            </a:r>
-            <a:endParaRPr lang="zh-CN" altLang="en-US" dirty="0"/>
-          </a:p>
-        </p:txBody>
-      </p:sp>
-      <p:sp>
-        <p:nvSpPr>
-          <p:cNvPr id="18" name="文本框 17"/>
-          <p:cNvSpPr txBox="1"/>
-          <p:nvPr/>
-        </p:nvSpPr>
-        <p:spPr>
-          <a:xfrm>
-            <a:off x="2818464" y="2429518"/>
-            <a:ext cx="1107996" cy="507831"/>
-          </a:xfrm>
-          <a:prstGeom prst="rect">
-            <a:avLst/>
-          </a:prstGeom>
-          <a:noFill/>
-        </p:spPr>
-        <p:txBody>
-          <a:bodyPr wrap="none" rtlCol="0">
-            <a:spAutoFit/>
-          </a:bodyPr>
-          <a:lstStyle>
-            <a:defPPr>
-              <a:defRPr lang="zh-CN"/>
-            </a:defPPr>
-            <a:lvl1pPr algn="ctr">
-              <a:lnSpc>
-                <a:spcPct val="150000"/>
-              </a:lnSpc>
-              <a:defRPr sz="2400">
-                <a:solidFill>
-                  <a:schemeClr val="bg1"/>
-                </a:solidFill>
-                <a:latin typeface="微软雅黑" panose="020B0503020204020204" pitchFamily="34" charset="-122"/>
-                <a:ea typeface="微软雅黑" panose="020B0503020204020204" pitchFamily="34" charset="-122"/>
-              </a:defRPr>
-            </a:lvl1pPr>
-          </a:lstStyle>
-          <a:p>
-            <a:pPr algn="l"/>
-            <a:r>
-              <a:rPr lang="zh-CN" altLang="en-US" sz="1800" dirty="0" smtClean="0">
-                <a:solidFill>
-                  <a:schemeClr val="accent1"/>
-                </a:solidFill>
-              </a:rPr>
-              <a:t>学习目的</a:t>
-            </a:r>
-            <a:endParaRPr lang="zh-CN" altLang="en-US" sz="1800" dirty="0">
-              <a:solidFill>
-                <a:schemeClr val="accent1"/>
-              </a:solidFill>
-            </a:endParaRPr>
-          </a:p>
-        </p:txBody>
-      </p:sp>
-      <p:sp>
-        <p:nvSpPr>
-          <p:cNvPr id="19" name="自由: 形状 21"/>
-          <p:cNvSpPr/>
-          <p:nvPr/>
-        </p:nvSpPr>
-        <p:spPr>
-          <a:xfrm>
-            <a:off x="1866557" y="3606346"/>
-            <a:ext cx="951907" cy="951908"/>
-          </a:xfrm>
-          <a:custGeom>
-            <a:avLst/>
-            <a:gdLst>
-              <a:gd name="connsiteX0" fmla="*/ 475953 w 951907"/>
-              <a:gd name="connsiteY0" fmla="*/ 0 h 951908"/>
-              <a:gd name="connsiteX1" fmla="*/ 951907 w 951907"/>
-              <a:gd name="connsiteY1" fmla="*/ 475954 h 951908"/>
-              <a:gd name="connsiteX2" fmla="*/ 475953 w 951907"/>
-              <a:gd name="connsiteY2" fmla="*/ 951908 h 951908"/>
-              <a:gd name="connsiteX3" fmla="*/ 0 w 951907"/>
-              <a:gd name="connsiteY3" fmla="*/ 475954 h 951908"/>
-              <a:gd name="connsiteX4" fmla="*/ 475953 w 951907"/>
-              <a:gd name="connsiteY4" fmla="*/ 0 h 951908"/>
-            </a:gdLst>
-            <a:ahLst/>
-            <a:cxnLst>
-              <a:cxn ang="0">
-                <a:pos x="connsiteX0" y="connsiteY0"/>
-              </a:cxn>
-              <a:cxn ang="0">
-                <a:pos x="connsiteX1" y="connsiteY1"/>
-              </a:cxn>
-              <a:cxn ang="0">
-                <a:pos x="connsiteX2" y="connsiteY2"/>
-              </a:cxn>
-              <a:cxn ang="0">
-                <a:pos x="connsiteX3" y="connsiteY3"/>
-              </a:cxn>
-              <a:cxn ang="0">
-                <a:pos x="connsiteX4" y="connsiteY4"/>
-              </a:cxn>
-            </a:cxnLst>
-            <a:rect l="l" t="t" r="r" b="b"/>
-            <a:pathLst>
-              <a:path w="951907" h="951908">
-                <a:moveTo>
-                  <a:pt x="475953" y="0"/>
-                </a:moveTo>
-                <a:lnTo>
-                  <a:pt x="951907" y="475954"/>
-                </a:lnTo>
-                <a:lnTo>
-                  <a:pt x="475953" y="951908"/>
-                </a:lnTo>
-                <a:lnTo>
-                  <a:pt x="0" y="475954"/>
-                </a:lnTo>
-                <a:lnTo>
-                  <a:pt x="475953" y="0"/>
-                </a:lnTo>
-                <a:close/>
-              </a:path>
-            </a:pathLst>
-          </a:custGeom>
-          <a:solidFill>
-            <a:schemeClr val="accent2"/>
-          </a:solidFill>
-          <a:ln>
-            <a:noFill/>
-          </a:ln>
-        </p:spPr>
-        <p:style>
-          <a:lnRef idx="2">
-            <a:schemeClr val="accent1">
-              <a:shade val="50000"/>
-            </a:schemeClr>
-          </a:lnRef>
-          <a:fillRef idx="1">
-            <a:schemeClr val="accent1"/>
-          </a:fillRef>
-          <a:effectRef idx="0">
-            <a:schemeClr val="accent1"/>
-          </a:effectRef>
-          <a:fontRef idx="minor">
-            <a:schemeClr val="lt1"/>
-          </a:fontRef>
-        </p:style>
-        <p:txBody>
-          <a:bodyPr rtlCol="0" anchor="ctr"/>
-          <a:lstStyle/>
-          <a:p>
-            <a:pPr algn="ctr"/>
-            <a:r>
-              <a:rPr lang="en-US" altLang="zh-CN" sz="2400" dirty="0" smtClean="0">
-                <a:latin typeface="华文细黑" panose="02010600040101010101" pitchFamily="2" charset="-122"/>
-                <a:ea typeface="华文细黑" panose="02010600040101010101" pitchFamily="2" charset="-122"/>
-              </a:rPr>
-              <a:t>04</a:t>
-            </a:r>
-            <a:endParaRPr lang="zh-CN" altLang="en-US" sz="2400" dirty="0">
-              <a:latin typeface="华文细黑" panose="02010600040101010101" pitchFamily="2" charset="-122"/>
-              <a:ea typeface="华文细黑" panose="02010600040101010101" pitchFamily="2" charset="-122"/>
-            </a:endParaRPr>
-          </a:p>
-        </p:txBody>
-      </p:sp>
-      <p:sp>
-        <p:nvSpPr>
-          <p:cNvPr id="20" name="自由: 形状 22"/>
-          <p:cNvSpPr/>
-          <p:nvPr/>
-        </p:nvSpPr>
-        <p:spPr>
-          <a:xfrm>
-            <a:off x="4960777" y="2249827"/>
-            <a:ext cx="951907" cy="951908"/>
-          </a:xfrm>
-          <a:custGeom>
-            <a:avLst/>
-            <a:gdLst>
-              <a:gd name="connsiteX0" fmla="*/ 475953 w 951907"/>
-              <a:gd name="connsiteY0" fmla="*/ 0 h 951908"/>
-              <a:gd name="connsiteX1" fmla="*/ 951907 w 951907"/>
-              <a:gd name="connsiteY1" fmla="*/ 475954 h 951908"/>
-              <a:gd name="connsiteX2" fmla="*/ 475953 w 951907"/>
-              <a:gd name="connsiteY2" fmla="*/ 951908 h 951908"/>
-              <a:gd name="connsiteX3" fmla="*/ 0 w 951907"/>
-              <a:gd name="connsiteY3" fmla="*/ 475954 h 951908"/>
-              <a:gd name="connsiteX4" fmla="*/ 475953 w 951907"/>
-              <a:gd name="connsiteY4" fmla="*/ 0 h 951908"/>
-            </a:gdLst>
-            <a:ahLst/>
-            <a:cxnLst>
-              <a:cxn ang="0">
-                <a:pos x="connsiteX0" y="connsiteY0"/>
-              </a:cxn>
-              <a:cxn ang="0">
-                <a:pos x="connsiteX1" y="connsiteY1"/>
-              </a:cxn>
-              <a:cxn ang="0">
-                <a:pos x="connsiteX2" y="connsiteY2"/>
-              </a:cxn>
-              <a:cxn ang="0">
-                <a:pos x="connsiteX3" y="connsiteY3"/>
-              </a:cxn>
-              <a:cxn ang="0">
-                <a:pos x="connsiteX4" y="connsiteY4"/>
-              </a:cxn>
-            </a:cxnLst>
-            <a:rect l="l" t="t" r="r" b="b"/>
-            <a:pathLst>
-              <a:path w="951907" h="951908">
-                <a:moveTo>
-                  <a:pt x="475953" y="0"/>
-                </a:moveTo>
-                <a:lnTo>
-                  <a:pt x="951907" y="475954"/>
-                </a:lnTo>
-                <a:lnTo>
-                  <a:pt x="475953" y="951908"/>
-                </a:lnTo>
-                <a:lnTo>
-                  <a:pt x="0" y="475954"/>
-                </a:lnTo>
-                <a:lnTo>
-                  <a:pt x="475953" y="0"/>
-                </a:lnTo>
-                <a:close/>
-              </a:path>
-            </a:pathLst>
-          </a:custGeom>
-          <a:solidFill>
-            <a:schemeClr val="accent2"/>
-          </a:solidFill>
-          <a:ln>
-            <a:noFill/>
-          </a:ln>
-        </p:spPr>
-        <p:style>
-          <a:lnRef idx="2">
-            <a:schemeClr val="accent1">
-              <a:shade val="50000"/>
-            </a:schemeClr>
-          </a:lnRef>
-          <a:fillRef idx="1">
-            <a:schemeClr val="accent1"/>
-          </a:fillRef>
-          <a:effectRef idx="0">
-            <a:schemeClr val="accent1"/>
-          </a:effectRef>
-          <a:fontRef idx="minor">
-            <a:schemeClr val="lt1"/>
-          </a:fontRef>
-        </p:style>
-        <p:txBody>
-          <a:bodyPr rtlCol="0" anchor="ctr"/>
-          <a:lstStyle/>
-          <a:p>
-            <a:pPr algn="ctr"/>
-            <a:r>
-              <a:rPr lang="en-US" altLang="zh-CN" sz="2400" dirty="0">
-                <a:latin typeface="华文细黑" panose="02010600040101010101" pitchFamily="2" charset="-122"/>
-                <a:ea typeface="华文细黑" panose="02010600040101010101" pitchFamily="2" charset="-122"/>
-              </a:rPr>
-              <a:t>02</a:t>
-            </a:r>
-            <a:endParaRPr lang="zh-CN" altLang="en-US" sz="2400" dirty="0">
-              <a:latin typeface="华文细黑" panose="02010600040101010101" pitchFamily="2" charset="-122"/>
-              <a:ea typeface="华文细黑" panose="02010600040101010101" pitchFamily="2" charset="-122"/>
-            </a:endParaRPr>
-          </a:p>
-        </p:txBody>
-      </p:sp>
-      <p:sp>
-        <p:nvSpPr>
-          <p:cNvPr id="21" name="自由: 形状 23"/>
-          <p:cNvSpPr/>
-          <p:nvPr/>
-        </p:nvSpPr>
-        <p:spPr>
-          <a:xfrm>
-            <a:off x="4960777" y="3606346"/>
-            <a:ext cx="951907" cy="951908"/>
-          </a:xfrm>
-          <a:custGeom>
-            <a:avLst/>
-            <a:gdLst>
-              <a:gd name="connsiteX0" fmla="*/ 475953 w 951907"/>
-              <a:gd name="connsiteY0" fmla="*/ 0 h 951908"/>
-              <a:gd name="connsiteX1" fmla="*/ 951907 w 951907"/>
-              <a:gd name="connsiteY1" fmla="*/ 475954 h 951908"/>
-              <a:gd name="connsiteX2" fmla="*/ 475953 w 951907"/>
-              <a:gd name="connsiteY2" fmla="*/ 951908 h 951908"/>
-              <a:gd name="connsiteX3" fmla="*/ 0 w 951907"/>
-              <a:gd name="connsiteY3" fmla="*/ 475954 h 951908"/>
-              <a:gd name="connsiteX4" fmla="*/ 475953 w 951907"/>
-              <a:gd name="connsiteY4" fmla="*/ 0 h 951908"/>
-            </a:gdLst>
-            <a:ahLst/>
-            <a:cxnLst>
-              <a:cxn ang="0">
-                <a:pos x="connsiteX0" y="connsiteY0"/>
-              </a:cxn>
-              <a:cxn ang="0">
-                <a:pos x="connsiteX1" y="connsiteY1"/>
-              </a:cxn>
-              <a:cxn ang="0">
-                <a:pos x="connsiteX2" y="connsiteY2"/>
-              </a:cxn>
-              <a:cxn ang="0">
-                <a:pos x="connsiteX3" y="connsiteY3"/>
-              </a:cxn>
-              <a:cxn ang="0">
-                <a:pos x="connsiteX4" y="connsiteY4"/>
-              </a:cxn>
-            </a:cxnLst>
-            <a:rect l="l" t="t" r="r" b="b"/>
-            <a:pathLst>
-              <a:path w="951907" h="951908">
-                <a:moveTo>
-                  <a:pt x="475953" y="0"/>
-                </a:moveTo>
-                <a:lnTo>
-                  <a:pt x="951907" y="475954"/>
-                </a:lnTo>
-                <a:lnTo>
-                  <a:pt x="475953" y="951908"/>
-                </a:lnTo>
-                <a:lnTo>
-                  <a:pt x="0" y="475954"/>
-                </a:lnTo>
-                <a:lnTo>
-                  <a:pt x="475953" y="0"/>
-                </a:lnTo>
-                <a:close/>
-              </a:path>
-            </a:pathLst>
-          </a:custGeom>
-          <a:ln>
-            <a:noFill/>
-          </a:ln>
-        </p:spPr>
-        <p:style>
-          <a:lnRef idx="2">
-            <a:schemeClr val="accent1">
-              <a:shade val="50000"/>
-            </a:schemeClr>
-          </a:lnRef>
-          <a:fillRef idx="1">
-            <a:schemeClr val="accent1"/>
-          </a:fillRef>
-          <a:effectRef idx="0">
-            <a:schemeClr val="accent1"/>
-          </a:effectRef>
-          <a:fontRef idx="minor">
-            <a:schemeClr val="lt1"/>
-          </a:fontRef>
-        </p:style>
-        <p:txBody>
-          <a:bodyPr rtlCol="0" anchor="ctr"/>
-          <a:lstStyle/>
-          <a:p>
-            <a:pPr algn="ctr"/>
-            <a:r>
-              <a:rPr lang="en-US" altLang="zh-CN" sz="2400" dirty="0" smtClean="0">
-                <a:latin typeface="华文细黑" panose="02010600040101010101" pitchFamily="2" charset="-122"/>
-                <a:ea typeface="华文细黑" panose="02010600040101010101" pitchFamily="2" charset="-122"/>
-              </a:rPr>
-              <a:t>05</a:t>
-            </a:r>
-            <a:endParaRPr lang="zh-CN" altLang="en-US" sz="2400" dirty="0">
-              <a:latin typeface="华文细黑" panose="02010600040101010101" pitchFamily="2" charset="-122"/>
-              <a:ea typeface="华文细黑" panose="02010600040101010101" pitchFamily="2" charset="-122"/>
-            </a:endParaRPr>
-          </a:p>
-        </p:txBody>
-      </p:sp>
-      <p:sp>
-        <p:nvSpPr>
-          <p:cNvPr id="23" name="文本框 22"/>
-          <p:cNvSpPr txBox="1"/>
-          <p:nvPr/>
-        </p:nvSpPr>
-        <p:spPr>
-          <a:xfrm>
-            <a:off x="9881869" y="6139533"/>
-            <a:ext cx="1822935" cy="418191"/>
-          </a:xfrm>
-          <a:prstGeom prst="rect">
-            <a:avLst/>
-          </a:prstGeom>
-          <a:noFill/>
-        </p:spPr>
-        <p:txBody>
-          <a:bodyPr wrap="none" rtlCol="0">
-            <a:spAutoFit/>
-          </a:bodyPr>
-          <a:lstStyle>
-            <a:defPPr>
-              <a:defRPr lang="zh-CN"/>
-            </a:defPPr>
-            <a:lvl1pPr algn="ctr">
-              <a:lnSpc>
-                <a:spcPct val="150000"/>
-              </a:lnSpc>
-              <a:defRPr>
-                <a:solidFill>
-                  <a:schemeClr val="accent1"/>
-                </a:solidFill>
-                <a:latin typeface="微软雅黑" panose="020B0503020204020204" pitchFamily="34" charset="-122"/>
-                <a:ea typeface="微软雅黑" panose="020B0503020204020204" pitchFamily="34" charset="-122"/>
-              </a:defRPr>
-            </a:lvl1pPr>
-          </a:lstStyle>
-          <a:p>
-            <a:pPr algn="l"/>
-            <a:r>
-              <a:rPr lang="zh-CN" altLang="en-US" sz="1600" spc="300" dirty="0" smtClean="0">
-                <a:solidFill>
-                  <a:schemeClr val="bg1"/>
-                </a:solidFill>
-              </a:rPr>
-              <a:t>诚信</a:t>
-            </a:r>
-            <a:r>
-              <a:rPr lang="en-US" altLang="zh-CN" sz="1600" spc="300" dirty="0" smtClean="0">
-                <a:solidFill>
-                  <a:schemeClr val="bg1"/>
-                </a:solidFill>
-              </a:rPr>
-              <a:t>·</a:t>
-            </a:r>
-            <a:r>
-              <a:rPr lang="zh-CN" altLang="en-US" sz="1600" spc="300" dirty="0" smtClean="0">
-                <a:solidFill>
-                  <a:schemeClr val="bg1"/>
-                </a:solidFill>
-              </a:rPr>
-              <a:t>坚毅</a:t>
-            </a:r>
-            <a:r>
-              <a:rPr lang="en-US" altLang="zh-CN" sz="1600" spc="300" dirty="0" smtClean="0">
-                <a:solidFill>
-                  <a:schemeClr val="bg1"/>
-                </a:solidFill>
-              </a:rPr>
-              <a:t>·</a:t>
-            </a:r>
-            <a:r>
-              <a:rPr lang="zh-CN" altLang="en-US" sz="1600" spc="300" dirty="0" smtClean="0">
-                <a:solidFill>
-                  <a:schemeClr val="bg1"/>
-                </a:solidFill>
-              </a:rPr>
-              <a:t>创新</a:t>
-            </a:r>
-            <a:endParaRPr lang="zh-CN" altLang="en-US" sz="1600" spc="300" dirty="0">
-              <a:solidFill>
-                <a:schemeClr val="bg1"/>
-              </a:solidFill>
-            </a:endParaRPr>
-          </a:p>
-        </p:txBody>
-      </p:sp>
-      <p:sp>
-        <p:nvSpPr>
-          <p:cNvPr id="22" name="自由: 形状 3"/>
-          <p:cNvSpPr/>
-          <p:nvPr/>
-        </p:nvSpPr>
-        <p:spPr>
-          <a:xfrm>
-            <a:off x="8096884" y="2249827"/>
-            <a:ext cx="951907" cy="951908"/>
-          </a:xfrm>
-          <a:custGeom>
-            <a:avLst/>
-            <a:gdLst>
-              <a:gd name="connsiteX0" fmla="*/ 475953 w 951907"/>
-              <a:gd name="connsiteY0" fmla="*/ 0 h 951908"/>
-              <a:gd name="connsiteX1" fmla="*/ 951907 w 951907"/>
-              <a:gd name="connsiteY1" fmla="*/ 475954 h 951908"/>
-              <a:gd name="connsiteX2" fmla="*/ 475953 w 951907"/>
-              <a:gd name="connsiteY2" fmla="*/ 951908 h 951908"/>
-              <a:gd name="connsiteX3" fmla="*/ 0 w 951907"/>
-              <a:gd name="connsiteY3" fmla="*/ 475954 h 951908"/>
-              <a:gd name="connsiteX4" fmla="*/ 475953 w 951907"/>
-              <a:gd name="connsiteY4" fmla="*/ 0 h 951908"/>
-            </a:gdLst>
-            <a:ahLst/>
-            <a:cxnLst>
-              <a:cxn ang="0">
-                <a:pos x="connsiteX0" y="connsiteY0"/>
-              </a:cxn>
-              <a:cxn ang="0">
-                <a:pos x="connsiteX1" y="connsiteY1"/>
-              </a:cxn>
-              <a:cxn ang="0">
-                <a:pos x="connsiteX2" y="connsiteY2"/>
-              </a:cxn>
-              <a:cxn ang="0">
-                <a:pos x="connsiteX3" y="connsiteY3"/>
-              </a:cxn>
-              <a:cxn ang="0">
-                <a:pos x="connsiteX4" y="connsiteY4"/>
-              </a:cxn>
-            </a:cxnLst>
-            <a:rect l="l" t="t" r="r" b="b"/>
-            <a:pathLst>
-              <a:path w="951907" h="951908">
-                <a:moveTo>
-                  <a:pt x="475953" y="0"/>
-                </a:moveTo>
-                <a:lnTo>
-                  <a:pt x="951907" y="475954"/>
-                </a:lnTo>
-                <a:lnTo>
-                  <a:pt x="475953" y="951908"/>
-                </a:lnTo>
-                <a:lnTo>
-                  <a:pt x="0" y="475954"/>
-                </a:lnTo>
-                <a:lnTo>
-                  <a:pt x="475953" y="0"/>
-                </a:lnTo>
-                <a:close/>
-              </a:path>
-            </a:pathLst>
-          </a:custGeom>
-          <a:ln>
-            <a:noFill/>
-          </a:ln>
-        </p:spPr>
-        <p:style>
-          <a:lnRef idx="2">
-            <a:schemeClr val="accent1">
-              <a:shade val="50000"/>
-            </a:schemeClr>
-          </a:lnRef>
-          <a:fillRef idx="1">
-            <a:schemeClr val="accent1"/>
-          </a:fillRef>
-          <a:effectRef idx="0">
-            <a:schemeClr val="accent1"/>
-          </a:effectRef>
-          <a:fontRef idx="minor">
-            <a:schemeClr val="lt1"/>
-          </a:fontRef>
-        </p:style>
-        <p:txBody>
-          <a:bodyPr rtlCol="0" anchor="ctr"/>
-          <a:lstStyle/>
-          <a:p>
-            <a:pPr algn="ctr"/>
-            <a:r>
-              <a:rPr lang="en-US" altLang="zh-CN" sz="2400" dirty="0" smtClean="0">
-                <a:latin typeface="华文细黑" panose="02010600040101010101" pitchFamily="2" charset="-122"/>
-                <a:ea typeface="华文细黑" panose="02010600040101010101" pitchFamily="2" charset="-122"/>
-              </a:rPr>
-              <a:t>03</a:t>
-            </a:r>
-            <a:endParaRPr lang="zh-CN" altLang="en-US" sz="2400" dirty="0">
-              <a:latin typeface="华文细黑" panose="02010600040101010101" pitchFamily="2" charset="-122"/>
-              <a:ea typeface="华文细黑" panose="02010600040101010101" pitchFamily="2" charset="-122"/>
-            </a:endParaRPr>
-          </a:p>
-        </p:txBody>
-      </p:sp>
-      <p:sp>
-        <p:nvSpPr>
-          <p:cNvPr id="25" name="文本框 24"/>
-          <p:cNvSpPr txBox="1"/>
-          <p:nvPr/>
-        </p:nvSpPr>
-        <p:spPr>
-          <a:xfrm>
-            <a:off x="9048791" y="2429518"/>
-            <a:ext cx="1107996" cy="507831"/>
-          </a:xfrm>
-          <a:prstGeom prst="rect">
-            <a:avLst/>
-          </a:prstGeom>
-          <a:noFill/>
-        </p:spPr>
-        <p:txBody>
-          <a:bodyPr wrap="none" rtlCol="0">
-            <a:spAutoFit/>
-          </a:bodyPr>
-          <a:lstStyle>
-            <a:defPPr>
-              <a:defRPr lang="zh-CN"/>
-            </a:defPPr>
-            <a:lvl1pPr algn="ctr">
-              <a:lnSpc>
-                <a:spcPct val="150000"/>
-              </a:lnSpc>
-              <a:defRPr sz="2400">
-                <a:solidFill>
-                  <a:schemeClr val="bg1"/>
-                </a:solidFill>
-                <a:latin typeface="微软雅黑" panose="020B0503020204020204" pitchFamily="34" charset="-122"/>
-                <a:ea typeface="微软雅黑" panose="020B0503020204020204" pitchFamily="34" charset="-122"/>
-              </a:defRPr>
-            </a:lvl1pPr>
-          </a:lstStyle>
-          <a:p>
-            <a:pPr algn="l"/>
-            <a:r>
-              <a:rPr lang="zh-CN" altLang="en-US" sz="1800" dirty="0" smtClean="0">
-                <a:solidFill>
-                  <a:schemeClr val="accent1"/>
-                </a:solidFill>
-              </a:rPr>
-              <a:t>异常规范</a:t>
-            </a:r>
-            <a:endParaRPr lang="zh-CN" altLang="en-US" sz="1800" dirty="0">
-              <a:solidFill>
-                <a:schemeClr val="accent1"/>
-              </a:solidFill>
-            </a:endParaRPr>
-          </a:p>
-        </p:txBody>
-      </p:sp>
     </p:spTree>
   </p:cSld>
   <p:clrMapOvr>
@@ -13342,7 +18523,7 @@
         </p:blipFill>
         <p:spPr>
           <a:xfrm>
-            <a:off x="678018" y="1694238"/>
+            <a:off x="651983" y="1536123"/>
             <a:ext cx="6782747" cy="1438476"/>
           </a:xfrm>
           <a:prstGeom prst="rect">
@@ -13359,7 +18540,7 @@
         <p:spPr>
           <a:xfrm>
             <a:off x="755020" y="955249"/>
-            <a:ext cx="5900286" cy="369332"/>
+            <a:ext cx="5900286" cy="368300"/>
           </a:xfrm>
           <a:prstGeom prst="rect">
             <a:avLst/>
@@ -13374,7 +18555,7 @@
           <a:p>
             <a:r>
               <a:rPr lang="zh-CN" altLang="en-US" dirty="0" smtClean="0"/>
-              <a:t>下面只挑选一些强制要求的来说一下</a:t>
+              <a:t>基本规范篇</a:t>
             </a:r>
             <a:endParaRPr lang="zh-CN" altLang="en-US" dirty="0"/>
           </a:p>
@@ -13382,28 +18563,22 @@
       </p:sp>
       <p:pic>
         <p:nvPicPr>
-          <p:cNvPr id="26" name="图片 25"/>
+          <p:cNvPr id="4" name="图片 3"/>
           <p:cNvPicPr>
             <a:picLocks noChangeAspect="1"/>
           </p:cNvPicPr>
           <p:nvPr/>
         </p:nvPicPr>
         <p:blipFill>
-          <a:blip r:embed="rId2">
-            <a:extLst>
-              <a:ext uri="{28A0092B-C50C-407E-A947-70E740481C1C}">
-                <a14:useLocalDpi xmlns:a14="http://schemas.microsoft.com/office/drawing/2010/main" val="0"/>
-              </a:ext>
-            </a:extLst>
-          </a:blip>
+          <a:blip r:embed="rId2"/>
           <a:stretch>
             <a:fillRect/>
           </a:stretch>
         </p:blipFill>
         <p:spPr>
           <a:xfrm>
-            <a:off x="755020" y="3771240"/>
-            <a:ext cx="5772956" cy="876422"/>
+            <a:off x="2875915" y="3052445"/>
+            <a:ext cx="2428875" cy="981075"/>
           </a:xfrm>
           <a:prstGeom prst="rect">
             <a:avLst/>
@@ -13412,34 +18587,164 @@
       </p:pic>
       <p:pic>
         <p:nvPicPr>
-          <p:cNvPr id="27" name="图片 26"/>
+          <p:cNvPr id="6" name="图片 5"/>
           <p:cNvPicPr>
             <a:picLocks noChangeAspect="1"/>
           </p:cNvPicPr>
           <p:nvPr/>
         </p:nvPicPr>
         <p:blipFill>
-          <a:blip r:embed="rId3">
-            <a:extLst>
-              <a:ext uri="{28A0092B-C50C-407E-A947-70E740481C1C}">
-                <a14:useLocalDpi xmlns:a14="http://schemas.microsoft.com/office/drawing/2010/main" val="0"/>
-              </a:ext>
-            </a:extLst>
-          </a:blip>
+          <a:blip r:embed="rId3"/>
           <a:stretch>
             <a:fillRect/>
           </a:stretch>
         </p:blipFill>
         <p:spPr>
           <a:xfrm>
-            <a:off x="6760498" y="2953643"/>
-            <a:ext cx="4817804" cy="3222348"/>
+            <a:off x="6230620" y="3052445"/>
+            <a:ext cx="2319020" cy="911860"/>
           </a:xfrm>
           <a:prstGeom prst="rect">
             <a:avLst/>
           </a:prstGeom>
         </p:spPr>
       </p:pic>
+      <p:pic>
+        <p:nvPicPr>
+          <p:cNvPr id="7" name="图片 6"/>
+          <p:cNvPicPr>
+            <a:picLocks noChangeAspect="1"/>
+          </p:cNvPicPr>
+          <p:nvPr/>
+        </p:nvPicPr>
+        <p:blipFill>
+          <a:blip r:embed="rId4"/>
+          <a:stretch>
+            <a:fillRect/>
+          </a:stretch>
+        </p:blipFill>
+        <p:spPr>
+          <a:xfrm>
+            <a:off x="6230620" y="4246245"/>
+            <a:ext cx="5050155" cy="1456055"/>
+          </a:xfrm>
+          <a:prstGeom prst="rect">
+            <a:avLst/>
+          </a:prstGeom>
+        </p:spPr>
+      </p:pic>
+      <p:pic>
+        <p:nvPicPr>
+          <p:cNvPr id="8" name="图片 7"/>
+          <p:cNvPicPr>
+            <a:picLocks noChangeAspect="1"/>
+          </p:cNvPicPr>
+          <p:nvPr/>
+        </p:nvPicPr>
+        <p:blipFill>
+          <a:blip r:embed="rId5"/>
+          <a:stretch>
+            <a:fillRect/>
+          </a:stretch>
+        </p:blipFill>
+        <p:spPr>
+          <a:xfrm>
+            <a:off x="266700" y="4246245"/>
+            <a:ext cx="5038090" cy="1415415"/>
+          </a:xfrm>
+          <a:prstGeom prst="rect">
+            <a:avLst/>
+          </a:prstGeom>
+        </p:spPr>
+      </p:pic>
+      <p:cxnSp>
+        <p:nvCxnSpPr>
+          <p:cNvPr id="9" name="直接连接符 8"/>
+          <p:cNvCxnSpPr/>
+          <p:nvPr/>
+        </p:nvCxnSpPr>
+        <p:spPr>
+          <a:xfrm>
+            <a:off x="5782310" y="3106420"/>
+            <a:ext cx="0" cy="2685415"/>
+          </a:xfrm>
+          <a:prstGeom prst="line">
+            <a:avLst/>
+          </a:prstGeom>
+        </p:spPr>
+        <p:style>
+          <a:lnRef idx="3">
+            <a:schemeClr val="accent3"/>
+          </a:lnRef>
+          <a:fillRef idx="0">
+            <a:schemeClr val="accent3"/>
+          </a:fillRef>
+          <a:effectRef idx="2">
+            <a:schemeClr val="accent3"/>
+          </a:effectRef>
+          <a:fontRef idx="minor">
+            <a:schemeClr val="tx1"/>
+          </a:fontRef>
+        </p:style>
+      </p:cxnSp>
+      <p:sp>
+        <p:nvSpPr>
+          <p:cNvPr id="10" name="文本框 9"/>
+          <p:cNvSpPr txBox="1"/>
+          <p:nvPr/>
+        </p:nvSpPr>
+        <p:spPr>
+          <a:xfrm>
+            <a:off x="1055370" y="3282950"/>
+            <a:ext cx="756920" cy="368300"/>
+          </a:xfrm>
+          <a:prstGeom prst="rect">
+            <a:avLst/>
+          </a:prstGeom>
+          <a:noFill/>
+        </p:spPr>
+        <p:txBody>
+          <a:bodyPr wrap="square" rtlCol="0">
+            <a:spAutoFit/>
+          </a:bodyPr>
+          <a:p>
+            <a:r>
+              <a:rPr lang="zh-CN" altLang="en-US"/>
+              <a:t>反例</a:t>
+            </a:r>
+            <a:endParaRPr lang="zh-CN" altLang="en-US"/>
+          </a:p>
+        </p:txBody>
+      </p:sp>
+      <p:sp>
+        <p:nvSpPr>
+          <p:cNvPr id="11" name="文本框 10"/>
+          <p:cNvSpPr txBox="1"/>
+          <p:nvPr/>
+        </p:nvSpPr>
+        <p:spPr>
+          <a:xfrm>
+            <a:off x="9682480" y="3282950"/>
+            <a:ext cx="924560" cy="368300"/>
+          </a:xfrm>
+          <a:prstGeom prst="rect">
+            <a:avLst/>
+          </a:prstGeom>
+          <a:noFill/>
+        </p:spPr>
+        <p:txBody>
+          <a:bodyPr wrap="square" rtlCol="0">
+            <a:spAutoFit/>
+          </a:bodyPr>
+          <a:p>
+            <a:r>
+              <a:rPr lang="zh-CN" altLang="en-US"/>
+              <a:t>正例</a:t>
+            </a:r>
+            <a:endParaRPr lang="zh-CN" altLang="en-US"/>
+          </a:p>
+        </p:txBody>
+      </p:sp>
     </p:spTree>
   </p:cSld>
   <p:clrMapOvr>
@@ -13480,9 +18785,394 @@
           <a:chExt cx="0" cy="0"/>
         </a:xfrm>
       </p:grpSpPr>
+      <p:grpSp>
+        <p:nvGrpSpPr>
+          <p:cNvPr id="16" name="组 15"/>
+          <p:cNvGrpSpPr/>
+          <p:nvPr/>
+        </p:nvGrpSpPr>
+        <p:grpSpPr>
+          <a:xfrm>
+            <a:off x="2" y="6212532"/>
+            <a:ext cx="12191998" cy="377411"/>
+            <a:chOff x="2" y="6212532"/>
+            <a:chExt cx="12191998" cy="377411"/>
+          </a:xfrm>
+        </p:grpSpPr>
+        <p:sp>
+          <p:nvSpPr>
+            <p:cNvPr id="17" name="文本框 16"/>
+            <p:cNvSpPr txBox="1"/>
+            <p:nvPr/>
+          </p:nvSpPr>
+          <p:spPr>
+            <a:xfrm>
+              <a:off x="10229856" y="6212532"/>
+              <a:ext cx="1348446" cy="377411"/>
+            </a:xfrm>
+            <a:prstGeom prst="rect">
+              <a:avLst/>
+            </a:prstGeom>
+            <a:noFill/>
+          </p:spPr>
+          <p:txBody>
+            <a:bodyPr wrap="none" rtlCol="0">
+              <a:spAutoFit/>
+            </a:bodyPr>
+            <a:lstStyle>
+              <a:defPPr>
+                <a:defRPr lang="zh-CN"/>
+              </a:defPPr>
+              <a:lvl1pPr algn="ctr">
+                <a:lnSpc>
+                  <a:spcPct val="150000"/>
+                </a:lnSpc>
+                <a:defRPr>
+                  <a:solidFill>
+                    <a:schemeClr val="accent1"/>
+                  </a:solidFill>
+                  <a:latin typeface="微软雅黑" panose="020B0503020204020204" pitchFamily="34" charset="-122"/>
+                  <a:ea typeface="微软雅黑" panose="020B0503020204020204" pitchFamily="34" charset="-122"/>
+                </a:defRPr>
+              </a:lvl1pPr>
+            </a:lstStyle>
+            <a:p>
+              <a:pPr algn="l"/>
+              <a:r>
+                <a:rPr lang="zh-CN" altLang="en-US" sz="1400" dirty="0" smtClean="0">
+                  <a:solidFill>
+                    <a:srgbClr val="C00000"/>
+                  </a:solidFill>
+                </a:rPr>
+                <a:t>诚信</a:t>
+              </a:r>
+              <a:r>
+                <a:rPr lang="en-US" altLang="zh-CN" sz="1400" dirty="0" smtClean="0">
+                  <a:solidFill>
+                    <a:srgbClr val="C00000"/>
+                  </a:solidFill>
+                </a:rPr>
+                <a:t>·</a:t>
+              </a:r>
+              <a:r>
+                <a:rPr lang="zh-CN" altLang="en-US" sz="1400" dirty="0" smtClean="0">
+                  <a:solidFill>
+                    <a:srgbClr val="C00000"/>
+                  </a:solidFill>
+                </a:rPr>
+                <a:t>坚毅</a:t>
+              </a:r>
+              <a:r>
+                <a:rPr lang="en-US" altLang="zh-CN" sz="1400" dirty="0" smtClean="0">
+                  <a:solidFill>
+                    <a:srgbClr val="C00000"/>
+                  </a:solidFill>
+                </a:rPr>
+                <a:t>·</a:t>
+              </a:r>
+              <a:r>
+                <a:rPr lang="zh-CN" altLang="en-US" sz="1400" dirty="0" smtClean="0">
+                  <a:solidFill>
+                    <a:srgbClr val="C00000"/>
+                  </a:solidFill>
+                </a:rPr>
+                <a:t>创新</a:t>
+              </a:r>
+              <a:endParaRPr lang="zh-CN" altLang="en-US" sz="1400" dirty="0">
+                <a:solidFill>
+                  <a:srgbClr val="C00000"/>
+                </a:solidFill>
+              </a:endParaRPr>
+            </a:p>
+          </p:txBody>
+        </p:sp>
+        <p:cxnSp>
+          <p:nvCxnSpPr>
+            <p:cNvPr id="18" name="直线连接符 17"/>
+            <p:cNvCxnSpPr/>
+            <p:nvPr/>
+          </p:nvCxnSpPr>
+          <p:spPr>
+            <a:xfrm flipH="1" flipV="1">
+              <a:off x="2" y="6428144"/>
+              <a:ext cx="10172698" cy="10036"/>
+            </a:xfrm>
+            <a:prstGeom prst="line">
+              <a:avLst/>
+            </a:prstGeom>
+            <a:ln w="190500">
+              <a:solidFill>
+                <a:srgbClr val="C61127"/>
+              </a:solidFill>
+            </a:ln>
+          </p:spPr>
+          <p:style>
+            <a:lnRef idx="1">
+              <a:schemeClr val="accent1"/>
+            </a:lnRef>
+            <a:fillRef idx="0">
+              <a:schemeClr val="accent1"/>
+            </a:fillRef>
+            <a:effectRef idx="0">
+              <a:schemeClr val="accent1"/>
+            </a:effectRef>
+            <a:fontRef idx="minor">
+              <a:schemeClr val="tx1"/>
+            </a:fontRef>
+          </p:style>
+        </p:cxnSp>
+        <p:cxnSp>
+          <p:nvCxnSpPr>
+            <p:cNvPr id="19" name="直线连接符 18"/>
+            <p:cNvCxnSpPr/>
+            <p:nvPr/>
+          </p:nvCxnSpPr>
+          <p:spPr>
+            <a:xfrm flipH="1">
+              <a:off x="11583152" y="6432650"/>
+              <a:ext cx="608848" cy="0"/>
+            </a:xfrm>
+            <a:prstGeom prst="line">
+              <a:avLst/>
+            </a:prstGeom>
+            <a:ln w="190500">
+              <a:solidFill>
+                <a:srgbClr val="C61127"/>
+              </a:solidFill>
+            </a:ln>
+          </p:spPr>
+          <p:style>
+            <a:lnRef idx="1">
+              <a:schemeClr val="accent1"/>
+            </a:lnRef>
+            <a:fillRef idx="0">
+              <a:schemeClr val="accent1"/>
+            </a:fillRef>
+            <a:effectRef idx="0">
+              <a:schemeClr val="accent1"/>
+            </a:effectRef>
+            <a:fontRef idx="minor">
+              <a:schemeClr val="tx1"/>
+            </a:fontRef>
+          </p:style>
+        </p:cxnSp>
+      </p:grpSp>
       <p:sp>
         <p:nvSpPr>
-          <p:cNvPr id="2" name="文本框 1"/>
+          <p:cNvPr id="21" name="自由: 形状 32"/>
+          <p:cNvSpPr/>
+          <p:nvPr/>
+        </p:nvSpPr>
+        <p:spPr>
+          <a:xfrm rot="16200000">
+            <a:off x="98246" y="239098"/>
+            <a:ext cx="558527" cy="755019"/>
+          </a:xfrm>
+          <a:custGeom>
+            <a:avLst/>
+            <a:gdLst>
+              <a:gd name="connsiteX0" fmla="*/ 558527 w 558527"/>
+              <a:gd name="connsiteY0" fmla="*/ 0 h 755019"/>
+              <a:gd name="connsiteX1" fmla="*/ 558527 w 558527"/>
+              <a:gd name="connsiteY1" fmla="*/ 525460 h 755019"/>
+              <a:gd name="connsiteX2" fmla="*/ 279263 w 558527"/>
+              <a:gd name="connsiteY2" fmla="*/ 755019 h 755019"/>
+              <a:gd name="connsiteX3" fmla="*/ 0 w 558527"/>
+              <a:gd name="connsiteY3" fmla="*/ 525460 h 755019"/>
+              <a:gd name="connsiteX4" fmla="*/ 0 w 558527"/>
+              <a:gd name="connsiteY4" fmla="*/ 0 h 755019"/>
+            </a:gdLst>
+            <a:ahLst/>
+            <a:cxnLst>
+              <a:cxn ang="0">
+                <a:pos x="connsiteX0" y="connsiteY0"/>
+              </a:cxn>
+              <a:cxn ang="0">
+                <a:pos x="connsiteX1" y="connsiteY1"/>
+              </a:cxn>
+              <a:cxn ang="0">
+                <a:pos x="connsiteX2" y="connsiteY2"/>
+              </a:cxn>
+              <a:cxn ang="0">
+                <a:pos x="connsiteX3" y="connsiteY3"/>
+              </a:cxn>
+              <a:cxn ang="0">
+                <a:pos x="connsiteX4" y="connsiteY4"/>
+              </a:cxn>
+            </a:cxnLst>
+            <a:rect l="l" t="t" r="r" b="b"/>
+            <a:pathLst>
+              <a:path w="558527" h="755019">
+                <a:moveTo>
+                  <a:pt x="558527" y="0"/>
+                </a:moveTo>
+                <a:lnTo>
+                  <a:pt x="558527" y="525460"/>
+                </a:lnTo>
+                <a:lnTo>
+                  <a:pt x="279263" y="755019"/>
+                </a:lnTo>
+                <a:lnTo>
+                  <a:pt x="0" y="525460"/>
+                </a:lnTo>
+                <a:lnTo>
+                  <a:pt x="0" y="0"/>
+                </a:lnTo>
+                <a:close/>
+              </a:path>
+            </a:pathLst>
+          </a:custGeom>
+          <a:solidFill>
+            <a:srgbClr val="1C2C44"/>
+          </a:solidFill>
+          <a:ln>
+            <a:noFill/>
+          </a:ln>
+        </p:spPr>
+        <p:style>
+          <a:lnRef idx="2">
+            <a:schemeClr val="accent1">
+              <a:shade val="50000"/>
+            </a:schemeClr>
+          </a:lnRef>
+          <a:fillRef idx="1">
+            <a:schemeClr val="accent1"/>
+          </a:fillRef>
+          <a:effectRef idx="0">
+            <a:schemeClr val="accent1"/>
+          </a:effectRef>
+          <a:fontRef idx="minor">
+            <a:schemeClr val="lt1"/>
+          </a:fontRef>
+        </p:style>
+        <p:txBody>
+          <a:bodyPr wrap="square" rtlCol="0" anchor="ctr">
+            <a:noAutofit/>
+          </a:bodyPr>
+          <a:lstStyle/>
+          <a:p>
+            <a:pPr lvl="0" algn="ctr"/>
+            <a:endParaRPr lang="zh-CN" altLang="en-US" sz="3600">
+              <a:solidFill>
+                <a:prstClr val="white"/>
+              </a:solidFill>
+              <a:latin typeface="微软雅黑" panose="020B0503020204020204" pitchFamily="34" charset="-122"/>
+              <a:ea typeface="微软雅黑" panose="020B0503020204020204" pitchFamily="34" charset="-122"/>
+            </a:endParaRPr>
+          </a:p>
+        </p:txBody>
+      </p:sp>
+      <p:sp>
+        <p:nvSpPr>
+          <p:cNvPr id="22" name="自由: 形状 31"/>
+          <p:cNvSpPr/>
+          <p:nvPr/>
+        </p:nvSpPr>
+        <p:spPr>
+          <a:xfrm rot="16200000">
+            <a:off x="4766" y="332578"/>
+            <a:ext cx="558527" cy="568058"/>
+          </a:xfrm>
+          <a:custGeom>
+            <a:avLst/>
+            <a:gdLst>
+              <a:gd name="connsiteX0" fmla="*/ 558527 w 558527"/>
+              <a:gd name="connsiteY0" fmla="*/ 0 h 568058"/>
+              <a:gd name="connsiteX1" fmla="*/ 558527 w 558527"/>
+              <a:gd name="connsiteY1" fmla="*/ 338499 h 568058"/>
+              <a:gd name="connsiteX2" fmla="*/ 279263 w 558527"/>
+              <a:gd name="connsiteY2" fmla="*/ 568058 h 568058"/>
+              <a:gd name="connsiteX3" fmla="*/ 0 w 558527"/>
+              <a:gd name="connsiteY3" fmla="*/ 338499 h 568058"/>
+              <a:gd name="connsiteX4" fmla="*/ 0 w 558527"/>
+              <a:gd name="connsiteY4" fmla="*/ 0 h 568058"/>
+            </a:gdLst>
+            <a:ahLst/>
+            <a:cxnLst>
+              <a:cxn ang="0">
+                <a:pos x="connsiteX0" y="connsiteY0"/>
+              </a:cxn>
+              <a:cxn ang="0">
+                <a:pos x="connsiteX1" y="connsiteY1"/>
+              </a:cxn>
+              <a:cxn ang="0">
+                <a:pos x="connsiteX2" y="connsiteY2"/>
+              </a:cxn>
+              <a:cxn ang="0">
+                <a:pos x="connsiteX3" y="connsiteY3"/>
+              </a:cxn>
+              <a:cxn ang="0">
+                <a:pos x="connsiteX4" y="connsiteY4"/>
+              </a:cxn>
+            </a:cxnLst>
+            <a:rect l="l" t="t" r="r" b="b"/>
+            <a:pathLst>
+              <a:path w="558527" h="568058">
+                <a:moveTo>
+                  <a:pt x="558527" y="0"/>
+                </a:moveTo>
+                <a:lnTo>
+                  <a:pt x="558527" y="338499"/>
+                </a:lnTo>
+                <a:lnTo>
+                  <a:pt x="279263" y="568058"/>
+                </a:lnTo>
+                <a:lnTo>
+                  <a:pt x="0" y="338499"/>
+                </a:lnTo>
+                <a:lnTo>
+                  <a:pt x="0" y="0"/>
+                </a:lnTo>
+                <a:close/>
+              </a:path>
+            </a:pathLst>
+          </a:custGeom>
+          <a:pattFill prst="pct70">
+            <a:fgClr>
+              <a:srgbClr val="C61027"/>
+            </a:fgClr>
+            <a:bgClr>
+              <a:srgbClr val="E76278"/>
+            </a:bgClr>
+          </a:pattFill>
+          <a:ln>
+            <a:noFill/>
+          </a:ln>
+        </p:spPr>
+        <p:style>
+          <a:lnRef idx="2">
+            <a:schemeClr val="accent1">
+              <a:shade val="50000"/>
+            </a:schemeClr>
+          </a:lnRef>
+          <a:fillRef idx="1">
+            <a:schemeClr val="accent1"/>
+          </a:fillRef>
+          <a:effectRef idx="0">
+            <a:schemeClr val="accent1"/>
+          </a:effectRef>
+          <a:fontRef idx="minor">
+            <a:schemeClr val="lt1"/>
+          </a:fontRef>
+        </p:style>
+        <p:txBody>
+          <a:bodyPr wrap="square" rtlCol="0" anchor="ctr">
+            <a:noAutofit/>
+          </a:bodyPr>
+          <a:lstStyle/>
+          <a:p>
+            <a:pPr lvl="0" algn="ctr"/>
+            <a:endParaRPr lang="zh-CN" altLang="en-US">
+              <a:solidFill>
+                <a:prstClr val="white"/>
+              </a:solidFill>
+            </a:endParaRPr>
+          </a:p>
+        </p:txBody>
+      </p:sp>
+      <p:sp>
+        <p:nvSpPr>
+          <p:cNvPr id="25" name="文本框 24"/>
           <p:cNvSpPr txBox="1"/>
           <p:nvPr/>
         </p:nvSpPr>
@@ -13518,7 +19208,7 @@
       </p:sp>
       <p:pic>
         <p:nvPicPr>
-          <p:cNvPr id="3" name="图片 2"/>
+          <p:cNvPr id="26" name="图片 25"/>
           <p:cNvPicPr>
             <a:picLocks noChangeAspect="1"/>
           </p:cNvPicPr>
@@ -13538,8 +19228,8 @@
         </p:blipFill>
         <p:spPr>
           <a:xfrm>
-            <a:off x="495138" y="4609207"/>
-            <a:ext cx="7535327" cy="1390844"/>
+            <a:off x="755020" y="1297280"/>
+            <a:ext cx="5772956" cy="876422"/>
           </a:xfrm>
           <a:prstGeom prst="rect">
             <a:avLst/>
@@ -13548,7 +19238,7 @@
       </p:pic>
       <p:pic>
         <p:nvPicPr>
-          <p:cNvPr id="4" name="图片 3"/>
+          <p:cNvPr id="27" name="图片 26"/>
           <p:cNvPicPr>
             <a:picLocks noChangeAspect="1"/>
           </p:cNvPicPr>
@@ -13568,8 +19258,8 @@
         </p:blipFill>
         <p:spPr>
           <a:xfrm>
-            <a:off x="495138" y="1049948"/>
-            <a:ext cx="6468378" cy="1467055"/>
+            <a:off x="568325" y="2668905"/>
+            <a:ext cx="4422140" cy="2957830"/>
           </a:xfrm>
           <a:prstGeom prst="rect">
             <a:avLst/>
@@ -13578,66 +19268,136 @@
       </p:pic>
       <p:pic>
         <p:nvPicPr>
-          <p:cNvPr id="5" name="图片 4"/>
+          <p:cNvPr id="3" name="图片 2"/>
           <p:cNvPicPr>
             <a:picLocks noChangeAspect="1"/>
           </p:cNvPicPr>
           <p:nvPr/>
         </p:nvPicPr>
         <p:blipFill>
-          <a:blip r:embed="rId3">
-            <a:extLst>
-              <a:ext uri="{28A0092B-C50C-407E-A947-70E740481C1C}">
-                <a14:useLocalDpi xmlns:a14="http://schemas.microsoft.com/office/drawing/2010/main" val="0"/>
-              </a:ext>
-            </a:extLst>
-          </a:blip>
+          <a:blip r:embed="rId3"/>
           <a:stretch>
             <a:fillRect/>
           </a:stretch>
         </p:blipFill>
         <p:spPr>
           <a:xfrm>
-            <a:off x="703819" y="3122397"/>
-            <a:ext cx="4772691" cy="819264"/>
+            <a:off x="6873240" y="2668905"/>
+            <a:ext cx="4916805" cy="2958465"/>
           </a:xfrm>
           <a:prstGeom prst="rect">
             <a:avLst/>
           </a:prstGeom>
         </p:spPr>
       </p:pic>
-      <p:pic>
-        <p:nvPicPr>
-          <p:cNvPr id="9" name="图片 8"/>
-          <p:cNvPicPr>
-            <a:picLocks noChangeAspect="1"/>
-          </p:cNvPicPr>
+      <p:cxnSp>
+        <p:nvCxnSpPr>
+          <p:cNvPr id="4" name="直接连接符 3"/>
+          <p:cNvCxnSpPr/>
           <p:nvPr/>
-        </p:nvPicPr>
-        <p:blipFill>
-          <a:blip r:embed="rId4"/>
-          <a:stretch>
-            <a:fillRect/>
-          </a:stretch>
-        </p:blipFill>
+        </p:nvCxnSpPr>
         <p:spPr>
           <a:xfrm>
-            <a:off x="7192010" y="1452880"/>
-            <a:ext cx="4391025" cy="2667000"/>
+            <a:off x="5887720" y="2492375"/>
+            <a:ext cx="8890" cy="3134360"/>
+          </a:xfrm>
+          <a:prstGeom prst="line">
+            <a:avLst/>
+          </a:prstGeom>
+        </p:spPr>
+        <p:style>
+          <a:lnRef idx="3">
+            <a:schemeClr val="accent3"/>
+          </a:lnRef>
+          <a:fillRef idx="0">
+            <a:schemeClr val="accent3"/>
+          </a:fillRef>
+          <a:effectRef idx="2">
+            <a:schemeClr val="accent3"/>
+          </a:effectRef>
+          <a:fontRef idx="minor">
+            <a:schemeClr val="tx1"/>
+          </a:fontRef>
+        </p:style>
+      </p:cxnSp>
+      <p:sp>
+        <p:nvSpPr>
+          <p:cNvPr id="5" name="文本框 4"/>
+          <p:cNvSpPr txBox="1"/>
+          <p:nvPr/>
+        </p:nvSpPr>
+        <p:spPr>
+          <a:xfrm>
+            <a:off x="2171065" y="2300605"/>
+            <a:ext cx="993775" cy="368300"/>
           </a:xfrm>
           <a:prstGeom prst="rect">
             <a:avLst/>
           </a:prstGeom>
-        </p:spPr>
-      </p:pic>
+          <a:noFill/>
+        </p:spPr>
+        <p:txBody>
+          <a:bodyPr wrap="square" rtlCol="0">
+            <a:spAutoFit/>
+          </a:bodyPr>
+          <a:p>
+            <a:r>
+              <a:rPr lang="zh-CN" altLang="en-US"/>
+              <a:t>常量类</a:t>
+            </a:r>
+            <a:endParaRPr lang="zh-CN" altLang="en-US"/>
+          </a:p>
+        </p:txBody>
+      </p:sp>
+      <p:sp>
+        <p:nvSpPr>
+          <p:cNvPr id="6" name="文本框 5"/>
+          <p:cNvSpPr txBox="1"/>
+          <p:nvPr/>
+        </p:nvSpPr>
+        <p:spPr>
+          <a:xfrm>
+            <a:off x="8825865" y="2300605"/>
+            <a:ext cx="1346835" cy="368300"/>
+          </a:xfrm>
+          <a:prstGeom prst="rect">
+            <a:avLst/>
+          </a:prstGeom>
+          <a:noFill/>
+        </p:spPr>
+        <p:txBody>
+          <a:bodyPr wrap="square" rtlCol="0">
+            <a:spAutoFit/>
+          </a:bodyPr>
+          <a:p>
+            <a:r>
+              <a:rPr lang="zh-CN" altLang="en-US"/>
+              <a:t>枚举类</a:t>
+            </a:r>
+            <a:endParaRPr lang="zh-CN" altLang="en-US"/>
+          </a:p>
+        </p:txBody>
+      </p:sp>
     </p:spTree>
   </p:cSld>
   <p:clrMapOvr>
     <a:masterClrMapping/>
   </p:clrMapOvr>
-  <p:transition spd="slow" advClick="0" advTm="4000">
-    <p:wipe/>
-  </p:transition>
+  <mc:AlternateContent xmlns:mc="http://schemas.openxmlformats.org/markup-compatibility/2006">
+    <mc:Choice xmlns:p14="http://schemas.microsoft.com/office/powerpoint/2010/main" Requires="p14">
+      <p:transition p14:dur="0" advClick="0" advTm="4000"/>
+    </mc:Choice>
+    <mc:Fallback>
+      <p:transition advClick="0" advTm="4000"/>
+    </mc:Fallback>
+  </mc:AlternateContent>
+  <p:timing>
+    <p:tnLst>
+      <p:par>
+        <p:cTn id="1" dur="indefinite" restart="never" nodeType="tmRoot"/>
+      </p:par>
+    </p:tnLst>
+  </p:timing>
 </p:sld>
 </file>
 
@@ -13696,7 +19456,7 @@
       </p:sp>
       <p:pic>
         <p:nvPicPr>
-          <p:cNvPr id="6" name="图片 5"/>
+          <p:cNvPr id="3" name="图片 2"/>
           <p:cNvPicPr>
             <a:picLocks noChangeAspect="1"/>
           </p:cNvPicPr>
@@ -13716,8 +19476,8 @@
         </p:blipFill>
         <p:spPr>
           <a:xfrm>
-            <a:off x="435177" y="1077853"/>
-            <a:ext cx="6906589" cy="1286054"/>
+            <a:off x="495138" y="4609207"/>
+            <a:ext cx="7535327" cy="1390844"/>
           </a:xfrm>
           <a:prstGeom prst="rect">
             <a:avLst/>
@@ -13726,22 +19486,28 @@
       </p:pic>
       <p:pic>
         <p:nvPicPr>
-          <p:cNvPr id="7" name="图片 6"/>
+          <p:cNvPr id="4" name="图片 3"/>
           <p:cNvPicPr>
             <a:picLocks noChangeAspect="1"/>
           </p:cNvPicPr>
           <p:nvPr/>
         </p:nvPicPr>
         <p:blipFill>
-          <a:blip r:embed="rId2"/>
+          <a:blip r:embed="rId2">
+            <a:extLst>
+              <a:ext uri="{28A0092B-C50C-407E-A947-70E740481C1C}">
+                <a14:useLocalDpi xmlns:a14="http://schemas.microsoft.com/office/drawing/2010/main" val="0"/>
+              </a:ext>
+            </a:extLst>
+          </a:blip>
           <a:stretch>
             <a:fillRect/>
           </a:stretch>
         </p:blipFill>
         <p:spPr>
           <a:xfrm>
-            <a:off x="434975" y="2576195"/>
-            <a:ext cx="7191375" cy="1809750"/>
+            <a:off x="495138" y="1049948"/>
+            <a:ext cx="6468378" cy="1467055"/>
           </a:xfrm>
           <a:prstGeom prst="rect">
             <a:avLst/>
@@ -13750,28 +19516,230 @@
       </p:pic>
       <p:pic>
         <p:nvPicPr>
-          <p:cNvPr id="8" name="图片 7"/>
+          <p:cNvPr id="5" name="图片 4"/>
           <p:cNvPicPr>
             <a:picLocks noChangeAspect="1"/>
           </p:cNvPicPr>
           <p:nvPr/>
         </p:nvPicPr>
         <p:blipFill>
-          <a:blip r:embed="rId3"/>
+          <a:blip r:embed="rId3">
+            <a:extLst>
+              <a:ext uri="{28A0092B-C50C-407E-A947-70E740481C1C}">
+                <a14:useLocalDpi xmlns:a14="http://schemas.microsoft.com/office/drawing/2010/main" val="0"/>
+              </a:ext>
+            </a:extLst>
+          </a:blip>
           <a:stretch>
             <a:fillRect/>
           </a:stretch>
         </p:blipFill>
         <p:spPr>
           <a:xfrm>
-            <a:off x="669290" y="4549140"/>
-            <a:ext cx="4371975" cy="1419225"/>
+            <a:off x="703819" y="3122397"/>
+            <a:ext cx="4772691" cy="819264"/>
           </a:xfrm>
           <a:prstGeom prst="rect">
             <a:avLst/>
           </a:prstGeom>
         </p:spPr>
       </p:pic>
+      <p:pic>
+        <p:nvPicPr>
+          <p:cNvPr id="9" name="图片 8"/>
+          <p:cNvPicPr>
+            <a:picLocks noChangeAspect="1"/>
+          </p:cNvPicPr>
+          <p:nvPr/>
+        </p:nvPicPr>
+        <p:blipFill>
+          <a:blip r:embed="rId4"/>
+          <a:stretch>
+            <a:fillRect/>
+          </a:stretch>
+        </p:blipFill>
+        <p:spPr>
+          <a:xfrm>
+            <a:off x="7192010" y="1452880"/>
+            <a:ext cx="4391025" cy="2667000"/>
+          </a:xfrm>
+          <a:prstGeom prst="rect">
+            <a:avLst/>
+          </a:prstGeom>
+        </p:spPr>
+      </p:pic>
+      <p:grpSp>
+        <p:nvGrpSpPr>
+          <p:cNvPr id="16" name="组 15"/>
+          <p:cNvGrpSpPr/>
+          <p:nvPr/>
+        </p:nvGrpSpPr>
+        <p:grpSpPr>
+          <a:xfrm>
+            <a:off x="2" y="6212532"/>
+            <a:ext cx="12191998" cy="377411"/>
+            <a:chOff x="2" y="6212532"/>
+            <a:chExt cx="12191998" cy="377411"/>
+          </a:xfrm>
+        </p:grpSpPr>
+        <p:sp>
+          <p:nvSpPr>
+            <p:cNvPr id="17" name="文本框 16"/>
+            <p:cNvSpPr txBox="1"/>
+            <p:nvPr/>
+          </p:nvSpPr>
+          <p:spPr>
+            <a:xfrm>
+              <a:off x="10229856" y="6212532"/>
+              <a:ext cx="1348446" cy="377411"/>
+            </a:xfrm>
+            <a:prstGeom prst="rect">
+              <a:avLst/>
+            </a:prstGeom>
+            <a:noFill/>
+          </p:spPr>
+          <p:txBody>
+            <a:bodyPr wrap="none" rtlCol="0">
+              <a:spAutoFit/>
+            </a:bodyPr>
+            <a:lstStyle>
+              <a:defPPr>
+                <a:defRPr lang="zh-CN"/>
+              </a:defPPr>
+              <a:lvl1pPr algn="ctr">
+                <a:lnSpc>
+                  <a:spcPct val="150000"/>
+                </a:lnSpc>
+                <a:defRPr>
+                  <a:solidFill>
+                    <a:schemeClr val="accent1"/>
+                  </a:solidFill>
+                  <a:latin typeface="微软雅黑" panose="020B0503020204020204" pitchFamily="34" charset="-122"/>
+                  <a:ea typeface="微软雅黑" panose="020B0503020204020204" pitchFamily="34" charset="-122"/>
+                </a:defRPr>
+              </a:lvl1pPr>
+            </a:lstStyle>
+            <a:p>
+              <a:pPr algn="l"/>
+              <a:r>
+                <a:rPr lang="zh-CN" altLang="en-US" sz="1400" dirty="0" smtClean="0">
+                  <a:solidFill>
+                    <a:srgbClr val="C00000"/>
+                  </a:solidFill>
+                </a:rPr>
+                <a:t>诚信</a:t>
+              </a:r>
+              <a:r>
+                <a:rPr lang="en-US" altLang="zh-CN" sz="1400" dirty="0" smtClean="0">
+                  <a:solidFill>
+                    <a:srgbClr val="C00000"/>
+                  </a:solidFill>
+                </a:rPr>
+                <a:t>·</a:t>
+              </a:r>
+              <a:r>
+                <a:rPr lang="zh-CN" altLang="en-US" sz="1400" dirty="0" smtClean="0">
+                  <a:solidFill>
+                    <a:srgbClr val="C00000"/>
+                  </a:solidFill>
+                </a:rPr>
+                <a:t>坚毅</a:t>
+              </a:r>
+              <a:r>
+                <a:rPr lang="en-US" altLang="zh-CN" sz="1400" dirty="0" smtClean="0">
+                  <a:solidFill>
+                    <a:srgbClr val="C00000"/>
+                  </a:solidFill>
+                </a:rPr>
+                <a:t>·</a:t>
+              </a:r>
+              <a:r>
+                <a:rPr lang="zh-CN" altLang="en-US" sz="1400" dirty="0" smtClean="0">
+                  <a:solidFill>
+                    <a:srgbClr val="C00000"/>
+                  </a:solidFill>
+                </a:rPr>
+                <a:t>创新</a:t>
+              </a:r>
+              <a:endParaRPr lang="zh-CN" altLang="en-US" sz="1400" dirty="0">
+                <a:solidFill>
+                  <a:srgbClr val="C00000"/>
+                </a:solidFill>
+              </a:endParaRPr>
+            </a:p>
+          </p:txBody>
+        </p:sp>
+        <p:cxnSp>
+          <p:nvCxnSpPr>
+            <p:cNvPr id="18" name="直线连接符 17"/>
+            <p:cNvCxnSpPr/>
+            <p:nvPr/>
+          </p:nvCxnSpPr>
+          <p:spPr>
+            <a:xfrm flipH="1" flipV="1">
+              <a:off x="2" y="6428144"/>
+              <a:ext cx="10172698" cy="10036"/>
+            </a:xfrm>
+            <a:prstGeom prst="line">
+              <a:avLst/>
+            </a:prstGeom>
+            <a:ln w="190500">
+              <a:solidFill>
+                <a:srgbClr val="C61127"/>
+              </a:solidFill>
+            </a:ln>
+          </p:spPr>
+          <p:style>
+            <a:lnRef idx="1">
+              <a:schemeClr val="accent1"/>
+            </a:lnRef>
+            <a:fillRef idx="0">
+              <a:schemeClr val="accent1"/>
+            </a:fillRef>
+            <a:effectRef idx="0">
+              <a:schemeClr val="accent1"/>
+            </a:effectRef>
+            <a:fontRef idx="minor">
+              <a:schemeClr val="tx1"/>
+            </a:fontRef>
+          </p:style>
+        </p:cxnSp>
+        <p:cxnSp>
+          <p:nvCxnSpPr>
+            <p:cNvPr id="19" name="直线连接符 18"/>
+            <p:cNvCxnSpPr/>
+            <p:nvPr/>
+          </p:nvCxnSpPr>
+          <p:spPr>
+            <a:xfrm flipH="1">
+              <a:off x="11583152" y="6432650"/>
+              <a:ext cx="608848" cy="0"/>
+            </a:xfrm>
+            <a:prstGeom prst="line">
+              <a:avLst/>
+            </a:prstGeom>
+            <a:ln w="190500">
+              <a:solidFill>
+                <a:srgbClr val="C61127"/>
+              </a:solidFill>
+            </a:ln>
+          </p:spPr>
+          <p:style>
+            <a:lnRef idx="1">
+              <a:schemeClr val="accent1"/>
+            </a:lnRef>
+            <a:fillRef idx="0">
+              <a:schemeClr val="accent1"/>
+            </a:fillRef>
+            <a:effectRef idx="0">
+              <a:schemeClr val="accent1"/>
+            </a:effectRef>
+            <a:fontRef idx="minor">
+              <a:schemeClr val="tx1"/>
+            </a:fontRef>
+          </p:style>
+        </p:cxnSp>
+      </p:grpSp>
     </p:spTree>
   </p:cSld>
   <p:clrMapOvr>
@@ -13800,9 +19768,45 @@
           <a:chExt cx="0" cy="0"/>
         </a:xfrm>
       </p:grpSpPr>
+      <p:sp>
+        <p:nvSpPr>
+          <p:cNvPr id="2" name="文本框 1"/>
+          <p:cNvSpPr txBox="1"/>
+          <p:nvPr/>
+        </p:nvSpPr>
+        <p:spPr>
+          <a:xfrm>
+            <a:off x="755020" y="385774"/>
+            <a:ext cx="1415772" cy="461665"/>
+          </a:xfrm>
+          <a:prstGeom prst="rect">
+            <a:avLst/>
+          </a:prstGeom>
+          <a:noFill/>
+        </p:spPr>
+        <p:txBody>
+          <a:bodyPr wrap="none" rtlCol="0">
+            <a:spAutoFit/>
+          </a:bodyPr>
+          <a:lstStyle/>
+          <a:p>
+            <a:r>
+              <a:rPr lang="zh-CN" altLang="en-US" sz="2400" dirty="0"/>
+              <a:t>编程规范</a:t>
+            </a:r>
+            <a:endParaRPr kumimoji="1" lang="zh-CN" altLang="en-US" sz="2400" dirty="0">
+              <a:solidFill>
+                <a:srgbClr val="1C2C44"/>
+              </a:solidFill>
+              <a:latin typeface="+mj-ea"/>
+              <a:ea typeface="+mj-ea"/>
+            </a:endParaRPr>
+          </a:p>
+        </p:txBody>
+      </p:sp>
       <p:pic>
         <p:nvPicPr>
-          <p:cNvPr id="2" name="图片 1"/>
+          <p:cNvPr id="6" name="图片 5"/>
           <p:cNvPicPr>
             <a:picLocks noChangeAspect="1"/>
           </p:cNvPicPr>
@@ -13822,50 +19826,234 @@
         </p:blipFill>
         <p:spPr>
           <a:xfrm>
-            <a:off x="754966" y="871279"/>
-            <a:ext cx="6677957" cy="5134692"/>
+            <a:off x="224155" y="1038225"/>
+            <a:ext cx="7237730" cy="1347470"/>
           </a:xfrm>
           <a:prstGeom prst="rect">
             <a:avLst/>
           </a:prstGeom>
         </p:spPr>
       </p:pic>
-      <p:sp>
-        <p:nvSpPr>
-          <p:cNvPr id="3" name="文本框 2"/>
-          <p:cNvSpPr txBox="1"/>
+      <p:pic>
+        <p:nvPicPr>
+          <p:cNvPr id="7" name="图片 6"/>
+          <p:cNvPicPr>
+            <a:picLocks noChangeAspect="1"/>
+          </p:cNvPicPr>
           <p:nvPr/>
-        </p:nvSpPr>
+        </p:nvPicPr>
+        <p:blipFill>
+          <a:blip r:embed="rId2"/>
+          <a:stretch>
+            <a:fillRect/>
+          </a:stretch>
+        </p:blipFill>
         <p:spPr>
           <a:xfrm>
-            <a:off x="755020" y="385774"/>
-            <a:ext cx="1415772" cy="461665"/>
+            <a:off x="434975" y="2576195"/>
+            <a:ext cx="7191375" cy="1809750"/>
           </a:xfrm>
           <a:prstGeom prst="rect">
             <a:avLst/>
           </a:prstGeom>
-          <a:noFill/>
-        </p:spPr>
-        <p:txBody>
-          <a:bodyPr wrap="none" rtlCol="0">
-            <a:spAutoFit/>
-          </a:bodyPr>
-          <a:lstStyle/>
-          <a:p>
-            <a:r>
-              <a:rPr lang="zh-CN" altLang="en-US" sz="2400" dirty="0"/>
-              <a:t>编程规范</a:t>
-            </a:r>
-            <a:endParaRPr kumimoji="1" lang="zh-CN" altLang="en-US" sz="2400" dirty="0">
+        </p:spPr>
+      </p:pic>
+      <p:pic>
+        <p:nvPicPr>
+          <p:cNvPr id="8" name="图片 7"/>
+          <p:cNvPicPr>
+            <a:picLocks noChangeAspect="1"/>
+          </p:cNvPicPr>
+          <p:nvPr/>
+        </p:nvPicPr>
+        <p:blipFill>
+          <a:blip r:embed="rId3"/>
+          <a:stretch>
+            <a:fillRect/>
+          </a:stretch>
+        </p:blipFill>
+        <p:spPr>
+          <a:xfrm>
+            <a:off x="669290" y="4549140"/>
+            <a:ext cx="4371975" cy="1419225"/>
+          </a:xfrm>
+          <a:prstGeom prst="rect">
+            <a:avLst/>
+          </a:prstGeom>
+        </p:spPr>
+      </p:pic>
+      <p:grpSp>
+        <p:nvGrpSpPr>
+          <p:cNvPr id="16" name="组 15"/>
+          <p:cNvGrpSpPr/>
+          <p:nvPr/>
+        </p:nvGrpSpPr>
+        <p:grpSpPr>
+          <a:xfrm>
+            <a:off x="2" y="6212532"/>
+            <a:ext cx="12191998" cy="377411"/>
+            <a:chOff x="2" y="6212532"/>
+            <a:chExt cx="12191998" cy="377411"/>
+          </a:xfrm>
+        </p:grpSpPr>
+        <p:sp>
+          <p:nvSpPr>
+            <p:cNvPr id="17" name="文本框 16"/>
+            <p:cNvSpPr txBox="1"/>
+            <p:nvPr/>
+          </p:nvSpPr>
+          <p:spPr>
+            <a:xfrm>
+              <a:off x="10229856" y="6212532"/>
+              <a:ext cx="1348446" cy="377411"/>
+            </a:xfrm>
+            <a:prstGeom prst="rect">
+              <a:avLst/>
+            </a:prstGeom>
+            <a:noFill/>
+          </p:spPr>
+          <p:txBody>
+            <a:bodyPr wrap="none" rtlCol="0">
+              <a:spAutoFit/>
+            </a:bodyPr>
+            <a:lstStyle>
+              <a:defPPr>
+                <a:defRPr lang="zh-CN"/>
+              </a:defPPr>
+              <a:lvl1pPr algn="ctr">
+                <a:lnSpc>
+                  <a:spcPct val="150000"/>
+                </a:lnSpc>
+                <a:defRPr>
+                  <a:solidFill>
+                    <a:schemeClr val="accent1"/>
+                  </a:solidFill>
+                  <a:latin typeface="微软雅黑" panose="020B0503020204020204" pitchFamily="34" charset="-122"/>
+                  <a:ea typeface="微软雅黑" panose="020B0503020204020204" pitchFamily="34" charset="-122"/>
+                </a:defRPr>
+              </a:lvl1pPr>
+            </a:lstStyle>
+            <a:p>
+              <a:pPr algn="l"/>
+              <a:r>
+                <a:rPr lang="zh-CN" altLang="en-US" sz="1400" dirty="0" smtClean="0">
+                  <a:solidFill>
+                    <a:srgbClr val="C00000"/>
+                  </a:solidFill>
+                </a:rPr>
+                <a:t>诚信</a:t>
+              </a:r>
+              <a:r>
+                <a:rPr lang="en-US" altLang="zh-CN" sz="1400" dirty="0" smtClean="0">
+                  <a:solidFill>
+                    <a:srgbClr val="C00000"/>
+                  </a:solidFill>
+                </a:rPr>
+                <a:t>·</a:t>
+              </a:r>
+              <a:r>
+                <a:rPr lang="zh-CN" altLang="en-US" sz="1400" dirty="0" smtClean="0">
+                  <a:solidFill>
+                    <a:srgbClr val="C00000"/>
+                  </a:solidFill>
+                </a:rPr>
+                <a:t>坚毅</a:t>
+              </a:r>
+              <a:r>
+                <a:rPr lang="en-US" altLang="zh-CN" sz="1400" dirty="0" smtClean="0">
+                  <a:solidFill>
+                    <a:srgbClr val="C00000"/>
+                  </a:solidFill>
+                </a:rPr>
+                <a:t>·</a:t>
+              </a:r>
+              <a:r>
+                <a:rPr lang="zh-CN" altLang="en-US" sz="1400" dirty="0" smtClean="0">
+                  <a:solidFill>
+                    <a:srgbClr val="C00000"/>
+                  </a:solidFill>
+                </a:rPr>
+                <a:t>创新</a:t>
+              </a:r>
+              <a:endParaRPr lang="zh-CN" altLang="en-US" sz="1400" dirty="0">
+                <a:solidFill>
+                  <a:srgbClr val="C00000"/>
+                </a:solidFill>
+              </a:endParaRPr>
+            </a:p>
+          </p:txBody>
+        </p:sp>
+        <p:cxnSp>
+          <p:nvCxnSpPr>
+            <p:cNvPr id="18" name="直线连接符 17"/>
+            <p:cNvCxnSpPr/>
+            <p:nvPr/>
+          </p:nvCxnSpPr>
+          <p:spPr>
+            <a:xfrm flipH="1" flipV="1">
+              <a:off x="2" y="6428144"/>
+              <a:ext cx="10172698" cy="10036"/>
+            </a:xfrm>
+            <a:prstGeom prst="line">
+              <a:avLst/>
+            </a:prstGeom>
+            <a:ln w="190500">
               <a:solidFill>
-                <a:srgbClr val="1C2C44"/>
+                <a:srgbClr val="C61127"/>
               </a:solidFill>
-              <a:latin typeface="+mj-ea"/>
-              <a:ea typeface="+mj-ea"/>
-            </a:endParaRPr>
-          </a:p>
-        </p:txBody>
-      </p:sp>
+            </a:ln>
+          </p:spPr>
+          <p:style>
+            <a:lnRef idx="1">
+              <a:schemeClr val="accent1"/>
+            </a:lnRef>
+            <a:fillRef idx="0">
+              <a:schemeClr val="accent1"/>
+            </a:fillRef>
+            <a:effectRef idx="0">
+              <a:schemeClr val="accent1"/>
+            </a:effectRef>
+            <a:fontRef idx="minor">
+              <a:schemeClr val="tx1"/>
+            </a:fontRef>
+          </p:style>
+        </p:cxnSp>
+        <p:cxnSp>
+          <p:nvCxnSpPr>
+            <p:cNvPr id="19" name="直线连接符 18"/>
+            <p:cNvCxnSpPr/>
+            <p:nvPr/>
+          </p:nvCxnSpPr>
+          <p:spPr>
+            <a:xfrm flipH="1">
+              <a:off x="11583152" y="6432650"/>
+              <a:ext cx="608848" cy="0"/>
+            </a:xfrm>
+            <a:prstGeom prst="line">
+              <a:avLst/>
+            </a:prstGeom>
+            <a:ln w="190500">
+              <a:solidFill>
+                <a:srgbClr val="C61127"/>
+              </a:solidFill>
+            </a:ln>
+          </p:spPr>
+          <p:style>
+            <a:lnRef idx="1">
+              <a:schemeClr val="accent1"/>
+            </a:lnRef>
+            <a:fillRef idx="0">
+              <a:schemeClr val="accent1"/>
+            </a:fillRef>
+            <a:effectRef idx="0">
+              <a:schemeClr val="accent1"/>
+            </a:effectRef>
+            <a:fontRef idx="minor">
+              <a:schemeClr val="tx1"/>
+            </a:fontRef>
+          </p:style>
+        </p:cxnSp>
+      </p:grpSp>
     </p:spTree>
   </p:cSld>
   <p:clrMapOvr>

--- a/java开发手册知识分享-李龙.pptx
+++ b/java开发手册知识分享-李龙.pptx
@@ -8,7 +8,7 @@
     <p:notesMasterId r:id="rId4"/>
   </p:notesMasterIdLst>
   <p:handoutMasterIdLst>
-    <p:handoutMasterId r:id="rId32"/>
+    <p:handoutMasterId r:id="rId33"/>
   </p:handoutMasterIdLst>
   <p:sldIdLst>
     <p:sldId id="334" r:id="rId3"/>
@@ -31,14 +31,15 @@
     <p:sldId id="395" r:id="rId21"/>
     <p:sldId id="396" r:id="rId22"/>
     <p:sldId id="351" r:id="rId23"/>
-    <p:sldId id="352" r:id="rId24"/>
-    <p:sldId id="343" r:id="rId25"/>
-    <p:sldId id="353" r:id="rId26"/>
-    <p:sldId id="361" r:id="rId27"/>
-    <p:sldId id="362" r:id="rId28"/>
-    <p:sldId id="363" r:id="rId29"/>
-    <p:sldId id="364" r:id="rId30"/>
-    <p:sldId id="344" r:id="rId31"/>
+    <p:sldId id="412" r:id="rId24"/>
+    <p:sldId id="352" r:id="rId25"/>
+    <p:sldId id="343" r:id="rId26"/>
+    <p:sldId id="353" r:id="rId27"/>
+    <p:sldId id="361" r:id="rId28"/>
+    <p:sldId id="362" r:id="rId29"/>
+    <p:sldId id="363" r:id="rId30"/>
+    <p:sldId id="364" r:id="rId31"/>
+    <p:sldId id="344" r:id="rId32"/>
   </p:sldIdLst>
   <p:sldSz cx="12192000" cy="6858000"/>
   <p:notesSz cx="6858000" cy="9144000"/>
@@ -8851,6 +8852,137 @@
           </a:prstGeom>
         </p:spPr>
       </p:pic>
+      <p:sp>
+        <p:nvSpPr>
+          <p:cNvPr id="4" name="文本框 3"/>
+          <p:cNvSpPr txBox="1"/>
+          <p:nvPr/>
+        </p:nvSpPr>
+        <p:spPr>
+          <a:xfrm>
+            <a:off x="811530" y="2536825"/>
+            <a:ext cx="9163050" cy="860425"/>
+          </a:xfrm>
+          <a:prstGeom prst="rect">
+            <a:avLst/>
+          </a:prstGeom>
+          <a:noFill/>
+        </p:spPr>
+        <p:txBody>
+          <a:bodyPr wrap="square" rtlCol="0">
+            <a:spAutoFit/>
+          </a:bodyPr>
+          <a:p>
+            <a:r>
+              <a:rPr lang="zh-CN" altLang="en-US" sz="1400" b="1"/>
+              <a:t>上下界通配符的副作用</a:t>
+            </a:r>
+            <a:endParaRPr lang="zh-CN" altLang="en-US" sz="1400" b="1"/>
+          </a:p>
+          <a:p>
+            <a:r>
+              <a:rPr lang="zh-CN" altLang="en-US" sz="1200">
+                <a:sym typeface="+mn-ea"/>
+              </a:rPr>
+              <a:t>通配符&lt;?&gt;和类型参数&lt;T&gt;的区别是,对于编译器来说所有的T都代表同一种类型，但是通配符则表示篮子里放了东西，是什么不知道。</a:t>
+            </a:r>
+            <a:endParaRPr lang="zh-CN" altLang="en-US" sz="1200"/>
+          </a:p>
+          <a:p>
+            <a:r>
+              <a:rPr lang="zh-CN" altLang="en-US" sz="1200"/>
+              <a:t>（</a:t>
+            </a:r>
+            <a:r>
+              <a:rPr lang="en-US" altLang="zh-CN" sz="1200"/>
+              <a:t>1</a:t>
+            </a:r>
+            <a:r>
+              <a:rPr lang="zh-CN" altLang="en-US" sz="1200"/>
+              <a:t>）上界通配符 &lt;? extends T&gt; </a:t>
+            </a:r>
+            <a:r>
+              <a:rPr lang="zh-CN" altLang="en-US" sz="1200">
+                <a:solidFill>
+                  <a:srgbClr val="FF0000"/>
+                </a:solidFill>
+              </a:rPr>
+              <a:t>不能往里存，只能往外取</a:t>
+            </a:r>
+            <a:r>
+              <a:rPr lang="zh-CN" altLang="en-US" sz="1200"/>
+              <a:t>。因为如果支持存入则会破坏类型安全。</a:t>
+            </a:r>
+            <a:endParaRPr lang="zh-CN" altLang="en-US" sz="1200"/>
+          </a:p>
+          <a:p>
+            <a:r>
+              <a:rPr lang="zh-CN" altLang="en-US" sz="1200"/>
+              <a:t>（</a:t>
+            </a:r>
+            <a:r>
+              <a:rPr lang="en-US" altLang="zh-CN" sz="1200"/>
+              <a:t>2</a:t>
+            </a:r>
+            <a:r>
+              <a:rPr lang="zh-CN" altLang="en-US" sz="1200"/>
+              <a:t>）下界通配符&lt;? super T&gt; </a:t>
+            </a:r>
+            <a:r>
+              <a:rPr lang="zh-CN" altLang="en-US" sz="1200">
+                <a:solidFill>
+                  <a:srgbClr val="FF0000"/>
+                </a:solidFill>
+              </a:rPr>
+              <a:t>能存，能取</a:t>
+            </a:r>
+            <a:r>
+              <a:rPr lang="zh-CN" altLang="en-US" sz="1200"/>
+              <a:t>，但取得部分功能被限制，取出来得东西只能放到Object类中。</a:t>
+            </a:r>
+            <a:endParaRPr lang="zh-CN" altLang="en-US" sz="1200"/>
+          </a:p>
+        </p:txBody>
+      </p:sp>
+      <p:sp>
+        <p:nvSpPr>
+          <p:cNvPr id="5" name="文本框 4"/>
+          <p:cNvSpPr txBox="1"/>
+          <p:nvPr/>
+        </p:nvSpPr>
+        <p:spPr>
+          <a:xfrm>
+            <a:off x="811530" y="3926205"/>
+            <a:ext cx="8549640" cy="737235"/>
+          </a:xfrm>
+          <a:prstGeom prst="rect">
+            <a:avLst/>
+          </a:prstGeom>
+          <a:noFill/>
+        </p:spPr>
+        <p:txBody>
+          <a:bodyPr wrap="square" rtlCol="0">
+            <a:spAutoFit/>
+          </a:bodyPr>
+          <a:p>
+            <a:r>
+              <a:rPr lang="zh-CN" altLang="en-US" sz="1400"/>
+              <a:t>频繁set的内容，适合用下界通配符&lt;? super T&gt;，因为上界通配符不支持写入</a:t>
+            </a:r>
+            <a:endParaRPr lang="zh-CN" altLang="en-US" sz="1400"/>
+          </a:p>
+          <a:p>
+            <a:endParaRPr lang="zh-CN" altLang="en-US" sz="1400"/>
+          </a:p>
+          <a:p>
+            <a:r>
+              <a:rPr lang="zh-CN" altLang="en-US" sz="1400"/>
+              <a:t>频繁get的内容，适合用上界通配符 &lt;? extends T&gt;，因为下届通配符会返回Object，每次转换很麻烦。</a:t>
+            </a:r>
+            <a:endParaRPr lang="zh-CN" altLang="en-US" sz="1400"/>
+          </a:p>
+        </p:txBody>
+      </p:sp>
     </p:spTree>
   </p:cSld>
   <p:clrMapOvr>
@@ -9095,8 +9227,8 @@
         </p:nvSpPr>
         <p:spPr>
           <a:xfrm>
-            <a:off x="855980" y="2305685"/>
-            <a:ext cx="10480675" cy="1168400"/>
+            <a:off x="855980" y="2363470"/>
+            <a:ext cx="6541770" cy="1383665"/>
           </a:xfrm>
           <a:prstGeom prst="rect">
             <a:avLst/>
@@ -9112,9 +9244,6 @@
               <a:rPr lang="zh-CN" altLang="en-US" sz="1400"/>
               <a:t>当我们用get方法时我们其实是在获取集合里内部的元素，但是我们的集合的数据类型还没有确定，但是我们可以获得一些明确的已知条件，那就是在&lt;? extends E&gt;中最大的类型是E，而且这个E最大是Object，所以我们可以利用这一点，那么我们就可以清楚地了解到该集合里面的获取的元素肯定是E或者Object的子类，他们的范围肯定小于E或者Object，那么我们就可以用Object和E这两个范围比集合里面的元素大的类去接收集合里面的元素。</a:t>
             </a:r>
-            <a:endParaRPr lang="zh-CN" altLang="en-US" sz="1400"/>
-          </a:p>
-          <a:p>
             <a:endParaRPr lang="zh-CN" altLang="en-US" sz="1400"/>
           </a:p>
         </p:txBody>
@@ -9157,8 +9286,8 @@
         </p:nvSpPr>
         <p:spPr>
           <a:xfrm>
-            <a:off x="953770" y="4333875"/>
-            <a:ext cx="10131425" cy="737235"/>
+            <a:off x="953770" y="4582160"/>
+            <a:ext cx="6501765" cy="953135"/>
           </a:xfrm>
           <a:prstGeom prst="rect">
             <a:avLst/>
@@ -9194,7 +9323,7 @@
         </p:nvSpPr>
         <p:spPr bwMode="auto">
           <a:xfrm>
-            <a:off x="855980" y="3817620"/>
+            <a:off x="855980" y="4057015"/>
             <a:ext cx="2498090" cy="444500"/>
           </a:xfrm>
           <a:custGeom>
@@ -9306,14 +9435,6 @@
               <a:defRPr/>
             </a:pPr>
             <a:r>
-              <a:rPr lang="zh-CN" altLang="en-US" dirty="0">
-                <a:solidFill>
-                  <a:schemeClr val="bg1"/>
-                </a:solidFill>
-              </a:rPr>
-              <a:t>禁止</a:t>
-            </a:r>
-            <a:r>
               <a:rPr lang="en-US" altLang="zh-CN" dirty="0">
                 <a:solidFill>
                   <a:schemeClr val="bg1"/>
@@ -9457,14 +9578,6 @@
               <a:defRPr/>
             </a:pPr>
             <a:r>
-              <a:rPr lang="zh-CN" altLang="en-US" dirty="0">
-                <a:solidFill>
-                  <a:schemeClr val="bg1"/>
-                </a:solidFill>
-              </a:rPr>
-              <a:t>允许</a:t>
-            </a:r>
-            <a:r>
               <a:rPr lang="en-US" altLang="zh-CN" dirty="0">
                 <a:solidFill>
                   <a:schemeClr val="bg1"/>
@@ -9488,6 +9601,30 @@
           </a:p>
         </p:txBody>
       </p:sp>
+      <p:pic>
+        <p:nvPicPr>
+          <p:cNvPr id="4" name="图片 3"/>
+          <p:cNvPicPr>
+            <a:picLocks noChangeAspect="1"/>
+          </p:cNvPicPr>
+          <p:nvPr/>
+        </p:nvPicPr>
+        <p:blipFill>
+          <a:blip r:embed="rId1"/>
+          <a:stretch>
+            <a:fillRect/>
+          </a:stretch>
+        </p:blipFill>
+        <p:spPr>
+          <a:xfrm>
+            <a:off x="7528560" y="2363470"/>
+            <a:ext cx="4368800" cy="3321050"/>
+          </a:xfrm>
+          <a:prstGeom prst="rect">
+            <a:avLst/>
+          </a:prstGeom>
+        </p:spPr>
+      </p:pic>
     </p:spTree>
   </p:cSld>
   <p:clrMapOvr>
@@ -9762,8 +9899,8 @@
         </p:nvSpPr>
         <p:spPr>
           <a:xfrm>
-            <a:off x="953770" y="4333875"/>
-            <a:ext cx="10131425" cy="737235"/>
+            <a:off x="953770" y="4601845"/>
+            <a:ext cx="5831205" cy="953135"/>
           </a:xfrm>
           <a:prstGeom prst="rect">
             <a:avLst/>
@@ -9791,8 +9928,8 @@
         </p:nvSpPr>
         <p:spPr bwMode="auto">
           <a:xfrm>
-            <a:off x="855980" y="3817620"/>
-            <a:ext cx="2498090" cy="444500"/>
+            <a:off x="855980" y="4085590"/>
+            <a:ext cx="2412365" cy="444500"/>
           </a:xfrm>
           <a:custGeom>
             <a:avLst/>
@@ -9903,14 +10040,6 @@
               <a:defRPr/>
             </a:pPr>
             <a:r>
-              <a:rPr lang="zh-CN" altLang="en-US" dirty="0">
-                <a:solidFill>
-                  <a:schemeClr val="bg1"/>
-                </a:solidFill>
-              </a:rPr>
-              <a:t>禁止</a:t>
-            </a:r>
-            <a:r>
               <a:rPr lang="en-US" altLang="zh-CN" dirty="0">
                 <a:solidFill>
                   <a:schemeClr val="bg1"/>
@@ -10054,14 +10183,6 @@
               <a:defRPr/>
             </a:pPr>
             <a:r>
-              <a:rPr lang="zh-CN" altLang="en-US" dirty="0">
-                <a:solidFill>
-                  <a:schemeClr val="bg1"/>
-                </a:solidFill>
-              </a:rPr>
-              <a:t>允许</a:t>
-            </a:r>
-            <a:r>
               <a:rPr lang="en-US" altLang="zh-CN" dirty="0">
                 <a:solidFill>
                   <a:schemeClr val="bg1"/>
@@ -10094,7 +10215,7 @@
         <p:spPr>
           <a:xfrm>
             <a:off x="855980" y="2305685"/>
-            <a:ext cx="10480675" cy="737235"/>
+            <a:ext cx="5928360" cy="953135"/>
           </a:xfrm>
           <a:prstGeom prst="rect">
             <a:avLst/>
@@ -10114,6 +10235,30 @@
           </a:p>
         </p:txBody>
       </p:sp>
+      <p:pic>
+        <p:nvPicPr>
+          <p:cNvPr id="4" name="图片 3"/>
+          <p:cNvPicPr>
+            <a:picLocks noChangeAspect="1"/>
+          </p:cNvPicPr>
+          <p:nvPr/>
+        </p:nvPicPr>
+        <p:blipFill>
+          <a:blip r:embed="rId1"/>
+          <a:stretch>
+            <a:fillRect/>
+          </a:stretch>
+        </p:blipFill>
+        <p:spPr>
+          <a:xfrm>
+            <a:off x="6919595" y="2188845"/>
+            <a:ext cx="4739640" cy="3597275"/>
+          </a:xfrm>
+          <a:prstGeom prst="rect">
+            <a:avLst/>
+          </a:prstGeom>
+        </p:spPr>
+      </p:pic>
     </p:spTree>
   </p:cSld>
   <p:clrMapOvr>
@@ -11706,7 +11851,7 @@
         </p:blipFill>
         <p:spPr>
           <a:xfrm>
-            <a:off x="2891775" y="470184"/>
+            <a:off x="3802365" y="468914"/>
             <a:ext cx="6677957" cy="5744377"/>
           </a:xfrm>
           <a:prstGeom prst="rect">
@@ -11894,7 +12039,7 @@
         </p:nvSpPr>
         <p:spPr>
           <a:xfrm>
-            <a:off x="755015" y="1021715"/>
+            <a:off x="2131060" y="541020"/>
             <a:ext cx="1671320" cy="306705"/>
           </a:xfrm>
           <a:prstGeom prst="rect">
@@ -11967,6 +12112,348 @@
           <a:p>
             <a:r>
               <a:rPr lang="zh-CN" altLang="en-US" sz="2400" dirty="0"/>
+              <a:t>编程规范</a:t>
+            </a:r>
+            <a:endParaRPr kumimoji="1" lang="zh-CN" altLang="en-US" sz="2400" dirty="0">
+              <a:solidFill>
+                <a:srgbClr val="1C2C44"/>
+              </a:solidFill>
+              <a:latin typeface="+mj-ea"/>
+              <a:ea typeface="+mj-ea"/>
+            </a:endParaRPr>
+          </a:p>
+        </p:txBody>
+      </p:sp>
+      <p:grpSp>
+        <p:nvGrpSpPr>
+          <p:cNvPr id="16" name="组 15"/>
+          <p:cNvGrpSpPr/>
+          <p:nvPr/>
+        </p:nvGrpSpPr>
+        <p:grpSpPr>
+          <a:xfrm>
+            <a:off x="2" y="6212532"/>
+            <a:ext cx="12191998" cy="377411"/>
+            <a:chOff x="2" y="6212532"/>
+            <a:chExt cx="12191998" cy="377411"/>
+          </a:xfrm>
+        </p:grpSpPr>
+        <p:sp>
+          <p:nvSpPr>
+            <p:cNvPr id="17" name="文本框 16"/>
+            <p:cNvSpPr txBox="1"/>
+            <p:nvPr/>
+          </p:nvSpPr>
+          <p:spPr>
+            <a:xfrm>
+              <a:off x="10229856" y="6212532"/>
+              <a:ext cx="1348446" cy="377411"/>
+            </a:xfrm>
+            <a:prstGeom prst="rect">
+              <a:avLst/>
+            </a:prstGeom>
+            <a:noFill/>
+          </p:spPr>
+          <p:txBody>
+            <a:bodyPr wrap="none" rtlCol="0">
+              <a:spAutoFit/>
+            </a:bodyPr>
+            <a:lstStyle>
+              <a:defPPr>
+                <a:defRPr lang="zh-CN"/>
+              </a:defPPr>
+              <a:lvl1pPr algn="ctr">
+                <a:lnSpc>
+                  <a:spcPct val="150000"/>
+                </a:lnSpc>
+                <a:defRPr>
+                  <a:solidFill>
+                    <a:schemeClr val="accent1"/>
+                  </a:solidFill>
+                  <a:latin typeface="微软雅黑" panose="020B0503020204020204" pitchFamily="34" charset="-122"/>
+                  <a:ea typeface="微软雅黑" panose="020B0503020204020204" pitchFamily="34" charset="-122"/>
+                </a:defRPr>
+              </a:lvl1pPr>
+            </a:lstStyle>
+            <a:p>
+              <a:pPr algn="l"/>
+              <a:r>
+                <a:rPr lang="zh-CN" altLang="en-US" sz="1400" dirty="0" smtClean="0">
+                  <a:solidFill>
+                    <a:srgbClr val="C00000"/>
+                  </a:solidFill>
+                </a:rPr>
+                <a:t>诚信</a:t>
+              </a:r>
+              <a:r>
+                <a:rPr lang="en-US" altLang="zh-CN" sz="1400" dirty="0" smtClean="0">
+                  <a:solidFill>
+                    <a:srgbClr val="C00000"/>
+                  </a:solidFill>
+                </a:rPr>
+                <a:t>·</a:t>
+              </a:r>
+              <a:r>
+                <a:rPr lang="zh-CN" altLang="en-US" sz="1400" dirty="0" smtClean="0">
+                  <a:solidFill>
+                    <a:srgbClr val="C00000"/>
+                  </a:solidFill>
+                </a:rPr>
+                <a:t>坚毅</a:t>
+              </a:r>
+              <a:r>
+                <a:rPr lang="en-US" altLang="zh-CN" sz="1400" dirty="0" smtClean="0">
+                  <a:solidFill>
+                    <a:srgbClr val="C00000"/>
+                  </a:solidFill>
+                </a:rPr>
+                <a:t>·</a:t>
+              </a:r>
+              <a:r>
+                <a:rPr lang="zh-CN" altLang="en-US" sz="1400" dirty="0" smtClean="0">
+                  <a:solidFill>
+                    <a:srgbClr val="C00000"/>
+                  </a:solidFill>
+                </a:rPr>
+                <a:t>创新</a:t>
+              </a:r>
+              <a:endParaRPr lang="zh-CN" altLang="en-US" sz="1400" dirty="0">
+                <a:solidFill>
+                  <a:srgbClr val="C00000"/>
+                </a:solidFill>
+              </a:endParaRPr>
+            </a:p>
+          </p:txBody>
+        </p:sp>
+        <p:cxnSp>
+          <p:nvCxnSpPr>
+            <p:cNvPr id="18" name="直线连接符 17"/>
+            <p:cNvCxnSpPr/>
+            <p:nvPr/>
+          </p:nvCxnSpPr>
+          <p:spPr>
+            <a:xfrm flipH="1" flipV="1">
+              <a:off x="2" y="6428144"/>
+              <a:ext cx="10172698" cy="10036"/>
+            </a:xfrm>
+            <a:prstGeom prst="line">
+              <a:avLst/>
+            </a:prstGeom>
+            <a:ln w="190500">
+              <a:solidFill>
+                <a:srgbClr val="C61127"/>
+              </a:solidFill>
+            </a:ln>
+          </p:spPr>
+          <p:style>
+            <a:lnRef idx="1">
+              <a:schemeClr val="accent1"/>
+            </a:lnRef>
+            <a:fillRef idx="0">
+              <a:schemeClr val="accent1"/>
+            </a:fillRef>
+            <a:effectRef idx="0">
+              <a:schemeClr val="accent1"/>
+            </a:effectRef>
+            <a:fontRef idx="minor">
+              <a:schemeClr val="tx1"/>
+            </a:fontRef>
+          </p:style>
+        </p:cxnSp>
+        <p:cxnSp>
+          <p:nvCxnSpPr>
+            <p:cNvPr id="19" name="直线连接符 18"/>
+            <p:cNvCxnSpPr/>
+            <p:nvPr/>
+          </p:nvCxnSpPr>
+          <p:spPr>
+            <a:xfrm flipH="1">
+              <a:off x="11583152" y="6432650"/>
+              <a:ext cx="608848" cy="0"/>
+            </a:xfrm>
+            <a:prstGeom prst="line">
+              <a:avLst/>
+            </a:prstGeom>
+            <a:ln w="190500">
+              <a:solidFill>
+                <a:srgbClr val="C61127"/>
+              </a:solidFill>
+            </a:ln>
+          </p:spPr>
+          <p:style>
+            <a:lnRef idx="1">
+              <a:schemeClr val="accent1"/>
+            </a:lnRef>
+            <a:fillRef idx="0">
+              <a:schemeClr val="accent1"/>
+            </a:fillRef>
+            <a:effectRef idx="0">
+              <a:schemeClr val="accent1"/>
+            </a:effectRef>
+            <a:fontRef idx="minor">
+              <a:schemeClr val="tx1"/>
+            </a:fontRef>
+          </p:style>
+        </p:cxnSp>
+      </p:grpSp>
+      <p:pic>
+        <p:nvPicPr>
+          <p:cNvPr id="5" name="图片 4"/>
+          <p:cNvPicPr>
+            <a:picLocks noChangeAspect="1"/>
+          </p:cNvPicPr>
+          <p:nvPr/>
+        </p:nvPicPr>
+        <p:blipFill>
+          <a:blip r:embed="rId1"/>
+          <a:stretch>
+            <a:fillRect/>
+          </a:stretch>
+        </p:blipFill>
+        <p:spPr>
+          <a:xfrm>
+            <a:off x="487045" y="1385570"/>
+            <a:ext cx="5207000" cy="4595495"/>
+          </a:xfrm>
+          <a:prstGeom prst="rect">
+            <a:avLst/>
+          </a:prstGeom>
+        </p:spPr>
+      </p:pic>
+      <p:pic>
+        <p:nvPicPr>
+          <p:cNvPr id="6" name="图片 5"/>
+          <p:cNvPicPr>
+            <a:picLocks noChangeAspect="1"/>
+          </p:cNvPicPr>
+          <p:nvPr/>
+        </p:nvPicPr>
+        <p:blipFill>
+          <a:blip r:embed="rId2"/>
+          <a:stretch>
+            <a:fillRect/>
+          </a:stretch>
+        </p:blipFill>
+        <p:spPr>
+          <a:xfrm>
+            <a:off x="6129655" y="1385570"/>
+            <a:ext cx="5777230" cy="4596130"/>
+          </a:xfrm>
+          <a:prstGeom prst="rect">
+            <a:avLst/>
+          </a:prstGeom>
+        </p:spPr>
+      </p:pic>
+      <p:sp>
+        <p:nvSpPr>
+          <p:cNvPr id="7" name="文本框 6"/>
+          <p:cNvSpPr txBox="1"/>
+          <p:nvPr/>
+        </p:nvSpPr>
+        <p:spPr>
+          <a:xfrm>
+            <a:off x="2059940" y="916940"/>
+            <a:ext cx="1543050" cy="368300"/>
+          </a:xfrm>
+          <a:prstGeom prst="rect">
+            <a:avLst/>
+          </a:prstGeom>
+          <a:noFill/>
+        </p:spPr>
+        <p:txBody>
+          <a:bodyPr wrap="square" rtlCol="0">
+            <a:spAutoFit/>
+          </a:bodyPr>
+          <a:p>
+            <a:r>
+              <a:rPr lang="zh-CN" altLang="en-US"/>
+              <a:t>线程池定义</a:t>
+            </a:r>
+            <a:endParaRPr lang="zh-CN" altLang="en-US"/>
+          </a:p>
+        </p:txBody>
+      </p:sp>
+      <p:sp>
+        <p:nvSpPr>
+          <p:cNvPr id="8" name="文本框 7"/>
+          <p:cNvSpPr txBox="1"/>
+          <p:nvPr/>
+        </p:nvSpPr>
+        <p:spPr>
+          <a:xfrm>
+            <a:off x="8062595" y="916940"/>
+            <a:ext cx="1543050" cy="368300"/>
+          </a:xfrm>
+          <a:prstGeom prst="rect">
+            <a:avLst/>
+          </a:prstGeom>
+          <a:noFill/>
+        </p:spPr>
+        <p:txBody>
+          <a:bodyPr wrap="square" rtlCol="0">
+            <a:spAutoFit/>
+          </a:bodyPr>
+          <a:p>
+            <a:r>
+              <a:rPr lang="zh-CN" altLang="en-US"/>
+              <a:t>线程池使用</a:t>
+            </a:r>
+            <a:endParaRPr lang="zh-CN" altLang="en-US"/>
+          </a:p>
+        </p:txBody>
+      </p:sp>
+    </p:spTree>
+  </p:cSld>
+  <p:clrMapOvr>
+    <a:masterClrMapping/>
+  </p:clrMapOvr>
+  <p:transition spd="slow" advClick="0" advTm="4000">
+    <p:wipe/>
+  </p:transition>
+</p:sld>
+</file>
+
+<file path=ppt/slides/slide22.xml><?xml version="1.0" encoding="utf-8"?>
+<p:sld xmlns:a="http://schemas.openxmlformats.org/drawingml/2006/main" xmlns:r="http://schemas.openxmlformats.org/officeDocument/2006/relationships" xmlns:p="http://schemas.openxmlformats.org/presentationml/2006/main">
+  <p:cSld>
+    <p:spTree>
+      <p:nvGrpSpPr>
+        <p:cNvPr id="1" name=""/>
+        <p:cNvGrpSpPr/>
+        <p:nvPr/>
+      </p:nvGrpSpPr>
+      <p:grpSpPr>
+        <a:xfrm>
+          <a:off x="0" y="0"/>
+          <a:ext cx="0" cy="0"/>
+          <a:chOff x="0" y="0"/>
+          <a:chExt cx="0" cy="0"/>
+        </a:xfrm>
+      </p:grpSpPr>
+      <p:sp>
+        <p:nvSpPr>
+          <p:cNvPr id="2" name="文本框 1"/>
+          <p:cNvSpPr txBox="1"/>
+          <p:nvPr/>
+        </p:nvSpPr>
+        <p:spPr>
+          <a:xfrm>
+            <a:off x="755020" y="385774"/>
+            <a:ext cx="1415772" cy="461665"/>
+          </a:xfrm>
+          <a:prstGeom prst="rect">
+            <a:avLst/>
+          </a:prstGeom>
+          <a:noFill/>
+        </p:spPr>
+        <p:txBody>
+          <a:bodyPr wrap="none" rtlCol="0">
+            <a:spAutoFit/>
+          </a:bodyPr>
+          <a:lstStyle/>
+          <a:p>
+            <a:r>
+              <a:rPr lang="zh-CN" altLang="en-US" sz="2400" dirty="0"/>
               <a:t>异常</a:t>
             </a:r>
             <a:r>
@@ -12103,6 +12590,35 @@
           </a:prstGeom>
         </p:spPr>
       </p:pic>
+      <p:sp>
+        <p:nvSpPr>
+          <p:cNvPr id="7" name="文本框 6"/>
+          <p:cNvSpPr txBox="1"/>
+          <p:nvPr/>
+        </p:nvSpPr>
+        <p:spPr>
+          <a:xfrm>
+            <a:off x="2171065" y="541020"/>
+            <a:ext cx="1671320" cy="306705"/>
+          </a:xfrm>
+          <a:prstGeom prst="rect">
+            <a:avLst/>
+          </a:prstGeom>
+          <a:noFill/>
+        </p:spPr>
+        <p:txBody>
+          <a:bodyPr wrap="square" rtlCol="0">
+            <a:spAutoFit/>
+          </a:bodyPr>
+          <a:p>
+            <a:r>
+              <a:rPr lang="zh-CN" altLang="en-US" sz="1400"/>
+              <a:t>异常篇</a:t>
+            </a:r>
+            <a:endParaRPr lang="zh-CN" altLang="en-US" sz="1400"/>
+          </a:p>
+        </p:txBody>
+      </p:sp>
     </p:spTree>
   </p:cSld>
   <p:clrMapOvr>
@@ -12114,7 +12630,7 @@
 </p:sld>
 </file>
 
-<file path=ppt/slides/slide22.xml><?xml version="1.0" encoding="utf-8"?>
+<file path=ppt/slides/slide23.xml><?xml version="1.0" encoding="utf-8"?>
 <p:sld xmlns:a="http://schemas.openxmlformats.org/drawingml/2006/main" xmlns:r="http://schemas.openxmlformats.org/officeDocument/2006/relationships" xmlns:p="http://schemas.openxmlformats.org/presentationml/2006/main">
   <p:cSld>
     <p:spTree>
@@ -12578,7 +13094,7 @@
         </p:blipFill>
         <p:spPr>
           <a:xfrm>
-            <a:off x="568059" y="1095488"/>
+            <a:off x="568059" y="1220583"/>
             <a:ext cx="6697010" cy="1971950"/>
           </a:xfrm>
           <a:prstGeom prst="rect">
@@ -12608,7 +13124,7 @@
         </p:blipFill>
         <p:spPr>
           <a:xfrm>
-            <a:off x="660411" y="3315487"/>
+            <a:off x="660411" y="3516782"/>
             <a:ext cx="6077798" cy="2524477"/>
           </a:xfrm>
           <a:prstGeom prst="rect">
@@ -12638,7 +13154,7 @@
         </p:blipFill>
         <p:spPr>
           <a:xfrm>
-            <a:off x="5086351" y="2176928"/>
+            <a:off x="5141596" y="2331868"/>
             <a:ext cx="7050102" cy="1184600"/>
           </a:xfrm>
           <a:prstGeom prst="rect">
@@ -12666,172 +13182,6 @@
       </p:par>
     </p:tnLst>
   </p:timing>
-</p:sld>
-</file>
-
-<file path=ppt/slides/slide23.xml><?xml version="1.0" encoding="utf-8"?>
-<p:sld xmlns:a="http://schemas.openxmlformats.org/drawingml/2006/main" xmlns:r="http://schemas.openxmlformats.org/officeDocument/2006/relationships" xmlns:p="http://schemas.openxmlformats.org/presentationml/2006/main">
-  <p:cSld>
-    <p:spTree>
-      <p:nvGrpSpPr>
-        <p:cNvPr id="1" name=""/>
-        <p:cNvGrpSpPr/>
-        <p:nvPr/>
-      </p:nvGrpSpPr>
-      <p:grpSpPr>
-        <a:xfrm>
-          <a:off x="0" y="0"/>
-          <a:ext cx="0" cy="0"/>
-          <a:chOff x="0" y="0"/>
-          <a:chExt cx="0" cy="0"/>
-        </a:xfrm>
-      </p:grpSpPr>
-      <p:sp>
-        <p:nvSpPr>
-          <p:cNvPr id="2" name="文本框 1"/>
-          <p:cNvSpPr txBox="1"/>
-          <p:nvPr/>
-        </p:nvSpPr>
-        <p:spPr>
-          <a:xfrm>
-            <a:off x="755020" y="385774"/>
-            <a:ext cx="5314275" cy="461665"/>
-          </a:xfrm>
-          <a:prstGeom prst="rect">
-            <a:avLst/>
-          </a:prstGeom>
-          <a:noFill/>
-        </p:spPr>
-        <p:txBody>
-          <a:bodyPr wrap="none" rtlCol="0">
-            <a:spAutoFit/>
-          </a:bodyPr>
-          <a:lstStyle/>
-          <a:p>
-            <a:r>
-              <a:rPr lang="zh-CN" altLang="en-US" sz="2400" dirty="0"/>
-              <a:t>日志</a:t>
-            </a:r>
-            <a:r>
-              <a:rPr lang="zh-CN" altLang="en-US" sz="2400" dirty="0" smtClean="0"/>
-              <a:t>规范</a:t>
-            </a:r>
-            <a:r>
-              <a:rPr lang="en-US" altLang="zh-CN" sz="2400" dirty="0" smtClean="0"/>
-              <a:t>--</a:t>
-            </a:r>
-            <a:r>
-              <a:rPr lang="zh-CN" altLang="en-US" sz="2400" dirty="0" smtClean="0"/>
-              <a:t>（必须、强制要求！！！）</a:t>
-            </a:r>
-            <a:endParaRPr kumimoji="1" lang="zh-CN" altLang="en-US" sz="2400" dirty="0">
-              <a:solidFill>
-                <a:srgbClr val="1C2C44"/>
-              </a:solidFill>
-              <a:latin typeface="+mj-ea"/>
-              <a:ea typeface="+mj-ea"/>
-            </a:endParaRPr>
-          </a:p>
-        </p:txBody>
-      </p:sp>
-      <p:pic>
-        <p:nvPicPr>
-          <p:cNvPr id="3" name="图片 2"/>
-          <p:cNvPicPr>
-            <a:picLocks noChangeAspect="1"/>
-          </p:cNvPicPr>
-          <p:nvPr/>
-        </p:nvPicPr>
-        <p:blipFill>
-          <a:blip r:embed="rId1">
-            <a:extLst>
-              <a:ext uri="{28A0092B-C50C-407E-A947-70E740481C1C}">
-                <a14:useLocalDpi xmlns:a14="http://schemas.microsoft.com/office/drawing/2010/main" val="0"/>
-              </a:ext>
-            </a:extLst>
-          </a:blip>
-          <a:stretch>
-            <a:fillRect/>
-          </a:stretch>
-        </p:blipFill>
-        <p:spPr>
-          <a:xfrm>
-            <a:off x="755020" y="1024450"/>
-            <a:ext cx="6716062" cy="1267002"/>
-          </a:xfrm>
-          <a:prstGeom prst="rect">
-            <a:avLst/>
-          </a:prstGeom>
-        </p:spPr>
-      </p:pic>
-      <p:pic>
-        <p:nvPicPr>
-          <p:cNvPr id="4" name="图片 3"/>
-          <p:cNvPicPr>
-            <a:picLocks noChangeAspect="1"/>
-          </p:cNvPicPr>
-          <p:nvPr/>
-        </p:nvPicPr>
-        <p:blipFill>
-          <a:blip r:embed="rId2">
-            <a:extLst>
-              <a:ext uri="{28A0092B-C50C-407E-A947-70E740481C1C}">
-                <a14:useLocalDpi xmlns:a14="http://schemas.microsoft.com/office/drawing/2010/main" val="0"/>
-              </a:ext>
-            </a:extLst>
-          </a:blip>
-          <a:stretch>
-            <a:fillRect/>
-          </a:stretch>
-        </p:blipFill>
-        <p:spPr>
-          <a:xfrm>
-            <a:off x="812178" y="2468463"/>
-            <a:ext cx="6601746" cy="1228896"/>
-          </a:xfrm>
-          <a:prstGeom prst="rect">
-            <a:avLst/>
-          </a:prstGeom>
-        </p:spPr>
-      </p:pic>
-      <p:pic>
-        <p:nvPicPr>
-          <p:cNvPr id="5" name="图片 4"/>
-          <p:cNvPicPr>
-            <a:picLocks noChangeAspect="1"/>
-          </p:cNvPicPr>
-          <p:nvPr/>
-        </p:nvPicPr>
-        <p:blipFill>
-          <a:blip r:embed="rId3">
-            <a:extLst>
-              <a:ext uri="{28A0092B-C50C-407E-A947-70E740481C1C}">
-                <a14:useLocalDpi xmlns:a14="http://schemas.microsoft.com/office/drawing/2010/main" val="0"/>
-              </a:ext>
-            </a:extLst>
-          </a:blip>
-          <a:stretch>
-            <a:fillRect/>
-          </a:stretch>
-        </p:blipFill>
-        <p:spPr>
-          <a:xfrm>
-            <a:off x="812178" y="3977724"/>
-            <a:ext cx="6458851" cy="943107"/>
-          </a:xfrm>
-          <a:prstGeom prst="rect">
-            <a:avLst/>
-          </a:prstGeom>
-        </p:spPr>
-      </p:pic>
-    </p:spTree>
-  </p:cSld>
-  <p:clrMapOvr>
-    <a:masterClrMapping/>
-  </p:clrMapOvr>
-  <p:transition spd="slow" advClick="0" advTm="4000">
-    <p:wipe/>
-  </p:transition>
 </p:sld>
 </file>
 
@@ -12861,7 +13211,7 @@
         <p:spPr>
           <a:xfrm>
             <a:off x="755020" y="385774"/>
-            <a:ext cx="3458845" cy="460375"/>
+            <a:ext cx="1402080" cy="460375"/>
           </a:xfrm>
           <a:prstGeom prst="rect">
             <a:avLst/>
@@ -12875,44 +13225,12 @@
           <a:lstStyle/>
           <a:p>
             <a:r>
-              <a:rPr kumimoji="1" lang="zh-CN" sz="2400" dirty="0">
-                <a:solidFill>
-                  <a:srgbClr val="1C2C44"/>
-                </a:solidFill>
-                <a:latin typeface="+mj-ea"/>
-                <a:ea typeface="+mj-ea"/>
-              </a:rPr>
-              <a:t>插件安装使用</a:t>
-            </a:r>
-            <a:r>
-              <a:rPr kumimoji="1" lang="en-US" altLang="zh-CN" sz="2400" dirty="0">
-                <a:solidFill>
-                  <a:srgbClr val="1C2C44"/>
-                </a:solidFill>
-                <a:latin typeface="+mj-ea"/>
-                <a:ea typeface="+mj-ea"/>
-              </a:rPr>
-              <a:t>-</a:t>
-            </a:r>
-            <a:r>
-              <a:rPr kumimoji="1" lang="zh-CN" altLang="en-US" sz="2400" dirty="0">
-                <a:solidFill>
-                  <a:srgbClr val="1C2C44"/>
-                </a:solidFill>
-                <a:latin typeface="+mj-ea"/>
-                <a:ea typeface="+mj-ea"/>
-              </a:rPr>
-              <a:t>基于</a:t>
-            </a:r>
-            <a:r>
-              <a:rPr kumimoji="1" lang="en-US" altLang="zh-CN" sz="2400" dirty="0">
-                <a:solidFill>
-                  <a:srgbClr val="1C2C44"/>
-                </a:solidFill>
-                <a:latin typeface="+mj-ea"/>
-                <a:ea typeface="+mj-ea"/>
-              </a:rPr>
-              <a:t>IDEA</a:t>
+              <a:rPr lang="zh-CN" altLang="en-US" sz="2400" dirty="0"/>
+              <a:t>日志</a:t>
+            </a:r>
+            <a:r>
+              <a:rPr lang="zh-CN" altLang="en-US" sz="2400" dirty="0" smtClean="0"/>
+              <a:t>规范</a:t>
             </a:r>
             <a:endParaRPr kumimoji="1" lang="zh-CN" altLang="en-US" sz="2400" dirty="0">
               <a:solidFill>
@@ -12924,65 +13242,90 @@
           </a:p>
         </p:txBody>
       </p:sp>
-      <p:sp>
-        <p:nvSpPr>
-          <p:cNvPr id="6" name="文本框 5"/>
-          <p:cNvSpPr txBox="1"/>
-          <p:nvPr/>
-        </p:nvSpPr>
-        <p:spPr>
-          <a:xfrm>
-            <a:off x="628015" y="1200785"/>
-            <a:ext cx="11053445" cy="645160"/>
-          </a:xfrm>
-          <a:prstGeom prst="rect">
-            <a:avLst/>
-          </a:prstGeom>
-          <a:noFill/>
-        </p:spPr>
-        <p:txBody>
-          <a:bodyPr wrap="square" rtlCol="0">
-            <a:spAutoFit/>
-          </a:bodyPr>
-          <a:p>
-            <a:r>
-              <a:rPr lang="zh-CN" altLang="en-US"/>
-              <a:t>打开 IDEA，选择 File - Settings - Plugins - Browse repositories 后，输入 alibaba 选中 Alibaba Java Coding Guidelines，点击 Install。确认安装完成后重启</a:t>
-            </a:r>
-            <a:r>
-              <a:rPr lang="en-US" altLang="zh-CN"/>
-              <a:t>idea</a:t>
-            </a:r>
-            <a:r>
-              <a:rPr lang="zh-CN" altLang="en-US"/>
-              <a:t>，安装完成！</a:t>
-            </a:r>
-            <a:endParaRPr lang="zh-CN" altLang="en-US"/>
-          </a:p>
-        </p:txBody>
-      </p:sp>
       <p:pic>
         <p:nvPicPr>
-          <p:cNvPr id="8" name="图片 7"/>
+          <p:cNvPr id="3" name="图片 2"/>
           <p:cNvPicPr>
             <a:picLocks noChangeAspect="1"/>
           </p:cNvPicPr>
-          <p:nvPr>
-            <p:custDataLst>
-              <p:tags r:id="rId1"/>
-            </p:custDataLst>
-          </p:nvPr>
+          <p:nvPr/>
         </p:nvPicPr>
         <p:blipFill>
-          <a:blip r:embed="rId2"/>
+          <a:blip r:embed="rId1">
+            <a:extLst>
+              <a:ext uri="{28A0092B-C50C-407E-A947-70E740481C1C}">
+                <a14:useLocalDpi xmlns:a14="http://schemas.microsoft.com/office/drawing/2010/main" val="0"/>
+              </a:ext>
+            </a:extLst>
+          </a:blip>
           <a:stretch>
             <a:fillRect/>
           </a:stretch>
         </p:blipFill>
         <p:spPr>
           <a:xfrm>
-            <a:off x="1549400" y="1969770"/>
-            <a:ext cx="7978775" cy="4755515"/>
+            <a:off x="755020" y="1024450"/>
+            <a:ext cx="6716062" cy="1267002"/>
+          </a:xfrm>
+          <a:prstGeom prst="rect">
+            <a:avLst/>
+          </a:prstGeom>
+        </p:spPr>
+      </p:pic>
+      <p:pic>
+        <p:nvPicPr>
+          <p:cNvPr id="4" name="图片 3"/>
+          <p:cNvPicPr>
+            <a:picLocks noChangeAspect="1"/>
+          </p:cNvPicPr>
+          <p:nvPr/>
+        </p:nvPicPr>
+        <p:blipFill>
+          <a:blip r:embed="rId2">
+            <a:extLst>
+              <a:ext uri="{28A0092B-C50C-407E-A947-70E740481C1C}">
+                <a14:useLocalDpi xmlns:a14="http://schemas.microsoft.com/office/drawing/2010/main" val="0"/>
+              </a:ext>
+            </a:extLst>
+          </a:blip>
+          <a:stretch>
+            <a:fillRect/>
+          </a:stretch>
+        </p:blipFill>
+        <p:spPr>
+          <a:xfrm>
+            <a:off x="812178" y="2468463"/>
+            <a:ext cx="6601746" cy="1228896"/>
+          </a:xfrm>
+          <a:prstGeom prst="rect">
+            <a:avLst/>
+          </a:prstGeom>
+        </p:spPr>
+      </p:pic>
+      <p:pic>
+        <p:nvPicPr>
+          <p:cNvPr id="5" name="图片 4"/>
+          <p:cNvPicPr>
+            <a:picLocks noChangeAspect="1"/>
+          </p:cNvPicPr>
+          <p:nvPr/>
+        </p:nvPicPr>
+        <p:blipFill>
+          <a:blip r:embed="rId3">
+            <a:extLst>
+              <a:ext uri="{28A0092B-C50C-407E-A947-70E740481C1C}">
+                <a14:useLocalDpi xmlns:a14="http://schemas.microsoft.com/office/drawing/2010/main" val="0"/>
+              </a:ext>
+            </a:extLst>
+          </a:blip>
+          <a:stretch>
+            <a:fillRect/>
+          </a:stretch>
+        </p:blipFill>
+        <p:spPr>
+          <a:xfrm>
+            <a:off x="812178" y="3977724"/>
+            <a:ext cx="6458851" cy="943107"/>
           </a:xfrm>
           <a:prstGeom prst="rect">
             <a:avLst/>
@@ -13098,7 +13441,7 @@
         <p:spPr>
           <a:xfrm>
             <a:off x="628015" y="1200785"/>
-            <a:ext cx="4833620" cy="2030095"/>
+            <a:ext cx="11053445" cy="645160"/>
           </a:xfrm>
           <a:prstGeom prst="rect">
             <a:avLst/>
@@ -13111,38 +13454,16 @@
           </a:bodyPr>
           <a:p>
             <a:r>
-              <a:rPr lang="zh-CN"/>
-              <a:t>选中想进行代码走查的包，右击选择</a:t>
+              <a:rPr lang="zh-CN" altLang="en-US"/>
+              <a:t>打开 IDEA，选择 File - Settings - Plugins - Browse repositories 后，输入 alibaba 选中 Alibaba Java Coding Guidelines，点击 Install。确认安装完成后重启</a:t>
             </a:r>
             <a:r>
               <a:rPr lang="en-US" altLang="zh-CN"/>
-              <a:t>“</a:t>
+              <a:t>idea</a:t>
             </a:r>
             <a:r>
               <a:rPr lang="zh-CN" altLang="en-US"/>
-              <a:t>编码规约扫描</a:t>
-            </a:r>
-            <a:r>
-              <a:rPr lang="en-US" altLang="zh-CN"/>
-              <a:t>”</a:t>
-            </a:r>
-            <a:r>
-              <a:rPr lang="zh-CN" altLang="en-US"/>
-              <a:t>。</a:t>
-            </a:r>
-            <a:endParaRPr lang="zh-CN" altLang="en-US"/>
-          </a:p>
-          <a:p>
-            <a:r>
-              <a:rPr lang="zh-CN" altLang="en-US"/>
-              <a:t>插件会按照阿里规约规定的条约对指定包的代码进行检查。</a:t>
-            </a:r>
-            <a:endParaRPr lang="zh-CN" altLang="en-US"/>
-          </a:p>
-          <a:p>
-            <a:r>
-              <a:rPr lang="zh-CN" altLang="en-US"/>
-              <a:t>在持续集成部署中，代码走查是一个重要环节。原则上，代码走查不通过的代码是不允许进行发布使用的。</a:t>
+              <a:t>，安装完成！</a:t>
             </a:r>
             <a:endParaRPr lang="zh-CN" altLang="en-US"/>
           </a:p>
@@ -13150,7 +13471,7 @@
       </p:sp>
       <p:pic>
         <p:nvPicPr>
-          <p:cNvPr id="3" name="图片 2"/>
+          <p:cNvPr id="8" name="图片 7"/>
           <p:cNvPicPr>
             <a:picLocks noChangeAspect="1"/>
           </p:cNvPicPr>
@@ -13168,8 +13489,8 @@
         </p:blipFill>
         <p:spPr>
           <a:xfrm>
-            <a:off x="6253480" y="1025525"/>
-            <a:ext cx="4916805" cy="4587875"/>
+            <a:off x="1549400" y="1969770"/>
+            <a:ext cx="7978775" cy="4755515"/>
           </a:xfrm>
           <a:prstGeom prst="rect">
             <a:avLst/>
@@ -13284,8 +13605,8 @@
         </p:nvSpPr>
         <p:spPr>
           <a:xfrm>
-            <a:off x="755015" y="957580"/>
-            <a:ext cx="11043920" cy="1014730"/>
+            <a:off x="628015" y="1200785"/>
+            <a:ext cx="4833620" cy="2030095"/>
           </a:xfrm>
           <a:prstGeom prst="rect">
             <a:avLst/>
@@ -13299,63 +13620,64 @@
           <a:p>
             <a:r>
               <a:rPr lang="zh-CN"/>
-              <a:t>扫描结果如下：</a:t>
-            </a:r>
-            <a:endParaRPr lang="zh-CN"/>
-          </a:p>
-          <a:p>
-            <a:r>
-              <a:rPr lang="en-US" altLang="zh-CN" sz="1400"/>
-              <a:t>1.Blocker</a:t>
-            </a:r>
-            <a:r>
-              <a:rPr lang="zh-CN" altLang="en-US" sz="1400"/>
-              <a:t>：代表严重，为必须解决的问题，涉及到代码运行安全；</a:t>
-            </a:r>
-            <a:endParaRPr lang="zh-CN" altLang="en-US" sz="1400"/>
-          </a:p>
-          <a:p>
-            <a:r>
-              <a:rPr lang="en-US" altLang="zh-CN" sz="1400"/>
-              <a:t>2.Critical</a:t>
-            </a:r>
-            <a:r>
-              <a:rPr lang="zh-CN" altLang="en-US" sz="1400"/>
-              <a:t>：标识警告，大部分需要处理</a:t>
-            </a:r>
-            <a:endParaRPr lang="zh-CN" altLang="en-US" sz="1400"/>
-          </a:p>
-          <a:p>
-            <a:r>
-              <a:rPr lang="en-US" altLang="zh-CN" sz="1400"/>
-              <a:t>3.Major</a:t>
-            </a:r>
-            <a:r>
-              <a:rPr lang="zh-CN" altLang="en-US" sz="1400"/>
-              <a:t>：   代表建议，按照项目需求选择性处理</a:t>
-            </a:r>
-            <a:endParaRPr lang="zh-CN" altLang="en-US" sz="1400"/>
+              <a:t>选中想进行代码走查的包，右击选择</a:t>
+            </a:r>
+            <a:r>
+              <a:rPr lang="en-US" altLang="zh-CN"/>
+              <a:t>“</a:t>
+            </a:r>
+            <a:r>
+              <a:rPr lang="zh-CN" altLang="en-US"/>
+              <a:t>编码规约扫描</a:t>
+            </a:r>
+            <a:r>
+              <a:rPr lang="en-US" altLang="zh-CN"/>
+              <a:t>”</a:t>
+            </a:r>
+            <a:r>
+              <a:rPr lang="zh-CN" altLang="en-US"/>
+              <a:t>。</a:t>
+            </a:r>
+            <a:endParaRPr lang="zh-CN" altLang="en-US"/>
+          </a:p>
+          <a:p>
+            <a:r>
+              <a:rPr lang="zh-CN" altLang="en-US"/>
+              <a:t>插件会按照阿里规约规定的条约对指定包的代码进行检查。</a:t>
+            </a:r>
+            <a:endParaRPr lang="zh-CN" altLang="en-US"/>
+          </a:p>
+          <a:p>
+            <a:r>
+              <a:rPr lang="zh-CN" altLang="en-US"/>
+              <a:t>在持续集成部署中，代码走查是一个重要环节。原则上，代码走查不通过的代码是不允许进行发布使用的。</a:t>
+            </a:r>
+            <a:endParaRPr lang="zh-CN" altLang="en-US"/>
           </a:p>
         </p:txBody>
       </p:sp>
       <p:pic>
         <p:nvPicPr>
-          <p:cNvPr id="4" name="图片 3"/>
+          <p:cNvPr id="3" name="图片 2"/>
           <p:cNvPicPr>
             <a:picLocks noChangeAspect="1"/>
           </p:cNvPicPr>
-          <p:nvPr/>
+          <p:nvPr>
+            <p:custDataLst>
+              <p:tags r:id="rId1"/>
+            </p:custDataLst>
+          </p:nvPr>
         </p:nvPicPr>
         <p:blipFill>
-          <a:blip r:embed="rId1"/>
+          <a:blip r:embed="rId2"/>
           <a:stretch>
             <a:fillRect/>
           </a:stretch>
         </p:blipFill>
         <p:spPr>
           <a:xfrm>
-            <a:off x="428625" y="2270125"/>
-            <a:ext cx="11502390" cy="4201795"/>
+            <a:off x="6253480" y="1025525"/>
+            <a:ext cx="4916805" cy="4587875"/>
           </a:xfrm>
           <a:prstGeom prst="rect">
             <a:avLst/>
@@ -13470,8 +13792,8 @@
         </p:nvSpPr>
         <p:spPr>
           <a:xfrm>
-            <a:off x="628015" y="1200785"/>
-            <a:ext cx="4833620" cy="645160"/>
+            <a:off x="755015" y="957580"/>
+            <a:ext cx="11043920" cy="1014730"/>
           </a:xfrm>
           <a:prstGeom prst="rect">
             <a:avLst/>
@@ -13485,25 +13807,42 @@
           <a:p>
             <a:r>
               <a:rPr lang="zh-CN"/>
-              <a:t>在编码时候会有</a:t>
-            </a:r>
-            <a:r>
-              <a:rPr lang="en-US" altLang="zh-CN"/>
-              <a:t>“</a:t>
-            </a:r>
-            <a:r>
-              <a:rPr lang="zh-CN" altLang="en-US"/>
-              <a:t>友情提示</a:t>
-            </a:r>
-            <a:r>
-              <a:rPr lang="en-US" altLang="zh-CN"/>
-              <a:t>”</a:t>
-            </a:r>
-            <a:r>
-              <a:rPr lang="zh-CN" altLang="en-US"/>
-              <a:t>，时刻关注一些飘红的地方！</a:t>
-            </a:r>
-            <a:endParaRPr lang="zh-CN" altLang="en-US"/>
+              <a:t>扫描结果如下：</a:t>
+            </a:r>
+            <a:endParaRPr lang="zh-CN"/>
+          </a:p>
+          <a:p>
+            <a:r>
+              <a:rPr lang="en-US" altLang="zh-CN" sz="1400"/>
+              <a:t>1.Blocker</a:t>
+            </a:r>
+            <a:r>
+              <a:rPr lang="zh-CN" altLang="en-US" sz="1400"/>
+              <a:t>：代表严重，为必须解决的问题，涉及到代码运行安全；</a:t>
+            </a:r>
+            <a:endParaRPr lang="zh-CN" altLang="en-US" sz="1400"/>
+          </a:p>
+          <a:p>
+            <a:r>
+              <a:rPr lang="en-US" altLang="zh-CN" sz="1400"/>
+              <a:t>2.Critical</a:t>
+            </a:r>
+            <a:r>
+              <a:rPr lang="zh-CN" altLang="en-US" sz="1400"/>
+              <a:t>：标识警告，大部分需要处理</a:t>
+            </a:r>
+            <a:endParaRPr lang="zh-CN" altLang="en-US" sz="1400"/>
+          </a:p>
+          <a:p>
+            <a:r>
+              <a:rPr lang="en-US" altLang="zh-CN" sz="1400"/>
+              <a:t>3.Major</a:t>
+            </a:r>
+            <a:r>
+              <a:rPr lang="zh-CN" altLang="en-US" sz="1400"/>
+              <a:t>：   代表建议，按照项目需求选择性处理</a:t>
+            </a:r>
+            <a:endParaRPr lang="zh-CN" altLang="en-US" sz="1400"/>
           </a:p>
         </p:txBody>
       </p:sp>
@@ -13523,8 +13862,8 @@
         </p:blipFill>
         <p:spPr>
           <a:xfrm>
-            <a:off x="523875" y="2541905"/>
-            <a:ext cx="10753725" cy="1885950"/>
+            <a:off x="428625" y="2270125"/>
+            <a:ext cx="11502390" cy="4201795"/>
           </a:xfrm>
           <a:prstGeom prst="rect">
             <a:avLst/>
@@ -13543,6 +13882,175 @@
 </file>
 
 <file path=ppt/slides/slide28.xml><?xml version="1.0" encoding="utf-8"?>
+<p:sld xmlns:a="http://schemas.openxmlformats.org/drawingml/2006/main" xmlns:r="http://schemas.openxmlformats.org/officeDocument/2006/relationships" xmlns:p="http://schemas.openxmlformats.org/presentationml/2006/main">
+  <p:cSld>
+    <p:spTree>
+      <p:nvGrpSpPr>
+        <p:cNvPr id="1" name=""/>
+        <p:cNvGrpSpPr/>
+        <p:nvPr/>
+      </p:nvGrpSpPr>
+      <p:grpSpPr>
+        <a:xfrm>
+          <a:off x="0" y="0"/>
+          <a:ext cx="0" cy="0"/>
+          <a:chOff x="0" y="0"/>
+          <a:chExt cx="0" cy="0"/>
+        </a:xfrm>
+      </p:grpSpPr>
+      <p:sp>
+        <p:nvSpPr>
+          <p:cNvPr id="2" name="文本框 1"/>
+          <p:cNvSpPr txBox="1"/>
+          <p:nvPr/>
+        </p:nvSpPr>
+        <p:spPr>
+          <a:xfrm>
+            <a:off x="755020" y="385774"/>
+            <a:ext cx="3458845" cy="460375"/>
+          </a:xfrm>
+          <a:prstGeom prst="rect">
+            <a:avLst/>
+          </a:prstGeom>
+          <a:noFill/>
+        </p:spPr>
+        <p:txBody>
+          <a:bodyPr wrap="none" rtlCol="0">
+            <a:spAutoFit/>
+          </a:bodyPr>
+          <a:lstStyle/>
+          <a:p>
+            <a:r>
+              <a:rPr kumimoji="1" lang="zh-CN" sz="2400" dirty="0">
+                <a:solidFill>
+                  <a:srgbClr val="1C2C44"/>
+                </a:solidFill>
+                <a:latin typeface="+mj-ea"/>
+                <a:ea typeface="+mj-ea"/>
+              </a:rPr>
+              <a:t>插件安装使用</a:t>
+            </a:r>
+            <a:r>
+              <a:rPr kumimoji="1" lang="en-US" altLang="zh-CN" sz="2400" dirty="0">
+                <a:solidFill>
+                  <a:srgbClr val="1C2C44"/>
+                </a:solidFill>
+                <a:latin typeface="+mj-ea"/>
+                <a:ea typeface="+mj-ea"/>
+              </a:rPr>
+              <a:t>-</a:t>
+            </a:r>
+            <a:r>
+              <a:rPr kumimoji="1" lang="zh-CN" altLang="en-US" sz="2400" dirty="0">
+                <a:solidFill>
+                  <a:srgbClr val="1C2C44"/>
+                </a:solidFill>
+                <a:latin typeface="+mj-ea"/>
+                <a:ea typeface="+mj-ea"/>
+              </a:rPr>
+              <a:t>基于</a:t>
+            </a:r>
+            <a:r>
+              <a:rPr kumimoji="1" lang="en-US" altLang="zh-CN" sz="2400" dirty="0">
+                <a:solidFill>
+                  <a:srgbClr val="1C2C44"/>
+                </a:solidFill>
+                <a:latin typeface="+mj-ea"/>
+                <a:ea typeface="+mj-ea"/>
+              </a:rPr>
+              <a:t>IDEA</a:t>
+            </a:r>
+            <a:endParaRPr kumimoji="1" lang="zh-CN" altLang="en-US" sz="2400" dirty="0">
+              <a:solidFill>
+                <a:srgbClr val="1C2C44"/>
+              </a:solidFill>
+              <a:latin typeface="+mj-ea"/>
+              <a:ea typeface="+mj-ea"/>
+            </a:endParaRPr>
+          </a:p>
+        </p:txBody>
+      </p:sp>
+      <p:sp>
+        <p:nvSpPr>
+          <p:cNvPr id="6" name="文本框 5"/>
+          <p:cNvSpPr txBox="1"/>
+          <p:nvPr/>
+        </p:nvSpPr>
+        <p:spPr>
+          <a:xfrm>
+            <a:off x="628015" y="1200785"/>
+            <a:ext cx="4833620" cy="645160"/>
+          </a:xfrm>
+          <a:prstGeom prst="rect">
+            <a:avLst/>
+          </a:prstGeom>
+          <a:noFill/>
+        </p:spPr>
+        <p:txBody>
+          <a:bodyPr wrap="square" rtlCol="0">
+            <a:spAutoFit/>
+          </a:bodyPr>
+          <a:p>
+            <a:r>
+              <a:rPr lang="zh-CN"/>
+              <a:t>在编码时候会有</a:t>
+            </a:r>
+            <a:r>
+              <a:rPr lang="en-US" altLang="zh-CN"/>
+              <a:t>“</a:t>
+            </a:r>
+            <a:r>
+              <a:rPr lang="zh-CN" altLang="en-US"/>
+              <a:t>友情提示</a:t>
+            </a:r>
+            <a:r>
+              <a:rPr lang="en-US" altLang="zh-CN"/>
+              <a:t>”</a:t>
+            </a:r>
+            <a:r>
+              <a:rPr lang="zh-CN" altLang="en-US"/>
+              <a:t>，时刻关注一些飘红的地方！</a:t>
+            </a:r>
+            <a:endParaRPr lang="zh-CN" altLang="en-US"/>
+          </a:p>
+        </p:txBody>
+      </p:sp>
+      <p:pic>
+        <p:nvPicPr>
+          <p:cNvPr id="4" name="图片 3"/>
+          <p:cNvPicPr>
+            <a:picLocks noChangeAspect="1"/>
+          </p:cNvPicPr>
+          <p:nvPr/>
+        </p:nvPicPr>
+        <p:blipFill>
+          <a:blip r:embed="rId1"/>
+          <a:stretch>
+            <a:fillRect/>
+          </a:stretch>
+        </p:blipFill>
+        <p:spPr>
+          <a:xfrm>
+            <a:off x="523875" y="2541905"/>
+            <a:ext cx="10753725" cy="1885950"/>
+          </a:xfrm>
+          <a:prstGeom prst="rect">
+            <a:avLst/>
+          </a:prstGeom>
+        </p:spPr>
+      </p:pic>
+    </p:spTree>
+  </p:cSld>
+  <p:clrMapOvr>
+    <a:masterClrMapping/>
+  </p:clrMapOvr>
+  <p:transition spd="slow" advClick="0" advTm="4000">
+    <p:wipe/>
+  </p:transition>
+</p:sld>
+</file>
+
+<file path=ppt/slides/slide29.xml><?xml version="1.0" encoding="utf-8"?>
 <p:sld xmlns:a="http://schemas.openxmlformats.org/drawingml/2006/main" xmlns:r="http://schemas.openxmlformats.org/officeDocument/2006/relationships" xmlns:p="http://schemas.openxmlformats.org/presentationml/2006/main">
   <p:cSld>
     <p:spTree>
